--- a/Slides.pptx
+++ b/Slides.pptx
@@ -8,7 +8,16 @@
     <p:sldId id="256" r:id="rId2"/>
     <p:sldId id="257" r:id="rId3"/>
     <p:sldId id="258" r:id="rId4"/>
-    <p:sldId id="259" r:id="rId5"/>
+    <p:sldId id="261" r:id="rId5"/>
+    <p:sldId id="262" r:id="rId6"/>
+    <p:sldId id="263" r:id="rId7"/>
+    <p:sldId id="264" r:id="rId8"/>
+    <p:sldId id="265" r:id="rId9"/>
+    <p:sldId id="267" r:id="rId10"/>
+    <p:sldId id="268" r:id="rId11"/>
+    <p:sldId id="269" r:id="rId12"/>
+    <p:sldId id="259" r:id="rId13"/>
+    <p:sldId id="260" r:id="rId14"/>
   </p:sldIdLst>
   <p:sldSz cx="12192000" cy="6858000"/>
   <p:notesSz cx="6858000" cy="9144000"/>
@@ -108,6 +117,18 @@
     </a:lvl9pPr>
   </p:defaultTextStyle>
 </p:presentation>
+</file>
+
+<file path=ppt/commentAuthors.xml><?xml version="1.0" encoding="utf-8"?>
+<p:cmAuthorLst xmlns:a="http://schemas.openxmlformats.org/drawingml/2006/main" xmlns:r="http://schemas.openxmlformats.org/officeDocument/2006/relationships" xmlns:p="http://schemas.openxmlformats.org/presentationml/2006/main">
+  <p:cmAuthor id="1" name="Oskar Dudycz" initials="OD" lastIdx="1" clrIdx="0">
+    <p:extLst>
+      <p:ext uri="{19B8F6BF-5375-455C-9EA6-DF929625EA0E}">
+        <p15:presenceInfo xmlns:p15="http://schemas.microsoft.com/office/powerpoint/2012/main" userId="S-1-5-21-3624227412-2955519344-4135408192-5366" providerId="AD"/>
+      </p:ext>
+    </p:extLst>
+  </p:cmAuthor>
+</p:cmAuthorLst>
 </file>
 
 <file path=ppt/slideLayouts/slideLayout1.xml><?xml version="1.0" encoding="utf-8"?>
@@ -5757,6 +5778,1150 @@
 </p:sld>
 </file>
 
+<file path=ppt/slides/slide10.xml><?xml version="1.0" encoding="utf-8"?>
+<p:sld xmlns:a="http://schemas.openxmlformats.org/drawingml/2006/main" xmlns:r="http://schemas.openxmlformats.org/officeDocument/2006/relationships" xmlns:p="http://schemas.openxmlformats.org/presentationml/2006/main">
+  <p:cSld>
+    <p:spTree>
+      <p:nvGrpSpPr>
+        <p:cNvPr id="1" name=""/>
+        <p:cNvGrpSpPr/>
+        <p:nvPr/>
+      </p:nvGrpSpPr>
+      <p:grpSpPr>
+        <a:xfrm>
+          <a:off x="0" y="0"/>
+          <a:ext cx="0" cy="0"/>
+          <a:chOff x="0" y="0"/>
+          <a:chExt cx="0" cy="0"/>
+        </a:xfrm>
+      </p:grpSpPr>
+      <p:sp>
+        <p:nvSpPr>
+          <p:cNvPr id="2" name="Title 1"/>
+          <p:cNvSpPr>
+            <a:spLocks noGrp="1"/>
+          </p:cNvSpPr>
+          <p:nvPr>
+            <p:ph type="title"/>
+          </p:nvPr>
+        </p:nvSpPr>
+        <p:spPr/>
+        <p:txBody>
+          <a:bodyPr>
+            <a:normAutofit fontScale="90000"/>
+          </a:bodyPr>
+          <a:lstStyle/>
+          <a:p>
+            <a:r>
+              <a:rPr lang="pl-PL" dirty="0"/>
+              <a:t>CRUDY na pudy, </a:t>
+            </a:r>
+            <a:r>
+              <a:rPr lang="pl-PL" dirty="0" smtClean="0"/>
+              <a:t/>
+            </a:r>
+            <a:br>
+              <a:rPr lang="pl-PL" dirty="0" smtClean="0"/>
+            </a:br>
+            <a:r>
+              <a:rPr lang="pl-PL" dirty="0" smtClean="0"/>
+              <a:t>czyli </a:t>
+            </a:r>
+            <a:r>
+              <a:rPr lang="pl-PL" dirty="0"/>
+              <a:t>parę </a:t>
+            </a:r>
+            <a:r>
+              <a:rPr lang="pl-PL" dirty="0" smtClean="0"/>
+              <a:t>słów </a:t>
+            </a:r>
+            <a:r>
+              <a:rPr lang="pl-PL" dirty="0"/>
+              <a:t>o dyskomforcie w </a:t>
+            </a:r>
+            <a:r>
+              <a:rPr lang="pl-PL" dirty="0" smtClean="0"/>
+              <a:t>programowaniu</a:t>
+            </a:r>
+            <a:r>
+              <a:rPr lang="pl-PL" dirty="0"/>
+              <a:t/>
+            </a:r>
+            <a:br>
+              <a:rPr lang="pl-PL" dirty="0"/>
+            </a:br>
+            <a:endParaRPr lang="pl-PL" dirty="0"/>
+          </a:p>
+        </p:txBody>
+      </p:sp>
+      <p:sp>
+        <p:nvSpPr>
+          <p:cNvPr id="5" name="Cloud Callout 4"/>
+          <p:cNvSpPr/>
+          <p:nvPr/>
+        </p:nvSpPr>
+        <p:spPr>
+          <a:xfrm>
+            <a:off x="2801854" y="3121371"/>
+            <a:ext cx="1994080" cy="1336034"/>
+          </a:xfrm>
+          <a:prstGeom prst="cloudCallout">
+            <a:avLst/>
+          </a:prstGeom>
+        </p:spPr>
+        <p:style>
+          <a:lnRef idx="2">
+            <a:schemeClr val="accent1">
+              <a:shade val="50000"/>
+            </a:schemeClr>
+          </a:lnRef>
+          <a:fillRef idx="1">
+            <a:schemeClr val="accent1"/>
+          </a:fillRef>
+          <a:effectRef idx="0">
+            <a:schemeClr val="accent1"/>
+          </a:effectRef>
+          <a:fontRef idx="minor">
+            <a:schemeClr val="lt1"/>
+          </a:fontRef>
+        </p:style>
+        <p:txBody>
+          <a:bodyPr rtlCol="0" anchor="ctr"/>
+          <a:lstStyle/>
+          <a:p>
+            <a:pPr algn="ctr"/>
+            <a:r>
+              <a:rPr lang="pl-PL" dirty="0" smtClean="0"/>
+              <a:t>Controller</a:t>
+            </a:r>
+            <a:endParaRPr lang="pl-PL" dirty="0"/>
+          </a:p>
+        </p:txBody>
+      </p:sp>
+      <p:sp>
+        <p:nvSpPr>
+          <p:cNvPr id="6" name="Smiley Face 5"/>
+          <p:cNvSpPr/>
+          <p:nvPr/>
+        </p:nvSpPr>
+        <p:spPr>
+          <a:xfrm>
+            <a:off x="685800" y="3292222"/>
+            <a:ext cx="914400" cy="914400"/>
+          </a:xfrm>
+          <a:prstGeom prst="smileyFace">
+            <a:avLst/>
+          </a:prstGeom>
+        </p:spPr>
+        <p:style>
+          <a:lnRef idx="2">
+            <a:schemeClr val="accent1">
+              <a:shade val="50000"/>
+            </a:schemeClr>
+          </a:lnRef>
+          <a:fillRef idx="1">
+            <a:schemeClr val="accent1"/>
+          </a:fillRef>
+          <a:effectRef idx="0">
+            <a:schemeClr val="accent1"/>
+          </a:effectRef>
+          <a:fontRef idx="minor">
+            <a:schemeClr val="lt1"/>
+          </a:fontRef>
+        </p:style>
+        <p:txBody>
+          <a:bodyPr rtlCol="0" anchor="ctr"/>
+          <a:lstStyle/>
+          <a:p>
+            <a:pPr algn="ctr"/>
+            <a:endParaRPr lang="pl-PL" dirty="0"/>
+          </a:p>
+        </p:txBody>
+      </p:sp>
+      <p:sp>
+        <p:nvSpPr>
+          <p:cNvPr id="7" name="Cube 6"/>
+          <p:cNvSpPr/>
+          <p:nvPr/>
+        </p:nvSpPr>
+        <p:spPr>
+          <a:xfrm>
+            <a:off x="6036264" y="3121371"/>
+            <a:ext cx="1409263" cy="1409263"/>
+          </a:xfrm>
+          <a:prstGeom prst="cube">
+            <a:avLst/>
+          </a:prstGeom>
+        </p:spPr>
+        <p:style>
+          <a:lnRef idx="2">
+            <a:schemeClr val="accent1">
+              <a:shade val="50000"/>
+            </a:schemeClr>
+          </a:lnRef>
+          <a:fillRef idx="1">
+            <a:schemeClr val="accent1"/>
+          </a:fillRef>
+          <a:effectRef idx="0">
+            <a:schemeClr val="accent1"/>
+          </a:effectRef>
+          <a:fontRef idx="minor">
+            <a:schemeClr val="lt1"/>
+          </a:fontRef>
+        </p:style>
+        <p:txBody>
+          <a:bodyPr rtlCol="0" anchor="ctr"/>
+          <a:lstStyle/>
+          <a:p>
+            <a:pPr algn="ctr"/>
+            <a:r>
+              <a:rPr lang="pl-PL" dirty="0" smtClean="0"/>
+              <a:t>Service</a:t>
+            </a:r>
+          </a:p>
+          <a:p>
+            <a:pPr algn="ctr"/>
+            <a:endParaRPr lang="pl-PL" dirty="0"/>
+          </a:p>
+        </p:txBody>
+      </p:sp>
+      <p:sp>
+        <p:nvSpPr>
+          <p:cNvPr id="8" name="Can 7"/>
+          <p:cNvSpPr/>
+          <p:nvPr/>
+        </p:nvSpPr>
+        <p:spPr>
+          <a:xfrm>
+            <a:off x="9222347" y="3241253"/>
+            <a:ext cx="914400" cy="1216152"/>
+          </a:xfrm>
+          <a:prstGeom prst="can">
+            <a:avLst/>
+          </a:prstGeom>
+        </p:spPr>
+        <p:style>
+          <a:lnRef idx="2">
+            <a:schemeClr val="accent1">
+              <a:shade val="50000"/>
+            </a:schemeClr>
+          </a:lnRef>
+          <a:fillRef idx="1">
+            <a:schemeClr val="accent1"/>
+          </a:fillRef>
+          <a:effectRef idx="0">
+            <a:schemeClr val="accent1"/>
+          </a:effectRef>
+          <a:fontRef idx="minor">
+            <a:schemeClr val="lt1"/>
+          </a:fontRef>
+        </p:style>
+        <p:txBody>
+          <a:bodyPr rtlCol="0" anchor="ctr"/>
+          <a:lstStyle/>
+          <a:p>
+            <a:pPr algn="ctr"/>
+            <a:r>
+              <a:rPr lang="pl-PL" dirty="0" smtClean="0"/>
+              <a:t>DB</a:t>
+            </a:r>
+          </a:p>
+        </p:txBody>
+      </p:sp>
+      <p:sp>
+        <p:nvSpPr>
+          <p:cNvPr id="9" name="Right Arrow 8"/>
+          <p:cNvSpPr/>
+          <p:nvPr/>
+        </p:nvSpPr>
+        <p:spPr>
+          <a:xfrm>
+            <a:off x="1823446" y="3537521"/>
+            <a:ext cx="978408" cy="484632"/>
+          </a:xfrm>
+          <a:prstGeom prst="rightArrow">
+            <a:avLst/>
+          </a:prstGeom>
+        </p:spPr>
+        <p:style>
+          <a:lnRef idx="2">
+            <a:schemeClr val="accent1">
+              <a:shade val="50000"/>
+            </a:schemeClr>
+          </a:lnRef>
+          <a:fillRef idx="1">
+            <a:schemeClr val="accent1"/>
+          </a:fillRef>
+          <a:effectRef idx="0">
+            <a:schemeClr val="accent1"/>
+          </a:effectRef>
+          <a:fontRef idx="minor">
+            <a:schemeClr val="lt1"/>
+          </a:fontRef>
+        </p:style>
+        <p:txBody>
+          <a:bodyPr rtlCol="0" anchor="ctr"/>
+          <a:lstStyle/>
+          <a:p>
+            <a:pPr algn="ctr"/>
+            <a:endParaRPr lang="pl-PL" dirty="0"/>
+          </a:p>
+        </p:txBody>
+      </p:sp>
+      <p:sp>
+        <p:nvSpPr>
+          <p:cNvPr id="10" name="Right Arrow 9"/>
+          <p:cNvSpPr/>
+          <p:nvPr/>
+        </p:nvSpPr>
+        <p:spPr>
+          <a:xfrm>
+            <a:off x="4823301" y="3507106"/>
+            <a:ext cx="978408" cy="484632"/>
+          </a:xfrm>
+          <a:prstGeom prst="rightArrow">
+            <a:avLst/>
+          </a:prstGeom>
+        </p:spPr>
+        <p:style>
+          <a:lnRef idx="2">
+            <a:schemeClr val="accent1">
+              <a:shade val="50000"/>
+            </a:schemeClr>
+          </a:lnRef>
+          <a:fillRef idx="1">
+            <a:schemeClr val="accent1"/>
+          </a:fillRef>
+          <a:effectRef idx="0">
+            <a:schemeClr val="accent1"/>
+          </a:effectRef>
+          <a:fontRef idx="minor">
+            <a:schemeClr val="lt1"/>
+          </a:fontRef>
+        </p:style>
+        <p:txBody>
+          <a:bodyPr rtlCol="0" anchor="ctr"/>
+          <a:lstStyle/>
+          <a:p>
+            <a:pPr algn="ctr"/>
+            <a:endParaRPr lang="pl-PL" dirty="0"/>
+          </a:p>
+        </p:txBody>
+      </p:sp>
+      <p:sp>
+        <p:nvSpPr>
+          <p:cNvPr id="12" name="Cube 11"/>
+          <p:cNvSpPr/>
+          <p:nvPr/>
+        </p:nvSpPr>
+        <p:spPr>
+          <a:xfrm>
+            <a:off x="5292956" y="4304336"/>
+            <a:ext cx="1409263" cy="1409263"/>
+          </a:xfrm>
+          <a:prstGeom prst="cube">
+            <a:avLst/>
+          </a:prstGeom>
+        </p:spPr>
+        <p:style>
+          <a:lnRef idx="2">
+            <a:schemeClr val="accent1">
+              <a:shade val="50000"/>
+            </a:schemeClr>
+          </a:lnRef>
+          <a:fillRef idx="1">
+            <a:schemeClr val="accent1"/>
+          </a:fillRef>
+          <a:effectRef idx="0">
+            <a:schemeClr val="accent1"/>
+          </a:effectRef>
+          <a:fontRef idx="minor">
+            <a:schemeClr val="lt1"/>
+          </a:fontRef>
+        </p:style>
+        <p:txBody>
+          <a:bodyPr rtlCol="0" anchor="ctr"/>
+          <a:lstStyle/>
+          <a:p>
+            <a:pPr algn="ctr"/>
+            <a:r>
+              <a:rPr lang="pl-PL" sz="1200" dirty="0" err="1" smtClean="0"/>
+              <a:t>Repository</a:t>
+            </a:r>
+            <a:endParaRPr lang="pl-PL" sz="1200" dirty="0" smtClean="0"/>
+          </a:p>
+          <a:p>
+            <a:pPr algn="ctr"/>
+            <a:endParaRPr lang="pl-PL" sz="1200" dirty="0"/>
+          </a:p>
+        </p:txBody>
+      </p:sp>
+      <p:sp>
+        <p:nvSpPr>
+          <p:cNvPr id="14" name="Cube 13"/>
+          <p:cNvSpPr/>
+          <p:nvPr/>
+        </p:nvSpPr>
+        <p:spPr>
+          <a:xfrm>
+            <a:off x="6587013" y="4304335"/>
+            <a:ext cx="1409263" cy="1409263"/>
+          </a:xfrm>
+          <a:prstGeom prst="cube">
+            <a:avLst/>
+          </a:prstGeom>
+        </p:spPr>
+        <p:style>
+          <a:lnRef idx="2">
+            <a:schemeClr val="accent1">
+              <a:shade val="50000"/>
+            </a:schemeClr>
+          </a:lnRef>
+          <a:fillRef idx="1">
+            <a:schemeClr val="accent1"/>
+          </a:fillRef>
+          <a:effectRef idx="0">
+            <a:schemeClr val="accent1"/>
+          </a:effectRef>
+          <a:fontRef idx="minor">
+            <a:schemeClr val="lt1"/>
+          </a:fontRef>
+        </p:style>
+        <p:txBody>
+          <a:bodyPr rtlCol="0" anchor="ctr"/>
+          <a:lstStyle/>
+          <a:p>
+            <a:pPr algn="ctr"/>
+            <a:r>
+              <a:rPr lang="pl-PL" sz="1200" dirty="0" smtClean="0"/>
+              <a:t>ORM</a:t>
+            </a:r>
+          </a:p>
+          <a:p>
+            <a:pPr algn="ctr"/>
+            <a:endParaRPr lang="pl-PL" sz="1200" dirty="0"/>
+          </a:p>
+        </p:txBody>
+      </p:sp>
+      <p:sp>
+        <p:nvSpPr>
+          <p:cNvPr id="13" name="TextBox 12"/>
+          <p:cNvSpPr txBox="1"/>
+          <p:nvPr/>
+        </p:nvSpPr>
+        <p:spPr>
+          <a:xfrm>
+            <a:off x="2895600" y="2626870"/>
+            <a:ext cx="2255746" cy="369332"/>
+          </a:xfrm>
+          <a:prstGeom prst="rect">
+            <a:avLst/>
+          </a:prstGeom>
+          <a:noFill/>
+        </p:spPr>
+        <p:txBody>
+          <a:bodyPr wrap="none" rtlCol="0">
+            <a:spAutoFit/>
+          </a:bodyPr>
+          <a:lstStyle/>
+          <a:p>
+            <a:r>
+              <a:rPr lang="pl-PL" dirty="0" err="1" smtClean="0"/>
+              <a:t>AccountController</a:t>
+            </a:r>
+            <a:endParaRPr lang="pl-PL" dirty="0"/>
+          </a:p>
+        </p:txBody>
+      </p:sp>
+      <p:sp>
+        <p:nvSpPr>
+          <p:cNvPr id="15" name="TextBox 14"/>
+          <p:cNvSpPr txBox="1"/>
+          <p:nvPr/>
+        </p:nvSpPr>
+        <p:spPr>
+          <a:xfrm>
+            <a:off x="6162687" y="2626870"/>
+            <a:ext cx="1975221" cy="369332"/>
+          </a:xfrm>
+          <a:prstGeom prst="rect">
+            <a:avLst/>
+          </a:prstGeom>
+          <a:noFill/>
+        </p:spPr>
+        <p:txBody>
+          <a:bodyPr wrap="none" rtlCol="0">
+            <a:spAutoFit/>
+          </a:bodyPr>
+          <a:lstStyle/>
+          <a:p>
+            <a:r>
+              <a:rPr lang="pl-PL" dirty="0" err="1" smtClean="0"/>
+              <a:t>AccountService</a:t>
+            </a:r>
+            <a:endParaRPr lang="pl-PL" dirty="0" smtClean="0"/>
+          </a:p>
+        </p:txBody>
+      </p:sp>
+      <p:sp>
+        <p:nvSpPr>
+          <p:cNvPr id="16" name="TextBox 15"/>
+          <p:cNvSpPr txBox="1"/>
+          <p:nvPr/>
+        </p:nvSpPr>
+        <p:spPr>
+          <a:xfrm>
+            <a:off x="4265544" y="5841530"/>
+            <a:ext cx="2321469" cy="369332"/>
+          </a:xfrm>
+          <a:prstGeom prst="rect">
+            <a:avLst/>
+          </a:prstGeom>
+          <a:noFill/>
+        </p:spPr>
+        <p:txBody>
+          <a:bodyPr wrap="none" rtlCol="0">
+            <a:spAutoFit/>
+          </a:bodyPr>
+          <a:lstStyle/>
+          <a:p>
+            <a:r>
+              <a:rPr lang="pl-PL" dirty="0" err="1" smtClean="0"/>
+              <a:t>AccountRepository</a:t>
+            </a:r>
+            <a:endParaRPr lang="pl-PL" dirty="0" smtClean="0"/>
+          </a:p>
+        </p:txBody>
+      </p:sp>
+      <p:sp>
+        <p:nvSpPr>
+          <p:cNvPr id="17" name="TextBox 16"/>
+          <p:cNvSpPr txBox="1"/>
+          <p:nvPr/>
+        </p:nvSpPr>
+        <p:spPr>
+          <a:xfrm>
+            <a:off x="6702219" y="5817839"/>
+            <a:ext cx="1903085" cy="369332"/>
+          </a:xfrm>
+          <a:prstGeom prst="rect">
+            <a:avLst/>
+          </a:prstGeom>
+          <a:noFill/>
+        </p:spPr>
+        <p:txBody>
+          <a:bodyPr wrap="none" rtlCol="0">
+            <a:spAutoFit/>
+          </a:bodyPr>
+          <a:lstStyle/>
+          <a:p>
+            <a:r>
+              <a:rPr lang="pl-PL" dirty="0" err="1" smtClean="0"/>
+              <a:t>Account</a:t>
+            </a:r>
+            <a:r>
+              <a:rPr lang="pl-PL" dirty="0" smtClean="0"/>
+              <a:t> </a:t>
+            </a:r>
+            <a:r>
+              <a:rPr lang="pl-PL" dirty="0" err="1" smtClean="0"/>
+              <a:t>DbSet</a:t>
+            </a:r>
+            <a:endParaRPr lang="pl-PL" dirty="0" smtClean="0"/>
+          </a:p>
+        </p:txBody>
+      </p:sp>
+      <p:sp>
+        <p:nvSpPr>
+          <p:cNvPr id="18" name="TextBox 17"/>
+          <p:cNvSpPr txBox="1"/>
+          <p:nvPr/>
+        </p:nvSpPr>
+        <p:spPr>
+          <a:xfrm>
+            <a:off x="9112675" y="2637540"/>
+            <a:ext cx="1838965" cy="369332"/>
+          </a:xfrm>
+          <a:prstGeom prst="rect">
+            <a:avLst/>
+          </a:prstGeom>
+          <a:noFill/>
+        </p:spPr>
+        <p:txBody>
+          <a:bodyPr wrap="none" rtlCol="0">
+            <a:spAutoFit/>
+          </a:bodyPr>
+          <a:lstStyle/>
+          <a:p>
+            <a:r>
+              <a:rPr lang="pl-PL" dirty="0" err="1" smtClean="0"/>
+              <a:t>Account</a:t>
+            </a:r>
+            <a:r>
+              <a:rPr lang="pl-PL" dirty="0" smtClean="0"/>
+              <a:t> </a:t>
+            </a:r>
+            <a:r>
+              <a:rPr lang="pl-PL" dirty="0" err="1" smtClean="0"/>
+              <a:t>Table</a:t>
+            </a:r>
+            <a:endParaRPr lang="pl-PL" dirty="0" smtClean="0"/>
+          </a:p>
+        </p:txBody>
+      </p:sp>
+      <p:sp>
+        <p:nvSpPr>
+          <p:cNvPr id="19" name="Down Arrow 18"/>
+          <p:cNvSpPr/>
+          <p:nvPr/>
+        </p:nvSpPr>
+        <p:spPr>
+          <a:xfrm>
+            <a:off x="5918534" y="4060172"/>
+            <a:ext cx="419968" cy="783060"/>
+          </a:xfrm>
+          <a:prstGeom prst="downArrow">
+            <a:avLst/>
+          </a:prstGeom>
+        </p:spPr>
+        <p:style>
+          <a:lnRef idx="2">
+            <a:schemeClr val="accent6">
+              <a:shade val="50000"/>
+            </a:schemeClr>
+          </a:lnRef>
+          <a:fillRef idx="1">
+            <a:schemeClr val="accent6"/>
+          </a:fillRef>
+          <a:effectRef idx="0">
+            <a:schemeClr val="accent6"/>
+          </a:effectRef>
+          <a:fontRef idx="minor">
+            <a:schemeClr val="lt1"/>
+          </a:fontRef>
+        </p:style>
+        <p:txBody>
+          <a:bodyPr rtlCol="0" anchor="ctr"/>
+          <a:lstStyle/>
+          <a:p>
+            <a:pPr algn="ctr"/>
+            <a:endParaRPr lang="pl-PL"/>
+          </a:p>
+        </p:txBody>
+      </p:sp>
+      <p:sp>
+        <p:nvSpPr>
+          <p:cNvPr id="20" name="Down Arrow 19"/>
+          <p:cNvSpPr/>
+          <p:nvPr/>
+        </p:nvSpPr>
+        <p:spPr>
+          <a:xfrm rot="16200000">
+            <a:off x="6377029" y="5112084"/>
+            <a:ext cx="419968" cy="783060"/>
+          </a:xfrm>
+          <a:prstGeom prst="downArrow">
+            <a:avLst/>
+          </a:prstGeom>
+        </p:spPr>
+        <p:style>
+          <a:lnRef idx="2">
+            <a:schemeClr val="accent6">
+              <a:shade val="50000"/>
+            </a:schemeClr>
+          </a:lnRef>
+          <a:fillRef idx="1">
+            <a:schemeClr val="accent6"/>
+          </a:fillRef>
+          <a:effectRef idx="0">
+            <a:schemeClr val="accent6"/>
+          </a:effectRef>
+          <a:fontRef idx="minor">
+            <a:schemeClr val="lt1"/>
+          </a:fontRef>
+        </p:style>
+        <p:txBody>
+          <a:bodyPr rtlCol="0" anchor="ctr"/>
+          <a:lstStyle/>
+          <a:p>
+            <a:pPr algn="ctr"/>
+            <a:endParaRPr lang="pl-PL"/>
+          </a:p>
+        </p:txBody>
+      </p:sp>
+      <p:sp>
+        <p:nvSpPr>
+          <p:cNvPr id="21" name="Down Arrow 20"/>
+          <p:cNvSpPr/>
+          <p:nvPr/>
+        </p:nvSpPr>
+        <p:spPr>
+          <a:xfrm rot="14277274">
+            <a:off x="8399327" y="4200824"/>
+            <a:ext cx="419968" cy="783060"/>
+          </a:xfrm>
+          <a:prstGeom prst="downArrow">
+            <a:avLst/>
+          </a:prstGeom>
+        </p:spPr>
+        <p:style>
+          <a:lnRef idx="2">
+            <a:schemeClr val="accent6">
+              <a:shade val="50000"/>
+            </a:schemeClr>
+          </a:lnRef>
+          <a:fillRef idx="1">
+            <a:schemeClr val="accent6"/>
+          </a:fillRef>
+          <a:effectRef idx="0">
+            <a:schemeClr val="accent6"/>
+          </a:effectRef>
+          <a:fontRef idx="minor">
+            <a:schemeClr val="lt1"/>
+          </a:fontRef>
+        </p:style>
+        <p:txBody>
+          <a:bodyPr rtlCol="0" anchor="ctr"/>
+          <a:lstStyle/>
+          <a:p>
+            <a:pPr algn="ctr"/>
+            <a:endParaRPr lang="pl-PL"/>
+          </a:p>
+        </p:txBody>
+      </p:sp>
+      <p:sp>
+        <p:nvSpPr>
+          <p:cNvPr id="3" name="Rectangle 2"/>
+          <p:cNvSpPr/>
+          <p:nvPr/>
+        </p:nvSpPr>
+        <p:spPr>
+          <a:xfrm>
+            <a:off x="4141714" y="4252205"/>
+            <a:ext cx="1698785" cy="570098"/>
+          </a:xfrm>
+          <a:prstGeom prst="rect">
+            <a:avLst/>
+          </a:prstGeom>
+        </p:spPr>
+        <p:style>
+          <a:lnRef idx="1">
+            <a:schemeClr val="accent5"/>
+          </a:lnRef>
+          <a:fillRef idx="2">
+            <a:schemeClr val="accent5"/>
+          </a:fillRef>
+          <a:effectRef idx="1">
+            <a:schemeClr val="accent5"/>
+          </a:effectRef>
+          <a:fontRef idx="minor">
+            <a:schemeClr val="dk1"/>
+          </a:fontRef>
+        </p:style>
+        <p:txBody>
+          <a:bodyPr rtlCol="0" anchor="ctr"/>
+          <a:lstStyle/>
+          <a:p>
+            <a:pPr algn="ctr"/>
+            <a:r>
+              <a:rPr lang="pl-PL" dirty="0" err="1" smtClean="0"/>
+              <a:t>AccountDTO</a:t>
+            </a:r>
+            <a:endParaRPr lang="pl-PL" dirty="0"/>
+          </a:p>
+        </p:txBody>
+      </p:sp>
+      <p:sp>
+        <p:nvSpPr>
+          <p:cNvPr id="22" name="Rectangle 21"/>
+          <p:cNvSpPr/>
+          <p:nvPr/>
+        </p:nvSpPr>
+        <p:spPr>
+          <a:xfrm>
+            <a:off x="7197049" y="5195621"/>
+            <a:ext cx="1915625" cy="570098"/>
+          </a:xfrm>
+          <a:prstGeom prst="rect">
+            <a:avLst/>
+          </a:prstGeom>
+        </p:spPr>
+        <p:style>
+          <a:lnRef idx="1">
+            <a:schemeClr val="accent5"/>
+          </a:lnRef>
+          <a:fillRef idx="2">
+            <a:schemeClr val="accent5"/>
+          </a:fillRef>
+          <a:effectRef idx="1">
+            <a:schemeClr val="accent5"/>
+          </a:effectRef>
+          <a:fontRef idx="minor">
+            <a:schemeClr val="dk1"/>
+          </a:fontRef>
+        </p:style>
+        <p:txBody>
+          <a:bodyPr rtlCol="0" anchor="ctr"/>
+          <a:lstStyle/>
+          <a:p>
+            <a:pPr algn="ctr"/>
+            <a:r>
+              <a:rPr lang="pl-PL" dirty="0" err="1" smtClean="0"/>
+              <a:t>AccountEntity</a:t>
+            </a:r>
+            <a:endParaRPr lang="pl-PL" dirty="0"/>
+          </a:p>
+        </p:txBody>
+      </p:sp>
+      <p:sp>
+        <p:nvSpPr>
+          <p:cNvPr id="23" name="Rectangle 22"/>
+          <p:cNvSpPr/>
+          <p:nvPr/>
+        </p:nvSpPr>
+        <p:spPr>
+          <a:xfrm>
+            <a:off x="4823301" y="5266399"/>
+            <a:ext cx="1308100" cy="570098"/>
+          </a:xfrm>
+          <a:prstGeom prst="rect">
+            <a:avLst/>
+          </a:prstGeom>
+        </p:spPr>
+        <p:style>
+          <a:lnRef idx="0">
+            <a:schemeClr val="accent3"/>
+          </a:lnRef>
+          <a:fillRef idx="3">
+            <a:schemeClr val="accent3"/>
+          </a:fillRef>
+          <a:effectRef idx="3">
+            <a:schemeClr val="accent3"/>
+          </a:effectRef>
+          <a:fontRef idx="minor">
+            <a:schemeClr val="lt1"/>
+          </a:fontRef>
+        </p:style>
+        <p:txBody>
+          <a:bodyPr rtlCol="0" anchor="ctr"/>
+          <a:lstStyle/>
+          <a:p>
+            <a:pPr algn="ctr"/>
+            <a:r>
+              <a:rPr lang="pl-PL" dirty="0" err="1" smtClean="0"/>
+              <a:t>Mapping</a:t>
+            </a:r>
+            <a:endParaRPr lang="pl-PL" dirty="0"/>
+          </a:p>
+        </p:txBody>
+      </p:sp>
+    </p:spTree>
+    <p:extLst>
+      <p:ext uri="{BB962C8B-B14F-4D97-AF65-F5344CB8AC3E}">
+        <p14:creationId xmlns:p14="http://schemas.microsoft.com/office/powerpoint/2010/main" val="3455621209"/>
+      </p:ext>
+    </p:extLst>
+  </p:cSld>
+  <p:clrMapOvr>
+    <a:masterClrMapping/>
+  </p:clrMapOvr>
+  <p:timing>
+    <p:tnLst>
+      <p:par>
+        <p:cTn id="1" dur="indefinite" restart="never" nodeType="tmRoot"/>
+      </p:par>
+    </p:tnLst>
+  </p:timing>
+</p:sld>
+</file>
+
+<file path=ppt/slides/slide11.xml><?xml version="1.0" encoding="utf-8"?>
+<p:sld xmlns:a="http://schemas.openxmlformats.org/drawingml/2006/main" xmlns:r="http://schemas.openxmlformats.org/officeDocument/2006/relationships" xmlns:p="http://schemas.openxmlformats.org/presentationml/2006/main">
+  <p:cSld>
+    <p:spTree>
+      <p:nvGrpSpPr>
+        <p:cNvPr id="1" name=""/>
+        <p:cNvGrpSpPr/>
+        <p:nvPr/>
+      </p:nvGrpSpPr>
+      <p:grpSpPr>
+        <a:xfrm>
+          <a:off x="0" y="0"/>
+          <a:ext cx="0" cy="0"/>
+          <a:chOff x="0" y="0"/>
+          <a:chExt cx="0" cy="0"/>
+        </a:xfrm>
+      </p:grpSpPr>
+      <p:sp>
+        <p:nvSpPr>
+          <p:cNvPr id="2" name="Title 1"/>
+          <p:cNvSpPr>
+            <a:spLocks noGrp="1"/>
+          </p:cNvSpPr>
+          <p:nvPr>
+            <p:ph type="title"/>
+          </p:nvPr>
+        </p:nvSpPr>
+        <p:spPr/>
+        <p:txBody>
+          <a:bodyPr/>
+          <a:lstStyle/>
+          <a:p>
+            <a:endParaRPr lang="pl-PL"/>
+          </a:p>
+        </p:txBody>
+      </p:sp>
+      <p:sp>
+        <p:nvSpPr>
+          <p:cNvPr id="3" name="Content Placeholder 2"/>
+          <p:cNvSpPr>
+            <a:spLocks noGrp="1"/>
+          </p:cNvSpPr>
+          <p:nvPr>
+            <p:ph idx="1"/>
+          </p:nvPr>
+        </p:nvSpPr>
+        <p:spPr/>
+        <p:txBody>
+          <a:bodyPr/>
+          <a:lstStyle/>
+          <a:p>
+            <a:endParaRPr lang="pl-PL"/>
+          </a:p>
+        </p:txBody>
+      </p:sp>
+    </p:spTree>
+    <p:extLst>
+      <p:ext uri="{BB962C8B-B14F-4D97-AF65-F5344CB8AC3E}">
+        <p14:creationId xmlns:p14="http://schemas.microsoft.com/office/powerpoint/2010/main" val="2710927411"/>
+      </p:ext>
+    </p:extLst>
+  </p:cSld>
+  <p:clrMapOvr>
+    <a:masterClrMapping/>
+  </p:clrMapOvr>
+  <p:timing>
+    <p:tnLst>
+      <p:par>
+        <p:cTn id="1" dur="indefinite" restart="never" nodeType="tmRoot"/>
+      </p:par>
+    </p:tnLst>
+  </p:timing>
+</p:sld>
+</file>
+
+<file path=ppt/slides/slide12.xml><?xml version="1.0" encoding="utf-8"?>
+<p:sld xmlns:a="http://schemas.openxmlformats.org/drawingml/2006/main" xmlns:r="http://schemas.openxmlformats.org/officeDocument/2006/relationships" xmlns:p="http://schemas.openxmlformats.org/presentationml/2006/main">
+  <p:cSld>
+    <p:spTree>
+      <p:nvGrpSpPr>
+        <p:cNvPr id="1" name=""/>
+        <p:cNvGrpSpPr/>
+        <p:nvPr/>
+      </p:nvGrpSpPr>
+      <p:grpSpPr>
+        <a:xfrm>
+          <a:off x="0" y="0"/>
+          <a:ext cx="0" cy="0"/>
+          <a:chOff x="0" y="0"/>
+          <a:chExt cx="0" cy="0"/>
+        </a:xfrm>
+      </p:grpSpPr>
+      <p:sp>
+        <p:nvSpPr>
+          <p:cNvPr id="2" name="Title 1"/>
+          <p:cNvSpPr>
+            <a:spLocks noGrp="1"/>
+          </p:cNvSpPr>
+          <p:nvPr>
+            <p:ph type="title"/>
+          </p:nvPr>
+        </p:nvSpPr>
+        <p:spPr/>
+        <p:txBody>
+          <a:bodyPr/>
+          <a:lstStyle/>
+          <a:p>
+            <a:r>
+              <a:rPr lang="pl-PL" dirty="0"/>
+              <a:t>Czemu CQRS to krok wstecz i dwa do przodu</a:t>
+            </a:r>
+          </a:p>
+        </p:txBody>
+      </p:sp>
+      <p:sp>
+        <p:nvSpPr>
+          <p:cNvPr id="3" name="Content Placeholder 2"/>
+          <p:cNvSpPr>
+            <a:spLocks noGrp="1"/>
+          </p:cNvSpPr>
+          <p:nvPr>
+            <p:ph idx="1"/>
+          </p:nvPr>
+        </p:nvSpPr>
+        <p:spPr/>
+        <p:txBody>
+          <a:bodyPr>
+            <a:normAutofit/>
+          </a:bodyPr>
+          <a:lstStyle/>
+          <a:p>
+            <a:pPr marL="0" indent="0">
+              <a:buNone/>
+            </a:pPr>
+            <a:endParaRPr lang="pl-PL" sz="4000" b="1" dirty="0" smtClean="0"/>
+          </a:p>
+          <a:p>
+            <a:pPr marL="0" indent="0">
+              <a:buNone/>
+            </a:pPr>
+            <a:r>
+              <a:rPr lang="pl-PL" sz="4000" b="1" dirty="0" err="1" smtClean="0"/>
+              <a:t>C</a:t>
+            </a:r>
+            <a:r>
+              <a:rPr lang="pl-PL" sz="4000" dirty="0" err="1" smtClean="0"/>
+              <a:t>ommand</a:t>
+            </a:r>
+            <a:endParaRPr lang="pl-PL" sz="4000" dirty="0" smtClean="0"/>
+          </a:p>
+          <a:p>
+            <a:pPr marL="0" indent="0">
+              <a:buNone/>
+            </a:pPr>
+            <a:r>
+              <a:rPr lang="pl-PL" sz="4000" b="1" dirty="0" smtClean="0"/>
+              <a:t>Q</a:t>
+            </a:r>
+            <a:r>
+              <a:rPr lang="pl-PL" sz="4000" dirty="0" smtClean="0"/>
+              <a:t>uery</a:t>
+            </a:r>
+          </a:p>
+          <a:p>
+            <a:pPr marL="0" indent="0">
+              <a:buNone/>
+            </a:pPr>
+            <a:r>
+              <a:rPr lang="pl-PL" sz="4000" b="1" dirty="0" err="1" smtClean="0"/>
+              <a:t>R</a:t>
+            </a:r>
+            <a:r>
+              <a:rPr lang="pl-PL" sz="4000" dirty="0" err="1" smtClean="0"/>
+              <a:t>esponsibility</a:t>
+            </a:r>
+            <a:endParaRPr lang="pl-PL" sz="4000" dirty="0" smtClean="0"/>
+          </a:p>
+          <a:p>
+            <a:pPr marL="0" indent="0">
+              <a:buNone/>
+            </a:pPr>
+            <a:r>
+              <a:rPr lang="pl-PL" sz="4000" b="1" dirty="0" err="1" smtClean="0"/>
+              <a:t>S</a:t>
+            </a:r>
+            <a:r>
+              <a:rPr lang="pl-PL" sz="4000" dirty="0" err="1" smtClean="0"/>
+              <a:t>egregation</a:t>
+            </a:r>
+            <a:endParaRPr lang="pl-PL" sz="4000" dirty="0" smtClean="0"/>
+          </a:p>
+        </p:txBody>
+      </p:sp>
+    </p:spTree>
+    <p:extLst>
+      <p:ext uri="{BB962C8B-B14F-4D97-AF65-F5344CB8AC3E}">
+        <p14:creationId xmlns:p14="http://schemas.microsoft.com/office/powerpoint/2010/main" val="1770954372"/>
+      </p:ext>
+    </p:extLst>
+  </p:cSld>
+  <p:clrMapOvr>
+    <a:masterClrMapping/>
+  </p:clrMapOvr>
+  <p:timing>
+    <p:tnLst>
+      <p:par>
+        <p:cTn id="1" dur="indefinite" restart="never" nodeType="tmRoot"/>
+      </p:par>
+    </p:tnLst>
+  </p:timing>
+</p:sld>
+</file>
+
+<file path=ppt/slides/slide13.xml><?xml version="1.0" encoding="utf-8"?>
+<p:sld xmlns:a="http://schemas.openxmlformats.org/drawingml/2006/main" xmlns:r="http://schemas.openxmlformats.org/officeDocument/2006/relationships" xmlns:p="http://schemas.openxmlformats.org/presentationml/2006/main">
+  <p:cSld>
+    <p:spTree>
+      <p:nvGrpSpPr>
+        <p:cNvPr id="1" name=""/>
+        <p:cNvGrpSpPr/>
+        <p:nvPr/>
+      </p:nvGrpSpPr>
+      <p:grpSpPr>
+        <a:xfrm>
+          <a:off x="0" y="0"/>
+          <a:ext cx="0" cy="0"/>
+          <a:chOff x="0" y="0"/>
+          <a:chExt cx="0" cy="0"/>
+        </a:xfrm>
+      </p:grpSpPr>
+      <p:sp>
+        <p:nvSpPr>
+          <p:cNvPr id="2" name="Title 1"/>
+          <p:cNvSpPr>
+            <a:spLocks noGrp="1"/>
+          </p:cNvSpPr>
+          <p:nvPr>
+            <p:ph type="title"/>
+          </p:nvPr>
+        </p:nvSpPr>
+        <p:spPr/>
+        <p:txBody>
+          <a:bodyPr/>
+          <a:lstStyle/>
+          <a:p>
+            <a:r>
+              <a:rPr lang="pl-PL" dirty="0"/>
+              <a:t>Czemu CQRS to krok wstecz i dwa do przodu</a:t>
+            </a:r>
+          </a:p>
+        </p:txBody>
+      </p:sp>
+      <p:sp>
+        <p:nvSpPr>
+          <p:cNvPr id="3" name="Content Placeholder 2"/>
+          <p:cNvSpPr>
+            <a:spLocks noGrp="1"/>
+          </p:cNvSpPr>
+          <p:nvPr>
+            <p:ph idx="1"/>
+          </p:nvPr>
+        </p:nvSpPr>
+        <p:spPr/>
+        <p:txBody>
+          <a:bodyPr/>
+          <a:lstStyle/>
+          <a:p>
+            <a:pPr marL="0" indent="0">
+              <a:buNone/>
+            </a:pPr>
+            <a:endParaRPr lang="pl-PL" dirty="0"/>
+          </a:p>
+        </p:txBody>
+      </p:sp>
+    </p:spTree>
+    <p:extLst>
+      <p:ext uri="{BB962C8B-B14F-4D97-AF65-F5344CB8AC3E}">
+        <p14:creationId xmlns:p14="http://schemas.microsoft.com/office/powerpoint/2010/main" val="3408585360"/>
+      </p:ext>
+    </p:extLst>
+  </p:cSld>
+  <p:clrMapOvr>
+    <a:masterClrMapping/>
+  </p:clrMapOvr>
+</p:sld>
+</file>
+
 <file path=ppt/slides/slide2.xml><?xml version="1.0" encoding="utf-8"?>
 <p:sld xmlns:a="http://schemas.openxmlformats.org/drawingml/2006/main" xmlns:r="http://schemas.openxmlformats.org/officeDocument/2006/relationships" xmlns:p="http://schemas.openxmlformats.org/presentationml/2006/main">
   <p:cSld>
@@ -6278,28 +7443,370 @@
         </p:nvSpPr>
         <p:spPr/>
         <p:txBody>
+          <a:bodyPr>
+            <a:normAutofit fontScale="90000"/>
+          </a:bodyPr>
+          <a:lstStyle/>
+          <a:p>
+            <a:r>
+              <a:rPr lang="pl-PL" dirty="0"/>
+              <a:t>CRUDY na pudy, </a:t>
+            </a:r>
+            <a:r>
+              <a:rPr lang="pl-PL" dirty="0" smtClean="0"/>
+              <a:t/>
+            </a:r>
+            <a:br>
+              <a:rPr lang="pl-PL" dirty="0" smtClean="0"/>
+            </a:br>
+            <a:r>
+              <a:rPr lang="pl-PL" dirty="0" smtClean="0"/>
+              <a:t>czyli </a:t>
+            </a:r>
+            <a:r>
+              <a:rPr lang="pl-PL" dirty="0"/>
+              <a:t>parę </a:t>
+            </a:r>
+            <a:r>
+              <a:rPr lang="pl-PL" dirty="0" smtClean="0"/>
+              <a:t>słów </a:t>
+            </a:r>
+            <a:r>
+              <a:rPr lang="pl-PL" dirty="0"/>
+              <a:t>o dyskomforcie w </a:t>
+            </a:r>
+            <a:r>
+              <a:rPr lang="pl-PL" dirty="0" smtClean="0"/>
+              <a:t>programowaniu</a:t>
+            </a:r>
+            <a:r>
+              <a:rPr lang="pl-PL" dirty="0"/>
+              <a:t/>
+            </a:r>
+            <a:br>
+              <a:rPr lang="pl-PL" dirty="0"/>
+            </a:br>
+            <a:endParaRPr lang="pl-PL" dirty="0"/>
+          </a:p>
+        </p:txBody>
+      </p:sp>
+      <p:sp>
+        <p:nvSpPr>
+          <p:cNvPr id="3" name="Content Placeholder 2"/>
+          <p:cNvSpPr>
+            <a:spLocks noGrp="1"/>
+          </p:cNvSpPr>
+          <p:nvPr>
+            <p:ph idx="1"/>
+          </p:nvPr>
+        </p:nvSpPr>
+        <p:spPr>
+          <a:xfrm>
+            <a:off x="463638" y="1366464"/>
+            <a:ext cx="11230003" cy="4991206"/>
+          </a:xfrm>
+        </p:spPr>
+        <p:txBody>
           <a:bodyPr/>
           <a:lstStyle/>
           <a:p>
+            <a:pPr marL="0" indent="0">
+              <a:buNone/>
+            </a:pPr>
+            <a:endParaRPr lang="pl-PL" dirty="0"/>
+          </a:p>
+        </p:txBody>
+      </p:sp>
+      <p:sp>
+        <p:nvSpPr>
+          <p:cNvPr id="5" name="Cloud Callout 4"/>
+          <p:cNvSpPr/>
+          <p:nvPr/>
+        </p:nvSpPr>
+        <p:spPr>
+          <a:xfrm>
+            <a:off x="2801854" y="3121371"/>
+            <a:ext cx="1994080" cy="1336034"/>
+          </a:xfrm>
+          <a:prstGeom prst="cloudCallout">
+            <a:avLst/>
+          </a:prstGeom>
+        </p:spPr>
+        <p:style>
+          <a:lnRef idx="2">
+            <a:schemeClr val="accent1">
+              <a:shade val="50000"/>
+            </a:schemeClr>
+          </a:lnRef>
+          <a:fillRef idx="1">
+            <a:schemeClr val="accent1"/>
+          </a:fillRef>
+          <a:effectRef idx="0">
+            <a:schemeClr val="accent1"/>
+          </a:effectRef>
+          <a:fontRef idx="minor">
+            <a:schemeClr val="lt1"/>
+          </a:fontRef>
+        </p:style>
+        <p:txBody>
+          <a:bodyPr rtlCol="0" anchor="ctr"/>
+          <a:lstStyle/>
+          <a:p>
+            <a:pPr algn="ctr"/>
+            <a:r>
+              <a:rPr lang="pl-PL" dirty="0" smtClean="0"/>
+              <a:t>Controller</a:t>
+            </a:r>
+            <a:endParaRPr lang="pl-PL" dirty="0"/>
+          </a:p>
+        </p:txBody>
+      </p:sp>
+      <p:sp>
+        <p:nvSpPr>
+          <p:cNvPr id="6" name="Smiley Face 5"/>
+          <p:cNvSpPr/>
+          <p:nvPr/>
+        </p:nvSpPr>
+        <p:spPr>
+          <a:xfrm>
+            <a:off x="685800" y="3292222"/>
+            <a:ext cx="914400" cy="914400"/>
+          </a:xfrm>
+          <a:prstGeom prst="smileyFace">
+            <a:avLst/>
+          </a:prstGeom>
+        </p:spPr>
+        <p:style>
+          <a:lnRef idx="2">
+            <a:schemeClr val="accent1">
+              <a:shade val="50000"/>
+            </a:schemeClr>
+          </a:lnRef>
+          <a:fillRef idx="1">
+            <a:schemeClr val="accent1"/>
+          </a:fillRef>
+          <a:effectRef idx="0">
+            <a:schemeClr val="accent1"/>
+          </a:effectRef>
+          <a:fontRef idx="minor">
+            <a:schemeClr val="lt1"/>
+          </a:fontRef>
+        </p:style>
+        <p:txBody>
+          <a:bodyPr rtlCol="0" anchor="ctr"/>
+          <a:lstStyle/>
+          <a:p>
+            <a:pPr algn="ctr"/>
             <a:endParaRPr lang="pl-PL"/>
           </a:p>
         </p:txBody>
       </p:sp>
       <p:sp>
         <p:nvSpPr>
-          <p:cNvPr id="3" name="Content Placeholder 2"/>
-          <p:cNvSpPr>
-            <a:spLocks noGrp="1"/>
-          </p:cNvSpPr>
-          <p:nvPr>
-            <p:ph idx="1"/>
-          </p:nvPr>
-        </p:nvSpPr>
-        <p:spPr/>
-        <p:txBody>
-          <a:bodyPr/>
-          <a:lstStyle/>
-          <a:p>
+          <p:cNvPr id="7" name="Cube 6"/>
+          <p:cNvSpPr/>
+          <p:nvPr/>
+        </p:nvSpPr>
+        <p:spPr>
+          <a:xfrm>
+            <a:off x="6036264" y="3121371"/>
+            <a:ext cx="1409263" cy="1409263"/>
+          </a:xfrm>
+          <a:prstGeom prst="cube">
+            <a:avLst/>
+          </a:prstGeom>
+        </p:spPr>
+        <p:style>
+          <a:lnRef idx="2">
+            <a:schemeClr val="accent1">
+              <a:shade val="50000"/>
+            </a:schemeClr>
+          </a:lnRef>
+          <a:fillRef idx="1">
+            <a:schemeClr val="accent1"/>
+          </a:fillRef>
+          <a:effectRef idx="0">
+            <a:schemeClr val="accent1"/>
+          </a:effectRef>
+          <a:fontRef idx="minor">
+            <a:schemeClr val="lt1"/>
+          </a:fontRef>
+        </p:style>
+        <p:txBody>
+          <a:bodyPr rtlCol="0" anchor="ctr"/>
+          <a:lstStyle/>
+          <a:p>
+            <a:pPr algn="ctr"/>
+            <a:r>
+              <a:rPr lang="pl-PL" dirty="0" smtClean="0"/>
+              <a:t>Service</a:t>
+            </a:r>
+          </a:p>
+          <a:p>
+            <a:pPr algn="ctr"/>
+            <a:endParaRPr lang="pl-PL" dirty="0"/>
+          </a:p>
+        </p:txBody>
+      </p:sp>
+      <p:sp>
+        <p:nvSpPr>
+          <p:cNvPr id="8" name="Can 7"/>
+          <p:cNvSpPr/>
+          <p:nvPr/>
+        </p:nvSpPr>
+        <p:spPr>
+          <a:xfrm>
+            <a:off x="9222347" y="3241253"/>
+            <a:ext cx="914400" cy="1216152"/>
+          </a:xfrm>
+          <a:prstGeom prst="can">
+            <a:avLst/>
+          </a:prstGeom>
+        </p:spPr>
+        <p:style>
+          <a:lnRef idx="2">
+            <a:schemeClr val="accent1">
+              <a:shade val="50000"/>
+            </a:schemeClr>
+          </a:lnRef>
+          <a:fillRef idx="1">
+            <a:schemeClr val="accent1"/>
+          </a:fillRef>
+          <a:effectRef idx="0">
+            <a:schemeClr val="accent1"/>
+          </a:effectRef>
+          <a:fontRef idx="minor">
+            <a:schemeClr val="lt1"/>
+          </a:fontRef>
+        </p:style>
+        <p:txBody>
+          <a:bodyPr rtlCol="0" anchor="ctr"/>
+          <a:lstStyle/>
+          <a:p>
+            <a:pPr algn="ctr"/>
+            <a:r>
+              <a:rPr lang="pl-PL" dirty="0" smtClean="0"/>
+              <a:t>DB</a:t>
+            </a:r>
+          </a:p>
+        </p:txBody>
+      </p:sp>
+      <p:sp>
+        <p:nvSpPr>
+          <p:cNvPr id="9" name="Right Arrow 8"/>
+          <p:cNvSpPr/>
+          <p:nvPr/>
+        </p:nvSpPr>
+        <p:spPr>
+          <a:xfrm>
+            <a:off x="1823446" y="3537521"/>
+            <a:ext cx="978408" cy="484632"/>
+          </a:xfrm>
+          <a:prstGeom prst="rightArrow">
+            <a:avLst/>
+          </a:prstGeom>
+        </p:spPr>
+        <p:style>
+          <a:lnRef idx="2">
+            <a:schemeClr val="accent1">
+              <a:shade val="50000"/>
+            </a:schemeClr>
+          </a:lnRef>
+          <a:fillRef idx="1">
+            <a:schemeClr val="accent1"/>
+          </a:fillRef>
+          <a:effectRef idx="0">
+            <a:schemeClr val="accent1"/>
+          </a:effectRef>
+          <a:fontRef idx="minor">
+            <a:schemeClr val="lt1"/>
+          </a:fontRef>
+        </p:style>
+        <p:txBody>
+          <a:bodyPr rtlCol="0" anchor="ctr"/>
+          <a:lstStyle/>
+          <a:p>
+            <a:pPr algn="ctr"/>
+            <a:endParaRPr lang="pl-PL"/>
+          </a:p>
+        </p:txBody>
+      </p:sp>
+      <p:sp>
+        <p:nvSpPr>
+          <p:cNvPr id="10" name="Right Arrow 9"/>
+          <p:cNvSpPr/>
+          <p:nvPr/>
+        </p:nvSpPr>
+        <p:spPr>
+          <a:xfrm>
+            <a:off x="4823301" y="3507106"/>
+            <a:ext cx="978408" cy="484632"/>
+          </a:xfrm>
+          <a:prstGeom prst="rightArrow">
+            <a:avLst/>
+          </a:prstGeom>
+        </p:spPr>
+        <p:style>
+          <a:lnRef idx="2">
+            <a:schemeClr val="accent1">
+              <a:shade val="50000"/>
+            </a:schemeClr>
+          </a:lnRef>
+          <a:fillRef idx="1">
+            <a:schemeClr val="accent1"/>
+          </a:fillRef>
+          <a:effectRef idx="0">
+            <a:schemeClr val="accent1"/>
+          </a:effectRef>
+          <a:fontRef idx="minor">
+            <a:schemeClr val="lt1"/>
+          </a:fontRef>
+        </p:style>
+        <p:txBody>
+          <a:bodyPr rtlCol="0" anchor="ctr"/>
+          <a:lstStyle/>
+          <a:p>
+            <a:pPr algn="ctr"/>
+            <a:endParaRPr lang="pl-PL"/>
+          </a:p>
+        </p:txBody>
+      </p:sp>
+      <p:sp>
+        <p:nvSpPr>
+          <p:cNvPr id="11" name="Right Arrow 10"/>
+          <p:cNvSpPr/>
+          <p:nvPr/>
+        </p:nvSpPr>
+        <p:spPr>
+          <a:xfrm>
+            <a:off x="7844733" y="3507106"/>
+            <a:ext cx="978408" cy="484632"/>
+          </a:xfrm>
+          <a:prstGeom prst="rightArrow">
+            <a:avLst/>
+          </a:prstGeom>
+        </p:spPr>
+        <p:style>
+          <a:lnRef idx="2">
+            <a:schemeClr val="accent1">
+              <a:shade val="50000"/>
+            </a:schemeClr>
+          </a:lnRef>
+          <a:fillRef idx="1">
+            <a:schemeClr val="accent1"/>
+          </a:fillRef>
+          <a:effectRef idx="0">
+            <a:schemeClr val="accent1"/>
+          </a:effectRef>
+          <a:fontRef idx="minor">
+            <a:schemeClr val="lt1"/>
+          </a:fontRef>
+        </p:style>
+        <p:txBody>
+          <a:bodyPr rtlCol="0" anchor="ctr"/>
+          <a:lstStyle/>
+          <a:p>
+            <a:pPr algn="ctr"/>
             <a:endParaRPr lang="pl-PL"/>
           </a:p>
         </p:txBody>
@@ -6307,13 +7814,2399 @@
     </p:spTree>
     <p:extLst>
       <p:ext uri="{BB962C8B-B14F-4D97-AF65-F5344CB8AC3E}">
-        <p14:creationId xmlns:p14="http://schemas.microsoft.com/office/powerpoint/2010/main" val="1770954372"/>
+        <p14:creationId xmlns:p14="http://schemas.microsoft.com/office/powerpoint/2010/main" val="2180028814"/>
       </p:ext>
     </p:extLst>
   </p:cSld>
   <p:clrMapOvr>
     <a:masterClrMapping/>
   </p:clrMapOvr>
+</p:sld>
+</file>
+
+<file path=ppt/slides/slide5.xml><?xml version="1.0" encoding="utf-8"?>
+<p:sld xmlns:a="http://schemas.openxmlformats.org/drawingml/2006/main" xmlns:r="http://schemas.openxmlformats.org/officeDocument/2006/relationships" xmlns:p="http://schemas.openxmlformats.org/presentationml/2006/main">
+  <p:cSld>
+    <p:spTree>
+      <p:nvGrpSpPr>
+        <p:cNvPr id="1" name=""/>
+        <p:cNvGrpSpPr/>
+        <p:nvPr/>
+      </p:nvGrpSpPr>
+      <p:grpSpPr>
+        <a:xfrm>
+          <a:off x="0" y="0"/>
+          <a:ext cx="0" cy="0"/>
+          <a:chOff x="0" y="0"/>
+          <a:chExt cx="0" cy="0"/>
+        </a:xfrm>
+      </p:grpSpPr>
+      <p:sp>
+        <p:nvSpPr>
+          <p:cNvPr id="2" name="Title 1"/>
+          <p:cNvSpPr>
+            <a:spLocks noGrp="1"/>
+          </p:cNvSpPr>
+          <p:nvPr>
+            <p:ph type="title"/>
+          </p:nvPr>
+        </p:nvSpPr>
+        <p:spPr/>
+        <p:txBody>
+          <a:bodyPr>
+            <a:normAutofit fontScale="90000"/>
+          </a:bodyPr>
+          <a:lstStyle/>
+          <a:p>
+            <a:r>
+              <a:rPr lang="pl-PL" dirty="0"/>
+              <a:t>CRUDY na pudy, </a:t>
+            </a:r>
+            <a:r>
+              <a:rPr lang="pl-PL" dirty="0" smtClean="0"/>
+              <a:t/>
+            </a:r>
+            <a:br>
+              <a:rPr lang="pl-PL" dirty="0" smtClean="0"/>
+            </a:br>
+            <a:r>
+              <a:rPr lang="pl-PL" dirty="0" smtClean="0"/>
+              <a:t>czyli </a:t>
+            </a:r>
+            <a:r>
+              <a:rPr lang="pl-PL" dirty="0"/>
+              <a:t>parę </a:t>
+            </a:r>
+            <a:r>
+              <a:rPr lang="pl-PL" dirty="0" smtClean="0"/>
+              <a:t>słów </a:t>
+            </a:r>
+            <a:r>
+              <a:rPr lang="pl-PL" dirty="0"/>
+              <a:t>o dyskomforcie w </a:t>
+            </a:r>
+            <a:r>
+              <a:rPr lang="pl-PL" dirty="0" smtClean="0"/>
+              <a:t>programowaniu</a:t>
+            </a:r>
+            <a:r>
+              <a:rPr lang="pl-PL" dirty="0"/>
+              <a:t/>
+            </a:r>
+            <a:br>
+              <a:rPr lang="pl-PL" dirty="0"/>
+            </a:br>
+            <a:endParaRPr lang="pl-PL" dirty="0"/>
+          </a:p>
+        </p:txBody>
+      </p:sp>
+      <p:sp>
+        <p:nvSpPr>
+          <p:cNvPr id="3" name="Content Placeholder 2"/>
+          <p:cNvSpPr>
+            <a:spLocks noGrp="1"/>
+          </p:cNvSpPr>
+          <p:nvPr>
+            <p:ph idx="1"/>
+          </p:nvPr>
+        </p:nvSpPr>
+        <p:spPr>
+          <a:xfrm>
+            <a:off x="463638" y="1366464"/>
+            <a:ext cx="11230003" cy="4991206"/>
+          </a:xfrm>
+        </p:spPr>
+        <p:txBody>
+          <a:bodyPr/>
+          <a:lstStyle/>
+          <a:p>
+            <a:pPr marL="0" indent="0">
+              <a:buNone/>
+            </a:pPr>
+            <a:endParaRPr lang="pl-PL" dirty="0"/>
+          </a:p>
+        </p:txBody>
+      </p:sp>
+      <p:sp>
+        <p:nvSpPr>
+          <p:cNvPr id="5" name="Cloud Callout 4"/>
+          <p:cNvSpPr/>
+          <p:nvPr/>
+        </p:nvSpPr>
+        <p:spPr>
+          <a:xfrm>
+            <a:off x="2801854" y="3121371"/>
+            <a:ext cx="1994080" cy="1336034"/>
+          </a:xfrm>
+          <a:prstGeom prst="cloudCallout">
+            <a:avLst/>
+          </a:prstGeom>
+        </p:spPr>
+        <p:style>
+          <a:lnRef idx="2">
+            <a:schemeClr val="accent1">
+              <a:shade val="50000"/>
+            </a:schemeClr>
+          </a:lnRef>
+          <a:fillRef idx="1">
+            <a:schemeClr val="accent1"/>
+          </a:fillRef>
+          <a:effectRef idx="0">
+            <a:schemeClr val="accent1"/>
+          </a:effectRef>
+          <a:fontRef idx="minor">
+            <a:schemeClr val="lt1"/>
+          </a:fontRef>
+        </p:style>
+        <p:txBody>
+          <a:bodyPr rtlCol="0" anchor="ctr"/>
+          <a:lstStyle/>
+          <a:p>
+            <a:pPr algn="ctr"/>
+            <a:r>
+              <a:rPr lang="pl-PL" dirty="0" smtClean="0"/>
+              <a:t>Controller</a:t>
+            </a:r>
+            <a:endParaRPr lang="pl-PL" dirty="0"/>
+          </a:p>
+        </p:txBody>
+      </p:sp>
+      <p:sp>
+        <p:nvSpPr>
+          <p:cNvPr id="6" name="Smiley Face 5"/>
+          <p:cNvSpPr/>
+          <p:nvPr/>
+        </p:nvSpPr>
+        <p:spPr>
+          <a:xfrm>
+            <a:off x="685800" y="3292222"/>
+            <a:ext cx="914400" cy="914400"/>
+          </a:xfrm>
+          <a:prstGeom prst="smileyFace">
+            <a:avLst/>
+          </a:prstGeom>
+        </p:spPr>
+        <p:style>
+          <a:lnRef idx="2">
+            <a:schemeClr val="accent1">
+              <a:shade val="50000"/>
+            </a:schemeClr>
+          </a:lnRef>
+          <a:fillRef idx="1">
+            <a:schemeClr val="accent1"/>
+          </a:fillRef>
+          <a:effectRef idx="0">
+            <a:schemeClr val="accent1"/>
+          </a:effectRef>
+          <a:fontRef idx="minor">
+            <a:schemeClr val="lt1"/>
+          </a:fontRef>
+        </p:style>
+        <p:txBody>
+          <a:bodyPr rtlCol="0" anchor="ctr"/>
+          <a:lstStyle/>
+          <a:p>
+            <a:pPr algn="ctr"/>
+            <a:endParaRPr lang="pl-PL"/>
+          </a:p>
+        </p:txBody>
+      </p:sp>
+      <p:sp>
+        <p:nvSpPr>
+          <p:cNvPr id="7" name="Cube 6"/>
+          <p:cNvSpPr/>
+          <p:nvPr/>
+        </p:nvSpPr>
+        <p:spPr>
+          <a:xfrm>
+            <a:off x="6036264" y="3121371"/>
+            <a:ext cx="1409263" cy="1409263"/>
+          </a:xfrm>
+          <a:prstGeom prst="cube">
+            <a:avLst/>
+          </a:prstGeom>
+        </p:spPr>
+        <p:style>
+          <a:lnRef idx="2">
+            <a:schemeClr val="accent1">
+              <a:shade val="50000"/>
+            </a:schemeClr>
+          </a:lnRef>
+          <a:fillRef idx="1">
+            <a:schemeClr val="accent1"/>
+          </a:fillRef>
+          <a:effectRef idx="0">
+            <a:schemeClr val="accent1"/>
+          </a:effectRef>
+          <a:fontRef idx="minor">
+            <a:schemeClr val="lt1"/>
+          </a:fontRef>
+        </p:style>
+        <p:txBody>
+          <a:bodyPr rtlCol="0" anchor="ctr"/>
+          <a:lstStyle/>
+          <a:p>
+            <a:pPr algn="ctr"/>
+            <a:r>
+              <a:rPr lang="pl-PL" dirty="0" smtClean="0"/>
+              <a:t>Service</a:t>
+            </a:r>
+          </a:p>
+          <a:p>
+            <a:pPr algn="ctr"/>
+            <a:endParaRPr lang="pl-PL" dirty="0"/>
+          </a:p>
+        </p:txBody>
+      </p:sp>
+      <p:sp>
+        <p:nvSpPr>
+          <p:cNvPr id="8" name="Can 7"/>
+          <p:cNvSpPr/>
+          <p:nvPr/>
+        </p:nvSpPr>
+        <p:spPr>
+          <a:xfrm>
+            <a:off x="9222347" y="3241253"/>
+            <a:ext cx="914400" cy="1216152"/>
+          </a:xfrm>
+          <a:prstGeom prst="can">
+            <a:avLst/>
+          </a:prstGeom>
+        </p:spPr>
+        <p:style>
+          <a:lnRef idx="2">
+            <a:schemeClr val="accent1">
+              <a:shade val="50000"/>
+            </a:schemeClr>
+          </a:lnRef>
+          <a:fillRef idx="1">
+            <a:schemeClr val="accent1"/>
+          </a:fillRef>
+          <a:effectRef idx="0">
+            <a:schemeClr val="accent1"/>
+          </a:effectRef>
+          <a:fontRef idx="minor">
+            <a:schemeClr val="lt1"/>
+          </a:fontRef>
+        </p:style>
+        <p:txBody>
+          <a:bodyPr rtlCol="0" anchor="ctr"/>
+          <a:lstStyle/>
+          <a:p>
+            <a:pPr algn="ctr"/>
+            <a:r>
+              <a:rPr lang="pl-PL" dirty="0" smtClean="0"/>
+              <a:t>DB</a:t>
+            </a:r>
+          </a:p>
+        </p:txBody>
+      </p:sp>
+      <p:sp>
+        <p:nvSpPr>
+          <p:cNvPr id="9" name="Right Arrow 8"/>
+          <p:cNvSpPr/>
+          <p:nvPr/>
+        </p:nvSpPr>
+        <p:spPr>
+          <a:xfrm>
+            <a:off x="1823446" y="3537521"/>
+            <a:ext cx="978408" cy="484632"/>
+          </a:xfrm>
+          <a:prstGeom prst="rightArrow">
+            <a:avLst/>
+          </a:prstGeom>
+        </p:spPr>
+        <p:style>
+          <a:lnRef idx="2">
+            <a:schemeClr val="accent1">
+              <a:shade val="50000"/>
+            </a:schemeClr>
+          </a:lnRef>
+          <a:fillRef idx="1">
+            <a:schemeClr val="accent1"/>
+          </a:fillRef>
+          <a:effectRef idx="0">
+            <a:schemeClr val="accent1"/>
+          </a:effectRef>
+          <a:fontRef idx="minor">
+            <a:schemeClr val="lt1"/>
+          </a:fontRef>
+        </p:style>
+        <p:txBody>
+          <a:bodyPr rtlCol="0" anchor="ctr"/>
+          <a:lstStyle/>
+          <a:p>
+            <a:pPr algn="ctr"/>
+            <a:endParaRPr lang="pl-PL"/>
+          </a:p>
+        </p:txBody>
+      </p:sp>
+      <p:sp>
+        <p:nvSpPr>
+          <p:cNvPr id="10" name="Right Arrow 9"/>
+          <p:cNvSpPr/>
+          <p:nvPr/>
+        </p:nvSpPr>
+        <p:spPr>
+          <a:xfrm>
+            <a:off x="4823301" y="3507106"/>
+            <a:ext cx="978408" cy="484632"/>
+          </a:xfrm>
+          <a:prstGeom prst="rightArrow">
+            <a:avLst/>
+          </a:prstGeom>
+        </p:spPr>
+        <p:style>
+          <a:lnRef idx="2">
+            <a:schemeClr val="accent1">
+              <a:shade val="50000"/>
+            </a:schemeClr>
+          </a:lnRef>
+          <a:fillRef idx="1">
+            <a:schemeClr val="accent1"/>
+          </a:fillRef>
+          <a:effectRef idx="0">
+            <a:schemeClr val="accent1"/>
+          </a:effectRef>
+          <a:fontRef idx="minor">
+            <a:schemeClr val="lt1"/>
+          </a:fontRef>
+        </p:style>
+        <p:txBody>
+          <a:bodyPr rtlCol="0" anchor="ctr"/>
+          <a:lstStyle/>
+          <a:p>
+            <a:pPr algn="ctr"/>
+            <a:endParaRPr lang="pl-PL"/>
+          </a:p>
+        </p:txBody>
+      </p:sp>
+      <p:sp>
+        <p:nvSpPr>
+          <p:cNvPr id="11" name="Right Arrow 10"/>
+          <p:cNvSpPr/>
+          <p:nvPr/>
+        </p:nvSpPr>
+        <p:spPr>
+          <a:xfrm>
+            <a:off x="7844733" y="3507106"/>
+            <a:ext cx="978408" cy="484632"/>
+          </a:xfrm>
+          <a:prstGeom prst="rightArrow">
+            <a:avLst/>
+          </a:prstGeom>
+        </p:spPr>
+        <p:style>
+          <a:lnRef idx="2">
+            <a:schemeClr val="accent1">
+              <a:shade val="50000"/>
+            </a:schemeClr>
+          </a:lnRef>
+          <a:fillRef idx="1">
+            <a:schemeClr val="accent1"/>
+          </a:fillRef>
+          <a:effectRef idx="0">
+            <a:schemeClr val="accent1"/>
+          </a:effectRef>
+          <a:fontRef idx="minor">
+            <a:schemeClr val="lt1"/>
+          </a:fontRef>
+        </p:style>
+        <p:txBody>
+          <a:bodyPr rtlCol="0" anchor="ctr"/>
+          <a:lstStyle/>
+          <a:p>
+            <a:pPr algn="ctr"/>
+            <a:endParaRPr lang="pl-PL"/>
+          </a:p>
+        </p:txBody>
+      </p:sp>
+      <p:sp>
+        <p:nvSpPr>
+          <p:cNvPr id="12" name="Cube 11"/>
+          <p:cNvSpPr/>
+          <p:nvPr/>
+        </p:nvSpPr>
+        <p:spPr>
+          <a:xfrm>
+            <a:off x="5292956" y="4304336"/>
+            <a:ext cx="1409263" cy="1409263"/>
+          </a:xfrm>
+          <a:prstGeom prst="cube">
+            <a:avLst/>
+          </a:prstGeom>
+        </p:spPr>
+        <p:style>
+          <a:lnRef idx="2">
+            <a:schemeClr val="accent2">
+              <a:shade val="50000"/>
+            </a:schemeClr>
+          </a:lnRef>
+          <a:fillRef idx="1">
+            <a:schemeClr val="accent2"/>
+          </a:fillRef>
+          <a:effectRef idx="0">
+            <a:schemeClr val="accent2"/>
+          </a:effectRef>
+          <a:fontRef idx="minor">
+            <a:schemeClr val="lt1"/>
+          </a:fontRef>
+        </p:style>
+        <p:txBody>
+          <a:bodyPr rtlCol="0" anchor="ctr"/>
+          <a:lstStyle/>
+          <a:p>
+            <a:pPr algn="ctr"/>
+            <a:r>
+              <a:rPr lang="pl-PL" sz="1200" dirty="0" err="1" smtClean="0"/>
+              <a:t>Repository</a:t>
+            </a:r>
+            <a:endParaRPr lang="pl-PL" sz="1200" dirty="0" smtClean="0"/>
+          </a:p>
+          <a:p>
+            <a:pPr algn="ctr"/>
+            <a:endParaRPr lang="pl-PL" sz="1200" dirty="0"/>
+          </a:p>
+        </p:txBody>
+      </p:sp>
+      <p:sp>
+        <p:nvSpPr>
+          <p:cNvPr id="14" name="Cube 13"/>
+          <p:cNvSpPr/>
+          <p:nvPr/>
+        </p:nvSpPr>
+        <p:spPr>
+          <a:xfrm>
+            <a:off x="6587013" y="4304335"/>
+            <a:ext cx="1409263" cy="1409263"/>
+          </a:xfrm>
+          <a:prstGeom prst="cube">
+            <a:avLst/>
+          </a:prstGeom>
+        </p:spPr>
+        <p:style>
+          <a:lnRef idx="2">
+            <a:schemeClr val="accent2">
+              <a:shade val="50000"/>
+            </a:schemeClr>
+          </a:lnRef>
+          <a:fillRef idx="1">
+            <a:schemeClr val="accent2"/>
+          </a:fillRef>
+          <a:effectRef idx="0">
+            <a:schemeClr val="accent2"/>
+          </a:effectRef>
+          <a:fontRef idx="minor">
+            <a:schemeClr val="lt1"/>
+          </a:fontRef>
+        </p:style>
+        <p:txBody>
+          <a:bodyPr rtlCol="0" anchor="ctr"/>
+          <a:lstStyle/>
+          <a:p>
+            <a:pPr algn="ctr"/>
+            <a:r>
+              <a:rPr lang="pl-PL" sz="1200" dirty="0" smtClean="0"/>
+              <a:t>ORM</a:t>
+            </a:r>
+          </a:p>
+          <a:p>
+            <a:pPr algn="ctr"/>
+            <a:endParaRPr lang="pl-PL" sz="1200" dirty="0"/>
+          </a:p>
+        </p:txBody>
+      </p:sp>
+    </p:spTree>
+    <p:extLst>
+      <p:ext uri="{BB962C8B-B14F-4D97-AF65-F5344CB8AC3E}">
+        <p14:creationId xmlns:p14="http://schemas.microsoft.com/office/powerpoint/2010/main" val="1999620456"/>
+      </p:ext>
+    </p:extLst>
+  </p:cSld>
+  <p:clrMapOvr>
+    <a:masterClrMapping/>
+  </p:clrMapOvr>
+</p:sld>
+</file>
+
+<file path=ppt/slides/slide6.xml><?xml version="1.0" encoding="utf-8"?>
+<p:sld xmlns:a="http://schemas.openxmlformats.org/drawingml/2006/main" xmlns:r="http://schemas.openxmlformats.org/officeDocument/2006/relationships" xmlns:p="http://schemas.openxmlformats.org/presentationml/2006/main">
+  <p:cSld>
+    <p:spTree>
+      <p:nvGrpSpPr>
+        <p:cNvPr id="1" name=""/>
+        <p:cNvGrpSpPr/>
+        <p:nvPr/>
+      </p:nvGrpSpPr>
+      <p:grpSpPr>
+        <a:xfrm>
+          <a:off x="0" y="0"/>
+          <a:ext cx="0" cy="0"/>
+          <a:chOff x="0" y="0"/>
+          <a:chExt cx="0" cy="0"/>
+        </a:xfrm>
+      </p:grpSpPr>
+      <p:sp>
+        <p:nvSpPr>
+          <p:cNvPr id="2" name="Title 1"/>
+          <p:cNvSpPr>
+            <a:spLocks noGrp="1"/>
+          </p:cNvSpPr>
+          <p:nvPr>
+            <p:ph type="title"/>
+          </p:nvPr>
+        </p:nvSpPr>
+        <p:spPr/>
+        <p:txBody>
+          <a:bodyPr>
+            <a:normAutofit fontScale="90000"/>
+          </a:bodyPr>
+          <a:lstStyle/>
+          <a:p>
+            <a:r>
+              <a:rPr lang="pl-PL" dirty="0"/>
+              <a:t>CRUDY na pudy, </a:t>
+            </a:r>
+            <a:r>
+              <a:rPr lang="pl-PL" dirty="0" smtClean="0"/>
+              <a:t/>
+            </a:r>
+            <a:br>
+              <a:rPr lang="pl-PL" dirty="0" smtClean="0"/>
+            </a:br>
+            <a:r>
+              <a:rPr lang="pl-PL" dirty="0" smtClean="0"/>
+              <a:t>czyli </a:t>
+            </a:r>
+            <a:r>
+              <a:rPr lang="pl-PL" dirty="0"/>
+              <a:t>parę </a:t>
+            </a:r>
+            <a:r>
+              <a:rPr lang="pl-PL" dirty="0" smtClean="0"/>
+              <a:t>słów </a:t>
+            </a:r>
+            <a:r>
+              <a:rPr lang="pl-PL" dirty="0"/>
+              <a:t>o dyskomforcie w </a:t>
+            </a:r>
+            <a:r>
+              <a:rPr lang="pl-PL" dirty="0" smtClean="0"/>
+              <a:t>programowaniu</a:t>
+            </a:r>
+            <a:r>
+              <a:rPr lang="pl-PL" dirty="0"/>
+              <a:t/>
+            </a:r>
+            <a:br>
+              <a:rPr lang="pl-PL" dirty="0"/>
+            </a:br>
+            <a:endParaRPr lang="pl-PL" dirty="0"/>
+          </a:p>
+        </p:txBody>
+      </p:sp>
+      <p:sp>
+        <p:nvSpPr>
+          <p:cNvPr id="5" name="Cloud Callout 4"/>
+          <p:cNvSpPr/>
+          <p:nvPr/>
+        </p:nvSpPr>
+        <p:spPr>
+          <a:xfrm>
+            <a:off x="2801854" y="3121371"/>
+            <a:ext cx="1994080" cy="1336034"/>
+          </a:xfrm>
+          <a:prstGeom prst="cloudCallout">
+            <a:avLst/>
+          </a:prstGeom>
+        </p:spPr>
+        <p:style>
+          <a:lnRef idx="2">
+            <a:schemeClr val="accent1">
+              <a:shade val="50000"/>
+            </a:schemeClr>
+          </a:lnRef>
+          <a:fillRef idx="1">
+            <a:schemeClr val="accent1"/>
+          </a:fillRef>
+          <a:effectRef idx="0">
+            <a:schemeClr val="accent1"/>
+          </a:effectRef>
+          <a:fontRef idx="minor">
+            <a:schemeClr val="lt1"/>
+          </a:fontRef>
+        </p:style>
+        <p:txBody>
+          <a:bodyPr rtlCol="0" anchor="ctr"/>
+          <a:lstStyle/>
+          <a:p>
+            <a:pPr algn="ctr"/>
+            <a:r>
+              <a:rPr lang="pl-PL" dirty="0" smtClean="0"/>
+              <a:t>Controller</a:t>
+            </a:r>
+            <a:endParaRPr lang="pl-PL" dirty="0"/>
+          </a:p>
+        </p:txBody>
+      </p:sp>
+      <p:sp>
+        <p:nvSpPr>
+          <p:cNvPr id="6" name="Smiley Face 5"/>
+          <p:cNvSpPr/>
+          <p:nvPr/>
+        </p:nvSpPr>
+        <p:spPr>
+          <a:xfrm>
+            <a:off x="685800" y="3292222"/>
+            <a:ext cx="914400" cy="914400"/>
+          </a:xfrm>
+          <a:prstGeom prst="smileyFace">
+            <a:avLst/>
+          </a:prstGeom>
+        </p:spPr>
+        <p:style>
+          <a:lnRef idx="2">
+            <a:schemeClr val="accent1">
+              <a:shade val="50000"/>
+            </a:schemeClr>
+          </a:lnRef>
+          <a:fillRef idx="1">
+            <a:schemeClr val="accent1"/>
+          </a:fillRef>
+          <a:effectRef idx="0">
+            <a:schemeClr val="accent1"/>
+          </a:effectRef>
+          <a:fontRef idx="minor">
+            <a:schemeClr val="lt1"/>
+          </a:fontRef>
+        </p:style>
+        <p:txBody>
+          <a:bodyPr rtlCol="0" anchor="ctr"/>
+          <a:lstStyle/>
+          <a:p>
+            <a:pPr algn="ctr"/>
+            <a:endParaRPr lang="pl-PL" dirty="0"/>
+          </a:p>
+        </p:txBody>
+      </p:sp>
+      <p:sp>
+        <p:nvSpPr>
+          <p:cNvPr id="7" name="Cube 6"/>
+          <p:cNvSpPr/>
+          <p:nvPr/>
+        </p:nvSpPr>
+        <p:spPr>
+          <a:xfrm>
+            <a:off x="6036264" y="3121371"/>
+            <a:ext cx="1409263" cy="1409263"/>
+          </a:xfrm>
+          <a:prstGeom prst="cube">
+            <a:avLst/>
+          </a:prstGeom>
+        </p:spPr>
+        <p:style>
+          <a:lnRef idx="2">
+            <a:schemeClr val="accent1">
+              <a:shade val="50000"/>
+            </a:schemeClr>
+          </a:lnRef>
+          <a:fillRef idx="1">
+            <a:schemeClr val="accent1"/>
+          </a:fillRef>
+          <a:effectRef idx="0">
+            <a:schemeClr val="accent1"/>
+          </a:effectRef>
+          <a:fontRef idx="minor">
+            <a:schemeClr val="lt1"/>
+          </a:fontRef>
+        </p:style>
+        <p:txBody>
+          <a:bodyPr rtlCol="0" anchor="ctr"/>
+          <a:lstStyle/>
+          <a:p>
+            <a:pPr algn="ctr"/>
+            <a:r>
+              <a:rPr lang="pl-PL" dirty="0" smtClean="0"/>
+              <a:t>Service</a:t>
+            </a:r>
+          </a:p>
+          <a:p>
+            <a:pPr algn="ctr"/>
+            <a:endParaRPr lang="pl-PL" dirty="0"/>
+          </a:p>
+        </p:txBody>
+      </p:sp>
+      <p:sp>
+        <p:nvSpPr>
+          <p:cNvPr id="8" name="Can 7"/>
+          <p:cNvSpPr/>
+          <p:nvPr/>
+        </p:nvSpPr>
+        <p:spPr>
+          <a:xfrm>
+            <a:off x="9222347" y="3241253"/>
+            <a:ext cx="914400" cy="1216152"/>
+          </a:xfrm>
+          <a:prstGeom prst="can">
+            <a:avLst/>
+          </a:prstGeom>
+        </p:spPr>
+        <p:style>
+          <a:lnRef idx="2">
+            <a:schemeClr val="accent1">
+              <a:shade val="50000"/>
+            </a:schemeClr>
+          </a:lnRef>
+          <a:fillRef idx="1">
+            <a:schemeClr val="accent1"/>
+          </a:fillRef>
+          <a:effectRef idx="0">
+            <a:schemeClr val="accent1"/>
+          </a:effectRef>
+          <a:fontRef idx="minor">
+            <a:schemeClr val="lt1"/>
+          </a:fontRef>
+        </p:style>
+        <p:txBody>
+          <a:bodyPr rtlCol="0" anchor="ctr"/>
+          <a:lstStyle/>
+          <a:p>
+            <a:pPr algn="ctr"/>
+            <a:r>
+              <a:rPr lang="pl-PL" dirty="0" smtClean="0"/>
+              <a:t>DB</a:t>
+            </a:r>
+          </a:p>
+        </p:txBody>
+      </p:sp>
+      <p:sp>
+        <p:nvSpPr>
+          <p:cNvPr id="9" name="Right Arrow 8"/>
+          <p:cNvSpPr/>
+          <p:nvPr/>
+        </p:nvSpPr>
+        <p:spPr>
+          <a:xfrm>
+            <a:off x="1823446" y="3537521"/>
+            <a:ext cx="978408" cy="484632"/>
+          </a:xfrm>
+          <a:prstGeom prst="rightArrow">
+            <a:avLst/>
+          </a:prstGeom>
+        </p:spPr>
+        <p:style>
+          <a:lnRef idx="2">
+            <a:schemeClr val="accent1">
+              <a:shade val="50000"/>
+            </a:schemeClr>
+          </a:lnRef>
+          <a:fillRef idx="1">
+            <a:schemeClr val="accent1"/>
+          </a:fillRef>
+          <a:effectRef idx="0">
+            <a:schemeClr val="accent1"/>
+          </a:effectRef>
+          <a:fontRef idx="minor">
+            <a:schemeClr val="lt1"/>
+          </a:fontRef>
+        </p:style>
+        <p:txBody>
+          <a:bodyPr rtlCol="0" anchor="ctr"/>
+          <a:lstStyle/>
+          <a:p>
+            <a:pPr algn="ctr"/>
+            <a:endParaRPr lang="pl-PL" dirty="0"/>
+          </a:p>
+        </p:txBody>
+      </p:sp>
+      <p:sp>
+        <p:nvSpPr>
+          <p:cNvPr id="10" name="Right Arrow 9"/>
+          <p:cNvSpPr/>
+          <p:nvPr/>
+        </p:nvSpPr>
+        <p:spPr>
+          <a:xfrm>
+            <a:off x="4823301" y="3507106"/>
+            <a:ext cx="978408" cy="484632"/>
+          </a:xfrm>
+          <a:prstGeom prst="rightArrow">
+            <a:avLst/>
+          </a:prstGeom>
+        </p:spPr>
+        <p:style>
+          <a:lnRef idx="2">
+            <a:schemeClr val="accent1">
+              <a:shade val="50000"/>
+            </a:schemeClr>
+          </a:lnRef>
+          <a:fillRef idx="1">
+            <a:schemeClr val="accent1"/>
+          </a:fillRef>
+          <a:effectRef idx="0">
+            <a:schemeClr val="accent1"/>
+          </a:effectRef>
+          <a:fontRef idx="minor">
+            <a:schemeClr val="lt1"/>
+          </a:fontRef>
+        </p:style>
+        <p:txBody>
+          <a:bodyPr rtlCol="0" anchor="ctr"/>
+          <a:lstStyle/>
+          <a:p>
+            <a:pPr algn="ctr"/>
+            <a:endParaRPr lang="pl-PL" dirty="0"/>
+          </a:p>
+        </p:txBody>
+      </p:sp>
+      <p:sp>
+        <p:nvSpPr>
+          <p:cNvPr id="12" name="Cube 11"/>
+          <p:cNvSpPr/>
+          <p:nvPr/>
+        </p:nvSpPr>
+        <p:spPr>
+          <a:xfrm>
+            <a:off x="5292956" y="4304336"/>
+            <a:ext cx="1409263" cy="1409263"/>
+          </a:xfrm>
+          <a:prstGeom prst="cube">
+            <a:avLst/>
+          </a:prstGeom>
+        </p:spPr>
+        <p:style>
+          <a:lnRef idx="2">
+            <a:schemeClr val="accent1">
+              <a:shade val="50000"/>
+            </a:schemeClr>
+          </a:lnRef>
+          <a:fillRef idx="1">
+            <a:schemeClr val="accent1"/>
+          </a:fillRef>
+          <a:effectRef idx="0">
+            <a:schemeClr val="accent1"/>
+          </a:effectRef>
+          <a:fontRef idx="minor">
+            <a:schemeClr val="lt1"/>
+          </a:fontRef>
+        </p:style>
+        <p:txBody>
+          <a:bodyPr rtlCol="0" anchor="ctr"/>
+          <a:lstStyle/>
+          <a:p>
+            <a:pPr algn="ctr"/>
+            <a:r>
+              <a:rPr lang="pl-PL" sz="1200" dirty="0" err="1" smtClean="0"/>
+              <a:t>Repository</a:t>
+            </a:r>
+            <a:endParaRPr lang="pl-PL" sz="1200" dirty="0" smtClean="0"/>
+          </a:p>
+          <a:p>
+            <a:pPr algn="ctr"/>
+            <a:endParaRPr lang="pl-PL" sz="1200" dirty="0"/>
+          </a:p>
+        </p:txBody>
+      </p:sp>
+      <p:sp>
+        <p:nvSpPr>
+          <p:cNvPr id="14" name="Cube 13"/>
+          <p:cNvSpPr/>
+          <p:nvPr/>
+        </p:nvSpPr>
+        <p:spPr>
+          <a:xfrm>
+            <a:off x="6587013" y="4304335"/>
+            <a:ext cx="1409263" cy="1409263"/>
+          </a:xfrm>
+          <a:prstGeom prst="cube">
+            <a:avLst/>
+          </a:prstGeom>
+        </p:spPr>
+        <p:style>
+          <a:lnRef idx="2">
+            <a:schemeClr val="accent1">
+              <a:shade val="50000"/>
+            </a:schemeClr>
+          </a:lnRef>
+          <a:fillRef idx="1">
+            <a:schemeClr val="accent1"/>
+          </a:fillRef>
+          <a:effectRef idx="0">
+            <a:schemeClr val="accent1"/>
+          </a:effectRef>
+          <a:fontRef idx="minor">
+            <a:schemeClr val="lt1"/>
+          </a:fontRef>
+        </p:style>
+        <p:txBody>
+          <a:bodyPr rtlCol="0" anchor="ctr"/>
+          <a:lstStyle/>
+          <a:p>
+            <a:pPr algn="ctr"/>
+            <a:r>
+              <a:rPr lang="pl-PL" sz="1200" dirty="0" smtClean="0"/>
+              <a:t>ORM</a:t>
+            </a:r>
+          </a:p>
+          <a:p>
+            <a:pPr algn="ctr"/>
+            <a:endParaRPr lang="pl-PL" sz="1200" dirty="0"/>
+          </a:p>
+        </p:txBody>
+      </p:sp>
+      <p:sp>
+        <p:nvSpPr>
+          <p:cNvPr id="13" name="TextBox 12"/>
+          <p:cNvSpPr txBox="1"/>
+          <p:nvPr/>
+        </p:nvSpPr>
+        <p:spPr>
+          <a:xfrm>
+            <a:off x="2895600" y="2626870"/>
+            <a:ext cx="1798890" cy="369332"/>
+          </a:xfrm>
+          <a:prstGeom prst="rect">
+            <a:avLst/>
+          </a:prstGeom>
+          <a:noFill/>
+        </p:spPr>
+        <p:txBody>
+          <a:bodyPr wrap="none" rtlCol="0">
+            <a:spAutoFit/>
+          </a:bodyPr>
+          <a:lstStyle/>
+          <a:p>
+            <a:r>
+              <a:rPr lang="pl-PL" dirty="0" err="1" smtClean="0"/>
+              <a:t>UserController</a:t>
+            </a:r>
+            <a:endParaRPr lang="pl-PL" dirty="0"/>
+          </a:p>
+        </p:txBody>
+      </p:sp>
+      <p:sp>
+        <p:nvSpPr>
+          <p:cNvPr id="15" name="TextBox 14"/>
+          <p:cNvSpPr txBox="1"/>
+          <p:nvPr/>
+        </p:nvSpPr>
+        <p:spPr>
+          <a:xfrm>
+            <a:off x="6162687" y="2626870"/>
+            <a:ext cx="1454244" cy="369332"/>
+          </a:xfrm>
+          <a:prstGeom prst="rect">
+            <a:avLst/>
+          </a:prstGeom>
+          <a:noFill/>
+        </p:spPr>
+        <p:txBody>
+          <a:bodyPr wrap="none" rtlCol="0">
+            <a:spAutoFit/>
+          </a:bodyPr>
+          <a:lstStyle/>
+          <a:p>
+            <a:r>
+              <a:rPr lang="pl-PL" dirty="0" err="1" smtClean="0"/>
+              <a:t>UserService</a:t>
+            </a:r>
+            <a:endParaRPr lang="pl-PL" dirty="0" smtClean="0"/>
+          </a:p>
+        </p:txBody>
+      </p:sp>
+      <p:sp>
+        <p:nvSpPr>
+          <p:cNvPr id="16" name="TextBox 15"/>
+          <p:cNvSpPr txBox="1"/>
+          <p:nvPr/>
+        </p:nvSpPr>
+        <p:spPr>
+          <a:xfrm>
+            <a:off x="4786520" y="5817839"/>
+            <a:ext cx="1800493" cy="369332"/>
+          </a:xfrm>
+          <a:prstGeom prst="rect">
+            <a:avLst/>
+          </a:prstGeom>
+          <a:noFill/>
+        </p:spPr>
+        <p:txBody>
+          <a:bodyPr wrap="none" rtlCol="0">
+            <a:spAutoFit/>
+          </a:bodyPr>
+          <a:lstStyle/>
+          <a:p>
+            <a:r>
+              <a:rPr lang="pl-PL" dirty="0" err="1" smtClean="0"/>
+              <a:t>UserRepository</a:t>
+            </a:r>
+            <a:endParaRPr lang="pl-PL" dirty="0" smtClean="0"/>
+          </a:p>
+        </p:txBody>
+      </p:sp>
+      <p:sp>
+        <p:nvSpPr>
+          <p:cNvPr id="17" name="TextBox 16"/>
+          <p:cNvSpPr txBox="1"/>
+          <p:nvPr/>
+        </p:nvSpPr>
+        <p:spPr>
+          <a:xfrm>
+            <a:off x="6702219" y="5817839"/>
+            <a:ext cx="1382110" cy="369332"/>
+          </a:xfrm>
+          <a:prstGeom prst="rect">
+            <a:avLst/>
+          </a:prstGeom>
+          <a:noFill/>
+        </p:spPr>
+        <p:txBody>
+          <a:bodyPr wrap="none" rtlCol="0">
+            <a:spAutoFit/>
+          </a:bodyPr>
+          <a:lstStyle/>
+          <a:p>
+            <a:r>
+              <a:rPr lang="pl-PL" dirty="0" smtClean="0"/>
+              <a:t>User </a:t>
+            </a:r>
+            <a:r>
+              <a:rPr lang="pl-PL" dirty="0" err="1" smtClean="0"/>
+              <a:t>DbSet</a:t>
+            </a:r>
+            <a:endParaRPr lang="pl-PL" dirty="0" smtClean="0"/>
+          </a:p>
+        </p:txBody>
+      </p:sp>
+      <p:sp>
+        <p:nvSpPr>
+          <p:cNvPr id="18" name="TextBox 17"/>
+          <p:cNvSpPr txBox="1"/>
+          <p:nvPr/>
+        </p:nvSpPr>
+        <p:spPr>
+          <a:xfrm>
+            <a:off x="9112675" y="2637540"/>
+            <a:ext cx="1407758" cy="369332"/>
+          </a:xfrm>
+          <a:prstGeom prst="rect">
+            <a:avLst/>
+          </a:prstGeom>
+          <a:noFill/>
+        </p:spPr>
+        <p:txBody>
+          <a:bodyPr wrap="none" rtlCol="0">
+            <a:spAutoFit/>
+          </a:bodyPr>
+          <a:lstStyle/>
+          <a:p>
+            <a:r>
+              <a:rPr lang="pl-PL" dirty="0" err="1" smtClean="0"/>
+              <a:t>Users</a:t>
+            </a:r>
+            <a:r>
+              <a:rPr lang="pl-PL" dirty="0" smtClean="0"/>
+              <a:t> </a:t>
+            </a:r>
+            <a:r>
+              <a:rPr lang="pl-PL" dirty="0" err="1" smtClean="0"/>
+              <a:t>Table</a:t>
+            </a:r>
+            <a:endParaRPr lang="pl-PL" dirty="0" smtClean="0"/>
+          </a:p>
+        </p:txBody>
+      </p:sp>
+      <p:sp>
+        <p:nvSpPr>
+          <p:cNvPr id="19" name="Down Arrow 18"/>
+          <p:cNvSpPr/>
+          <p:nvPr/>
+        </p:nvSpPr>
+        <p:spPr>
+          <a:xfrm>
+            <a:off x="5918534" y="4060172"/>
+            <a:ext cx="419968" cy="783060"/>
+          </a:xfrm>
+          <a:prstGeom prst="downArrow">
+            <a:avLst/>
+          </a:prstGeom>
+        </p:spPr>
+        <p:style>
+          <a:lnRef idx="2">
+            <a:schemeClr val="accent6">
+              <a:shade val="50000"/>
+            </a:schemeClr>
+          </a:lnRef>
+          <a:fillRef idx="1">
+            <a:schemeClr val="accent6"/>
+          </a:fillRef>
+          <a:effectRef idx="0">
+            <a:schemeClr val="accent6"/>
+          </a:effectRef>
+          <a:fontRef idx="minor">
+            <a:schemeClr val="lt1"/>
+          </a:fontRef>
+        </p:style>
+        <p:txBody>
+          <a:bodyPr rtlCol="0" anchor="ctr"/>
+          <a:lstStyle/>
+          <a:p>
+            <a:pPr algn="ctr"/>
+            <a:endParaRPr lang="pl-PL"/>
+          </a:p>
+        </p:txBody>
+      </p:sp>
+      <p:sp>
+        <p:nvSpPr>
+          <p:cNvPr id="20" name="Down Arrow 19"/>
+          <p:cNvSpPr/>
+          <p:nvPr/>
+        </p:nvSpPr>
+        <p:spPr>
+          <a:xfrm rot="16200000">
+            <a:off x="6377029" y="5112084"/>
+            <a:ext cx="419968" cy="783060"/>
+          </a:xfrm>
+          <a:prstGeom prst="downArrow">
+            <a:avLst/>
+          </a:prstGeom>
+        </p:spPr>
+        <p:style>
+          <a:lnRef idx="2">
+            <a:schemeClr val="accent6">
+              <a:shade val="50000"/>
+            </a:schemeClr>
+          </a:lnRef>
+          <a:fillRef idx="1">
+            <a:schemeClr val="accent6"/>
+          </a:fillRef>
+          <a:effectRef idx="0">
+            <a:schemeClr val="accent6"/>
+          </a:effectRef>
+          <a:fontRef idx="minor">
+            <a:schemeClr val="lt1"/>
+          </a:fontRef>
+        </p:style>
+        <p:txBody>
+          <a:bodyPr rtlCol="0" anchor="ctr"/>
+          <a:lstStyle/>
+          <a:p>
+            <a:pPr algn="ctr"/>
+            <a:endParaRPr lang="pl-PL"/>
+          </a:p>
+        </p:txBody>
+      </p:sp>
+      <p:sp>
+        <p:nvSpPr>
+          <p:cNvPr id="21" name="Down Arrow 20"/>
+          <p:cNvSpPr/>
+          <p:nvPr/>
+        </p:nvSpPr>
+        <p:spPr>
+          <a:xfrm rot="14277274">
+            <a:off x="8399327" y="4200824"/>
+            <a:ext cx="419968" cy="783060"/>
+          </a:xfrm>
+          <a:prstGeom prst="downArrow">
+            <a:avLst/>
+          </a:prstGeom>
+        </p:spPr>
+        <p:style>
+          <a:lnRef idx="2">
+            <a:schemeClr val="accent6">
+              <a:shade val="50000"/>
+            </a:schemeClr>
+          </a:lnRef>
+          <a:fillRef idx="1">
+            <a:schemeClr val="accent6"/>
+          </a:fillRef>
+          <a:effectRef idx="0">
+            <a:schemeClr val="accent6"/>
+          </a:effectRef>
+          <a:fontRef idx="minor">
+            <a:schemeClr val="lt1"/>
+          </a:fontRef>
+        </p:style>
+        <p:txBody>
+          <a:bodyPr rtlCol="0" anchor="ctr"/>
+          <a:lstStyle/>
+          <a:p>
+            <a:pPr algn="ctr"/>
+            <a:endParaRPr lang="pl-PL"/>
+          </a:p>
+        </p:txBody>
+      </p:sp>
+    </p:spTree>
+    <p:extLst>
+      <p:ext uri="{BB962C8B-B14F-4D97-AF65-F5344CB8AC3E}">
+        <p14:creationId xmlns:p14="http://schemas.microsoft.com/office/powerpoint/2010/main" val="3435047506"/>
+      </p:ext>
+    </p:extLst>
+  </p:cSld>
+  <p:clrMapOvr>
+    <a:masterClrMapping/>
+  </p:clrMapOvr>
+</p:sld>
+</file>
+
+<file path=ppt/slides/slide7.xml><?xml version="1.0" encoding="utf-8"?>
+<p:sld xmlns:a="http://schemas.openxmlformats.org/drawingml/2006/main" xmlns:r="http://schemas.openxmlformats.org/officeDocument/2006/relationships" xmlns:p="http://schemas.openxmlformats.org/presentationml/2006/main">
+  <p:cSld>
+    <p:spTree>
+      <p:nvGrpSpPr>
+        <p:cNvPr id="1" name=""/>
+        <p:cNvGrpSpPr/>
+        <p:nvPr/>
+      </p:nvGrpSpPr>
+      <p:grpSpPr>
+        <a:xfrm>
+          <a:off x="0" y="0"/>
+          <a:ext cx="0" cy="0"/>
+          <a:chOff x="0" y="0"/>
+          <a:chExt cx="0" cy="0"/>
+        </a:xfrm>
+      </p:grpSpPr>
+      <p:sp>
+        <p:nvSpPr>
+          <p:cNvPr id="2" name="Title 1"/>
+          <p:cNvSpPr>
+            <a:spLocks noGrp="1"/>
+          </p:cNvSpPr>
+          <p:nvPr>
+            <p:ph type="title"/>
+          </p:nvPr>
+        </p:nvSpPr>
+        <p:spPr/>
+        <p:txBody>
+          <a:bodyPr>
+            <a:normAutofit fontScale="90000"/>
+          </a:bodyPr>
+          <a:lstStyle/>
+          <a:p>
+            <a:r>
+              <a:rPr lang="pl-PL" dirty="0"/>
+              <a:t>CRUDY na pudy, </a:t>
+            </a:r>
+            <a:br>
+              <a:rPr lang="pl-PL" dirty="0"/>
+            </a:br>
+            <a:r>
+              <a:rPr lang="pl-PL" dirty="0"/>
+              <a:t>czyli parę słów o dyskomforcie w programowaniu</a:t>
+            </a:r>
+          </a:p>
+        </p:txBody>
+      </p:sp>
+      <p:sp>
+        <p:nvSpPr>
+          <p:cNvPr id="3" name="Content Placeholder 2"/>
+          <p:cNvSpPr>
+            <a:spLocks noGrp="1"/>
+          </p:cNvSpPr>
+          <p:nvPr>
+            <p:ph idx="1"/>
+          </p:nvPr>
+        </p:nvSpPr>
+        <p:spPr/>
+        <p:txBody>
+          <a:bodyPr/>
+          <a:lstStyle/>
+          <a:p>
+            <a:pPr marL="0" indent="0">
+              <a:buNone/>
+            </a:pPr>
+            <a:r>
+              <a:rPr lang="pl-PL" dirty="0" smtClean="0"/>
+              <a:t>Dodanie Użytkownika:</a:t>
+            </a:r>
+          </a:p>
+          <a:p>
+            <a:pPr marL="457200" indent="-457200">
+              <a:buAutoNum type="arabicPeriod"/>
+            </a:pPr>
+            <a:r>
+              <a:rPr lang="pl-PL" dirty="0" smtClean="0"/>
+              <a:t>Wołamy </a:t>
+            </a:r>
+            <a:r>
+              <a:rPr lang="pl-PL" dirty="0" err="1" smtClean="0"/>
+              <a:t>UserController</a:t>
+            </a:r>
+            <a:r>
+              <a:rPr lang="pl-PL" dirty="0" smtClean="0"/>
+              <a:t> </a:t>
+            </a:r>
+            <a:r>
+              <a:rPr lang="pl-PL" dirty="0" err="1" smtClean="0"/>
+              <a:t>Create</a:t>
+            </a:r>
+            <a:r>
+              <a:rPr lang="pl-PL" dirty="0" smtClean="0"/>
+              <a:t>.</a:t>
+            </a:r>
+          </a:p>
+          <a:p>
+            <a:pPr marL="457200" indent="-457200">
+              <a:buAutoNum type="arabicPeriod"/>
+            </a:pPr>
+            <a:r>
+              <a:rPr lang="pl-PL" dirty="0" err="1" smtClean="0"/>
+              <a:t>UserController</a:t>
+            </a:r>
+            <a:r>
+              <a:rPr lang="pl-PL" dirty="0" smtClean="0"/>
+              <a:t> wywołuje User Service </a:t>
+            </a:r>
+            <a:r>
+              <a:rPr lang="pl-PL" dirty="0" err="1" smtClean="0"/>
+              <a:t>Create</a:t>
+            </a:r>
+            <a:r>
+              <a:rPr lang="pl-PL" dirty="0" smtClean="0"/>
+              <a:t>.</a:t>
+            </a:r>
+          </a:p>
+          <a:p>
+            <a:pPr marL="457200" indent="-457200">
+              <a:buAutoNum type="arabicPeriod"/>
+            </a:pPr>
+            <a:r>
+              <a:rPr lang="pl-PL" dirty="0" err="1" smtClean="0"/>
+              <a:t>UserService</a:t>
+            </a:r>
+            <a:r>
+              <a:rPr lang="pl-PL" dirty="0" smtClean="0"/>
+              <a:t> wywołuje </a:t>
+            </a:r>
+            <a:r>
+              <a:rPr lang="pl-PL" dirty="0" err="1" smtClean="0"/>
+              <a:t>UserRepository</a:t>
+            </a:r>
+            <a:r>
+              <a:rPr lang="pl-PL" dirty="0" smtClean="0"/>
+              <a:t> </a:t>
+            </a:r>
+            <a:r>
+              <a:rPr lang="pl-PL" dirty="0" err="1" smtClean="0"/>
+              <a:t>Create</a:t>
+            </a:r>
+            <a:r>
+              <a:rPr lang="pl-PL" dirty="0" smtClean="0"/>
+              <a:t>.</a:t>
+            </a:r>
+          </a:p>
+          <a:p>
+            <a:pPr marL="457200" indent="-457200">
+              <a:buAutoNum type="arabicPeriod"/>
+            </a:pPr>
+            <a:r>
+              <a:rPr lang="pl-PL" dirty="0" err="1" smtClean="0"/>
+              <a:t>UserRepository</a:t>
+            </a:r>
+            <a:r>
+              <a:rPr lang="pl-PL" dirty="0" smtClean="0"/>
+              <a:t> wywołuje </a:t>
+            </a:r>
+            <a:r>
+              <a:rPr lang="pl-PL" dirty="0" err="1" smtClean="0"/>
+              <a:t>Add</a:t>
+            </a:r>
+            <a:r>
+              <a:rPr lang="pl-PL" dirty="0" smtClean="0"/>
+              <a:t> na </a:t>
+            </a:r>
+            <a:r>
+              <a:rPr lang="pl-PL" dirty="0" err="1" smtClean="0"/>
+              <a:t>DbSet</a:t>
+            </a:r>
+            <a:r>
+              <a:rPr lang="pl-PL" dirty="0" smtClean="0"/>
+              <a:t>.</a:t>
+            </a:r>
+          </a:p>
+          <a:p>
+            <a:pPr marL="457200" indent="-457200">
+              <a:buAutoNum type="arabicPeriod"/>
+            </a:pPr>
+            <a:r>
+              <a:rPr lang="pl-PL" dirty="0" err="1" smtClean="0"/>
+              <a:t>EntityFramework</a:t>
+            </a:r>
+            <a:r>
+              <a:rPr lang="pl-PL" dirty="0" smtClean="0"/>
+              <a:t> zapisuje zmiany w bazie.</a:t>
+            </a:r>
+            <a:endParaRPr lang="pl-PL" dirty="0"/>
+          </a:p>
+        </p:txBody>
+      </p:sp>
+    </p:spTree>
+    <p:extLst>
+      <p:ext uri="{BB962C8B-B14F-4D97-AF65-F5344CB8AC3E}">
+        <p14:creationId xmlns:p14="http://schemas.microsoft.com/office/powerpoint/2010/main" val="3132256641"/>
+      </p:ext>
+    </p:extLst>
+  </p:cSld>
+  <p:clrMapOvr>
+    <a:masterClrMapping/>
+  </p:clrMapOvr>
+  <p:timing>
+    <p:tnLst>
+      <p:par>
+        <p:cTn id="1" dur="indefinite" restart="never" nodeType="tmRoot"/>
+      </p:par>
+    </p:tnLst>
+  </p:timing>
+</p:sld>
+</file>
+
+<file path=ppt/slides/slide8.xml><?xml version="1.0" encoding="utf-8"?>
+<p:sld xmlns:a="http://schemas.openxmlformats.org/drawingml/2006/main" xmlns:r="http://schemas.openxmlformats.org/officeDocument/2006/relationships" xmlns:p="http://schemas.openxmlformats.org/presentationml/2006/main">
+  <p:cSld>
+    <p:spTree>
+      <p:nvGrpSpPr>
+        <p:cNvPr id="1" name=""/>
+        <p:cNvGrpSpPr/>
+        <p:nvPr/>
+      </p:nvGrpSpPr>
+      <p:grpSpPr>
+        <a:xfrm>
+          <a:off x="0" y="0"/>
+          <a:ext cx="0" cy="0"/>
+          <a:chOff x="0" y="0"/>
+          <a:chExt cx="0" cy="0"/>
+        </a:xfrm>
+      </p:grpSpPr>
+      <p:sp>
+        <p:nvSpPr>
+          <p:cNvPr id="2" name="Title 1"/>
+          <p:cNvSpPr>
+            <a:spLocks noGrp="1"/>
+          </p:cNvSpPr>
+          <p:nvPr>
+            <p:ph type="title"/>
+          </p:nvPr>
+        </p:nvSpPr>
+        <p:spPr/>
+        <p:txBody>
+          <a:bodyPr>
+            <a:normAutofit fontScale="90000"/>
+          </a:bodyPr>
+          <a:lstStyle/>
+          <a:p>
+            <a:r>
+              <a:rPr lang="pl-PL" dirty="0"/>
+              <a:t>CRUDY na pudy, </a:t>
+            </a:r>
+            <a:br>
+              <a:rPr lang="pl-PL" dirty="0"/>
+            </a:br>
+            <a:r>
+              <a:rPr lang="pl-PL" dirty="0"/>
+              <a:t>czyli parę słów o dyskomforcie w programowaniu</a:t>
+            </a:r>
+          </a:p>
+        </p:txBody>
+      </p:sp>
+      <p:pic>
+        <p:nvPicPr>
+          <p:cNvPr id="4" name="Content Placeholder 3"/>
+          <p:cNvPicPr>
+            <a:picLocks noGrp="1" noChangeAspect="1"/>
+          </p:cNvPicPr>
+          <p:nvPr>
+            <p:ph idx="1"/>
+          </p:nvPr>
+        </p:nvPicPr>
+        <p:blipFill>
+          <a:blip r:embed="rId2">
+            <a:extLst>
+              <a:ext uri="{28A0092B-C50C-407E-A947-70E740481C1C}">
+                <a14:useLocalDpi xmlns:a14="http://schemas.microsoft.com/office/drawing/2010/main" val="0"/>
+              </a:ext>
+            </a:extLst>
+          </a:blip>
+          <a:stretch>
+            <a:fillRect/>
+          </a:stretch>
+        </p:blipFill>
+        <p:spPr>
+          <a:xfrm>
+            <a:off x="1922670" y="2628900"/>
+            <a:ext cx="8516470" cy="3556000"/>
+          </a:xfrm>
+        </p:spPr>
+      </p:pic>
+    </p:spTree>
+    <p:extLst>
+      <p:ext uri="{BB962C8B-B14F-4D97-AF65-F5344CB8AC3E}">
+        <p14:creationId xmlns:p14="http://schemas.microsoft.com/office/powerpoint/2010/main" val="2493838570"/>
+      </p:ext>
+    </p:extLst>
+  </p:cSld>
+  <p:clrMapOvr>
+    <a:masterClrMapping/>
+  </p:clrMapOvr>
+  <p:timing>
+    <p:tnLst>
+      <p:par>
+        <p:cTn id="1" dur="indefinite" restart="never" nodeType="tmRoot"/>
+      </p:par>
+    </p:tnLst>
+  </p:timing>
+</p:sld>
+</file>
+
+<file path=ppt/slides/slide9.xml><?xml version="1.0" encoding="utf-8"?>
+<p:sld xmlns:a="http://schemas.openxmlformats.org/drawingml/2006/main" xmlns:r="http://schemas.openxmlformats.org/officeDocument/2006/relationships" xmlns:p="http://schemas.openxmlformats.org/presentationml/2006/main">
+  <p:cSld>
+    <p:spTree>
+      <p:nvGrpSpPr>
+        <p:cNvPr id="1" name=""/>
+        <p:cNvGrpSpPr/>
+        <p:nvPr/>
+      </p:nvGrpSpPr>
+      <p:grpSpPr>
+        <a:xfrm>
+          <a:off x="0" y="0"/>
+          <a:ext cx="0" cy="0"/>
+          <a:chOff x="0" y="0"/>
+          <a:chExt cx="0" cy="0"/>
+        </a:xfrm>
+      </p:grpSpPr>
+      <p:sp>
+        <p:nvSpPr>
+          <p:cNvPr id="2" name="Title 1"/>
+          <p:cNvSpPr>
+            <a:spLocks noGrp="1"/>
+          </p:cNvSpPr>
+          <p:nvPr>
+            <p:ph type="title"/>
+          </p:nvPr>
+        </p:nvSpPr>
+        <p:spPr/>
+        <p:txBody>
+          <a:bodyPr>
+            <a:normAutofit fontScale="90000"/>
+          </a:bodyPr>
+          <a:lstStyle/>
+          <a:p>
+            <a:r>
+              <a:rPr lang="pl-PL" dirty="0"/>
+              <a:t>CRUDY na pudy, </a:t>
+            </a:r>
+            <a:r>
+              <a:rPr lang="pl-PL" dirty="0" smtClean="0"/>
+              <a:t/>
+            </a:r>
+            <a:br>
+              <a:rPr lang="pl-PL" dirty="0" smtClean="0"/>
+            </a:br>
+            <a:r>
+              <a:rPr lang="pl-PL" dirty="0" smtClean="0"/>
+              <a:t>czyli </a:t>
+            </a:r>
+            <a:r>
+              <a:rPr lang="pl-PL" dirty="0"/>
+              <a:t>parę </a:t>
+            </a:r>
+            <a:r>
+              <a:rPr lang="pl-PL" dirty="0" smtClean="0"/>
+              <a:t>słów </a:t>
+            </a:r>
+            <a:r>
+              <a:rPr lang="pl-PL" dirty="0"/>
+              <a:t>o dyskomforcie w </a:t>
+            </a:r>
+            <a:r>
+              <a:rPr lang="pl-PL" dirty="0" smtClean="0"/>
+              <a:t>programowaniu</a:t>
+            </a:r>
+            <a:r>
+              <a:rPr lang="pl-PL" dirty="0"/>
+              <a:t/>
+            </a:r>
+            <a:br>
+              <a:rPr lang="pl-PL" dirty="0"/>
+            </a:br>
+            <a:endParaRPr lang="pl-PL" dirty="0"/>
+          </a:p>
+        </p:txBody>
+      </p:sp>
+      <p:sp>
+        <p:nvSpPr>
+          <p:cNvPr id="5" name="Cloud Callout 4"/>
+          <p:cNvSpPr/>
+          <p:nvPr/>
+        </p:nvSpPr>
+        <p:spPr>
+          <a:xfrm>
+            <a:off x="2801854" y="3121371"/>
+            <a:ext cx="1994080" cy="1336034"/>
+          </a:xfrm>
+          <a:prstGeom prst="cloudCallout">
+            <a:avLst/>
+          </a:prstGeom>
+        </p:spPr>
+        <p:style>
+          <a:lnRef idx="2">
+            <a:schemeClr val="accent1">
+              <a:shade val="50000"/>
+            </a:schemeClr>
+          </a:lnRef>
+          <a:fillRef idx="1">
+            <a:schemeClr val="accent1"/>
+          </a:fillRef>
+          <a:effectRef idx="0">
+            <a:schemeClr val="accent1"/>
+          </a:effectRef>
+          <a:fontRef idx="minor">
+            <a:schemeClr val="lt1"/>
+          </a:fontRef>
+        </p:style>
+        <p:txBody>
+          <a:bodyPr rtlCol="0" anchor="ctr"/>
+          <a:lstStyle/>
+          <a:p>
+            <a:pPr algn="ctr"/>
+            <a:r>
+              <a:rPr lang="pl-PL" dirty="0" smtClean="0"/>
+              <a:t>Controller</a:t>
+            </a:r>
+            <a:endParaRPr lang="pl-PL" dirty="0"/>
+          </a:p>
+        </p:txBody>
+      </p:sp>
+      <p:sp>
+        <p:nvSpPr>
+          <p:cNvPr id="6" name="Smiley Face 5"/>
+          <p:cNvSpPr/>
+          <p:nvPr/>
+        </p:nvSpPr>
+        <p:spPr>
+          <a:xfrm>
+            <a:off x="685800" y="3292222"/>
+            <a:ext cx="914400" cy="914400"/>
+          </a:xfrm>
+          <a:prstGeom prst="smileyFace">
+            <a:avLst/>
+          </a:prstGeom>
+        </p:spPr>
+        <p:style>
+          <a:lnRef idx="2">
+            <a:schemeClr val="accent1">
+              <a:shade val="50000"/>
+            </a:schemeClr>
+          </a:lnRef>
+          <a:fillRef idx="1">
+            <a:schemeClr val="accent1"/>
+          </a:fillRef>
+          <a:effectRef idx="0">
+            <a:schemeClr val="accent1"/>
+          </a:effectRef>
+          <a:fontRef idx="minor">
+            <a:schemeClr val="lt1"/>
+          </a:fontRef>
+        </p:style>
+        <p:txBody>
+          <a:bodyPr rtlCol="0" anchor="ctr"/>
+          <a:lstStyle/>
+          <a:p>
+            <a:pPr algn="ctr"/>
+            <a:endParaRPr lang="pl-PL" dirty="0"/>
+          </a:p>
+        </p:txBody>
+      </p:sp>
+      <p:sp>
+        <p:nvSpPr>
+          <p:cNvPr id="7" name="Cube 6"/>
+          <p:cNvSpPr/>
+          <p:nvPr/>
+        </p:nvSpPr>
+        <p:spPr>
+          <a:xfrm>
+            <a:off x="6036264" y="3121371"/>
+            <a:ext cx="1409263" cy="1409263"/>
+          </a:xfrm>
+          <a:prstGeom prst="cube">
+            <a:avLst/>
+          </a:prstGeom>
+        </p:spPr>
+        <p:style>
+          <a:lnRef idx="2">
+            <a:schemeClr val="accent1">
+              <a:shade val="50000"/>
+            </a:schemeClr>
+          </a:lnRef>
+          <a:fillRef idx="1">
+            <a:schemeClr val="accent1"/>
+          </a:fillRef>
+          <a:effectRef idx="0">
+            <a:schemeClr val="accent1"/>
+          </a:effectRef>
+          <a:fontRef idx="minor">
+            <a:schemeClr val="lt1"/>
+          </a:fontRef>
+        </p:style>
+        <p:txBody>
+          <a:bodyPr rtlCol="0" anchor="ctr"/>
+          <a:lstStyle/>
+          <a:p>
+            <a:pPr algn="ctr"/>
+            <a:r>
+              <a:rPr lang="pl-PL" dirty="0" smtClean="0"/>
+              <a:t>Service</a:t>
+            </a:r>
+          </a:p>
+          <a:p>
+            <a:pPr algn="ctr"/>
+            <a:endParaRPr lang="pl-PL" dirty="0"/>
+          </a:p>
+        </p:txBody>
+      </p:sp>
+      <p:sp>
+        <p:nvSpPr>
+          <p:cNvPr id="8" name="Can 7"/>
+          <p:cNvSpPr/>
+          <p:nvPr/>
+        </p:nvSpPr>
+        <p:spPr>
+          <a:xfrm>
+            <a:off x="9222347" y="3241253"/>
+            <a:ext cx="914400" cy="1216152"/>
+          </a:xfrm>
+          <a:prstGeom prst="can">
+            <a:avLst/>
+          </a:prstGeom>
+        </p:spPr>
+        <p:style>
+          <a:lnRef idx="2">
+            <a:schemeClr val="accent1">
+              <a:shade val="50000"/>
+            </a:schemeClr>
+          </a:lnRef>
+          <a:fillRef idx="1">
+            <a:schemeClr val="accent1"/>
+          </a:fillRef>
+          <a:effectRef idx="0">
+            <a:schemeClr val="accent1"/>
+          </a:effectRef>
+          <a:fontRef idx="minor">
+            <a:schemeClr val="lt1"/>
+          </a:fontRef>
+        </p:style>
+        <p:txBody>
+          <a:bodyPr rtlCol="0" anchor="ctr"/>
+          <a:lstStyle/>
+          <a:p>
+            <a:pPr algn="ctr"/>
+            <a:r>
+              <a:rPr lang="pl-PL" dirty="0" smtClean="0"/>
+              <a:t>DB</a:t>
+            </a:r>
+          </a:p>
+        </p:txBody>
+      </p:sp>
+      <p:sp>
+        <p:nvSpPr>
+          <p:cNvPr id="9" name="Right Arrow 8"/>
+          <p:cNvSpPr/>
+          <p:nvPr/>
+        </p:nvSpPr>
+        <p:spPr>
+          <a:xfrm>
+            <a:off x="1823446" y="3537521"/>
+            <a:ext cx="978408" cy="484632"/>
+          </a:xfrm>
+          <a:prstGeom prst="rightArrow">
+            <a:avLst/>
+          </a:prstGeom>
+        </p:spPr>
+        <p:style>
+          <a:lnRef idx="2">
+            <a:schemeClr val="accent1">
+              <a:shade val="50000"/>
+            </a:schemeClr>
+          </a:lnRef>
+          <a:fillRef idx="1">
+            <a:schemeClr val="accent1"/>
+          </a:fillRef>
+          <a:effectRef idx="0">
+            <a:schemeClr val="accent1"/>
+          </a:effectRef>
+          <a:fontRef idx="minor">
+            <a:schemeClr val="lt1"/>
+          </a:fontRef>
+        </p:style>
+        <p:txBody>
+          <a:bodyPr rtlCol="0" anchor="ctr"/>
+          <a:lstStyle/>
+          <a:p>
+            <a:pPr algn="ctr"/>
+            <a:endParaRPr lang="pl-PL" dirty="0"/>
+          </a:p>
+        </p:txBody>
+      </p:sp>
+      <p:sp>
+        <p:nvSpPr>
+          <p:cNvPr id="10" name="Right Arrow 9"/>
+          <p:cNvSpPr/>
+          <p:nvPr/>
+        </p:nvSpPr>
+        <p:spPr>
+          <a:xfrm>
+            <a:off x="4823301" y="3507106"/>
+            <a:ext cx="978408" cy="484632"/>
+          </a:xfrm>
+          <a:prstGeom prst="rightArrow">
+            <a:avLst/>
+          </a:prstGeom>
+        </p:spPr>
+        <p:style>
+          <a:lnRef idx="2">
+            <a:schemeClr val="accent1">
+              <a:shade val="50000"/>
+            </a:schemeClr>
+          </a:lnRef>
+          <a:fillRef idx="1">
+            <a:schemeClr val="accent1"/>
+          </a:fillRef>
+          <a:effectRef idx="0">
+            <a:schemeClr val="accent1"/>
+          </a:effectRef>
+          <a:fontRef idx="minor">
+            <a:schemeClr val="lt1"/>
+          </a:fontRef>
+        </p:style>
+        <p:txBody>
+          <a:bodyPr rtlCol="0" anchor="ctr"/>
+          <a:lstStyle/>
+          <a:p>
+            <a:pPr algn="ctr"/>
+            <a:endParaRPr lang="pl-PL" dirty="0"/>
+          </a:p>
+        </p:txBody>
+      </p:sp>
+      <p:sp>
+        <p:nvSpPr>
+          <p:cNvPr id="12" name="Cube 11"/>
+          <p:cNvSpPr/>
+          <p:nvPr/>
+        </p:nvSpPr>
+        <p:spPr>
+          <a:xfrm>
+            <a:off x="5292956" y="4304336"/>
+            <a:ext cx="1409263" cy="1409263"/>
+          </a:xfrm>
+          <a:prstGeom prst="cube">
+            <a:avLst/>
+          </a:prstGeom>
+        </p:spPr>
+        <p:style>
+          <a:lnRef idx="2">
+            <a:schemeClr val="accent1">
+              <a:shade val="50000"/>
+            </a:schemeClr>
+          </a:lnRef>
+          <a:fillRef idx="1">
+            <a:schemeClr val="accent1"/>
+          </a:fillRef>
+          <a:effectRef idx="0">
+            <a:schemeClr val="accent1"/>
+          </a:effectRef>
+          <a:fontRef idx="minor">
+            <a:schemeClr val="lt1"/>
+          </a:fontRef>
+        </p:style>
+        <p:txBody>
+          <a:bodyPr rtlCol="0" anchor="ctr"/>
+          <a:lstStyle/>
+          <a:p>
+            <a:pPr algn="ctr"/>
+            <a:r>
+              <a:rPr lang="pl-PL" sz="1200" dirty="0" err="1" smtClean="0"/>
+              <a:t>Repository</a:t>
+            </a:r>
+            <a:endParaRPr lang="pl-PL" sz="1200" dirty="0" smtClean="0"/>
+          </a:p>
+          <a:p>
+            <a:pPr algn="ctr"/>
+            <a:endParaRPr lang="pl-PL" sz="1200" dirty="0"/>
+          </a:p>
+        </p:txBody>
+      </p:sp>
+      <p:sp>
+        <p:nvSpPr>
+          <p:cNvPr id="14" name="Cube 13"/>
+          <p:cNvSpPr/>
+          <p:nvPr/>
+        </p:nvSpPr>
+        <p:spPr>
+          <a:xfrm>
+            <a:off x="6587013" y="4304335"/>
+            <a:ext cx="1409263" cy="1409263"/>
+          </a:xfrm>
+          <a:prstGeom prst="cube">
+            <a:avLst/>
+          </a:prstGeom>
+        </p:spPr>
+        <p:style>
+          <a:lnRef idx="2">
+            <a:schemeClr val="accent1">
+              <a:shade val="50000"/>
+            </a:schemeClr>
+          </a:lnRef>
+          <a:fillRef idx="1">
+            <a:schemeClr val="accent1"/>
+          </a:fillRef>
+          <a:effectRef idx="0">
+            <a:schemeClr val="accent1"/>
+          </a:effectRef>
+          <a:fontRef idx="minor">
+            <a:schemeClr val="lt1"/>
+          </a:fontRef>
+        </p:style>
+        <p:txBody>
+          <a:bodyPr rtlCol="0" anchor="ctr"/>
+          <a:lstStyle/>
+          <a:p>
+            <a:pPr algn="ctr"/>
+            <a:r>
+              <a:rPr lang="pl-PL" sz="1200" dirty="0" smtClean="0"/>
+              <a:t>ORM</a:t>
+            </a:r>
+          </a:p>
+          <a:p>
+            <a:pPr algn="ctr"/>
+            <a:endParaRPr lang="pl-PL" sz="1200" dirty="0"/>
+          </a:p>
+        </p:txBody>
+      </p:sp>
+      <p:sp>
+        <p:nvSpPr>
+          <p:cNvPr id="13" name="TextBox 12"/>
+          <p:cNvSpPr txBox="1"/>
+          <p:nvPr/>
+        </p:nvSpPr>
+        <p:spPr>
+          <a:xfrm>
+            <a:off x="2895600" y="2626870"/>
+            <a:ext cx="1798890" cy="369332"/>
+          </a:xfrm>
+          <a:prstGeom prst="rect">
+            <a:avLst/>
+          </a:prstGeom>
+          <a:noFill/>
+        </p:spPr>
+        <p:txBody>
+          <a:bodyPr wrap="none" rtlCol="0">
+            <a:spAutoFit/>
+          </a:bodyPr>
+          <a:lstStyle/>
+          <a:p>
+            <a:r>
+              <a:rPr lang="pl-PL" dirty="0" err="1" smtClean="0"/>
+              <a:t>UserController</a:t>
+            </a:r>
+            <a:endParaRPr lang="pl-PL" dirty="0"/>
+          </a:p>
+        </p:txBody>
+      </p:sp>
+      <p:sp>
+        <p:nvSpPr>
+          <p:cNvPr id="15" name="TextBox 14"/>
+          <p:cNvSpPr txBox="1"/>
+          <p:nvPr/>
+        </p:nvSpPr>
+        <p:spPr>
+          <a:xfrm>
+            <a:off x="6162687" y="2626870"/>
+            <a:ext cx="1454244" cy="369332"/>
+          </a:xfrm>
+          <a:prstGeom prst="rect">
+            <a:avLst/>
+          </a:prstGeom>
+          <a:noFill/>
+        </p:spPr>
+        <p:txBody>
+          <a:bodyPr wrap="none" rtlCol="0">
+            <a:spAutoFit/>
+          </a:bodyPr>
+          <a:lstStyle/>
+          <a:p>
+            <a:r>
+              <a:rPr lang="pl-PL" dirty="0" err="1" smtClean="0"/>
+              <a:t>UserService</a:t>
+            </a:r>
+            <a:endParaRPr lang="pl-PL" dirty="0" smtClean="0"/>
+          </a:p>
+        </p:txBody>
+      </p:sp>
+      <p:sp>
+        <p:nvSpPr>
+          <p:cNvPr id="16" name="TextBox 15"/>
+          <p:cNvSpPr txBox="1"/>
+          <p:nvPr/>
+        </p:nvSpPr>
+        <p:spPr>
+          <a:xfrm>
+            <a:off x="4786520" y="5817839"/>
+            <a:ext cx="1800493" cy="369332"/>
+          </a:xfrm>
+          <a:prstGeom prst="rect">
+            <a:avLst/>
+          </a:prstGeom>
+          <a:noFill/>
+        </p:spPr>
+        <p:txBody>
+          <a:bodyPr wrap="none" rtlCol="0">
+            <a:spAutoFit/>
+          </a:bodyPr>
+          <a:lstStyle/>
+          <a:p>
+            <a:r>
+              <a:rPr lang="pl-PL" dirty="0" err="1" smtClean="0"/>
+              <a:t>UserRepository</a:t>
+            </a:r>
+            <a:endParaRPr lang="pl-PL" dirty="0" smtClean="0"/>
+          </a:p>
+        </p:txBody>
+      </p:sp>
+      <p:sp>
+        <p:nvSpPr>
+          <p:cNvPr id="17" name="TextBox 16"/>
+          <p:cNvSpPr txBox="1"/>
+          <p:nvPr/>
+        </p:nvSpPr>
+        <p:spPr>
+          <a:xfrm>
+            <a:off x="6702219" y="5817839"/>
+            <a:ext cx="1382110" cy="369332"/>
+          </a:xfrm>
+          <a:prstGeom prst="rect">
+            <a:avLst/>
+          </a:prstGeom>
+          <a:noFill/>
+        </p:spPr>
+        <p:txBody>
+          <a:bodyPr wrap="none" rtlCol="0">
+            <a:spAutoFit/>
+          </a:bodyPr>
+          <a:lstStyle/>
+          <a:p>
+            <a:r>
+              <a:rPr lang="pl-PL" dirty="0" smtClean="0"/>
+              <a:t>User </a:t>
+            </a:r>
+            <a:r>
+              <a:rPr lang="pl-PL" dirty="0" err="1" smtClean="0"/>
+              <a:t>DbSet</a:t>
+            </a:r>
+            <a:endParaRPr lang="pl-PL" dirty="0" smtClean="0"/>
+          </a:p>
+        </p:txBody>
+      </p:sp>
+      <p:sp>
+        <p:nvSpPr>
+          <p:cNvPr id="18" name="TextBox 17"/>
+          <p:cNvSpPr txBox="1"/>
+          <p:nvPr/>
+        </p:nvSpPr>
+        <p:spPr>
+          <a:xfrm>
+            <a:off x="9112675" y="2637540"/>
+            <a:ext cx="1407758" cy="369332"/>
+          </a:xfrm>
+          <a:prstGeom prst="rect">
+            <a:avLst/>
+          </a:prstGeom>
+          <a:noFill/>
+        </p:spPr>
+        <p:txBody>
+          <a:bodyPr wrap="none" rtlCol="0">
+            <a:spAutoFit/>
+          </a:bodyPr>
+          <a:lstStyle/>
+          <a:p>
+            <a:r>
+              <a:rPr lang="pl-PL" dirty="0" err="1" smtClean="0"/>
+              <a:t>Users</a:t>
+            </a:r>
+            <a:r>
+              <a:rPr lang="pl-PL" dirty="0" smtClean="0"/>
+              <a:t> </a:t>
+            </a:r>
+            <a:r>
+              <a:rPr lang="pl-PL" dirty="0" err="1" smtClean="0"/>
+              <a:t>Table</a:t>
+            </a:r>
+            <a:endParaRPr lang="pl-PL" dirty="0" smtClean="0"/>
+          </a:p>
+        </p:txBody>
+      </p:sp>
+      <p:sp>
+        <p:nvSpPr>
+          <p:cNvPr id="19" name="Down Arrow 18"/>
+          <p:cNvSpPr/>
+          <p:nvPr/>
+        </p:nvSpPr>
+        <p:spPr>
+          <a:xfrm>
+            <a:off x="5918534" y="4060172"/>
+            <a:ext cx="419968" cy="783060"/>
+          </a:xfrm>
+          <a:prstGeom prst="downArrow">
+            <a:avLst/>
+          </a:prstGeom>
+        </p:spPr>
+        <p:style>
+          <a:lnRef idx="2">
+            <a:schemeClr val="accent6">
+              <a:shade val="50000"/>
+            </a:schemeClr>
+          </a:lnRef>
+          <a:fillRef idx="1">
+            <a:schemeClr val="accent6"/>
+          </a:fillRef>
+          <a:effectRef idx="0">
+            <a:schemeClr val="accent6"/>
+          </a:effectRef>
+          <a:fontRef idx="minor">
+            <a:schemeClr val="lt1"/>
+          </a:fontRef>
+        </p:style>
+        <p:txBody>
+          <a:bodyPr rtlCol="0" anchor="ctr"/>
+          <a:lstStyle/>
+          <a:p>
+            <a:pPr algn="ctr"/>
+            <a:endParaRPr lang="pl-PL"/>
+          </a:p>
+        </p:txBody>
+      </p:sp>
+      <p:sp>
+        <p:nvSpPr>
+          <p:cNvPr id="20" name="Down Arrow 19"/>
+          <p:cNvSpPr/>
+          <p:nvPr/>
+        </p:nvSpPr>
+        <p:spPr>
+          <a:xfrm rot="16200000">
+            <a:off x="6377029" y="5112084"/>
+            <a:ext cx="419968" cy="783060"/>
+          </a:xfrm>
+          <a:prstGeom prst="downArrow">
+            <a:avLst/>
+          </a:prstGeom>
+        </p:spPr>
+        <p:style>
+          <a:lnRef idx="2">
+            <a:schemeClr val="accent6">
+              <a:shade val="50000"/>
+            </a:schemeClr>
+          </a:lnRef>
+          <a:fillRef idx="1">
+            <a:schemeClr val="accent6"/>
+          </a:fillRef>
+          <a:effectRef idx="0">
+            <a:schemeClr val="accent6"/>
+          </a:effectRef>
+          <a:fontRef idx="minor">
+            <a:schemeClr val="lt1"/>
+          </a:fontRef>
+        </p:style>
+        <p:txBody>
+          <a:bodyPr rtlCol="0" anchor="ctr"/>
+          <a:lstStyle/>
+          <a:p>
+            <a:pPr algn="ctr"/>
+            <a:endParaRPr lang="pl-PL"/>
+          </a:p>
+        </p:txBody>
+      </p:sp>
+      <p:sp>
+        <p:nvSpPr>
+          <p:cNvPr id="21" name="Down Arrow 20"/>
+          <p:cNvSpPr/>
+          <p:nvPr/>
+        </p:nvSpPr>
+        <p:spPr>
+          <a:xfrm rot="14277274">
+            <a:off x="8399327" y="4200824"/>
+            <a:ext cx="419968" cy="783060"/>
+          </a:xfrm>
+          <a:prstGeom prst="downArrow">
+            <a:avLst/>
+          </a:prstGeom>
+        </p:spPr>
+        <p:style>
+          <a:lnRef idx="2">
+            <a:schemeClr val="accent6">
+              <a:shade val="50000"/>
+            </a:schemeClr>
+          </a:lnRef>
+          <a:fillRef idx="1">
+            <a:schemeClr val="accent6"/>
+          </a:fillRef>
+          <a:effectRef idx="0">
+            <a:schemeClr val="accent6"/>
+          </a:effectRef>
+          <a:fontRef idx="minor">
+            <a:schemeClr val="lt1"/>
+          </a:fontRef>
+        </p:style>
+        <p:txBody>
+          <a:bodyPr rtlCol="0" anchor="ctr"/>
+          <a:lstStyle/>
+          <a:p>
+            <a:pPr algn="ctr"/>
+            <a:endParaRPr lang="pl-PL"/>
+          </a:p>
+        </p:txBody>
+      </p:sp>
+      <p:sp>
+        <p:nvSpPr>
+          <p:cNvPr id="3" name="Rectangle 2"/>
+          <p:cNvSpPr/>
+          <p:nvPr/>
+        </p:nvSpPr>
+        <p:spPr>
+          <a:xfrm>
+            <a:off x="4532399" y="4252205"/>
+            <a:ext cx="1308100" cy="570098"/>
+          </a:xfrm>
+          <a:prstGeom prst="rect">
+            <a:avLst/>
+          </a:prstGeom>
+        </p:spPr>
+        <p:style>
+          <a:lnRef idx="1">
+            <a:schemeClr val="accent5"/>
+          </a:lnRef>
+          <a:fillRef idx="2">
+            <a:schemeClr val="accent5"/>
+          </a:fillRef>
+          <a:effectRef idx="1">
+            <a:schemeClr val="accent5"/>
+          </a:effectRef>
+          <a:fontRef idx="minor">
+            <a:schemeClr val="dk1"/>
+          </a:fontRef>
+        </p:style>
+        <p:txBody>
+          <a:bodyPr rtlCol="0" anchor="ctr"/>
+          <a:lstStyle/>
+          <a:p>
+            <a:pPr algn="ctr"/>
+            <a:r>
+              <a:rPr lang="pl-PL" dirty="0" err="1" smtClean="0"/>
+              <a:t>UserDTO</a:t>
+            </a:r>
+            <a:endParaRPr lang="pl-PL" dirty="0"/>
+          </a:p>
+        </p:txBody>
+      </p:sp>
+      <p:sp>
+        <p:nvSpPr>
+          <p:cNvPr id="22" name="Rectangle 21"/>
+          <p:cNvSpPr/>
+          <p:nvPr/>
+        </p:nvSpPr>
+        <p:spPr>
+          <a:xfrm>
+            <a:off x="7197050" y="5195621"/>
+            <a:ext cx="1308100" cy="570098"/>
+          </a:xfrm>
+          <a:prstGeom prst="rect">
+            <a:avLst/>
+          </a:prstGeom>
+        </p:spPr>
+        <p:style>
+          <a:lnRef idx="1">
+            <a:schemeClr val="accent5"/>
+          </a:lnRef>
+          <a:fillRef idx="2">
+            <a:schemeClr val="accent5"/>
+          </a:fillRef>
+          <a:effectRef idx="1">
+            <a:schemeClr val="accent5"/>
+          </a:effectRef>
+          <a:fontRef idx="minor">
+            <a:schemeClr val="dk1"/>
+          </a:fontRef>
+        </p:style>
+        <p:txBody>
+          <a:bodyPr rtlCol="0" anchor="ctr"/>
+          <a:lstStyle/>
+          <a:p>
+            <a:pPr algn="ctr"/>
+            <a:r>
+              <a:rPr lang="pl-PL" dirty="0" err="1" smtClean="0"/>
+              <a:t>UserEntity</a:t>
+            </a:r>
+            <a:endParaRPr lang="pl-PL" dirty="0"/>
+          </a:p>
+        </p:txBody>
+      </p:sp>
+      <p:sp>
+        <p:nvSpPr>
+          <p:cNvPr id="23" name="Rectangle 22"/>
+          <p:cNvSpPr/>
+          <p:nvPr/>
+        </p:nvSpPr>
+        <p:spPr>
+          <a:xfrm>
+            <a:off x="4823301" y="5266399"/>
+            <a:ext cx="1308100" cy="570098"/>
+          </a:xfrm>
+          <a:prstGeom prst="rect">
+            <a:avLst/>
+          </a:prstGeom>
+        </p:spPr>
+        <p:style>
+          <a:lnRef idx="0">
+            <a:schemeClr val="accent3"/>
+          </a:lnRef>
+          <a:fillRef idx="3">
+            <a:schemeClr val="accent3"/>
+          </a:fillRef>
+          <a:effectRef idx="3">
+            <a:schemeClr val="accent3"/>
+          </a:effectRef>
+          <a:fontRef idx="minor">
+            <a:schemeClr val="lt1"/>
+          </a:fontRef>
+        </p:style>
+        <p:txBody>
+          <a:bodyPr rtlCol="0" anchor="ctr"/>
+          <a:lstStyle/>
+          <a:p>
+            <a:pPr algn="ctr"/>
+            <a:r>
+              <a:rPr lang="pl-PL" dirty="0" err="1" smtClean="0"/>
+              <a:t>Mapping</a:t>
+            </a:r>
+            <a:endParaRPr lang="pl-PL" dirty="0"/>
+          </a:p>
+        </p:txBody>
+      </p:sp>
+    </p:spTree>
+    <p:extLst>
+      <p:ext uri="{BB962C8B-B14F-4D97-AF65-F5344CB8AC3E}">
+        <p14:creationId xmlns:p14="http://schemas.microsoft.com/office/powerpoint/2010/main" val="225118652"/>
+      </p:ext>
+    </p:extLst>
+  </p:cSld>
+  <p:clrMapOvr>
+    <a:masterClrMapping/>
+  </p:clrMapOvr>
+  <p:timing>
+    <p:tnLst>
+      <p:par>
+        <p:cTn id="1" dur="indefinite" restart="never" nodeType="tmRoot"/>
+      </p:par>
+    </p:tnLst>
+  </p:timing>
 </p:sld>
 </file>
 

--- a/Slides.pptx
+++ b/Slides.pptx
@@ -15,9 +15,19 @@
     <p:sldId id="265" r:id="rId9"/>
     <p:sldId id="267" r:id="rId10"/>
     <p:sldId id="268" r:id="rId11"/>
-    <p:sldId id="269" r:id="rId12"/>
-    <p:sldId id="259" r:id="rId13"/>
-    <p:sldId id="260" r:id="rId14"/>
+    <p:sldId id="270" r:id="rId12"/>
+    <p:sldId id="271" r:id="rId13"/>
+    <p:sldId id="273" r:id="rId14"/>
+    <p:sldId id="274" r:id="rId15"/>
+    <p:sldId id="275" r:id="rId16"/>
+    <p:sldId id="276" r:id="rId17"/>
+    <p:sldId id="278" r:id="rId18"/>
+    <p:sldId id="279" r:id="rId19"/>
+    <p:sldId id="281" r:id="rId20"/>
+    <p:sldId id="282" r:id="rId21"/>
+    <p:sldId id="283" r:id="rId22"/>
+    <p:sldId id="259" r:id="rId23"/>
+    <p:sldId id="260" r:id="rId24"/>
   </p:sldIdLst>
   <p:sldSz cx="12192000" cy="6858000"/>
   <p:notesSz cx="6858000" cy="9144000"/>
@@ -5775,6 +5785,13 @@
   <p:clrMapOvr>
     <a:masterClrMapping/>
   </p:clrMapOvr>
+  <p:timing>
+    <p:tnLst>
+      <p:par>
+        <p:cTn id="1" dur="indefinite" restart="never" nodeType="tmRoot"/>
+      </p:par>
+    </p:tnLst>
+  </p:timing>
 </p:sld>
 </file>
 
@@ -6664,36 +6681,105 @@
         </p:nvSpPr>
         <p:spPr/>
         <p:txBody>
-          <a:bodyPr/>
-          <a:lstStyle/>
-          <a:p>
-            <a:endParaRPr lang="pl-PL"/>
-          </a:p>
-        </p:txBody>
-      </p:sp>
-      <p:sp>
-        <p:nvSpPr>
-          <p:cNvPr id="3" name="Content Placeholder 2"/>
-          <p:cNvSpPr>
-            <a:spLocks noGrp="1"/>
-          </p:cNvSpPr>
-          <p:nvPr>
-            <p:ph idx="1"/>
-          </p:nvPr>
-        </p:nvSpPr>
-        <p:spPr/>
-        <p:txBody>
-          <a:bodyPr/>
-          <a:lstStyle/>
-          <a:p>
-            <a:endParaRPr lang="pl-PL"/>
-          </a:p>
-        </p:txBody>
-      </p:sp>
+          <a:bodyPr>
+            <a:normAutofit fontScale="90000"/>
+          </a:bodyPr>
+          <a:lstStyle/>
+          <a:p>
+            <a:r>
+              <a:rPr lang="pl-PL" dirty="0"/>
+              <a:t>CRUDY na pudy, </a:t>
+            </a:r>
+            <a:r>
+              <a:rPr lang="pl-PL" dirty="0" smtClean="0"/>
+              <a:t/>
+            </a:r>
+            <a:br>
+              <a:rPr lang="pl-PL" dirty="0" smtClean="0"/>
+            </a:br>
+            <a:r>
+              <a:rPr lang="pl-PL" dirty="0" smtClean="0"/>
+              <a:t>czyli </a:t>
+            </a:r>
+            <a:r>
+              <a:rPr lang="pl-PL" dirty="0"/>
+              <a:t>parę </a:t>
+            </a:r>
+            <a:r>
+              <a:rPr lang="pl-PL" dirty="0" smtClean="0"/>
+              <a:t>słów </a:t>
+            </a:r>
+            <a:r>
+              <a:rPr lang="pl-PL" dirty="0"/>
+              <a:t>o dyskomforcie w </a:t>
+            </a:r>
+            <a:r>
+              <a:rPr lang="pl-PL" dirty="0" smtClean="0"/>
+              <a:t>programowaniu</a:t>
+            </a:r>
+            <a:r>
+              <a:rPr lang="pl-PL" dirty="0"/>
+              <a:t/>
+            </a:r>
+            <a:br>
+              <a:rPr lang="pl-PL" dirty="0"/>
+            </a:br>
+            <a:endParaRPr lang="pl-PL" dirty="0"/>
+          </a:p>
+        </p:txBody>
+      </p:sp>
+      <p:pic>
+        <p:nvPicPr>
+          <p:cNvPr id="4" name="Picture 3"/>
+          <p:cNvPicPr>
+            <a:picLocks noChangeAspect="1"/>
+          </p:cNvPicPr>
+          <p:nvPr/>
+        </p:nvPicPr>
+        <p:blipFill>
+          <a:blip r:embed="rId2"/>
+          <a:stretch>
+            <a:fillRect/>
+          </a:stretch>
+        </p:blipFill>
+        <p:spPr>
+          <a:xfrm>
+            <a:off x="4914900" y="4021636"/>
+            <a:ext cx="6809348" cy="2455565"/>
+          </a:xfrm>
+          <a:prstGeom prst="rect">
+            <a:avLst/>
+          </a:prstGeom>
+        </p:spPr>
+      </p:pic>
+      <p:pic>
+        <p:nvPicPr>
+          <p:cNvPr id="24" name="Picture 23"/>
+          <p:cNvPicPr>
+            <a:picLocks noChangeAspect="1"/>
+          </p:cNvPicPr>
+          <p:nvPr/>
+        </p:nvPicPr>
+        <p:blipFill>
+          <a:blip r:embed="rId3"/>
+          <a:stretch>
+            <a:fillRect/>
+          </a:stretch>
+        </p:blipFill>
+        <p:spPr>
+          <a:xfrm>
+            <a:off x="736600" y="2057401"/>
+            <a:ext cx="7112000" cy="2454369"/>
+          </a:xfrm>
+          <a:prstGeom prst="rect">
+            <a:avLst/>
+          </a:prstGeom>
+        </p:spPr>
+      </p:pic>
     </p:spTree>
     <p:extLst>
       <p:ext uri="{BB962C8B-B14F-4D97-AF65-F5344CB8AC3E}">
-        <p14:creationId xmlns:p14="http://schemas.microsoft.com/office/powerpoint/2010/main" val="2710927411"/>
+        <p14:creationId xmlns:p14="http://schemas.microsoft.com/office/powerpoint/2010/main" val="1800809345"/>
       </p:ext>
     </p:extLst>
   </p:cSld>
@@ -6739,99 +6825,153 @@
         </p:nvSpPr>
         <p:spPr/>
         <p:txBody>
-          <a:bodyPr/>
+          <a:bodyPr>
+            <a:normAutofit fontScale="90000"/>
+          </a:bodyPr>
           <a:lstStyle/>
           <a:p>
             <a:r>
               <a:rPr lang="pl-PL" dirty="0"/>
-              <a:t>Czemu CQRS to krok wstecz i dwa do przodu</a:t>
-            </a:r>
-          </a:p>
-        </p:txBody>
-      </p:sp>
-      <p:sp>
-        <p:nvSpPr>
-          <p:cNvPr id="3" name="Content Placeholder 2"/>
-          <p:cNvSpPr>
-            <a:spLocks noGrp="1"/>
-          </p:cNvSpPr>
-          <p:nvPr>
-            <p:ph idx="1"/>
-          </p:nvPr>
-        </p:nvSpPr>
-        <p:spPr/>
-        <p:txBody>
-          <a:bodyPr>
-            <a:normAutofit/>
-          </a:bodyPr>
-          <a:lstStyle/>
-          <a:p>
-            <a:pPr marL="0" indent="0">
-              <a:buNone/>
-            </a:pPr>
-            <a:endParaRPr lang="pl-PL" sz="4000" b="1" dirty="0" smtClean="0"/>
-          </a:p>
-          <a:p>
-            <a:pPr marL="0" indent="0">
-              <a:buNone/>
-            </a:pPr>
-            <a:r>
-              <a:rPr lang="pl-PL" sz="4000" b="1" dirty="0" err="1" smtClean="0"/>
-              <a:t>C</a:t>
-            </a:r>
-            <a:r>
-              <a:rPr lang="pl-PL" sz="4000" dirty="0" err="1" smtClean="0"/>
-              <a:t>ommand</a:t>
-            </a:r>
-            <a:endParaRPr lang="pl-PL" sz="4000" dirty="0" smtClean="0"/>
-          </a:p>
-          <a:p>
-            <a:pPr marL="0" indent="0">
-              <a:buNone/>
-            </a:pPr>
-            <a:r>
-              <a:rPr lang="pl-PL" sz="4000" b="1" dirty="0" smtClean="0"/>
-              <a:t>Q</a:t>
-            </a:r>
-            <a:r>
-              <a:rPr lang="pl-PL" sz="4000" dirty="0" smtClean="0"/>
-              <a:t>uery</a:t>
-            </a:r>
-          </a:p>
-          <a:p>
-            <a:pPr marL="0" indent="0">
-              <a:buNone/>
-            </a:pPr>
-            <a:r>
-              <a:rPr lang="pl-PL" sz="4000" b="1" dirty="0" err="1" smtClean="0"/>
-              <a:t>R</a:t>
-            </a:r>
-            <a:r>
-              <a:rPr lang="pl-PL" sz="4000" dirty="0" err="1" smtClean="0"/>
-              <a:t>esponsibility</a:t>
-            </a:r>
-            <a:endParaRPr lang="pl-PL" sz="4000" dirty="0" smtClean="0"/>
-          </a:p>
-          <a:p>
-            <a:pPr marL="0" indent="0">
-              <a:buNone/>
-            </a:pPr>
-            <a:r>
-              <a:rPr lang="pl-PL" sz="4000" b="1" dirty="0" err="1" smtClean="0"/>
-              <a:t>S</a:t>
-            </a:r>
-            <a:r>
-              <a:rPr lang="pl-PL" sz="4000" dirty="0" err="1" smtClean="0"/>
-              <a:t>egregation</a:t>
-            </a:r>
-            <a:endParaRPr lang="pl-PL" sz="4000" dirty="0" smtClean="0"/>
-          </a:p>
-        </p:txBody>
-      </p:sp>
+              <a:t>CRUDY na pudy, </a:t>
+            </a:r>
+            <a:r>
+              <a:rPr lang="pl-PL" dirty="0" smtClean="0"/>
+              <a:t/>
+            </a:r>
+            <a:br>
+              <a:rPr lang="pl-PL" dirty="0" smtClean="0"/>
+            </a:br>
+            <a:r>
+              <a:rPr lang="pl-PL" dirty="0" smtClean="0"/>
+              <a:t>czyli </a:t>
+            </a:r>
+            <a:r>
+              <a:rPr lang="pl-PL" dirty="0"/>
+              <a:t>parę </a:t>
+            </a:r>
+            <a:r>
+              <a:rPr lang="pl-PL" dirty="0" smtClean="0"/>
+              <a:t>słów </a:t>
+            </a:r>
+            <a:r>
+              <a:rPr lang="pl-PL" dirty="0"/>
+              <a:t>o dyskomforcie w </a:t>
+            </a:r>
+            <a:r>
+              <a:rPr lang="pl-PL" dirty="0" smtClean="0"/>
+              <a:t>programowaniu</a:t>
+            </a:r>
+            <a:r>
+              <a:rPr lang="pl-PL" dirty="0"/>
+              <a:t/>
+            </a:r>
+            <a:br>
+              <a:rPr lang="pl-PL" dirty="0"/>
+            </a:br>
+            <a:endParaRPr lang="pl-PL" dirty="0"/>
+          </a:p>
+        </p:txBody>
+      </p:sp>
+      <p:pic>
+        <p:nvPicPr>
+          <p:cNvPr id="4" name="Picture 3"/>
+          <p:cNvPicPr>
+            <a:picLocks noChangeAspect="1"/>
+          </p:cNvPicPr>
+          <p:nvPr/>
+        </p:nvPicPr>
+        <p:blipFill>
+          <a:blip r:embed="rId2"/>
+          <a:stretch>
+            <a:fillRect/>
+          </a:stretch>
+        </p:blipFill>
+        <p:spPr>
+          <a:xfrm>
+            <a:off x="4914900" y="4021636"/>
+            <a:ext cx="6809348" cy="2455565"/>
+          </a:xfrm>
+          <a:prstGeom prst="rect">
+            <a:avLst/>
+          </a:prstGeom>
+        </p:spPr>
+      </p:pic>
+      <p:pic>
+        <p:nvPicPr>
+          <p:cNvPr id="24" name="Picture 23"/>
+          <p:cNvPicPr>
+            <a:picLocks noChangeAspect="1"/>
+          </p:cNvPicPr>
+          <p:nvPr/>
+        </p:nvPicPr>
+        <p:blipFill>
+          <a:blip r:embed="rId3"/>
+          <a:stretch>
+            <a:fillRect/>
+          </a:stretch>
+        </p:blipFill>
+        <p:spPr>
+          <a:xfrm>
+            <a:off x="736600" y="2057401"/>
+            <a:ext cx="7112000" cy="2454369"/>
+          </a:xfrm>
+          <a:prstGeom prst="rect">
+            <a:avLst/>
+          </a:prstGeom>
+        </p:spPr>
+      </p:pic>
+      <p:pic>
+        <p:nvPicPr>
+          <p:cNvPr id="6" name="Picture 5"/>
+          <p:cNvPicPr>
+            <a:picLocks noChangeAspect="1"/>
+          </p:cNvPicPr>
+          <p:nvPr/>
+        </p:nvPicPr>
+        <p:blipFill>
+          <a:blip r:embed="rId4"/>
+          <a:stretch>
+            <a:fillRect/>
+          </a:stretch>
+        </p:blipFill>
+        <p:spPr>
+          <a:xfrm>
+            <a:off x="4710041" y="4329041"/>
+            <a:ext cx="1019317" cy="1019317"/>
+          </a:xfrm>
+          <a:prstGeom prst="rect">
+            <a:avLst/>
+          </a:prstGeom>
+        </p:spPr>
+      </p:pic>
+      <p:pic>
+        <p:nvPicPr>
+          <p:cNvPr id="8" name="Picture 7"/>
+          <p:cNvPicPr>
+            <a:picLocks noChangeAspect="1"/>
+          </p:cNvPicPr>
+          <p:nvPr/>
+        </p:nvPicPr>
+        <p:blipFill>
+          <a:blip r:embed="rId4"/>
+          <a:stretch>
+            <a:fillRect/>
+          </a:stretch>
+        </p:blipFill>
+        <p:spPr>
+          <a:xfrm>
+            <a:off x="646041" y="2360541"/>
+            <a:ext cx="1019317" cy="1019317"/>
+          </a:xfrm>
+          <a:prstGeom prst="rect">
+            <a:avLst/>
+          </a:prstGeom>
+        </p:spPr>
+      </p:pic>
     </p:spTree>
     <p:extLst>
       <p:ext uri="{BB962C8B-B14F-4D97-AF65-F5344CB8AC3E}">
-        <p14:creationId xmlns:p14="http://schemas.microsoft.com/office/powerpoint/2010/main" val="1770954372"/>
+        <p14:creationId xmlns:p14="http://schemas.microsoft.com/office/powerpoint/2010/main" val="517977164"/>
       </p:ext>
     </p:extLst>
   </p:cSld>
@@ -6877,48 +7017,3049 @@
         </p:nvSpPr>
         <p:spPr/>
         <p:txBody>
-          <a:bodyPr/>
+          <a:bodyPr>
+            <a:normAutofit fontScale="90000"/>
+          </a:bodyPr>
           <a:lstStyle/>
           <a:p>
             <a:r>
               <a:rPr lang="pl-PL" dirty="0"/>
-              <a:t>Czemu CQRS to krok wstecz i dwa do przodu</a:t>
-            </a:r>
-          </a:p>
-        </p:txBody>
-      </p:sp>
-      <p:sp>
-        <p:nvSpPr>
-          <p:cNvPr id="3" name="Content Placeholder 2"/>
-          <p:cNvSpPr>
-            <a:spLocks noGrp="1"/>
-          </p:cNvSpPr>
-          <p:nvPr>
-            <p:ph idx="1"/>
-          </p:nvPr>
-        </p:nvSpPr>
-        <p:spPr/>
-        <p:txBody>
-          <a:bodyPr/>
-          <a:lstStyle/>
-          <a:p>
-            <a:pPr marL="0" indent="0">
-              <a:buNone/>
-            </a:pPr>
+              <a:t>CRUDY na pudy, </a:t>
+            </a:r>
+            <a:r>
+              <a:rPr lang="pl-PL" dirty="0" smtClean="0"/>
+              <a:t/>
+            </a:r>
+            <a:br>
+              <a:rPr lang="pl-PL" dirty="0" smtClean="0"/>
+            </a:br>
+            <a:r>
+              <a:rPr lang="pl-PL" dirty="0" smtClean="0"/>
+              <a:t>czyli </a:t>
+            </a:r>
+            <a:r>
+              <a:rPr lang="pl-PL" dirty="0"/>
+              <a:t>parę </a:t>
+            </a:r>
+            <a:r>
+              <a:rPr lang="pl-PL" dirty="0" smtClean="0"/>
+              <a:t>słów </a:t>
+            </a:r>
+            <a:r>
+              <a:rPr lang="pl-PL" dirty="0"/>
+              <a:t>o dyskomforcie w </a:t>
+            </a:r>
+            <a:r>
+              <a:rPr lang="pl-PL" dirty="0" smtClean="0"/>
+              <a:t>programowaniu</a:t>
+            </a:r>
+            <a:r>
+              <a:rPr lang="pl-PL" dirty="0"/>
+              <a:t/>
+            </a:r>
+            <a:br>
+              <a:rPr lang="pl-PL" dirty="0"/>
+            </a:br>
             <a:endParaRPr lang="pl-PL" dirty="0"/>
+          </a:p>
+        </p:txBody>
+      </p:sp>
+      <p:sp>
+        <p:nvSpPr>
+          <p:cNvPr id="6" name="Rectangle 5"/>
+          <p:cNvSpPr/>
+          <p:nvPr/>
+        </p:nvSpPr>
+        <p:spPr>
+          <a:xfrm>
+            <a:off x="1778000" y="2057401"/>
+            <a:ext cx="7670800" cy="4616648"/>
+          </a:xfrm>
+          <a:prstGeom prst="rect">
+            <a:avLst/>
+          </a:prstGeom>
+        </p:spPr>
+        <p:txBody>
+          <a:bodyPr wrap="square">
+            <a:spAutoFit/>
+          </a:bodyPr>
+          <a:lstStyle/>
+          <a:p>
+            <a:r>
+              <a:rPr lang="pl-PL" sz="1400" b="1" dirty="0">
+                <a:solidFill>
+                  <a:srgbClr val="0000FF"/>
+                </a:solidFill>
+                <a:highlight>
+                  <a:srgbClr val="FFFFFF"/>
+                </a:highlight>
+              </a:rPr>
+              <a:t>public</a:t>
+            </a:r>
+            <a:r>
+              <a:rPr lang="pl-PL" sz="1400" dirty="0">
+                <a:solidFill>
+                  <a:srgbClr val="000000"/>
+                </a:solidFill>
+                <a:highlight>
+                  <a:srgbClr val="FFFFFF"/>
+                </a:highlight>
+              </a:rPr>
+              <a:t> </a:t>
+            </a:r>
+            <a:r>
+              <a:rPr lang="pl-PL" sz="1400" b="1" dirty="0" err="1">
+                <a:solidFill>
+                  <a:srgbClr val="0000FF"/>
+                </a:solidFill>
+                <a:highlight>
+                  <a:srgbClr val="FFFFFF"/>
+                </a:highlight>
+              </a:rPr>
+              <a:t>abstract</a:t>
+            </a:r>
+            <a:r>
+              <a:rPr lang="pl-PL" sz="1400" dirty="0">
+                <a:solidFill>
+                  <a:srgbClr val="000000"/>
+                </a:solidFill>
+                <a:highlight>
+                  <a:srgbClr val="FFFFFF"/>
+                </a:highlight>
+              </a:rPr>
+              <a:t> </a:t>
+            </a:r>
+            <a:r>
+              <a:rPr lang="pl-PL" sz="1400" dirty="0" err="1">
+                <a:solidFill>
+                  <a:srgbClr val="8000FF"/>
+                </a:solidFill>
+                <a:highlight>
+                  <a:srgbClr val="FFFFFF"/>
+                </a:highlight>
+              </a:rPr>
+              <a:t>class</a:t>
+            </a:r>
+            <a:r>
+              <a:rPr lang="pl-PL" sz="1400" dirty="0">
+                <a:solidFill>
+                  <a:srgbClr val="000000"/>
+                </a:solidFill>
+                <a:highlight>
+                  <a:srgbClr val="FFFFFF"/>
+                </a:highlight>
+              </a:rPr>
+              <a:t> </a:t>
+            </a:r>
+            <a:r>
+              <a:rPr lang="pl-PL" sz="1400" dirty="0" err="1">
+                <a:solidFill>
+                  <a:srgbClr val="000000"/>
+                </a:solidFill>
+                <a:highlight>
+                  <a:srgbClr val="FFFFFF"/>
+                </a:highlight>
+              </a:rPr>
+              <a:t>RepositoryBase</a:t>
+            </a:r>
+            <a:r>
+              <a:rPr lang="pl-PL" sz="1400" b="1" dirty="0">
+                <a:solidFill>
+                  <a:srgbClr val="000080"/>
+                </a:solidFill>
+                <a:highlight>
+                  <a:srgbClr val="FFFFFF"/>
+                </a:highlight>
+              </a:rPr>
+              <a:t>&lt;</a:t>
+            </a:r>
+            <a:r>
+              <a:rPr lang="pl-PL" sz="1400" dirty="0" err="1">
+                <a:solidFill>
+                  <a:srgbClr val="000000"/>
+                </a:solidFill>
+                <a:highlight>
+                  <a:srgbClr val="FFFFFF"/>
+                </a:highlight>
+              </a:rPr>
+              <a:t>TEntity</a:t>
+            </a:r>
+            <a:r>
+              <a:rPr lang="pl-PL" sz="1400" b="1" dirty="0">
+                <a:solidFill>
+                  <a:srgbClr val="000080"/>
+                </a:solidFill>
+                <a:highlight>
+                  <a:srgbClr val="FFFFFF"/>
+                </a:highlight>
+              </a:rPr>
+              <a:t>&gt;</a:t>
+            </a:r>
+            <a:r>
+              <a:rPr lang="pl-PL" sz="1400" dirty="0">
+                <a:solidFill>
+                  <a:srgbClr val="000000"/>
+                </a:solidFill>
+                <a:highlight>
+                  <a:srgbClr val="FFFFFF"/>
+                </a:highlight>
+              </a:rPr>
+              <a:t> </a:t>
+            </a:r>
+          </a:p>
+          <a:p>
+            <a:r>
+              <a:rPr lang="pl-PL" sz="1400" b="1" dirty="0">
+                <a:solidFill>
+                  <a:srgbClr val="000080"/>
+                </a:solidFill>
+                <a:highlight>
+                  <a:srgbClr val="FFFFFF"/>
+                </a:highlight>
+              </a:rPr>
+              <a:t>{</a:t>
+            </a:r>
+            <a:endParaRPr lang="pl-PL" sz="1400" dirty="0">
+              <a:solidFill>
+                <a:srgbClr val="000000"/>
+              </a:solidFill>
+              <a:highlight>
+                <a:srgbClr val="FFFFFF"/>
+              </a:highlight>
+            </a:endParaRPr>
+          </a:p>
+          <a:p>
+            <a:r>
+              <a:rPr lang="pl-PL" sz="1400" dirty="0">
+                <a:solidFill>
+                  <a:srgbClr val="000000"/>
+                </a:solidFill>
+                <a:highlight>
+                  <a:srgbClr val="FFFFFF"/>
+                </a:highlight>
+              </a:rPr>
+              <a:t>    </a:t>
+            </a:r>
+            <a:r>
+              <a:rPr lang="pl-PL" sz="1400" b="1" dirty="0" err="1">
+                <a:solidFill>
+                  <a:srgbClr val="0000FF"/>
+                </a:solidFill>
+                <a:highlight>
+                  <a:srgbClr val="FFFFFF"/>
+                </a:highlight>
+              </a:rPr>
+              <a:t>protected</a:t>
+            </a:r>
+            <a:r>
+              <a:rPr lang="pl-PL" sz="1400" dirty="0">
+                <a:solidFill>
+                  <a:srgbClr val="000000"/>
+                </a:solidFill>
+                <a:highlight>
+                  <a:srgbClr val="FFFFFF"/>
+                </a:highlight>
+              </a:rPr>
+              <a:t> </a:t>
+            </a:r>
+            <a:r>
+              <a:rPr lang="pl-PL" sz="1400" b="1" dirty="0" err="1">
+                <a:solidFill>
+                  <a:srgbClr val="0000FF"/>
+                </a:solidFill>
+                <a:highlight>
+                  <a:srgbClr val="FFFFFF"/>
+                </a:highlight>
+              </a:rPr>
+              <a:t>readonly</a:t>
+            </a:r>
+            <a:r>
+              <a:rPr lang="pl-PL" sz="1400" dirty="0">
+                <a:solidFill>
+                  <a:srgbClr val="000000"/>
+                </a:solidFill>
+                <a:highlight>
+                  <a:srgbClr val="FFFFFF"/>
+                </a:highlight>
+              </a:rPr>
+              <a:t> </a:t>
+            </a:r>
+            <a:r>
+              <a:rPr lang="pl-PL" sz="1400" dirty="0" err="1">
+                <a:solidFill>
+                  <a:srgbClr val="000000"/>
+                </a:solidFill>
+                <a:highlight>
+                  <a:srgbClr val="FFFFFF"/>
+                </a:highlight>
+              </a:rPr>
+              <a:t>IDbSet</a:t>
+            </a:r>
+            <a:r>
+              <a:rPr lang="pl-PL" sz="1400" b="1" dirty="0">
+                <a:solidFill>
+                  <a:srgbClr val="000080"/>
+                </a:solidFill>
+                <a:highlight>
+                  <a:srgbClr val="FFFFFF"/>
+                </a:highlight>
+              </a:rPr>
+              <a:t>&lt;</a:t>
+            </a:r>
+            <a:r>
+              <a:rPr lang="pl-PL" sz="1400" dirty="0" err="1">
+                <a:solidFill>
+                  <a:srgbClr val="000000"/>
+                </a:solidFill>
+                <a:highlight>
+                  <a:srgbClr val="FFFFFF"/>
+                </a:highlight>
+              </a:rPr>
+              <a:t>TEntity</a:t>
+            </a:r>
+            <a:r>
+              <a:rPr lang="pl-PL" sz="1400" b="1" dirty="0">
+                <a:solidFill>
+                  <a:srgbClr val="000080"/>
+                </a:solidFill>
+                <a:highlight>
+                  <a:srgbClr val="FFFFFF"/>
+                </a:highlight>
+              </a:rPr>
+              <a:t>&gt;</a:t>
+            </a:r>
+            <a:r>
+              <a:rPr lang="pl-PL" sz="1400" dirty="0">
+                <a:solidFill>
+                  <a:srgbClr val="000000"/>
+                </a:solidFill>
+                <a:highlight>
+                  <a:srgbClr val="FFFFFF"/>
+                </a:highlight>
+              </a:rPr>
+              <a:t> </a:t>
+            </a:r>
+            <a:r>
+              <a:rPr lang="pl-PL" sz="1400" dirty="0" err="1">
+                <a:solidFill>
+                  <a:srgbClr val="000000"/>
+                </a:solidFill>
+                <a:highlight>
+                  <a:srgbClr val="FFFFFF"/>
+                </a:highlight>
+              </a:rPr>
+              <a:t>DbSet</a:t>
+            </a:r>
+            <a:r>
+              <a:rPr lang="pl-PL" sz="1400" b="1" dirty="0">
+                <a:solidFill>
+                  <a:srgbClr val="000080"/>
+                </a:solidFill>
+                <a:highlight>
+                  <a:srgbClr val="FFFFFF"/>
+                </a:highlight>
+              </a:rPr>
+              <a:t>;</a:t>
+            </a:r>
+            <a:endParaRPr lang="pl-PL" sz="1400" dirty="0">
+              <a:solidFill>
+                <a:srgbClr val="000000"/>
+              </a:solidFill>
+              <a:highlight>
+                <a:srgbClr val="FFFFFF"/>
+              </a:highlight>
+            </a:endParaRPr>
+          </a:p>
+          <a:p>
+            <a:r>
+              <a:rPr lang="pl-PL" sz="1400" dirty="0">
+                <a:solidFill>
+                  <a:srgbClr val="000000"/>
+                </a:solidFill>
+                <a:highlight>
+                  <a:srgbClr val="FFFFFF"/>
+                </a:highlight>
+              </a:rPr>
+              <a:t>        </a:t>
+            </a:r>
+          </a:p>
+          <a:p>
+            <a:r>
+              <a:rPr lang="pl-PL" sz="1400" dirty="0">
+                <a:solidFill>
+                  <a:srgbClr val="000000"/>
+                </a:solidFill>
+                <a:highlight>
+                  <a:srgbClr val="FFFFFF"/>
+                </a:highlight>
+              </a:rPr>
+              <a:t>    </a:t>
+            </a:r>
+            <a:r>
+              <a:rPr lang="pl-PL" sz="1400" b="1" dirty="0">
+                <a:solidFill>
+                  <a:srgbClr val="0000FF"/>
+                </a:solidFill>
+                <a:highlight>
+                  <a:srgbClr val="FFFFFF"/>
+                </a:highlight>
+              </a:rPr>
+              <a:t>public</a:t>
+            </a:r>
+            <a:r>
+              <a:rPr lang="pl-PL" sz="1400" dirty="0">
+                <a:solidFill>
+                  <a:srgbClr val="000000"/>
+                </a:solidFill>
+                <a:highlight>
+                  <a:srgbClr val="FFFFFF"/>
+                </a:highlight>
+              </a:rPr>
+              <a:t> </a:t>
+            </a:r>
+            <a:r>
+              <a:rPr lang="pl-PL" sz="1400" b="1" dirty="0" err="1">
+                <a:solidFill>
+                  <a:srgbClr val="0000FF"/>
+                </a:solidFill>
+                <a:highlight>
+                  <a:srgbClr val="FFFFFF"/>
+                </a:highlight>
+              </a:rPr>
+              <a:t>virtual</a:t>
+            </a:r>
+            <a:r>
+              <a:rPr lang="pl-PL" sz="1400" dirty="0">
+                <a:solidFill>
+                  <a:srgbClr val="000000"/>
+                </a:solidFill>
+                <a:highlight>
+                  <a:srgbClr val="FFFFFF"/>
+                </a:highlight>
+              </a:rPr>
+              <a:t> </a:t>
+            </a:r>
+            <a:r>
+              <a:rPr lang="pl-PL" sz="1400" dirty="0" err="1">
+                <a:solidFill>
+                  <a:srgbClr val="000000"/>
+                </a:solidFill>
+                <a:highlight>
+                  <a:srgbClr val="FFFFFF"/>
+                </a:highlight>
+              </a:rPr>
+              <a:t>TEntity</a:t>
+            </a:r>
+            <a:r>
+              <a:rPr lang="pl-PL" sz="1400" dirty="0">
+                <a:solidFill>
+                  <a:srgbClr val="000000"/>
+                </a:solidFill>
+                <a:highlight>
+                  <a:srgbClr val="FFFFFF"/>
+                </a:highlight>
+              </a:rPr>
+              <a:t> </a:t>
+            </a:r>
+            <a:r>
+              <a:rPr lang="pl-PL" sz="1400" dirty="0" err="1">
+                <a:solidFill>
+                  <a:srgbClr val="000000"/>
+                </a:solidFill>
+                <a:highlight>
+                  <a:srgbClr val="FFFFFF"/>
+                </a:highlight>
+              </a:rPr>
+              <a:t>Add</a:t>
+            </a:r>
+            <a:r>
+              <a:rPr lang="pl-PL" sz="1400" b="1" dirty="0">
+                <a:solidFill>
+                  <a:srgbClr val="000080"/>
+                </a:solidFill>
+                <a:highlight>
+                  <a:srgbClr val="FFFFFF"/>
+                </a:highlight>
+              </a:rPr>
+              <a:t>(</a:t>
+            </a:r>
+            <a:r>
+              <a:rPr lang="pl-PL" sz="1400" dirty="0" err="1">
+                <a:solidFill>
+                  <a:srgbClr val="000000"/>
+                </a:solidFill>
+                <a:highlight>
+                  <a:srgbClr val="FFFFFF"/>
+                </a:highlight>
+              </a:rPr>
+              <a:t>TEntity</a:t>
+            </a:r>
+            <a:r>
+              <a:rPr lang="pl-PL" sz="1400" dirty="0">
+                <a:solidFill>
+                  <a:srgbClr val="000000"/>
+                </a:solidFill>
+                <a:highlight>
+                  <a:srgbClr val="FFFFFF"/>
+                </a:highlight>
+              </a:rPr>
+              <a:t> </a:t>
+            </a:r>
+            <a:r>
+              <a:rPr lang="pl-PL" sz="1400" dirty="0" err="1">
+                <a:solidFill>
+                  <a:srgbClr val="000000"/>
+                </a:solidFill>
+                <a:highlight>
+                  <a:srgbClr val="FFFFFF"/>
+                </a:highlight>
+              </a:rPr>
+              <a:t>entity</a:t>
+            </a:r>
+            <a:r>
+              <a:rPr lang="pl-PL" sz="1400" b="1" dirty="0">
+                <a:solidFill>
+                  <a:srgbClr val="000080"/>
+                </a:solidFill>
+                <a:highlight>
+                  <a:srgbClr val="FFFFFF"/>
+                </a:highlight>
+              </a:rPr>
+              <a:t>)</a:t>
+            </a:r>
+            <a:endParaRPr lang="pl-PL" sz="1400" dirty="0">
+              <a:solidFill>
+                <a:srgbClr val="000000"/>
+              </a:solidFill>
+              <a:highlight>
+                <a:srgbClr val="FFFFFF"/>
+              </a:highlight>
+            </a:endParaRPr>
+          </a:p>
+          <a:p>
+            <a:r>
+              <a:rPr lang="pl-PL" sz="1400" dirty="0">
+                <a:solidFill>
+                  <a:srgbClr val="000000"/>
+                </a:solidFill>
+                <a:highlight>
+                  <a:srgbClr val="FFFFFF"/>
+                </a:highlight>
+              </a:rPr>
+              <a:t>    </a:t>
+            </a:r>
+            <a:r>
+              <a:rPr lang="pl-PL" sz="1400" b="1" dirty="0">
+                <a:solidFill>
+                  <a:srgbClr val="000080"/>
+                </a:solidFill>
+                <a:highlight>
+                  <a:srgbClr val="FFFFFF"/>
+                </a:highlight>
+              </a:rPr>
+              <a:t>{</a:t>
+            </a:r>
+            <a:endParaRPr lang="pl-PL" sz="1400" dirty="0">
+              <a:solidFill>
+                <a:srgbClr val="000000"/>
+              </a:solidFill>
+              <a:highlight>
+                <a:srgbClr val="FFFFFF"/>
+              </a:highlight>
+            </a:endParaRPr>
+          </a:p>
+          <a:p>
+            <a:r>
+              <a:rPr lang="pl-PL" sz="1400" dirty="0">
+                <a:solidFill>
+                  <a:srgbClr val="000000"/>
+                </a:solidFill>
+                <a:highlight>
+                  <a:srgbClr val="FFFFFF"/>
+                </a:highlight>
+              </a:rPr>
+              <a:t>	</a:t>
+            </a:r>
+            <a:r>
+              <a:rPr lang="pl-PL" sz="1400" dirty="0" err="1" smtClean="0">
+                <a:solidFill>
+                  <a:srgbClr val="000000"/>
+                </a:solidFill>
+                <a:highlight>
+                  <a:srgbClr val="FFFFFF"/>
+                </a:highlight>
+              </a:rPr>
+              <a:t>var</a:t>
+            </a:r>
+            <a:r>
+              <a:rPr lang="pl-PL" sz="1400" dirty="0" smtClean="0">
+                <a:solidFill>
+                  <a:srgbClr val="000000"/>
+                </a:solidFill>
+                <a:highlight>
+                  <a:srgbClr val="FFFFFF"/>
+                </a:highlight>
+              </a:rPr>
+              <a:t> </a:t>
+            </a:r>
+            <a:r>
+              <a:rPr lang="pl-PL" sz="1400" dirty="0" err="1">
+                <a:solidFill>
+                  <a:srgbClr val="000000"/>
+                </a:solidFill>
+                <a:highlight>
+                  <a:srgbClr val="FFFFFF"/>
+                </a:highlight>
+              </a:rPr>
+              <a:t>result</a:t>
+            </a:r>
+            <a:r>
+              <a:rPr lang="pl-PL" sz="1400" dirty="0">
+                <a:solidFill>
+                  <a:srgbClr val="000000"/>
+                </a:solidFill>
+                <a:highlight>
+                  <a:srgbClr val="FFFFFF"/>
+                </a:highlight>
+              </a:rPr>
+              <a:t> </a:t>
+            </a:r>
+            <a:r>
+              <a:rPr lang="pl-PL" sz="1400" b="1" dirty="0">
+                <a:solidFill>
+                  <a:srgbClr val="000080"/>
+                </a:solidFill>
+                <a:highlight>
+                  <a:srgbClr val="FFFFFF"/>
+                </a:highlight>
+              </a:rPr>
+              <a:t>=</a:t>
+            </a:r>
+            <a:r>
+              <a:rPr lang="pl-PL" sz="1400" dirty="0">
+                <a:solidFill>
+                  <a:srgbClr val="000000"/>
+                </a:solidFill>
+                <a:highlight>
+                  <a:srgbClr val="FFFFFF"/>
+                </a:highlight>
+              </a:rPr>
+              <a:t> </a:t>
+            </a:r>
+            <a:r>
+              <a:rPr lang="pl-PL" sz="1400" dirty="0" err="1">
+                <a:solidFill>
+                  <a:srgbClr val="000000"/>
+                </a:solidFill>
+                <a:highlight>
+                  <a:srgbClr val="FFFFFF"/>
+                </a:highlight>
+              </a:rPr>
+              <a:t>DbSet</a:t>
+            </a:r>
+            <a:r>
+              <a:rPr lang="pl-PL" sz="1400" b="1" dirty="0" err="1">
+                <a:solidFill>
+                  <a:srgbClr val="000080"/>
+                </a:solidFill>
+                <a:highlight>
+                  <a:srgbClr val="FFFFFF"/>
+                </a:highlight>
+              </a:rPr>
+              <a:t>.</a:t>
+            </a:r>
+            <a:r>
+              <a:rPr lang="pl-PL" sz="1400" dirty="0" err="1">
+                <a:solidFill>
+                  <a:srgbClr val="000000"/>
+                </a:solidFill>
+                <a:highlight>
+                  <a:srgbClr val="FFFFFF"/>
+                </a:highlight>
+              </a:rPr>
+              <a:t>Add</a:t>
+            </a:r>
+            <a:r>
+              <a:rPr lang="pl-PL" sz="1400" b="1" dirty="0">
+                <a:solidFill>
+                  <a:srgbClr val="000080"/>
+                </a:solidFill>
+                <a:highlight>
+                  <a:srgbClr val="FFFFFF"/>
+                </a:highlight>
+              </a:rPr>
+              <a:t>(</a:t>
+            </a:r>
+            <a:r>
+              <a:rPr lang="pl-PL" sz="1400" dirty="0" err="1">
+                <a:solidFill>
+                  <a:srgbClr val="000000"/>
+                </a:solidFill>
+                <a:highlight>
+                  <a:srgbClr val="FFFFFF"/>
+                </a:highlight>
+              </a:rPr>
+              <a:t>entity</a:t>
+            </a:r>
+            <a:r>
+              <a:rPr lang="pl-PL" sz="1400" b="1" dirty="0">
+                <a:solidFill>
+                  <a:srgbClr val="000080"/>
+                </a:solidFill>
+                <a:highlight>
+                  <a:srgbClr val="FFFFFF"/>
+                </a:highlight>
+              </a:rPr>
+              <a:t>);</a:t>
+            </a:r>
+            <a:endParaRPr lang="pl-PL" sz="1400" dirty="0">
+              <a:solidFill>
+                <a:srgbClr val="000000"/>
+              </a:solidFill>
+              <a:highlight>
+                <a:srgbClr val="FFFFFF"/>
+              </a:highlight>
+            </a:endParaRPr>
+          </a:p>
+          <a:p>
+            <a:r>
+              <a:rPr lang="pl-PL" sz="1400" dirty="0">
+                <a:solidFill>
+                  <a:srgbClr val="000000"/>
+                </a:solidFill>
+                <a:highlight>
+                  <a:srgbClr val="FFFFFF"/>
+                </a:highlight>
+              </a:rPr>
+              <a:t>	</a:t>
+            </a:r>
+            <a:r>
+              <a:rPr lang="pl-PL" sz="1400" dirty="0" err="1" smtClean="0">
+                <a:solidFill>
+                  <a:srgbClr val="000000"/>
+                </a:solidFill>
+                <a:highlight>
+                  <a:srgbClr val="FFFFFF"/>
+                </a:highlight>
+              </a:rPr>
+              <a:t>SaveChanges</a:t>
+            </a:r>
+            <a:r>
+              <a:rPr lang="pl-PL" sz="1400" b="1" dirty="0">
+                <a:solidFill>
+                  <a:srgbClr val="000080"/>
+                </a:solidFill>
+                <a:highlight>
+                  <a:srgbClr val="FFFFFF"/>
+                </a:highlight>
+              </a:rPr>
+              <a:t>();</a:t>
+            </a:r>
+            <a:endParaRPr lang="pl-PL" sz="1400" dirty="0">
+              <a:solidFill>
+                <a:srgbClr val="000000"/>
+              </a:solidFill>
+              <a:highlight>
+                <a:srgbClr val="FFFFFF"/>
+              </a:highlight>
+            </a:endParaRPr>
+          </a:p>
+          <a:p>
+            <a:r>
+              <a:rPr lang="pl-PL" sz="1400" dirty="0">
+                <a:solidFill>
+                  <a:srgbClr val="000000"/>
+                </a:solidFill>
+                <a:highlight>
+                  <a:srgbClr val="FFFFFF"/>
+                </a:highlight>
+              </a:rPr>
+              <a:t>	</a:t>
+            </a:r>
+            <a:r>
+              <a:rPr lang="pl-PL" sz="1400" b="1" dirty="0" smtClean="0">
+                <a:solidFill>
+                  <a:srgbClr val="0000FF"/>
+                </a:solidFill>
+                <a:highlight>
+                  <a:srgbClr val="FFFFFF"/>
+                </a:highlight>
+              </a:rPr>
+              <a:t>return</a:t>
+            </a:r>
+            <a:r>
+              <a:rPr lang="pl-PL" sz="1400" dirty="0" smtClean="0">
+                <a:solidFill>
+                  <a:srgbClr val="000000"/>
+                </a:solidFill>
+                <a:highlight>
+                  <a:srgbClr val="FFFFFF"/>
+                </a:highlight>
+              </a:rPr>
+              <a:t> </a:t>
+            </a:r>
+            <a:r>
+              <a:rPr lang="pl-PL" sz="1400" dirty="0" err="1">
+                <a:solidFill>
+                  <a:srgbClr val="000000"/>
+                </a:solidFill>
+                <a:highlight>
+                  <a:srgbClr val="FFFFFF"/>
+                </a:highlight>
+              </a:rPr>
+              <a:t>result</a:t>
+            </a:r>
+            <a:r>
+              <a:rPr lang="pl-PL" sz="1400" b="1" dirty="0">
+                <a:solidFill>
+                  <a:srgbClr val="000080"/>
+                </a:solidFill>
+                <a:highlight>
+                  <a:srgbClr val="FFFFFF"/>
+                </a:highlight>
+              </a:rPr>
+              <a:t>;</a:t>
+            </a:r>
+            <a:endParaRPr lang="pl-PL" sz="1400" dirty="0">
+              <a:solidFill>
+                <a:srgbClr val="000000"/>
+              </a:solidFill>
+              <a:highlight>
+                <a:srgbClr val="FFFFFF"/>
+              </a:highlight>
+            </a:endParaRPr>
+          </a:p>
+          <a:p>
+            <a:r>
+              <a:rPr lang="pl-PL" sz="1400" dirty="0" smtClean="0">
+                <a:solidFill>
+                  <a:srgbClr val="000000"/>
+                </a:solidFill>
+                <a:highlight>
+                  <a:srgbClr val="FFFFFF"/>
+                </a:highlight>
+              </a:rPr>
+              <a:t>    </a:t>
+            </a:r>
+            <a:r>
+              <a:rPr lang="pl-PL" sz="1400" b="1" dirty="0" smtClean="0">
+                <a:solidFill>
+                  <a:srgbClr val="000080"/>
+                </a:solidFill>
+                <a:highlight>
+                  <a:srgbClr val="FFFFFF"/>
+                </a:highlight>
+              </a:rPr>
+              <a:t>}</a:t>
+            </a:r>
+            <a:endParaRPr lang="pl-PL" sz="1400" dirty="0">
+              <a:solidFill>
+                <a:srgbClr val="000000"/>
+              </a:solidFill>
+              <a:highlight>
+                <a:srgbClr val="FFFFFF"/>
+              </a:highlight>
+            </a:endParaRPr>
+          </a:p>
+          <a:p>
+            <a:r>
+              <a:rPr lang="pl-PL" sz="1400" b="1" dirty="0" smtClean="0">
+                <a:solidFill>
+                  <a:srgbClr val="0000FF"/>
+                </a:solidFill>
+                <a:highlight>
+                  <a:srgbClr val="FFFFFF"/>
+                </a:highlight>
+              </a:rPr>
+              <a:t>    public</a:t>
+            </a:r>
+            <a:r>
+              <a:rPr lang="pl-PL" sz="1400" dirty="0" smtClean="0">
+                <a:solidFill>
+                  <a:srgbClr val="000000"/>
+                </a:solidFill>
+                <a:highlight>
+                  <a:srgbClr val="FFFFFF"/>
+                </a:highlight>
+              </a:rPr>
+              <a:t> </a:t>
+            </a:r>
+            <a:r>
+              <a:rPr lang="pl-PL" sz="1400" b="1" dirty="0" err="1">
+                <a:solidFill>
+                  <a:srgbClr val="0000FF"/>
+                </a:solidFill>
+                <a:highlight>
+                  <a:srgbClr val="FFFFFF"/>
+                </a:highlight>
+              </a:rPr>
+              <a:t>virtual</a:t>
+            </a:r>
+            <a:r>
+              <a:rPr lang="pl-PL" sz="1400" dirty="0">
+                <a:solidFill>
+                  <a:srgbClr val="000000"/>
+                </a:solidFill>
+                <a:highlight>
+                  <a:srgbClr val="FFFFFF"/>
+                </a:highlight>
+              </a:rPr>
+              <a:t> </a:t>
+            </a:r>
+            <a:r>
+              <a:rPr lang="pl-PL" sz="1400" dirty="0" err="1">
+                <a:solidFill>
+                  <a:srgbClr val="000000"/>
+                </a:solidFill>
+                <a:highlight>
+                  <a:srgbClr val="FFFFFF"/>
+                </a:highlight>
+              </a:rPr>
+              <a:t>TEntity</a:t>
+            </a:r>
+            <a:r>
+              <a:rPr lang="pl-PL" sz="1400" dirty="0">
+                <a:solidFill>
+                  <a:srgbClr val="000000"/>
+                </a:solidFill>
+                <a:highlight>
+                  <a:srgbClr val="FFFFFF"/>
+                </a:highlight>
+              </a:rPr>
+              <a:t> Update</a:t>
+            </a:r>
+            <a:r>
+              <a:rPr lang="pl-PL" sz="1400" b="1" dirty="0">
+                <a:solidFill>
+                  <a:srgbClr val="000080"/>
+                </a:solidFill>
+                <a:highlight>
+                  <a:srgbClr val="FFFFFF"/>
+                </a:highlight>
+              </a:rPr>
+              <a:t>(</a:t>
+            </a:r>
+            <a:r>
+              <a:rPr lang="pl-PL" sz="1400" dirty="0" err="1">
+                <a:solidFill>
+                  <a:srgbClr val="000000"/>
+                </a:solidFill>
+                <a:highlight>
+                  <a:srgbClr val="FFFFFF"/>
+                </a:highlight>
+              </a:rPr>
+              <a:t>TEntity</a:t>
+            </a:r>
+            <a:r>
+              <a:rPr lang="pl-PL" sz="1400" dirty="0">
+                <a:solidFill>
+                  <a:srgbClr val="000000"/>
+                </a:solidFill>
+                <a:highlight>
+                  <a:srgbClr val="FFFFFF"/>
+                </a:highlight>
+              </a:rPr>
+              <a:t> </a:t>
+            </a:r>
+            <a:r>
+              <a:rPr lang="pl-PL" sz="1400" dirty="0" err="1">
+                <a:solidFill>
+                  <a:srgbClr val="000000"/>
+                </a:solidFill>
+                <a:highlight>
+                  <a:srgbClr val="FFFFFF"/>
+                </a:highlight>
+              </a:rPr>
+              <a:t>entity</a:t>
+            </a:r>
+            <a:r>
+              <a:rPr lang="pl-PL" sz="1400" b="1" dirty="0">
+                <a:solidFill>
+                  <a:srgbClr val="000080"/>
+                </a:solidFill>
+                <a:highlight>
+                  <a:srgbClr val="FFFFFF"/>
+                </a:highlight>
+              </a:rPr>
+              <a:t>)</a:t>
+            </a:r>
+            <a:endParaRPr lang="pl-PL" sz="1400" dirty="0">
+              <a:solidFill>
+                <a:srgbClr val="000000"/>
+              </a:solidFill>
+              <a:highlight>
+                <a:srgbClr val="FFFFFF"/>
+              </a:highlight>
+            </a:endParaRPr>
+          </a:p>
+          <a:p>
+            <a:r>
+              <a:rPr lang="pl-PL" sz="1400" dirty="0">
+                <a:solidFill>
+                  <a:srgbClr val="000000"/>
+                </a:solidFill>
+                <a:highlight>
+                  <a:srgbClr val="FFFFFF"/>
+                </a:highlight>
+              </a:rPr>
+              <a:t>    </a:t>
+            </a:r>
+            <a:r>
+              <a:rPr lang="pl-PL" sz="1400" b="1" dirty="0">
+                <a:solidFill>
+                  <a:srgbClr val="000080"/>
+                </a:solidFill>
+                <a:highlight>
+                  <a:srgbClr val="FFFFFF"/>
+                </a:highlight>
+              </a:rPr>
+              <a:t>{</a:t>
+            </a:r>
+            <a:endParaRPr lang="pl-PL" sz="1400" dirty="0">
+              <a:solidFill>
+                <a:srgbClr val="000000"/>
+              </a:solidFill>
+              <a:highlight>
+                <a:srgbClr val="FFFFFF"/>
+              </a:highlight>
+            </a:endParaRPr>
+          </a:p>
+          <a:p>
+            <a:r>
+              <a:rPr lang="pl-PL" sz="1400" dirty="0">
+                <a:solidFill>
+                  <a:srgbClr val="000000"/>
+                </a:solidFill>
+                <a:highlight>
+                  <a:srgbClr val="FFFFFF"/>
+                </a:highlight>
+              </a:rPr>
+              <a:t>        </a:t>
+            </a:r>
+            <a:r>
+              <a:rPr lang="pl-PL" sz="1400" dirty="0" smtClean="0">
+                <a:solidFill>
+                  <a:srgbClr val="000000"/>
+                </a:solidFill>
+                <a:highlight>
+                  <a:srgbClr val="FFFFFF"/>
+                </a:highlight>
+              </a:rPr>
+              <a:t>  </a:t>
+            </a:r>
+            <a:r>
+              <a:rPr lang="pl-PL" sz="1400" dirty="0" err="1" smtClean="0">
+                <a:solidFill>
+                  <a:srgbClr val="000000"/>
+                </a:solidFill>
+                <a:highlight>
+                  <a:srgbClr val="FFFFFF"/>
+                </a:highlight>
+              </a:rPr>
+              <a:t>var</a:t>
+            </a:r>
+            <a:r>
+              <a:rPr lang="pl-PL" sz="1400" dirty="0" smtClean="0">
+                <a:solidFill>
+                  <a:srgbClr val="000000"/>
+                </a:solidFill>
+                <a:highlight>
+                  <a:srgbClr val="FFFFFF"/>
+                </a:highlight>
+              </a:rPr>
+              <a:t> </a:t>
+            </a:r>
+            <a:r>
+              <a:rPr lang="pl-PL" sz="1400" dirty="0" err="1">
+                <a:solidFill>
+                  <a:srgbClr val="000000"/>
+                </a:solidFill>
+                <a:highlight>
+                  <a:srgbClr val="FFFFFF"/>
+                </a:highlight>
+              </a:rPr>
+              <a:t>oldEntity</a:t>
+            </a:r>
+            <a:r>
+              <a:rPr lang="pl-PL" sz="1400" dirty="0">
+                <a:solidFill>
+                  <a:srgbClr val="000000"/>
+                </a:solidFill>
+                <a:highlight>
+                  <a:srgbClr val="FFFFFF"/>
+                </a:highlight>
+              </a:rPr>
+              <a:t> </a:t>
+            </a:r>
+            <a:r>
+              <a:rPr lang="pl-PL" sz="1400" b="1" dirty="0">
+                <a:solidFill>
+                  <a:srgbClr val="000080"/>
+                </a:solidFill>
+                <a:highlight>
+                  <a:srgbClr val="FFFFFF"/>
+                </a:highlight>
+              </a:rPr>
+              <a:t>=</a:t>
+            </a:r>
+            <a:r>
+              <a:rPr lang="pl-PL" sz="1400" dirty="0">
+                <a:solidFill>
+                  <a:srgbClr val="000000"/>
+                </a:solidFill>
+                <a:highlight>
+                  <a:srgbClr val="FFFFFF"/>
+                </a:highlight>
+              </a:rPr>
+              <a:t> </a:t>
+            </a:r>
+            <a:r>
+              <a:rPr lang="pl-PL" sz="1400" dirty="0" err="1">
+                <a:solidFill>
+                  <a:srgbClr val="000000"/>
+                </a:solidFill>
+                <a:highlight>
+                  <a:srgbClr val="FFFFFF"/>
+                </a:highlight>
+              </a:rPr>
+              <a:t>Context</a:t>
+            </a:r>
+            <a:r>
+              <a:rPr lang="pl-PL" sz="1400" b="1" dirty="0" err="1">
+                <a:solidFill>
+                  <a:srgbClr val="000080"/>
+                </a:solidFill>
+                <a:highlight>
+                  <a:srgbClr val="FFFFFF"/>
+                </a:highlight>
+              </a:rPr>
+              <a:t>.</a:t>
+            </a:r>
+            <a:r>
+              <a:rPr lang="pl-PL" sz="1400" dirty="0" err="1">
+                <a:solidFill>
+                  <a:srgbClr val="000000"/>
+                </a:solidFill>
+                <a:highlight>
+                  <a:srgbClr val="FFFFFF"/>
+                </a:highlight>
+              </a:rPr>
+              <a:t>Entry</a:t>
+            </a:r>
+            <a:r>
+              <a:rPr lang="pl-PL" sz="1400" b="1" dirty="0">
+                <a:solidFill>
+                  <a:srgbClr val="000080"/>
+                </a:solidFill>
+                <a:highlight>
+                  <a:srgbClr val="FFFFFF"/>
+                </a:highlight>
+              </a:rPr>
+              <a:t>(</a:t>
+            </a:r>
+            <a:r>
+              <a:rPr lang="pl-PL" sz="1400" dirty="0" err="1">
+                <a:solidFill>
+                  <a:srgbClr val="000000"/>
+                </a:solidFill>
+                <a:highlight>
+                  <a:srgbClr val="FFFFFF"/>
+                </a:highlight>
+              </a:rPr>
+              <a:t>entity</a:t>
+            </a:r>
+            <a:r>
+              <a:rPr lang="pl-PL" sz="1400" b="1" dirty="0">
+                <a:solidFill>
+                  <a:srgbClr val="000080"/>
+                </a:solidFill>
+                <a:highlight>
+                  <a:srgbClr val="FFFFFF"/>
+                </a:highlight>
+              </a:rPr>
+              <a:t>);</a:t>
+            </a:r>
+            <a:endParaRPr lang="pl-PL" sz="1400" dirty="0">
+              <a:solidFill>
+                <a:srgbClr val="000000"/>
+              </a:solidFill>
+              <a:highlight>
+                <a:srgbClr val="FFFFFF"/>
+              </a:highlight>
+            </a:endParaRPr>
+          </a:p>
+          <a:p>
+            <a:r>
+              <a:rPr lang="pl-PL" sz="1400" dirty="0">
+                <a:solidFill>
+                  <a:srgbClr val="000000"/>
+                </a:solidFill>
+                <a:highlight>
+                  <a:srgbClr val="FFFFFF"/>
+                </a:highlight>
+              </a:rPr>
+              <a:t>        </a:t>
+            </a:r>
+            <a:r>
+              <a:rPr lang="pl-PL" sz="1400" dirty="0" smtClean="0">
+                <a:solidFill>
+                  <a:srgbClr val="000000"/>
+                </a:solidFill>
+                <a:highlight>
+                  <a:srgbClr val="FFFFFF"/>
+                </a:highlight>
+              </a:rPr>
+              <a:t>  </a:t>
+            </a:r>
+            <a:r>
+              <a:rPr lang="pl-PL" sz="1400" b="1" dirty="0" err="1" smtClean="0">
+                <a:solidFill>
+                  <a:srgbClr val="0000FF"/>
+                </a:solidFill>
+                <a:highlight>
+                  <a:srgbClr val="FFFFFF"/>
+                </a:highlight>
+              </a:rPr>
+              <a:t>if</a:t>
+            </a:r>
+            <a:r>
+              <a:rPr lang="pl-PL" sz="1400" dirty="0" smtClean="0">
+                <a:solidFill>
+                  <a:srgbClr val="000000"/>
+                </a:solidFill>
+                <a:highlight>
+                  <a:srgbClr val="FFFFFF"/>
+                </a:highlight>
+              </a:rPr>
+              <a:t> </a:t>
+            </a:r>
+            <a:r>
+              <a:rPr lang="pl-PL" sz="1400" b="1" dirty="0">
+                <a:solidFill>
+                  <a:srgbClr val="000080"/>
+                </a:solidFill>
+                <a:highlight>
+                  <a:srgbClr val="FFFFFF"/>
+                </a:highlight>
+              </a:rPr>
+              <a:t>(</a:t>
+            </a:r>
+            <a:r>
+              <a:rPr lang="pl-PL" sz="1400" dirty="0" err="1">
+                <a:solidFill>
+                  <a:srgbClr val="000000"/>
+                </a:solidFill>
+                <a:highlight>
+                  <a:srgbClr val="FFFFFF"/>
+                </a:highlight>
+              </a:rPr>
+              <a:t>oldEntity</a:t>
+            </a:r>
+            <a:r>
+              <a:rPr lang="pl-PL" sz="1400" b="1" dirty="0" err="1">
+                <a:solidFill>
+                  <a:srgbClr val="000080"/>
+                </a:solidFill>
+                <a:highlight>
+                  <a:srgbClr val="FFFFFF"/>
+                </a:highlight>
+              </a:rPr>
+              <a:t>.</a:t>
+            </a:r>
+            <a:r>
+              <a:rPr lang="pl-PL" sz="1400" dirty="0" err="1">
+                <a:solidFill>
+                  <a:srgbClr val="000000"/>
+                </a:solidFill>
+                <a:highlight>
+                  <a:srgbClr val="FFFFFF"/>
+                </a:highlight>
+              </a:rPr>
+              <a:t>State</a:t>
+            </a:r>
+            <a:r>
+              <a:rPr lang="pl-PL" sz="1400" dirty="0">
+                <a:solidFill>
+                  <a:srgbClr val="000000"/>
+                </a:solidFill>
+                <a:highlight>
+                  <a:srgbClr val="FFFFFF"/>
+                </a:highlight>
+              </a:rPr>
+              <a:t> </a:t>
+            </a:r>
+            <a:r>
+              <a:rPr lang="pl-PL" sz="1400" b="1" dirty="0">
+                <a:solidFill>
+                  <a:srgbClr val="000080"/>
+                </a:solidFill>
+                <a:highlight>
+                  <a:srgbClr val="FFFFFF"/>
+                </a:highlight>
+              </a:rPr>
+              <a:t>!=</a:t>
+            </a:r>
+            <a:r>
+              <a:rPr lang="pl-PL" sz="1400" dirty="0">
+                <a:solidFill>
+                  <a:srgbClr val="000000"/>
+                </a:solidFill>
+                <a:highlight>
+                  <a:srgbClr val="FFFFFF"/>
+                </a:highlight>
+              </a:rPr>
+              <a:t> </a:t>
+            </a:r>
+            <a:r>
+              <a:rPr lang="pl-PL" sz="1400" dirty="0" err="1">
+                <a:solidFill>
+                  <a:srgbClr val="000000"/>
+                </a:solidFill>
+                <a:highlight>
+                  <a:srgbClr val="FFFFFF"/>
+                </a:highlight>
+              </a:rPr>
+              <a:t>EntityState</a:t>
+            </a:r>
+            <a:r>
+              <a:rPr lang="pl-PL" sz="1400" b="1" dirty="0" err="1">
+                <a:solidFill>
+                  <a:srgbClr val="000080"/>
+                </a:solidFill>
+                <a:highlight>
+                  <a:srgbClr val="FFFFFF"/>
+                </a:highlight>
+              </a:rPr>
+              <a:t>.</a:t>
+            </a:r>
+            <a:r>
+              <a:rPr lang="pl-PL" sz="1400" dirty="0" err="1">
+                <a:solidFill>
+                  <a:srgbClr val="000000"/>
+                </a:solidFill>
+                <a:highlight>
+                  <a:srgbClr val="FFFFFF"/>
+                </a:highlight>
+              </a:rPr>
+              <a:t>Detached</a:t>
+            </a:r>
+            <a:r>
+              <a:rPr lang="pl-PL" sz="1400" b="1" dirty="0">
+                <a:solidFill>
+                  <a:srgbClr val="000080"/>
+                </a:solidFill>
+                <a:highlight>
+                  <a:srgbClr val="FFFFFF"/>
+                </a:highlight>
+              </a:rPr>
+              <a:t>)</a:t>
+            </a:r>
+            <a:endParaRPr lang="pl-PL" sz="1400" dirty="0">
+              <a:solidFill>
+                <a:srgbClr val="000000"/>
+              </a:solidFill>
+              <a:highlight>
+                <a:srgbClr val="FFFFFF"/>
+              </a:highlight>
+            </a:endParaRPr>
+          </a:p>
+          <a:p>
+            <a:r>
+              <a:rPr lang="pl-PL" sz="1400" dirty="0">
+                <a:solidFill>
+                  <a:srgbClr val="000000"/>
+                </a:solidFill>
+                <a:highlight>
+                  <a:srgbClr val="FFFFFF"/>
+                </a:highlight>
+              </a:rPr>
+              <a:t>          </a:t>
+            </a:r>
+            <a:r>
+              <a:rPr lang="pl-PL" sz="1400" dirty="0" smtClean="0">
+                <a:solidFill>
+                  <a:srgbClr val="000000"/>
+                </a:solidFill>
+                <a:highlight>
+                  <a:srgbClr val="FFFFFF"/>
+                </a:highlight>
+              </a:rPr>
+              <a:t>    </a:t>
+            </a:r>
+            <a:r>
+              <a:rPr lang="pl-PL" sz="1400" b="1" dirty="0">
+                <a:solidFill>
+                  <a:srgbClr val="0000FF"/>
+                </a:solidFill>
+                <a:highlight>
+                  <a:srgbClr val="FFFFFF"/>
+                </a:highlight>
+              </a:rPr>
+              <a:t>return</a:t>
+            </a:r>
+            <a:r>
+              <a:rPr lang="pl-PL" sz="1400" dirty="0">
+                <a:solidFill>
+                  <a:srgbClr val="000000"/>
+                </a:solidFill>
+                <a:highlight>
+                  <a:srgbClr val="FFFFFF"/>
+                </a:highlight>
+              </a:rPr>
+              <a:t> </a:t>
+            </a:r>
+            <a:r>
+              <a:rPr lang="pl-PL" sz="1400" dirty="0" err="1">
+                <a:solidFill>
+                  <a:srgbClr val="000000"/>
+                </a:solidFill>
+                <a:highlight>
+                  <a:srgbClr val="FFFFFF"/>
+                </a:highlight>
+              </a:rPr>
+              <a:t>oldEntity</a:t>
+            </a:r>
+            <a:r>
+              <a:rPr lang="pl-PL" sz="1400" b="1" dirty="0" err="1">
+                <a:solidFill>
+                  <a:srgbClr val="000080"/>
+                </a:solidFill>
+                <a:highlight>
+                  <a:srgbClr val="FFFFFF"/>
+                </a:highlight>
+              </a:rPr>
+              <a:t>.</a:t>
+            </a:r>
+            <a:r>
+              <a:rPr lang="pl-PL" sz="1400" dirty="0" err="1">
+                <a:solidFill>
+                  <a:srgbClr val="000000"/>
+                </a:solidFill>
+                <a:highlight>
+                  <a:srgbClr val="FFFFFF"/>
+                </a:highlight>
+              </a:rPr>
+              <a:t>Entity</a:t>
+            </a:r>
+            <a:r>
+              <a:rPr lang="pl-PL" sz="1400" b="1" dirty="0">
+                <a:solidFill>
+                  <a:srgbClr val="000080"/>
+                </a:solidFill>
+                <a:highlight>
+                  <a:srgbClr val="FFFFFF"/>
+                </a:highlight>
+              </a:rPr>
+              <a:t>;</a:t>
+            </a:r>
+            <a:endParaRPr lang="pl-PL" sz="1400" dirty="0">
+              <a:solidFill>
+                <a:srgbClr val="000000"/>
+              </a:solidFill>
+              <a:highlight>
+                <a:srgbClr val="FFFFFF"/>
+              </a:highlight>
+            </a:endParaRPr>
+          </a:p>
+          <a:p>
+            <a:r>
+              <a:rPr lang="pl-PL" sz="1400" dirty="0">
+                <a:solidFill>
+                  <a:srgbClr val="000000"/>
+                </a:solidFill>
+                <a:highlight>
+                  <a:srgbClr val="FFFFFF"/>
+                </a:highlight>
+              </a:rPr>
+              <a:t>        </a:t>
+            </a:r>
+            <a:r>
+              <a:rPr lang="pl-PL" sz="1400" dirty="0" smtClean="0">
+                <a:solidFill>
+                  <a:srgbClr val="000000"/>
+                </a:solidFill>
+                <a:highlight>
+                  <a:srgbClr val="FFFFFF"/>
+                </a:highlight>
+              </a:rPr>
+              <a:t>  </a:t>
+            </a:r>
+            <a:r>
+              <a:rPr lang="pl-PL" sz="1400" dirty="0" err="1" smtClean="0">
+                <a:solidFill>
+                  <a:srgbClr val="000000"/>
+                </a:solidFill>
+                <a:highlight>
+                  <a:srgbClr val="FFFFFF"/>
+                </a:highlight>
+              </a:rPr>
+              <a:t>oldEntity</a:t>
+            </a:r>
+            <a:r>
+              <a:rPr lang="pl-PL" sz="1400" b="1" dirty="0" err="1" smtClean="0">
+                <a:solidFill>
+                  <a:srgbClr val="000080"/>
+                </a:solidFill>
+                <a:highlight>
+                  <a:srgbClr val="FFFFFF"/>
+                </a:highlight>
+              </a:rPr>
+              <a:t>.</a:t>
+            </a:r>
+            <a:r>
+              <a:rPr lang="pl-PL" sz="1400" dirty="0" err="1" smtClean="0">
+                <a:solidFill>
+                  <a:srgbClr val="000000"/>
+                </a:solidFill>
+                <a:highlight>
+                  <a:srgbClr val="FFFFFF"/>
+                </a:highlight>
+              </a:rPr>
+              <a:t>State</a:t>
+            </a:r>
+            <a:r>
+              <a:rPr lang="pl-PL" sz="1400" dirty="0" smtClean="0">
+                <a:solidFill>
+                  <a:srgbClr val="000000"/>
+                </a:solidFill>
+                <a:highlight>
+                  <a:srgbClr val="FFFFFF"/>
+                </a:highlight>
+              </a:rPr>
+              <a:t> </a:t>
+            </a:r>
+            <a:r>
+              <a:rPr lang="pl-PL" sz="1400" b="1" dirty="0">
+                <a:solidFill>
+                  <a:srgbClr val="000080"/>
+                </a:solidFill>
+                <a:highlight>
+                  <a:srgbClr val="FFFFFF"/>
+                </a:highlight>
+              </a:rPr>
+              <a:t>=</a:t>
+            </a:r>
+            <a:r>
+              <a:rPr lang="pl-PL" sz="1400" dirty="0">
+                <a:solidFill>
+                  <a:srgbClr val="000000"/>
+                </a:solidFill>
+                <a:highlight>
+                  <a:srgbClr val="FFFFFF"/>
+                </a:highlight>
+              </a:rPr>
+              <a:t> </a:t>
+            </a:r>
+            <a:r>
+              <a:rPr lang="pl-PL" sz="1400" dirty="0" err="1">
+                <a:solidFill>
+                  <a:srgbClr val="000000"/>
+                </a:solidFill>
+                <a:highlight>
+                  <a:srgbClr val="FFFFFF"/>
+                </a:highlight>
+              </a:rPr>
+              <a:t>EntityState</a:t>
+            </a:r>
+            <a:r>
+              <a:rPr lang="pl-PL" sz="1400" b="1" dirty="0" err="1">
+                <a:solidFill>
+                  <a:srgbClr val="000080"/>
+                </a:solidFill>
+                <a:highlight>
+                  <a:srgbClr val="FFFFFF"/>
+                </a:highlight>
+              </a:rPr>
+              <a:t>.</a:t>
+            </a:r>
+            <a:r>
+              <a:rPr lang="pl-PL" sz="1400" dirty="0" err="1">
+                <a:solidFill>
+                  <a:srgbClr val="000000"/>
+                </a:solidFill>
+                <a:highlight>
+                  <a:srgbClr val="FFFFFF"/>
+                </a:highlight>
+              </a:rPr>
+              <a:t>Modified</a:t>
+            </a:r>
+            <a:r>
+              <a:rPr lang="pl-PL" sz="1400" b="1" dirty="0">
+                <a:solidFill>
+                  <a:srgbClr val="000080"/>
+                </a:solidFill>
+                <a:highlight>
+                  <a:srgbClr val="FFFFFF"/>
+                </a:highlight>
+              </a:rPr>
+              <a:t>;</a:t>
+            </a:r>
+            <a:endParaRPr lang="pl-PL" sz="1400" dirty="0">
+              <a:solidFill>
+                <a:srgbClr val="000000"/>
+              </a:solidFill>
+              <a:highlight>
+                <a:srgbClr val="FFFFFF"/>
+              </a:highlight>
+            </a:endParaRPr>
+          </a:p>
+          <a:p>
+            <a:r>
+              <a:rPr lang="pl-PL" sz="1400" dirty="0">
+                <a:solidFill>
+                  <a:srgbClr val="000000"/>
+                </a:solidFill>
+                <a:highlight>
+                  <a:srgbClr val="FFFFFF"/>
+                </a:highlight>
+              </a:rPr>
+              <a:t>        </a:t>
+            </a:r>
+            <a:r>
+              <a:rPr lang="pl-PL" sz="1400" dirty="0" smtClean="0">
+                <a:solidFill>
+                  <a:srgbClr val="000000"/>
+                </a:solidFill>
+                <a:highlight>
+                  <a:srgbClr val="FFFFFF"/>
+                </a:highlight>
+              </a:rPr>
+              <a:t>  </a:t>
+            </a:r>
+            <a:r>
+              <a:rPr lang="pl-PL" sz="1400" dirty="0" err="1" smtClean="0">
+                <a:solidFill>
+                  <a:srgbClr val="000000"/>
+                </a:solidFill>
+                <a:highlight>
+                  <a:srgbClr val="FFFFFF"/>
+                </a:highlight>
+              </a:rPr>
+              <a:t>SaveChanges</a:t>
+            </a:r>
+            <a:r>
+              <a:rPr lang="pl-PL" sz="1400" b="1" dirty="0">
+                <a:solidFill>
+                  <a:srgbClr val="000080"/>
+                </a:solidFill>
+                <a:highlight>
+                  <a:srgbClr val="FFFFFF"/>
+                </a:highlight>
+              </a:rPr>
+              <a:t>();</a:t>
+            </a:r>
+            <a:endParaRPr lang="pl-PL" sz="1400" dirty="0">
+              <a:solidFill>
+                <a:srgbClr val="000000"/>
+              </a:solidFill>
+              <a:highlight>
+                <a:srgbClr val="FFFFFF"/>
+              </a:highlight>
+            </a:endParaRPr>
+          </a:p>
+          <a:p>
+            <a:r>
+              <a:rPr lang="pl-PL" sz="1400" dirty="0">
+                <a:solidFill>
+                  <a:srgbClr val="000000"/>
+                </a:solidFill>
+                <a:highlight>
+                  <a:srgbClr val="FFFFFF"/>
+                </a:highlight>
+              </a:rPr>
+              <a:t>        </a:t>
+            </a:r>
+            <a:r>
+              <a:rPr lang="pl-PL" sz="1400" dirty="0" smtClean="0">
+                <a:solidFill>
+                  <a:srgbClr val="000000"/>
+                </a:solidFill>
+                <a:highlight>
+                  <a:srgbClr val="FFFFFF"/>
+                </a:highlight>
+              </a:rPr>
+              <a:t>  </a:t>
+            </a:r>
+            <a:r>
+              <a:rPr lang="pl-PL" sz="1400" b="1" dirty="0" smtClean="0">
+                <a:solidFill>
+                  <a:srgbClr val="0000FF"/>
+                </a:solidFill>
+                <a:highlight>
+                  <a:srgbClr val="FFFFFF"/>
+                </a:highlight>
+              </a:rPr>
+              <a:t>return</a:t>
+            </a:r>
+            <a:r>
+              <a:rPr lang="pl-PL" sz="1400" dirty="0" smtClean="0">
+                <a:solidFill>
+                  <a:srgbClr val="000000"/>
+                </a:solidFill>
+                <a:highlight>
+                  <a:srgbClr val="FFFFFF"/>
+                </a:highlight>
+              </a:rPr>
+              <a:t> </a:t>
+            </a:r>
+            <a:r>
+              <a:rPr lang="pl-PL" sz="1400" dirty="0" err="1">
+                <a:solidFill>
+                  <a:srgbClr val="000000"/>
+                </a:solidFill>
+                <a:highlight>
+                  <a:srgbClr val="FFFFFF"/>
+                </a:highlight>
+              </a:rPr>
+              <a:t>DbSet</a:t>
+            </a:r>
+            <a:r>
+              <a:rPr lang="pl-PL" sz="1400" b="1" dirty="0" err="1">
+                <a:solidFill>
+                  <a:srgbClr val="000080"/>
+                </a:solidFill>
+                <a:highlight>
+                  <a:srgbClr val="FFFFFF"/>
+                </a:highlight>
+              </a:rPr>
+              <a:t>.</a:t>
+            </a:r>
+            <a:r>
+              <a:rPr lang="pl-PL" sz="1400" dirty="0" err="1">
+                <a:solidFill>
+                  <a:srgbClr val="000000"/>
+                </a:solidFill>
+                <a:highlight>
+                  <a:srgbClr val="FFFFFF"/>
+                </a:highlight>
+              </a:rPr>
+              <a:t>Attach</a:t>
+            </a:r>
+            <a:r>
+              <a:rPr lang="pl-PL" sz="1400" b="1" dirty="0">
+                <a:solidFill>
+                  <a:srgbClr val="000080"/>
+                </a:solidFill>
+                <a:highlight>
+                  <a:srgbClr val="FFFFFF"/>
+                </a:highlight>
+              </a:rPr>
+              <a:t>(</a:t>
+            </a:r>
+            <a:r>
+              <a:rPr lang="pl-PL" sz="1400" dirty="0" err="1">
+                <a:solidFill>
+                  <a:srgbClr val="000000"/>
+                </a:solidFill>
+                <a:highlight>
+                  <a:srgbClr val="FFFFFF"/>
+                </a:highlight>
+              </a:rPr>
+              <a:t>entity</a:t>
+            </a:r>
+            <a:r>
+              <a:rPr lang="pl-PL" sz="1400" b="1" dirty="0">
+                <a:solidFill>
+                  <a:srgbClr val="000080"/>
+                </a:solidFill>
+                <a:highlight>
+                  <a:srgbClr val="FFFFFF"/>
+                </a:highlight>
+              </a:rPr>
+              <a:t>);</a:t>
+            </a:r>
+            <a:endParaRPr lang="pl-PL" sz="1400" dirty="0">
+              <a:solidFill>
+                <a:srgbClr val="000000"/>
+              </a:solidFill>
+              <a:highlight>
+                <a:srgbClr val="FFFFFF"/>
+              </a:highlight>
+            </a:endParaRPr>
+          </a:p>
+          <a:p>
+            <a:r>
+              <a:rPr lang="pl-PL" sz="1400" b="1" dirty="0" smtClean="0">
+                <a:solidFill>
+                  <a:srgbClr val="000080"/>
+                </a:solidFill>
+                <a:highlight>
+                  <a:srgbClr val="FFFFFF"/>
+                </a:highlight>
+              </a:rPr>
+              <a:t>    }</a:t>
+            </a:r>
+            <a:endParaRPr lang="pl-PL" sz="1400" dirty="0">
+              <a:solidFill>
+                <a:srgbClr val="000000"/>
+              </a:solidFill>
+              <a:highlight>
+                <a:srgbClr val="FFFFFF"/>
+              </a:highlight>
+            </a:endParaRPr>
+          </a:p>
+          <a:p>
+            <a:r>
+              <a:rPr lang="pl-PL" sz="1400" dirty="0" smtClean="0">
+                <a:solidFill>
+                  <a:srgbClr val="000000"/>
+                </a:solidFill>
+                <a:highlight>
+                  <a:srgbClr val="FFFFFF"/>
+                </a:highlight>
+              </a:rPr>
+              <a:t>   </a:t>
+            </a:r>
+            <a:r>
+              <a:rPr lang="pl-PL" sz="1400" b="1" dirty="0" smtClean="0">
+                <a:solidFill>
+                  <a:srgbClr val="000080"/>
+                </a:solidFill>
+                <a:highlight>
+                  <a:srgbClr val="FFFFFF"/>
+                </a:highlight>
+              </a:rPr>
+              <a:t>(...)</a:t>
+            </a:r>
+            <a:endParaRPr lang="pl-PL" sz="1400" dirty="0">
+              <a:solidFill>
+                <a:srgbClr val="000000"/>
+              </a:solidFill>
+              <a:highlight>
+                <a:srgbClr val="FFFFFF"/>
+              </a:highlight>
+            </a:endParaRPr>
+          </a:p>
+          <a:p>
+            <a:r>
+              <a:rPr lang="pl-PL" sz="1400" b="1" dirty="0">
+                <a:solidFill>
+                  <a:srgbClr val="000080"/>
+                </a:solidFill>
+                <a:highlight>
+                  <a:srgbClr val="FFFFFF"/>
+                </a:highlight>
+              </a:rPr>
+              <a:t>}</a:t>
+            </a:r>
+            <a:endParaRPr lang="pl-PL" sz="1400" dirty="0"/>
           </a:p>
         </p:txBody>
       </p:sp>
     </p:spTree>
     <p:extLst>
       <p:ext uri="{BB962C8B-B14F-4D97-AF65-F5344CB8AC3E}">
-        <p14:creationId xmlns:p14="http://schemas.microsoft.com/office/powerpoint/2010/main" val="3408585360"/>
+        <p14:creationId xmlns:p14="http://schemas.microsoft.com/office/powerpoint/2010/main" val="1820194051"/>
       </p:ext>
     </p:extLst>
   </p:cSld>
   <p:clrMapOvr>
     <a:masterClrMapping/>
   </p:clrMapOvr>
+  <p:timing>
+    <p:tnLst>
+      <p:par>
+        <p:cTn id="1" dur="indefinite" restart="never" nodeType="tmRoot"/>
+      </p:par>
+    </p:tnLst>
+  </p:timing>
+</p:sld>
+</file>
+
+<file path=ppt/slides/slide14.xml><?xml version="1.0" encoding="utf-8"?>
+<p:sld xmlns:a="http://schemas.openxmlformats.org/drawingml/2006/main" xmlns:r="http://schemas.openxmlformats.org/officeDocument/2006/relationships" xmlns:p="http://schemas.openxmlformats.org/presentationml/2006/main">
+  <p:cSld>
+    <p:spTree>
+      <p:nvGrpSpPr>
+        <p:cNvPr id="1" name=""/>
+        <p:cNvGrpSpPr/>
+        <p:nvPr/>
+      </p:nvGrpSpPr>
+      <p:grpSpPr>
+        <a:xfrm>
+          <a:off x="0" y="0"/>
+          <a:ext cx="0" cy="0"/>
+          <a:chOff x="0" y="0"/>
+          <a:chExt cx="0" cy="0"/>
+        </a:xfrm>
+      </p:grpSpPr>
+      <p:sp>
+        <p:nvSpPr>
+          <p:cNvPr id="2" name="Title 1"/>
+          <p:cNvSpPr>
+            <a:spLocks noGrp="1"/>
+          </p:cNvSpPr>
+          <p:nvPr>
+            <p:ph type="title"/>
+          </p:nvPr>
+        </p:nvSpPr>
+        <p:spPr/>
+        <p:txBody>
+          <a:bodyPr>
+            <a:normAutofit fontScale="90000"/>
+          </a:bodyPr>
+          <a:lstStyle/>
+          <a:p>
+            <a:r>
+              <a:rPr lang="pl-PL" dirty="0"/>
+              <a:t>CRUDY na pudy, </a:t>
+            </a:r>
+            <a:r>
+              <a:rPr lang="pl-PL" dirty="0" smtClean="0"/>
+              <a:t/>
+            </a:r>
+            <a:br>
+              <a:rPr lang="pl-PL" dirty="0" smtClean="0"/>
+            </a:br>
+            <a:r>
+              <a:rPr lang="pl-PL" dirty="0" smtClean="0"/>
+              <a:t>czyli </a:t>
+            </a:r>
+            <a:r>
+              <a:rPr lang="pl-PL" dirty="0"/>
+              <a:t>parę </a:t>
+            </a:r>
+            <a:r>
+              <a:rPr lang="pl-PL" dirty="0" smtClean="0"/>
+              <a:t>słów </a:t>
+            </a:r>
+            <a:r>
+              <a:rPr lang="pl-PL" dirty="0"/>
+              <a:t>o dyskomforcie w </a:t>
+            </a:r>
+            <a:r>
+              <a:rPr lang="pl-PL" dirty="0" smtClean="0"/>
+              <a:t>programowaniu</a:t>
+            </a:r>
+            <a:r>
+              <a:rPr lang="pl-PL" dirty="0"/>
+              <a:t/>
+            </a:r>
+            <a:br>
+              <a:rPr lang="pl-PL" dirty="0"/>
+            </a:br>
+            <a:endParaRPr lang="pl-PL" dirty="0"/>
+          </a:p>
+        </p:txBody>
+      </p:sp>
+      <p:sp>
+        <p:nvSpPr>
+          <p:cNvPr id="3" name="TextBox 2"/>
+          <p:cNvSpPr txBox="1"/>
+          <p:nvPr/>
+        </p:nvSpPr>
+        <p:spPr>
+          <a:xfrm>
+            <a:off x="326605" y="2921000"/>
+            <a:ext cx="11679800" cy="1938992"/>
+          </a:xfrm>
+          <a:prstGeom prst="rect">
+            <a:avLst/>
+          </a:prstGeom>
+          <a:noFill/>
+        </p:spPr>
+        <p:txBody>
+          <a:bodyPr wrap="none" rtlCol="0">
+            <a:spAutoFit/>
+          </a:bodyPr>
+          <a:lstStyle/>
+          <a:p>
+            <a:pPr algn="ctr"/>
+            <a:r>
+              <a:rPr lang="pl-PL" sz="2400" dirty="0" smtClean="0"/>
+              <a:t>A co gdy przy dodaniu ma się dodać od razu jego konto?</a:t>
+            </a:r>
+          </a:p>
+          <a:p>
+            <a:pPr algn="ctr"/>
+            <a:endParaRPr lang="pl-PL" sz="2400" dirty="0"/>
+          </a:p>
+          <a:p>
+            <a:pPr algn="ctr"/>
+            <a:r>
+              <a:rPr lang="pl-PL" sz="2400" dirty="0" smtClean="0"/>
+              <a:t>A co gdy w ramach promocji ma pójść od razu 50zł przelewu na jego konto?</a:t>
+            </a:r>
+          </a:p>
+          <a:p>
+            <a:pPr algn="ctr"/>
+            <a:endParaRPr lang="pl-PL" sz="2400" dirty="0"/>
+          </a:p>
+          <a:p>
+            <a:pPr algn="ctr"/>
+            <a:r>
+              <a:rPr lang="pl-PL" sz="2400" dirty="0" smtClean="0"/>
+              <a:t>A co gdy jeszcze ma pójść mail do niego z informacją aktywującą?</a:t>
+            </a:r>
+            <a:endParaRPr lang="pl-PL" sz="2400" dirty="0"/>
+          </a:p>
+        </p:txBody>
+      </p:sp>
+    </p:spTree>
+    <p:extLst>
+      <p:ext uri="{BB962C8B-B14F-4D97-AF65-F5344CB8AC3E}">
+        <p14:creationId xmlns:p14="http://schemas.microsoft.com/office/powerpoint/2010/main" val="2894836247"/>
+      </p:ext>
+    </p:extLst>
+  </p:cSld>
+  <p:clrMapOvr>
+    <a:masterClrMapping/>
+  </p:clrMapOvr>
+  <p:timing>
+    <p:tnLst>
+      <p:par>
+        <p:cTn id="1" dur="indefinite" restart="never" nodeType="tmRoot"/>
+      </p:par>
+    </p:tnLst>
+  </p:timing>
+</p:sld>
+</file>
+
+<file path=ppt/slides/slide15.xml><?xml version="1.0" encoding="utf-8"?>
+<p:sld xmlns:a="http://schemas.openxmlformats.org/drawingml/2006/main" xmlns:r="http://schemas.openxmlformats.org/officeDocument/2006/relationships" xmlns:p="http://schemas.openxmlformats.org/presentationml/2006/main">
+  <p:cSld>
+    <p:spTree>
+      <p:nvGrpSpPr>
+        <p:cNvPr id="1" name=""/>
+        <p:cNvGrpSpPr/>
+        <p:nvPr/>
+      </p:nvGrpSpPr>
+      <p:grpSpPr>
+        <a:xfrm>
+          <a:off x="0" y="0"/>
+          <a:ext cx="0" cy="0"/>
+          <a:chOff x="0" y="0"/>
+          <a:chExt cx="0" cy="0"/>
+        </a:xfrm>
+      </p:grpSpPr>
+      <p:sp>
+        <p:nvSpPr>
+          <p:cNvPr id="2" name="Title 1"/>
+          <p:cNvSpPr>
+            <a:spLocks noGrp="1"/>
+          </p:cNvSpPr>
+          <p:nvPr>
+            <p:ph type="title"/>
+          </p:nvPr>
+        </p:nvSpPr>
+        <p:spPr/>
+        <p:txBody>
+          <a:bodyPr>
+            <a:normAutofit fontScale="90000"/>
+          </a:bodyPr>
+          <a:lstStyle/>
+          <a:p>
+            <a:r>
+              <a:rPr lang="pl-PL" dirty="0"/>
+              <a:t>CRUDY na pudy, </a:t>
+            </a:r>
+            <a:r>
+              <a:rPr lang="pl-PL" dirty="0" smtClean="0"/>
+              <a:t/>
+            </a:r>
+            <a:br>
+              <a:rPr lang="pl-PL" dirty="0" smtClean="0"/>
+            </a:br>
+            <a:r>
+              <a:rPr lang="pl-PL" dirty="0" smtClean="0"/>
+              <a:t>czyli </a:t>
+            </a:r>
+            <a:r>
+              <a:rPr lang="pl-PL" dirty="0"/>
+              <a:t>parę </a:t>
+            </a:r>
+            <a:r>
+              <a:rPr lang="pl-PL" dirty="0" smtClean="0"/>
+              <a:t>słów </a:t>
+            </a:r>
+            <a:r>
+              <a:rPr lang="pl-PL" dirty="0"/>
+              <a:t>o dyskomforcie w </a:t>
+            </a:r>
+            <a:r>
+              <a:rPr lang="pl-PL" dirty="0" smtClean="0"/>
+              <a:t>programowaniu</a:t>
+            </a:r>
+            <a:r>
+              <a:rPr lang="pl-PL" dirty="0"/>
+              <a:t/>
+            </a:r>
+            <a:br>
+              <a:rPr lang="pl-PL" dirty="0"/>
+            </a:br>
+            <a:endParaRPr lang="pl-PL" dirty="0"/>
+          </a:p>
+        </p:txBody>
+      </p:sp>
+      <p:sp>
+        <p:nvSpPr>
+          <p:cNvPr id="3" name="TextBox 2"/>
+          <p:cNvSpPr txBox="1"/>
+          <p:nvPr/>
+        </p:nvSpPr>
+        <p:spPr>
+          <a:xfrm>
+            <a:off x="1800637" y="2413000"/>
+            <a:ext cx="8884162" cy="3477875"/>
+          </a:xfrm>
+          <a:prstGeom prst="rect">
+            <a:avLst/>
+          </a:prstGeom>
+          <a:noFill/>
+        </p:spPr>
+        <p:txBody>
+          <a:bodyPr wrap="none" rtlCol="0">
+            <a:spAutoFit/>
+          </a:bodyPr>
+          <a:lstStyle/>
+          <a:p>
+            <a:pPr algn="ctr"/>
+            <a:r>
+              <a:rPr lang="pl-PL" sz="2800" b="1" dirty="0" smtClean="0"/>
+              <a:t>Typowe reakcje:</a:t>
+            </a:r>
+          </a:p>
+          <a:p>
+            <a:pPr algn="ctr"/>
+            <a:endParaRPr lang="pl-PL" sz="2400" dirty="0"/>
+          </a:p>
+          <a:p>
+            <a:pPr algn="ctr"/>
+            <a:r>
+              <a:rPr lang="pl-PL" sz="2400" dirty="0" smtClean="0"/>
+              <a:t>Co ten klient znowu wymyślił?</a:t>
+            </a:r>
+            <a:endParaRPr lang="pl-PL" sz="2400" dirty="0"/>
+          </a:p>
+          <a:p>
+            <a:pPr algn="ctr"/>
+            <a:endParaRPr lang="pl-PL" sz="2400" dirty="0" smtClean="0"/>
+          </a:p>
+          <a:p>
+            <a:pPr algn="ctr"/>
+            <a:r>
+              <a:rPr lang="pl-PL" sz="2400" dirty="0" smtClean="0"/>
+              <a:t>Gdzie ja to upchnę?</a:t>
+            </a:r>
+          </a:p>
+          <a:p>
+            <a:pPr algn="ctr"/>
+            <a:endParaRPr lang="pl-PL" sz="2400" dirty="0" smtClean="0"/>
+          </a:p>
+          <a:p>
+            <a:pPr algn="ctr"/>
+            <a:r>
+              <a:rPr lang="pl-PL" sz="2400" dirty="0" smtClean="0"/>
+              <a:t>Czemu on nie rozumie, że w tej architekturze się to nie da?</a:t>
+            </a:r>
+          </a:p>
+          <a:p>
+            <a:pPr algn="ctr"/>
+            <a:endParaRPr lang="pl-PL" sz="2400" dirty="0"/>
+          </a:p>
+          <a:p>
+            <a:pPr algn="ctr"/>
+            <a:r>
+              <a:rPr lang="pl-PL" sz="2400" dirty="0" smtClean="0"/>
+              <a:t>Przecież kod będzie brzydko wyglądał…</a:t>
+            </a:r>
+          </a:p>
+        </p:txBody>
+      </p:sp>
+    </p:spTree>
+    <p:extLst>
+      <p:ext uri="{BB962C8B-B14F-4D97-AF65-F5344CB8AC3E}">
+        <p14:creationId xmlns:p14="http://schemas.microsoft.com/office/powerpoint/2010/main" val="11206237"/>
+      </p:ext>
+    </p:extLst>
+  </p:cSld>
+  <p:clrMapOvr>
+    <a:masterClrMapping/>
+  </p:clrMapOvr>
+  <p:timing>
+    <p:tnLst>
+      <p:par>
+        <p:cTn id="1" dur="indefinite" restart="never" nodeType="tmRoot"/>
+      </p:par>
+    </p:tnLst>
+  </p:timing>
+</p:sld>
+</file>
+
+<file path=ppt/slides/slide16.xml><?xml version="1.0" encoding="utf-8"?>
+<p:sld xmlns:a="http://schemas.openxmlformats.org/drawingml/2006/main" xmlns:r="http://schemas.openxmlformats.org/officeDocument/2006/relationships" xmlns:p="http://schemas.openxmlformats.org/presentationml/2006/main">
+  <p:cSld>
+    <p:spTree>
+      <p:nvGrpSpPr>
+        <p:cNvPr id="1" name=""/>
+        <p:cNvGrpSpPr/>
+        <p:nvPr/>
+      </p:nvGrpSpPr>
+      <p:grpSpPr>
+        <a:xfrm>
+          <a:off x="0" y="0"/>
+          <a:ext cx="0" cy="0"/>
+          <a:chOff x="0" y="0"/>
+          <a:chExt cx="0" cy="0"/>
+        </a:xfrm>
+      </p:grpSpPr>
+      <p:sp>
+        <p:nvSpPr>
+          <p:cNvPr id="2" name="Title 1"/>
+          <p:cNvSpPr>
+            <a:spLocks noGrp="1"/>
+          </p:cNvSpPr>
+          <p:nvPr>
+            <p:ph type="title"/>
+          </p:nvPr>
+        </p:nvSpPr>
+        <p:spPr/>
+        <p:txBody>
+          <a:bodyPr>
+            <a:normAutofit fontScale="90000"/>
+          </a:bodyPr>
+          <a:lstStyle/>
+          <a:p>
+            <a:r>
+              <a:rPr lang="pl-PL" dirty="0"/>
+              <a:t>CRUDY na pudy, </a:t>
+            </a:r>
+            <a:r>
+              <a:rPr lang="pl-PL" dirty="0" smtClean="0"/>
+              <a:t/>
+            </a:r>
+            <a:br>
+              <a:rPr lang="pl-PL" dirty="0" smtClean="0"/>
+            </a:br>
+            <a:r>
+              <a:rPr lang="pl-PL" dirty="0" smtClean="0"/>
+              <a:t>czyli </a:t>
+            </a:r>
+            <a:r>
+              <a:rPr lang="pl-PL" dirty="0"/>
+              <a:t>parę </a:t>
+            </a:r>
+            <a:r>
+              <a:rPr lang="pl-PL" dirty="0" smtClean="0"/>
+              <a:t>słów </a:t>
+            </a:r>
+            <a:r>
+              <a:rPr lang="pl-PL" dirty="0"/>
+              <a:t>o dyskomforcie w </a:t>
+            </a:r>
+            <a:r>
+              <a:rPr lang="pl-PL" dirty="0" smtClean="0"/>
+              <a:t>programowaniu</a:t>
+            </a:r>
+            <a:r>
+              <a:rPr lang="pl-PL" dirty="0"/>
+              <a:t/>
+            </a:r>
+            <a:br>
+              <a:rPr lang="pl-PL" dirty="0"/>
+            </a:br>
+            <a:endParaRPr lang="pl-PL" dirty="0"/>
+          </a:p>
+        </p:txBody>
+      </p:sp>
+      <p:pic>
+        <p:nvPicPr>
+          <p:cNvPr id="4" name="Picture 3"/>
+          <p:cNvPicPr>
+            <a:picLocks noChangeAspect="1"/>
+          </p:cNvPicPr>
+          <p:nvPr/>
+        </p:nvPicPr>
+        <p:blipFill>
+          <a:blip r:embed="rId2"/>
+          <a:stretch>
+            <a:fillRect/>
+          </a:stretch>
+        </p:blipFill>
+        <p:spPr>
+          <a:xfrm>
+            <a:off x="3167276" y="3519558"/>
+            <a:ext cx="6809348" cy="2455565"/>
+          </a:xfrm>
+          <a:prstGeom prst="rect">
+            <a:avLst/>
+          </a:prstGeom>
+        </p:spPr>
+      </p:pic>
+      <p:pic>
+        <p:nvPicPr>
+          <p:cNvPr id="24" name="Picture 23"/>
+          <p:cNvPicPr>
+            <a:picLocks noChangeAspect="1"/>
+          </p:cNvPicPr>
+          <p:nvPr/>
+        </p:nvPicPr>
+        <p:blipFill>
+          <a:blip r:embed="rId3"/>
+          <a:stretch>
+            <a:fillRect/>
+          </a:stretch>
+        </p:blipFill>
+        <p:spPr>
+          <a:xfrm>
+            <a:off x="1943100" y="2460078"/>
+            <a:ext cx="7112000" cy="2454369"/>
+          </a:xfrm>
+          <a:prstGeom prst="rect">
+            <a:avLst/>
+          </a:prstGeom>
+        </p:spPr>
+      </p:pic>
+      <p:pic>
+        <p:nvPicPr>
+          <p:cNvPr id="6" name="Picture 5"/>
+          <p:cNvPicPr>
+            <a:picLocks noChangeAspect="1"/>
+          </p:cNvPicPr>
+          <p:nvPr/>
+        </p:nvPicPr>
+        <p:blipFill>
+          <a:blip r:embed="rId4"/>
+          <a:stretch>
+            <a:fillRect/>
+          </a:stretch>
+        </p:blipFill>
+        <p:spPr>
+          <a:xfrm>
+            <a:off x="2962417" y="3826963"/>
+            <a:ext cx="1019317" cy="1019317"/>
+          </a:xfrm>
+          <a:prstGeom prst="rect">
+            <a:avLst/>
+          </a:prstGeom>
+        </p:spPr>
+      </p:pic>
+      <p:pic>
+        <p:nvPicPr>
+          <p:cNvPr id="8" name="Picture 7"/>
+          <p:cNvPicPr>
+            <a:picLocks noChangeAspect="1"/>
+          </p:cNvPicPr>
+          <p:nvPr/>
+        </p:nvPicPr>
+        <p:blipFill>
+          <a:blip r:embed="rId4"/>
+          <a:stretch>
+            <a:fillRect/>
+          </a:stretch>
+        </p:blipFill>
+        <p:spPr>
+          <a:xfrm>
+            <a:off x="1852541" y="2763218"/>
+            <a:ext cx="1019317" cy="1019317"/>
+          </a:xfrm>
+          <a:prstGeom prst="rect">
+            <a:avLst/>
+          </a:prstGeom>
+        </p:spPr>
+      </p:pic>
+    </p:spTree>
+    <p:extLst>
+      <p:ext uri="{BB962C8B-B14F-4D97-AF65-F5344CB8AC3E}">
+        <p14:creationId xmlns:p14="http://schemas.microsoft.com/office/powerpoint/2010/main" val="1852537060"/>
+      </p:ext>
+    </p:extLst>
+  </p:cSld>
+  <p:clrMapOvr>
+    <a:masterClrMapping/>
+  </p:clrMapOvr>
+  <p:timing>
+    <p:tnLst>
+      <p:par>
+        <p:cTn id="1" dur="indefinite" restart="never" nodeType="tmRoot"/>
+      </p:par>
+    </p:tnLst>
+  </p:timing>
+</p:sld>
+</file>
+
+<file path=ppt/slides/slide17.xml><?xml version="1.0" encoding="utf-8"?>
+<p:sld xmlns:a="http://schemas.openxmlformats.org/drawingml/2006/main" xmlns:r="http://schemas.openxmlformats.org/officeDocument/2006/relationships" xmlns:p="http://schemas.openxmlformats.org/presentationml/2006/main">
+  <p:cSld>
+    <p:spTree>
+      <p:nvGrpSpPr>
+        <p:cNvPr id="1" name=""/>
+        <p:cNvGrpSpPr/>
+        <p:nvPr/>
+      </p:nvGrpSpPr>
+      <p:grpSpPr>
+        <a:xfrm>
+          <a:off x="0" y="0"/>
+          <a:ext cx="0" cy="0"/>
+          <a:chOff x="0" y="0"/>
+          <a:chExt cx="0" cy="0"/>
+        </a:xfrm>
+      </p:grpSpPr>
+      <p:sp>
+        <p:nvSpPr>
+          <p:cNvPr id="2" name="Title 1"/>
+          <p:cNvSpPr>
+            <a:spLocks noGrp="1"/>
+          </p:cNvSpPr>
+          <p:nvPr>
+            <p:ph type="title"/>
+          </p:nvPr>
+        </p:nvSpPr>
+        <p:spPr/>
+        <p:txBody>
+          <a:bodyPr>
+            <a:normAutofit fontScale="90000"/>
+          </a:bodyPr>
+          <a:lstStyle/>
+          <a:p>
+            <a:r>
+              <a:rPr lang="pl-PL" dirty="0"/>
+              <a:t>CRUDY na pudy, </a:t>
+            </a:r>
+            <a:r>
+              <a:rPr lang="pl-PL" dirty="0" smtClean="0"/>
+              <a:t/>
+            </a:r>
+            <a:br>
+              <a:rPr lang="pl-PL" dirty="0" smtClean="0"/>
+            </a:br>
+            <a:r>
+              <a:rPr lang="pl-PL" dirty="0" smtClean="0"/>
+              <a:t>czyli </a:t>
+            </a:r>
+            <a:r>
+              <a:rPr lang="pl-PL" dirty="0"/>
+              <a:t>parę </a:t>
+            </a:r>
+            <a:r>
+              <a:rPr lang="pl-PL" dirty="0" smtClean="0"/>
+              <a:t>słów </a:t>
+            </a:r>
+            <a:r>
+              <a:rPr lang="pl-PL" dirty="0"/>
+              <a:t>o dyskomforcie w </a:t>
+            </a:r>
+            <a:r>
+              <a:rPr lang="pl-PL" dirty="0" smtClean="0"/>
+              <a:t>programowaniu</a:t>
+            </a:r>
+            <a:r>
+              <a:rPr lang="pl-PL" dirty="0"/>
+              <a:t/>
+            </a:r>
+            <a:br>
+              <a:rPr lang="pl-PL" dirty="0"/>
+            </a:br>
+            <a:endParaRPr lang="pl-PL" dirty="0"/>
+          </a:p>
+        </p:txBody>
+      </p:sp>
+      <p:pic>
+        <p:nvPicPr>
+          <p:cNvPr id="4" name="Picture 3"/>
+          <p:cNvPicPr>
+            <a:picLocks noChangeAspect="1"/>
+          </p:cNvPicPr>
+          <p:nvPr/>
+        </p:nvPicPr>
+        <p:blipFill>
+          <a:blip r:embed="rId2"/>
+          <a:stretch>
+            <a:fillRect/>
+          </a:stretch>
+        </p:blipFill>
+        <p:spPr>
+          <a:xfrm>
+            <a:off x="3167276" y="3519558"/>
+            <a:ext cx="6809348" cy="2455565"/>
+          </a:xfrm>
+          <a:prstGeom prst="rect">
+            <a:avLst/>
+          </a:prstGeom>
+        </p:spPr>
+      </p:pic>
+      <p:pic>
+        <p:nvPicPr>
+          <p:cNvPr id="24" name="Picture 23"/>
+          <p:cNvPicPr>
+            <a:picLocks noChangeAspect="1"/>
+          </p:cNvPicPr>
+          <p:nvPr/>
+        </p:nvPicPr>
+        <p:blipFill>
+          <a:blip r:embed="rId3"/>
+          <a:stretch>
+            <a:fillRect/>
+          </a:stretch>
+        </p:blipFill>
+        <p:spPr>
+          <a:xfrm>
+            <a:off x="1943100" y="2460078"/>
+            <a:ext cx="7112000" cy="2454369"/>
+          </a:xfrm>
+          <a:prstGeom prst="rect">
+            <a:avLst/>
+          </a:prstGeom>
+        </p:spPr>
+      </p:pic>
+      <p:pic>
+        <p:nvPicPr>
+          <p:cNvPr id="6" name="Picture 5"/>
+          <p:cNvPicPr>
+            <a:picLocks noChangeAspect="1"/>
+          </p:cNvPicPr>
+          <p:nvPr/>
+        </p:nvPicPr>
+        <p:blipFill>
+          <a:blip r:embed="rId4"/>
+          <a:stretch>
+            <a:fillRect/>
+          </a:stretch>
+        </p:blipFill>
+        <p:spPr>
+          <a:xfrm>
+            <a:off x="2962417" y="3826963"/>
+            <a:ext cx="1019317" cy="1019317"/>
+          </a:xfrm>
+          <a:prstGeom prst="rect">
+            <a:avLst/>
+          </a:prstGeom>
+        </p:spPr>
+      </p:pic>
+      <p:pic>
+        <p:nvPicPr>
+          <p:cNvPr id="8" name="Picture 7"/>
+          <p:cNvPicPr>
+            <a:picLocks noChangeAspect="1"/>
+          </p:cNvPicPr>
+          <p:nvPr/>
+        </p:nvPicPr>
+        <p:blipFill>
+          <a:blip r:embed="rId4"/>
+          <a:stretch>
+            <a:fillRect/>
+          </a:stretch>
+        </p:blipFill>
+        <p:spPr>
+          <a:xfrm>
+            <a:off x="1852541" y="2763218"/>
+            <a:ext cx="1019317" cy="1019317"/>
+          </a:xfrm>
+          <a:prstGeom prst="rect">
+            <a:avLst/>
+          </a:prstGeom>
+        </p:spPr>
+      </p:pic>
+      <p:pic>
+        <p:nvPicPr>
+          <p:cNvPr id="7" name="Picture 6"/>
+          <p:cNvPicPr>
+            <a:picLocks noChangeAspect="1"/>
+          </p:cNvPicPr>
+          <p:nvPr/>
+        </p:nvPicPr>
+        <p:blipFill>
+          <a:blip r:embed="rId3"/>
+          <a:stretch>
+            <a:fillRect/>
+          </a:stretch>
+        </p:blipFill>
+        <p:spPr>
+          <a:xfrm>
+            <a:off x="1943100" y="4217601"/>
+            <a:ext cx="7112000" cy="2454369"/>
+          </a:xfrm>
+          <a:prstGeom prst="rect">
+            <a:avLst/>
+          </a:prstGeom>
+        </p:spPr>
+      </p:pic>
+      <p:pic>
+        <p:nvPicPr>
+          <p:cNvPr id="9" name="Picture 8"/>
+          <p:cNvPicPr>
+            <a:picLocks noChangeAspect="1"/>
+          </p:cNvPicPr>
+          <p:nvPr/>
+        </p:nvPicPr>
+        <p:blipFill>
+          <a:blip r:embed="rId4"/>
+          <a:stretch>
+            <a:fillRect/>
+          </a:stretch>
+        </p:blipFill>
+        <p:spPr>
+          <a:xfrm>
+            <a:off x="1852541" y="4520741"/>
+            <a:ext cx="1019317" cy="1019317"/>
+          </a:xfrm>
+          <a:prstGeom prst="rect">
+            <a:avLst/>
+          </a:prstGeom>
+        </p:spPr>
+      </p:pic>
+      <p:pic>
+        <p:nvPicPr>
+          <p:cNvPr id="10" name="Picture 9"/>
+          <p:cNvPicPr>
+            <a:picLocks noChangeAspect="1"/>
+          </p:cNvPicPr>
+          <p:nvPr/>
+        </p:nvPicPr>
+        <p:blipFill>
+          <a:blip r:embed="rId3"/>
+          <a:stretch>
+            <a:fillRect/>
+          </a:stretch>
+        </p:blipFill>
+        <p:spPr>
+          <a:xfrm>
+            <a:off x="5321300" y="2424297"/>
+            <a:ext cx="7112000" cy="2454369"/>
+          </a:xfrm>
+          <a:prstGeom prst="rect">
+            <a:avLst/>
+          </a:prstGeom>
+        </p:spPr>
+      </p:pic>
+      <p:pic>
+        <p:nvPicPr>
+          <p:cNvPr id="11" name="Picture 10"/>
+          <p:cNvPicPr>
+            <a:picLocks noChangeAspect="1"/>
+          </p:cNvPicPr>
+          <p:nvPr/>
+        </p:nvPicPr>
+        <p:blipFill>
+          <a:blip r:embed="rId4"/>
+          <a:stretch>
+            <a:fillRect/>
+          </a:stretch>
+        </p:blipFill>
+        <p:spPr>
+          <a:xfrm>
+            <a:off x="5230741" y="2727437"/>
+            <a:ext cx="1019317" cy="1019317"/>
+          </a:xfrm>
+          <a:prstGeom prst="rect">
+            <a:avLst/>
+          </a:prstGeom>
+        </p:spPr>
+      </p:pic>
+      <p:pic>
+        <p:nvPicPr>
+          <p:cNvPr id="12" name="Picture 11"/>
+          <p:cNvPicPr>
+            <a:picLocks noChangeAspect="1"/>
+          </p:cNvPicPr>
+          <p:nvPr/>
+        </p:nvPicPr>
+        <p:blipFill>
+          <a:blip r:embed="rId3"/>
+          <a:stretch>
+            <a:fillRect/>
+          </a:stretch>
+        </p:blipFill>
+        <p:spPr>
+          <a:xfrm>
+            <a:off x="5794518" y="4312875"/>
+            <a:ext cx="7112000" cy="2454369"/>
+          </a:xfrm>
+          <a:prstGeom prst="rect">
+            <a:avLst/>
+          </a:prstGeom>
+        </p:spPr>
+      </p:pic>
+      <p:pic>
+        <p:nvPicPr>
+          <p:cNvPr id="13" name="Picture 12"/>
+          <p:cNvPicPr>
+            <a:picLocks noChangeAspect="1"/>
+          </p:cNvPicPr>
+          <p:nvPr/>
+        </p:nvPicPr>
+        <p:blipFill>
+          <a:blip r:embed="rId4"/>
+          <a:stretch>
+            <a:fillRect/>
+          </a:stretch>
+        </p:blipFill>
+        <p:spPr>
+          <a:xfrm>
+            <a:off x="5703959" y="4616015"/>
+            <a:ext cx="1019317" cy="1019317"/>
+          </a:xfrm>
+          <a:prstGeom prst="rect">
+            <a:avLst/>
+          </a:prstGeom>
+        </p:spPr>
+      </p:pic>
+      <p:pic>
+        <p:nvPicPr>
+          <p:cNvPr id="14" name="Picture 13"/>
+          <p:cNvPicPr>
+            <a:picLocks noChangeAspect="1"/>
+          </p:cNvPicPr>
+          <p:nvPr/>
+        </p:nvPicPr>
+        <p:blipFill>
+          <a:blip r:embed="rId3"/>
+          <a:stretch>
+            <a:fillRect/>
+          </a:stretch>
+        </p:blipFill>
+        <p:spPr>
+          <a:xfrm>
+            <a:off x="358089" y="1938385"/>
+            <a:ext cx="7112000" cy="2454369"/>
+          </a:xfrm>
+          <a:prstGeom prst="rect">
+            <a:avLst/>
+          </a:prstGeom>
+        </p:spPr>
+      </p:pic>
+      <p:pic>
+        <p:nvPicPr>
+          <p:cNvPr id="15" name="Picture 14"/>
+          <p:cNvPicPr>
+            <a:picLocks noChangeAspect="1"/>
+          </p:cNvPicPr>
+          <p:nvPr/>
+        </p:nvPicPr>
+        <p:blipFill>
+          <a:blip r:embed="rId4"/>
+          <a:stretch>
+            <a:fillRect/>
+          </a:stretch>
+        </p:blipFill>
+        <p:spPr>
+          <a:xfrm>
+            <a:off x="267530" y="2241525"/>
+            <a:ext cx="1019317" cy="1019317"/>
+          </a:xfrm>
+          <a:prstGeom prst="rect">
+            <a:avLst/>
+          </a:prstGeom>
+        </p:spPr>
+      </p:pic>
+      <p:pic>
+        <p:nvPicPr>
+          <p:cNvPr id="16" name="Picture 15"/>
+          <p:cNvPicPr>
+            <a:picLocks noChangeAspect="1"/>
+          </p:cNvPicPr>
+          <p:nvPr/>
+        </p:nvPicPr>
+        <p:blipFill>
+          <a:blip r:embed="rId3"/>
+          <a:stretch>
+            <a:fillRect/>
+          </a:stretch>
+        </p:blipFill>
+        <p:spPr>
+          <a:xfrm>
+            <a:off x="495831" y="4457705"/>
+            <a:ext cx="7112000" cy="2454369"/>
+          </a:xfrm>
+          <a:prstGeom prst="rect">
+            <a:avLst/>
+          </a:prstGeom>
+        </p:spPr>
+      </p:pic>
+      <p:pic>
+        <p:nvPicPr>
+          <p:cNvPr id="17" name="Picture 16"/>
+          <p:cNvPicPr>
+            <a:picLocks noChangeAspect="1"/>
+          </p:cNvPicPr>
+          <p:nvPr/>
+        </p:nvPicPr>
+        <p:blipFill>
+          <a:blip r:embed="rId4"/>
+          <a:stretch>
+            <a:fillRect/>
+          </a:stretch>
+        </p:blipFill>
+        <p:spPr>
+          <a:xfrm>
+            <a:off x="405272" y="4760845"/>
+            <a:ext cx="1019317" cy="1019317"/>
+          </a:xfrm>
+          <a:prstGeom prst="rect">
+            <a:avLst/>
+          </a:prstGeom>
+        </p:spPr>
+      </p:pic>
+    </p:spTree>
+    <p:extLst>
+      <p:ext uri="{BB962C8B-B14F-4D97-AF65-F5344CB8AC3E}">
+        <p14:creationId xmlns:p14="http://schemas.microsoft.com/office/powerpoint/2010/main" val="1417693449"/>
+      </p:ext>
+    </p:extLst>
+  </p:cSld>
+  <p:clrMapOvr>
+    <a:masterClrMapping/>
+  </p:clrMapOvr>
+  <p:timing>
+    <p:tnLst>
+      <p:par>
+        <p:cTn id="1" dur="indefinite" restart="never" nodeType="tmRoot"/>
+      </p:par>
+    </p:tnLst>
+  </p:timing>
+</p:sld>
+</file>
+
+<file path=ppt/slides/slide18.xml><?xml version="1.0" encoding="utf-8"?>
+<p:sld xmlns:a="http://schemas.openxmlformats.org/drawingml/2006/main" xmlns:r="http://schemas.openxmlformats.org/officeDocument/2006/relationships" xmlns:p="http://schemas.openxmlformats.org/presentationml/2006/main">
+  <p:cSld>
+    <p:spTree>
+      <p:nvGrpSpPr>
+        <p:cNvPr id="1" name=""/>
+        <p:cNvGrpSpPr/>
+        <p:nvPr/>
+      </p:nvGrpSpPr>
+      <p:grpSpPr>
+        <a:xfrm>
+          <a:off x="0" y="0"/>
+          <a:ext cx="0" cy="0"/>
+          <a:chOff x="0" y="0"/>
+          <a:chExt cx="0" cy="0"/>
+        </a:xfrm>
+      </p:grpSpPr>
+      <p:sp>
+        <p:nvSpPr>
+          <p:cNvPr id="2" name="Title 1"/>
+          <p:cNvSpPr>
+            <a:spLocks noGrp="1"/>
+          </p:cNvSpPr>
+          <p:nvPr>
+            <p:ph type="title"/>
+          </p:nvPr>
+        </p:nvSpPr>
+        <p:spPr/>
+        <p:txBody>
+          <a:bodyPr>
+            <a:normAutofit fontScale="90000"/>
+          </a:bodyPr>
+          <a:lstStyle/>
+          <a:p>
+            <a:r>
+              <a:rPr lang="pl-PL" dirty="0"/>
+              <a:t>CRUDY na pudy, </a:t>
+            </a:r>
+            <a:br>
+              <a:rPr lang="pl-PL" dirty="0"/>
+            </a:br>
+            <a:r>
+              <a:rPr lang="pl-PL" dirty="0"/>
+              <a:t>czyli parę słów o dyskomforcie w programowaniu</a:t>
+            </a:r>
+            <a:br>
+              <a:rPr lang="pl-PL" dirty="0"/>
+            </a:br>
+            <a:endParaRPr lang="pl-PL" dirty="0"/>
+          </a:p>
+        </p:txBody>
+      </p:sp>
+      <p:sp>
+        <p:nvSpPr>
+          <p:cNvPr id="3" name="Content Placeholder 2"/>
+          <p:cNvSpPr>
+            <a:spLocks noGrp="1"/>
+          </p:cNvSpPr>
+          <p:nvPr>
+            <p:ph idx="1"/>
+          </p:nvPr>
+        </p:nvSpPr>
+        <p:spPr>
+          <a:xfrm>
+            <a:off x="685800" y="3136900"/>
+            <a:ext cx="10820400" cy="3081785"/>
+          </a:xfrm>
+        </p:spPr>
+        <p:txBody>
+          <a:bodyPr>
+            <a:normAutofit/>
+          </a:bodyPr>
+          <a:lstStyle/>
+          <a:p>
+            <a:pPr marL="0" indent="0" algn="ctr">
+              <a:buNone/>
+            </a:pPr>
+            <a:r>
+              <a:rPr lang="pl-PL" sz="4000" dirty="0" smtClean="0"/>
+              <a:t>Jak inni sobie układaniem</a:t>
+            </a:r>
+          </a:p>
+          <a:p>
+            <a:pPr marL="0" indent="0" algn="ctr">
+              <a:buNone/>
+            </a:pPr>
+            <a:r>
+              <a:rPr lang="pl-PL" sz="4000" dirty="0" smtClean="0"/>
+              <a:t>tych klocków?</a:t>
+            </a:r>
+            <a:endParaRPr lang="pl-PL" sz="4000" dirty="0"/>
+          </a:p>
+        </p:txBody>
+      </p:sp>
+    </p:spTree>
+    <p:extLst>
+      <p:ext uri="{BB962C8B-B14F-4D97-AF65-F5344CB8AC3E}">
+        <p14:creationId xmlns:p14="http://schemas.microsoft.com/office/powerpoint/2010/main" val="3383935590"/>
+      </p:ext>
+    </p:extLst>
+  </p:cSld>
+  <p:clrMapOvr>
+    <a:masterClrMapping/>
+  </p:clrMapOvr>
+  <p:timing>
+    <p:tnLst>
+      <p:par>
+        <p:cTn id="1" dur="indefinite" restart="never" nodeType="tmRoot"/>
+      </p:par>
+    </p:tnLst>
+  </p:timing>
+</p:sld>
+</file>
+
+<file path=ppt/slides/slide19.xml><?xml version="1.0" encoding="utf-8"?>
+<p:sld xmlns:a="http://schemas.openxmlformats.org/drawingml/2006/main" xmlns:r="http://schemas.openxmlformats.org/officeDocument/2006/relationships" xmlns:p="http://schemas.openxmlformats.org/presentationml/2006/main">
+  <p:cSld>
+    <p:spTree>
+      <p:nvGrpSpPr>
+        <p:cNvPr id="1" name=""/>
+        <p:cNvGrpSpPr/>
+        <p:nvPr/>
+      </p:nvGrpSpPr>
+      <p:grpSpPr>
+        <a:xfrm>
+          <a:off x="0" y="0"/>
+          <a:ext cx="0" cy="0"/>
+          <a:chOff x="0" y="0"/>
+          <a:chExt cx="0" cy="0"/>
+        </a:xfrm>
+      </p:grpSpPr>
+      <p:sp>
+        <p:nvSpPr>
+          <p:cNvPr id="2" name="Title 1"/>
+          <p:cNvSpPr>
+            <a:spLocks noGrp="1"/>
+          </p:cNvSpPr>
+          <p:nvPr>
+            <p:ph type="title"/>
+          </p:nvPr>
+        </p:nvSpPr>
+        <p:spPr/>
+        <p:txBody>
+          <a:bodyPr>
+            <a:normAutofit fontScale="90000"/>
+          </a:bodyPr>
+          <a:lstStyle/>
+          <a:p>
+            <a:r>
+              <a:rPr lang="pl-PL" dirty="0"/>
+              <a:t>CRUDY na pudy, </a:t>
+            </a:r>
+            <a:br>
+              <a:rPr lang="pl-PL" dirty="0"/>
+            </a:br>
+            <a:r>
+              <a:rPr lang="pl-PL" dirty="0"/>
+              <a:t>czyli parę słów o dyskomforcie w programowaniu</a:t>
+            </a:r>
+            <a:br>
+              <a:rPr lang="pl-PL" dirty="0"/>
+            </a:br>
+            <a:endParaRPr lang="pl-PL" dirty="0"/>
+          </a:p>
+        </p:txBody>
+      </p:sp>
+      <p:sp>
+        <p:nvSpPr>
+          <p:cNvPr id="4" name="Content Placeholder 3"/>
+          <p:cNvSpPr>
+            <a:spLocks noGrp="1"/>
+          </p:cNvSpPr>
+          <p:nvPr>
+            <p:ph idx="1"/>
+          </p:nvPr>
+        </p:nvSpPr>
+        <p:spPr/>
+        <p:txBody>
+          <a:bodyPr/>
+          <a:lstStyle/>
+          <a:p>
+            <a:pPr marL="0" indent="0">
+              <a:buNone/>
+            </a:pPr>
+            <a:r>
+              <a:rPr lang="pl-PL" dirty="0" smtClean="0"/>
+              <a:t>Amazon ma drony</a:t>
+            </a:r>
+            <a:endParaRPr lang="pl-PL" dirty="0"/>
+          </a:p>
+        </p:txBody>
+      </p:sp>
+      <p:pic>
+        <p:nvPicPr>
+          <p:cNvPr id="2050" name="Picture 2" descr="http://www.supplychain247.com/images/article/walmart_testing_warehouses_drones_wide_image.jpg"/>
+          <p:cNvPicPr>
+            <a:picLocks noChangeAspect="1" noChangeArrowheads="1"/>
+          </p:cNvPicPr>
+          <p:nvPr/>
+        </p:nvPicPr>
+        <p:blipFill>
+          <a:blip r:embed="rId2">
+            <a:extLst>
+              <a:ext uri="{28A0092B-C50C-407E-A947-70E740481C1C}">
+                <a14:useLocalDpi xmlns:a14="http://schemas.microsoft.com/office/drawing/2010/main" val="0"/>
+              </a:ext>
+            </a:extLst>
+          </a:blip>
+          <a:srcRect/>
+          <a:stretch>
+            <a:fillRect/>
+          </a:stretch>
+        </p:blipFill>
+        <p:spPr bwMode="auto">
+          <a:xfrm>
+            <a:off x="3265487" y="3059851"/>
+            <a:ext cx="5661025" cy="3538141"/>
+          </a:xfrm>
+          <a:prstGeom prst="rect">
+            <a:avLst/>
+          </a:prstGeom>
+          <a:noFill/>
+          <a:extLst>
+            <a:ext uri="{909E8E84-426E-40DD-AFC4-6F175D3DCCD1}">
+              <a14:hiddenFill xmlns:a14="http://schemas.microsoft.com/office/drawing/2010/main">
+                <a:solidFill>
+                  <a:srgbClr val="FFFFFF"/>
+                </a:solidFill>
+              </a14:hiddenFill>
+            </a:ext>
+          </a:extLst>
+        </p:spPr>
+      </p:pic>
+    </p:spTree>
+    <p:extLst>
+      <p:ext uri="{BB962C8B-B14F-4D97-AF65-F5344CB8AC3E}">
+        <p14:creationId xmlns:p14="http://schemas.microsoft.com/office/powerpoint/2010/main" val="3392035936"/>
+      </p:ext>
+    </p:extLst>
+  </p:cSld>
+  <p:clrMapOvr>
+    <a:masterClrMapping/>
+  </p:clrMapOvr>
+  <p:timing>
+    <p:tnLst>
+      <p:par>
+        <p:cTn id="1" dur="indefinite" restart="never" nodeType="tmRoot"/>
+      </p:par>
+    </p:tnLst>
+  </p:timing>
 </p:sld>
 </file>
 
@@ -7227,6 +10368,519 @@
     <p:extLst>
       <p:ext uri="{BB962C8B-B14F-4D97-AF65-F5344CB8AC3E}">
         <p14:creationId xmlns:p14="http://schemas.microsoft.com/office/powerpoint/2010/main" val="1243031107"/>
+      </p:ext>
+    </p:extLst>
+  </p:cSld>
+  <p:clrMapOvr>
+    <a:masterClrMapping/>
+  </p:clrMapOvr>
+  <p:timing>
+    <p:tnLst>
+      <p:par>
+        <p:cTn id="1" dur="indefinite" restart="never" nodeType="tmRoot"/>
+      </p:par>
+    </p:tnLst>
+  </p:timing>
+</p:sld>
+</file>
+
+<file path=ppt/slides/slide20.xml><?xml version="1.0" encoding="utf-8"?>
+<p:sld xmlns:a="http://schemas.openxmlformats.org/drawingml/2006/main" xmlns:r="http://schemas.openxmlformats.org/officeDocument/2006/relationships" xmlns:p="http://schemas.openxmlformats.org/presentationml/2006/main">
+  <p:cSld>
+    <p:spTree>
+      <p:nvGrpSpPr>
+        <p:cNvPr id="1" name=""/>
+        <p:cNvGrpSpPr/>
+        <p:nvPr/>
+      </p:nvGrpSpPr>
+      <p:grpSpPr>
+        <a:xfrm>
+          <a:off x="0" y="0"/>
+          <a:ext cx="0" cy="0"/>
+          <a:chOff x="0" y="0"/>
+          <a:chExt cx="0" cy="0"/>
+        </a:xfrm>
+      </p:grpSpPr>
+      <p:sp>
+        <p:nvSpPr>
+          <p:cNvPr id="2" name="Title 1"/>
+          <p:cNvSpPr>
+            <a:spLocks noGrp="1"/>
+          </p:cNvSpPr>
+          <p:nvPr>
+            <p:ph type="title"/>
+          </p:nvPr>
+        </p:nvSpPr>
+        <p:spPr/>
+        <p:txBody>
+          <a:bodyPr>
+            <a:normAutofit fontScale="90000"/>
+          </a:bodyPr>
+          <a:lstStyle/>
+          <a:p>
+            <a:r>
+              <a:rPr lang="pl-PL" dirty="0"/>
+              <a:t>CRUDY na pudy, </a:t>
+            </a:r>
+            <a:br>
+              <a:rPr lang="pl-PL" dirty="0"/>
+            </a:br>
+            <a:r>
+              <a:rPr lang="pl-PL" dirty="0"/>
+              <a:t>czyli parę słów o dyskomforcie w programowaniu</a:t>
+            </a:r>
+            <a:br>
+              <a:rPr lang="pl-PL" dirty="0"/>
+            </a:br>
+            <a:endParaRPr lang="pl-PL" dirty="0"/>
+          </a:p>
+        </p:txBody>
+      </p:sp>
+      <p:sp>
+        <p:nvSpPr>
+          <p:cNvPr id="4" name="Content Placeholder 3"/>
+          <p:cNvSpPr>
+            <a:spLocks noGrp="1"/>
+          </p:cNvSpPr>
+          <p:nvPr>
+            <p:ph idx="1"/>
+          </p:nvPr>
+        </p:nvSpPr>
+        <p:spPr/>
+        <p:txBody>
+          <a:bodyPr/>
+          <a:lstStyle/>
+          <a:p>
+            <a:pPr marL="0" indent="0">
+              <a:buNone/>
+            </a:pPr>
+            <a:r>
+              <a:rPr lang="pl-PL" dirty="0" smtClean="0"/>
+              <a:t>Inni mają gorzej</a:t>
+            </a:r>
+            <a:endParaRPr lang="pl-PL" dirty="0"/>
+          </a:p>
+        </p:txBody>
+      </p:sp>
+      <p:pic>
+        <p:nvPicPr>
+          <p:cNvPr id="3" name="Picture 2"/>
+          <p:cNvPicPr>
+            <a:picLocks noChangeAspect="1"/>
+          </p:cNvPicPr>
+          <p:nvPr/>
+        </p:nvPicPr>
+        <p:blipFill>
+          <a:blip r:embed="rId2">
+            <a:extLst>
+              <a:ext uri="{28A0092B-C50C-407E-A947-70E740481C1C}">
+                <a14:useLocalDpi xmlns:a14="http://schemas.microsoft.com/office/drawing/2010/main" val="0"/>
+              </a:ext>
+            </a:extLst>
+          </a:blip>
+          <a:stretch>
+            <a:fillRect/>
+          </a:stretch>
+        </p:blipFill>
+        <p:spPr>
+          <a:xfrm>
+            <a:off x="4294187" y="2783335"/>
+            <a:ext cx="3825731" cy="3435350"/>
+          </a:xfrm>
+          <a:prstGeom prst="rect">
+            <a:avLst/>
+          </a:prstGeom>
+        </p:spPr>
+      </p:pic>
+    </p:spTree>
+    <p:extLst>
+      <p:ext uri="{BB962C8B-B14F-4D97-AF65-F5344CB8AC3E}">
+        <p14:creationId xmlns:p14="http://schemas.microsoft.com/office/powerpoint/2010/main" val="870037392"/>
+      </p:ext>
+    </p:extLst>
+  </p:cSld>
+  <p:clrMapOvr>
+    <a:masterClrMapping/>
+  </p:clrMapOvr>
+  <p:timing>
+    <p:tnLst>
+      <p:par>
+        <p:cTn id="1" dur="indefinite" restart="never" nodeType="tmRoot"/>
+      </p:par>
+    </p:tnLst>
+  </p:timing>
+</p:sld>
+</file>
+
+<file path=ppt/slides/slide21.xml><?xml version="1.0" encoding="utf-8"?>
+<p:sld xmlns:a="http://schemas.openxmlformats.org/drawingml/2006/main" xmlns:r="http://schemas.openxmlformats.org/officeDocument/2006/relationships" xmlns:p="http://schemas.openxmlformats.org/presentationml/2006/main">
+  <p:cSld>
+    <p:spTree>
+      <p:nvGrpSpPr>
+        <p:cNvPr id="1" name=""/>
+        <p:cNvGrpSpPr/>
+        <p:nvPr/>
+      </p:nvGrpSpPr>
+      <p:grpSpPr>
+        <a:xfrm>
+          <a:off x="0" y="0"/>
+          <a:ext cx="0" cy="0"/>
+          <a:chOff x="0" y="0"/>
+          <a:chExt cx="0" cy="0"/>
+        </a:xfrm>
+      </p:grpSpPr>
+      <p:sp>
+        <p:nvSpPr>
+          <p:cNvPr id="2" name="Title 1"/>
+          <p:cNvSpPr>
+            <a:spLocks noGrp="1"/>
+          </p:cNvSpPr>
+          <p:nvPr>
+            <p:ph type="title"/>
+          </p:nvPr>
+        </p:nvSpPr>
+        <p:spPr/>
+        <p:txBody>
+          <a:bodyPr>
+            <a:normAutofit fontScale="90000"/>
+          </a:bodyPr>
+          <a:lstStyle/>
+          <a:p>
+            <a:r>
+              <a:rPr lang="pl-PL" dirty="0"/>
+              <a:t>CRUDY na pudy, </a:t>
+            </a:r>
+            <a:br>
+              <a:rPr lang="pl-PL" dirty="0"/>
+            </a:br>
+            <a:r>
+              <a:rPr lang="pl-PL" dirty="0"/>
+              <a:t>czyli parę słów o dyskomforcie w programowaniu</a:t>
+            </a:r>
+            <a:br>
+              <a:rPr lang="pl-PL" dirty="0"/>
+            </a:br>
+            <a:endParaRPr lang="pl-PL" dirty="0"/>
+          </a:p>
+        </p:txBody>
+      </p:sp>
+      <p:sp>
+        <p:nvSpPr>
+          <p:cNvPr id="3" name="Content Placeholder 2"/>
+          <p:cNvSpPr>
+            <a:spLocks noGrp="1"/>
+          </p:cNvSpPr>
+          <p:nvPr>
+            <p:ph idx="1"/>
+          </p:nvPr>
+        </p:nvSpPr>
+        <p:spPr/>
+        <p:txBody>
+          <a:bodyPr/>
+          <a:lstStyle/>
+          <a:p>
+            <a:pPr marL="0" indent="0" algn="ctr">
+              <a:buNone/>
+            </a:pPr>
+            <a:r>
+              <a:rPr lang="pl-PL" sz="4000" b="1" dirty="0" smtClean="0"/>
+              <a:t>Przesadzam?</a:t>
+            </a:r>
+          </a:p>
+          <a:p>
+            <a:pPr marL="0" indent="0">
+              <a:buNone/>
+            </a:pPr>
+            <a:endParaRPr lang="pl-PL" dirty="0"/>
+          </a:p>
+          <a:p>
+            <a:pPr marL="0" indent="0">
+              <a:buNone/>
+            </a:pPr>
+            <a:r>
+              <a:rPr lang="pl-PL" dirty="0" smtClean="0"/>
+              <a:t>Dodajmy do tego:</a:t>
+            </a:r>
+          </a:p>
+          <a:p>
+            <a:pPr>
+              <a:buFontTx/>
+              <a:buChar char="-"/>
+            </a:pPr>
+            <a:r>
+              <a:rPr lang="pl-PL" dirty="0" smtClean="0"/>
+              <a:t>Skomplikowaną zależności relacji (relacje wiele do wielu)</a:t>
+            </a:r>
+          </a:p>
+          <a:p>
+            <a:pPr>
+              <a:buFontTx/>
+              <a:buChar char="-"/>
+            </a:pPr>
+            <a:r>
+              <a:rPr lang="pl-PL" dirty="0" smtClean="0"/>
+              <a:t>Współgranie modelu odczytu z zapisem</a:t>
+            </a:r>
+          </a:p>
+          <a:p>
+            <a:pPr>
+              <a:buFontTx/>
+              <a:buChar char="-"/>
+            </a:pPr>
+            <a:r>
+              <a:rPr lang="pl-PL" dirty="0" smtClean="0"/>
+              <a:t>Migracje schematu bazy oraz samych danych</a:t>
+            </a:r>
+          </a:p>
+          <a:p>
+            <a:pPr>
+              <a:buFontTx/>
+              <a:buChar char="-"/>
+            </a:pPr>
+            <a:r>
+              <a:rPr lang="pl-PL" dirty="0" smtClean="0"/>
+              <a:t>Problemy z wydajnością gdy używamy tego samego wielkiego modelu danych</a:t>
+            </a:r>
+          </a:p>
+          <a:p>
+            <a:pPr>
+              <a:buFontTx/>
+              <a:buChar char="-"/>
+            </a:pPr>
+            <a:endParaRPr lang="pl-PL" dirty="0"/>
+          </a:p>
+          <a:p>
+            <a:pPr>
+              <a:buFontTx/>
+              <a:buChar char="-"/>
+            </a:pPr>
+            <a:endParaRPr lang="pl-PL" dirty="0" smtClean="0"/>
+          </a:p>
+        </p:txBody>
+      </p:sp>
+    </p:spTree>
+    <p:extLst>
+      <p:ext uri="{BB962C8B-B14F-4D97-AF65-F5344CB8AC3E}">
+        <p14:creationId xmlns:p14="http://schemas.microsoft.com/office/powerpoint/2010/main" val="2767397238"/>
+      </p:ext>
+    </p:extLst>
+  </p:cSld>
+  <p:clrMapOvr>
+    <a:masterClrMapping/>
+  </p:clrMapOvr>
+  <p:timing>
+    <p:tnLst>
+      <p:par>
+        <p:cTn id="1" dur="indefinite" restart="never" nodeType="tmRoot"/>
+      </p:par>
+    </p:tnLst>
+  </p:timing>
+</p:sld>
+</file>
+
+<file path=ppt/slides/slide22.xml><?xml version="1.0" encoding="utf-8"?>
+<p:sld xmlns:a="http://schemas.openxmlformats.org/drawingml/2006/main" xmlns:r="http://schemas.openxmlformats.org/officeDocument/2006/relationships" xmlns:p="http://schemas.openxmlformats.org/presentationml/2006/main">
+  <p:cSld>
+    <p:spTree>
+      <p:nvGrpSpPr>
+        <p:cNvPr id="1" name=""/>
+        <p:cNvGrpSpPr/>
+        <p:nvPr/>
+      </p:nvGrpSpPr>
+      <p:grpSpPr>
+        <a:xfrm>
+          <a:off x="0" y="0"/>
+          <a:ext cx="0" cy="0"/>
+          <a:chOff x="0" y="0"/>
+          <a:chExt cx="0" cy="0"/>
+        </a:xfrm>
+      </p:grpSpPr>
+      <p:sp>
+        <p:nvSpPr>
+          <p:cNvPr id="2" name="Title 1"/>
+          <p:cNvSpPr>
+            <a:spLocks noGrp="1"/>
+          </p:cNvSpPr>
+          <p:nvPr>
+            <p:ph type="title"/>
+          </p:nvPr>
+        </p:nvSpPr>
+        <p:spPr/>
+        <p:txBody>
+          <a:bodyPr/>
+          <a:lstStyle/>
+          <a:p>
+            <a:r>
+              <a:rPr lang="pl-PL" dirty="0"/>
+              <a:t>Czemu CQRS to krok wstecz i dwa do przodu</a:t>
+            </a:r>
+          </a:p>
+        </p:txBody>
+      </p:sp>
+      <p:sp>
+        <p:nvSpPr>
+          <p:cNvPr id="3" name="Content Placeholder 2"/>
+          <p:cNvSpPr>
+            <a:spLocks noGrp="1"/>
+          </p:cNvSpPr>
+          <p:nvPr>
+            <p:ph idx="1"/>
+          </p:nvPr>
+        </p:nvSpPr>
+        <p:spPr/>
+        <p:txBody>
+          <a:bodyPr>
+            <a:normAutofit/>
+          </a:bodyPr>
+          <a:lstStyle/>
+          <a:p>
+            <a:pPr marL="0" indent="0">
+              <a:buNone/>
+            </a:pPr>
+            <a:endParaRPr lang="pl-PL" sz="4000" b="1" dirty="0" smtClean="0"/>
+          </a:p>
+          <a:p>
+            <a:pPr marL="0" indent="0">
+              <a:buNone/>
+            </a:pPr>
+            <a:r>
+              <a:rPr lang="pl-PL" sz="4000" b="1" dirty="0" err="1" smtClean="0"/>
+              <a:t>C</a:t>
+            </a:r>
+            <a:r>
+              <a:rPr lang="pl-PL" sz="4000" dirty="0" err="1" smtClean="0"/>
+              <a:t>ommand</a:t>
+            </a:r>
+            <a:endParaRPr lang="pl-PL" sz="4000" dirty="0" smtClean="0"/>
+          </a:p>
+          <a:p>
+            <a:pPr marL="0" indent="0">
+              <a:buNone/>
+            </a:pPr>
+            <a:r>
+              <a:rPr lang="pl-PL" sz="4000" b="1" dirty="0" smtClean="0"/>
+              <a:t>Q</a:t>
+            </a:r>
+            <a:r>
+              <a:rPr lang="pl-PL" sz="4000" dirty="0" smtClean="0"/>
+              <a:t>uery</a:t>
+            </a:r>
+          </a:p>
+          <a:p>
+            <a:pPr marL="0" indent="0">
+              <a:buNone/>
+            </a:pPr>
+            <a:r>
+              <a:rPr lang="pl-PL" sz="4000" b="1" dirty="0" err="1" smtClean="0"/>
+              <a:t>R</a:t>
+            </a:r>
+            <a:r>
+              <a:rPr lang="pl-PL" sz="4000" dirty="0" err="1" smtClean="0"/>
+              <a:t>esponsibility</a:t>
+            </a:r>
+            <a:endParaRPr lang="pl-PL" sz="4000" dirty="0" smtClean="0"/>
+          </a:p>
+          <a:p>
+            <a:pPr marL="0" indent="0">
+              <a:buNone/>
+            </a:pPr>
+            <a:r>
+              <a:rPr lang="pl-PL" sz="4000" b="1" dirty="0" err="1" smtClean="0"/>
+              <a:t>S</a:t>
+            </a:r>
+            <a:r>
+              <a:rPr lang="pl-PL" sz="4000" dirty="0" err="1" smtClean="0"/>
+              <a:t>egregation</a:t>
+            </a:r>
+            <a:endParaRPr lang="pl-PL" sz="4000" dirty="0" smtClean="0"/>
+          </a:p>
+        </p:txBody>
+      </p:sp>
+    </p:spTree>
+    <p:extLst>
+      <p:ext uri="{BB962C8B-B14F-4D97-AF65-F5344CB8AC3E}">
+        <p14:creationId xmlns:p14="http://schemas.microsoft.com/office/powerpoint/2010/main" val="1770954372"/>
+      </p:ext>
+    </p:extLst>
+  </p:cSld>
+  <p:clrMapOvr>
+    <a:masterClrMapping/>
+  </p:clrMapOvr>
+  <p:timing>
+    <p:tnLst>
+      <p:par>
+        <p:cTn id="1" dur="indefinite" restart="never" nodeType="tmRoot"/>
+      </p:par>
+    </p:tnLst>
+  </p:timing>
+</p:sld>
+</file>
+
+<file path=ppt/slides/slide23.xml><?xml version="1.0" encoding="utf-8"?>
+<p:sld xmlns:a="http://schemas.openxmlformats.org/drawingml/2006/main" xmlns:r="http://schemas.openxmlformats.org/officeDocument/2006/relationships" xmlns:p="http://schemas.openxmlformats.org/presentationml/2006/main">
+  <p:cSld>
+    <p:spTree>
+      <p:nvGrpSpPr>
+        <p:cNvPr id="1" name=""/>
+        <p:cNvGrpSpPr/>
+        <p:nvPr/>
+      </p:nvGrpSpPr>
+      <p:grpSpPr>
+        <a:xfrm>
+          <a:off x="0" y="0"/>
+          <a:ext cx="0" cy="0"/>
+          <a:chOff x="0" y="0"/>
+          <a:chExt cx="0" cy="0"/>
+        </a:xfrm>
+      </p:grpSpPr>
+      <p:sp>
+        <p:nvSpPr>
+          <p:cNvPr id="2" name="Title 1"/>
+          <p:cNvSpPr>
+            <a:spLocks noGrp="1"/>
+          </p:cNvSpPr>
+          <p:nvPr>
+            <p:ph type="title"/>
+          </p:nvPr>
+        </p:nvSpPr>
+        <p:spPr/>
+        <p:txBody>
+          <a:bodyPr/>
+          <a:lstStyle/>
+          <a:p>
+            <a:r>
+              <a:rPr lang="pl-PL" dirty="0"/>
+              <a:t>Czemu CQRS to krok wstecz i dwa do przodu</a:t>
+            </a:r>
+          </a:p>
+        </p:txBody>
+      </p:sp>
+      <p:sp>
+        <p:nvSpPr>
+          <p:cNvPr id="3" name="Content Placeholder 2"/>
+          <p:cNvSpPr>
+            <a:spLocks noGrp="1"/>
+          </p:cNvSpPr>
+          <p:nvPr>
+            <p:ph idx="1"/>
+          </p:nvPr>
+        </p:nvSpPr>
+        <p:spPr/>
+        <p:txBody>
+          <a:bodyPr/>
+          <a:lstStyle/>
+          <a:p>
+            <a:pPr marL="0" indent="0">
+              <a:buNone/>
+            </a:pPr>
+            <a:endParaRPr lang="pl-PL" dirty="0"/>
+          </a:p>
+        </p:txBody>
+      </p:sp>
+    </p:spTree>
+    <p:extLst>
+      <p:ext uri="{BB962C8B-B14F-4D97-AF65-F5344CB8AC3E}">
+        <p14:creationId xmlns:p14="http://schemas.microsoft.com/office/powerpoint/2010/main" val="3408585360"/>
       </p:ext>
     </p:extLst>
   </p:cSld>
@@ -7411,6 +11065,13 @@
   <p:clrMapOvr>
     <a:masterClrMapping/>
   </p:clrMapOvr>
+  <p:timing>
+    <p:tnLst>
+      <p:par>
+        <p:cTn id="1" dur="indefinite" restart="never" nodeType="tmRoot"/>
+      </p:par>
+    </p:tnLst>
+  </p:timing>
 </p:sld>
 </file>
 
@@ -7821,6 +11482,13 @@
   <p:clrMapOvr>
     <a:masterClrMapping/>
   </p:clrMapOvr>
+  <p:timing>
+    <p:tnLst>
+      <p:par>
+        <p:cTn id="1" dur="indefinite" restart="never" nodeType="tmRoot"/>
+      </p:par>
+    </p:tnLst>
+  </p:timing>
 </p:sld>
 </file>
 
@@ -8326,6 +11994,13 @@
   <p:clrMapOvr>
     <a:masterClrMapping/>
   </p:clrMapOvr>
+  <p:timing>
+    <p:tnLst>
+      <p:par>
+        <p:cTn id="1" dur="indefinite" restart="never" nodeType="tmRoot"/>
+      </p:par>
+    </p:tnLst>
+  </p:timing>
 </p:sld>
 </file>
 
@@ -9046,6 +12721,13 @@
   <p:clrMapOvr>
     <a:masterClrMapping/>
   </p:clrMapOvr>
+  <p:timing>
+    <p:tnLst>
+      <p:par>
+        <p:cTn id="1" dur="indefinite" restart="never" nodeType="tmRoot"/>
+      </p:par>
+    </p:tnLst>
+  </p:timing>
 </p:sld>
 </file>
 

--- a/Slides.pptx
+++ b/Slides.pptx
@@ -27,7 +27,16 @@
     <p:sldId id="282" r:id="rId21"/>
     <p:sldId id="283" r:id="rId22"/>
     <p:sldId id="259" r:id="rId23"/>
-    <p:sldId id="260" r:id="rId24"/>
+    <p:sldId id="284" r:id="rId24"/>
+    <p:sldId id="285" r:id="rId25"/>
+    <p:sldId id="288" r:id="rId26"/>
+    <p:sldId id="289" r:id="rId27"/>
+    <p:sldId id="290" r:id="rId28"/>
+    <p:sldId id="291" r:id="rId29"/>
+    <p:sldId id="292" r:id="rId30"/>
+    <p:sldId id="293" r:id="rId31"/>
+    <p:sldId id="294" r:id="rId32"/>
+    <p:sldId id="295" r:id="rId33"/>
   </p:sldIdLst>
   <p:sldSz cx="12192000" cy="6858000"/>
   <p:notesSz cx="6858000" cy="9144000"/>
@@ -10867,26 +10876,1498 @@
         </p:nvSpPr>
         <p:spPr/>
         <p:txBody>
-          <a:bodyPr/>
+          <a:bodyPr>
+            <a:normAutofit/>
+          </a:bodyPr>
           <a:lstStyle/>
           <a:p>
             <a:pPr marL="0" indent="0">
               <a:buNone/>
             </a:pPr>
-            <a:endParaRPr lang="pl-PL" dirty="0"/>
+            <a:endParaRPr lang="pl-PL" sz="4000" b="1" dirty="0" smtClean="0"/>
+          </a:p>
+          <a:p>
+            <a:pPr marL="0" indent="0">
+              <a:buNone/>
+            </a:pPr>
+            <a:r>
+              <a:rPr lang="pl-PL" sz="4000" b="1" dirty="0" err="1" smtClean="0"/>
+              <a:t>C</a:t>
+            </a:r>
+            <a:r>
+              <a:rPr lang="pl-PL" sz="4000" dirty="0" err="1" smtClean="0"/>
+              <a:t>ommand</a:t>
+            </a:r>
+            <a:endParaRPr lang="pl-PL" sz="4000" dirty="0" smtClean="0"/>
+          </a:p>
+          <a:p>
+            <a:pPr marL="0" indent="0">
+              <a:buNone/>
+            </a:pPr>
+            <a:r>
+              <a:rPr lang="pl-PL" sz="4000" b="1" dirty="0" smtClean="0"/>
+              <a:t>Q</a:t>
+            </a:r>
+            <a:r>
+              <a:rPr lang="pl-PL" sz="4000" dirty="0" smtClean="0"/>
+              <a:t>uery</a:t>
+            </a:r>
+          </a:p>
+          <a:p>
+            <a:pPr marL="0" indent="0">
+              <a:buNone/>
+            </a:pPr>
+            <a:r>
+              <a:rPr lang="pl-PL" sz="4000" b="1" dirty="0" err="1" smtClean="0"/>
+              <a:t>R</a:t>
+            </a:r>
+            <a:r>
+              <a:rPr lang="pl-PL" sz="4000" dirty="0" err="1" smtClean="0"/>
+              <a:t>esponsibility</a:t>
+            </a:r>
+            <a:endParaRPr lang="pl-PL" sz="4000" dirty="0" smtClean="0"/>
+          </a:p>
+          <a:p>
+            <a:pPr marL="0" indent="0">
+              <a:buNone/>
+            </a:pPr>
+            <a:r>
+              <a:rPr lang="pl-PL" sz="4000" b="1" dirty="0" err="1" smtClean="0"/>
+              <a:t>S</a:t>
+            </a:r>
+            <a:r>
+              <a:rPr lang="pl-PL" sz="4000" dirty="0" err="1" smtClean="0"/>
+              <a:t>egregation</a:t>
+            </a:r>
+            <a:endParaRPr lang="pl-PL" sz="4000" dirty="0" smtClean="0"/>
           </a:p>
         </p:txBody>
       </p:sp>
     </p:spTree>
     <p:extLst>
       <p:ext uri="{BB962C8B-B14F-4D97-AF65-F5344CB8AC3E}">
-        <p14:creationId xmlns:p14="http://schemas.microsoft.com/office/powerpoint/2010/main" val="3408585360"/>
+        <p14:creationId xmlns:p14="http://schemas.microsoft.com/office/powerpoint/2010/main" val="404990919"/>
       </p:ext>
     </p:extLst>
   </p:cSld>
   <p:clrMapOvr>
     <a:masterClrMapping/>
   </p:clrMapOvr>
+  <p:timing>
+    <p:tnLst>
+      <p:par>
+        <p:cTn id="1" dur="indefinite" restart="never" nodeType="tmRoot"/>
+      </p:par>
+    </p:tnLst>
+  </p:timing>
+</p:sld>
+</file>
+
+<file path=ppt/slides/slide24.xml><?xml version="1.0" encoding="utf-8"?>
+<p:sld xmlns:a="http://schemas.openxmlformats.org/drawingml/2006/main" xmlns:r="http://schemas.openxmlformats.org/officeDocument/2006/relationships" xmlns:p="http://schemas.openxmlformats.org/presentationml/2006/main">
+  <p:cSld>
+    <p:spTree>
+      <p:nvGrpSpPr>
+        <p:cNvPr id="1" name=""/>
+        <p:cNvGrpSpPr/>
+        <p:nvPr/>
+      </p:nvGrpSpPr>
+      <p:grpSpPr>
+        <a:xfrm>
+          <a:off x="0" y="0"/>
+          <a:ext cx="0" cy="0"/>
+          <a:chOff x="0" y="0"/>
+          <a:chExt cx="0" cy="0"/>
+        </a:xfrm>
+      </p:grpSpPr>
+      <p:sp>
+        <p:nvSpPr>
+          <p:cNvPr id="2" name="Title 1"/>
+          <p:cNvSpPr>
+            <a:spLocks noGrp="1"/>
+          </p:cNvSpPr>
+          <p:nvPr>
+            <p:ph type="title"/>
+          </p:nvPr>
+        </p:nvSpPr>
+        <p:spPr/>
+        <p:txBody>
+          <a:bodyPr/>
+          <a:lstStyle/>
+          <a:p>
+            <a:r>
+              <a:rPr lang="pl-PL" dirty="0"/>
+              <a:t>Czemu CQRS to krok wstecz i dwa do przodu</a:t>
+            </a:r>
+          </a:p>
+        </p:txBody>
+      </p:sp>
+      <p:sp>
+        <p:nvSpPr>
+          <p:cNvPr id="3" name="Content Placeholder 2"/>
+          <p:cNvSpPr>
+            <a:spLocks noGrp="1"/>
+          </p:cNvSpPr>
+          <p:nvPr>
+            <p:ph idx="1"/>
+          </p:nvPr>
+        </p:nvSpPr>
+        <p:spPr/>
+        <p:txBody>
+          <a:bodyPr>
+            <a:normAutofit/>
+          </a:bodyPr>
+          <a:lstStyle/>
+          <a:p>
+            <a:pPr marL="0" indent="0">
+              <a:buNone/>
+            </a:pPr>
+            <a:endParaRPr lang="pl-PL" sz="6000" b="1" dirty="0" smtClean="0"/>
+          </a:p>
+          <a:p>
+            <a:pPr marL="0" indent="0">
+              <a:buNone/>
+            </a:pPr>
+            <a:r>
+              <a:rPr lang="pl-PL" sz="6000" b="1" dirty="0" err="1" smtClean="0"/>
+              <a:t>C</a:t>
+            </a:r>
+            <a:r>
+              <a:rPr lang="pl-PL" sz="6000" dirty="0" err="1" smtClean="0"/>
+              <a:t>ommand</a:t>
+            </a:r>
+            <a:endParaRPr lang="pl-PL" sz="6000" dirty="0" smtClean="0"/>
+          </a:p>
+          <a:p>
+            <a:pPr marL="0" indent="0">
+              <a:buNone/>
+            </a:pPr>
+            <a:r>
+              <a:rPr lang="pl-PL" sz="6000" b="1" dirty="0" smtClean="0"/>
+              <a:t>Q</a:t>
+            </a:r>
+            <a:r>
+              <a:rPr lang="pl-PL" sz="6000" dirty="0" smtClean="0"/>
+              <a:t>uery</a:t>
+            </a:r>
+          </a:p>
+        </p:txBody>
+      </p:sp>
+    </p:spTree>
+    <p:extLst>
+      <p:ext uri="{BB962C8B-B14F-4D97-AF65-F5344CB8AC3E}">
+        <p14:creationId xmlns:p14="http://schemas.microsoft.com/office/powerpoint/2010/main" val="331181715"/>
+      </p:ext>
+    </p:extLst>
+  </p:cSld>
+  <p:clrMapOvr>
+    <a:masterClrMapping/>
+  </p:clrMapOvr>
+  <p:timing>
+    <p:tnLst>
+      <p:par>
+        <p:cTn id="1" dur="indefinite" restart="never" nodeType="tmRoot"/>
+      </p:par>
+    </p:tnLst>
+  </p:timing>
+</p:sld>
+</file>
+
+<file path=ppt/slides/slide25.xml><?xml version="1.0" encoding="utf-8"?>
+<p:sld xmlns:a="http://schemas.openxmlformats.org/drawingml/2006/main" xmlns:r="http://schemas.openxmlformats.org/officeDocument/2006/relationships" xmlns:p="http://schemas.openxmlformats.org/presentationml/2006/main">
+  <p:cSld>
+    <p:spTree>
+      <p:nvGrpSpPr>
+        <p:cNvPr id="1" name=""/>
+        <p:cNvGrpSpPr/>
+        <p:nvPr/>
+      </p:nvGrpSpPr>
+      <p:grpSpPr>
+        <a:xfrm>
+          <a:off x="0" y="0"/>
+          <a:ext cx="0" cy="0"/>
+          <a:chOff x="0" y="0"/>
+          <a:chExt cx="0" cy="0"/>
+        </a:xfrm>
+      </p:grpSpPr>
+      <p:sp>
+        <p:nvSpPr>
+          <p:cNvPr id="2" name="Title 1"/>
+          <p:cNvSpPr>
+            <a:spLocks noGrp="1"/>
+          </p:cNvSpPr>
+          <p:nvPr>
+            <p:ph type="title"/>
+          </p:nvPr>
+        </p:nvSpPr>
+        <p:spPr/>
+        <p:txBody>
+          <a:bodyPr/>
+          <a:lstStyle/>
+          <a:p>
+            <a:r>
+              <a:rPr lang="pl-PL" dirty="0"/>
+              <a:t>Czemu CQRS to krok wstecz i dwa do przodu</a:t>
+            </a:r>
+          </a:p>
+        </p:txBody>
+      </p:sp>
+      <p:sp>
+        <p:nvSpPr>
+          <p:cNvPr id="3" name="Content Placeholder 2"/>
+          <p:cNvSpPr>
+            <a:spLocks noGrp="1"/>
+          </p:cNvSpPr>
+          <p:nvPr>
+            <p:ph idx="1"/>
+          </p:nvPr>
+        </p:nvSpPr>
+        <p:spPr/>
+        <p:txBody>
+          <a:bodyPr>
+            <a:normAutofit/>
+          </a:bodyPr>
+          <a:lstStyle/>
+          <a:p>
+            <a:pPr marL="0" indent="0">
+              <a:buNone/>
+            </a:pPr>
+            <a:r>
+              <a:rPr lang="pl-PL" sz="3600" b="1" dirty="0" err="1" smtClean="0"/>
+              <a:t>Command</a:t>
+            </a:r>
+            <a:endParaRPr lang="pl-PL" sz="3600" b="1" dirty="0" smtClean="0"/>
+          </a:p>
+          <a:p>
+            <a:pPr marL="0" indent="0">
+              <a:buNone/>
+            </a:pPr>
+            <a:endParaRPr lang="pl-PL" sz="3600" b="1" dirty="0" smtClean="0"/>
+          </a:p>
+          <a:p>
+            <a:pPr marL="0" indent="0">
+              <a:buNone/>
+            </a:pPr>
+            <a:r>
+              <a:rPr lang="pl-PL" sz="3600" b="1" i="1" dirty="0" smtClean="0"/>
+              <a:t>„</a:t>
+            </a:r>
+            <a:r>
+              <a:rPr lang="en-US" sz="3600" i="1" dirty="0"/>
+              <a:t>Change the state of a system but do not return a value</a:t>
+            </a:r>
+            <a:r>
+              <a:rPr lang="en-US" sz="3600" i="1" dirty="0" smtClean="0"/>
+              <a:t>.</a:t>
+            </a:r>
+            <a:r>
+              <a:rPr lang="pl-PL" sz="3600" i="1" dirty="0" smtClean="0"/>
+              <a:t>”</a:t>
+            </a:r>
+          </a:p>
+          <a:p>
+            <a:pPr marL="0" indent="0" algn="r">
+              <a:buNone/>
+            </a:pPr>
+            <a:r>
+              <a:rPr lang="pl-PL" sz="3600" dirty="0" smtClean="0"/>
+              <a:t>Martin Fowler</a:t>
+            </a:r>
+          </a:p>
+        </p:txBody>
+      </p:sp>
+    </p:spTree>
+    <p:extLst>
+      <p:ext uri="{BB962C8B-B14F-4D97-AF65-F5344CB8AC3E}">
+        <p14:creationId xmlns:p14="http://schemas.microsoft.com/office/powerpoint/2010/main" val="1078980409"/>
+      </p:ext>
+    </p:extLst>
+  </p:cSld>
+  <p:clrMapOvr>
+    <a:masterClrMapping/>
+  </p:clrMapOvr>
+  <p:timing>
+    <p:tnLst>
+      <p:par>
+        <p:cTn id="1" dur="indefinite" restart="never" nodeType="tmRoot"/>
+      </p:par>
+    </p:tnLst>
+  </p:timing>
+</p:sld>
+</file>
+
+<file path=ppt/slides/slide26.xml><?xml version="1.0" encoding="utf-8"?>
+<p:sld xmlns:a="http://schemas.openxmlformats.org/drawingml/2006/main" xmlns:r="http://schemas.openxmlformats.org/officeDocument/2006/relationships" xmlns:p="http://schemas.openxmlformats.org/presentationml/2006/main">
+  <p:cSld>
+    <p:spTree>
+      <p:nvGrpSpPr>
+        <p:cNvPr id="1" name=""/>
+        <p:cNvGrpSpPr/>
+        <p:nvPr/>
+      </p:nvGrpSpPr>
+      <p:grpSpPr>
+        <a:xfrm>
+          <a:off x="0" y="0"/>
+          <a:ext cx="0" cy="0"/>
+          <a:chOff x="0" y="0"/>
+          <a:chExt cx="0" cy="0"/>
+        </a:xfrm>
+      </p:grpSpPr>
+      <p:sp>
+        <p:nvSpPr>
+          <p:cNvPr id="2" name="Title 1"/>
+          <p:cNvSpPr>
+            <a:spLocks noGrp="1"/>
+          </p:cNvSpPr>
+          <p:nvPr>
+            <p:ph type="title"/>
+          </p:nvPr>
+        </p:nvSpPr>
+        <p:spPr/>
+        <p:txBody>
+          <a:bodyPr/>
+          <a:lstStyle/>
+          <a:p>
+            <a:r>
+              <a:rPr lang="pl-PL" dirty="0"/>
+              <a:t>Czemu CQRS to krok wstecz i dwa do przodu</a:t>
+            </a:r>
+          </a:p>
+        </p:txBody>
+      </p:sp>
+      <p:sp>
+        <p:nvSpPr>
+          <p:cNvPr id="3" name="Content Placeholder 2"/>
+          <p:cNvSpPr>
+            <a:spLocks noGrp="1"/>
+          </p:cNvSpPr>
+          <p:nvPr>
+            <p:ph idx="1"/>
+          </p:nvPr>
+        </p:nvSpPr>
+        <p:spPr/>
+        <p:txBody>
+          <a:bodyPr>
+            <a:normAutofit/>
+          </a:bodyPr>
+          <a:lstStyle/>
+          <a:p>
+            <a:pPr marL="0" indent="0">
+              <a:buNone/>
+            </a:pPr>
+            <a:r>
+              <a:rPr lang="pl-PL" sz="3600" b="1" dirty="0" smtClean="0"/>
+              <a:t>Query</a:t>
+            </a:r>
+          </a:p>
+          <a:p>
+            <a:pPr marL="0" indent="0">
+              <a:buNone/>
+            </a:pPr>
+            <a:endParaRPr lang="pl-PL" sz="3600" b="1" dirty="0" smtClean="0"/>
+          </a:p>
+          <a:p>
+            <a:pPr marL="0" indent="0">
+              <a:buNone/>
+            </a:pPr>
+            <a:r>
+              <a:rPr lang="pl-PL" sz="3600" b="1" i="1" dirty="0" smtClean="0"/>
+              <a:t>„</a:t>
+            </a:r>
+            <a:r>
+              <a:rPr lang="en-US" sz="3600" i="1" dirty="0"/>
+              <a:t>Return a result and do not change the observable state of the system (are free of side effects).</a:t>
+            </a:r>
+            <a:r>
+              <a:rPr lang="pl-PL" sz="3600" i="1" dirty="0" smtClean="0"/>
+              <a:t>”</a:t>
+            </a:r>
+          </a:p>
+          <a:p>
+            <a:pPr marL="0" indent="0" algn="r">
+              <a:buNone/>
+            </a:pPr>
+            <a:r>
+              <a:rPr lang="pl-PL" sz="3600" dirty="0" smtClean="0"/>
+              <a:t>Martin Fowler</a:t>
+            </a:r>
+          </a:p>
+        </p:txBody>
+      </p:sp>
+    </p:spTree>
+    <p:extLst>
+      <p:ext uri="{BB962C8B-B14F-4D97-AF65-F5344CB8AC3E}">
+        <p14:creationId xmlns:p14="http://schemas.microsoft.com/office/powerpoint/2010/main" val="2964989481"/>
+      </p:ext>
+    </p:extLst>
+  </p:cSld>
+  <p:clrMapOvr>
+    <a:masterClrMapping/>
+  </p:clrMapOvr>
+  <p:timing>
+    <p:tnLst>
+      <p:par>
+        <p:cTn id="1" dur="indefinite" restart="never" nodeType="tmRoot"/>
+      </p:par>
+    </p:tnLst>
+  </p:timing>
+</p:sld>
+</file>
+
+<file path=ppt/slides/slide27.xml><?xml version="1.0" encoding="utf-8"?>
+<p:sld xmlns:a="http://schemas.openxmlformats.org/drawingml/2006/main" xmlns:r="http://schemas.openxmlformats.org/officeDocument/2006/relationships" xmlns:p="http://schemas.openxmlformats.org/presentationml/2006/main">
+  <p:cSld>
+    <p:spTree>
+      <p:nvGrpSpPr>
+        <p:cNvPr id="1" name=""/>
+        <p:cNvGrpSpPr/>
+        <p:nvPr/>
+      </p:nvGrpSpPr>
+      <p:grpSpPr>
+        <a:xfrm>
+          <a:off x="0" y="0"/>
+          <a:ext cx="0" cy="0"/>
+          <a:chOff x="0" y="0"/>
+          <a:chExt cx="0" cy="0"/>
+        </a:xfrm>
+      </p:grpSpPr>
+      <p:sp>
+        <p:nvSpPr>
+          <p:cNvPr id="2" name="Title 1"/>
+          <p:cNvSpPr>
+            <a:spLocks noGrp="1"/>
+          </p:cNvSpPr>
+          <p:nvPr>
+            <p:ph type="title"/>
+          </p:nvPr>
+        </p:nvSpPr>
+        <p:spPr/>
+        <p:txBody>
+          <a:bodyPr/>
+          <a:lstStyle/>
+          <a:p>
+            <a:r>
+              <a:rPr lang="pl-PL" dirty="0"/>
+              <a:t>Czemu CQRS to krok wstecz i dwa do przodu</a:t>
+            </a:r>
+          </a:p>
+        </p:txBody>
+      </p:sp>
+      <p:sp>
+        <p:nvSpPr>
+          <p:cNvPr id="3" name="Content Placeholder 2"/>
+          <p:cNvSpPr>
+            <a:spLocks noGrp="1"/>
+          </p:cNvSpPr>
+          <p:nvPr>
+            <p:ph idx="1"/>
+          </p:nvPr>
+        </p:nvSpPr>
+        <p:spPr/>
+        <p:txBody>
+          <a:bodyPr>
+            <a:normAutofit/>
+          </a:bodyPr>
+          <a:lstStyle/>
+          <a:p>
+            <a:pPr marL="0" indent="0">
+              <a:buNone/>
+            </a:pPr>
+            <a:r>
+              <a:rPr lang="pl-PL" sz="3600" b="1" dirty="0" smtClean="0"/>
+              <a:t>Query</a:t>
+            </a:r>
+          </a:p>
+          <a:p>
+            <a:pPr marL="0" indent="0">
+              <a:buNone/>
+            </a:pPr>
+            <a:endParaRPr lang="pl-PL" sz="3600" b="1" dirty="0" smtClean="0"/>
+          </a:p>
+          <a:p>
+            <a:pPr marL="0" indent="0">
+              <a:buNone/>
+            </a:pPr>
+            <a:r>
+              <a:rPr lang="pl-PL" sz="3600" b="1" i="1" dirty="0" smtClean="0"/>
+              <a:t>„</a:t>
+            </a:r>
+            <a:r>
+              <a:rPr lang="en-US" sz="3600" i="1" dirty="0"/>
+              <a:t>Return a result and do not change the observable state of the system (are free of side effects).</a:t>
+            </a:r>
+            <a:r>
+              <a:rPr lang="pl-PL" sz="3600" i="1" dirty="0" smtClean="0"/>
+              <a:t>”</a:t>
+            </a:r>
+          </a:p>
+          <a:p>
+            <a:pPr marL="0" indent="0" algn="r">
+              <a:buNone/>
+            </a:pPr>
+            <a:r>
+              <a:rPr lang="pl-PL" sz="3600" dirty="0" smtClean="0"/>
+              <a:t>Martin Fowler</a:t>
+            </a:r>
+          </a:p>
+        </p:txBody>
+      </p:sp>
+    </p:spTree>
+    <p:extLst>
+      <p:ext uri="{BB962C8B-B14F-4D97-AF65-F5344CB8AC3E}">
+        <p14:creationId xmlns:p14="http://schemas.microsoft.com/office/powerpoint/2010/main" val="3841927331"/>
+      </p:ext>
+    </p:extLst>
+  </p:cSld>
+  <p:clrMapOvr>
+    <a:masterClrMapping/>
+  </p:clrMapOvr>
+  <p:timing>
+    <p:tnLst>
+      <p:par>
+        <p:cTn id="1" dur="indefinite" restart="never" nodeType="tmRoot"/>
+      </p:par>
+    </p:tnLst>
+  </p:timing>
+</p:sld>
+</file>
+
+<file path=ppt/slides/slide28.xml><?xml version="1.0" encoding="utf-8"?>
+<p:sld xmlns:a="http://schemas.openxmlformats.org/drawingml/2006/main" xmlns:r="http://schemas.openxmlformats.org/officeDocument/2006/relationships" xmlns:p="http://schemas.openxmlformats.org/presentationml/2006/main">
+  <p:cSld>
+    <p:spTree>
+      <p:nvGrpSpPr>
+        <p:cNvPr id="1" name=""/>
+        <p:cNvGrpSpPr/>
+        <p:nvPr/>
+      </p:nvGrpSpPr>
+      <p:grpSpPr>
+        <a:xfrm>
+          <a:off x="0" y="0"/>
+          <a:ext cx="0" cy="0"/>
+          <a:chOff x="0" y="0"/>
+          <a:chExt cx="0" cy="0"/>
+        </a:xfrm>
+      </p:grpSpPr>
+      <p:sp>
+        <p:nvSpPr>
+          <p:cNvPr id="2" name="Title 1"/>
+          <p:cNvSpPr>
+            <a:spLocks noGrp="1"/>
+          </p:cNvSpPr>
+          <p:nvPr>
+            <p:ph type="title"/>
+          </p:nvPr>
+        </p:nvSpPr>
+        <p:spPr/>
+        <p:txBody>
+          <a:bodyPr/>
+          <a:lstStyle/>
+          <a:p>
+            <a:r>
+              <a:rPr lang="pl-PL" dirty="0"/>
+              <a:t>Czemu CQRS to krok wstecz i dwa do przodu</a:t>
+            </a:r>
+          </a:p>
+        </p:txBody>
+      </p:sp>
+      <p:pic>
+        <p:nvPicPr>
+          <p:cNvPr id="5" name="Content Placeholder 4"/>
+          <p:cNvPicPr>
+            <a:picLocks noGrp="1" noChangeAspect="1"/>
+          </p:cNvPicPr>
+          <p:nvPr>
+            <p:ph idx="1"/>
+          </p:nvPr>
+        </p:nvPicPr>
+        <p:blipFill>
+          <a:blip r:embed="rId2">
+            <a:extLst>
+              <a:ext uri="{28A0092B-C50C-407E-A947-70E740481C1C}">
+                <a14:useLocalDpi xmlns:a14="http://schemas.microsoft.com/office/drawing/2010/main" val="0"/>
+              </a:ext>
+            </a:extLst>
+          </a:blip>
+          <a:stretch>
+            <a:fillRect/>
+          </a:stretch>
+        </p:blipFill>
+        <p:spPr>
+          <a:xfrm>
+            <a:off x="1612900" y="1595445"/>
+            <a:ext cx="6991478" cy="5092694"/>
+          </a:xfrm>
+        </p:spPr>
+      </p:pic>
+      <p:sp>
+        <p:nvSpPr>
+          <p:cNvPr id="6" name="TextBox 5"/>
+          <p:cNvSpPr txBox="1"/>
+          <p:nvPr/>
+        </p:nvSpPr>
+        <p:spPr>
+          <a:xfrm>
+            <a:off x="7061200" y="6349585"/>
+            <a:ext cx="5003293" cy="338554"/>
+          </a:xfrm>
+          <a:prstGeom prst="rect">
+            <a:avLst/>
+          </a:prstGeom>
+          <a:noFill/>
+        </p:spPr>
+        <p:txBody>
+          <a:bodyPr wrap="none" rtlCol="0">
+            <a:spAutoFit/>
+          </a:bodyPr>
+          <a:lstStyle/>
+          <a:p>
+            <a:r>
+              <a:rPr lang="pl-PL" sz="1600" dirty="0"/>
+              <a:t>Źródło: https://martinfowler.com/bliki/CQRS.html</a:t>
+            </a:r>
+          </a:p>
+        </p:txBody>
+      </p:sp>
+    </p:spTree>
+    <p:extLst>
+      <p:ext uri="{BB962C8B-B14F-4D97-AF65-F5344CB8AC3E}">
+        <p14:creationId xmlns:p14="http://schemas.microsoft.com/office/powerpoint/2010/main" val="2221524749"/>
+      </p:ext>
+    </p:extLst>
+  </p:cSld>
+  <p:clrMapOvr>
+    <a:masterClrMapping/>
+  </p:clrMapOvr>
+  <p:timing>
+    <p:tnLst>
+      <p:par>
+        <p:cTn id="1" dur="indefinite" restart="never" nodeType="tmRoot"/>
+      </p:par>
+    </p:tnLst>
+  </p:timing>
+</p:sld>
+</file>
+
+<file path=ppt/slides/slide29.xml><?xml version="1.0" encoding="utf-8"?>
+<p:sld xmlns:a="http://schemas.openxmlformats.org/drawingml/2006/main" xmlns:r="http://schemas.openxmlformats.org/officeDocument/2006/relationships" xmlns:p="http://schemas.openxmlformats.org/presentationml/2006/main">
+  <p:cSld>
+    <p:spTree>
+      <p:nvGrpSpPr>
+        <p:cNvPr id="1" name=""/>
+        <p:cNvGrpSpPr/>
+        <p:nvPr/>
+      </p:nvGrpSpPr>
+      <p:grpSpPr>
+        <a:xfrm>
+          <a:off x="0" y="0"/>
+          <a:ext cx="0" cy="0"/>
+          <a:chOff x="0" y="0"/>
+          <a:chExt cx="0" cy="0"/>
+        </a:xfrm>
+      </p:grpSpPr>
+      <p:sp>
+        <p:nvSpPr>
+          <p:cNvPr id="2" name="Title 1"/>
+          <p:cNvSpPr>
+            <a:spLocks noGrp="1"/>
+          </p:cNvSpPr>
+          <p:nvPr>
+            <p:ph type="title"/>
+          </p:nvPr>
+        </p:nvSpPr>
+        <p:spPr/>
+        <p:txBody>
+          <a:bodyPr>
+            <a:normAutofit/>
+          </a:bodyPr>
+          <a:lstStyle/>
+          <a:p>
+            <a:r>
+              <a:rPr lang="pl-PL" dirty="0"/>
+              <a:t>Czemu CQRS to krok wstecz i dwa do przodu</a:t>
+            </a:r>
+          </a:p>
+        </p:txBody>
+      </p:sp>
+      <p:sp>
+        <p:nvSpPr>
+          <p:cNvPr id="5" name="Cloud Callout 4"/>
+          <p:cNvSpPr/>
+          <p:nvPr/>
+        </p:nvSpPr>
+        <p:spPr>
+          <a:xfrm>
+            <a:off x="2801854" y="3121371"/>
+            <a:ext cx="1994080" cy="1336034"/>
+          </a:xfrm>
+          <a:prstGeom prst="cloudCallout">
+            <a:avLst/>
+          </a:prstGeom>
+        </p:spPr>
+        <p:style>
+          <a:lnRef idx="2">
+            <a:schemeClr val="accent1">
+              <a:shade val="50000"/>
+            </a:schemeClr>
+          </a:lnRef>
+          <a:fillRef idx="1">
+            <a:schemeClr val="accent1"/>
+          </a:fillRef>
+          <a:effectRef idx="0">
+            <a:schemeClr val="accent1"/>
+          </a:effectRef>
+          <a:fontRef idx="minor">
+            <a:schemeClr val="lt1"/>
+          </a:fontRef>
+        </p:style>
+        <p:txBody>
+          <a:bodyPr rtlCol="0" anchor="ctr"/>
+          <a:lstStyle/>
+          <a:p>
+            <a:pPr algn="ctr"/>
+            <a:r>
+              <a:rPr lang="pl-PL" dirty="0" smtClean="0"/>
+              <a:t>Controller</a:t>
+            </a:r>
+            <a:endParaRPr lang="pl-PL" dirty="0"/>
+          </a:p>
+        </p:txBody>
+      </p:sp>
+      <p:sp>
+        <p:nvSpPr>
+          <p:cNvPr id="6" name="Smiley Face 5"/>
+          <p:cNvSpPr/>
+          <p:nvPr/>
+        </p:nvSpPr>
+        <p:spPr>
+          <a:xfrm>
+            <a:off x="685800" y="3292222"/>
+            <a:ext cx="914400" cy="914400"/>
+          </a:xfrm>
+          <a:prstGeom prst="smileyFace">
+            <a:avLst/>
+          </a:prstGeom>
+        </p:spPr>
+        <p:style>
+          <a:lnRef idx="2">
+            <a:schemeClr val="accent1">
+              <a:shade val="50000"/>
+            </a:schemeClr>
+          </a:lnRef>
+          <a:fillRef idx="1">
+            <a:schemeClr val="accent1"/>
+          </a:fillRef>
+          <a:effectRef idx="0">
+            <a:schemeClr val="accent1"/>
+          </a:effectRef>
+          <a:fontRef idx="minor">
+            <a:schemeClr val="lt1"/>
+          </a:fontRef>
+        </p:style>
+        <p:txBody>
+          <a:bodyPr rtlCol="0" anchor="ctr"/>
+          <a:lstStyle/>
+          <a:p>
+            <a:pPr algn="ctr"/>
+            <a:endParaRPr lang="pl-PL" dirty="0"/>
+          </a:p>
+        </p:txBody>
+      </p:sp>
+      <p:sp>
+        <p:nvSpPr>
+          <p:cNvPr id="7" name="Cube 6"/>
+          <p:cNvSpPr/>
+          <p:nvPr/>
+        </p:nvSpPr>
+        <p:spPr>
+          <a:xfrm>
+            <a:off x="6036264" y="3121371"/>
+            <a:ext cx="1409263" cy="1409263"/>
+          </a:xfrm>
+          <a:prstGeom prst="cube">
+            <a:avLst/>
+          </a:prstGeom>
+        </p:spPr>
+        <p:style>
+          <a:lnRef idx="2">
+            <a:schemeClr val="accent1">
+              <a:shade val="50000"/>
+            </a:schemeClr>
+          </a:lnRef>
+          <a:fillRef idx="1">
+            <a:schemeClr val="accent1"/>
+          </a:fillRef>
+          <a:effectRef idx="0">
+            <a:schemeClr val="accent1"/>
+          </a:effectRef>
+          <a:fontRef idx="minor">
+            <a:schemeClr val="lt1"/>
+          </a:fontRef>
+        </p:style>
+        <p:txBody>
+          <a:bodyPr rtlCol="0" anchor="ctr"/>
+          <a:lstStyle/>
+          <a:p>
+            <a:pPr algn="ctr"/>
+            <a:r>
+              <a:rPr lang="pl-PL" dirty="0" smtClean="0"/>
+              <a:t>Service</a:t>
+            </a:r>
+          </a:p>
+          <a:p>
+            <a:pPr algn="ctr"/>
+            <a:endParaRPr lang="pl-PL" dirty="0"/>
+          </a:p>
+        </p:txBody>
+      </p:sp>
+      <p:sp>
+        <p:nvSpPr>
+          <p:cNvPr id="8" name="Can 7"/>
+          <p:cNvSpPr/>
+          <p:nvPr/>
+        </p:nvSpPr>
+        <p:spPr>
+          <a:xfrm>
+            <a:off x="9222347" y="3241253"/>
+            <a:ext cx="914400" cy="1216152"/>
+          </a:xfrm>
+          <a:prstGeom prst="can">
+            <a:avLst/>
+          </a:prstGeom>
+        </p:spPr>
+        <p:style>
+          <a:lnRef idx="2">
+            <a:schemeClr val="accent1">
+              <a:shade val="50000"/>
+            </a:schemeClr>
+          </a:lnRef>
+          <a:fillRef idx="1">
+            <a:schemeClr val="accent1"/>
+          </a:fillRef>
+          <a:effectRef idx="0">
+            <a:schemeClr val="accent1"/>
+          </a:effectRef>
+          <a:fontRef idx="minor">
+            <a:schemeClr val="lt1"/>
+          </a:fontRef>
+        </p:style>
+        <p:txBody>
+          <a:bodyPr rtlCol="0" anchor="ctr"/>
+          <a:lstStyle/>
+          <a:p>
+            <a:pPr algn="ctr"/>
+            <a:r>
+              <a:rPr lang="pl-PL" dirty="0" smtClean="0"/>
+              <a:t>DB</a:t>
+            </a:r>
+          </a:p>
+        </p:txBody>
+      </p:sp>
+      <p:sp>
+        <p:nvSpPr>
+          <p:cNvPr id="9" name="Right Arrow 8"/>
+          <p:cNvSpPr/>
+          <p:nvPr/>
+        </p:nvSpPr>
+        <p:spPr>
+          <a:xfrm>
+            <a:off x="1823446" y="3537521"/>
+            <a:ext cx="978408" cy="484632"/>
+          </a:xfrm>
+          <a:prstGeom prst="rightArrow">
+            <a:avLst/>
+          </a:prstGeom>
+        </p:spPr>
+        <p:style>
+          <a:lnRef idx="2">
+            <a:schemeClr val="accent1">
+              <a:shade val="50000"/>
+            </a:schemeClr>
+          </a:lnRef>
+          <a:fillRef idx="1">
+            <a:schemeClr val="accent1"/>
+          </a:fillRef>
+          <a:effectRef idx="0">
+            <a:schemeClr val="accent1"/>
+          </a:effectRef>
+          <a:fontRef idx="minor">
+            <a:schemeClr val="lt1"/>
+          </a:fontRef>
+        </p:style>
+        <p:txBody>
+          <a:bodyPr rtlCol="0" anchor="ctr"/>
+          <a:lstStyle/>
+          <a:p>
+            <a:pPr algn="ctr"/>
+            <a:endParaRPr lang="pl-PL" dirty="0"/>
+          </a:p>
+        </p:txBody>
+      </p:sp>
+      <p:sp>
+        <p:nvSpPr>
+          <p:cNvPr id="10" name="Right Arrow 9"/>
+          <p:cNvSpPr/>
+          <p:nvPr/>
+        </p:nvSpPr>
+        <p:spPr>
+          <a:xfrm>
+            <a:off x="4823301" y="3507106"/>
+            <a:ext cx="978408" cy="484632"/>
+          </a:xfrm>
+          <a:prstGeom prst="rightArrow">
+            <a:avLst/>
+          </a:prstGeom>
+        </p:spPr>
+        <p:style>
+          <a:lnRef idx="2">
+            <a:schemeClr val="accent1">
+              <a:shade val="50000"/>
+            </a:schemeClr>
+          </a:lnRef>
+          <a:fillRef idx="1">
+            <a:schemeClr val="accent1"/>
+          </a:fillRef>
+          <a:effectRef idx="0">
+            <a:schemeClr val="accent1"/>
+          </a:effectRef>
+          <a:fontRef idx="minor">
+            <a:schemeClr val="lt1"/>
+          </a:fontRef>
+        </p:style>
+        <p:txBody>
+          <a:bodyPr rtlCol="0" anchor="ctr"/>
+          <a:lstStyle/>
+          <a:p>
+            <a:pPr algn="ctr"/>
+            <a:endParaRPr lang="pl-PL" dirty="0"/>
+          </a:p>
+        </p:txBody>
+      </p:sp>
+      <p:sp>
+        <p:nvSpPr>
+          <p:cNvPr id="12" name="Cube 11"/>
+          <p:cNvSpPr/>
+          <p:nvPr/>
+        </p:nvSpPr>
+        <p:spPr>
+          <a:xfrm>
+            <a:off x="5292956" y="4304336"/>
+            <a:ext cx="1409263" cy="1409263"/>
+          </a:xfrm>
+          <a:prstGeom prst="cube">
+            <a:avLst/>
+          </a:prstGeom>
+        </p:spPr>
+        <p:style>
+          <a:lnRef idx="2">
+            <a:schemeClr val="accent1">
+              <a:shade val="50000"/>
+            </a:schemeClr>
+          </a:lnRef>
+          <a:fillRef idx="1">
+            <a:schemeClr val="accent1"/>
+          </a:fillRef>
+          <a:effectRef idx="0">
+            <a:schemeClr val="accent1"/>
+          </a:effectRef>
+          <a:fontRef idx="minor">
+            <a:schemeClr val="lt1"/>
+          </a:fontRef>
+        </p:style>
+        <p:txBody>
+          <a:bodyPr rtlCol="0" anchor="ctr"/>
+          <a:lstStyle/>
+          <a:p>
+            <a:pPr algn="ctr"/>
+            <a:r>
+              <a:rPr lang="pl-PL" sz="1200" dirty="0" err="1" smtClean="0"/>
+              <a:t>Repository</a:t>
+            </a:r>
+            <a:endParaRPr lang="pl-PL" sz="1200" dirty="0" smtClean="0"/>
+          </a:p>
+          <a:p>
+            <a:pPr algn="ctr"/>
+            <a:endParaRPr lang="pl-PL" sz="1200" dirty="0"/>
+          </a:p>
+        </p:txBody>
+      </p:sp>
+      <p:sp>
+        <p:nvSpPr>
+          <p:cNvPr id="14" name="Cube 13"/>
+          <p:cNvSpPr/>
+          <p:nvPr/>
+        </p:nvSpPr>
+        <p:spPr>
+          <a:xfrm>
+            <a:off x="6587013" y="4304335"/>
+            <a:ext cx="1409263" cy="1409263"/>
+          </a:xfrm>
+          <a:prstGeom prst="cube">
+            <a:avLst/>
+          </a:prstGeom>
+        </p:spPr>
+        <p:style>
+          <a:lnRef idx="2">
+            <a:schemeClr val="accent1">
+              <a:shade val="50000"/>
+            </a:schemeClr>
+          </a:lnRef>
+          <a:fillRef idx="1">
+            <a:schemeClr val="accent1"/>
+          </a:fillRef>
+          <a:effectRef idx="0">
+            <a:schemeClr val="accent1"/>
+          </a:effectRef>
+          <a:fontRef idx="minor">
+            <a:schemeClr val="lt1"/>
+          </a:fontRef>
+        </p:style>
+        <p:txBody>
+          <a:bodyPr rtlCol="0" anchor="ctr"/>
+          <a:lstStyle/>
+          <a:p>
+            <a:pPr algn="ctr"/>
+            <a:r>
+              <a:rPr lang="pl-PL" sz="1200" dirty="0" smtClean="0"/>
+              <a:t>ORM</a:t>
+            </a:r>
+          </a:p>
+          <a:p>
+            <a:pPr algn="ctr"/>
+            <a:endParaRPr lang="pl-PL" sz="1200" dirty="0"/>
+          </a:p>
+        </p:txBody>
+      </p:sp>
+      <p:sp>
+        <p:nvSpPr>
+          <p:cNvPr id="13" name="TextBox 12"/>
+          <p:cNvSpPr txBox="1"/>
+          <p:nvPr/>
+        </p:nvSpPr>
+        <p:spPr>
+          <a:xfrm>
+            <a:off x="2895600" y="2626870"/>
+            <a:ext cx="2255746" cy="369332"/>
+          </a:xfrm>
+          <a:prstGeom prst="rect">
+            <a:avLst/>
+          </a:prstGeom>
+          <a:noFill/>
+        </p:spPr>
+        <p:txBody>
+          <a:bodyPr wrap="none" rtlCol="0">
+            <a:spAutoFit/>
+          </a:bodyPr>
+          <a:lstStyle/>
+          <a:p>
+            <a:r>
+              <a:rPr lang="pl-PL" dirty="0" err="1" smtClean="0"/>
+              <a:t>AccountController</a:t>
+            </a:r>
+            <a:endParaRPr lang="pl-PL" dirty="0"/>
+          </a:p>
+        </p:txBody>
+      </p:sp>
+      <p:sp>
+        <p:nvSpPr>
+          <p:cNvPr id="15" name="TextBox 14"/>
+          <p:cNvSpPr txBox="1"/>
+          <p:nvPr/>
+        </p:nvSpPr>
+        <p:spPr>
+          <a:xfrm>
+            <a:off x="6162687" y="2626870"/>
+            <a:ext cx="1975221" cy="369332"/>
+          </a:xfrm>
+          <a:prstGeom prst="rect">
+            <a:avLst/>
+          </a:prstGeom>
+          <a:noFill/>
+        </p:spPr>
+        <p:txBody>
+          <a:bodyPr wrap="none" rtlCol="0">
+            <a:spAutoFit/>
+          </a:bodyPr>
+          <a:lstStyle/>
+          <a:p>
+            <a:r>
+              <a:rPr lang="pl-PL" dirty="0" err="1" smtClean="0"/>
+              <a:t>AccountService</a:t>
+            </a:r>
+            <a:endParaRPr lang="pl-PL" dirty="0" smtClean="0"/>
+          </a:p>
+        </p:txBody>
+      </p:sp>
+      <p:sp>
+        <p:nvSpPr>
+          <p:cNvPr id="16" name="TextBox 15"/>
+          <p:cNvSpPr txBox="1"/>
+          <p:nvPr/>
+        </p:nvSpPr>
+        <p:spPr>
+          <a:xfrm>
+            <a:off x="4265544" y="5841530"/>
+            <a:ext cx="2321469" cy="369332"/>
+          </a:xfrm>
+          <a:prstGeom prst="rect">
+            <a:avLst/>
+          </a:prstGeom>
+          <a:noFill/>
+        </p:spPr>
+        <p:txBody>
+          <a:bodyPr wrap="none" rtlCol="0">
+            <a:spAutoFit/>
+          </a:bodyPr>
+          <a:lstStyle/>
+          <a:p>
+            <a:r>
+              <a:rPr lang="pl-PL" dirty="0" err="1" smtClean="0"/>
+              <a:t>AccountRepository</a:t>
+            </a:r>
+            <a:endParaRPr lang="pl-PL" dirty="0" smtClean="0"/>
+          </a:p>
+        </p:txBody>
+      </p:sp>
+      <p:sp>
+        <p:nvSpPr>
+          <p:cNvPr id="17" name="TextBox 16"/>
+          <p:cNvSpPr txBox="1"/>
+          <p:nvPr/>
+        </p:nvSpPr>
+        <p:spPr>
+          <a:xfrm>
+            <a:off x="6702219" y="5817839"/>
+            <a:ext cx="1903085" cy="369332"/>
+          </a:xfrm>
+          <a:prstGeom prst="rect">
+            <a:avLst/>
+          </a:prstGeom>
+          <a:noFill/>
+        </p:spPr>
+        <p:txBody>
+          <a:bodyPr wrap="none" rtlCol="0">
+            <a:spAutoFit/>
+          </a:bodyPr>
+          <a:lstStyle/>
+          <a:p>
+            <a:r>
+              <a:rPr lang="pl-PL" dirty="0" err="1" smtClean="0"/>
+              <a:t>Account</a:t>
+            </a:r>
+            <a:r>
+              <a:rPr lang="pl-PL" dirty="0" smtClean="0"/>
+              <a:t> </a:t>
+            </a:r>
+            <a:r>
+              <a:rPr lang="pl-PL" dirty="0" err="1" smtClean="0"/>
+              <a:t>DbSet</a:t>
+            </a:r>
+            <a:endParaRPr lang="pl-PL" dirty="0" smtClean="0"/>
+          </a:p>
+        </p:txBody>
+      </p:sp>
+      <p:sp>
+        <p:nvSpPr>
+          <p:cNvPr id="18" name="TextBox 17"/>
+          <p:cNvSpPr txBox="1"/>
+          <p:nvPr/>
+        </p:nvSpPr>
+        <p:spPr>
+          <a:xfrm>
+            <a:off x="9112675" y="2637540"/>
+            <a:ext cx="1838965" cy="369332"/>
+          </a:xfrm>
+          <a:prstGeom prst="rect">
+            <a:avLst/>
+          </a:prstGeom>
+          <a:noFill/>
+        </p:spPr>
+        <p:txBody>
+          <a:bodyPr wrap="none" rtlCol="0">
+            <a:spAutoFit/>
+          </a:bodyPr>
+          <a:lstStyle/>
+          <a:p>
+            <a:r>
+              <a:rPr lang="pl-PL" dirty="0" err="1" smtClean="0"/>
+              <a:t>Account</a:t>
+            </a:r>
+            <a:r>
+              <a:rPr lang="pl-PL" dirty="0" smtClean="0"/>
+              <a:t> </a:t>
+            </a:r>
+            <a:r>
+              <a:rPr lang="pl-PL" dirty="0" err="1" smtClean="0"/>
+              <a:t>Table</a:t>
+            </a:r>
+            <a:endParaRPr lang="pl-PL" dirty="0" smtClean="0"/>
+          </a:p>
+        </p:txBody>
+      </p:sp>
+      <p:sp>
+        <p:nvSpPr>
+          <p:cNvPr id="19" name="Down Arrow 18"/>
+          <p:cNvSpPr/>
+          <p:nvPr/>
+        </p:nvSpPr>
+        <p:spPr>
+          <a:xfrm>
+            <a:off x="5918534" y="4060172"/>
+            <a:ext cx="419968" cy="783060"/>
+          </a:xfrm>
+          <a:prstGeom prst="downArrow">
+            <a:avLst/>
+          </a:prstGeom>
+        </p:spPr>
+        <p:style>
+          <a:lnRef idx="2">
+            <a:schemeClr val="accent6">
+              <a:shade val="50000"/>
+            </a:schemeClr>
+          </a:lnRef>
+          <a:fillRef idx="1">
+            <a:schemeClr val="accent6"/>
+          </a:fillRef>
+          <a:effectRef idx="0">
+            <a:schemeClr val="accent6"/>
+          </a:effectRef>
+          <a:fontRef idx="minor">
+            <a:schemeClr val="lt1"/>
+          </a:fontRef>
+        </p:style>
+        <p:txBody>
+          <a:bodyPr rtlCol="0" anchor="ctr"/>
+          <a:lstStyle/>
+          <a:p>
+            <a:pPr algn="ctr"/>
+            <a:endParaRPr lang="pl-PL"/>
+          </a:p>
+        </p:txBody>
+      </p:sp>
+      <p:sp>
+        <p:nvSpPr>
+          <p:cNvPr id="20" name="Down Arrow 19"/>
+          <p:cNvSpPr/>
+          <p:nvPr/>
+        </p:nvSpPr>
+        <p:spPr>
+          <a:xfrm rot="16200000">
+            <a:off x="6377029" y="5112084"/>
+            <a:ext cx="419968" cy="783060"/>
+          </a:xfrm>
+          <a:prstGeom prst="downArrow">
+            <a:avLst/>
+          </a:prstGeom>
+        </p:spPr>
+        <p:style>
+          <a:lnRef idx="2">
+            <a:schemeClr val="accent6">
+              <a:shade val="50000"/>
+            </a:schemeClr>
+          </a:lnRef>
+          <a:fillRef idx="1">
+            <a:schemeClr val="accent6"/>
+          </a:fillRef>
+          <a:effectRef idx="0">
+            <a:schemeClr val="accent6"/>
+          </a:effectRef>
+          <a:fontRef idx="minor">
+            <a:schemeClr val="lt1"/>
+          </a:fontRef>
+        </p:style>
+        <p:txBody>
+          <a:bodyPr rtlCol="0" anchor="ctr"/>
+          <a:lstStyle/>
+          <a:p>
+            <a:pPr algn="ctr"/>
+            <a:endParaRPr lang="pl-PL"/>
+          </a:p>
+        </p:txBody>
+      </p:sp>
+      <p:sp>
+        <p:nvSpPr>
+          <p:cNvPr id="21" name="Down Arrow 20"/>
+          <p:cNvSpPr/>
+          <p:nvPr/>
+        </p:nvSpPr>
+        <p:spPr>
+          <a:xfrm rot="14277274">
+            <a:off x="8399327" y="4200824"/>
+            <a:ext cx="419968" cy="783060"/>
+          </a:xfrm>
+          <a:prstGeom prst="downArrow">
+            <a:avLst/>
+          </a:prstGeom>
+        </p:spPr>
+        <p:style>
+          <a:lnRef idx="2">
+            <a:schemeClr val="accent6">
+              <a:shade val="50000"/>
+            </a:schemeClr>
+          </a:lnRef>
+          <a:fillRef idx="1">
+            <a:schemeClr val="accent6"/>
+          </a:fillRef>
+          <a:effectRef idx="0">
+            <a:schemeClr val="accent6"/>
+          </a:effectRef>
+          <a:fontRef idx="minor">
+            <a:schemeClr val="lt1"/>
+          </a:fontRef>
+        </p:style>
+        <p:txBody>
+          <a:bodyPr rtlCol="0" anchor="ctr"/>
+          <a:lstStyle/>
+          <a:p>
+            <a:pPr algn="ctr"/>
+            <a:endParaRPr lang="pl-PL"/>
+          </a:p>
+        </p:txBody>
+      </p:sp>
+      <p:sp>
+        <p:nvSpPr>
+          <p:cNvPr id="3" name="Rectangle 2"/>
+          <p:cNvSpPr/>
+          <p:nvPr/>
+        </p:nvSpPr>
+        <p:spPr>
+          <a:xfrm>
+            <a:off x="4141714" y="4252205"/>
+            <a:ext cx="1698785" cy="570098"/>
+          </a:xfrm>
+          <a:prstGeom prst="rect">
+            <a:avLst/>
+          </a:prstGeom>
+        </p:spPr>
+        <p:style>
+          <a:lnRef idx="1">
+            <a:schemeClr val="accent5"/>
+          </a:lnRef>
+          <a:fillRef idx="2">
+            <a:schemeClr val="accent5"/>
+          </a:fillRef>
+          <a:effectRef idx="1">
+            <a:schemeClr val="accent5"/>
+          </a:effectRef>
+          <a:fontRef idx="minor">
+            <a:schemeClr val="dk1"/>
+          </a:fontRef>
+        </p:style>
+        <p:txBody>
+          <a:bodyPr rtlCol="0" anchor="ctr"/>
+          <a:lstStyle/>
+          <a:p>
+            <a:pPr algn="ctr"/>
+            <a:r>
+              <a:rPr lang="pl-PL" dirty="0" err="1" smtClean="0"/>
+              <a:t>AccountDTO</a:t>
+            </a:r>
+            <a:endParaRPr lang="pl-PL" dirty="0"/>
+          </a:p>
+        </p:txBody>
+      </p:sp>
+      <p:sp>
+        <p:nvSpPr>
+          <p:cNvPr id="22" name="Rectangle 21"/>
+          <p:cNvSpPr/>
+          <p:nvPr/>
+        </p:nvSpPr>
+        <p:spPr>
+          <a:xfrm>
+            <a:off x="7197049" y="5195621"/>
+            <a:ext cx="1915625" cy="570098"/>
+          </a:xfrm>
+          <a:prstGeom prst="rect">
+            <a:avLst/>
+          </a:prstGeom>
+        </p:spPr>
+        <p:style>
+          <a:lnRef idx="1">
+            <a:schemeClr val="accent5"/>
+          </a:lnRef>
+          <a:fillRef idx="2">
+            <a:schemeClr val="accent5"/>
+          </a:fillRef>
+          <a:effectRef idx="1">
+            <a:schemeClr val="accent5"/>
+          </a:effectRef>
+          <a:fontRef idx="minor">
+            <a:schemeClr val="dk1"/>
+          </a:fontRef>
+        </p:style>
+        <p:txBody>
+          <a:bodyPr rtlCol="0" anchor="ctr"/>
+          <a:lstStyle/>
+          <a:p>
+            <a:pPr algn="ctr"/>
+            <a:r>
+              <a:rPr lang="pl-PL" dirty="0" err="1" smtClean="0"/>
+              <a:t>AccountEntity</a:t>
+            </a:r>
+            <a:endParaRPr lang="pl-PL" dirty="0"/>
+          </a:p>
+        </p:txBody>
+      </p:sp>
+      <p:sp>
+        <p:nvSpPr>
+          <p:cNvPr id="23" name="Rectangle 22"/>
+          <p:cNvSpPr/>
+          <p:nvPr/>
+        </p:nvSpPr>
+        <p:spPr>
+          <a:xfrm>
+            <a:off x="4823301" y="5266399"/>
+            <a:ext cx="1308100" cy="570098"/>
+          </a:xfrm>
+          <a:prstGeom prst="rect">
+            <a:avLst/>
+          </a:prstGeom>
+        </p:spPr>
+        <p:style>
+          <a:lnRef idx="0">
+            <a:schemeClr val="accent3"/>
+          </a:lnRef>
+          <a:fillRef idx="3">
+            <a:schemeClr val="accent3"/>
+          </a:fillRef>
+          <a:effectRef idx="3">
+            <a:schemeClr val="accent3"/>
+          </a:effectRef>
+          <a:fontRef idx="minor">
+            <a:schemeClr val="lt1"/>
+          </a:fontRef>
+        </p:style>
+        <p:txBody>
+          <a:bodyPr rtlCol="0" anchor="ctr"/>
+          <a:lstStyle/>
+          <a:p>
+            <a:pPr algn="ctr"/>
+            <a:r>
+              <a:rPr lang="pl-PL" dirty="0" err="1" smtClean="0"/>
+              <a:t>Mapping</a:t>
+            </a:r>
+            <a:endParaRPr lang="pl-PL" dirty="0"/>
+          </a:p>
+        </p:txBody>
+      </p:sp>
+    </p:spTree>
+    <p:extLst>
+      <p:ext uri="{BB962C8B-B14F-4D97-AF65-F5344CB8AC3E}">
+        <p14:creationId xmlns:p14="http://schemas.microsoft.com/office/powerpoint/2010/main" val="3814079234"/>
+      </p:ext>
+    </p:extLst>
+  </p:cSld>
+  <p:clrMapOvr>
+    <a:masterClrMapping/>
+  </p:clrMapOvr>
+  <p:timing>
+    <p:tnLst>
+      <p:par>
+        <p:cTn id="1" dur="indefinite" restart="never" nodeType="tmRoot"/>
+      </p:par>
+    </p:tnLst>
+  </p:timing>
 </p:sld>
 </file>
 
@@ -11059,6 +12540,1546 @@
     <p:extLst>
       <p:ext uri="{BB962C8B-B14F-4D97-AF65-F5344CB8AC3E}">
         <p14:creationId xmlns:p14="http://schemas.microsoft.com/office/powerpoint/2010/main" val="3592099808"/>
+      </p:ext>
+    </p:extLst>
+  </p:cSld>
+  <p:clrMapOvr>
+    <a:masterClrMapping/>
+  </p:clrMapOvr>
+  <p:timing>
+    <p:tnLst>
+      <p:par>
+        <p:cTn id="1" dur="indefinite" restart="never" nodeType="tmRoot"/>
+      </p:par>
+    </p:tnLst>
+  </p:timing>
+</p:sld>
+</file>
+
+<file path=ppt/slides/slide30.xml><?xml version="1.0" encoding="utf-8"?>
+<p:sld xmlns:a="http://schemas.openxmlformats.org/drawingml/2006/main" xmlns:r="http://schemas.openxmlformats.org/officeDocument/2006/relationships" xmlns:p="http://schemas.openxmlformats.org/presentationml/2006/main">
+  <p:cSld>
+    <p:spTree>
+      <p:nvGrpSpPr>
+        <p:cNvPr id="1" name=""/>
+        <p:cNvGrpSpPr/>
+        <p:nvPr/>
+      </p:nvGrpSpPr>
+      <p:grpSpPr>
+        <a:xfrm>
+          <a:off x="0" y="0"/>
+          <a:ext cx="0" cy="0"/>
+          <a:chOff x="0" y="0"/>
+          <a:chExt cx="0" cy="0"/>
+        </a:xfrm>
+      </p:grpSpPr>
+      <p:sp>
+        <p:nvSpPr>
+          <p:cNvPr id="2" name="Title 1"/>
+          <p:cNvSpPr>
+            <a:spLocks noGrp="1"/>
+          </p:cNvSpPr>
+          <p:nvPr>
+            <p:ph type="title"/>
+          </p:nvPr>
+        </p:nvSpPr>
+        <p:spPr/>
+        <p:txBody>
+          <a:bodyPr>
+            <a:normAutofit/>
+          </a:bodyPr>
+          <a:lstStyle/>
+          <a:p>
+            <a:r>
+              <a:rPr lang="pl-PL" dirty="0"/>
+              <a:t>Czemu CQRS to krok wstecz i dwa do przodu</a:t>
+            </a:r>
+          </a:p>
+        </p:txBody>
+      </p:sp>
+      <p:sp>
+        <p:nvSpPr>
+          <p:cNvPr id="5" name="Cloud Callout 4"/>
+          <p:cNvSpPr/>
+          <p:nvPr/>
+        </p:nvSpPr>
+        <p:spPr>
+          <a:xfrm>
+            <a:off x="2801854" y="3121371"/>
+            <a:ext cx="1994080" cy="1336034"/>
+          </a:xfrm>
+          <a:prstGeom prst="cloudCallout">
+            <a:avLst/>
+          </a:prstGeom>
+        </p:spPr>
+        <p:style>
+          <a:lnRef idx="2">
+            <a:schemeClr val="accent1">
+              <a:shade val="50000"/>
+            </a:schemeClr>
+          </a:lnRef>
+          <a:fillRef idx="1">
+            <a:schemeClr val="accent1"/>
+          </a:fillRef>
+          <a:effectRef idx="0">
+            <a:schemeClr val="accent1"/>
+          </a:effectRef>
+          <a:fontRef idx="minor">
+            <a:schemeClr val="lt1"/>
+          </a:fontRef>
+        </p:style>
+        <p:txBody>
+          <a:bodyPr rtlCol="0" anchor="ctr"/>
+          <a:lstStyle/>
+          <a:p>
+            <a:pPr algn="ctr"/>
+            <a:r>
+              <a:rPr lang="pl-PL" dirty="0" smtClean="0"/>
+              <a:t>Controller</a:t>
+            </a:r>
+            <a:endParaRPr lang="pl-PL" dirty="0"/>
+          </a:p>
+        </p:txBody>
+      </p:sp>
+      <p:sp>
+        <p:nvSpPr>
+          <p:cNvPr id="6" name="Smiley Face 5"/>
+          <p:cNvSpPr/>
+          <p:nvPr/>
+        </p:nvSpPr>
+        <p:spPr>
+          <a:xfrm>
+            <a:off x="685800" y="3292222"/>
+            <a:ext cx="914400" cy="914400"/>
+          </a:xfrm>
+          <a:prstGeom prst="smileyFace">
+            <a:avLst/>
+          </a:prstGeom>
+        </p:spPr>
+        <p:style>
+          <a:lnRef idx="2">
+            <a:schemeClr val="accent1">
+              <a:shade val="50000"/>
+            </a:schemeClr>
+          </a:lnRef>
+          <a:fillRef idx="1">
+            <a:schemeClr val="accent1"/>
+          </a:fillRef>
+          <a:effectRef idx="0">
+            <a:schemeClr val="accent1"/>
+          </a:effectRef>
+          <a:fontRef idx="minor">
+            <a:schemeClr val="lt1"/>
+          </a:fontRef>
+        </p:style>
+        <p:txBody>
+          <a:bodyPr rtlCol="0" anchor="ctr"/>
+          <a:lstStyle/>
+          <a:p>
+            <a:pPr algn="ctr"/>
+            <a:endParaRPr lang="pl-PL" dirty="0"/>
+          </a:p>
+        </p:txBody>
+      </p:sp>
+      <p:sp>
+        <p:nvSpPr>
+          <p:cNvPr id="7" name="Cube 6"/>
+          <p:cNvSpPr/>
+          <p:nvPr/>
+        </p:nvSpPr>
+        <p:spPr>
+          <a:xfrm>
+            <a:off x="6036264" y="3121371"/>
+            <a:ext cx="1786936" cy="1409263"/>
+          </a:xfrm>
+          <a:prstGeom prst="cube">
+            <a:avLst/>
+          </a:prstGeom>
+        </p:spPr>
+        <p:style>
+          <a:lnRef idx="2">
+            <a:schemeClr val="accent1">
+              <a:shade val="50000"/>
+            </a:schemeClr>
+          </a:lnRef>
+          <a:fillRef idx="1">
+            <a:schemeClr val="accent1"/>
+          </a:fillRef>
+          <a:effectRef idx="0">
+            <a:schemeClr val="accent1"/>
+          </a:effectRef>
+          <a:fontRef idx="minor">
+            <a:schemeClr val="lt1"/>
+          </a:fontRef>
+        </p:style>
+        <p:txBody>
+          <a:bodyPr rtlCol="0" anchor="ctr"/>
+          <a:lstStyle/>
+          <a:p>
+            <a:pPr algn="ctr"/>
+            <a:r>
+              <a:rPr lang="pl-PL" dirty="0" err="1" smtClean="0"/>
+              <a:t>Command</a:t>
+            </a:r>
+            <a:r>
+              <a:rPr lang="pl-PL" dirty="0" smtClean="0"/>
+              <a:t> handler</a:t>
+            </a:r>
+          </a:p>
+          <a:p>
+            <a:pPr algn="ctr"/>
+            <a:endParaRPr lang="pl-PL" dirty="0"/>
+          </a:p>
+        </p:txBody>
+      </p:sp>
+      <p:sp>
+        <p:nvSpPr>
+          <p:cNvPr id="8" name="Can 7"/>
+          <p:cNvSpPr/>
+          <p:nvPr/>
+        </p:nvSpPr>
+        <p:spPr>
+          <a:xfrm>
+            <a:off x="9222347" y="3241253"/>
+            <a:ext cx="914400" cy="1216152"/>
+          </a:xfrm>
+          <a:prstGeom prst="can">
+            <a:avLst/>
+          </a:prstGeom>
+        </p:spPr>
+        <p:style>
+          <a:lnRef idx="2">
+            <a:schemeClr val="accent1">
+              <a:shade val="50000"/>
+            </a:schemeClr>
+          </a:lnRef>
+          <a:fillRef idx="1">
+            <a:schemeClr val="accent1"/>
+          </a:fillRef>
+          <a:effectRef idx="0">
+            <a:schemeClr val="accent1"/>
+          </a:effectRef>
+          <a:fontRef idx="minor">
+            <a:schemeClr val="lt1"/>
+          </a:fontRef>
+        </p:style>
+        <p:txBody>
+          <a:bodyPr rtlCol="0" anchor="ctr"/>
+          <a:lstStyle/>
+          <a:p>
+            <a:pPr algn="ctr"/>
+            <a:r>
+              <a:rPr lang="pl-PL" dirty="0" smtClean="0"/>
+              <a:t>DB</a:t>
+            </a:r>
+          </a:p>
+        </p:txBody>
+      </p:sp>
+      <p:sp>
+        <p:nvSpPr>
+          <p:cNvPr id="9" name="Right Arrow 8"/>
+          <p:cNvSpPr/>
+          <p:nvPr/>
+        </p:nvSpPr>
+        <p:spPr>
+          <a:xfrm>
+            <a:off x="1823446" y="3537521"/>
+            <a:ext cx="978408" cy="484632"/>
+          </a:xfrm>
+          <a:prstGeom prst="rightArrow">
+            <a:avLst/>
+          </a:prstGeom>
+        </p:spPr>
+        <p:style>
+          <a:lnRef idx="2">
+            <a:schemeClr val="accent1">
+              <a:shade val="50000"/>
+            </a:schemeClr>
+          </a:lnRef>
+          <a:fillRef idx="1">
+            <a:schemeClr val="accent1"/>
+          </a:fillRef>
+          <a:effectRef idx="0">
+            <a:schemeClr val="accent1"/>
+          </a:effectRef>
+          <a:fontRef idx="minor">
+            <a:schemeClr val="lt1"/>
+          </a:fontRef>
+        </p:style>
+        <p:txBody>
+          <a:bodyPr rtlCol="0" anchor="ctr"/>
+          <a:lstStyle/>
+          <a:p>
+            <a:pPr algn="ctr"/>
+            <a:endParaRPr lang="pl-PL" dirty="0"/>
+          </a:p>
+        </p:txBody>
+      </p:sp>
+      <p:sp>
+        <p:nvSpPr>
+          <p:cNvPr id="10" name="Right Arrow 9"/>
+          <p:cNvSpPr/>
+          <p:nvPr/>
+        </p:nvSpPr>
+        <p:spPr>
+          <a:xfrm>
+            <a:off x="4823301" y="3507106"/>
+            <a:ext cx="978408" cy="484632"/>
+          </a:xfrm>
+          <a:prstGeom prst="rightArrow">
+            <a:avLst/>
+          </a:prstGeom>
+        </p:spPr>
+        <p:style>
+          <a:lnRef idx="2">
+            <a:schemeClr val="accent1">
+              <a:shade val="50000"/>
+            </a:schemeClr>
+          </a:lnRef>
+          <a:fillRef idx="1">
+            <a:schemeClr val="accent1"/>
+          </a:fillRef>
+          <a:effectRef idx="0">
+            <a:schemeClr val="accent1"/>
+          </a:effectRef>
+          <a:fontRef idx="minor">
+            <a:schemeClr val="lt1"/>
+          </a:fontRef>
+        </p:style>
+        <p:txBody>
+          <a:bodyPr rtlCol="0" anchor="ctr"/>
+          <a:lstStyle/>
+          <a:p>
+            <a:pPr algn="ctr"/>
+            <a:endParaRPr lang="pl-PL" dirty="0"/>
+          </a:p>
+        </p:txBody>
+      </p:sp>
+      <p:sp>
+        <p:nvSpPr>
+          <p:cNvPr id="14" name="Cube 13"/>
+          <p:cNvSpPr/>
+          <p:nvPr/>
+        </p:nvSpPr>
+        <p:spPr>
+          <a:xfrm>
+            <a:off x="6587013" y="4304335"/>
+            <a:ext cx="1409263" cy="1409263"/>
+          </a:xfrm>
+          <a:prstGeom prst="cube">
+            <a:avLst/>
+          </a:prstGeom>
+        </p:spPr>
+        <p:style>
+          <a:lnRef idx="2">
+            <a:schemeClr val="accent1">
+              <a:shade val="50000"/>
+            </a:schemeClr>
+          </a:lnRef>
+          <a:fillRef idx="1">
+            <a:schemeClr val="accent1"/>
+          </a:fillRef>
+          <a:effectRef idx="0">
+            <a:schemeClr val="accent1"/>
+          </a:effectRef>
+          <a:fontRef idx="minor">
+            <a:schemeClr val="lt1"/>
+          </a:fontRef>
+        </p:style>
+        <p:txBody>
+          <a:bodyPr rtlCol="0" anchor="ctr"/>
+          <a:lstStyle/>
+          <a:p>
+            <a:pPr algn="ctr"/>
+            <a:r>
+              <a:rPr lang="pl-PL" sz="1200" dirty="0" smtClean="0"/>
+              <a:t>ORM</a:t>
+            </a:r>
+          </a:p>
+          <a:p>
+            <a:pPr algn="ctr"/>
+            <a:endParaRPr lang="pl-PL" sz="1200" dirty="0"/>
+          </a:p>
+        </p:txBody>
+      </p:sp>
+      <p:sp>
+        <p:nvSpPr>
+          <p:cNvPr id="13" name="TextBox 12"/>
+          <p:cNvSpPr txBox="1"/>
+          <p:nvPr/>
+        </p:nvSpPr>
+        <p:spPr>
+          <a:xfrm>
+            <a:off x="2895600" y="2626870"/>
+            <a:ext cx="1734770" cy="369332"/>
+          </a:xfrm>
+          <a:prstGeom prst="rect">
+            <a:avLst/>
+          </a:prstGeom>
+          <a:noFill/>
+        </p:spPr>
+        <p:txBody>
+          <a:bodyPr wrap="none" rtlCol="0">
+            <a:spAutoFit/>
+          </a:bodyPr>
+          <a:lstStyle/>
+          <a:p>
+            <a:r>
+              <a:rPr lang="pl-PL" dirty="0" err="1" smtClean="0"/>
+              <a:t>UserController</a:t>
+            </a:r>
+            <a:endParaRPr lang="pl-PL" dirty="0"/>
+          </a:p>
+        </p:txBody>
+      </p:sp>
+      <p:sp>
+        <p:nvSpPr>
+          <p:cNvPr id="15" name="TextBox 14"/>
+          <p:cNvSpPr txBox="1"/>
+          <p:nvPr/>
+        </p:nvSpPr>
+        <p:spPr>
+          <a:xfrm>
+            <a:off x="5580103" y="2637540"/>
+            <a:ext cx="3241593" cy="369332"/>
+          </a:xfrm>
+          <a:prstGeom prst="rect">
+            <a:avLst/>
+          </a:prstGeom>
+          <a:noFill/>
+        </p:spPr>
+        <p:txBody>
+          <a:bodyPr wrap="none" rtlCol="0">
+            <a:spAutoFit/>
+          </a:bodyPr>
+          <a:lstStyle/>
+          <a:p>
+            <a:r>
+              <a:rPr lang="pl-PL" dirty="0" err="1" smtClean="0"/>
+              <a:t>AddUserCommandHandler</a:t>
+            </a:r>
+            <a:endParaRPr lang="pl-PL" dirty="0" smtClean="0"/>
+          </a:p>
+        </p:txBody>
+      </p:sp>
+      <p:sp>
+        <p:nvSpPr>
+          <p:cNvPr id="17" name="TextBox 16"/>
+          <p:cNvSpPr txBox="1"/>
+          <p:nvPr/>
+        </p:nvSpPr>
+        <p:spPr>
+          <a:xfrm>
+            <a:off x="6702219" y="5817839"/>
+            <a:ext cx="1382110" cy="369332"/>
+          </a:xfrm>
+          <a:prstGeom prst="rect">
+            <a:avLst/>
+          </a:prstGeom>
+          <a:noFill/>
+        </p:spPr>
+        <p:txBody>
+          <a:bodyPr wrap="none" rtlCol="0">
+            <a:spAutoFit/>
+          </a:bodyPr>
+          <a:lstStyle/>
+          <a:p>
+            <a:r>
+              <a:rPr lang="pl-PL" dirty="0" smtClean="0"/>
+              <a:t>User </a:t>
+            </a:r>
+            <a:r>
+              <a:rPr lang="pl-PL" dirty="0" err="1" smtClean="0"/>
+              <a:t>DbSet</a:t>
+            </a:r>
+            <a:endParaRPr lang="pl-PL" dirty="0" smtClean="0"/>
+          </a:p>
+        </p:txBody>
+      </p:sp>
+      <p:sp>
+        <p:nvSpPr>
+          <p:cNvPr id="18" name="TextBox 17"/>
+          <p:cNvSpPr txBox="1"/>
+          <p:nvPr/>
+        </p:nvSpPr>
+        <p:spPr>
+          <a:xfrm>
+            <a:off x="9112675" y="2637540"/>
+            <a:ext cx="1317990" cy="369332"/>
+          </a:xfrm>
+          <a:prstGeom prst="rect">
+            <a:avLst/>
+          </a:prstGeom>
+          <a:noFill/>
+        </p:spPr>
+        <p:txBody>
+          <a:bodyPr wrap="none" rtlCol="0">
+            <a:spAutoFit/>
+          </a:bodyPr>
+          <a:lstStyle/>
+          <a:p>
+            <a:r>
+              <a:rPr lang="pl-PL" dirty="0" smtClean="0"/>
+              <a:t>User </a:t>
+            </a:r>
+            <a:r>
+              <a:rPr lang="pl-PL" dirty="0" err="1" smtClean="0"/>
+              <a:t>Table</a:t>
+            </a:r>
+            <a:endParaRPr lang="pl-PL" dirty="0" smtClean="0"/>
+          </a:p>
+        </p:txBody>
+      </p:sp>
+      <p:sp>
+        <p:nvSpPr>
+          <p:cNvPr id="19" name="Down Arrow 18"/>
+          <p:cNvSpPr/>
+          <p:nvPr/>
+        </p:nvSpPr>
+        <p:spPr>
+          <a:xfrm>
+            <a:off x="6870845" y="4123579"/>
+            <a:ext cx="419968" cy="783060"/>
+          </a:xfrm>
+          <a:prstGeom prst="downArrow">
+            <a:avLst/>
+          </a:prstGeom>
+        </p:spPr>
+        <p:style>
+          <a:lnRef idx="2">
+            <a:schemeClr val="accent6">
+              <a:shade val="50000"/>
+            </a:schemeClr>
+          </a:lnRef>
+          <a:fillRef idx="1">
+            <a:schemeClr val="accent6"/>
+          </a:fillRef>
+          <a:effectRef idx="0">
+            <a:schemeClr val="accent6"/>
+          </a:effectRef>
+          <a:fontRef idx="minor">
+            <a:schemeClr val="lt1"/>
+          </a:fontRef>
+        </p:style>
+        <p:txBody>
+          <a:bodyPr rtlCol="0" anchor="ctr"/>
+          <a:lstStyle/>
+          <a:p>
+            <a:pPr algn="ctr"/>
+            <a:endParaRPr lang="pl-PL"/>
+          </a:p>
+        </p:txBody>
+      </p:sp>
+      <p:sp>
+        <p:nvSpPr>
+          <p:cNvPr id="21" name="Down Arrow 20"/>
+          <p:cNvSpPr/>
+          <p:nvPr/>
+        </p:nvSpPr>
+        <p:spPr>
+          <a:xfrm rot="14277274">
+            <a:off x="8399327" y="4200824"/>
+            <a:ext cx="419968" cy="783060"/>
+          </a:xfrm>
+          <a:prstGeom prst="downArrow">
+            <a:avLst/>
+          </a:prstGeom>
+        </p:spPr>
+        <p:style>
+          <a:lnRef idx="2">
+            <a:schemeClr val="accent6">
+              <a:shade val="50000"/>
+            </a:schemeClr>
+          </a:lnRef>
+          <a:fillRef idx="1">
+            <a:schemeClr val="accent6"/>
+          </a:fillRef>
+          <a:effectRef idx="0">
+            <a:schemeClr val="accent6"/>
+          </a:effectRef>
+          <a:fontRef idx="minor">
+            <a:schemeClr val="lt1"/>
+          </a:fontRef>
+        </p:style>
+        <p:txBody>
+          <a:bodyPr rtlCol="0" anchor="ctr"/>
+          <a:lstStyle/>
+          <a:p>
+            <a:pPr algn="ctr"/>
+            <a:endParaRPr lang="pl-PL"/>
+          </a:p>
+        </p:txBody>
+      </p:sp>
+      <p:sp>
+        <p:nvSpPr>
+          <p:cNvPr id="3" name="Rectangle 2"/>
+          <p:cNvSpPr/>
+          <p:nvPr/>
+        </p:nvSpPr>
+        <p:spPr>
+          <a:xfrm>
+            <a:off x="3390900" y="4252205"/>
+            <a:ext cx="2449599" cy="570098"/>
+          </a:xfrm>
+          <a:prstGeom prst="rect">
+            <a:avLst/>
+          </a:prstGeom>
+        </p:spPr>
+        <p:style>
+          <a:lnRef idx="1">
+            <a:schemeClr val="accent5"/>
+          </a:lnRef>
+          <a:fillRef idx="2">
+            <a:schemeClr val="accent5"/>
+          </a:fillRef>
+          <a:effectRef idx="1">
+            <a:schemeClr val="accent5"/>
+          </a:effectRef>
+          <a:fontRef idx="minor">
+            <a:schemeClr val="dk1"/>
+          </a:fontRef>
+        </p:style>
+        <p:txBody>
+          <a:bodyPr rtlCol="0" anchor="ctr"/>
+          <a:lstStyle/>
+          <a:p>
+            <a:pPr algn="ctr"/>
+            <a:r>
+              <a:rPr lang="pl-PL" dirty="0" err="1" smtClean="0"/>
+              <a:t>AddUserCommand</a:t>
+            </a:r>
+            <a:endParaRPr lang="pl-PL" dirty="0"/>
+          </a:p>
+        </p:txBody>
+      </p:sp>
+      <p:sp>
+        <p:nvSpPr>
+          <p:cNvPr id="22" name="Rectangle 21"/>
+          <p:cNvSpPr/>
+          <p:nvPr/>
+        </p:nvSpPr>
+        <p:spPr>
+          <a:xfrm>
+            <a:off x="7483564" y="5309555"/>
+            <a:ext cx="2518451" cy="570098"/>
+          </a:xfrm>
+          <a:prstGeom prst="rect">
+            <a:avLst/>
+          </a:prstGeom>
+        </p:spPr>
+        <p:style>
+          <a:lnRef idx="1">
+            <a:schemeClr val="accent5"/>
+          </a:lnRef>
+          <a:fillRef idx="2">
+            <a:schemeClr val="accent5"/>
+          </a:fillRef>
+          <a:effectRef idx="1">
+            <a:schemeClr val="accent5"/>
+          </a:effectRef>
+          <a:fontRef idx="minor">
+            <a:schemeClr val="dk1"/>
+          </a:fontRef>
+        </p:style>
+        <p:txBody>
+          <a:bodyPr rtlCol="0" anchor="ctr"/>
+          <a:lstStyle/>
+          <a:p>
+            <a:pPr algn="ctr"/>
+            <a:r>
+              <a:rPr lang="pl-PL" dirty="0" err="1" smtClean="0"/>
+              <a:t>UserWriteModel</a:t>
+            </a:r>
+            <a:endParaRPr lang="pl-PL" dirty="0"/>
+          </a:p>
+        </p:txBody>
+      </p:sp>
+    </p:spTree>
+    <p:extLst>
+      <p:ext uri="{BB962C8B-B14F-4D97-AF65-F5344CB8AC3E}">
+        <p14:creationId xmlns:p14="http://schemas.microsoft.com/office/powerpoint/2010/main" val="2802739804"/>
+      </p:ext>
+    </p:extLst>
+  </p:cSld>
+  <p:clrMapOvr>
+    <a:masterClrMapping/>
+  </p:clrMapOvr>
+  <p:timing>
+    <p:tnLst>
+      <p:par>
+        <p:cTn id="1" dur="indefinite" restart="never" nodeType="tmRoot"/>
+      </p:par>
+    </p:tnLst>
+  </p:timing>
+</p:sld>
+</file>
+
+<file path=ppt/slides/slide31.xml><?xml version="1.0" encoding="utf-8"?>
+<p:sld xmlns:a="http://schemas.openxmlformats.org/drawingml/2006/main" xmlns:r="http://schemas.openxmlformats.org/officeDocument/2006/relationships" xmlns:p="http://schemas.openxmlformats.org/presentationml/2006/main">
+  <p:cSld>
+    <p:spTree>
+      <p:nvGrpSpPr>
+        <p:cNvPr id="1" name=""/>
+        <p:cNvGrpSpPr/>
+        <p:nvPr/>
+      </p:nvGrpSpPr>
+      <p:grpSpPr>
+        <a:xfrm>
+          <a:off x="0" y="0"/>
+          <a:ext cx="0" cy="0"/>
+          <a:chOff x="0" y="0"/>
+          <a:chExt cx="0" cy="0"/>
+        </a:xfrm>
+      </p:grpSpPr>
+      <p:pic>
+        <p:nvPicPr>
+          <p:cNvPr id="4" name="Picture 3"/>
+          <p:cNvPicPr>
+            <a:picLocks noChangeAspect="1"/>
+          </p:cNvPicPr>
+          <p:nvPr/>
+        </p:nvPicPr>
+        <p:blipFill>
+          <a:blip r:embed="rId2"/>
+          <a:stretch>
+            <a:fillRect/>
+          </a:stretch>
+        </p:blipFill>
+        <p:spPr>
+          <a:xfrm>
+            <a:off x="3167276" y="3519558"/>
+            <a:ext cx="6809348" cy="2455565"/>
+          </a:xfrm>
+          <a:prstGeom prst="rect">
+            <a:avLst/>
+          </a:prstGeom>
+        </p:spPr>
+      </p:pic>
+      <p:pic>
+        <p:nvPicPr>
+          <p:cNvPr id="24" name="Picture 23"/>
+          <p:cNvPicPr>
+            <a:picLocks noChangeAspect="1"/>
+          </p:cNvPicPr>
+          <p:nvPr/>
+        </p:nvPicPr>
+        <p:blipFill>
+          <a:blip r:embed="rId3"/>
+          <a:stretch>
+            <a:fillRect/>
+          </a:stretch>
+        </p:blipFill>
+        <p:spPr>
+          <a:xfrm>
+            <a:off x="1943100" y="2460078"/>
+            <a:ext cx="7112000" cy="2454369"/>
+          </a:xfrm>
+          <a:prstGeom prst="rect">
+            <a:avLst/>
+          </a:prstGeom>
+        </p:spPr>
+      </p:pic>
+      <p:pic>
+        <p:nvPicPr>
+          <p:cNvPr id="6" name="Picture 5"/>
+          <p:cNvPicPr>
+            <a:picLocks noChangeAspect="1"/>
+          </p:cNvPicPr>
+          <p:nvPr/>
+        </p:nvPicPr>
+        <p:blipFill>
+          <a:blip r:embed="rId4"/>
+          <a:stretch>
+            <a:fillRect/>
+          </a:stretch>
+        </p:blipFill>
+        <p:spPr>
+          <a:xfrm>
+            <a:off x="2962417" y="3826963"/>
+            <a:ext cx="1019317" cy="1019317"/>
+          </a:xfrm>
+          <a:prstGeom prst="rect">
+            <a:avLst/>
+          </a:prstGeom>
+        </p:spPr>
+      </p:pic>
+      <p:pic>
+        <p:nvPicPr>
+          <p:cNvPr id="8" name="Picture 7"/>
+          <p:cNvPicPr>
+            <a:picLocks noChangeAspect="1"/>
+          </p:cNvPicPr>
+          <p:nvPr/>
+        </p:nvPicPr>
+        <p:blipFill>
+          <a:blip r:embed="rId4"/>
+          <a:stretch>
+            <a:fillRect/>
+          </a:stretch>
+        </p:blipFill>
+        <p:spPr>
+          <a:xfrm>
+            <a:off x="1852541" y="2763218"/>
+            <a:ext cx="1019317" cy="1019317"/>
+          </a:xfrm>
+          <a:prstGeom prst="rect">
+            <a:avLst/>
+          </a:prstGeom>
+        </p:spPr>
+      </p:pic>
+      <p:sp>
+        <p:nvSpPr>
+          <p:cNvPr id="9" name="Title 1"/>
+          <p:cNvSpPr txBox="1">
+            <a:spLocks/>
+          </p:cNvSpPr>
+          <p:nvPr/>
+        </p:nvSpPr>
+        <p:spPr>
+          <a:xfrm>
+            <a:off x="3048000" y="916773"/>
+            <a:ext cx="8610600" cy="1293028"/>
+          </a:xfrm>
+          <a:prstGeom prst="rect">
+            <a:avLst/>
+          </a:prstGeom>
+        </p:spPr>
+        <p:txBody>
+          <a:bodyPr vert="horz" lIns="91440" tIns="45720" rIns="91440" bIns="45720" rtlCol="0" anchor="ctr">
+            <a:normAutofit/>
+          </a:bodyPr>
+          <a:lstStyle>
+            <a:lvl1pPr algn="r" defTabSz="914400" rtl="0" eaLnBrk="1" latinLnBrk="0" hangingPunct="1">
+              <a:lnSpc>
+                <a:spcPct val="90000"/>
+              </a:lnSpc>
+              <a:spcBef>
+                <a:spcPct val="0"/>
+              </a:spcBef>
+              <a:buNone/>
+              <a:defRPr sz="4000" kern="1200" cap="all" baseline="0">
+                <a:solidFill>
+                  <a:schemeClr val="tx1"/>
+                </a:solidFill>
+                <a:latin typeface="+mj-lt"/>
+                <a:ea typeface="+mj-ea"/>
+                <a:cs typeface="+mj-cs"/>
+              </a:defRPr>
+            </a:lvl1pPr>
+          </a:lstStyle>
+          <a:p>
+            <a:r>
+              <a:rPr lang="pl-PL" dirty="0" smtClean="0"/>
+              <a:t>Czemu CQRS to krok wstecz i dwa do przodu</a:t>
+            </a:r>
+            <a:endParaRPr lang="pl-PL" dirty="0"/>
+          </a:p>
+        </p:txBody>
+      </p:sp>
+    </p:spTree>
+    <p:extLst>
+      <p:ext uri="{BB962C8B-B14F-4D97-AF65-F5344CB8AC3E}">
+        <p14:creationId xmlns:p14="http://schemas.microsoft.com/office/powerpoint/2010/main" val="2294334307"/>
+      </p:ext>
+    </p:extLst>
+  </p:cSld>
+  <p:clrMapOvr>
+    <a:masterClrMapping/>
+  </p:clrMapOvr>
+  <p:timing>
+    <p:tnLst>
+      <p:par>
+        <p:cTn id="1" dur="indefinite" restart="never" nodeType="tmRoot"/>
+      </p:par>
+    </p:tnLst>
+  </p:timing>
+</p:sld>
+</file>
+
+<file path=ppt/slides/slide32.xml><?xml version="1.0" encoding="utf-8"?>
+<p:sld xmlns:a="http://schemas.openxmlformats.org/drawingml/2006/main" xmlns:r="http://schemas.openxmlformats.org/officeDocument/2006/relationships" xmlns:p="http://schemas.openxmlformats.org/presentationml/2006/main">
+  <p:cSld>
+    <p:spTree>
+      <p:nvGrpSpPr>
+        <p:cNvPr id="1" name=""/>
+        <p:cNvGrpSpPr/>
+        <p:nvPr/>
+      </p:nvGrpSpPr>
+      <p:grpSpPr>
+        <a:xfrm>
+          <a:off x="0" y="0"/>
+          <a:ext cx="0" cy="0"/>
+          <a:chOff x="0" y="0"/>
+          <a:chExt cx="0" cy="0"/>
+        </a:xfrm>
+      </p:grpSpPr>
+      <p:sp>
+        <p:nvSpPr>
+          <p:cNvPr id="2" name="Title 1"/>
+          <p:cNvSpPr>
+            <a:spLocks noGrp="1"/>
+          </p:cNvSpPr>
+          <p:nvPr>
+            <p:ph type="title"/>
+          </p:nvPr>
+        </p:nvSpPr>
+        <p:spPr/>
+        <p:txBody>
+          <a:bodyPr>
+            <a:normAutofit/>
+          </a:bodyPr>
+          <a:lstStyle/>
+          <a:p>
+            <a:r>
+              <a:rPr lang="pl-PL" dirty="0"/>
+              <a:t>Czemu CQRS to krok wstecz i dwa do przodu</a:t>
+            </a:r>
+          </a:p>
+        </p:txBody>
+      </p:sp>
+      <p:sp>
+        <p:nvSpPr>
+          <p:cNvPr id="5" name="Cloud Callout 4"/>
+          <p:cNvSpPr/>
+          <p:nvPr/>
+        </p:nvSpPr>
+        <p:spPr>
+          <a:xfrm>
+            <a:off x="2801854" y="3121371"/>
+            <a:ext cx="1994080" cy="1336034"/>
+          </a:xfrm>
+          <a:prstGeom prst="cloudCallout">
+            <a:avLst/>
+          </a:prstGeom>
+        </p:spPr>
+        <p:style>
+          <a:lnRef idx="2">
+            <a:schemeClr val="accent1">
+              <a:shade val="50000"/>
+            </a:schemeClr>
+          </a:lnRef>
+          <a:fillRef idx="1">
+            <a:schemeClr val="accent1"/>
+          </a:fillRef>
+          <a:effectRef idx="0">
+            <a:schemeClr val="accent1"/>
+          </a:effectRef>
+          <a:fontRef idx="minor">
+            <a:schemeClr val="lt1"/>
+          </a:fontRef>
+        </p:style>
+        <p:txBody>
+          <a:bodyPr rtlCol="0" anchor="ctr"/>
+          <a:lstStyle/>
+          <a:p>
+            <a:pPr algn="ctr"/>
+            <a:r>
+              <a:rPr lang="pl-PL" dirty="0" smtClean="0"/>
+              <a:t>Controller</a:t>
+            </a:r>
+            <a:endParaRPr lang="pl-PL" dirty="0"/>
+          </a:p>
+        </p:txBody>
+      </p:sp>
+      <p:sp>
+        <p:nvSpPr>
+          <p:cNvPr id="6" name="Smiley Face 5"/>
+          <p:cNvSpPr/>
+          <p:nvPr/>
+        </p:nvSpPr>
+        <p:spPr>
+          <a:xfrm>
+            <a:off x="685800" y="3292222"/>
+            <a:ext cx="914400" cy="914400"/>
+          </a:xfrm>
+          <a:prstGeom prst="smileyFace">
+            <a:avLst/>
+          </a:prstGeom>
+        </p:spPr>
+        <p:style>
+          <a:lnRef idx="2">
+            <a:schemeClr val="accent1">
+              <a:shade val="50000"/>
+            </a:schemeClr>
+          </a:lnRef>
+          <a:fillRef idx="1">
+            <a:schemeClr val="accent1"/>
+          </a:fillRef>
+          <a:effectRef idx="0">
+            <a:schemeClr val="accent1"/>
+          </a:effectRef>
+          <a:fontRef idx="minor">
+            <a:schemeClr val="lt1"/>
+          </a:fontRef>
+        </p:style>
+        <p:txBody>
+          <a:bodyPr rtlCol="0" anchor="ctr"/>
+          <a:lstStyle/>
+          <a:p>
+            <a:pPr algn="ctr"/>
+            <a:endParaRPr lang="pl-PL" dirty="0"/>
+          </a:p>
+        </p:txBody>
+      </p:sp>
+      <p:sp>
+        <p:nvSpPr>
+          <p:cNvPr id="7" name="Cube 6"/>
+          <p:cNvSpPr/>
+          <p:nvPr/>
+        </p:nvSpPr>
+        <p:spPr>
+          <a:xfrm>
+            <a:off x="6036264" y="3121371"/>
+            <a:ext cx="1786936" cy="1409263"/>
+          </a:xfrm>
+          <a:prstGeom prst="cube">
+            <a:avLst/>
+          </a:prstGeom>
+        </p:spPr>
+        <p:style>
+          <a:lnRef idx="2">
+            <a:schemeClr val="accent1">
+              <a:shade val="50000"/>
+            </a:schemeClr>
+          </a:lnRef>
+          <a:fillRef idx="1">
+            <a:schemeClr val="accent1"/>
+          </a:fillRef>
+          <a:effectRef idx="0">
+            <a:schemeClr val="accent1"/>
+          </a:effectRef>
+          <a:fontRef idx="minor">
+            <a:schemeClr val="lt1"/>
+          </a:fontRef>
+        </p:style>
+        <p:txBody>
+          <a:bodyPr rtlCol="0" anchor="ctr"/>
+          <a:lstStyle/>
+          <a:p>
+            <a:pPr algn="ctr"/>
+            <a:r>
+              <a:rPr lang="pl-PL" dirty="0" err="1" smtClean="0"/>
+              <a:t>Command</a:t>
+            </a:r>
+            <a:r>
+              <a:rPr lang="pl-PL" dirty="0" smtClean="0"/>
+              <a:t> handler</a:t>
+            </a:r>
+          </a:p>
+          <a:p>
+            <a:pPr algn="ctr"/>
+            <a:endParaRPr lang="pl-PL" dirty="0"/>
+          </a:p>
+        </p:txBody>
+      </p:sp>
+      <p:sp>
+        <p:nvSpPr>
+          <p:cNvPr id="8" name="Can 7"/>
+          <p:cNvSpPr/>
+          <p:nvPr/>
+        </p:nvSpPr>
+        <p:spPr>
+          <a:xfrm>
+            <a:off x="9222347" y="3241253"/>
+            <a:ext cx="914400" cy="1216152"/>
+          </a:xfrm>
+          <a:prstGeom prst="can">
+            <a:avLst/>
+          </a:prstGeom>
+        </p:spPr>
+        <p:style>
+          <a:lnRef idx="2">
+            <a:schemeClr val="accent1">
+              <a:shade val="50000"/>
+            </a:schemeClr>
+          </a:lnRef>
+          <a:fillRef idx="1">
+            <a:schemeClr val="accent1"/>
+          </a:fillRef>
+          <a:effectRef idx="0">
+            <a:schemeClr val="accent1"/>
+          </a:effectRef>
+          <a:fontRef idx="minor">
+            <a:schemeClr val="lt1"/>
+          </a:fontRef>
+        </p:style>
+        <p:txBody>
+          <a:bodyPr rtlCol="0" anchor="ctr"/>
+          <a:lstStyle/>
+          <a:p>
+            <a:pPr algn="ctr"/>
+            <a:r>
+              <a:rPr lang="pl-PL" dirty="0" smtClean="0"/>
+              <a:t>DB</a:t>
+            </a:r>
+          </a:p>
+        </p:txBody>
+      </p:sp>
+      <p:sp>
+        <p:nvSpPr>
+          <p:cNvPr id="9" name="Right Arrow 8"/>
+          <p:cNvSpPr/>
+          <p:nvPr/>
+        </p:nvSpPr>
+        <p:spPr>
+          <a:xfrm>
+            <a:off x="1823446" y="3537521"/>
+            <a:ext cx="978408" cy="484632"/>
+          </a:xfrm>
+          <a:prstGeom prst="rightArrow">
+            <a:avLst/>
+          </a:prstGeom>
+        </p:spPr>
+        <p:style>
+          <a:lnRef idx="2">
+            <a:schemeClr val="accent1">
+              <a:shade val="50000"/>
+            </a:schemeClr>
+          </a:lnRef>
+          <a:fillRef idx="1">
+            <a:schemeClr val="accent1"/>
+          </a:fillRef>
+          <a:effectRef idx="0">
+            <a:schemeClr val="accent1"/>
+          </a:effectRef>
+          <a:fontRef idx="minor">
+            <a:schemeClr val="lt1"/>
+          </a:fontRef>
+        </p:style>
+        <p:txBody>
+          <a:bodyPr rtlCol="0" anchor="ctr"/>
+          <a:lstStyle/>
+          <a:p>
+            <a:pPr algn="ctr"/>
+            <a:endParaRPr lang="pl-PL" dirty="0"/>
+          </a:p>
+        </p:txBody>
+      </p:sp>
+      <p:sp>
+        <p:nvSpPr>
+          <p:cNvPr id="10" name="Right Arrow 9"/>
+          <p:cNvSpPr/>
+          <p:nvPr/>
+        </p:nvSpPr>
+        <p:spPr>
+          <a:xfrm>
+            <a:off x="4823301" y="3507106"/>
+            <a:ext cx="978408" cy="484632"/>
+          </a:xfrm>
+          <a:prstGeom prst="rightArrow">
+            <a:avLst/>
+          </a:prstGeom>
+        </p:spPr>
+        <p:style>
+          <a:lnRef idx="2">
+            <a:schemeClr val="accent1">
+              <a:shade val="50000"/>
+            </a:schemeClr>
+          </a:lnRef>
+          <a:fillRef idx="1">
+            <a:schemeClr val="accent1"/>
+          </a:fillRef>
+          <a:effectRef idx="0">
+            <a:schemeClr val="accent1"/>
+          </a:effectRef>
+          <a:fontRef idx="minor">
+            <a:schemeClr val="lt1"/>
+          </a:fontRef>
+        </p:style>
+        <p:txBody>
+          <a:bodyPr rtlCol="0" anchor="ctr"/>
+          <a:lstStyle/>
+          <a:p>
+            <a:pPr algn="ctr"/>
+            <a:endParaRPr lang="pl-PL" dirty="0"/>
+          </a:p>
+        </p:txBody>
+      </p:sp>
+      <p:sp>
+        <p:nvSpPr>
+          <p:cNvPr id="14" name="Cube 13"/>
+          <p:cNvSpPr/>
+          <p:nvPr/>
+        </p:nvSpPr>
+        <p:spPr>
+          <a:xfrm>
+            <a:off x="6587013" y="4304335"/>
+            <a:ext cx="1409263" cy="1409263"/>
+          </a:xfrm>
+          <a:prstGeom prst="cube">
+            <a:avLst/>
+          </a:prstGeom>
+        </p:spPr>
+        <p:style>
+          <a:lnRef idx="2">
+            <a:schemeClr val="accent1">
+              <a:shade val="50000"/>
+            </a:schemeClr>
+          </a:lnRef>
+          <a:fillRef idx="1">
+            <a:schemeClr val="accent1"/>
+          </a:fillRef>
+          <a:effectRef idx="0">
+            <a:schemeClr val="accent1"/>
+          </a:effectRef>
+          <a:fontRef idx="minor">
+            <a:schemeClr val="lt1"/>
+          </a:fontRef>
+        </p:style>
+        <p:txBody>
+          <a:bodyPr rtlCol="0" anchor="ctr"/>
+          <a:lstStyle/>
+          <a:p>
+            <a:pPr algn="ctr"/>
+            <a:r>
+              <a:rPr lang="pl-PL" sz="1200" dirty="0" smtClean="0"/>
+              <a:t>ORM</a:t>
+            </a:r>
+          </a:p>
+          <a:p>
+            <a:pPr algn="ctr"/>
+            <a:endParaRPr lang="pl-PL" sz="1200" dirty="0"/>
+          </a:p>
+        </p:txBody>
+      </p:sp>
+      <p:sp>
+        <p:nvSpPr>
+          <p:cNvPr id="13" name="TextBox 12"/>
+          <p:cNvSpPr txBox="1"/>
+          <p:nvPr/>
+        </p:nvSpPr>
+        <p:spPr>
+          <a:xfrm>
+            <a:off x="2895600" y="2626870"/>
+            <a:ext cx="1734770" cy="369332"/>
+          </a:xfrm>
+          <a:prstGeom prst="rect">
+            <a:avLst/>
+          </a:prstGeom>
+          <a:noFill/>
+        </p:spPr>
+        <p:txBody>
+          <a:bodyPr wrap="none" rtlCol="0">
+            <a:spAutoFit/>
+          </a:bodyPr>
+          <a:lstStyle/>
+          <a:p>
+            <a:r>
+              <a:rPr lang="pl-PL" dirty="0" err="1" smtClean="0"/>
+              <a:t>UserController</a:t>
+            </a:r>
+            <a:endParaRPr lang="pl-PL" dirty="0"/>
+          </a:p>
+        </p:txBody>
+      </p:sp>
+      <p:sp>
+        <p:nvSpPr>
+          <p:cNvPr id="15" name="TextBox 14"/>
+          <p:cNvSpPr txBox="1"/>
+          <p:nvPr/>
+        </p:nvSpPr>
+        <p:spPr>
+          <a:xfrm>
+            <a:off x="5580103" y="2637540"/>
+            <a:ext cx="3241593" cy="369332"/>
+          </a:xfrm>
+          <a:prstGeom prst="rect">
+            <a:avLst/>
+          </a:prstGeom>
+          <a:noFill/>
+        </p:spPr>
+        <p:txBody>
+          <a:bodyPr wrap="none" rtlCol="0">
+            <a:spAutoFit/>
+          </a:bodyPr>
+          <a:lstStyle/>
+          <a:p>
+            <a:r>
+              <a:rPr lang="pl-PL" dirty="0" err="1" smtClean="0"/>
+              <a:t>AddUserCommandHandler</a:t>
+            </a:r>
+            <a:endParaRPr lang="pl-PL" dirty="0" smtClean="0"/>
+          </a:p>
+        </p:txBody>
+      </p:sp>
+      <p:sp>
+        <p:nvSpPr>
+          <p:cNvPr id="17" name="TextBox 16"/>
+          <p:cNvSpPr txBox="1"/>
+          <p:nvPr/>
+        </p:nvSpPr>
+        <p:spPr>
+          <a:xfrm>
+            <a:off x="6466489" y="5830654"/>
+            <a:ext cx="1382110" cy="369332"/>
+          </a:xfrm>
+          <a:prstGeom prst="rect">
+            <a:avLst/>
+          </a:prstGeom>
+          <a:noFill/>
+        </p:spPr>
+        <p:txBody>
+          <a:bodyPr wrap="none" rtlCol="0">
+            <a:spAutoFit/>
+          </a:bodyPr>
+          <a:lstStyle/>
+          <a:p>
+            <a:r>
+              <a:rPr lang="pl-PL" dirty="0" smtClean="0"/>
+              <a:t>User </a:t>
+            </a:r>
+            <a:r>
+              <a:rPr lang="pl-PL" dirty="0" err="1" smtClean="0"/>
+              <a:t>DbSet</a:t>
+            </a:r>
+            <a:endParaRPr lang="pl-PL" dirty="0" smtClean="0"/>
+          </a:p>
+        </p:txBody>
+      </p:sp>
+      <p:sp>
+        <p:nvSpPr>
+          <p:cNvPr id="18" name="TextBox 17"/>
+          <p:cNvSpPr txBox="1"/>
+          <p:nvPr/>
+        </p:nvSpPr>
+        <p:spPr>
+          <a:xfrm>
+            <a:off x="9112675" y="2637540"/>
+            <a:ext cx="1317990" cy="369332"/>
+          </a:xfrm>
+          <a:prstGeom prst="rect">
+            <a:avLst/>
+          </a:prstGeom>
+          <a:noFill/>
+        </p:spPr>
+        <p:txBody>
+          <a:bodyPr wrap="none" rtlCol="0">
+            <a:spAutoFit/>
+          </a:bodyPr>
+          <a:lstStyle/>
+          <a:p>
+            <a:r>
+              <a:rPr lang="pl-PL" dirty="0" smtClean="0"/>
+              <a:t>User </a:t>
+            </a:r>
+            <a:r>
+              <a:rPr lang="pl-PL" dirty="0" err="1" smtClean="0"/>
+              <a:t>Table</a:t>
+            </a:r>
+            <a:endParaRPr lang="pl-PL" dirty="0" smtClean="0"/>
+          </a:p>
+        </p:txBody>
+      </p:sp>
+      <p:sp>
+        <p:nvSpPr>
+          <p:cNvPr id="19" name="Down Arrow 18"/>
+          <p:cNvSpPr/>
+          <p:nvPr/>
+        </p:nvSpPr>
+        <p:spPr>
+          <a:xfrm>
+            <a:off x="6870845" y="4123579"/>
+            <a:ext cx="419968" cy="783060"/>
+          </a:xfrm>
+          <a:prstGeom prst="downArrow">
+            <a:avLst/>
+          </a:prstGeom>
+        </p:spPr>
+        <p:style>
+          <a:lnRef idx="2">
+            <a:schemeClr val="accent6">
+              <a:shade val="50000"/>
+            </a:schemeClr>
+          </a:lnRef>
+          <a:fillRef idx="1">
+            <a:schemeClr val="accent6"/>
+          </a:fillRef>
+          <a:effectRef idx="0">
+            <a:schemeClr val="accent6"/>
+          </a:effectRef>
+          <a:fontRef idx="minor">
+            <a:schemeClr val="lt1"/>
+          </a:fontRef>
+        </p:style>
+        <p:txBody>
+          <a:bodyPr rtlCol="0" anchor="ctr"/>
+          <a:lstStyle/>
+          <a:p>
+            <a:pPr algn="ctr"/>
+            <a:endParaRPr lang="pl-PL"/>
+          </a:p>
+        </p:txBody>
+      </p:sp>
+      <p:sp>
+        <p:nvSpPr>
+          <p:cNvPr id="21" name="Down Arrow 20"/>
+          <p:cNvSpPr/>
+          <p:nvPr/>
+        </p:nvSpPr>
+        <p:spPr>
+          <a:xfrm rot="14277274">
+            <a:off x="8399327" y="4200824"/>
+            <a:ext cx="419968" cy="783060"/>
+          </a:xfrm>
+          <a:prstGeom prst="downArrow">
+            <a:avLst/>
+          </a:prstGeom>
+        </p:spPr>
+        <p:style>
+          <a:lnRef idx="2">
+            <a:schemeClr val="accent6">
+              <a:shade val="50000"/>
+            </a:schemeClr>
+          </a:lnRef>
+          <a:fillRef idx="1">
+            <a:schemeClr val="accent6"/>
+          </a:fillRef>
+          <a:effectRef idx="0">
+            <a:schemeClr val="accent6"/>
+          </a:effectRef>
+          <a:fontRef idx="minor">
+            <a:schemeClr val="lt1"/>
+          </a:fontRef>
+        </p:style>
+        <p:txBody>
+          <a:bodyPr rtlCol="0" anchor="ctr"/>
+          <a:lstStyle/>
+          <a:p>
+            <a:pPr algn="ctr"/>
+            <a:endParaRPr lang="pl-PL"/>
+          </a:p>
+        </p:txBody>
+      </p:sp>
+      <p:sp>
+        <p:nvSpPr>
+          <p:cNvPr id="3" name="Rectangle 2"/>
+          <p:cNvSpPr/>
+          <p:nvPr/>
+        </p:nvSpPr>
+        <p:spPr>
+          <a:xfrm>
+            <a:off x="3390900" y="4252205"/>
+            <a:ext cx="2449599" cy="570098"/>
+          </a:xfrm>
+          <a:prstGeom prst="rect">
+            <a:avLst/>
+          </a:prstGeom>
+        </p:spPr>
+        <p:style>
+          <a:lnRef idx="1">
+            <a:schemeClr val="accent5"/>
+          </a:lnRef>
+          <a:fillRef idx="2">
+            <a:schemeClr val="accent5"/>
+          </a:fillRef>
+          <a:effectRef idx="1">
+            <a:schemeClr val="accent5"/>
+          </a:effectRef>
+          <a:fontRef idx="minor">
+            <a:schemeClr val="dk1"/>
+          </a:fontRef>
+        </p:style>
+        <p:txBody>
+          <a:bodyPr rtlCol="0" anchor="ctr"/>
+          <a:lstStyle/>
+          <a:p>
+            <a:pPr algn="ctr"/>
+            <a:r>
+              <a:rPr lang="pl-PL" dirty="0" err="1" smtClean="0"/>
+              <a:t>AddUserCommand</a:t>
+            </a:r>
+            <a:endParaRPr lang="pl-PL" dirty="0"/>
+          </a:p>
+        </p:txBody>
+      </p:sp>
+      <p:sp>
+        <p:nvSpPr>
+          <p:cNvPr id="22" name="Rectangle 21"/>
+          <p:cNvSpPr/>
+          <p:nvPr/>
+        </p:nvSpPr>
+        <p:spPr>
+          <a:xfrm>
+            <a:off x="7531821" y="4868368"/>
+            <a:ext cx="2518451" cy="570098"/>
+          </a:xfrm>
+          <a:prstGeom prst="rect">
+            <a:avLst/>
+          </a:prstGeom>
+        </p:spPr>
+        <p:style>
+          <a:lnRef idx="1">
+            <a:schemeClr val="accent5"/>
+          </a:lnRef>
+          <a:fillRef idx="2">
+            <a:schemeClr val="accent5"/>
+          </a:fillRef>
+          <a:effectRef idx="1">
+            <a:schemeClr val="accent5"/>
+          </a:effectRef>
+          <a:fontRef idx="minor">
+            <a:schemeClr val="dk1"/>
+          </a:fontRef>
+        </p:style>
+        <p:txBody>
+          <a:bodyPr rtlCol="0" anchor="ctr"/>
+          <a:lstStyle/>
+          <a:p>
+            <a:pPr algn="ctr"/>
+            <a:r>
+              <a:rPr lang="pl-PL" dirty="0" err="1" smtClean="0"/>
+              <a:t>UserWriteModel</a:t>
+            </a:r>
+            <a:endParaRPr lang="pl-PL" dirty="0"/>
+          </a:p>
+        </p:txBody>
+      </p:sp>
+      <p:sp>
+        <p:nvSpPr>
+          <p:cNvPr id="20" name="Rectangle 19"/>
+          <p:cNvSpPr/>
+          <p:nvPr/>
+        </p:nvSpPr>
+        <p:spPr>
+          <a:xfrm>
+            <a:off x="7912214" y="5354781"/>
+            <a:ext cx="2518451" cy="570098"/>
+          </a:xfrm>
+          <a:prstGeom prst="rect">
+            <a:avLst/>
+          </a:prstGeom>
+        </p:spPr>
+        <p:style>
+          <a:lnRef idx="1">
+            <a:schemeClr val="accent5"/>
+          </a:lnRef>
+          <a:fillRef idx="2">
+            <a:schemeClr val="accent5"/>
+          </a:fillRef>
+          <a:effectRef idx="1">
+            <a:schemeClr val="accent5"/>
+          </a:effectRef>
+          <a:fontRef idx="minor">
+            <a:schemeClr val="dk1"/>
+          </a:fontRef>
+        </p:style>
+        <p:txBody>
+          <a:bodyPr rtlCol="0" anchor="ctr"/>
+          <a:lstStyle/>
+          <a:p>
+            <a:pPr algn="ctr"/>
+            <a:r>
+              <a:rPr lang="pl-PL" dirty="0" err="1" smtClean="0"/>
+              <a:t>AccountWriteModel</a:t>
+            </a:r>
+            <a:endParaRPr lang="pl-PL" dirty="0"/>
+          </a:p>
+        </p:txBody>
+      </p:sp>
+    </p:spTree>
+    <p:extLst>
+      <p:ext uri="{BB962C8B-B14F-4D97-AF65-F5344CB8AC3E}">
+        <p14:creationId xmlns:p14="http://schemas.microsoft.com/office/powerpoint/2010/main" val="2831635632"/>
       </p:ext>
     </p:extLst>
   </p:cSld>

--- a/Slides.pptx
+++ b/Slides.pptx
@@ -20,23 +20,30 @@
     <p:sldId id="273" r:id="rId14"/>
     <p:sldId id="274" r:id="rId15"/>
     <p:sldId id="275" r:id="rId16"/>
-    <p:sldId id="276" r:id="rId17"/>
-    <p:sldId id="278" r:id="rId18"/>
-    <p:sldId id="279" r:id="rId19"/>
-    <p:sldId id="281" r:id="rId20"/>
-    <p:sldId id="282" r:id="rId21"/>
-    <p:sldId id="283" r:id="rId22"/>
-    <p:sldId id="259" r:id="rId23"/>
-    <p:sldId id="284" r:id="rId24"/>
-    <p:sldId id="285" r:id="rId25"/>
-    <p:sldId id="288" r:id="rId26"/>
-    <p:sldId id="289" r:id="rId27"/>
-    <p:sldId id="290" r:id="rId28"/>
-    <p:sldId id="291" r:id="rId29"/>
-    <p:sldId id="292" r:id="rId30"/>
-    <p:sldId id="293" r:id="rId31"/>
-    <p:sldId id="294" r:id="rId32"/>
-    <p:sldId id="295" r:id="rId33"/>
+    <p:sldId id="298" r:id="rId17"/>
+    <p:sldId id="276" r:id="rId18"/>
+    <p:sldId id="278" r:id="rId19"/>
+    <p:sldId id="279" r:id="rId20"/>
+    <p:sldId id="281" r:id="rId21"/>
+    <p:sldId id="282" r:id="rId22"/>
+    <p:sldId id="283" r:id="rId23"/>
+    <p:sldId id="259" r:id="rId24"/>
+    <p:sldId id="284" r:id="rId25"/>
+    <p:sldId id="285" r:id="rId26"/>
+    <p:sldId id="288" r:id="rId27"/>
+    <p:sldId id="289" r:id="rId28"/>
+    <p:sldId id="290" r:id="rId29"/>
+    <p:sldId id="291" r:id="rId30"/>
+    <p:sldId id="292" r:id="rId31"/>
+    <p:sldId id="293" r:id="rId32"/>
+    <p:sldId id="294" r:id="rId33"/>
+    <p:sldId id="295" r:id="rId34"/>
+    <p:sldId id="297" r:id="rId35"/>
+    <p:sldId id="296" r:id="rId36"/>
+    <p:sldId id="299" r:id="rId37"/>
+    <p:sldId id="301" r:id="rId38"/>
+    <p:sldId id="302" r:id="rId39"/>
+    <p:sldId id="300" r:id="rId40"/>
   </p:sldIdLst>
   <p:sldSz cx="12192000" cy="6858000"/>
   <p:notesSz cx="6858000" cy="9144000"/>
@@ -9287,7 +9294,7 @@
         </p:blipFill>
         <p:spPr>
           <a:xfrm>
-            <a:off x="3167276" y="3519558"/>
+            <a:off x="4914900" y="4021636"/>
             <a:ext cx="6809348" cy="2455565"/>
           </a:xfrm>
           <a:prstGeom prst="rect">
@@ -9311,7 +9318,7 @@
         </p:blipFill>
         <p:spPr>
           <a:xfrm>
-            <a:off x="1943100" y="2460078"/>
+            <a:off x="736600" y="2057401"/>
             <a:ext cx="7112000" cy="2454369"/>
           </a:xfrm>
           <a:prstGeom prst="rect">
@@ -9335,7 +9342,7 @@
         </p:blipFill>
         <p:spPr>
           <a:xfrm>
-            <a:off x="2962417" y="3826963"/>
+            <a:off x="4710041" y="4329041"/>
             <a:ext cx="1019317" cy="1019317"/>
           </a:xfrm>
           <a:prstGeom prst="rect">
@@ -9359,7 +9366,7 @@
         </p:blipFill>
         <p:spPr>
           <a:xfrm>
-            <a:off x="1852541" y="2763218"/>
+            <a:off x="646041" y="2360541"/>
             <a:ext cx="1019317" cy="1019317"/>
           </a:xfrm>
           <a:prstGeom prst="rect">
@@ -9370,7 +9377,7 @@
     </p:spTree>
     <p:extLst>
       <p:ext uri="{BB962C8B-B14F-4D97-AF65-F5344CB8AC3E}">
-        <p14:creationId xmlns:p14="http://schemas.microsoft.com/office/powerpoint/2010/main" val="1852537060"/>
+        <p14:creationId xmlns:p14="http://schemas.microsoft.com/office/powerpoint/2010/main" val="3125326946"/>
       </p:ext>
     </p:extLst>
   </p:cSld>
@@ -9559,250 +9566,10 @@
           </a:prstGeom>
         </p:spPr>
       </p:pic>
-      <p:pic>
-        <p:nvPicPr>
-          <p:cNvPr id="7" name="Picture 6"/>
-          <p:cNvPicPr>
-            <a:picLocks noChangeAspect="1"/>
-          </p:cNvPicPr>
-          <p:nvPr/>
-        </p:nvPicPr>
-        <p:blipFill>
-          <a:blip r:embed="rId3"/>
-          <a:stretch>
-            <a:fillRect/>
-          </a:stretch>
-        </p:blipFill>
-        <p:spPr>
-          <a:xfrm>
-            <a:off x="1943100" y="4217601"/>
-            <a:ext cx="7112000" cy="2454369"/>
-          </a:xfrm>
-          <a:prstGeom prst="rect">
-            <a:avLst/>
-          </a:prstGeom>
-        </p:spPr>
-      </p:pic>
-      <p:pic>
-        <p:nvPicPr>
-          <p:cNvPr id="9" name="Picture 8"/>
-          <p:cNvPicPr>
-            <a:picLocks noChangeAspect="1"/>
-          </p:cNvPicPr>
-          <p:nvPr/>
-        </p:nvPicPr>
-        <p:blipFill>
-          <a:blip r:embed="rId4"/>
-          <a:stretch>
-            <a:fillRect/>
-          </a:stretch>
-        </p:blipFill>
-        <p:spPr>
-          <a:xfrm>
-            <a:off x="1852541" y="4520741"/>
-            <a:ext cx="1019317" cy="1019317"/>
-          </a:xfrm>
-          <a:prstGeom prst="rect">
-            <a:avLst/>
-          </a:prstGeom>
-        </p:spPr>
-      </p:pic>
-      <p:pic>
-        <p:nvPicPr>
-          <p:cNvPr id="10" name="Picture 9"/>
-          <p:cNvPicPr>
-            <a:picLocks noChangeAspect="1"/>
-          </p:cNvPicPr>
-          <p:nvPr/>
-        </p:nvPicPr>
-        <p:blipFill>
-          <a:blip r:embed="rId3"/>
-          <a:stretch>
-            <a:fillRect/>
-          </a:stretch>
-        </p:blipFill>
-        <p:spPr>
-          <a:xfrm>
-            <a:off x="5321300" y="2424297"/>
-            <a:ext cx="7112000" cy="2454369"/>
-          </a:xfrm>
-          <a:prstGeom prst="rect">
-            <a:avLst/>
-          </a:prstGeom>
-        </p:spPr>
-      </p:pic>
-      <p:pic>
-        <p:nvPicPr>
-          <p:cNvPr id="11" name="Picture 10"/>
-          <p:cNvPicPr>
-            <a:picLocks noChangeAspect="1"/>
-          </p:cNvPicPr>
-          <p:nvPr/>
-        </p:nvPicPr>
-        <p:blipFill>
-          <a:blip r:embed="rId4"/>
-          <a:stretch>
-            <a:fillRect/>
-          </a:stretch>
-        </p:blipFill>
-        <p:spPr>
-          <a:xfrm>
-            <a:off x="5230741" y="2727437"/>
-            <a:ext cx="1019317" cy="1019317"/>
-          </a:xfrm>
-          <a:prstGeom prst="rect">
-            <a:avLst/>
-          </a:prstGeom>
-        </p:spPr>
-      </p:pic>
-      <p:pic>
-        <p:nvPicPr>
-          <p:cNvPr id="12" name="Picture 11"/>
-          <p:cNvPicPr>
-            <a:picLocks noChangeAspect="1"/>
-          </p:cNvPicPr>
-          <p:nvPr/>
-        </p:nvPicPr>
-        <p:blipFill>
-          <a:blip r:embed="rId3"/>
-          <a:stretch>
-            <a:fillRect/>
-          </a:stretch>
-        </p:blipFill>
-        <p:spPr>
-          <a:xfrm>
-            <a:off x="5794518" y="4312875"/>
-            <a:ext cx="7112000" cy="2454369"/>
-          </a:xfrm>
-          <a:prstGeom prst="rect">
-            <a:avLst/>
-          </a:prstGeom>
-        </p:spPr>
-      </p:pic>
-      <p:pic>
-        <p:nvPicPr>
-          <p:cNvPr id="13" name="Picture 12"/>
-          <p:cNvPicPr>
-            <a:picLocks noChangeAspect="1"/>
-          </p:cNvPicPr>
-          <p:nvPr/>
-        </p:nvPicPr>
-        <p:blipFill>
-          <a:blip r:embed="rId4"/>
-          <a:stretch>
-            <a:fillRect/>
-          </a:stretch>
-        </p:blipFill>
-        <p:spPr>
-          <a:xfrm>
-            <a:off x="5703959" y="4616015"/>
-            <a:ext cx="1019317" cy="1019317"/>
-          </a:xfrm>
-          <a:prstGeom prst="rect">
-            <a:avLst/>
-          </a:prstGeom>
-        </p:spPr>
-      </p:pic>
-      <p:pic>
-        <p:nvPicPr>
-          <p:cNvPr id="14" name="Picture 13"/>
-          <p:cNvPicPr>
-            <a:picLocks noChangeAspect="1"/>
-          </p:cNvPicPr>
-          <p:nvPr/>
-        </p:nvPicPr>
-        <p:blipFill>
-          <a:blip r:embed="rId3"/>
-          <a:stretch>
-            <a:fillRect/>
-          </a:stretch>
-        </p:blipFill>
-        <p:spPr>
-          <a:xfrm>
-            <a:off x="358089" y="1938385"/>
-            <a:ext cx="7112000" cy="2454369"/>
-          </a:xfrm>
-          <a:prstGeom prst="rect">
-            <a:avLst/>
-          </a:prstGeom>
-        </p:spPr>
-      </p:pic>
-      <p:pic>
-        <p:nvPicPr>
-          <p:cNvPr id="15" name="Picture 14"/>
-          <p:cNvPicPr>
-            <a:picLocks noChangeAspect="1"/>
-          </p:cNvPicPr>
-          <p:nvPr/>
-        </p:nvPicPr>
-        <p:blipFill>
-          <a:blip r:embed="rId4"/>
-          <a:stretch>
-            <a:fillRect/>
-          </a:stretch>
-        </p:blipFill>
-        <p:spPr>
-          <a:xfrm>
-            <a:off x="267530" y="2241525"/>
-            <a:ext cx="1019317" cy="1019317"/>
-          </a:xfrm>
-          <a:prstGeom prst="rect">
-            <a:avLst/>
-          </a:prstGeom>
-        </p:spPr>
-      </p:pic>
-      <p:pic>
-        <p:nvPicPr>
-          <p:cNvPr id="16" name="Picture 15"/>
-          <p:cNvPicPr>
-            <a:picLocks noChangeAspect="1"/>
-          </p:cNvPicPr>
-          <p:nvPr/>
-        </p:nvPicPr>
-        <p:blipFill>
-          <a:blip r:embed="rId3"/>
-          <a:stretch>
-            <a:fillRect/>
-          </a:stretch>
-        </p:blipFill>
-        <p:spPr>
-          <a:xfrm>
-            <a:off x="495831" y="4457705"/>
-            <a:ext cx="7112000" cy="2454369"/>
-          </a:xfrm>
-          <a:prstGeom prst="rect">
-            <a:avLst/>
-          </a:prstGeom>
-        </p:spPr>
-      </p:pic>
-      <p:pic>
-        <p:nvPicPr>
-          <p:cNvPr id="17" name="Picture 16"/>
-          <p:cNvPicPr>
-            <a:picLocks noChangeAspect="1"/>
-          </p:cNvPicPr>
-          <p:nvPr/>
-        </p:nvPicPr>
-        <p:blipFill>
-          <a:blip r:embed="rId4"/>
-          <a:stretch>
-            <a:fillRect/>
-          </a:stretch>
-        </p:blipFill>
-        <p:spPr>
-          <a:xfrm>
-            <a:off x="405272" y="4760845"/>
-            <a:ext cx="1019317" cy="1019317"/>
-          </a:xfrm>
-          <a:prstGeom prst="rect">
-            <a:avLst/>
-          </a:prstGeom>
-        </p:spPr>
-      </p:pic>
     </p:spTree>
     <p:extLst>
       <p:ext uri="{BB962C8B-B14F-4D97-AF65-F5344CB8AC3E}">
-        <p14:creationId xmlns:p14="http://schemas.microsoft.com/office/powerpoint/2010/main" val="1417693449"/>
+        <p14:creationId xmlns:p14="http://schemas.microsoft.com/office/powerpoint/2010/main" val="1852537060"/>
       </p:ext>
     </p:extLst>
   </p:cSld>
@@ -9857,12 +9624,36 @@
               <a:rPr lang="pl-PL" dirty="0"/>
               <a:t>CRUDY na pudy, </a:t>
             </a:r>
+            <a:r>
+              <a:rPr lang="pl-PL" dirty="0" smtClean="0"/>
+              <a:t/>
+            </a:r>
             <a:br>
+              <a:rPr lang="pl-PL" dirty="0" smtClean="0"/>
+            </a:br>
+            <a:r>
+              <a:rPr lang="pl-PL" dirty="0" smtClean="0"/>
+              <a:t>czyli </a:t>
+            </a:r>
+            <a:r>
               <a:rPr lang="pl-PL" dirty="0"/>
-            </a:br>
+              <a:t>parę </a:t>
+            </a:r>
+            <a:r>
+              <a:rPr lang="pl-PL" dirty="0" smtClean="0"/>
+              <a:t>słów </a:t>
+            </a:r>
             <a:r>
               <a:rPr lang="pl-PL" dirty="0"/>
-              <a:t>czyli parę słów o dyskomforcie w programowaniu</a:t>
+              <a:t>o dyskomforcie w </a:t>
+            </a:r>
+            <a:r>
+              <a:rPr lang="pl-PL" dirty="0" smtClean="0"/>
+              <a:t>programowaniu</a:t>
+            </a:r>
+            <a:r>
+              <a:rPr lang="pl-PL" dirty="0"/>
+              <a:t/>
             </a:r>
             <a:br>
               <a:rPr lang="pl-PL" dirty="0"/>
@@ -9871,52 +9662,346 @@
           </a:p>
         </p:txBody>
       </p:sp>
-      <p:sp>
-        <p:nvSpPr>
-          <p:cNvPr id="3" name="Content Placeholder 2"/>
-          <p:cNvSpPr>
-            <a:spLocks noGrp="1"/>
-          </p:cNvSpPr>
-          <p:nvPr>
-            <p:ph idx="1"/>
-          </p:nvPr>
-        </p:nvSpPr>
-        <p:spPr>
-          <a:xfrm>
-            <a:off x="685800" y="3136900"/>
-            <a:ext cx="10820400" cy="3081785"/>
-          </a:xfrm>
-        </p:spPr>
-        <p:txBody>
-          <a:bodyPr>
-            <a:normAutofit/>
-          </a:bodyPr>
-          <a:lstStyle/>
-          <a:p>
-            <a:pPr marL="0" indent="0" algn="ctr">
-              <a:buNone/>
-            </a:pPr>
-            <a:r>
-              <a:rPr lang="pl-PL" sz="4000" dirty="0" smtClean="0"/>
-              <a:t>Jak inni sobie układaniem</a:t>
-            </a:r>
-          </a:p>
-          <a:p>
-            <a:pPr marL="0" indent="0" algn="ctr">
-              <a:buNone/>
-            </a:pPr>
-            <a:r>
-              <a:rPr lang="pl-PL" sz="4000" dirty="0" smtClean="0"/>
-              <a:t>tych klocków?</a:t>
-            </a:r>
-            <a:endParaRPr lang="pl-PL" sz="4000" dirty="0"/>
-          </a:p>
-        </p:txBody>
-      </p:sp>
+      <p:pic>
+        <p:nvPicPr>
+          <p:cNvPr id="4" name="Picture 3"/>
+          <p:cNvPicPr>
+            <a:picLocks noChangeAspect="1"/>
+          </p:cNvPicPr>
+          <p:nvPr/>
+        </p:nvPicPr>
+        <p:blipFill>
+          <a:blip r:embed="rId2"/>
+          <a:stretch>
+            <a:fillRect/>
+          </a:stretch>
+        </p:blipFill>
+        <p:spPr>
+          <a:xfrm>
+            <a:off x="3167276" y="3519558"/>
+            <a:ext cx="6809348" cy="2455565"/>
+          </a:xfrm>
+          <a:prstGeom prst="rect">
+            <a:avLst/>
+          </a:prstGeom>
+        </p:spPr>
+      </p:pic>
+      <p:pic>
+        <p:nvPicPr>
+          <p:cNvPr id="24" name="Picture 23"/>
+          <p:cNvPicPr>
+            <a:picLocks noChangeAspect="1"/>
+          </p:cNvPicPr>
+          <p:nvPr/>
+        </p:nvPicPr>
+        <p:blipFill>
+          <a:blip r:embed="rId3"/>
+          <a:stretch>
+            <a:fillRect/>
+          </a:stretch>
+        </p:blipFill>
+        <p:spPr>
+          <a:xfrm>
+            <a:off x="1943100" y="2460078"/>
+            <a:ext cx="7112000" cy="2454369"/>
+          </a:xfrm>
+          <a:prstGeom prst="rect">
+            <a:avLst/>
+          </a:prstGeom>
+        </p:spPr>
+      </p:pic>
+      <p:pic>
+        <p:nvPicPr>
+          <p:cNvPr id="6" name="Picture 5"/>
+          <p:cNvPicPr>
+            <a:picLocks noChangeAspect="1"/>
+          </p:cNvPicPr>
+          <p:nvPr/>
+        </p:nvPicPr>
+        <p:blipFill>
+          <a:blip r:embed="rId4"/>
+          <a:stretch>
+            <a:fillRect/>
+          </a:stretch>
+        </p:blipFill>
+        <p:spPr>
+          <a:xfrm>
+            <a:off x="2962417" y="3826963"/>
+            <a:ext cx="1019317" cy="1019317"/>
+          </a:xfrm>
+          <a:prstGeom prst="rect">
+            <a:avLst/>
+          </a:prstGeom>
+        </p:spPr>
+      </p:pic>
+      <p:pic>
+        <p:nvPicPr>
+          <p:cNvPr id="8" name="Picture 7"/>
+          <p:cNvPicPr>
+            <a:picLocks noChangeAspect="1"/>
+          </p:cNvPicPr>
+          <p:nvPr/>
+        </p:nvPicPr>
+        <p:blipFill>
+          <a:blip r:embed="rId4"/>
+          <a:stretch>
+            <a:fillRect/>
+          </a:stretch>
+        </p:blipFill>
+        <p:spPr>
+          <a:xfrm>
+            <a:off x="1852541" y="2763218"/>
+            <a:ext cx="1019317" cy="1019317"/>
+          </a:xfrm>
+          <a:prstGeom prst="rect">
+            <a:avLst/>
+          </a:prstGeom>
+        </p:spPr>
+      </p:pic>
+      <p:pic>
+        <p:nvPicPr>
+          <p:cNvPr id="7" name="Picture 6"/>
+          <p:cNvPicPr>
+            <a:picLocks noChangeAspect="1"/>
+          </p:cNvPicPr>
+          <p:nvPr/>
+        </p:nvPicPr>
+        <p:blipFill>
+          <a:blip r:embed="rId3"/>
+          <a:stretch>
+            <a:fillRect/>
+          </a:stretch>
+        </p:blipFill>
+        <p:spPr>
+          <a:xfrm>
+            <a:off x="1943100" y="4217601"/>
+            <a:ext cx="7112000" cy="2454369"/>
+          </a:xfrm>
+          <a:prstGeom prst="rect">
+            <a:avLst/>
+          </a:prstGeom>
+        </p:spPr>
+      </p:pic>
+      <p:pic>
+        <p:nvPicPr>
+          <p:cNvPr id="9" name="Picture 8"/>
+          <p:cNvPicPr>
+            <a:picLocks noChangeAspect="1"/>
+          </p:cNvPicPr>
+          <p:nvPr/>
+        </p:nvPicPr>
+        <p:blipFill>
+          <a:blip r:embed="rId4"/>
+          <a:stretch>
+            <a:fillRect/>
+          </a:stretch>
+        </p:blipFill>
+        <p:spPr>
+          <a:xfrm>
+            <a:off x="1852541" y="4520741"/>
+            <a:ext cx="1019317" cy="1019317"/>
+          </a:xfrm>
+          <a:prstGeom prst="rect">
+            <a:avLst/>
+          </a:prstGeom>
+        </p:spPr>
+      </p:pic>
+      <p:pic>
+        <p:nvPicPr>
+          <p:cNvPr id="10" name="Picture 9"/>
+          <p:cNvPicPr>
+            <a:picLocks noChangeAspect="1"/>
+          </p:cNvPicPr>
+          <p:nvPr/>
+        </p:nvPicPr>
+        <p:blipFill>
+          <a:blip r:embed="rId3"/>
+          <a:stretch>
+            <a:fillRect/>
+          </a:stretch>
+        </p:blipFill>
+        <p:spPr>
+          <a:xfrm>
+            <a:off x="5321300" y="2424297"/>
+            <a:ext cx="7112000" cy="2454369"/>
+          </a:xfrm>
+          <a:prstGeom prst="rect">
+            <a:avLst/>
+          </a:prstGeom>
+        </p:spPr>
+      </p:pic>
+      <p:pic>
+        <p:nvPicPr>
+          <p:cNvPr id="11" name="Picture 10"/>
+          <p:cNvPicPr>
+            <a:picLocks noChangeAspect="1"/>
+          </p:cNvPicPr>
+          <p:nvPr/>
+        </p:nvPicPr>
+        <p:blipFill>
+          <a:blip r:embed="rId4"/>
+          <a:stretch>
+            <a:fillRect/>
+          </a:stretch>
+        </p:blipFill>
+        <p:spPr>
+          <a:xfrm>
+            <a:off x="5230741" y="2727437"/>
+            <a:ext cx="1019317" cy="1019317"/>
+          </a:xfrm>
+          <a:prstGeom prst="rect">
+            <a:avLst/>
+          </a:prstGeom>
+        </p:spPr>
+      </p:pic>
+      <p:pic>
+        <p:nvPicPr>
+          <p:cNvPr id="12" name="Picture 11"/>
+          <p:cNvPicPr>
+            <a:picLocks noChangeAspect="1"/>
+          </p:cNvPicPr>
+          <p:nvPr/>
+        </p:nvPicPr>
+        <p:blipFill>
+          <a:blip r:embed="rId3"/>
+          <a:stretch>
+            <a:fillRect/>
+          </a:stretch>
+        </p:blipFill>
+        <p:spPr>
+          <a:xfrm>
+            <a:off x="5794518" y="4312875"/>
+            <a:ext cx="7112000" cy="2454369"/>
+          </a:xfrm>
+          <a:prstGeom prst="rect">
+            <a:avLst/>
+          </a:prstGeom>
+        </p:spPr>
+      </p:pic>
+      <p:pic>
+        <p:nvPicPr>
+          <p:cNvPr id="13" name="Picture 12"/>
+          <p:cNvPicPr>
+            <a:picLocks noChangeAspect="1"/>
+          </p:cNvPicPr>
+          <p:nvPr/>
+        </p:nvPicPr>
+        <p:blipFill>
+          <a:blip r:embed="rId4"/>
+          <a:stretch>
+            <a:fillRect/>
+          </a:stretch>
+        </p:blipFill>
+        <p:spPr>
+          <a:xfrm>
+            <a:off x="5703959" y="4616015"/>
+            <a:ext cx="1019317" cy="1019317"/>
+          </a:xfrm>
+          <a:prstGeom prst="rect">
+            <a:avLst/>
+          </a:prstGeom>
+        </p:spPr>
+      </p:pic>
+      <p:pic>
+        <p:nvPicPr>
+          <p:cNvPr id="14" name="Picture 13"/>
+          <p:cNvPicPr>
+            <a:picLocks noChangeAspect="1"/>
+          </p:cNvPicPr>
+          <p:nvPr/>
+        </p:nvPicPr>
+        <p:blipFill>
+          <a:blip r:embed="rId3"/>
+          <a:stretch>
+            <a:fillRect/>
+          </a:stretch>
+        </p:blipFill>
+        <p:spPr>
+          <a:xfrm>
+            <a:off x="358089" y="1938385"/>
+            <a:ext cx="7112000" cy="2454369"/>
+          </a:xfrm>
+          <a:prstGeom prst="rect">
+            <a:avLst/>
+          </a:prstGeom>
+        </p:spPr>
+      </p:pic>
+      <p:pic>
+        <p:nvPicPr>
+          <p:cNvPr id="15" name="Picture 14"/>
+          <p:cNvPicPr>
+            <a:picLocks noChangeAspect="1"/>
+          </p:cNvPicPr>
+          <p:nvPr/>
+        </p:nvPicPr>
+        <p:blipFill>
+          <a:blip r:embed="rId4"/>
+          <a:stretch>
+            <a:fillRect/>
+          </a:stretch>
+        </p:blipFill>
+        <p:spPr>
+          <a:xfrm>
+            <a:off x="267530" y="2241525"/>
+            <a:ext cx="1019317" cy="1019317"/>
+          </a:xfrm>
+          <a:prstGeom prst="rect">
+            <a:avLst/>
+          </a:prstGeom>
+        </p:spPr>
+      </p:pic>
+      <p:pic>
+        <p:nvPicPr>
+          <p:cNvPr id="16" name="Picture 15"/>
+          <p:cNvPicPr>
+            <a:picLocks noChangeAspect="1"/>
+          </p:cNvPicPr>
+          <p:nvPr/>
+        </p:nvPicPr>
+        <p:blipFill>
+          <a:blip r:embed="rId3"/>
+          <a:stretch>
+            <a:fillRect/>
+          </a:stretch>
+        </p:blipFill>
+        <p:spPr>
+          <a:xfrm>
+            <a:off x="495831" y="4457705"/>
+            <a:ext cx="7112000" cy="2454369"/>
+          </a:xfrm>
+          <a:prstGeom prst="rect">
+            <a:avLst/>
+          </a:prstGeom>
+        </p:spPr>
+      </p:pic>
+      <p:pic>
+        <p:nvPicPr>
+          <p:cNvPr id="17" name="Picture 16"/>
+          <p:cNvPicPr>
+            <a:picLocks noChangeAspect="1"/>
+          </p:cNvPicPr>
+          <p:nvPr/>
+        </p:nvPicPr>
+        <p:blipFill>
+          <a:blip r:embed="rId4"/>
+          <a:stretch>
+            <a:fillRect/>
+          </a:stretch>
+        </p:blipFill>
+        <p:spPr>
+          <a:xfrm>
+            <a:off x="405272" y="4760845"/>
+            <a:ext cx="1019317" cy="1019317"/>
+          </a:xfrm>
+          <a:prstGeom prst="rect">
+            <a:avLst/>
+          </a:prstGeom>
+        </p:spPr>
+      </p:pic>
     </p:spTree>
     <p:extLst>
       <p:ext uri="{BB962C8B-B14F-4D97-AF65-F5344CB8AC3E}">
-        <p14:creationId xmlns:p14="http://schemas.microsoft.com/office/powerpoint/2010/main" val="3383935590"/>
+        <p14:creationId xmlns:p14="http://schemas.microsoft.com/office/powerpoint/2010/main" val="1417693449"/>
       </p:ext>
     </p:extLst>
   </p:cSld>
@@ -9987,7 +10072,7 @@
       </p:sp>
       <p:sp>
         <p:nvSpPr>
-          <p:cNvPr id="4" name="Content Placeholder 3"/>
+          <p:cNvPr id="3" name="Content Placeholder 2"/>
           <p:cNvSpPr>
             <a:spLocks noGrp="1"/>
           </p:cNvSpPr>
@@ -9995,67 +10080,42 @@
             <p:ph idx="1"/>
           </p:nvPr>
         </p:nvSpPr>
-        <p:spPr/>
-        <p:txBody>
-          <a:bodyPr/>
-          <a:lstStyle/>
-          <a:p>
-            <a:pPr marL="0" indent="0">
+        <p:spPr>
+          <a:xfrm>
+            <a:off x="685800" y="3136900"/>
+            <a:ext cx="10820400" cy="3081785"/>
+          </a:xfrm>
+        </p:spPr>
+        <p:txBody>
+          <a:bodyPr>
+            <a:normAutofit/>
+          </a:bodyPr>
+          <a:lstStyle/>
+          <a:p>
+            <a:pPr marL="0" indent="0" algn="ctr">
               <a:buNone/>
             </a:pPr>
             <a:r>
-              <a:rPr lang="pl-PL" dirty="0" smtClean="0"/>
-              <a:t>Amazon ma drony</a:t>
-            </a:r>
-            <a:endParaRPr lang="pl-PL" dirty="0"/>
-          </a:p>
-        </p:txBody>
-      </p:sp>
-      <p:pic>
-        <p:nvPicPr>
-          <p:cNvPr id="2050" name="Picture 2" descr="http://www.supplychain247.com/images/article/walmart_testing_warehouses_drones_wide_image.jpg"/>
-          <p:cNvPicPr>
-            <a:picLocks noChangeAspect="1" noChangeArrowheads="1"/>
-          </p:cNvPicPr>
-          <p:nvPr/>
-        </p:nvPicPr>
-        <p:blipFill>
-          <a:blip r:embed="rId2">
-            <a:extLst>
-              <a:ext uri="{28A0092B-C50C-407E-A947-70E740481C1C}">
-                <a14:useLocalDpi xmlns:a14="http://schemas.microsoft.com/office/drawing/2010/main" val="0"/>
-              </a:ext>
-            </a:extLst>
-          </a:blip>
-          <a:srcRect/>
-          <a:stretch>
-            <a:fillRect/>
-          </a:stretch>
-        </p:blipFill>
-        <p:spPr bwMode="auto">
-          <a:xfrm>
-            <a:off x="3265487" y="3059851"/>
-            <a:ext cx="5661025" cy="3538141"/>
-          </a:xfrm>
-          <a:prstGeom prst="rect">
-            <a:avLst/>
-          </a:prstGeom>
-          <a:noFill/>
-          <a:extLst>
-            <a:ext uri="{909E8E84-426E-40DD-AFC4-6F175D3DCCD1}">
-              <a14:hiddenFill xmlns:a14="http://schemas.microsoft.com/office/drawing/2010/main">
-                <a:solidFill>
-                  <a:srgbClr val="FFFFFF"/>
-                </a:solidFill>
-              </a14:hiddenFill>
-            </a:ext>
-          </a:extLst>
-        </p:spPr>
-      </p:pic>
+              <a:rPr lang="pl-PL" sz="4000" dirty="0" smtClean="0"/>
+              <a:t>Jak inni radzą sobie z układaniem</a:t>
+            </a:r>
+          </a:p>
+          <a:p>
+            <a:pPr marL="0" indent="0" algn="ctr">
+              <a:buNone/>
+            </a:pPr>
+            <a:r>
+              <a:rPr lang="pl-PL" sz="4000" dirty="0" smtClean="0"/>
+              <a:t>tych klocków?</a:t>
+            </a:r>
+            <a:endParaRPr lang="pl-PL" sz="4000" dirty="0"/>
+          </a:p>
+        </p:txBody>
+      </p:sp>
     </p:spTree>
     <p:extLst>
       <p:ext uri="{BB962C8B-B14F-4D97-AF65-F5344CB8AC3E}">
-        <p14:creationId xmlns:p14="http://schemas.microsoft.com/office/powerpoint/2010/main" val="3392035936"/>
+        <p14:creationId xmlns:p14="http://schemas.microsoft.com/office/powerpoint/2010/main" val="3383935590"/>
       </p:ext>
     </p:extLst>
   </p:cSld>
@@ -10465,7 +10525,7 @@
             </a:pPr>
             <a:r>
               <a:rPr lang="pl-PL" dirty="0" smtClean="0"/>
-              <a:t>Inni mają gorzej</a:t>
+              <a:t>Amazon ma drony</a:t>
             </a:r>
             <a:endParaRPr lang="pl-PL" dirty="0"/>
           </a:p>
@@ -10473,9 +10533,9 @@
       </p:sp>
       <p:pic>
         <p:nvPicPr>
-          <p:cNvPr id="3" name="Picture 2"/>
+          <p:cNvPr id="2050" name="Picture 2" descr="http://www.supplychain247.com/images/article/walmart_testing_warehouses_drones_wide_image.jpg"/>
           <p:cNvPicPr>
-            <a:picLocks noChangeAspect="1"/>
+            <a:picLocks noChangeAspect="1" noChangeArrowheads="1"/>
           </p:cNvPicPr>
           <p:nvPr/>
         </p:nvPicPr>
@@ -10487,24 +10547,35 @@
               </a:ext>
             </a:extLst>
           </a:blip>
+          <a:srcRect/>
           <a:stretch>
             <a:fillRect/>
           </a:stretch>
         </p:blipFill>
-        <p:spPr>
-          <a:xfrm>
-            <a:off x="4294187" y="2783335"/>
-            <a:ext cx="3825731" cy="3435350"/>
+        <p:spPr bwMode="auto">
+          <a:xfrm>
+            <a:off x="3265487" y="3059851"/>
+            <a:ext cx="5661025" cy="3538141"/>
           </a:xfrm>
           <a:prstGeom prst="rect">
             <a:avLst/>
           </a:prstGeom>
+          <a:noFill/>
+          <a:extLst>
+            <a:ext uri="{909E8E84-426E-40DD-AFC4-6F175D3DCCD1}">
+              <a14:hiddenFill xmlns:a14="http://schemas.microsoft.com/office/drawing/2010/main">
+                <a:solidFill>
+                  <a:srgbClr val="FFFFFF"/>
+                </a:solidFill>
+              </a14:hiddenFill>
+            </a:ext>
+          </a:extLst>
         </p:spPr>
       </p:pic>
     </p:spTree>
     <p:extLst>
       <p:ext uri="{BB962C8B-B14F-4D97-AF65-F5344CB8AC3E}">
-        <p14:creationId xmlns:p14="http://schemas.microsoft.com/office/powerpoint/2010/main" val="870037392"/>
+        <p14:creationId xmlns:p14="http://schemas.microsoft.com/office/powerpoint/2010/main" val="3392035936"/>
       </p:ext>
     </p:extLst>
   </p:cSld>
@@ -10575,7 +10646,7 @@
       </p:sp>
       <p:sp>
         <p:nvSpPr>
-          <p:cNvPr id="3" name="Content Placeholder 2"/>
+          <p:cNvPr id="4" name="Content Placeholder 3"/>
           <p:cNvSpPr>
             <a:spLocks noGrp="1"/>
           </p:cNvSpPr>
@@ -10588,89 +10659,51 @@
           <a:bodyPr/>
           <a:lstStyle/>
           <a:p>
-            <a:pPr marL="0" indent="0" algn="ctr">
+            <a:pPr marL="0" indent="0">
               <a:buNone/>
             </a:pPr>
             <a:r>
-              <a:rPr lang="pl-PL" sz="4000" b="1" dirty="0" smtClean="0"/>
-              <a:t>Przesadzam?</a:t>
-            </a:r>
-          </a:p>
-          <a:p>
-            <a:pPr marL="0" indent="0">
-              <a:buNone/>
-            </a:pPr>
+              <a:rPr lang="pl-PL" dirty="0" smtClean="0"/>
+              <a:t>Inni mają gorzej</a:t>
+            </a:r>
             <a:endParaRPr lang="pl-PL" dirty="0"/>
           </a:p>
-          <a:p>
-            <a:pPr marL="0" indent="0">
-              <a:buNone/>
-            </a:pPr>
-            <a:r>
-              <a:rPr lang="pl-PL" dirty="0" smtClean="0"/>
-              <a:t>Dodajmy do tego:</a:t>
-            </a:r>
-          </a:p>
-          <a:p>
-            <a:pPr>
-              <a:buFontTx/>
-              <a:buChar char="-"/>
-            </a:pPr>
-            <a:r>
-              <a:rPr lang="pl-PL" dirty="0" smtClean="0"/>
-              <a:t>Skomplikowaną zależności relacji (relacje wiele do wielu)</a:t>
-            </a:r>
-          </a:p>
-          <a:p>
-            <a:pPr>
-              <a:buFontTx/>
-              <a:buChar char="-"/>
-            </a:pPr>
-            <a:r>
-              <a:rPr lang="pl-PL" dirty="0" smtClean="0"/>
-              <a:t>Współgranie modelu odczytu z zapisem</a:t>
-            </a:r>
-          </a:p>
-          <a:p>
-            <a:pPr>
-              <a:buFontTx/>
-              <a:buChar char="-"/>
-            </a:pPr>
-            <a:r>
-              <a:rPr lang="pl-PL" dirty="0" smtClean="0"/>
-              <a:t>Migracje schematu bazy oraz samych danych</a:t>
-            </a:r>
-          </a:p>
-          <a:p>
-            <a:pPr>
-              <a:buFontTx/>
-              <a:buChar char="-"/>
-            </a:pPr>
-            <a:r>
-              <a:rPr lang="pl-PL" dirty="0" smtClean="0"/>
-              <a:t>Problemy z wydajnością gdy używamy tego samego wielkiego modelu danych</a:t>
-            </a:r>
-          </a:p>
-          <a:p>
-            <a:pPr>
-              <a:buFontTx/>
-              <a:buChar char="-"/>
-            </a:pPr>
-            <a:endParaRPr lang="pl-PL" dirty="0"/>
-          </a:p>
-          <a:p>
-            <a:pPr>
-              <a:buFontTx/>
-              <a:buChar char="-"/>
-            </a:pPr>
-            <a:endParaRPr lang="pl-PL" dirty="0" smtClean="0"/>
-          </a:p>
-        </p:txBody>
-      </p:sp>
+        </p:txBody>
+      </p:sp>
+      <p:pic>
+        <p:nvPicPr>
+          <p:cNvPr id="3" name="Picture 2"/>
+          <p:cNvPicPr>
+            <a:picLocks noChangeAspect="1"/>
+          </p:cNvPicPr>
+          <p:nvPr/>
+        </p:nvPicPr>
+        <p:blipFill>
+          <a:blip r:embed="rId2">
+            <a:extLst>
+              <a:ext uri="{28A0092B-C50C-407E-A947-70E740481C1C}">
+                <a14:useLocalDpi xmlns:a14="http://schemas.microsoft.com/office/drawing/2010/main" val="0"/>
+              </a:ext>
+            </a:extLst>
+          </a:blip>
+          <a:stretch>
+            <a:fillRect/>
+          </a:stretch>
+        </p:blipFill>
+        <p:spPr>
+          <a:xfrm>
+            <a:off x="4294187" y="2783335"/>
+            <a:ext cx="3825731" cy="3435350"/>
+          </a:xfrm>
+          <a:prstGeom prst="rect">
+            <a:avLst/>
+          </a:prstGeom>
+        </p:spPr>
+      </p:pic>
     </p:spTree>
     <p:extLst>
       <p:ext uri="{BB962C8B-B14F-4D97-AF65-F5344CB8AC3E}">
-        <p14:creationId xmlns:p14="http://schemas.microsoft.com/office/powerpoint/2010/main" val="2767397238"/>
+        <p14:creationId xmlns:p14="http://schemas.microsoft.com/office/powerpoint/2010/main" val="870037392"/>
       </p:ext>
     </p:extLst>
   </p:cSld>
@@ -10716,13 +10749,26 @@
         </p:nvSpPr>
         <p:spPr/>
         <p:txBody>
-          <a:bodyPr/>
+          <a:bodyPr>
+            <a:normAutofit fontScale="90000"/>
+          </a:bodyPr>
           <a:lstStyle/>
           <a:p>
             <a:r>
               <a:rPr lang="pl-PL" dirty="0"/>
-              <a:t>Czemu CQRS to krok wstecz i dwa do przodu</a:t>
-            </a:r>
+              <a:t>CRUDY na pudy, </a:t>
+            </a:r>
+            <a:br>
+              <a:rPr lang="pl-PL" dirty="0"/>
+            </a:br>
+            <a:r>
+              <a:rPr lang="pl-PL" dirty="0"/>
+              <a:t>czyli parę słów o dyskomforcie w programowaniu</a:t>
+            </a:r>
+            <a:br>
+              <a:rPr lang="pl-PL" dirty="0"/>
+            </a:br>
+            <a:endParaRPr lang="pl-PL" dirty="0"/>
           </a:p>
         </p:txBody>
       </p:sp>
@@ -10738,77 +10784,92 @@
         </p:nvSpPr>
         <p:spPr/>
         <p:txBody>
-          <a:bodyPr>
-            <a:normAutofit/>
-          </a:bodyPr>
-          <a:lstStyle/>
+          <a:bodyPr/>
+          <a:lstStyle/>
+          <a:p>
+            <a:pPr marL="0" indent="0" algn="ctr">
+              <a:buNone/>
+            </a:pPr>
+            <a:r>
+              <a:rPr lang="pl-PL" sz="4000" b="1" dirty="0" smtClean="0"/>
+              <a:t>Przesadzam?</a:t>
+            </a:r>
+          </a:p>
           <a:p>
             <a:pPr marL="0" indent="0">
               <a:buNone/>
             </a:pPr>
-            <a:endParaRPr lang="pl-PL" sz="4000" b="1" dirty="0" smtClean="0"/>
+            <a:endParaRPr lang="pl-PL" dirty="0"/>
           </a:p>
           <a:p>
             <a:pPr marL="0" indent="0">
               <a:buNone/>
             </a:pPr>
             <a:r>
-              <a:rPr lang="pl-PL" sz="4000" b="1" dirty="0" err="1" smtClean="0"/>
-              <a:t>C</a:t>
-            </a:r>
-            <a:r>
-              <a:rPr lang="pl-PL" sz="4000" dirty="0" err="1" smtClean="0"/>
-              <a:t>ommand</a:t>
-            </a:r>
-            <a:endParaRPr lang="pl-PL" sz="4000" dirty="0" smtClean="0"/>
-          </a:p>
-          <a:p>
-            <a:pPr marL="0" indent="0">
-              <a:buNone/>
+              <a:rPr lang="pl-PL" dirty="0" smtClean="0"/>
+              <a:t>Dodajmy do tego:</a:t>
+            </a:r>
+          </a:p>
+          <a:p>
+            <a:pPr>
+              <a:buFontTx/>
+              <a:buChar char="-"/>
             </a:pPr>
             <a:r>
-              <a:rPr lang="pl-PL" sz="4000" b="1" dirty="0" smtClean="0"/>
-              <a:t>Q</a:t>
-            </a:r>
-            <a:r>
-              <a:rPr lang="pl-PL" sz="4000" dirty="0" smtClean="0"/>
-              <a:t>uery</a:t>
-            </a:r>
-          </a:p>
-          <a:p>
-            <a:pPr marL="0" indent="0">
-              <a:buNone/>
+              <a:rPr lang="pl-PL" dirty="0" smtClean="0"/>
+              <a:t>Skomplikowaną zależności relacji (relacje wiele do wielu)</a:t>
+            </a:r>
+          </a:p>
+          <a:p>
+            <a:pPr>
+              <a:buFontTx/>
+              <a:buChar char="-"/>
             </a:pPr>
             <a:r>
-              <a:rPr lang="pl-PL" sz="4000" b="1" dirty="0" err="1" smtClean="0"/>
-              <a:t>R</a:t>
-            </a:r>
-            <a:r>
-              <a:rPr lang="pl-PL" sz="4000" dirty="0" err="1" smtClean="0"/>
-              <a:t>esponsibility</a:t>
-            </a:r>
-            <a:endParaRPr lang="pl-PL" sz="4000" dirty="0" smtClean="0"/>
-          </a:p>
-          <a:p>
-            <a:pPr marL="0" indent="0">
-              <a:buNone/>
+              <a:rPr lang="pl-PL" dirty="0" smtClean="0"/>
+              <a:t>Współgranie modelu odczytu z zapisem</a:t>
+            </a:r>
+          </a:p>
+          <a:p>
+            <a:pPr>
+              <a:buFontTx/>
+              <a:buChar char="-"/>
             </a:pPr>
             <a:r>
-              <a:rPr lang="pl-PL" sz="4000" b="1" dirty="0" err="1" smtClean="0"/>
-              <a:t>S</a:t>
-            </a:r>
-            <a:r>
-              <a:rPr lang="pl-PL" sz="4000" dirty="0" err="1" smtClean="0"/>
-              <a:t>egregation</a:t>
-            </a:r>
-            <a:endParaRPr lang="pl-PL" sz="4000" dirty="0" smtClean="0"/>
+              <a:rPr lang="pl-PL" dirty="0" smtClean="0"/>
+              <a:t>Migracje schematu bazy oraz samych danych</a:t>
+            </a:r>
+          </a:p>
+          <a:p>
+            <a:pPr>
+              <a:buFontTx/>
+              <a:buChar char="-"/>
+            </a:pPr>
+            <a:r>
+              <a:rPr lang="pl-PL" dirty="0" smtClean="0"/>
+              <a:t>Problemy z wydajnością gdy używamy tego samego wielkiego modelu danych</a:t>
+            </a:r>
+          </a:p>
+          <a:p>
+            <a:pPr>
+              <a:buFontTx/>
+              <a:buChar char="-"/>
+            </a:pPr>
+            <a:endParaRPr lang="pl-PL" dirty="0"/>
+          </a:p>
+          <a:p>
+            <a:pPr>
+              <a:buFontTx/>
+              <a:buChar char="-"/>
+            </a:pPr>
+            <a:endParaRPr lang="pl-PL" dirty="0" smtClean="0"/>
           </a:p>
         </p:txBody>
       </p:sp>
     </p:spTree>
     <p:extLst>
       <p:ext uri="{BB962C8B-B14F-4D97-AF65-F5344CB8AC3E}">
-        <p14:creationId xmlns:p14="http://schemas.microsoft.com/office/powerpoint/2010/main" val="1770954372"/>
+        <p14:creationId xmlns:p14="http://schemas.microsoft.com/office/powerpoint/2010/main" val="2767397238"/>
       </p:ext>
     </p:extLst>
   </p:cSld>
@@ -10946,7 +11007,7 @@
     </p:spTree>
     <p:extLst>
       <p:ext uri="{BB962C8B-B14F-4D97-AF65-F5344CB8AC3E}">
-        <p14:creationId xmlns:p14="http://schemas.microsoft.com/office/powerpoint/2010/main" val="404990919"/>
+        <p14:creationId xmlns:p14="http://schemas.microsoft.com/office/powerpoint/2010/main" val="1770954372"/>
       </p:ext>
     </p:extLst>
   </p:cSld>
@@ -11022,41 +11083,69 @@
             <a:pPr marL="0" indent="0">
               <a:buNone/>
             </a:pPr>
-            <a:endParaRPr lang="pl-PL" sz="6000" b="1" dirty="0" smtClean="0"/>
+            <a:endParaRPr lang="pl-PL" sz="4000" b="1" dirty="0" smtClean="0"/>
           </a:p>
           <a:p>
             <a:pPr marL="0" indent="0">
               <a:buNone/>
             </a:pPr>
             <a:r>
-              <a:rPr lang="pl-PL" sz="6000" b="1" dirty="0" err="1" smtClean="0"/>
+              <a:rPr lang="pl-PL" sz="4000" b="1" dirty="0" err="1" smtClean="0"/>
               <a:t>C</a:t>
             </a:r>
             <a:r>
-              <a:rPr lang="pl-PL" sz="6000" dirty="0" err="1" smtClean="0"/>
+              <a:rPr lang="pl-PL" sz="4000" dirty="0" err="1" smtClean="0"/>
               <a:t>ommand</a:t>
             </a:r>
-            <a:endParaRPr lang="pl-PL" sz="6000" dirty="0" smtClean="0"/>
+            <a:endParaRPr lang="pl-PL" sz="4000" dirty="0" smtClean="0"/>
           </a:p>
           <a:p>
             <a:pPr marL="0" indent="0">
               <a:buNone/>
             </a:pPr>
             <a:r>
-              <a:rPr lang="pl-PL" sz="6000" b="1" dirty="0" smtClean="0"/>
+              <a:rPr lang="pl-PL" sz="4000" b="1" dirty="0" smtClean="0"/>
               <a:t>Q</a:t>
             </a:r>
             <a:r>
-              <a:rPr lang="pl-PL" sz="6000" dirty="0" smtClean="0"/>
+              <a:rPr lang="pl-PL" sz="4000" dirty="0" smtClean="0"/>
               <a:t>uery</a:t>
             </a:r>
+          </a:p>
+          <a:p>
+            <a:pPr marL="0" indent="0">
+              <a:buNone/>
+            </a:pPr>
+            <a:r>
+              <a:rPr lang="pl-PL" sz="4000" b="1" dirty="0" err="1" smtClean="0"/>
+              <a:t>R</a:t>
+            </a:r>
+            <a:r>
+              <a:rPr lang="pl-PL" sz="4000" dirty="0" err="1" smtClean="0"/>
+              <a:t>esponsibility</a:t>
+            </a:r>
+            <a:endParaRPr lang="pl-PL" sz="4000" dirty="0" smtClean="0"/>
+          </a:p>
+          <a:p>
+            <a:pPr marL="0" indent="0">
+              <a:buNone/>
+            </a:pPr>
+            <a:r>
+              <a:rPr lang="pl-PL" sz="4000" b="1" dirty="0" err="1" smtClean="0"/>
+              <a:t>S</a:t>
+            </a:r>
+            <a:r>
+              <a:rPr lang="pl-PL" sz="4000" dirty="0" err="1" smtClean="0"/>
+              <a:t>egregation</a:t>
+            </a:r>
+            <a:endParaRPr lang="pl-PL" sz="4000" dirty="0" smtClean="0"/>
           </a:p>
         </p:txBody>
       </p:sp>
     </p:spTree>
     <p:extLst>
       <p:ext uri="{BB962C8B-B14F-4D97-AF65-F5344CB8AC3E}">
-        <p14:creationId xmlns:p14="http://schemas.microsoft.com/office/powerpoint/2010/main" val="331181715"/>
+        <p14:creationId xmlns:p14="http://schemas.microsoft.com/office/powerpoint/2010/main" val="404990919"/>
       </p:ext>
     </p:extLst>
   </p:cSld>
@@ -11132,46 +11221,33 @@
             <a:pPr marL="0" indent="0">
               <a:buNone/>
             </a:pPr>
-            <a:r>
-              <a:rPr lang="pl-PL" sz="3600" b="1" dirty="0" err="1" smtClean="0"/>
-              <a:t>Command</a:t>
-            </a:r>
-            <a:endParaRPr lang="pl-PL" sz="3600" b="1" dirty="0" smtClean="0"/>
+            <a:endParaRPr lang="pl-PL" sz="6000" b="1" dirty="0" smtClean="0"/>
           </a:p>
           <a:p>
             <a:pPr marL="0" indent="0">
               <a:buNone/>
             </a:pPr>
-            <a:endParaRPr lang="pl-PL" sz="3600" b="1" dirty="0" smtClean="0"/>
+            <a:r>
+              <a:rPr lang="pl-PL" sz="6000" b="1" dirty="0" err="1" smtClean="0"/>
+              <a:t>C</a:t>
+            </a:r>
+            <a:r>
+              <a:rPr lang="pl-PL" sz="6000" dirty="0" err="1" smtClean="0"/>
+              <a:t>ommand</a:t>
+            </a:r>
+            <a:endParaRPr lang="pl-PL" sz="6000" dirty="0" smtClean="0"/>
           </a:p>
           <a:p>
             <a:pPr marL="0" indent="0">
               <a:buNone/>
             </a:pPr>
             <a:r>
-              <a:rPr lang="pl-PL" sz="3600" b="1" i="1" dirty="0" smtClean="0"/>
-              <a:t>„</a:t>
-            </a:r>
-            <a:r>
-              <a:rPr lang="en-US" sz="3600" i="1" dirty="0"/>
-              <a:t>Change the state of a system but do not return a value</a:t>
-            </a:r>
-            <a:r>
-              <a:rPr lang="en-US" sz="3600" i="1" dirty="0" smtClean="0"/>
-              <a:t>.</a:t>
-            </a:r>
-            <a:r>
-              <a:rPr lang="pl-PL" sz="3600" i="1" dirty="0" smtClean="0"/>
-              <a:t>”</a:t>
-            </a:r>
-          </a:p>
-          <a:p>
-            <a:pPr marL="0" indent="0" algn="r">
-              <a:buNone/>
-            </a:pPr>
-            <a:r>
-              <a:rPr lang="pl-PL" sz="3600" dirty="0" smtClean="0"/>
-              <a:t>Martin Fowler</a:t>
+              <a:rPr lang="pl-PL" sz="6000" b="1" dirty="0" smtClean="0"/>
+              <a:t>Q</a:t>
+            </a:r>
+            <a:r>
+              <a:rPr lang="pl-PL" sz="6000" dirty="0" smtClean="0"/>
+              <a:t>uery</a:t>
             </a:r>
           </a:p>
         </p:txBody>
@@ -11179,7 +11255,7 @@
     </p:spTree>
     <p:extLst>
       <p:ext uri="{BB962C8B-B14F-4D97-AF65-F5344CB8AC3E}">
-        <p14:creationId xmlns:p14="http://schemas.microsoft.com/office/powerpoint/2010/main" val="1078980409"/>
+        <p14:creationId xmlns:p14="http://schemas.microsoft.com/office/powerpoint/2010/main" val="331181715"/>
       </p:ext>
     </p:extLst>
   </p:cSld>
@@ -11256,9 +11332,10 @@
               <a:buNone/>
             </a:pPr>
             <a:r>
-              <a:rPr lang="pl-PL" sz="3600" b="1" dirty="0" smtClean="0"/>
-              <a:t>Query</a:t>
-            </a:r>
+              <a:rPr lang="pl-PL" sz="3600" b="1" dirty="0" err="1" smtClean="0"/>
+              <a:t>Command</a:t>
+            </a:r>
+            <a:endParaRPr lang="pl-PL" sz="3600" b="1" dirty="0" smtClean="0"/>
           </a:p>
           <a:p>
             <a:pPr marL="0" indent="0">
@@ -11276,7 +11353,11 @@
             </a:r>
             <a:r>
               <a:rPr lang="en-US" sz="3600" i="1" dirty="0"/>
-              <a:t>Return a result and do not change the observable state of the system (are free of side effects).</a:t>
+              <a:t>Change the state of a system but do not return a value</a:t>
+            </a:r>
+            <a:r>
+              <a:rPr lang="en-US" sz="3600" i="1" dirty="0" smtClean="0"/>
+              <a:t>.</a:t>
             </a:r>
             <a:r>
               <a:rPr lang="pl-PL" sz="3600" i="1" dirty="0" smtClean="0"/>
@@ -11297,7 +11378,7 @@
     </p:spTree>
     <p:extLst>
       <p:ext uri="{BB962C8B-B14F-4D97-AF65-F5344CB8AC3E}">
-        <p14:creationId xmlns:p14="http://schemas.microsoft.com/office/powerpoint/2010/main" val="2964989481"/>
+        <p14:creationId xmlns:p14="http://schemas.microsoft.com/office/powerpoint/2010/main" val="1078980409"/>
       </p:ext>
     </p:extLst>
   </p:cSld>
@@ -11415,7 +11496,7 @@
     </p:spTree>
     <p:extLst>
       <p:ext uri="{BB962C8B-B14F-4D97-AF65-F5344CB8AC3E}">
-        <p14:creationId xmlns:p14="http://schemas.microsoft.com/office/powerpoint/2010/main" val="3841927331"/>
+        <p14:creationId xmlns:p14="http://schemas.microsoft.com/office/powerpoint/2010/main" val="2964989481"/>
       </p:ext>
     </p:extLst>
   </p:cSld>
@@ -11471,60 +11552,61 @@
           </a:p>
         </p:txBody>
       </p:sp>
-      <p:pic>
-        <p:nvPicPr>
-          <p:cNvPr id="5" name="Content Placeholder 4"/>
-          <p:cNvPicPr>
-            <a:picLocks noGrp="1" noChangeAspect="1"/>
-          </p:cNvPicPr>
+      <p:sp>
+        <p:nvSpPr>
+          <p:cNvPr id="3" name="Content Placeholder 2"/>
+          <p:cNvSpPr>
+            <a:spLocks noGrp="1"/>
+          </p:cNvSpPr>
           <p:nvPr>
             <p:ph idx="1"/>
           </p:nvPr>
-        </p:nvPicPr>
-        <p:blipFill>
-          <a:blip r:embed="rId2">
-            <a:extLst>
-              <a:ext uri="{28A0092B-C50C-407E-A947-70E740481C1C}">
-                <a14:useLocalDpi xmlns:a14="http://schemas.microsoft.com/office/drawing/2010/main" val="0"/>
-              </a:ext>
-            </a:extLst>
-          </a:blip>
-          <a:stretch>
-            <a:fillRect/>
-          </a:stretch>
-        </p:blipFill>
-        <p:spPr>
-          <a:xfrm>
-            <a:off x="1612900" y="1595445"/>
-            <a:ext cx="6991478" cy="5092694"/>
-          </a:xfrm>
-        </p:spPr>
-      </p:pic>
-      <p:sp>
-        <p:nvSpPr>
-          <p:cNvPr id="6" name="TextBox 5"/>
-          <p:cNvSpPr txBox="1"/>
-          <p:nvPr/>
-        </p:nvSpPr>
-        <p:spPr>
-          <a:xfrm>
-            <a:off x="7061200" y="6349585"/>
-            <a:ext cx="5003293" cy="338554"/>
-          </a:xfrm>
-          <a:prstGeom prst="rect">
-            <a:avLst/>
-          </a:prstGeom>
-          <a:noFill/>
-        </p:spPr>
-        <p:txBody>
-          <a:bodyPr wrap="none" rtlCol="0">
-            <a:spAutoFit/>
+        </p:nvSpPr>
+        <p:spPr/>
+        <p:txBody>
+          <a:bodyPr>
+            <a:normAutofit/>
           </a:bodyPr>
           <a:lstStyle/>
           <a:p>
-            <a:r>
-              <a:rPr lang="pl-PL" sz="1600" dirty="0"/>
-              <a:t>Źródło: https://martinfowler.com/bliki/CQRS.html</a:t>
+            <a:pPr marL="0" indent="0">
+              <a:buNone/>
+            </a:pPr>
+            <a:r>
+              <a:rPr lang="pl-PL" sz="3600" b="1" dirty="0" smtClean="0"/>
+              <a:t>Query</a:t>
+            </a:r>
+          </a:p>
+          <a:p>
+            <a:pPr marL="0" indent="0">
+              <a:buNone/>
+            </a:pPr>
+            <a:endParaRPr lang="pl-PL" sz="3600" b="1" dirty="0" smtClean="0"/>
+          </a:p>
+          <a:p>
+            <a:pPr marL="0" indent="0">
+              <a:buNone/>
+            </a:pPr>
+            <a:r>
+              <a:rPr lang="pl-PL" sz="3600" b="1" i="1" dirty="0" smtClean="0"/>
+              <a:t>„</a:t>
+            </a:r>
+            <a:r>
+              <a:rPr lang="en-US" sz="3600" i="1" dirty="0"/>
+              <a:t>Return a result and do not change the observable state of the system (are free of side effects).</a:t>
+            </a:r>
+            <a:r>
+              <a:rPr lang="pl-PL" sz="3600" i="1" dirty="0" smtClean="0"/>
+              <a:t>”</a:t>
+            </a:r>
+          </a:p>
+          <a:p>
+            <a:pPr marL="0" indent="0" algn="r">
+              <a:buNone/>
+            </a:pPr>
+            <a:r>
+              <a:rPr lang="pl-PL" sz="3600" dirty="0" smtClean="0"/>
+              <a:t>Martin Fowler</a:t>
             </a:r>
           </a:p>
         </p:txBody>
@@ -11532,7 +11614,7 @@
     </p:spTree>
     <p:extLst>
       <p:ext uri="{BB962C8B-B14F-4D97-AF65-F5344CB8AC3E}">
-        <p14:creationId xmlns:p14="http://schemas.microsoft.com/office/powerpoint/2010/main" val="2221524749"/>
+        <p14:creationId xmlns:p14="http://schemas.microsoft.com/office/powerpoint/2010/main" val="3841927331"/>
       </p:ext>
     </p:extLst>
   </p:cSld>
@@ -11578,9 +11660,7 @@
         </p:nvSpPr>
         <p:spPr/>
         <p:txBody>
-          <a:bodyPr>
-            <a:normAutofit/>
-          </a:bodyPr>
+          <a:bodyPr/>
           <a:lstStyle/>
           <a:p>
             <a:r>
@@ -11590,365 +11670,45 @@
           </a:p>
         </p:txBody>
       </p:sp>
-      <p:sp>
-        <p:nvSpPr>
-          <p:cNvPr id="5" name="Cloud Callout 4"/>
-          <p:cNvSpPr/>
-          <p:nvPr/>
-        </p:nvSpPr>
-        <p:spPr>
-          <a:xfrm>
-            <a:off x="2801854" y="3121371"/>
-            <a:ext cx="1994080" cy="1336034"/>
-          </a:xfrm>
-          <a:prstGeom prst="cloudCallout">
-            <a:avLst/>
-          </a:prstGeom>
-        </p:spPr>
-        <p:style>
-          <a:lnRef idx="2">
-            <a:schemeClr val="accent1">
-              <a:shade val="50000"/>
-            </a:schemeClr>
-          </a:lnRef>
-          <a:fillRef idx="1">
-            <a:schemeClr val="accent1"/>
-          </a:fillRef>
-          <a:effectRef idx="0">
-            <a:schemeClr val="accent1"/>
-          </a:effectRef>
-          <a:fontRef idx="minor">
-            <a:schemeClr val="lt1"/>
-          </a:fontRef>
-        </p:style>
-        <p:txBody>
-          <a:bodyPr rtlCol="0" anchor="ctr"/>
-          <a:lstStyle/>
-          <a:p>
-            <a:pPr algn="ctr"/>
-            <a:r>
-              <a:rPr lang="pl-PL" dirty="0" smtClean="0"/>
-              <a:t>Controller</a:t>
-            </a:r>
-            <a:endParaRPr lang="pl-PL" dirty="0"/>
-          </a:p>
-        </p:txBody>
-      </p:sp>
-      <p:sp>
-        <p:nvSpPr>
-          <p:cNvPr id="6" name="Smiley Face 5"/>
-          <p:cNvSpPr/>
-          <p:nvPr/>
-        </p:nvSpPr>
-        <p:spPr>
-          <a:xfrm>
-            <a:off x="685800" y="3292222"/>
-            <a:ext cx="914400" cy="914400"/>
-          </a:xfrm>
-          <a:prstGeom prst="smileyFace">
-            <a:avLst/>
-          </a:prstGeom>
-        </p:spPr>
-        <p:style>
-          <a:lnRef idx="2">
-            <a:schemeClr val="accent1">
-              <a:shade val="50000"/>
-            </a:schemeClr>
-          </a:lnRef>
-          <a:fillRef idx="1">
-            <a:schemeClr val="accent1"/>
-          </a:fillRef>
-          <a:effectRef idx="0">
-            <a:schemeClr val="accent1"/>
-          </a:effectRef>
-          <a:fontRef idx="minor">
-            <a:schemeClr val="lt1"/>
-          </a:fontRef>
-        </p:style>
-        <p:txBody>
-          <a:bodyPr rtlCol="0" anchor="ctr"/>
-          <a:lstStyle/>
-          <a:p>
-            <a:pPr algn="ctr"/>
-            <a:endParaRPr lang="pl-PL" dirty="0"/>
-          </a:p>
-        </p:txBody>
-      </p:sp>
-      <p:sp>
-        <p:nvSpPr>
-          <p:cNvPr id="7" name="Cube 6"/>
-          <p:cNvSpPr/>
-          <p:nvPr/>
-        </p:nvSpPr>
-        <p:spPr>
-          <a:xfrm>
-            <a:off x="6036264" y="3121371"/>
-            <a:ext cx="1409263" cy="1409263"/>
-          </a:xfrm>
-          <a:prstGeom prst="cube">
-            <a:avLst/>
-          </a:prstGeom>
-        </p:spPr>
-        <p:style>
-          <a:lnRef idx="2">
-            <a:schemeClr val="accent1">
-              <a:shade val="50000"/>
-            </a:schemeClr>
-          </a:lnRef>
-          <a:fillRef idx="1">
-            <a:schemeClr val="accent1"/>
-          </a:fillRef>
-          <a:effectRef idx="0">
-            <a:schemeClr val="accent1"/>
-          </a:effectRef>
-          <a:fontRef idx="minor">
-            <a:schemeClr val="lt1"/>
-          </a:fontRef>
-        </p:style>
-        <p:txBody>
-          <a:bodyPr rtlCol="0" anchor="ctr"/>
-          <a:lstStyle/>
-          <a:p>
-            <a:pPr algn="ctr"/>
-            <a:r>
-              <a:rPr lang="pl-PL" dirty="0" smtClean="0"/>
-              <a:t>Service</a:t>
-            </a:r>
-          </a:p>
-          <a:p>
-            <a:pPr algn="ctr"/>
-            <a:endParaRPr lang="pl-PL" dirty="0"/>
-          </a:p>
-        </p:txBody>
-      </p:sp>
-      <p:sp>
-        <p:nvSpPr>
-          <p:cNvPr id="8" name="Can 7"/>
-          <p:cNvSpPr/>
-          <p:nvPr/>
-        </p:nvSpPr>
-        <p:spPr>
-          <a:xfrm>
-            <a:off x="9222347" y="3241253"/>
-            <a:ext cx="914400" cy="1216152"/>
-          </a:xfrm>
-          <a:prstGeom prst="can">
-            <a:avLst/>
-          </a:prstGeom>
-        </p:spPr>
-        <p:style>
-          <a:lnRef idx="2">
-            <a:schemeClr val="accent1">
-              <a:shade val="50000"/>
-            </a:schemeClr>
-          </a:lnRef>
-          <a:fillRef idx="1">
-            <a:schemeClr val="accent1"/>
-          </a:fillRef>
-          <a:effectRef idx="0">
-            <a:schemeClr val="accent1"/>
-          </a:effectRef>
-          <a:fontRef idx="minor">
-            <a:schemeClr val="lt1"/>
-          </a:fontRef>
-        </p:style>
-        <p:txBody>
-          <a:bodyPr rtlCol="0" anchor="ctr"/>
-          <a:lstStyle/>
-          <a:p>
-            <a:pPr algn="ctr"/>
-            <a:r>
-              <a:rPr lang="pl-PL" dirty="0" smtClean="0"/>
-              <a:t>DB</a:t>
-            </a:r>
-          </a:p>
-        </p:txBody>
-      </p:sp>
-      <p:sp>
-        <p:nvSpPr>
-          <p:cNvPr id="9" name="Right Arrow 8"/>
-          <p:cNvSpPr/>
-          <p:nvPr/>
-        </p:nvSpPr>
-        <p:spPr>
-          <a:xfrm>
-            <a:off x="1823446" y="3537521"/>
-            <a:ext cx="978408" cy="484632"/>
-          </a:xfrm>
-          <a:prstGeom prst="rightArrow">
-            <a:avLst/>
-          </a:prstGeom>
-        </p:spPr>
-        <p:style>
-          <a:lnRef idx="2">
-            <a:schemeClr val="accent1">
-              <a:shade val="50000"/>
-            </a:schemeClr>
-          </a:lnRef>
-          <a:fillRef idx="1">
-            <a:schemeClr val="accent1"/>
-          </a:fillRef>
-          <a:effectRef idx="0">
-            <a:schemeClr val="accent1"/>
-          </a:effectRef>
-          <a:fontRef idx="minor">
-            <a:schemeClr val="lt1"/>
-          </a:fontRef>
-        </p:style>
-        <p:txBody>
-          <a:bodyPr rtlCol="0" anchor="ctr"/>
-          <a:lstStyle/>
-          <a:p>
-            <a:pPr algn="ctr"/>
-            <a:endParaRPr lang="pl-PL" dirty="0"/>
-          </a:p>
-        </p:txBody>
-      </p:sp>
-      <p:sp>
-        <p:nvSpPr>
-          <p:cNvPr id="10" name="Right Arrow 9"/>
-          <p:cNvSpPr/>
-          <p:nvPr/>
-        </p:nvSpPr>
-        <p:spPr>
-          <a:xfrm>
-            <a:off x="4823301" y="3507106"/>
-            <a:ext cx="978408" cy="484632"/>
-          </a:xfrm>
-          <a:prstGeom prst="rightArrow">
-            <a:avLst/>
-          </a:prstGeom>
-        </p:spPr>
-        <p:style>
-          <a:lnRef idx="2">
-            <a:schemeClr val="accent1">
-              <a:shade val="50000"/>
-            </a:schemeClr>
-          </a:lnRef>
-          <a:fillRef idx="1">
-            <a:schemeClr val="accent1"/>
-          </a:fillRef>
-          <a:effectRef idx="0">
-            <a:schemeClr val="accent1"/>
-          </a:effectRef>
-          <a:fontRef idx="minor">
-            <a:schemeClr val="lt1"/>
-          </a:fontRef>
-        </p:style>
-        <p:txBody>
-          <a:bodyPr rtlCol="0" anchor="ctr"/>
-          <a:lstStyle/>
-          <a:p>
-            <a:pPr algn="ctr"/>
-            <a:endParaRPr lang="pl-PL" dirty="0"/>
-          </a:p>
-        </p:txBody>
-      </p:sp>
-      <p:sp>
-        <p:nvSpPr>
-          <p:cNvPr id="12" name="Cube 11"/>
-          <p:cNvSpPr/>
-          <p:nvPr/>
-        </p:nvSpPr>
-        <p:spPr>
-          <a:xfrm>
-            <a:off x="5292956" y="4304336"/>
-            <a:ext cx="1409263" cy="1409263"/>
-          </a:xfrm>
-          <a:prstGeom prst="cube">
-            <a:avLst/>
-          </a:prstGeom>
-        </p:spPr>
-        <p:style>
-          <a:lnRef idx="2">
-            <a:schemeClr val="accent1">
-              <a:shade val="50000"/>
-            </a:schemeClr>
-          </a:lnRef>
-          <a:fillRef idx="1">
-            <a:schemeClr val="accent1"/>
-          </a:fillRef>
-          <a:effectRef idx="0">
-            <a:schemeClr val="accent1"/>
-          </a:effectRef>
-          <a:fontRef idx="minor">
-            <a:schemeClr val="lt1"/>
-          </a:fontRef>
-        </p:style>
-        <p:txBody>
-          <a:bodyPr rtlCol="0" anchor="ctr"/>
-          <a:lstStyle/>
-          <a:p>
-            <a:pPr algn="ctr"/>
-            <a:r>
-              <a:rPr lang="pl-PL" sz="1200" dirty="0" err="1" smtClean="0"/>
-              <a:t>Repository</a:t>
-            </a:r>
-            <a:endParaRPr lang="pl-PL" sz="1200" dirty="0" smtClean="0"/>
-          </a:p>
-          <a:p>
-            <a:pPr algn="ctr"/>
-            <a:endParaRPr lang="pl-PL" sz="1200" dirty="0"/>
-          </a:p>
-        </p:txBody>
-      </p:sp>
-      <p:sp>
-        <p:nvSpPr>
-          <p:cNvPr id="14" name="Cube 13"/>
-          <p:cNvSpPr/>
-          <p:nvPr/>
-        </p:nvSpPr>
-        <p:spPr>
-          <a:xfrm>
-            <a:off x="6587013" y="4304335"/>
-            <a:ext cx="1409263" cy="1409263"/>
-          </a:xfrm>
-          <a:prstGeom prst="cube">
-            <a:avLst/>
-          </a:prstGeom>
-        </p:spPr>
-        <p:style>
-          <a:lnRef idx="2">
-            <a:schemeClr val="accent1">
-              <a:shade val="50000"/>
-            </a:schemeClr>
-          </a:lnRef>
-          <a:fillRef idx="1">
-            <a:schemeClr val="accent1"/>
-          </a:fillRef>
-          <a:effectRef idx="0">
-            <a:schemeClr val="accent1"/>
-          </a:effectRef>
-          <a:fontRef idx="minor">
-            <a:schemeClr val="lt1"/>
-          </a:fontRef>
-        </p:style>
-        <p:txBody>
-          <a:bodyPr rtlCol="0" anchor="ctr"/>
-          <a:lstStyle/>
-          <a:p>
-            <a:pPr algn="ctr"/>
-            <a:r>
-              <a:rPr lang="pl-PL" sz="1200" dirty="0" smtClean="0"/>
-              <a:t>ORM</a:t>
-            </a:r>
-          </a:p>
-          <a:p>
-            <a:pPr algn="ctr"/>
-            <a:endParaRPr lang="pl-PL" sz="1200" dirty="0"/>
-          </a:p>
-        </p:txBody>
-      </p:sp>
-      <p:sp>
-        <p:nvSpPr>
-          <p:cNvPr id="13" name="TextBox 12"/>
+      <p:pic>
+        <p:nvPicPr>
+          <p:cNvPr id="5" name="Content Placeholder 4"/>
+          <p:cNvPicPr>
+            <a:picLocks noGrp="1" noChangeAspect="1"/>
+          </p:cNvPicPr>
+          <p:nvPr>
+            <p:ph idx="1"/>
+          </p:nvPr>
+        </p:nvPicPr>
+        <p:blipFill>
+          <a:blip r:embed="rId2">
+            <a:extLst>
+              <a:ext uri="{28A0092B-C50C-407E-A947-70E740481C1C}">
+                <a14:useLocalDpi xmlns:a14="http://schemas.microsoft.com/office/drawing/2010/main" val="0"/>
+              </a:ext>
+            </a:extLst>
+          </a:blip>
+          <a:stretch>
+            <a:fillRect/>
+          </a:stretch>
+        </p:blipFill>
+        <p:spPr>
+          <a:xfrm>
+            <a:off x="1612900" y="1595445"/>
+            <a:ext cx="6991478" cy="5092694"/>
+          </a:xfrm>
+        </p:spPr>
+      </p:pic>
+      <p:sp>
+        <p:nvSpPr>
+          <p:cNvPr id="6" name="TextBox 5"/>
           <p:cNvSpPr txBox="1"/>
           <p:nvPr/>
         </p:nvSpPr>
         <p:spPr>
           <a:xfrm>
-            <a:off x="2895600" y="2626870"/>
-            <a:ext cx="2255746" cy="369332"/>
+            <a:off x="7061200" y="6349585"/>
+            <a:ext cx="5003293" cy="338554"/>
           </a:xfrm>
           <a:prstGeom prst="rect">
             <a:avLst/>
@@ -11962,399 +11722,16 @@
           <a:lstStyle/>
           <a:p>
             <a:r>
-              <a:rPr lang="pl-PL" dirty="0" err="1" smtClean="0"/>
-              <a:t>AccountController</a:t>
-            </a:r>
-            <a:endParaRPr lang="pl-PL" dirty="0"/>
-          </a:p>
-        </p:txBody>
-      </p:sp>
-      <p:sp>
-        <p:nvSpPr>
-          <p:cNvPr id="15" name="TextBox 14"/>
-          <p:cNvSpPr txBox="1"/>
-          <p:nvPr/>
-        </p:nvSpPr>
-        <p:spPr>
-          <a:xfrm>
-            <a:off x="6162687" y="2626870"/>
-            <a:ext cx="1975221" cy="369332"/>
-          </a:xfrm>
-          <a:prstGeom prst="rect">
-            <a:avLst/>
-          </a:prstGeom>
-          <a:noFill/>
-        </p:spPr>
-        <p:txBody>
-          <a:bodyPr wrap="none" rtlCol="0">
-            <a:spAutoFit/>
-          </a:bodyPr>
-          <a:lstStyle/>
-          <a:p>
-            <a:r>
-              <a:rPr lang="pl-PL" dirty="0" err="1" smtClean="0"/>
-              <a:t>AccountService</a:t>
-            </a:r>
-            <a:endParaRPr lang="pl-PL" dirty="0" smtClean="0"/>
-          </a:p>
-        </p:txBody>
-      </p:sp>
-      <p:sp>
-        <p:nvSpPr>
-          <p:cNvPr id="16" name="TextBox 15"/>
-          <p:cNvSpPr txBox="1"/>
-          <p:nvPr/>
-        </p:nvSpPr>
-        <p:spPr>
-          <a:xfrm>
-            <a:off x="4265544" y="5841530"/>
-            <a:ext cx="2321469" cy="369332"/>
-          </a:xfrm>
-          <a:prstGeom prst="rect">
-            <a:avLst/>
-          </a:prstGeom>
-          <a:noFill/>
-        </p:spPr>
-        <p:txBody>
-          <a:bodyPr wrap="none" rtlCol="0">
-            <a:spAutoFit/>
-          </a:bodyPr>
-          <a:lstStyle/>
-          <a:p>
-            <a:r>
-              <a:rPr lang="pl-PL" dirty="0" err="1" smtClean="0"/>
-              <a:t>AccountRepository</a:t>
-            </a:r>
-            <a:endParaRPr lang="pl-PL" dirty="0" smtClean="0"/>
-          </a:p>
-        </p:txBody>
-      </p:sp>
-      <p:sp>
-        <p:nvSpPr>
-          <p:cNvPr id="17" name="TextBox 16"/>
-          <p:cNvSpPr txBox="1"/>
-          <p:nvPr/>
-        </p:nvSpPr>
-        <p:spPr>
-          <a:xfrm>
-            <a:off x="6702219" y="5817839"/>
-            <a:ext cx="1903085" cy="369332"/>
-          </a:xfrm>
-          <a:prstGeom prst="rect">
-            <a:avLst/>
-          </a:prstGeom>
-          <a:noFill/>
-        </p:spPr>
-        <p:txBody>
-          <a:bodyPr wrap="none" rtlCol="0">
-            <a:spAutoFit/>
-          </a:bodyPr>
-          <a:lstStyle/>
-          <a:p>
-            <a:r>
-              <a:rPr lang="pl-PL" dirty="0" err="1" smtClean="0"/>
-              <a:t>Account</a:t>
-            </a:r>
-            <a:r>
-              <a:rPr lang="pl-PL" dirty="0" smtClean="0"/>
-              <a:t> </a:t>
-            </a:r>
-            <a:r>
-              <a:rPr lang="pl-PL" dirty="0" err="1" smtClean="0"/>
-              <a:t>DbSet</a:t>
-            </a:r>
-            <a:endParaRPr lang="pl-PL" dirty="0" smtClean="0"/>
-          </a:p>
-        </p:txBody>
-      </p:sp>
-      <p:sp>
-        <p:nvSpPr>
-          <p:cNvPr id="18" name="TextBox 17"/>
-          <p:cNvSpPr txBox="1"/>
-          <p:nvPr/>
-        </p:nvSpPr>
-        <p:spPr>
-          <a:xfrm>
-            <a:off x="9112675" y="2637540"/>
-            <a:ext cx="1838965" cy="369332"/>
-          </a:xfrm>
-          <a:prstGeom prst="rect">
-            <a:avLst/>
-          </a:prstGeom>
-          <a:noFill/>
-        </p:spPr>
-        <p:txBody>
-          <a:bodyPr wrap="none" rtlCol="0">
-            <a:spAutoFit/>
-          </a:bodyPr>
-          <a:lstStyle/>
-          <a:p>
-            <a:r>
-              <a:rPr lang="pl-PL" dirty="0" err="1" smtClean="0"/>
-              <a:t>Account</a:t>
-            </a:r>
-            <a:r>
-              <a:rPr lang="pl-PL" dirty="0" smtClean="0"/>
-              <a:t> </a:t>
-            </a:r>
-            <a:r>
-              <a:rPr lang="pl-PL" dirty="0" err="1" smtClean="0"/>
-              <a:t>Table</a:t>
-            </a:r>
-            <a:endParaRPr lang="pl-PL" dirty="0" smtClean="0"/>
-          </a:p>
-        </p:txBody>
-      </p:sp>
-      <p:sp>
-        <p:nvSpPr>
-          <p:cNvPr id="19" name="Down Arrow 18"/>
-          <p:cNvSpPr/>
-          <p:nvPr/>
-        </p:nvSpPr>
-        <p:spPr>
-          <a:xfrm>
-            <a:off x="5918534" y="4060172"/>
-            <a:ext cx="419968" cy="783060"/>
-          </a:xfrm>
-          <a:prstGeom prst="downArrow">
-            <a:avLst/>
-          </a:prstGeom>
-        </p:spPr>
-        <p:style>
-          <a:lnRef idx="2">
-            <a:schemeClr val="accent6">
-              <a:shade val="50000"/>
-            </a:schemeClr>
-          </a:lnRef>
-          <a:fillRef idx="1">
-            <a:schemeClr val="accent6"/>
-          </a:fillRef>
-          <a:effectRef idx="0">
-            <a:schemeClr val="accent6"/>
-          </a:effectRef>
-          <a:fontRef idx="minor">
-            <a:schemeClr val="lt1"/>
-          </a:fontRef>
-        </p:style>
-        <p:txBody>
-          <a:bodyPr rtlCol="0" anchor="ctr"/>
-          <a:lstStyle/>
-          <a:p>
-            <a:pPr algn="ctr"/>
-            <a:endParaRPr lang="pl-PL"/>
-          </a:p>
-        </p:txBody>
-      </p:sp>
-      <p:sp>
-        <p:nvSpPr>
-          <p:cNvPr id="20" name="Down Arrow 19"/>
-          <p:cNvSpPr/>
-          <p:nvPr/>
-        </p:nvSpPr>
-        <p:spPr>
-          <a:xfrm rot="16200000">
-            <a:off x="6377029" y="5112084"/>
-            <a:ext cx="419968" cy="783060"/>
-          </a:xfrm>
-          <a:prstGeom prst="downArrow">
-            <a:avLst/>
-          </a:prstGeom>
-        </p:spPr>
-        <p:style>
-          <a:lnRef idx="2">
-            <a:schemeClr val="accent6">
-              <a:shade val="50000"/>
-            </a:schemeClr>
-          </a:lnRef>
-          <a:fillRef idx="1">
-            <a:schemeClr val="accent6"/>
-          </a:fillRef>
-          <a:effectRef idx="0">
-            <a:schemeClr val="accent6"/>
-          </a:effectRef>
-          <a:fontRef idx="minor">
-            <a:schemeClr val="lt1"/>
-          </a:fontRef>
-        </p:style>
-        <p:txBody>
-          <a:bodyPr rtlCol="0" anchor="ctr"/>
-          <a:lstStyle/>
-          <a:p>
-            <a:pPr algn="ctr"/>
-            <a:endParaRPr lang="pl-PL"/>
-          </a:p>
-        </p:txBody>
-      </p:sp>
-      <p:sp>
-        <p:nvSpPr>
-          <p:cNvPr id="21" name="Down Arrow 20"/>
-          <p:cNvSpPr/>
-          <p:nvPr/>
-        </p:nvSpPr>
-        <p:spPr>
-          <a:xfrm rot="14277274">
-            <a:off x="8399327" y="4200824"/>
-            <a:ext cx="419968" cy="783060"/>
-          </a:xfrm>
-          <a:prstGeom prst="downArrow">
-            <a:avLst/>
-          </a:prstGeom>
-        </p:spPr>
-        <p:style>
-          <a:lnRef idx="2">
-            <a:schemeClr val="accent6">
-              <a:shade val="50000"/>
-            </a:schemeClr>
-          </a:lnRef>
-          <a:fillRef idx="1">
-            <a:schemeClr val="accent6"/>
-          </a:fillRef>
-          <a:effectRef idx="0">
-            <a:schemeClr val="accent6"/>
-          </a:effectRef>
-          <a:fontRef idx="minor">
-            <a:schemeClr val="lt1"/>
-          </a:fontRef>
-        </p:style>
-        <p:txBody>
-          <a:bodyPr rtlCol="0" anchor="ctr"/>
-          <a:lstStyle/>
-          <a:p>
-            <a:pPr algn="ctr"/>
-            <a:endParaRPr lang="pl-PL"/>
-          </a:p>
-        </p:txBody>
-      </p:sp>
-      <p:sp>
-        <p:nvSpPr>
-          <p:cNvPr id="3" name="Rectangle 2"/>
-          <p:cNvSpPr/>
-          <p:nvPr/>
-        </p:nvSpPr>
-        <p:spPr>
-          <a:xfrm>
-            <a:off x="4141714" y="4252205"/>
-            <a:ext cx="1698785" cy="570098"/>
-          </a:xfrm>
-          <a:prstGeom prst="rect">
-            <a:avLst/>
-          </a:prstGeom>
-        </p:spPr>
-        <p:style>
-          <a:lnRef idx="1">
-            <a:schemeClr val="accent5"/>
-          </a:lnRef>
-          <a:fillRef idx="2">
-            <a:schemeClr val="accent5"/>
-          </a:fillRef>
-          <a:effectRef idx="1">
-            <a:schemeClr val="accent5"/>
-          </a:effectRef>
-          <a:fontRef idx="minor">
-            <a:schemeClr val="dk1"/>
-          </a:fontRef>
-        </p:style>
-        <p:txBody>
-          <a:bodyPr rtlCol="0" anchor="ctr"/>
-          <a:lstStyle/>
-          <a:p>
-            <a:pPr algn="ctr"/>
-            <a:r>
-              <a:rPr lang="pl-PL" dirty="0" err="1" smtClean="0"/>
-              <a:t>AccountDTO</a:t>
-            </a:r>
-            <a:endParaRPr lang="pl-PL" dirty="0"/>
-          </a:p>
-        </p:txBody>
-      </p:sp>
-      <p:sp>
-        <p:nvSpPr>
-          <p:cNvPr id="22" name="Rectangle 21"/>
-          <p:cNvSpPr/>
-          <p:nvPr/>
-        </p:nvSpPr>
-        <p:spPr>
-          <a:xfrm>
-            <a:off x="7197049" y="5195621"/>
-            <a:ext cx="1915625" cy="570098"/>
-          </a:xfrm>
-          <a:prstGeom prst="rect">
-            <a:avLst/>
-          </a:prstGeom>
-        </p:spPr>
-        <p:style>
-          <a:lnRef idx="1">
-            <a:schemeClr val="accent5"/>
-          </a:lnRef>
-          <a:fillRef idx="2">
-            <a:schemeClr val="accent5"/>
-          </a:fillRef>
-          <a:effectRef idx="1">
-            <a:schemeClr val="accent5"/>
-          </a:effectRef>
-          <a:fontRef idx="minor">
-            <a:schemeClr val="dk1"/>
-          </a:fontRef>
-        </p:style>
-        <p:txBody>
-          <a:bodyPr rtlCol="0" anchor="ctr"/>
-          <a:lstStyle/>
-          <a:p>
-            <a:pPr algn="ctr"/>
-            <a:r>
-              <a:rPr lang="pl-PL" dirty="0" err="1" smtClean="0"/>
-              <a:t>AccountEntity</a:t>
-            </a:r>
-            <a:endParaRPr lang="pl-PL" dirty="0"/>
-          </a:p>
-        </p:txBody>
-      </p:sp>
-      <p:sp>
-        <p:nvSpPr>
-          <p:cNvPr id="23" name="Rectangle 22"/>
-          <p:cNvSpPr/>
-          <p:nvPr/>
-        </p:nvSpPr>
-        <p:spPr>
-          <a:xfrm>
-            <a:off x="4823301" y="5266399"/>
-            <a:ext cx="1308100" cy="570098"/>
-          </a:xfrm>
-          <a:prstGeom prst="rect">
-            <a:avLst/>
-          </a:prstGeom>
-        </p:spPr>
-        <p:style>
-          <a:lnRef idx="0">
-            <a:schemeClr val="accent3"/>
-          </a:lnRef>
-          <a:fillRef idx="3">
-            <a:schemeClr val="accent3"/>
-          </a:fillRef>
-          <a:effectRef idx="3">
-            <a:schemeClr val="accent3"/>
-          </a:effectRef>
-          <a:fontRef idx="minor">
-            <a:schemeClr val="lt1"/>
-          </a:fontRef>
-        </p:style>
-        <p:txBody>
-          <a:bodyPr rtlCol="0" anchor="ctr"/>
-          <a:lstStyle/>
-          <a:p>
-            <a:pPr algn="ctr"/>
-            <a:r>
-              <a:rPr lang="pl-PL" dirty="0" err="1" smtClean="0"/>
-              <a:t>Mapping</a:t>
-            </a:r>
-            <a:endParaRPr lang="pl-PL" dirty="0"/>
+              <a:rPr lang="pl-PL" sz="1600" dirty="0"/>
+              <a:t>Źródło: https://martinfowler.com/bliki/CQRS.html</a:t>
+            </a:r>
           </a:p>
         </p:txBody>
       </p:sp>
     </p:spTree>
     <p:extLst>
       <p:ext uri="{BB962C8B-B14F-4D97-AF65-F5344CB8AC3E}">
-        <p14:creationId xmlns:p14="http://schemas.microsoft.com/office/powerpoint/2010/main" val="3814079234"/>
+        <p14:creationId xmlns:p14="http://schemas.microsoft.com/office/powerpoint/2010/main" val="2221524749"/>
       </p:ext>
     </p:extLst>
   </p:cSld>
@@ -12690,7 +12067,7 @@
         <p:spPr>
           <a:xfrm>
             <a:off x="6036264" y="3121371"/>
-            <a:ext cx="1786936" cy="1409263"/>
+            <a:ext cx="1409263" cy="1409263"/>
           </a:xfrm>
           <a:prstGeom prst="cube">
             <a:avLst/>
@@ -12718,12 +12095,8 @@
           <a:p>
             <a:pPr algn="ctr"/>
             <a:r>
-              <a:rPr lang="pl-PL" dirty="0" err="1" smtClean="0"/>
-              <a:t>Command</a:t>
-            </a:r>
-            <a:r>
               <a:rPr lang="pl-PL" dirty="0" smtClean="0"/>
-              <a:t> handler</a:t>
+              <a:t>Service</a:t>
             </a:r>
           </a:p>
           <a:p>
@@ -12857,13 +12230,13 @@
       </p:sp>
       <p:sp>
         <p:nvSpPr>
-          <p:cNvPr id="14" name="Cube 13"/>
+          <p:cNvPr id="12" name="Cube 11"/>
           <p:cNvSpPr/>
           <p:nvPr/>
         </p:nvSpPr>
         <p:spPr>
           <a:xfrm>
-            <a:off x="6587013" y="4304335"/>
+            <a:off x="5292956" y="4304336"/>
             <a:ext cx="1409263" cy="1409263"/>
           </a:xfrm>
           <a:prstGeom prst="cube">
@@ -12892,6 +12265,54 @@
           <a:p>
             <a:pPr algn="ctr"/>
             <a:r>
+              <a:rPr lang="pl-PL" sz="1200" dirty="0" err="1" smtClean="0"/>
+              <a:t>Repository</a:t>
+            </a:r>
+            <a:endParaRPr lang="pl-PL" sz="1200" dirty="0" smtClean="0"/>
+          </a:p>
+          <a:p>
+            <a:pPr algn="ctr"/>
+            <a:endParaRPr lang="pl-PL" sz="1200" dirty="0"/>
+          </a:p>
+        </p:txBody>
+      </p:sp>
+      <p:sp>
+        <p:nvSpPr>
+          <p:cNvPr id="14" name="Cube 13"/>
+          <p:cNvSpPr/>
+          <p:nvPr/>
+        </p:nvSpPr>
+        <p:spPr>
+          <a:xfrm>
+            <a:off x="6587013" y="4304335"/>
+            <a:ext cx="1409263" cy="1409263"/>
+          </a:xfrm>
+          <a:prstGeom prst="cube">
+            <a:avLst/>
+          </a:prstGeom>
+        </p:spPr>
+        <p:style>
+          <a:lnRef idx="2">
+            <a:schemeClr val="accent1">
+              <a:shade val="50000"/>
+            </a:schemeClr>
+          </a:lnRef>
+          <a:fillRef idx="1">
+            <a:schemeClr val="accent1"/>
+          </a:fillRef>
+          <a:effectRef idx="0">
+            <a:schemeClr val="accent1"/>
+          </a:effectRef>
+          <a:fontRef idx="minor">
+            <a:schemeClr val="lt1"/>
+          </a:fontRef>
+        </p:style>
+        <p:txBody>
+          <a:bodyPr rtlCol="0" anchor="ctr"/>
+          <a:lstStyle/>
+          <a:p>
+            <a:pPr algn="ctr"/>
+            <a:r>
               <a:rPr lang="pl-PL" sz="1200" dirty="0" smtClean="0"/>
               <a:t>ORM</a:t>
             </a:r>
@@ -12911,7 +12332,7 @@
         <p:spPr>
           <a:xfrm>
             <a:off x="2895600" y="2626870"/>
-            <a:ext cx="1734770" cy="369332"/>
+            <a:ext cx="2255746" cy="369332"/>
           </a:xfrm>
           <a:prstGeom prst="rect">
             <a:avLst/>
@@ -12926,7 +12347,7 @@
           <a:p>
             <a:r>
               <a:rPr lang="pl-PL" dirty="0" err="1" smtClean="0"/>
-              <a:t>UserController</a:t>
+              <a:t>AccountController</a:t>
             </a:r>
             <a:endParaRPr lang="pl-PL" dirty="0"/>
           </a:p>
@@ -12940,8 +12361,8 @@
         </p:nvSpPr>
         <p:spPr>
           <a:xfrm>
-            <a:off x="5580103" y="2637540"/>
-            <a:ext cx="3241593" cy="369332"/>
+            <a:off x="6162687" y="2626870"/>
+            <a:ext cx="1975221" cy="369332"/>
           </a:xfrm>
           <a:prstGeom prst="rect">
             <a:avLst/>
@@ -12956,7 +12377,37 @@
           <a:p>
             <a:r>
               <a:rPr lang="pl-PL" dirty="0" err="1" smtClean="0"/>
-              <a:t>AddUserCommandHandler</a:t>
+              <a:t>AccountService</a:t>
+            </a:r>
+            <a:endParaRPr lang="pl-PL" dirty="0" smtClean="0"/>
+          </a:p>
+        </p:txBody>
+      </p:sp>
+      <p:sp>
+        <p:nvSpPr>
+          <p:cNvPr id="16" name="TextBox 15"/>
+          <p:cNvSpPr txBox="1"/>
+          <p:nvPr/>
+        </p:nvSpPr>
+        <p:spPr>
+          <a:xfrm>
+            <a:off x="4265544" y="5841530"/>
+            <a:ext cx="2321469" cy="369332"/>
+          </a:xfrm>
+          <a:prstGeom prst="rect">
+            <a:avLst/>
+          </a:prstGeom>
+          <a:noFill/>
+        </p:spPr>
+        <p:txBody>
+          <a:bodyPr wrap="none" rtlCol="0">
+            <a:spAutoFit/>
+          </a:bodyPr>
+          <a:lstStyle/>
+          <a:p>
+            <a:r>
+              <a:rPr lang="pl-PL" dirty="0" err="1" smtClean="0"/>
+              <a:t>AccountRepository</a:t>
             </a:r>
             <a:endParaRPr lang="pl-PL" dirty="0" smtClean="0"/>
           </a:p>
@@ -12971,7 +12422,7 @@
         <p:spPr>
           <a:xfrm>
             <a:off x="6702219" y="5817839"/>
-            <a:ext cx="1382110" cy="369332"/>
+            <a:ext cx="1903085" cy="369332"/>
           </a:xfrm>
           <a:prstGeom prst="rect">
             <a:avLst/>
@@ -12985,8 +12436,12 @@
           <a:lstStyle/>
           <a:p>
             <a:r>
+              <a:rPr lang="pl-PL" dirty="0" err="1" smtClean="0"/>
+              <a:t>Account</a:t>
+            </a:r>
+            <a:r>
               <a:rPr lang="pl-PL" dirty="0" smtClean="0"/>
-              <a:t>User </a:t>
+              <a:t> </a:t>
             </a:r>
             <a:r>
               <a:rPr lang="pl-PL" dirty="0" err="1" smtClean="0"/>
@@ -13005,7 +12460,7 @@
         <p:spPr>
           <a:xfrm>
             <a:off x="9112675" y="2637540"/>
-            <a:ext cx="1317990" cy="369332"/>
+            <a:ext cx="1838965" cy="369332"/>
           </a:xfrm>
           <a:prstGeom prst="rect">
             <a:avLst/>
@@ -13019,8 +12474,12 @@
           <a:lstStyle/>
           <a:p>
             <a:r>
+              <a:rPr lang="pl-PL" dirty="0" err="1" smtClean="0"/>
+              <a:t>Account</a:t>
+            </a:r>
+            <a:r>
               <a:rPr lang="pl-PL" dirty="0" smtClean="0"/>
-              <a:t>User </a:t>
+              <a:t> </a:t>
             </a:r>
             <a:r>
               <a:rPr lang="pl-PL" dirty="0" err="1" smtClean="0"/>
@@ -13038,7 +12497,7 @@
         </p:nvSpPr>
         <p:spPr>
           <a:xfrm>
-            <a:off x="6870845" y="4123579"/>
+            <a:off x="5918534" y="4060172"/>
             <a:ext cx="419968" cy="783060"/>
           </a:xfrm>
           <a:prstGeom prst="downArrow">
@@ -13072,13 +12531,13 @@
       </p:sp>
       <p:sp>
         <p:nvSpPr>
-          <p:cNvPr id="21" name="Down Arrow 20"/>
+          <p:cNvPr id="20" name="Down Arrow 19"/>
           <p:cNvSpPr/>
           <p:nvPr/>
         </p:nvSpPr>
         <p:spPr>
-          <a:xfrm rot="14277274">
-            <a:off x="8399327" y="4200824"/>
+          <a:xfrm rot="16200000">
+            <a:off x="6377029" y="5112084"/>
             <a:ext cx="419968" cy="783060"/>
           </a:xfrm>
           <a:prstGeom prst="downArrow">
@@ -13112,14 +12571,54 @@
       </p:sp>
       <p:sp>
         <p:nvSpPr>
+          <p:cNvPr id="21" name="Down Arrow 20"/>
+          <p:cNvSpPr/>
+          <p:nvPr/>
+        </p:nvSpPr>
+        <p:spPr>
+          <a:xfrm rot="14277274">
+            <a:off x="8399327" y="4200824"/>
+            <a:ext cx="419968" cy="783060"/>
+          </a:xfrm>
+          <a:prstGeom prst="downArrow">
+            <a:avLst/>
+          </a:prstGeom>
+        </p:spPr>
+        <p:style>
+          <a:lnRef idx="2">
+            <a:schemeClr val="accent6">
+              <a:shade val="50000"/>
+            </a:schemeClr>
+          </a:lnRef>
+          <a:fillRef idx="1">
+            <a:schemeClr val="accent6"/>
+          </a:fillRef>
+          <a:effectRef idx="0">
+            <a:schemeClr val="accent6"/>
+          </a:effectRef>
+          <a:fontRef idx="minor">
+            <a:schemeClr val="lt1"/>
+          </a:fontRef>
+        </p:style>
+        <p:txBody>
+          <a:bodyPr rtlCol="0" anchor="ctr"/>
+          <a:lstStyle/>
+          <a:p>
+            <a:pPr algn="ctr"/>
+            <a:endParaRPr lang="pl-PL"/>
+          </a:p>
+        </p:txBody>
+      </p:sp>
+      <p:sp>
+        <p:nvSpPr>
           <p:cNvPr id="3" name="Rectangle 2"/>
           <p:cNvSpPr/>
           <p:nvPr/>
         </p:nvSpPr>
         <p:spPr>
           <a:xfrm>
-            <a:off x="3390900" y="4252205"/>
-            <a:ext cx="2449599" cy="570098"/>
+            <a:off x="4141714" y="4252205"/>
+            <a:ext cx="1698785" cy="570098"/>
           </a:xfrm>
           <a:prstGeom prst="rect">
             <a:avLst/>
@@ -13146,7 +12645,7 @@
             <a:pPr algn="ctr"/>
             <a:r>
               <a:rPr lang="pl-PL" dirty="0" err="1" smtClean="0"/>
-              <a:t>AddUserCommand</a:t>
+              <a:t>AccountDTO</a:t>
             </a:r>
             <a:endParaRPr lang="pl-PL" dirty="0"/>
           </a:p>
@@ -13160,8 +12659,8 @@
         </p:nvSpPr>
         <p:spPr>
           <a:xfrm>
-            <a:off x="7483564" y="5309555"/>
-            <a:ext cx="2518451" cy="570098"/>
+            <a:off x="7197049" y="5195621"/>
+            <a:ext cx="1915625" cy="570098"/>
           </a:xfrm>
           <a:prstGeom prst="rect">
             <a:avLst/>
@@ -13188,7 +12687,49 @@
             <a:pPr algn="ctr"/>
             <a:r>
               <a:rPr lang="pl-PL" dirty="0" err="1" smtClean="0"/>
-              <a:t>UserWriteModel</a:t>
+              <a:t>AccountEntity</a:t>
+            </a:r>
+            <a:endParaRPr lang="pl-PL" dirty="0"/>
+          </a:p>
+        </p:txBody>
+      </p:sp>
+      <p:sp>
+        <p:nvSpPr>
+          <p:cNvPr id="23" name="Rectangle 22"/>
+          <p:cNvSpPr/>
+          <p:nvPr/>
+        </p:nvSpPr>
+        <p:spPr>
+          <a:xfrm>
+            <a:off x="4823301" y="5266399"/>
+            <a:ext cx="1308100" cy="570098"/>
+          </a:xfrm>
+          <a:prstGeom prst="rect">
+            <a:avLst/>
+          </a:prstGeom>
+        </p:spPr>
+        <p:style>
+          <a:lnRef idx="0">
+            <a:schemeClr val="accent3"/>
+          </a:lnRef>
+          <a:fillRef idx="3">
+            <a:schemeClr val="accent3"/>
+          </a:fillRef>
+          <a:effectRef idx="3">
+            <a:schemeClr val="accent3"/>
+          </a:effectRef>
+          <a:fontRef idx="minor">
+            <a:schemeClr val="lt1"/>
+          </a:fontRef>
+        </p:style>
+        <p:txBody>
+          <a:bodyPr rtlCol="0" anchor="ctr"/>
+          <a:lstStyle/>
+          <a:p>
+            <a:pPr algn="ctr"/>
+            <a:r>
+              <a:rPr lang="pl-PL" dirty="0" err="1" smtClean="0"/>
+              <a:t>Mapping</a:t>
             </a:r>
             <a:endParaRPr lang="pl-PL" dirty="0"/>
           </a:p>
@@ -13197,7 +12738,7 @@
     </p:spTree>
     <p:extLst>
       <p:ext uri="{BB962C8B-B14F-4D97-AF65-F5344CB8AC3E}">
-        <p14:creationId xmlns:p14="http://schemas.microsoft.com/office/powerpoint/2010/main" val="2802739804"/>
+        <p14:creationId xmlns:p14="http://schemas.microsoft.com/office/powerpoint/2010/main" val="3814079234"/>
       </p:ext>
     </p:extLst>
   </p:cSld>
@@ -13231,146 +12772,622 @@
           <a:chExt cx="0" cy="0"/>
         </a:xfrm>
       </p:grpSpPr>
-      <p:pic>
-        <p:nvPicPr>
-          <p:cNvPr id="4" name="Picture 3"/>
-          <p:cNvPicPr>
-            <a:picLocks noChangeAspect="1"/>
-          </p:cNvPicPr>
+      <p:sp>
+        <p:nvSpPr>
+          <p:cNvPr id="2" name="Title 1"/>
+          <p:cNvSpPr>
+            <a:spLocks noGrp="1"/>
+          </p:cNvSpPr>
+          <p:nvPr>
+            <p:ph type="title"/>
+          </p:nvPr>
+        </p:nvSpPr>
+        <p:spPr/>
+        <p:txBody>
+          <a:bodyPr>
+            <a:normAutofit/>
+          </a:bodyPr>
+          <a:lstStyle/>
+          <a:p>
+            <a:r>
+              <a:rPr lang="pl-PL" dirty="0"/>
+              <a:t>Czemu CQRS to krok wstecz i dwa do przodu</a:t>
+            </a:r>
+          </a:p>
+        </p:txBody>
+      </p:sp>
+      <p:sp>
+        <p:nvSpPr>
+          <p:cNvPr id="5" name="Cloud Callout 4"/>
+          <p:cNvSpPr/>
           <p:nvPr/>
-        </p:nvPicPr>
-        <p:blipFill>
-          <a:blip r:embed="rId2"/>
-          <a:stretch>
-            <a:fillRect/>
-          </a:stretch>
-        </p:blipFill>
-        <p:spPr>
-          <a:xfrm>
-            <a:off x="3167276" y="3519558"/>
-            <a:ext cx="6809348" cy="2455565"/>
+        </p:nvSpPr>
+        <p:spPr>
+          <a:xfrm>
+            <a:off x="2801854" y="3121371"/>
+            <a:ext cx="1994080" cy="1336034"/>
+          </a:xfrm>
+          <a:prstGeom prst="cloudCallout">
+            <a:avLst/>
+          </a:prstGeom>
+        </p:spPr>
+        <p:style>
+          <a:lnRef idx="2">
+            <a:schemeClr val="accent1">
+              <a:shade val="50000"/>
+            </a:schemeClr>
+          </a:lnRef>
+          <a:fillRef idx="1">
+            <a:schemeClr val="accent1"/>
+          </a:fillRef>
+          <a:effectRef idx="0">
+            <a:schemeClr val="accent1"/>
+          </a:effectRef>
+          <a:fontRef idx="minor">
+            <a:schemeClr val="lt1"/>
+          </a:fontRef>
+        </p:style>
+        <p:txBody>
+          <a:bodyPr rtlCol="0" anchor="ctr"/>
+          <a:lstStyle/>
+          <a:p>
+            <a:pPr algn="ctr"/>
+            <a:r>
+              <a:rPr lang="pl-PL" dirty="0" smtClean="0"/>
+              <a:t>Controller</a:t>
+            </a:r>
+            <a:endParaRPr lang="pl-PL" dirty="0"/>
+          </a:p>
+        </p:txBody>
+      </p:sp>
+      <p:sp>
+        <p:nvSpPr>
+          <p:cNvPr id="6" name="Smiley Face 5"/>
+          <p:cNvSpPr/>
+          <p:nvPr/>
+        </p:nvSpPr>
+        <p:spPr>
+          <a:xfrm>
+            <a:off x="685800" y="3292222"/>
+            <a:ext cx="914400" cy="914400"/>
+          </a:xfrm>
+          <a:prstGeom prst="smileyFace">
+            <a:avLst/>
+          </a:prstGeom>
+        </p:spPr>
+        <p:style>
+          <a:lnRef idx="2">
+            <a:schemeClr val="accent1">
+              <a:shade val="50000"/>
+            </a:schemeClr>
+          </a:lnRef>
+          <a:fillRef idx="1">
+            <a:schemeClr val="accent1"/>
+          </a:fillRef>
+          <a:effectRef idx="0">
+            <a:schemeClr val="accent1"/>
+          </a:effectRef>
+          <a:fontRef idx="minor">
+            <a:schemeClr val="lt1"/>
+          </a:fontRef>
+        </p:style>
+        <p:txBody>
+          <a:bodyPr rtlCol="0" anchor="ctr"/>
+          <a:lstStyle/>
+          <a:p>
+            <a:pPr algn="ctr"/>
+            <a:endParaRPr lang="pl-PL" dirty="0"/>
+          </a:p>
+        </p:txBody>
+      </p:sp>
+      <p:sp>
+        <p:nvSpPr>
+          <p:cNvPr id="7" name="Cube 6"/>
+          <p:cNvSpPr/>
+          <p:nvPr/>
+        </p:nvSpPr>
+        <p:spPr>
+          <a:xfrm>
+            <a:off x="6036264" y="3121371"/>
+            <a:ext cx="1786936" cy="1409263"/>
+          </a:xfrm>
+          <a:prstGeom prst="cube">
+            <a:avLst/>
+          </a:prstGeom>
+        </p:spPr>
+        <p:style>
+          <a:lnRef idx="2">
+            <a:schemeClr val="accent1">
+              <a:shade val="50000"/>
+            </a:schemeClr>
+          </a:lnRef>
+          <a:fillRef idx="1">
+            <a:schemeClr val="accent1"/>
+          </a:fillRef>
+          <a:effectRef idx="0">
+            <a:schemeClr val="accent1"/>
+          </a:effectRef>
+          <a:fontRef idx="minor">
+            <a:schemeClr val="lt1"/>
+          </a:fontRef>
+        </p:style>
+        <p:txBody>
+          <a:bodyPr rtlCol="0" anchor="ctr"/>
+          <a:lstStyle/>
+          <a:p>
+            <a:pPr algn="ctr"/>
+            <a:r>
+              <a:rPr lang="pl-PL" dirty="0" err="1" smtClean="0"/>
+              <a:t>Command</a:t>
+            </a:r>
+            <a:r>
+              <a:rPr lang="pl-PL" dirty="0" smtClean="0"/>
+              <a:t> handler</a:t>
+            </a:r>
+          </a:p>
+          <a:p>
+            <a:pPr algn="ctr"/>
+            <a:endParaRPr lang="pl-PL" dirty="0"/>
+          </a:p>
+        </p:txBody>
+      </p:sp>
+      <p:sp>
+        <p:nvSpPr>
+          <p:cNvPr id="8" name="Can 7"/>
+          <p:cNvSpPr/>
+          <p:nvPr/>
+        </p:nvSpPr>
+        <p:spPr>
+          <a:xfrm>
+            <a:off x="9222347" y="3241253"/>
+            <a:ext cx="914400" cy="1216152"/>
+          </a:xfrm>
+          <a:prstGeom prst="can">
+            <a:avLst/>
+          </a:prstGeom>
+        </p:spPr>
+        <p:style>
+          <a:lnRef idx="2">
+            <a:schemeClr val="accent1">
+              <a:shade val="50000"/>
+            </a:schemeClr>
+          </a:lnRef>
+          <a:fillRef idx="1">
+            <a:schemeClr val="accent1"/>
+          </a:fillRef>
+          <a:effectRef idx="0">
+            <a:schemeClr val="accent1"/>
+          </a:effectRef>
+          <a:fontRef idx="minor">
+            <a:schemeClr val="lt1"/>
+          </a:fontRef>
+        </p:style>
+        <p:txBody>
+          <a:bodyPr rtlCol="0" anchor="ctr"/>
+          <a:lstStyle/>
+          <a:p>
+            <a:pPr algn="ctr"/>
+            <a:r>
+              <a:rPr lang="pl-PL" dirty="0" smtClean="0"/>
+              <a:t>DB</a:t>
+            </a:r>
+          </a:p>
+        </p:txBody>
+      </p:sp>
+      <p:sp>
+        <p:nvSpPr>
+          <p:cNvPr id="9" name="Right Arrow 8"/>
+          <p:cNvSpPr/>
+          <p:nvPr/>
+        </p:nvSpPr>
+        <p:spPr>
+          <a:xfrm>
+            <a:off x="1823446" y="3537521"/>
+            <a:ext cx="978408" cy="484632"/>
+          </a:xfrm>
+          <a:prstGeom prst="rightArrow">
+            <a:avLst/>
+          </a:prstGeom>
+        </p:spPr>
+        <p:style>
+          <a:lnRef idx="2">
+            <a:schemeClr val="accent1">
+              <a:shade val="50000"/>
+            </a:schemeClr>
+          </a:lnRef>
+          <a:fillRef idx="1">
+            <a:schemeClr val="accent1"/>
+          </a:fillRef>
+          <a:effectRef idx="0">
+            <a:schemeClr val="accent1"/>
+          </a:effectRef>
+          <a:fontRef idx="minor">
+            <a:schemeClr val="lt1"/>
+          </a:fontRef>
+        </p:style>
+        <p:txBody>
+          <a:bodyPr rtlCol="0" anchor="ctr"/>
+          <a:lstStyle/>
+          <a:p>
+            <a:pPr algn="ctr"/>
+            <a:endParaRPr lang="pl-PL" dirty="0"/>
+          </a:p>
+        </p:txBody>
+      </p:sp>
+      <p:sp>
+        <p:nvSpPr>
+          <p:cNvPr id="10" name="Right Arrow 9"/>
+          <p:cNvSpPr/>
+          <p:nvPr/>
+        </p:nvSpPr>
+        <p:spPr>
+          <a:xfrm>
+            <a:off x="4823301" y="3507106"/>
+            <a:ext cx="978408" cy="484632"/>
+          </a:xfrm>
+          <a:prstGeom prst="rightArrow">
+            <a:avLst/>
+          </a:prstGeom>
+        </p:spPr>
+        <p:style>
+          <a:lnRef idx="2">
+            <a:schemeClr val="accent1">
+              <a:shade val="50000"/>
+            </a:schemeClr>
+          </a:lnRef>
+          <a:fillRef idx="1">
+            <a:schemeClr val="accent1"/>
+          </a:fillRef>
+          <a:effectRef idx="0">
+            <a:schemeClr val="accent1"/>
+          </a:effectRef>
+          <a:fontRef idx="minor">
+            <a:schemeClr val="lt1"/>
+          </a:fontRef>
+        </p:style>
+        <p:txBody>
+          <a:bodyPr rtlCol="0" anchor="ctr"/>
+          <a:lstStyle/>
+          <a:p>
+            <a:pPr algn="ctr"/>
+            <a:endParaRPr lang="pl-PL" dirty="0"/>
+          </a:p>
+        </p:txBody>
+      </p:sp>
+      <p:sp>
+        <p:nvSpPr>
+          <p:cNvPr id="14" name="Cube 13"/>
+          <p:cNvSpPr/>
+          <p:nvPr/>
+        </p:nvSpPr>
+        <p:spPr>
+          <a:xfrm>
+            <a:off x="6587013" y="4304335"/>
+            <a:ext cx="1409263" cy="1409263"/>
+          </a:xfrm>
+          <a:prstGeom prst="cube">
+            <a:avLst/>
+          </a:prstGeom>
+        </p:spPr>
+        <p:style>
+          <a:lnRef idx="2">
+            <a:schemeClr val="accent1">
+              <a:shade val="50000"/>
+            </a:schemeClr>
+          </a:lnRef>
+          <a:fillRef idx="1">
+            <a:schemeClr val="accent1"/>
+          </a:fillRef>
+          <a:effectRef idx="0">
+            <a:schemeClr val="accent1"/>
+          </a:effectRef>
+          <a:fontRef idx="minor">
+            <a:schemeClr val="lt1"/>
+          </a:fontRef>
+        </p:style>
+        <p:txBody>
+          <a:bodyPr rtlCol="0" anchor="ctr"/>
+          <a:lstStyle/>
+          <a:p>
+            <a:pPr algn="ctr"/>
+            <a:r>
+              <a:rPr lang="pl-PL" sz="1200" dirty="0" smtClean="0"/>
+              <a:t>ORM</a:t>
+            </a:r>
+          </a:p>
+          <a:p>
+            <a:pPr algn="ctr"/>
+            <a:endParaRPr lang="pl-PL" sz="1200" dirty="0"/>
+          </a:p>
+        </p:txBody>
+      </p:sp>
+      <p:sp>
+        <p:nvSpPr>
+          <p:cNvPr id="13" name="TextBox 12"/>
+          <p:cNvSpPr txBox="1"/>
+          <p:nvPr/>
+        </p:nvSpPr>
+        <p:spPr>
+          <a:xfrm>
+            <a:off x="2895600" y="2626870"/>
+            <a:ext cx="1734770" cy="369332"/>
           </a:xfrm>
           <a:prstGeom prst="rect">
             <a:avLst/>
           </a:prstGeom>
-        </p:spPr>
-      </p:pic>
-      <p:pic>
-        <p:nvPicPr>
-          <p:cNvPr id="24" name="Picture 23"/>
-          <p:cNvPicPr>
-            <a:picLocks noChangeAspect="1"/>
-          </p:cNvPicPr>
+          <a:noFill/>
+        </p:spPr>
+        <p:txBody>
+          <a:bodyPr wrap="none" rtlCol="0">
+            <a:spAutoFit/>
+          </a:bodyPr>
+          <a:lstStyle/>
+          <a:p>
+            <a:r>
+              <a:rPr lang="pl-PL" dirty="0" err="1" smtClean="0"/>
+              <a:t>UserController</a:t>
+            </a:r>
+            <a:endParaRPr lang="pl-PL" dirty="0"/>
+          </a:p>
+        </p:txBody>
+      </p:sp>
+      <p:sp>
+        <p:nvSpPr>
+          <p:cNvPr id="15" name="TextBox 14"/>
+          <p:cNvSpPr txBox="1"/>
           <p:nvPr/>
-        </p:nvPicPr>
-        <p:blipFill>
-          <a:blip r:embed="rId3"/>
-          <a:stretch>
-            <a:fillRect/>
-          </a:stretch>
-        </p:blipFill>
-        <p:spPr>
-          <a:xfrm>
-            <a:off x="1943100" y="2460078"/>
-            <a:ext cx="7112000" cy="2454369"/>
+        </p:nvSpPr>
+        <p:spPr>
+          <a:xfrm>
+            <a:off x="5580103" y="2637540"/>
+            <a:ext cx="3241593" cy="369332"/>
           </a:xfrm>
           <a:prstGeom prst="rect">
             <a:avLst/>
           </a:prstGeom>
-        </p:spPr>
-      </p:pic>
-      <p:pic>
-        <p:nvPicPr>
-          <p:cNvPr id="6" name="Picture 5"/>
-          <p:cNvPicPr>
-            <a:picLocks noChangeAspect="1"/>
-          </p:cNvPicPr>
+          <a:noFill/>
+        </p:spPr>
+        <p:txBody>
+          <a:bodyPr wrap="none" rtlCol="0">
+            <a:spAutoFit/>
+          </a:bodyPr>
+          <a:lstStyle/>
+          <a:p>
+            <a:r>
+              <a:rPr lang="pl-PL" dirty="0" err="1" smtClean="0"/>
+              <a:t>AddUserCommandHandler</a:t>
+            </a:r>
+            <a:endParaRPr lang="pl-PL" dirty="0" smtClean="0"/>
+          </a:p>
+        </p:txBody>
+      </p:sp>
+      <p:sp>
+        <p:nvSpPr>
+          <p:cNvPr id="17" name="TextBox 16"/>
+          <p:cNvSpPr txBox="1"/>
           <p:nvPr/>
-        </p:nvPicPr>
-        <p:blipFill>
-          <a:blip r:embed="rId4"/>
-          <a:stretch>
-            <a:fillRect/>
-          </a:stretch>
-        </p:blipFill>
-        <p:spPr>
-          <a:xfrm>
-            <a:off x="2962417" y="3826963"/>
-            <a:ext cx="1019317" cy="1019317"/>
+        </p:nvSpPr>
+        <p:spPr>
+          <a:xfrm>
+            <a:off x="6702219" y="5817839"/>
+            <a:ext cx="1382110" cy="369332"/>
           </a:xfrm>
           <a:prstGeom prst="rect">
             <a:avLst/>
           </a:prstGeom>
-        </p:spPr>
-      </p:pic>
-      <p:pic>
-        <p:nvPicPr>
-          <p:cNvPr id="8" name="Picture 7"/>
-          <p:cNvPicPr>
-            <a:picLocks noChangeAspect="1"/>
-          </p:cNvPicPr>
+          <a:noFill/>
+        </p:spPr>
+        <p:txBody>
+          <a:bodyPr wrap="none" rtlCol="0">
+            <a:spAutoFit/>
+          </a:bodyPr>
+          <a:lstStyle/>
+          <a:p>
+            <a:r>
+              <a:rPr lang="pl-PL" dirty="0" smtClean="0"/>
+              <a:t>User </a:t>
+            </a:r>
+            <a:r>
+              <a:rPr lang="pl-PL" dirty="0" err="1" smtClean="0"/>
+              <a:t>DbSet</a:t>
+            </a:r>
+            <a:endParaRPr lang="pl-PL" dirty="0" smtClean="0"/>
+          </a:p>
+        </p:txBody>
+      </p:sp>
+      <p:sp>
+        <p:nvSpPr>
+          <p:cNvPr id="18" name="TextBox 17"/>
+          <p:cNvSpPr txBox="1"/>
           <p:nvPr/>
-        </p:nvPicPr>
-        <p:blipFill>
-          <a:blip r:embed="rId4"/>
-          <a:stretch>
-            <a:fillRect/>
-          </a:stretch>
-        </p:blipFill>
-        <p:spPr>
-          <a:xfrm>
-            <a:off x="1852541" y="2763218"/>
-            <a:ext cx="1019317" cy="1019317"/>
+        </p:nvSpPr>
+        <p:spPr>
+          <a:xfrm>
+            <a:off x="9112675" y="2637540"/>
+            <a:ext cx="1317990" cy="369332"/>
           </a:xfrm>
           <a:prstGeom prst="rect">
             <a:avLst/>
           </a:prstGeom>
-        </p:spPr>
-      </p:pic>
-      <p:sp>
-        <p:nvSpPr>
-          <p:cNvPr id="9" name="Title 1"/>
-          <p:cNvSpPr txBox="1">
-            <a:spLocks/>
-          </p:cNvSpPr>
+          <a:noFill/>
+        </p:spPr>
+        <p:txBody>
+          <a:bodyPr wrap="none" rtlCol="0">
+            <a:spAutoFit/>
+          </a:bodyPr>
+          <a:lstStyle/>
+          <a:p>
+            <a:r>
+              <a:rPr lang="pl-PL" dirty="0" smtClean="0"/>
+              <a:t>User </a:t>
+            </a:r>
+            <a:r>
+              <a:rPr lang="pl-PL" dirty="0" err="1" smtClean="0"/>
+              <a:t>Table</a:t>
+            </a:r>
+            <a:endParaRPr lang="pl-PL" dirty="0" smtClean="0"/>
+          </a:p>
+        </p:txBody>
+      </p:sp>
+      <p:sp>
+        <p:nvSpPr>
+          <p:cNvPr id="19" name="Down Arrow 18"/>
+          <p:cNvSpPr/>
           <p:nvPr/>
         </p:nvSpPr>
         <p:spPr>
           <a:xfrm>
-            <a:off x="3048000" y="916773"/>
-            <a:ext cx="8610600" cy="1293028"/>
+            <a:off x="6870845" y="4123579"/>
+            <a:ext cx="419968" cy="783060"/>
+          </a:xfrm>
+          <a:prstGeom prst="downArrow">
+            <a:avLst/>
+          </a:prstGeom>
+        </p:spPr>
+        <p:style>
+          <a:lnRef idx="2">
+            <a:schemeClr val="accent6">
+              <a:shade val="50000"/>
+            </a:schemeClr>
+          </a:lnRef>
+          <a:fillRef idx="1">
+            <a:schemeClr val="accent6"/>
+          </a:fillRef>
+          <a:effectRef idx="0">
+            <a:schemeClr val="accent6"/>
+          </a:effectRef>
+          <a:fontRef idx="minor">
+            <a:schemeClr val="lt1"/>
+          </a:fontRef>
+        </p:style>
+        <p:txBody>
+          <a:bodyPr rtlCol="0" anchor="ctr"/>
+          <a:lstStyle/>
+          <a:p>
+            <a:pPr algn="ctr"/>
+            <a:endParaRPr lang="pl-PL"/>
+          </a:p>
+        </p:txBody>
+      </p:sp>
+      <p:sp>
+        <p:nvSpPr>
+          <p:cNvPr id="21" name="Down Arrow 20"/>
+          <p:cNvSpPr/>
+          <p:nvPr/>
+        </p:nvSpPr>
+        <p:spPr>
+          <a:xfrm rot="14277274">
+            <a:off x="8399327" y="4200824"/>
+            <a:ext cx="419968" cy="783060"/>
+          </a:xfrm>
+          <a:prstGeom prst="downArrow">
+            <a:avLst/>
+          </a:prstGeom>
+        </p:spPr>
+        <p:style>
+          <a:lnRef idx="2">
+            <a:schemeClr val="accent6">
+              <a:shade val="50000"/>
+            </a:schemeClr>
+          </a:lnRef>
+          <a:fillRef idx="1">
+            <a:schemeClr val="accent6"/>
+          </a:fillRef>
+          <a:effectRef idx="0">
+            <a:schemeClr val="accent6"/>
+          </a:effectRef>
+          <a:fontRef idx="minor">
+            <a:schemeClr val="lt1"/>
+          </a:fontRef>
+        </p:style>
+        <p:txBody>
+          <a:bodyPr rtlCol="0" anchor="ctr"/>
+          <a:lstStyle/>
+          <a:p>
+            <a:pPr algn="ctr"/>
+            <a:endParaRPr lang="pl-PL"/>
+          </a:p>
+        </p:txBody>
+      </p:sp>
+      <p:sp>
+        <p:nvSpPr>
+          <p:cNvPr id="3" name="Rectangle 2"/>
+          <p:cNvSpPr/>
+          <p:nvPr/>
+        </p:nvSpPr>
+        <p:spPr>
+          <a:xfrm>
+            <a:off x="3390900" y="4252205"/>
+            <a:ext cx="2449599" cy="570098"/>
           </a:xfrm>
           <a:prstGeom prst="rect">
             <a:avLst/>
           </a:prstGeom>
         </p:spPr>
-        <p:txBody>
-          <a:bodyPr vert="horz" lIns="91440" tIns="45720" rIns="91440" bIns="45720" rtlCol="0" anchor="ctr">
-            <a:normAutofit/>
-          </a:bodyPr>
-          <a:lstStyle>
-            <a:lvl1pPr algn="r" defTabSz="914400" rtl="0" eaLnBrk="1" latinLnBrk="0" hangingPunct="1">
-              <a:lnSpc>
-                <a:spcPct val="90000"/>
-              </a:lnSpc>
-              <a:spcBef>
-                <a:spcPct val="0"/>
-              </a:spcBef>
-              <a:buNone/>
-              <a:defRPr sz="4000" kern="1200" cap="all" baseline="0">
-                <a:solidFill>
-                  <a:schemeClr val="tx1"/>
-                </a:solidFill>
-                <a:latin typeface="+mj-lt"/>
-                <a:ea typeface="+mj-ea"/>
-                <a:cs typeface="+mj-cs"/>
-              </a:defRPr>
-            </a:lvl1pPr>
-          </a:lstStyle>
-          <a:p>
-            <a:r>
-              <a:rPr lang="pl-PL" dirty="0" smtClean="0"/>
-              <a:t>Czemu CQRS to krok wstecz i dwa do przodu</a:t>
+        <p:style>
+          <a:lnRef idx="1">
+            <a:schemeClr val="accent5"/>
+          </a:lnRef>
+          <a:fillRef idx="2">
+            <a:schemeClr val="accent5"/>
+          </a:fillRef>
+          <a:effectRef idx="1">
+            <a:schemeClr val="accent5"/>
+          </a:effectRef>
+          <a:fontRef idx="minor">
+            <a:schemeClr val="dk1"/>
+          </a:fontRef>
+        </p:style>
+        <p:txBody>
+          <a:bodyPr rtlCol="0" anchor="ctr"/>
+          <a:lstStyle/>
+          <a:p>
+            <a:pPr algn="ctr"/>
+            <a:r>
+              <a:rPr lang="pl-PL" dirty="0" err="1" smtClean="0"/>
+              <a:t>AddUserCommand</a:t>
+            </a:r>
+            <a:endParaRPr lang="pl-PL" dirty="0"/>
+          </a:p>
+        </p:txBody>
+      </p:sp>
+      <p:sp>
+        <p:nvSpPr>
+          <p:cNvPr id="22" name="Rectangle 21"/>
+          <p:cNvSpPr/>
+          <p:nvPr/>
+        </p:nvSpPr>
+        <p:spPr>
+          <a:xfrm>
+            <a:off x="7483564" y="5309555"/>
+            <a:ext cx="2518451" cy="570098"/>
+          </a:xfrm>
+          <a:prstGeom prst="rect">
+            <a:avLst/>
+          </a:prstGeom>
+        </p:spPr>
+        <p:style>
+          <a:lnRef idx="1">
+            <a:schemeClr val="accent5"/>
+          </a:lnRef>
+          <a:fillRef idx="2">
+            <a:schemeClr val="accent5"/>
+          </a:fillRef>
+          <a:effectRef idx="1">
+            <a:schemeClr val="accent5"/>
+          </a:effectRef>
+          <a:fontRef idx="minor">
+            <a:schemeClr val="dk1"/>
+          </a:fontRef>
+        </p:style>
+        <p:txBody>
+          <a:bodyPr rtlCol="0" anchor="ctr"/>
+          <a:lstStyle/>
+          <a:p>
+            <a:pPr algn="ctr"/>
+            <a:r>
+              <a:rPr lang="pl-PL" dirty="0" err="1" smtClean="0"/>
+              <a:t>UserWriteModel</a:t>
             </a:r>
             <a:endParaRPr lang="pl-PL" dirty="0"/>
           </a:p>
@@ -13379,7 +13396,7 @@
     </p:spTree>
     <p:extLst>
       <p:ext uri="{BB962C8B-B14F-4D97-AF65-F5344CB8AC3E}">
-        <p14:creationId xmlns:p14="http://schemas.microsoft.com/office/powerpoint/2010/main" val="2294334307"/>
+        <p14:creationId xmlns:p14="http://schemas.microsoft.com/office/powerpoint/2010/main" val="2802739804"/>
       </p:ext>
     </p:extLst>
   </p:cSld>
@@ -13413,6 +13430,188 @@
           <a:chExt cx="0" cy="0"/>
         </a:xfrm>
       </p:grpSpPr>
+      <p:pic>
+        <p:nvPicPr>
+          <p:cNvPr id="4" name="Picture 3"/>
+          <p:cNvPicPr>
+            <a:picLocks noChangeAspect="1"/>
+          </p:cNvPicPr>
+          <p:nvPr/>
+        </p:nvPicPr>
+        <p:blipFill>
+          <a:blip r:embed="rId2"/>
+          <a:stretch>
+            <a:fillRect/>
+          </a:stretch>
+        </p:blipFill>
+        <p:spPr>
+          <a:xfrm>
+            <a:off x="3167276" y="3519558"/>
+            <a:ext cx="6809348" cy="2455565"/>
+          </a:xfrm>
+          <a:prstGeom prst="rect">
+            <a:avLst/>
+          </a:prstGeom>
+        </p:spPr>
+      </p:pic>
+      <p:pic>
+        <p:nvPicPr>
+          <p:cNvPr id="24" name="Picture 23"/>
+          <p:cNvPicPr>
+            <a:picLocks noChangeAspect="1"/>
+          </p:cNvPicPr>
+          <p:nvPr/>
+        </p:nvPicPr>
+        <p:blipFill>
+          <a:blip r:embed="rId3"/>
+          <a:stretch>
+            <a:fillRect/>
+          </a:stretch>
+        </p:blipFill>
+        <p:spPr>
+          <a:xfrm>
+            <a:off x="1943100" y="2460078"/>
+            <a:ext cx="7112000" cy="2454369"/>
+          </a:xfrm>
+          <a:prstGeom prst="rect">
+            <a:avLst/>
+          </a:prstGeom>
+        </p:spPr>
+      </p:pic>
+      <p:pic>
+        <p:nvPicPr>
+          <p:cNvPr id="6" name="Picture 5"/>
+          <p:cNvPicPr>
+            <a:picLocks noChangeAspect="1"/>
+          </p:cNvPicPr>
+          <p:nvPr/>
+        </p:nvPicPr>
+        <p:blipFill>
+          <a:blip r:embed="rId4"/>
+          <a:stretch>
+            <a:fillRect/>
+          </a:stretch>
+        </p:blipFill>
+        <p:spPr>
+          <a:xfrm>
+            <a:off x="2962417" y="3826963"/>
+            <a:ext cx="1019317" cy="1019317"/>
+          </a:xfrm>
+          <a:prstGeom prst="rect">
+            <a:avLst/>
+          </a:prstGeom>
+        </p:spPr>
+      </p:pic>
+      <p:pic>
+        <p:nvPicPr>
+          <p:cNvPr id="8" name="Picture 7"/>
+          <p:cNvPicPr>
+            <a:picLocks noChangeAspect="1"/>
+          </p:cNvPicPr>
+          <p:nvPr/>
+        </p:nvPicPr>
+        <p:blipFill>
+          <a:blip r:embed="rId4"/>
+          <a:stretch>
+            <a:fillRect/>
+          </a:stretch>
+        </p:blipFill>
+        <p:spPr>
+          <a:xfrm>
+            <a:off x="1852541" y="2763218"/>
+            <a:ext cx="1019317" cy="1019317"/>
+          </a:xfrm>
+          <a:prstGeom prst="rect">
+            <a:avLst/>
+          </a:prstGeom>
+        </p:spPr>
+      </p:pic>
+      <p:sp>
+        <p:nvSpPr>
+          <p:cNvPr id="9" name="Title 1"/>
+          <p:cNvSpPr txBox="1">
+            <a:spLocks/>
+          </p:cNvSpPr>
+          <p:nvPr/>
+        </p:nvSpPr>
+        <p:spPr>
+          <a:xfrm>
+            <a:off x="3048000" y="916773"/>
+            <a:ext cx="8610600" cy="1293028"/>
+          </a:xfrm>
+          <a:prstGeom prst="rect">
+            <a:avLst/>
+          </a:prstGeom>
+        </p:spPr>
+        <p:txBody>
+          <a:bodyPr vert="horz" lIns="91440" tIns="45720" rIns="91440" bIns="45720" rtlCol="0" anchor="ctr">
+            <a:normAutofit/>
+          </a:bodyPr>
+          <a:lstStyle>
+            <a:lvl1pPr algn="r" defTabSz="914400" rtl="0" eaLnBrk="1" latinLnBrk="0" hangingPunct="1">
+              <a:lnSpc>
+                <a:spcPct val="90000"/>
+              </a:lnSpc>
+              <a:spcBef>
+                <a:spcPct val="0"/>
+              </a:spcBef>
+              <a:buNone/>
+              <a:defRPr sz="4000" kern="1200" cap="all" baseline="0">
+                <a:solidFill>
+                  <a:schemeClr val="tx1"/>
+                </a:solidFill>
+                <a:latin typeface="+mj-lt"/>
+                <a:ea typeface="+mj-ea"/>
+                <a:cs typeface="+mj-cs"/>
+              </a:defRPr>
+            </a:lvl1pPr>
+          </a:lstStyle>
+          <a:p>
+            <a:r>
+              <a:rPr lang="pl-PL" dirty="0" smtClean="0"/>
+              <a:t>Czemu CQRS to krok wstecz i dwa do przodu</a:t>
+            </a:r>
+            <a:endParaRPr lang="pl-PL" dirty="0"/>
+          </a:p>
+        </p:txBody>
+      </p:sp>
+    </p:spTree>
+    <p:extLst>
+      <p:ext uri="{BB962C8B-B14F-4D97-AF65-F5344CB8AC3E}">
+        <p14:creationId xmlns:p14="http://schemas.microsoft.com/office/powerpoint/2010/main" val="2294334307"/>
+      </p:ext>
+    </p:extLst>
+  </p:cSld>
+  <p:clrMapOvr>
+    <a:masterClrMapping/>
+  </p:clrMapOvr>
+  <p:timing>
+    <p:tnLst>
+      <p:par>
+        <p:cTn id="1" dur="indefinite" restart="never" nodeType="tmRoot"/>
+      </p:par>
+    </p:tnLst>
+  </p:timing>
+</p:sld>
+</file>
+
+<file path=ppt/slides/slide33.xml><?xml version="1.0" encoding="utf-8"?>
+<p:sld xmlns:a="http://schemas.openxmlformats.org/drawingml/2006/main" xmlns:r="http://schemas.openxmlformats.org/officeDocument/2006/relationships" xmlns:p="http://schemas.openxmlformats.org/presentationml/2006/main">
+  <p:cSld>
+    <p:spTree>
+      <p:nvGrpSpPr>
+        <p:cNvPr id="1" name=""/>
+        <p:cNvGrpSpPr/>
+        <p:nvPr/>
+      </p:nvGrpSpPr>
+      <p:grpSpPr>
+        <a:xfrm>
+          <a:off x="0" y="0"/>
+          <a:ext cx="0" cy="0"/>
+          <a:chOff x="0" y="0"/>
+          <a:chExt cx="0" cy="0"/>
+        </a:xfrm>
+      </p:grpSpPr>
       <p:sp>
         <p:nvSpPr>
           <p:cNvPr id="2" name="Title 1"/>
@@ -13844,7 +14043,7 @@
         </p:nvSpPr>
         <p:spPr>
           <a:xfrm>
-            <a:off x="9112675" y="2637540"/>
+            <a:off x="8952552" y="2686812"/>
             <a:ext cx="1317990" cy="369332"/>
           </a:xfrm>
           <a:prstGeom prst="rect">
@@ -14076,10 +14275,800 @@
           </a:p>
         </p:txBody>
       </p:sp>
+      <p:sp>
+        <p:nvSpPr>
+          <p:cNvPr id="23" name="Can 22"/>
+          <p:cNvSpPr/>
+          <p:nvPr/>
+        </p:nvSpPr>
+        <p:spPr>
+          <a:xfrm>
+            <a:off x="9994546" y="3396800"/>
+            <a:ext cx="914400" cy="1216152"/>
+          </a:xfrm>
+          <a:prstGeom prst="can">
+            <a:avLst/>
+          </a:prstGeom>
+        </p:spPr>
+        <p:style>
+          <a:lnRef idx="2">
+            <a:schemeClr val="accent1">
+              <a:shade val="50000"/>
+            </a:schemeClr>
+          </a:lnRef>
+          <a:fillRef idx="1">
+            <a:schemeClr val="accent1"/>
+          </a:fillRef>
+          <a:effectRef idx="0">
+            <a:schemeClr val="accent1"/>
+          </a:effectRef>
+          <a:fontRef idx="minor">
+            <a:schemeClr val="lt1"/>
+          </a:fontRef>
+        </p:style>
+        <p:txBody>
+          <a:bodyPr rtlCol="0" anchor="ctr"/>
+          <a:lstStyle/>
+          <a:p>
+            <a:pPr algn="ctr"/>
+            <a:r>
+              <a:rPr lang="pl-PL" dirty="0" smtClean="0"/>
+              <a:t>DB</a:t>
+            </a:r>
+          </a:p>
+        </p:txBody>
+      </p:sp>
+      <p:sp>
+        <p:nvSpPr>
+          <p:cNvPr id="24" name="TextBox 23"/>
+          <p:cNvSpPr txBox="1"/>
+          <p:nvPr/>
+        </p:nvSpPr>
+        <p:spPr>
+          <a:xfrm>
+            <a:off x="10270542" y="2945402"/>
+            <a:ext cx="1838965" cy="369332"/>
+          </a:xfrm>
+          <a:prstGeom prst="rect">
+            <a:avLst/>
+          </a:prstGeom>
+          <a:noFill/>
+        </p:spPr>
+        <p:txBody>
+          <a:bodyPr wrap="none" rtlCol="0">
+            <a:spAutoFit/>
+          </a:bodyPr>
+          <a:lstStyle/>
+          <a:p>
+            <a:r>
+              <a:rPr lang="pl-PL" dirty="0" err="1" smtClean="0"/>
+              <a:t>Account</a:t>
+            </a:r>
+            <a:r>
+              <a:rPr lang="pl-PL" dirty="0" smtClean="0"/>
+              <a:t> </a:t>
+            </a:r>
+            <a:r>
+              <a:rPr lang="pl-PL" dirty="0" err="1" smtClean="0"/>
+              <a:t>Table</a:t>
+            </a:r>
+            <a:endParaRPr lang="pl-PL" dirty="0" smtClean="0"/>
+          </a:p>
+        </p:txBody>
+      </p:sp>
     </p:spTree>
     <p:extLst>
       <p:ext uri="{BB962C8B-B14F-4D97-AF65-F5344CB8AC3E}">
         <p14:creationId xmlns:p14="http://schemas.microsoft.com/office/powerpoint/2010/main" val="2831635632"/>
+      </p:ext>
+    </p:extLst>
+  </p:cSld>
+  <p:clrMapOvr>
+    <a:masterClrMapping/>
+  </p:clrMapOvr>
+  <p:timing>
+    <p:tnLst>
+      <p:par>
+        <p:cTn id="1" dur="indefinite" restart="never" nodeType="tmRoot"/>
+      </p:par>
+    </p:tnLst>
+  </p:timing>
+</p:sld>
+</file>
+
+<file path=ppt/slides/slide34.xml><?xml version="1.0" encoding="utf-8"?>
+<p:sld xmlns:a="http://schemas.openxmlformats.org/drawingml/2006/main" xmlns:r="http://schemas.openxmlformats.org/officeDocument/2006/relationships" xmlns:p="http://schemas.openxmlformats.org/presentationml/2006/main">
+  <p:cSld>
+    <p:spTree>
+      <p:nvGrpSpPr>
+        <p:cNvPr id="1" name=""/>
+        <p:cNvGrpSpPr/>
+        <p:nvPr/>
+      </p:nvGrpSpPr>
+      <p:grpSpPr>
+        <a:xfrm>
+          <a:off x="0" y="0"/>
+          <a:ext cx="0" cy="0"/>
+          <a:chOff x="0" y="0"/>
+          <a:chExt cx="0" cy="0"/>
+        </a:xfrm>
+      </p:grpSpPr>
+      <p:sp>
+        <p:nvSpPr>
+          <p:cNvPr id="2" name="Title 1"/>
+          <p:cNvSpPr>
+            <a:spLocks noGrp="1"/>
+          </p:cNvSpPr>
+          <p:nvPr>
+            <p:ph type="title"/>
+          </p:nvPr>
+        </p:nvSpPr>
+        <p:spPr/>
+        <p:txBody>
+          <a:bodyPr>
+            <a:normAutofit/>
+          </a:bodyPr>
+          <a:lstStyle/>
+          <a:p>
+            <a:r>
+              <a:rPr lang="pl-PL" dirty="0"/>
+              <a:t>Czemu CQRS to krok wstecz i dwa do przodu</a:t>
+            </a:r>
+          </a:p>
+        </p:txBody>
+      </p:sp>
+      <p:pic>
+        <p:nvPicPr>
+          <p:cNvPr id="4" name="Picture 3"/>
+          <p:cNvPicPr>
+            <a:picLocks noChangeAspect="1"/>
+          </p:cNvPicPr>
+          <p:nvPr/>
+        </p:nvPicPr>
+        <p:blipFill>
+          <a:blip r:embed="rId2">
+            <a:extLst>
+              <a:ext uri="{28A0092B-C50C-407E-A947-70E740481C1C}">
+                <a14:useLocalDpi xmlns:a14="http://schemas.microsoft.com/office/drawing/2010/main" val="0"/>
+              </a:ext>
+            </a:extLst>
+          </a:blip>
+          <a:stretch>
+            <a:fillRect/>
+          </a:stretch>
+        </p:blipFill>
+        <p:spPr>
+          <a:xfrm>
+            <a:off x="2641600" y="2338740"/>
+            <a:ext cx="5842000" cy="4146197"/>
+          </a:xfrm>
+          <a:prstGeom prst="rect">
+            <a:avLst/>
+          </a:prstGeom>
+        </p:spPr>
+      </p:pic>
+      <p:sp>
+        <p:nvSpPr>
+          <p:cNvPr id="11" name="TextBox 10"/>
+          <p:cNvSpPr txBox="1"/>
+          <p:nvPr/>
+        </p:nvSpPr>
+        <p:spPr>
+          <a:xfrm>
+            <a:off x="584200" y="1674851"/>
+            <a:ext cx="3602268" cy="523220"/>
+          </a:xfrm>
+          <a:prstGeom prst="rect">
+            <a:avLst/>
+          </a:prstGeom>
+          <a:noFill/>
+        </p:spPr>
+        <p:txBody>
+          <a:bodyPr wrap="none" rtlCol="0">
+            <a:spAutoFit/>
+          </a:bodyPr>
+          <a:lstStyle/>
+          <a:p>
+            <a:r>
+              <a:rPr lang="pl-PL" sz="2800" dirty="0" smtClean="0"/>
+              <a:t>Moja pierwsza myśl:</a:t>
+            </a:r>
+            <a:endParaRPr lang="pl-PL" sz="2800" dirty="0"/>
+          </a:p>
+        </p:txBody>
+      </p:sp>
+    </p:spTree>
+    <p:extLst>
+      <p:ext uri="{BB962C8B-B14F-4D97-AF65-F5344CB8AC3E}">
+        <p14:creationId xmlns:p14="http://schemas.microsoft.com/office/powerpoint/2010/main" val="1335189111"/>
+      </p:ext>
+    </p:extLst>
+  </p:cSld>
+  <p:clrMapOvr>
+    <a:masterClrMapping/>
+  </p:clrMapOvr>
+  <p:timing>
+    <p:tnLst>
+      <p:par>
+        <p:cTn id="1" dur="indefinite" restart="never" nodeType="tmRoot"/>
+      </p:par>
+    </p:tnLst>
+  </p:timing>
+</p:sld>
+</file>
+
+<file path=ppt/slides/slide35.xml><?xml version="1.0" encoding="utf-8"?>
+<p:sld xmlns:a="http://schemas.openxmlformats.org/drawingml/2006/main" xmlns:r="http://schemas.openxmlformats.org/officeDocument/2006/relationships" xmlns:p="http://schemas.openxmlformats.org/presentationml/2006/main">
+  <p:cSld>
+    <p:spTree>
+      <p:nvGrpSpPr>
+        <p:cNvPr id="1" name=""/>
+        <p:cNvGrpSpPr/>
+        <p:nvPr/>
+      </p:nvGrpSpPr>
+      <p:grpSpPr>
+        <a:xfrm>
+          <a:off x="0" y="0"/>
+          <a:ext cx="0" cy="0"/>
+          <a:chOff x="0" y="0"/>
+          <a:chExt cx="0" cy="0"/>
+        </a:xfrm>
+      </p:grpSpPr>
+      <p:sp>
+        <p:nvSpPr>
+          <p:cNvPr id="2" name="Title 1"/>
+          <p:cNvSpPr>
+            <a:spLocks noGrp="1"/>
+          </p:cNvSpPr>
+          <p:nvPr>
+            <p:ph type="title"/>
+          </p:nvPr>
+        </p:nvSpPr>
+        <p:spPr/>
+        <p:txBody>
+          <a:bodyPr>
+            <a:normAutofit/>
+          </a:bodyPr>
+          <a:lstStyle/>
+          <a:p>
+            <a:r>
+              <a:rPr lang="pl-PL" dirty="0"/>
+              <a:t>Czemu CQRS to krok wstecz i dwa do przodu</a:t>
+            </a:r>
+          </a:p>
+        </p:txBody>
+      </p:sp>
+      <p:sp>
+        <p:nvSpPr>
+          <p:cNvPr id="25" name="Content Placeholder 2"/>
+          <p:cNvSpPr>
+            <a:spLocks noGrp="1"/>
+          </p:cNvSpPr>
+          <p:nvPr>
+            <p:ph idx="1"/>
+          </p:nvPr>
+        </p:nvSpPr>
+        <p:spPr>
+          <a:xfrm>
+            <a:off x="685800" y="2194560"/>
+            <a:ext cx="10820400" cy="4024125"/>
+          </a:xfrm>
+        </p:spPr>
+        <p:txBody>
+          <a:bodyPr>
+            <a:normAutofit/>
+          </a:bodyPr>
+          <a:lstStyle/>
+          <a:p>
+            <a:pPr marL="0" indent="0">
+              <a:buNone/>
+            </a:pPr>
+            <a:r>
+              <a:rPr lang="pl-PL" sz="3600" b="1" dirty="0" smtClean="0"/>
+              <a:t>To krok wstecz bo:</a:t>
+            </a:r>
+          </a:p>
+          <a:p>
+            <a:pPr marL="457200" indent="-457200">
+              <a:buAutoNum type="arabicPeriod"/>
+            </a:pPr>
+            <a:endParaRPr lang="pl-PL" sz="2000" dirty="0" smtClean="0"/>
+          </a:p>
+          <a:p>
+            <a:pPr marL="457200" indent="-457200">
+              <a:buAutoNum type="arabicPeriod"/>
+            </a:pPr>
+            <a:r>
+              <a:rPr lang="pl-PL" sz="2000" dirty="0" smtClean="0"/>
+              <a:t>Upychamy kod w jedno miejsce.</a:t>
+            </a:r>
+          </a:p>
+          <a:p>
+            <a:pPr marL="457200" indent="-457200">
+              <a:buAutoNum type="arabicPeriod"/>
+            </a:pPr>
+            <a:r>
+              <a:rPr lang="pl-PL" sz="2000" dirty="0" smtClean="0"/>
+              <a:t>Ryzykujemy, że w złych rękach powstanie spaghetti </a:t>
+            </a:r>
+            <a:r>
+              <a:rPr lang="pl-PL" sz="2000" dirty="0" err="1" smtClean="0"/>
+              <a:t>code</a:t>
+            </a:r>
+            <a:r>
+              <a:rPr lang="pl-PL" sz="2000" dirty="0" smtClean="0"/>
+              <a:t>.</a:t>
+            </a:r>
+          </a:p>
+          <a:p>
+            <a:pPr marL="457200" indent="-457200">
+              <a:buAutoNum type="arabicPeriod"/>
+            </a:pPr>
+            <a:r>
+              <a:rPr lang="pl-PL" sz="2000" dirty="0" smtClean="0"/>
+              <a:t>Powielanie kodu pomiędzy metodami.</a:t>
+            </a:r>
+          </a:p>
+          <a:p>
+            <a:pPr marL="457200" indent="-457200">
+              <a:buAutoNum type="arabicPeriod"/>
+            </a:pPr>
+            <a:r>
+              <a:rPr lang="pl-PL" sz="2000" dirty="0" smtClean="0"/>
+              <a:t>Brak ścisłego podziału odpowiedzialności.</a:t>
+            </a:r>
+          </a:p>
+          <a:p>
+            <a:pPr marL="457200" indent="-457200">
+              <a:buAutoNum type="arabicPeriod"/>
+            </a:pPr>
+            <a:endParaRPr lang="pl-PL" sz="2000" dirty="0"/>
+          </a:p>
+        </p:txBody>
+      </p:sp>
+    </p:spTree>
+    <p:extLst>
+      <p:ext uri="{BB962C8B-B14F-4D97-AF65-F5344CB8AC3E}">
+        <p14:creationId xmlns:p14="http://schemas.microsoft.com/office/powerpoint/2010/main" val="133623970"/>
+      </p:ext>
+    </p:extLst>
+  </p:cSld>
+  <p:clrMapOvr>
+    <a:masterClrMapping/>
+  </p:clrMapOvr>
+  <p:timing>
+    <p:tnLst>
+      <p:par>
+        <p:cTn id="1" dur="indefinite" restart="never" nodeType="tmRoot"/>
+      </p:par>
+    </p:tnLst>
+  </p:timing>
+</p:sld>
+</file>
+
+<file path=ppt/slides/slide36.xml><?xml version="1.0" encoding="utf-8"?>
+<p:sld xmlns:a="http://schemas.openxmlformats.org/drawingml/2006/main" xmlns:r="http://schemas.openxmlformats.org/officeDocument/2006/relationships" xmlns:p="http://schemas.openxmlformats.org/presentationml/2006/main">
+  <p:cSld>
+    <p:spTree>
+      <p:nvGrpSpPr>
+        <p:cNvPr id="1" name=""/>
+        <p:cNvGrpSpPr/>
+        <p:nvPr/>
+      </p:nvGrpSpPr>
+      <p:grpSpPr>
+        <a:xfrm>
+          <a:off x="0" y="0"/>
+          <a:ext cx="0" cy="0"/>
+          <a:chOff x="0" y="0"/>
+          <a:chExt cx="0" cy="0"/>
+        </a:xfrm>
+      </p:grpSpPr>
+      <p:sp>
+        <p:nvSpPr>
+          <p:cNvPr id="2" name="Title 1"/>
+          <p:cNvSpPr>
+            <a:spLocks noGrp="1"/>
+          </p:cNvSpPr>
+          <p:nvPr>
+            <p:ph type="title"/>
+          </p:nvPr>
+        </p:nvSpPr>
+        <p:spPr/>
+        <p:txBody>
+          <a:bodyPr>
+            <a:normAutofit/>
+          </a:bodyPr>
+          <a:lstStyle/>
+          <a:p>
+            <a:r>
+              <a:rPr lang="pl-PL" dirty="0"/>
+              <a:t>Czemu CQRS to krok wstecz i dwa do przodu</a:t>
+            </a:r>
+          </a:p>
+        </p:txBody>
+      </p:sp>
+      <p:sp>
+        <p:nvSpPr>
+          <p:cNvPr id="25" name="Content Placeholder 2"/>
+          <p:cNvSpPr>
+            <a:spLocks noGrp="1"/>
+          </p:cNvSpPr>
+          <p:nvPr>
+            <p:ph idx="1"/>
+          </p:nvPr>
+        </p:nvSpPr>
+        <p:spPr>
+          <a:xfrm>
+            <a:off x="685800" y="2194560"/>
+            <a:ext cx="10820400" cy="4024125"/>
+          </a:xfrm>
+        </p:spPr>
+        <p:txBody>
+          <a:bodyPr>
+            <a:normAutofit/>
+          </a:bodyPr>
+          <a:lstStyle/>
+          <a:p>
+            <a:pPr marL="0" indent="0">
+              <a:buNone/>
+            </a:pPr>
+            <a:r>
+              <a:rPr lang="pl-PL" sz="3600" b="1" dirty="0" smtClean="0"/>
+              <a:t>To dwa kroki do przodu bo:</a:t>
+            </a:r>
+          </a:p>
+          <a:p>
+            <a:pPr marL="457200" indent="-457200">
+              <a:buAutoNum type="arabicPeriod"/>
+            </a:pPr>
+            <a:endParaRPr lang="pl-PL" sz="2000" dirty="0" smtClean="0"/>
+          </a:p>
+          <a:p>
+            <a:pPr marL="457200" indent="-457200">
+              <a:buAutoNum type="arabicPeriod"/>
+            </a:pPr>
+            <a:r>
+              <a:rPr lang="pl-PL" sz="2000" dirty="0" smtClean="0"/>
+              <a:t>Kod odpowiedzialny za jedną operację biznesową jest w jednym miejscu.</a:t>
+            </a:r>
+          </a:p>
+          <a:p>
+            <a:pPr marL="457200" indent="-457200">
+              <a:buAutoNum type="arabicPeriod"/>
+            </a:pPr>
+            <a:r>
+              <a:rPr lang="pl-PL" sz="2000" dirty="0" smtClean="0"/>
+              <a:t>Zmuszamy do myślenia przy programowaniu i zrozumienia logiki biznesowej.</a:t>
+            </a:r>
+          </a:p>
+          <a:p>
+            <a:pPr marL="457200" indent="-457200">
+              <a:buAutoNum type="arabicPeriod"/>
+            </a:pPr>
+            <a:r>
+              <a:rPr lang="pl-PL" sz="2000" dirty="0" smtClean="0"/>
+              <a:t>Zmniejszamy ryzyko kopiuj wklej.</a:t>
+            </a:r>
+          </a:p>
+          <a:p>
+            <a:pPr marL="457200" indent="-457200">
+              <a:buAutoNum type="arabicPeriod"/>
+            </a:pPr>
+            <a:r>
+              <a:rPr lang="pl-PL" sz="2000" dirty="0" smtClean="0"/>
+              <a:t>Jest ścisły podział odpowiedzialności.</a:t>
+            </a:r>
+          </a:p>
+          <a:p>
+            <a:pPr marL="457200" indent="-457200">
+              <a:buAutoNum type="arabicPeriod"/>
+            </a:pPr>
+            <a:r>
+              <a:rPr lang="pl-PL" sz="2000" dirty="0" smtClean="0"/>
+              <a:t>Skupiamy się na jednej rzeczy na raz:</a:t>
+            </a:r>
+          </a:p>
+          <a:p>
+            <a:pPr marL="0" indent="0">
+              <a:buNone/>
+            </a:pPr>
+            <a:r>
+              <a:rPr lang="pl-PL" sz="2000" dirty="0" smtClean="0"/>
+              <a:t>- Oprogramowując zapis nie skupiamy się na tym jak my potem to odczytamy</a:t>
+            </a:r>
+          </a:p>
+          <a:p>
+            <a:pPr marL="0" indent="0">
+              <a:buNone/>
+            </a:pPr>
+            <a:r>
+              <a:rPr lang="pl-PL" sz="2000" dirty="0" smtClean="0"/>
+              <a:t>- Analogicznie odczyt oprogramowujemy na podstawie dostępnego modelu zapisu</a:t>
+            </a:r>
+          </a:p>
+          <a:p>
+            <a:pPr marL="457200" indent="-457200">
+              <a:buAutoNum type="arabicPeriod"/>
+            </a:pPr>
+            <a:endParaRPr lang="pl-PL" sz="2000" dirty="0"/>
+          </a:p>
+        </p:txBody>
+      </p:sp>
+    </p:spTree>
+    <p:extLst>
+      <p:ext uri="{BB962C8B-B14F-4D97-AF65-F5344CB8AC3E}">
+        <p14:creationId xmlns:p14="http://schemas.microsoft.com/office/powerpoint/2010/main" val="1447067687"/>
+      </p:ext>
+    </p:extLst>
+  </p:cSld>
+  <p:clrMapOvr>
+    <a:masterClrMapping/>
+  </p:clrMapOvr>
+  <p:timing>
+    <p:tnLst>
+      <p:par>
+        <p:cTn id="1" dur="indefinite" restart="never" nodeType="tmRoot"/>
+      </p:par>
+    </p:tnLst>
+  </p:timing>
+</p:sld>
+</file>
+
+<file path=ppt/slides/slide37.xml><?xml version="1.0" encoding="utf-8"?>
+<p:sld xmlns:a="http://schemas.openxmlformats.org/drawingml/2006/main" xmlns:r="http://schemas.openxmlformats.org/officeDocument/2006/relationships" xmlns:p="http://schemas.openxmlformats.org/presentationml/2006/main">
+  <p:cSld>
+    <p:spTree>
+      <p:nvGrpSpPr>
+        <p:cNvPr id="1" name=""/>
+        <p:cNvGrpSpPr/>
+        <p:nvPr/>
+      </p:nvGrpSpPr>
+      <p:grpSpPr>
+        <a:xfrm>
+          <a:off x="0" y="0"/>
+          <a:ext cx="0" cy="0"/>
+          <a:chOff x="0" y="0"/>
+          <a:chExt cx="0" cy="0"/>
+        </a:xfrm>
+      </p:grpSpPr>
+      <p:sp>
+        <p:nvSpPr>
+          <p:cNvPr id="2" name="Title 1"/>
+          <p:cNvSpPr>
+            <a:spLocks noGrp="1"/>
+          </p:cNvSpPr>
+          <p:nvPr>
+            <p:ph type="title"/>
+          </p:nvPr>
+        </p:nvSpPr>
+        <p:spPr/>
+        <p:txBody>
+          <a:bodyPr>
+            <a:normAutofit/>
+          </a:bodyPr>
+          <a:lstStyle/>
+          <a:p>
+            <a:r>
+              <a:rPr lang="pl-PL" dirty="0"/>
+              <a:t>Czemu CQRS to krok wstecz i dwa do przodu</a:t>
+            </a:r>
+          </a:p>
+        </p:txBody>
+      </p:sp>
+      <p:sp>
+        <p:nvSpPr>
+          <p:cNvPr id="25" name="Content Placeholder 2"/>
+          <p:cNvSpPr>
+            <a:spLocks noGrp="1"/>
+          </p:cNvSpPr>
+          <p:nvPr>
+            <p:ph idx="1"/>
+          </p:nvPr>
+        </p:nvSpPr>
+        <p:spPr>
+          <a:xfrm>
+            <a:off x="685800" y="3454400"/>
+            <a:ext cx="10820400" cy="2764285"/>
+          </a:xfrm>
+        </p:spPr>
+        <p:txBody>
+          <a:bodyPr>
+            <a:normAutofit/>
+          </a:bodyPr>
+          <a:lstStyle/>
+          <a:p>
+            <a:pPr marL="0" indent="0" algn="ctr">
+              <a:buNone/>
+            </a:pPr>
+            <a:r>
+              <a:rPr lang="pl-PL" sz="3600" b="1" dirty="0" smtClean="0"/>
+              <a:t>PRZYKŁAD</a:t>
+            </a:r>
+            <a:endParaRPr lang="pl-PL" sz="2000" dirty="0"/>
+          </a:p>
+        </p:txBody>
+      </p:sp>
+    </p:spTree>
+    <p:extLst>
+      <p:ext uri="{BB962C8B-B14F-4D97-AF65-F5344CB8AC3E}">
+        <p14:creationId xmlns:p14="http://schemas.microsoft.com/office/powerpoint/2010/main" val="326620839"/>
+      </p:ext>
+    </p:extLst>
+  </p:cSld>
+  <p:clrMapOvr>
+    <a:masterClrMapping/>
+  </p:clrMapOvr>
+  <p:timing>
+    <p:tnLst>
+      <p:par>
+        <p:cTn id="1" dur="indefinite" restart="never" nodeType="tmRoot"/>
+      </p:par>
+    </p:tnLst>
+  </p:timing>
+</p:sld>
+</file>
+
+<file path=ppt/slides/slide38.xml><?xml version="1.0" encoding="utf-8"?>
+<p:sld xmlns:a="http://schemas.openxmlformats.org/drawingml/2006/main" xmlns:r="http://schemas.openxmlformats.org/officeDocument/2006/relationships" xmlns:p="http://schemas.openxmlformats.org/presentationml/2006/main">
+  <p:cSld>
+    <p:spTree>
+      <p:nvGrpSpPr>
+        <p:cNvPr id="1" name=""/>
+        <p:cNvGrpSpPr/>
+        <p:nvPr/>
+      </p:nvGrpSpPr>
+      <p:grpSpPr>
+        <a:xfrm>
+          <a:off x="0" y="0"/>
+          <a:ext cx="0" cy="0"/>
+          <a:chOff x="0" y="0"/>
+          <a:chExt cx="0" cy="0"/>
+        </a:xfrm>
+      </p:grpSpPr>
+      <p:sp>
+        <p:nvSpPr>
+          <p:cNvPr id="2" name="Title 1"/>
+          <p:cNvSpPr>
+            <a:spLocks noGrp="1"/>
+          </p:cNvSpPr>
+          <p:nvPr>
+            <p:ph type="title"/>
+          </p:nvPr>
+        </p:nvSpPr>
+        <p:spPr/>
+        <p:txBody>
+          <a:bodyPr>
+            <a:normAutofit/>
+          </a:bodyPr>
+          <a:lstStyle/>
+          <a:p>
+            <a:r>
+              <a:rPr lang="pl-PL" dirty="0" err="1" smtClean="0"/>
+              <a:t>Domain</a:t>
+            </a:r>
+            <a:r>
+              <a:rPr lang="pl-PL" dirty="0" smtClean="0"/>
+              <a:t> </a:t>
+            </a:r>
+            <a:r>
+              <a:rPr lang="pl-PL" dirty="0" err="1"/>
+              <a:t>Driven</a:t>
+            </a:r>
+            <a:r>
+              <a:rPr lang="pl-PL" dirty="0"/>
+              <a:t> Development na ratunek.</a:t>
+            </a:r>
+          </a:p>
+        </p:txBody>
+      </p:sp>
+      <p:sp>
+        <p:nvSpPr>
+          <p:cNvPr id="25" name="Content Placeholder 2"/>
+          <p:cNvSpPr>
+            <a:spLocks noGrp="1"/>
+          </p:cNvSpPr>
+          <p:nvPr>
+            <p:ph idx="1"/>
+          </p:nvPr>
+        </p:nvSpPr>
+        <p:spPr>
+          <a:xfrm>
+            <a:off x="685800" y="2194560"/>
+            <a:ext cx="10820400" cy="4024125"/>
+          </a:xfrm>
+        </p:spPr>
+        <p:txBody>
+          <a:bodyPr>
+            <a:normAutofit/>
+          </a:bodyPr>
+          <a:lstStyle/>
+          <a:p>
+            <a:pPr marL="457200" indent="-457200">
+              <a:buAutoNum type="arabicPeriod"/>
+            </a:pPr>
+            <a:endParaRPr lang="pl-PL" sz="2000" dirty="0"/>
+          </a:p>
+        </p:txBody>
+      </p:sp>
+    </p:spTree>
+    <p:extLst>
+      <p:ext uri="{BB962C8B-B14F-4D97-AF65-F5344CB8AC3E}">
+        <p14:creationId xmlns:p14="http://schemas.microsoft.com/office/powerpoint/2010/main" val="3034597085"/>
+      </p:ext>
+    </p:extLst>
+  </p:cSld>
+  <p:clrMapOvr>
+    <a:masterClrMapping/>
+  </p:clrMapOvr>
+  <p:timing>
+    <p:tnLst>
+      <p:par>
+        <p:cTn id="1" dur="indefinite" restart="never" nodeType="tmRoot"/>
+      </p:par>
+    </p:tnLst>
+  </p:timing>
+</p:sld>
+</file>
+
+<file path=ppt/slides/slide39.xml><?xml version="1.0" encoding="utf-8"?>
+<p:sld xmlns:a="http://schemas.openxmlformats.org/drawingml/2006/main" xmlns:r="http://schemas.openxmlformats.org/officeDocument/2006/relationships" xmlns:p="http://schemas.openxmlformats.org/presentationml/2006/main">
+  <p:cSld>
+    <p:spTree>
+      <p:nvGrpSpPr>
+        <p:cNvPr id="1" name=""/>
+        <p:cNvGrpSpPr/>
+        <p:nvPr/>
+      </p:nvGrpSpPr>
+      <p:grpSpPr>
+        <a:xfrm>
+          <a:off x="0" y="0"/>
+          <a:ext cx="0" cy="0"/>
+          <a:chOff x="0" y="0"/>
+          <a:chExt cx="0" cy="0"/>
+        </a:xfrm>
+      </p:grpSpPr>
+      <p:sp>
+        <p:nvSpPr>
+          <p:cNvPr id="2" name="Title 1"/>
+          <p:cNvSpPr>
+            <a:spLocks noGrp="1"/>
+          </p:cNvSpPr>
+          <p:nvPr>
+            <p:ph type="title"/>
+          </p:nvPr>
+        </p:nvSpPr>
+        <p:spPr/>
+        <p:txBody>
+          <a:bodyPr/>
+          <a:lstStyle/>
+          <a:p>
+            <a:endParaRPr lang="pl-PL"/>
+          </a:p>
+        </p:txBody>
+      </p:sp>
+      <p:sp>
+        <p:nvSpPr>
+          <p:cNvPr id="3" name="Content Placeholder 2"/>
+          <p:cNvSpPr>
+            <a:spLocks noGrp="1"/>
+          </p:cNvSpPr>
+          <p:nvPr>
+            <p:ph idx="1"/>
+          </p:nvPr>
+        </p:nvSpPr>
+        <p:spPr/>
+        <p:txBody>
+          <a:bodyPr/>
+          <a:lstStyle/>
+          <a:p>
+            <a:endParaRPr lang="pl-PL"/>
+          </a:p>
+        </p:txBody>
+      </p:sp>
+    </p:spTree>
+    <p:extLst>
+      <p:ext uri="{BB962C8B-B14F-4D97-AF65-F5344CB8AC3E}">
+        <p14:creationId xmlns:p14="http://schemas.microsoft.com/office/powerpoint/2010/main" val="379466992"/>
       </p:ext>
     </p:extLst>
   </p:cSld>

--- a/Slides.pptx
+++ b/Slides.pptx
@@ -43,7 +43,11 @@
     <p:sldId id="299" r:id="rId37"/>
     <p:sldId id="301" r:id="rId38"/>
     <p:sldId id="302" r:id="rId39"/>
-    <p:sldId id="300" r:id="rId40"/>
+    <p:sldId id="303" r:id="rId40"/>
+    <p:sldId id="304" r:id="rId41"/>
+    <p:sldId id="305" r:id="rId42"/>
+    <p:sldId id="306" r:id="rId43"/>
+    <p:sldId id="307" r:id="rId44"/>
   </p:sldIdLst>
   <p:sldSz cx="12192000" cy="6858000"/>
   <p:notesSz cx="6858000" cy="9144000"/>
@@ -14961,35 +14965,35 @@
           </a:p>
         </p:txBody>
       </p:sp>
-      <p:sp>
-        <p:nvSpPr>
-          <p:cNvPr id="25" name="Content Placeholder 2"/>
-          <p:cNvSpPr>
-            <a:spLocks noGrp="1"/>
-          </p:cNvSpPr>
+      <p:pic>
+        <p:nvPicPr>
+          <p:cNvPr id="3" name="Content Placeholder 2"/>
+          <p:cNvPicPr>
+            <a:picLocks noGrp="1" noChangeAspect="1"/>
+          </p:cNvPicPr>
           <p:nvPr>
             <p:ph idx="1"/>
           </p:nvPr>
-        </p:nvSpPr>
-        <p:spPr>
-          <a:xfrm>
-            <a:off x="685800" y="2194560"/>
-            <a:ext cx="10820400" cy="4024125"/>
-          </a:xfrm>
-        </p:spPr>
-        <p:txBody>
-          <a:bodyPr>
-            <a:normAutofit/>
-          </a:bodyPr>
-          <a:lstStyle/>
-          <a:p>
-            <a:pPr marL="457200" indent="-457200">
-              <a:buAutoNum type="arabicPeriod"/>
-            </a:pPr>
-            <a:endParaRPr lang="pl-PL" sz="2000" dirty="0"/>
-          </a:p>
-        </p:txBody>
-      </p:sp>
+        </p:nvPicPr>
+        <p:blipFill>
+          <a:blip r:embed="rId2">
+            <a:extLst>
+              <a:ext uri="{28A0092B-C50C-407E-A947-70E740481C1C}">
+                <a14:useLocalDpi xmlns:a14="http://schemas.microsoft.com/office/drawing/2010/main" val="0"/>
+              </a:ext>
+            </a:extLst>
+          </a:blip>
+          <a:stretch>
+            <a:fillRect/>
+          </a:stretch>
+        </p:blipFill>
+        <p:spPr>
+          <a:xfrm>
+            <a:off x="4465403" y="2193925"/>
+            <a:ext cx="3261193" cy="4024313"/>
+          </a:xfrm>
+        </p:spPr>
+      </p:pic>
     </p:spTree>
     <p:extLst>
       <p:ext uri="{BB962C8B-B14F-4D97-AF65-F5344CB8AC3E}">
@@ -15039,36 +15043,298 @@
         </p:nvSpPr>
         <p:spPr/>
         <p:txBody>
-          <a:bodyPr/>
-          <a:lstStyle/>
-          <a:p>
-            <a:endParaRPr lang="pl-PL"/>
-          </a:p>
-        </p:txBody>
-      </p:sp>
-      <p:sp>
-        <p:nvSpPr>
-          <p:cNvPr id="3" name="Content Placeholder 2"/>
-          <p:cNvSpPr>
-            <a:spLocks noGrp="1"/>
+          <a:bodyPr>
+            <a:normAutofit/>
+          </a:bodyPr>
+          <a:lstStyle/>
+          <a:p>
+            <a:r>
+              <a:rPr lang="pl-PL" dirty="0" err="1" smtClean="0"/>
+              <a:t>Domain</a:t>
+            </a:r>
+            <a:r>
+              <a:rPr lang="pl-PL" dirty="0" smtClean="0"/>
+              <a:t> </a:t>
+            </a:r>
+            <a:r>
+              <a:rPr lang="pl-PL" dirty="0" err="1"/>
+              <a:t>Driven</a:t>
+            </a:r>
+            <a:r>
+              <a:rPr lang="pl-PL" dirty="0"/>
+              <a:t> Development na ratunek.</a:t>
+            </a:r>
+          </a:p>
+        </p:txBody>
+      </p:sp>
+      <p:sp>
+        <p:nvSpPr>
+          <p:cNvPr id="5" name="Content Placeholder 2"/>
+          <p:cNvSpPr txBox="1">
+            <a:spLocks/>
           </p:cNvSpPr>
-          <p:nvPr>
-            <p:ph idx="1"/>
-          </p:nvPr>
-        </p:nvSpPr>
-        <p:spPr/>
-        <p:txBody>
-          <a:bodyPr/>
-          <a:lstStyle/>
-          <a:p>
-            <a:endParaRPr lang="pl-PL"/>
+          <p:nvPr/>
+        </p:nvSpPr>
+        <p:spPr>
+          <a:xfrm>
+            <a:off x="685800" y="3454400"/>
+            <a:ext cx="10820400" cy="2764285"/>
+          </a:xfrm>
+          <a:prstGeom prst="rect">
+            <a:avLst/>
+          </a:prstGeom>
+        </p:spPr>
+        <p:txBody>
+          <a:bodyPr vert="horz" lIns="91440" tIns="45720" rIns="91440" bIns="45720" rtlCol="0">
+            <a:normAutofit/>
+          </a:bodyPr>
+          <a:lstStyle>
+            <a:lvl1pPr marL="228600" indent="-228600" algn="l" defTabSz="914400" rtl="0" eaLnBrk="1" latinLnBrk="0" hangingPunct="1">
+              <a:lnSpc>
+                <a:spcPct val="90000"/>
+              </a:lnSpc>
+              <a:spcBef>
+                <a:spcPts val="1000"/>
+              </a:spcBef>
+              <a:buFont typeface="Arial" panose="020B0604020202020204" pitchFamily="34" charset="0"/>
+              <a:buChar char="•"/>
+              <a:defRPr sz="2200" kern="1200">
+                <a:solidFill>
+                  <a:schemeClr val="tx1"/>
+                </a:solidFill>
+                <a:latin typeface="+mn-lt"/>
+                <a:ea typeface="+mn-ea"/>
+                <a:cs typeface="+mn-cs"/>
+              </a:defRPr>
+            </a:lvl1pPr>
+            <a:lvl2pPr marL="685800" indent="-228600" algn="l" defTabSz="914400" rtl="0" eaLnBrk="1" latinLnBrk="0" hangingPunct="1">
+              <a:lnSpc>
+                <a:spcPct val="90000"/>
+              </a:lnSpc>
+              <a:spcBef>
+                <a:spcPts val="500"/>
+              </a:spcBef>
+              <a:buFont typeface="Arial" panose="020B0604020202020204" pitchFamily="34" charset="0"/>
+              <a:buChar char="•"/>
+              <a:defRPr sz="2000" kern="1200">
+                <a:solidFill>
+                  <a:schemeClr val="tx1"/>
+                </a:solidFill>
+                <a:latin typeface="+mn-lt"/>
+                <a:ea typeface="+mn-ea"/>
+                <a:cs typeface="+mn-cs"/>
+              </a:defRPr>
+            </a:lvl2pPr>
+            <a:lvl3pPr marL="1143000" indent="-228600" algn="l" defTabSz="914400" rtl="0" eaLnBrk="1" latinLnBrk="0" hangingPunct="1">
+              <a:lnSpc>
+                <a:spcPct val="90000"/>
+              </a:lnSpc>
+              <a:spcBef>
+                <a:spcPts val="500"/>
+              </a:spcBef>
+              <a:buFont typeface="Arial" panose="020B0604020202020204" pitchFamily="34" charset="0"/>
+              <a:buChar char="•"/>
+              <a:defRPr sz="1800" kern="1200">
+                <a:solidFill>
+                  <a:schemeClr val="tx1"/>
+                </a:solidFill>
+                <a:latin typeface="+mn-lt"/>
+                <a:ea typeface="+mn-ea"/>
+                <a:cs typeface="+mn-cs"/>
+              </a:defRPr>
+            </a:lvl3pPr>
+            <a:lvl4pPr marL="1600200" indent="-228600" algn="l" defTabSz="914400" rtl="0" eaLnBrk="1" latinLnBrk="0" hangingPunct="1">
+              <a:lnSpc>
+                <a:spcPct val="90000"/>
+              </a:lnSpc>
+              <a:spcBef>
+                <a:spcPts val="500"/>
+              </a:spcBef>
+              <a:buFont typeface="Arial" panose="020B0604020202020204" pitchFamily="34" charset="0"/>
+              <a:buChar char="•"/>
+              <a:defRPr sz="1600" kern="1200">
+                <a:solidFill>
+                  <a:schemeClr val="tx1"/>
+                </a:solidFill>
+                <a:latin typeface="+mn-lt"/>
+                <a:ea typeface="+mn-ea"/>
+                <a:cs typeface="+mn-cs"/>
+              </a:defRPr>
+            </a:lvl4pPr>
+            <a:lvl5pPr marL="2057400" indent="-228600" algn="l" defTabSz="914400" rtl="0" eaLnBrk="1" latinLnBrk="0" hangingPunct="1">
+              <a:lnSpc>
+                <a:spcPct val="90000"/>
+              </a:lnSpc>
+              <a:spcBef>
+                <a:spcPts val="500"/>
+              </a:spcBef>
+              <a:buFont typeface="Arial" panose="020B0604020202020204" pitchFamily="34" charset="0"/>
+              <a:buChar char="•"/>
+              <a:defRPr sz="1600" kern="1200">
+                <a:solidFill>
+                  <a:schemeClr val="tx1"/>
+                </a:solidFill>
+                <a:latin typeface="+mn-lt"/>
+                <a:ea typeface="+mn-ea"/>
+                <a:cs typeface="+mn-cs"/>
+              </a:defRPr>
+            </a:lvl5pPr>
+            <a:lvl6pPr marL="2514600" indent="-228600" algn="l" defTabSz="914400" rtl="0" eaLnBrk="1" latinLnBrk="0" hangingPunct="1">
+              <a:lnSpc>
+                <a:spcPct val="90000"/>
+              </a:lnSpc>
+              <a:spcBef>
+                <a:spcPts val="500"/>
+              </a:spcBef>
+              <a:buFont typeface="Arial" panose="020B0604020202020204" pitchFamily="34" charset="0"/>
+              <a:buChar char="•"/>
+              <a:defRPr sz="1600" kern="1200">
+                <a:solidFill>
+                  <a:schemeClr val="tx1"/>
+                </a:solidFill>
+                <a:latin typeface="+mn-lt"/>
+                <a:ea typeface="+mn-ea"/>
+                <a:cs typeface="+mn-cs"/>
+              </a:defRPr>
+            </a:lvl6pPr>
+            <a:lvl7pPr marL="2971800" indent="-228600" algn="l" defTabSz="914400" rtl="0" eaLnBrk="1" latinLnBrk="0" hangingPunct="1">
+              <a:lnSpc>
+                <a:spcPct val="90000"/>
+              </a:lnSpc>
+              <a:spcBef>
+                <a:spcPts val="500"/>
+              </a:spcBef>
+              <a:buFont typeface="Arial" panose="020B0604020202020204" pitchFamily="34" charset="0"/>
+              <a:buChar char="•"/>
+              <a:defRPr sz="1600" kern="1200">
+                <a:solidFill>
+                  <a:schemeClr val="tx1"/>
+                </a:solidFill>
+                <a:latin typeface="+mn-lt"/>
+                <a:ea typeface="+mn-ea"/>
+                <a:cs typeface="+mn-cs"/>
+              </a:defRPr>
+            </a:lvl7pPr>
+            <a:lvl8pPr marL="3429000" indent="-228600" algn="l" defTabSz="914400" rtl="0" eaLnBrk="1" latinLnBrk="0" hangingPunct="1">
+              <a:lnSpc>
+                <a:spcPct val="90000"/>
+              </a:lnSpc>
+              <a:spcBef>
+                <a:spcPts val="500"/>
+              </a:spcBef>
+              <a:buFont typeface="Arial" panose="020B0604020202020204" pitchFamily="34" charset="0"/>
+              <a:buChar char="•"/>
+              <a:defRPr sz="1600" kern="1200">
+                <a:solidFill>
+                  <a:schemeClr val="tx1"/>
+                </a:solidFill>
+                <a:latin typeface="+mn-lt"/>
+                <a:ea typeface="+mn-ea"/>
+                <a:cs typeface="+mn-cs"/>
+              </a:defRPr>
+            </a:lvl8pPr>
+            <a:lvl9pPr marL="3886200" indent="-228600" algn="l" defTabSz="914400" rtl="0" eaLnBrk="1" latinLnBrk="0" hangingPunct="1">
+              <a:lnSpc>
+                <a:spcPct val="90000"/>
+              </a:lnSpc>
+              <a:spcBef>
+                <a:spcPts val="500"/>
+              </a:spcBef>
+              <a:buFont typeface="Arial" panose="020B0604020202020204" pitchFamily="34" charset="0"/>
+              <a:buChar char="•"/>
+              <a:defRPr sz="1600" kern="1200">
+                <a:solidFill>
+                  <a:schemeClr val="tx1"/>
+                </a:solidFill>
+                <a:latin typeface="+mn-lt"/>
+                <a:ea typeface="+mn-ea"/>
+                <a:cs typeface="+mn-cs"/>
+              </a:defRPr>
+            </a:lvl9pPr>
+          </a:lstStyle>
+          <a:p>
+            <a:pPr marL="0" indent="0">
+              <a:buNone/>
+            </a:pPr>
+            <a:r>
+              <a:rPr lang="pl-PL" sz="3600" b="1" dirty="0" err="1"/>
+              <a:t>Ubiquitous</a:t>
+            </a:r>
+            <a:r>
+              <a:rPr lang="pl-PL" sz="3600" b="1" dirty="0"/>
+              <a:t> </a:t>
+            </a:r>
+            <a:r>
+              <a:rPr lang="pl-PL" sz="3600" b="1" dirty="0" smtClean="0"/>
+              <a:t>Language</a:t>
+            </a:r>
+            <a:endParaRPr lang="pl-PL" sz="3600" b="1" dirty="0"/>
+          </a:p>
+        </p:txBody>
+      </p:sp>
+      <p:pic>
+        <p:nvPicPr>
+          <p:cNvPr id="6" name="Picture 5"/>
+          <p:cNvPicPr>
+            <a:picLocks noChangeAspect="1"/>
+          </p:cNvPicPr>
+          <p:nvPr/>
+        </p:nvPicPr>
+        <p:blipFill>
+          <a:blip r:embed="rId2">
+            <a:extLst>
+              <a:ext uri="{28A0092B-C50C-407E-A947-70E740481C1C}">
+                <a14:useLocalDpi xmlns:a14="http://schemas.microsoft.com/office/drawing/2010/main" val="0"/>
+              </a:ext>
+            </a:extLst>
+          </a:blip>
+          <a:stretch>
+            <a:fillRect/>
+          </a:stretch>
+        </p:blipFill>
+        <p:spPr>
+          <a:xfrm>
+            <a:off x="6489700" y="2446785"/>
+            <a:ext cx="4772025" cy="3771900"/>
+          </a:xfrm>
+          <a:prstGeom prst="rect">
+            <a:avLst/>
+          </a:prstGeom>
+        </p:spPr>
+      </p:pic>
+      <p:sp>
+        <p:nvSpPr>
+          <p:cNvPr id="7" name="TextBox 6"/>
+          <p:cNvSpPr txBox="1"/>
+          <p:nvPr/>
+        </p:nvSpPr>
+        <p:spPr>
+          <a:xfrm>
+            <a:off x="4930076" y="6334077"/>
+            <a:ext cx="7261924" cy="307777"/>
+          </a:xfrm>
+          <a:prstGeom prst="rect">
+            <a:avLst/>
+          </a:prstGeom>
+          <a:noFill/>
+        </p:spPr>
+        <p:txBody>
+          <a:bodyPr wrap="none" rtlCol="0">
+            <a:spAutoFit/>
+          </a:bodyPr>
+          <a:lstStyle/>
+          <a:p>
+            <a:r>
+              <a:rPr lang="pl-PL" sz="1400" dirty="0"/>
+              <a:t>Źródło: http://www.userdrivendev.com/p/user-language-inside-source-code.html</a:t>
+            </a:r>
           </a:p>
         </p:txBody>
       </p:sp>
     </p:spTree>
     <p:extLst>
       <p:ext uri="{BB962C8B-B14F-4D97-AF65-F5344CB8AC3E}">
-        <p14:creationId xmlns:p14="http://schemas.microsoft.com/office/powerpoint/2010/main" val="379466992"/>
+        <p14:creationId xmlns:p14="http://schemas.microsoft.com/office/powerpoint/2010/main" val="1071243195"/>
       </p:ext>
     </p:extLst>
   </p:cSld>
@@ -15486,6 +15752,2061 @@
     <p:extLst>
       <p:ext uri="{BB962C8B-B14F-4D97-AF65-F5344CB8AC3E}">
         <p14:creationId xmlns:p14="http://schemas.microsoft.com/office/powerpoint/2010/main" val="2180028814"/>
+      </p:ext>
+    </p:extLst>
+  </p:cSld>
+  <p:clrMapOvr>
+    <a:masterClrMapping/>
+  </p:clrMapOvr>
+  <p:timing>
+    <p:tnLst>
+      <p:par>
+        <p:cTn id="1" dur="indefinite" restart="never" nodeType="tmRoot"/>
+      </p:par>
+    </p:tnLst>
+  </p:timing>
+</p:sld>
+</file>
+
+<file path=ppt/slides/slide40.xml><?xml version="1.0" encoding="utf-8"?>
+<p:sld xmlns:a="http://schemas.openxmlformats.org/drawingml/2006/main" xmlns:r="http://schemas.openxmlformats.org/officeDocument/2006/relationships" xmlns:p="http://schemas.openxmlformats.org/presentationml/2006/main">
+  <p:cSld>
+    <p:spTree>
+      <p:nvGrpSpPr>
+        <p:cNvPr id="1" name=""/>
+        <p:cNvGrpSpPr/>
+        <p:nvPr/>
+      </p:nvGrpSpPr>
+      <p:grpSpPr>
+        <a:xfrm>
+          <a:off x="0" y="0"/>
+          <a:ext cx="0" cy="0"/>
+          <a:chOff x="0" y="0"/>
+          <a:chExt cx="0" cy="0"/>
+        </a:xfrm>
+      </p:grpSpPr>
+      <p:sp>
+        <p:nvSpPr>
+          <p:cNvPr id="2" name="Title 1"/>
+          <p:cNvSpPr>
+            <a:spLocks noGrp="1"/>
+          </p:cNvSpPr>
+          <p:nvPr>
+            <p:ph type="title"/>
+          </p:nvPr>
+        </p:nvSpPr>
+        <p:spPr/>
+        <p:txBody>
+          <a:bodyPr>
+            <a:normAutofit/>
+          </a:bodyPr>
+          <a:lstStyle/>
+          <a:p>
+            <a:r>
+              <a:rPr lang="pl-PL" dirty="0" err="1" smtClean="0"/>
+              <a:t>Domain</a:t>
+            </a:r>
+            <a:r>
+              <a:rPr lang="pl-PL" dirty="0" smtClean="0"/>
+              <a:t> </a:t>
+            </a:r>
+            <a:r>
+              <a:rPr lang="pl-PL" dirty="0" err="1"/>
+              <a:t>Driven</a:t>
+            </a:r>
+            <a:r>
+              <a:rPr lang="pl-PL" dirty="0"/>
+              <a:t> Development na ratunek.</a:t>
+            </a:r>
+          </a:p>
+        </p:txBody>
+      </p:sp>
+      <p:sp>
+        <p:nvSpPr>
+          <p:cNvPr id="5" name="Content Placeholder 2"/>
+          <p:cNvSpPr txBox="1">
+            <a:spLocks/>
+          </p:cNvSpPr>
+          <p:nvPr/>
+        </p:nvSpPr>
+        <p:spPr>
+          <a:xfrm>
+            <a:off x="685800" y="3454400"/>
+            <a:ext cx="10820400" cy="2764285"/>
+          </a:xfrm>
+          <a:prstGeom prst="rect">
+            <a:avLst/>
+          </a:prstGeom>
+        </p:spPr>
+        <p:txBody>
+          <a:bodyPr vert="horz" lIns="91440" tIns="45720" rIns="91440" bIns="45720" rtlCol="0">
+            <a:normAutofit/>
+          </a:bodyPr>
+          <a:lstStyle>
+            <a:lvl1pPr marL="228600" indent="-228600" algn="l" defTabSz="914400" rtl="0" eaLnBrk="1" latinLnBrk="0" hangingPunct="1">
+              <a:lnSpc>
+                <a:spcPct val="90000"/>
+              </a:lnSpc>
+              <a:spcBef>
+                <a:spcPts val="1000"/>
+              </a:spcBef>
+              <a:buFont typeface="Arial" panose="020B0604020202020204" pitchFamily="34" charset="0"/>
+              <a:buChar char="•"/>
+              <a:defRPr sz="2200" kern="1200">
+                <a:solidFill>
+                  <a:schemeClr val="tx1"/>
+                </a:solidFill>
+                <a:latin typeface="+mn-lt"/>
+                <a:ea typeface="+mn-ea"/>
+                <a:cs typeface="+mn-cs"/>
+              </a:defRPr>
+            </a:lvl1pPr>
+            <a:lvl2pPr marL="685800" indent="-228600" algn="l" defTabSz="914400" rtl="0" eaLnBrk="1" latinLnBrk="0" hangingPunct="1">
+              <a:lnSpc>
+                <a:spcPct val="90000"/>
+              </a:lnSpc>
+              <a:spcBef>
+                <a:spcPts val="500"/>
+              </a:spcBef>
+              <a:buFont typeface="Arial" panose="020B0604020202020204" pitchFamily="34" charset="0"/>
+              <a:buChar char="•"/>
+              <a:defRPr sz="2000" kern="1200">
+                <a:solidFill>
+                  <a:schemeClr val="tx1"/>
+                </a:solidFill>
+                <a:latin typeface="+mn-lt"/>
+                <a:ea typeface="+mn-ea"/>
+                <a:cs typeface="+mn-cs"/>
+              </a:defRPr>
+            </a:lvl2pPr>
+            <a:lvl3pPr marL="1143000" indent="-228600" algn="l" defTabSz="914400" rtl="0" eaLnBrk="1" latinLnBrk="0" hangingPunct="1">
+              <a:lnSpc>
+                <a:spcPct val="90000"/>
+              </a:lnSpc>
+              <a:spcBef>
+                <a:spcPts val="500"/>
+              </a:spcBef>
+              <a:buFont typeface="Arial" panose="020B0604020202020204" pitchFamily="34" charset="0"/>
+              <a:buChar char="•"/>
+              <a:defRPr sz="1800" kern="1200">
+                <a:solidFill>
+                  <a:schemeClr val="tx1"/>
+                </a:solidFill>
+                <a:latin typeface="+mn-lt"/>
+                <a:ea typeface="+mn-ea"/>
+                <a:cs typeface="+mn-cs"/>
+              </a:defRPr>
+            </a:lvl3pPr>
+            <a:lvl4pPr marL="1600200" indent="-228600" algn="l" defTabSz="914400" rtl="0" eaLnBrk="1" latinLnBrk="0" hangingPunct="1">
+              <a:lnSpc>
+                <a:spcPct val="90000"/>
+              </a:lnSpc>
+              <a:spcBef>
+                <a:spcPts val="500"/>
+              </a:spcBef>
+              <a:buFont typeface="Arial" panose="020B0604020202020204" pitchFamily="34" charset="0"/>
+              <a:buChar char="•"/>
+              <a:defRPr sz="1600" kern="1200">
+                <a:solidFill>
+                  <a:schemeClr val="tx1"/>
+                </a:solidFill>
+                <a:latin typeface="+mn-lt"/>
+                <a:ea typeface="+mn-ea"/>
+                <a:cs typeface="+mn-cs"/>
+              </a:defRPr>
+            </a:lvl4pPr>
+            <a:lvl5pPr marL="2057400" indent="-228600" algn="l" defTabSz="914400" rtl="0" eaLnBrk="1" latinLnBrk="0" hangingPunct="1">
+              <a:lnSpc>
+                <a:spcPct val="90000"/>
+              </a:lnSpc>
+              <a:spcBef>
+                <a:spcPts val="500"/>
+              </a:spcBef>
+              <a:buFont typeface="Arial" panose="020B0604020202020204" pitchFamily="34" charset="0"/>
+              <a:buChar char="•"/>
+              <a:defRPr sz="1600" kern="1200">
+                <a:solidFill>
+                  <a:schemeClr val="tx1"/>
+                </a:solidFill>
+                <a:latin typeface="+mn-lt"/>
+                <a:ea typeface="+mn-ea"/>
+                <a:cs typeface="+mn-cs"/>
+              </a:defRPr>
+            </a:lvl5pPr>
+            <a:lvl6pPr marL="2514600" indent="-228600" algn="l" defTabSz="914400" rtl="0" eaLnBrk="1" latinLnBrk="0" hangingPunct="1">
+              <a:lnSpc>
+                <a:spcPct val="90000"/>
+              </a:lnSpc>
+              <a:spcBef>
+                <a:spcPts val="500"/>
+              </a:spcBef>
+              <a:buFont typeface="Arial" panose="020B0604020202020204" pitchFamily="34" charset="0"/>
+              <a:buChar char="•"/>
+              <a:defRPr sz="1600" kern="1200">
+                <a:solidFill>
+                  <a:schemeClr val="tx1"/>
+                </a:solidFill>
+                <a:latin typeface="+mn-lt"/>
+                <a:ea typeface="+mn-ea"/>
+                <a:cs typeface="+mn-cs"/>
+              </a:defRPr>
+            </a:lvl6pPr>
+            <a:lvl7pPr marL="2971800" indent="-228600" algn="l" defTabSz="914400" rtl="0" eaLnBrk="1" latinLnBrk="0" hangingPunct="1">
+              <a:lnSpc>
+                <a:spcPct val="90000"/>
+              </a:lnSpc>
+              <a:spcBef>
+                <a:spcPts val="500"/>
+              </a:spcBef>
+              <a:buFont typeface="Arial" panose="020B0604020202020204" pitchFamily="34" charset="0"/>
+              <a:buChar char="•"/>
+              <a:defRPr sz="1600" kern="1200">
+                <a:solidFill>
+                  <a:schemeClr val="tx1"/>
+                </a:solidFill>
+                <a:latin typeface="+mn-lt"/>
+                <a:ea typeface="+mn-ea"/>
+                <a:cs typeface="+mn-cs"/>
+              </a:defRPr>
+            </a:lvl7pPr>
+            <a:lvl8pPr marL="3429000" indent="-228600" algn="l" defTabSz="914400" rtl="0" eaLnBrk="1" latinLnBrk="0" hangingPunct="1">
+              <a:lnSpc>
+                <a:spcPct val="90000"/>
+              </a:lnSpc>
+              <a:spcBef>
+                <a:spcPts val="500"/>
+              </a:spcBef>
+              <a:buFont typeface="Arial" panose="020B0604020202020204" pitchFamily="34" charset="0"/>
+              <a:buChar char="•"/>
+              <a:defRPr sz="1600" kern="1200">
+                <a:solidFill>
+                  <a:schemeClr val="tx1"/>
+                </a:solidFill>
+                <a:latin typeface="+mn-lt"/>
+                <a:ea typeface="+mn-ea"/>
+                <a:cs typeface="+mn-cs"/>
+              </a:defRPr>
+            </a:lvl8pPr>
+            <a:lvl9pPr marL="3886200" indent="-228600" algn="l" defTabSz="914400" rtl="0" eaLnBrk="1" latinLnBrk="0" hangingPunct="1">
+              <a:lnSpc>
+                <a:spcPct val="90000"/>
+              </a:lnSpc>
+              <a:spcBef>
+                <a:spcPts val="500"/>
+              </a:spcBef>
+              <a:buFont typeface="Arial" panose="020B0604020202020204" pitchFamily="34" charset="0"/>
+              <a:buChar char="•"/>
+              <a:defRPr sz="1600" kern="1200">
+                <a:solidFill>
+                  <a:schemeClr val="tx1"/>
+                </a:solidFill>
+                <a:latin typeface="+mn-lt"/>
+                <a:ea typeface="+mn-ea"/>
+                <a:cs typeface="+mn-cs"/>
+              </a:defRPr>
+            </a:lvl9pPr>
+          </a:lstStyle>
+          <a:p>
+            <a:pPr marL="0" indent="0">
+              <a:buNone/>
+            </a:pPr>
+            <a:r>
+              <a:rPr lang="pl-PL" sz="3600" b="1" dirty="0" err="1" smtClean="0"/>
+              <a:t>Bounded</a:t>
+            </a:r>
+            <a:r>
+              <a:rPr lang="pl-PL" sz="3600" b="1" dirty="0" smtClean="0"/>
+              <a:t> </a:t>
+            </a:r>
+            <a:r>
+              <a:rPr lang="pl-PL" sz="3600" b="1" dirty="0" err="1" smtClean="0"/>
+              <a:t>Contexts</a:t>
+            </a:r>
+            <a:endParaRPr lang="pl-PL" sz="3600" b="1" dirty="0"/>
+          </a:p>
+        </p:txBody>
+      </p:sp>
+      <p:pic>
+        <p:nvPicPr>
+          <p:cNvPr id="3" name="Picture 2"/>
+          <p:cNvPicPr>
+            <a:picLocks noChangeAspect="1"/>
+          </p:cNvPicPr>
+          <p:nvPr/>
+        </p:nvPicPr>
+        <p:blipFill>
+          <a:blip r:embed="rId2">
+            <a:extLst>
+              <a:ext uri="{28A0092B-C50C-407E-A947-70E740481C1C}">
+                <a14:useLocalDpi xmlns:a14="http://schemas.microsoft.com/office/drawing/2010/main" val="0"/>
+              </a:ext>
+            </a:extLst>
+          </a:blip>
+          <a:stretch>
+            <a:fillRect/>
+          </a:stretch>
+        </p:blipFill>
+        <p:spPr>
+          <a:xfrm>
+            <a:off x="5365750" y="2751585"/>
+            <a:ext cx="5981700" cy="3467100"/>
+          </a:xfrm>
+          <a:prstGeom prst="rect">
+            <a:avLst/>
+          </a:prstGeom>
+        </p:spPr>
+      </p:pic>
+      <p:sp>
+        <p:nvSpPr>
+          <p:cNvPr id="6" name="TextBox 5"/>
+          <p:cNvSpPr txBox="1"/>
+          <p:nvPr/>
+        </p:nvSpPr>
+        <p:spPr>
+          <a:xfrm>
+            <a:off x="4930076" y="6334077"/>
+            <a:ext cx="5516254" cy="307777"/>
+          </a:xfrm>
+          <a:prstGeom prst="rect">
+            <a:avLst/>
+          </a:prstGeom>
+          <a:noFill/>
+        </p:spPr>
+        <p:txBody>
+          <a:bodyPr wrap="none" rtlCol="0">
+            <a:spAutoFit/>
+          </a:bodyPr>
+          <a:lstStyle/>
+          <a:p>
+            <a:r>
+              <a:rPr lang="pl-PL" sz="1400" dirty="0"/>
+              <a:t>Źródło: https://www.infoq.com/articles/ddd-contextmapping</a:t>
+            </a:r>
+          </a:p>
+        </p:txBody>
+      </p:sp>
+    </p:spTree>
+    <p:extLst>
+      <p:ext uri="{BB962C8B-B14F-4D97-AF65-F5344CB8AC3E}">
+        <p14:creationId xmlns:p14="http://schemas.microsoft.com/office/powerpoint/2010/main" val="808058853"/>
+      </p:ext>
+    </p:extLst>
+  </p:cSld>
+  <p:clrMapOvr>
+    <a:masterClrMapping/>
+  </p:clrMapOvr>
+  <p:timing>
+    <p:tnLst>
+      <p:par>
+        <p:cTn id="1" dur="indefinite" restart="never" nodeType="tmRoot"/>
+      </p:par>
+    </p:tnLst>
+  </p:timing>
+</p:sld>
+</file>
+
+<file path=ppt/slides/slide41.xml><?xml version="1.0" encoding="utf-8"?>
+<p:sld xmlns:a="http://schemas.openxmlformats.org/drawingml/2006/main" xmlns:r="http://schemas.openxmlformats.org/officeDocument/2006/relationships" xmlns:p="http://schemas.openxmlformats.org/presentationml/2006/main">
+  <p:cSld>
+    <p:spTree>
+      <p:nvGrpSpPr>
+        <p:cNvPr id="1" name=""/>
+        <p:cNvGrpSpPr/>
+        <p:nvPr/>
+      </p:nvGrpSpPr>
+      <p:grpSpPr>
+        <a:xfrm>
+          <a:off x="0" y="0"/>
+          <a:ext cx="0" cy="0"/>
+          <a:chOff x="0" y="0"/>
+          <a:chExt cx="0" cy="0"/>
+        </a:xfrm>
+      </p:grpSpPr>
+      <p:sp>
+        <p:nvSpPr>
+          <p:cNvPr id="2" name="Title 1"/>
+          <p:cNvSpPr>
+            <a:spLocks noGrp="1"/>
+          </p:cNvSpPr>
+          <p:nvPr>
+            <p:ph type="title"/>
+          </p:nvPr>
+        </p:nvSpPr>
+        <p:spPr/>
+        <p:txBody>
+          <a:bodyPr>
+            <a:normAutofit/>
+          </a:bodyPr>
+          <a:lstStyle/>
+          <a:p>
+            <a:r>
+              <a:rPr lang="pl-PL" dirty="0" err="1" smtClean="0"/>
+              <a:t>Domain</a:t>
+            </a:r>
+            <a:r>
+              <a:rPr lang="pl-PL" dirty="0" smtClean="0"/>
+              <a:t> </a:t>
+            </a:r>
+            <a:r>
+              <a:rPr lang="pl-PL" dirty="0" err="1"/>
+              <a:t>Driven</a:t>
+            </a:r>
+            <a:r>
+              <a:rPr lang="pl-PL" dirty="0"/>
+              <a:t> Development na ratunek.</a:t>
+            </a:r>
+          </a:p>
+        </p:txBody>
+      </p:sp>
+      <p:sp>
+        <p:nvSpPr>
+          <p:cNvPr id="5" name="Content Placeholder 2"/>
+          <p:cNvSpPr txBox="1">
+            <a:spLocks/>
+          </p:cNvSpPr>
+          <p:nvPr/>
+        </p:nvSpPr>
+        <p:spPr>
+          <a:xfrm>
+            <a:off x="685800" y="3454400"/>
+            <a:ext cx="10820400" cy="2764285"/>
+          </a:xfrm>
+          <a:prstGeom prst="rect">
+            <a:avLst/>
+          </a:prstGeom>
+        </p:spPr>
+        <p:txBody>
+          <a:bodyPr vert="horz" lIns="91440" tIns="45720" rIns="91440" bIns="45720" rtlCol="0">
+            <a:normAutofit/>
+          </a:bodyPr>
+          <a:lstStyle>
+            <a:lvl1pPr marL="228600" indent="-228600" algn="l" defTabSz="914400" rtl="0" eaLnBrk="1" latinLnBrk="0" hangingPunct="1">
+              <a:lnSpc>
+                <a:spcPct val="90000"/>
+              </a:lnSpc>
+              <a:spcBef>
+                <a:spcPts val="1000"/>
+              </a:spcBef>
+              <a:buFont typeface="Arial" panose="020B0604020202020204" pitchFamily="34" charset="0"/>
+              <a:buChar char="•"/>
+              <a:defRPr sz="2200" kern="1200">
+                <a:solidFill>
+                  <a:schemeClr val="tx1"/>
+                </a:solidFill>
+                <a:latin typeface="+mn-lt"/>
+                <a:ea typeface="+mn-ea"/>
+                <a:cs typeface="+mn-cs"/>
+              </a:defRPr>
+            </a:lvl1pPr>
+            <a:lvl2pPr marL="685800" indent="-228600" algn="l" defTabSz="914400" rtl="0" eaLnBrk="1" latinLnBrk="0" hangingPunct="1">
+              <a:lnSpc>
+                <a:spcPct val="90000"/>
+              </a:lnSpc>
+              <a:spcBef>
+                <a:spcPts val="500"/>
+              </a:spcBef>
+              <a:buFont typeface="Arial" panose="020B0604020202020204" pitchFamily="34" charset="0"/>
+              <a:buChar char="•"/>
+              <a:defRPr sz="2000" kern="1200">
+                <a:solidFill>
+                  <a:schemeClr val="tx1"/>
+                </a:solidFill>
+                <a:latin typeface="+mn-lt"/>
+                <a:ea typeface="+mn-ea"/>
+                <a:cs typeface="+mn-cs"/>
+              </a:defRPr>
+            </a:lvl2pPr>
+            <a:lvl3pPr marL="1143000" indent="-228600" algn="l" defTabSz="914400" rtl="0" eaLnBrk="1" latinLnBrk="0" hangingPunct="1">
+              <a:lnSpc>
+                <a:spcPct val="90000"/>
+              </a:lnSpc>
+              <a:spcBef>
+                <a:spcPts val="500"/>
+              </a:spcBef>
+              <a:buFont typeface="Arial" panose="020B0604020202020204" pitchFamily="34" charset="0"/>
+              <a:buChar char="•"/>
+              <a:defRPr sz="1800" kern="1200">
+                <a:solidFill>
+                  <a:schemeClr val="tx1"/>
+                </a:solidFill>
+                <a:latin typeface="+mn-lt"/>
+                <a:ea typeface="+mn-ea"/>
+                <a:cs typeface="+mn-cs"/>
+              </a:defRPr>
+            </a:lvl3pPr>
+            <a:lvl4pPr marL="1600200" indent="-228600" algn="l" defTabSz="914400" rtl="0" eaLnBrk="1" latinLnBrk="0" hangingPunct="1">
+              <a:lnSpc>
+                <a:spcPct val="90000"/>
+              </a:lnSpc>
+              <a:spcBef>
+                <a:spcPts val="500"/>
+              </a:spcBef>
+              <a:buFont typeface="Arial" panose="020B0604020202020204" pitchFamily="34" charset="0"/>
+              <a:buChar char="•"/>
+              <a:defRPr sz="1600" kern="1200">
+                <a:solidFill>
+                  <a:schemeClr val="tx1"/>
+                </a:solidFill>
+                <a:latin typeface="+mn-lt"/>
+                <a:ea typeface="+mn-ea"/>
+                <a:cs typeface="+mn-cs"/>
+              </a:defRPr>
+            </a:lvl4pPr>
+            <a:lvl5pPr marL="2057400" indent="-228600" algn="l" defTabSz="914400" rtl="0" eaLnBrk="1" latinLnBrk="0" hangingPunct="1">
+              <a:lnSpc>
+                <a:spcPct val="90000"/>
+              </a:lnSpc>
+              <a:spcBef>
+                <a:spcPts val="500"/>
+              </a:spcBef>
+              <a:buFont typeface="Arial" panose="020B0604020202020204" pitchFamily="34" charset="0"/>
+              <a:buChar char="•"/>
+              <a:defRPr sz="1600" kern="1200">
+                <a:solidFill>
+                  <a:schemeClr val="tx1"/>
+                </a:solidFill>
+                <a:latin typeface="+mn-lt"/>
+                <a:ea typeface="+mn-ea"/>
+                <a:cs typeface="+mn-cs"/>
+              </a:defRPr>
+            </a:lvl5pPr>
+            <a:lvl6pPr marL="2514600" indent="-228600" algn="l" defTabSz="914400" rtl="0" eaLnBrk="1" latinLnBrk="0" hangingPunct="1">
+              <a:lnSpc>
+                <a:spcPct val="90000"/>
+              </a:lnSpc>
+              <a:spcBef>
+                <a:spcPts val="500"/>
+              </a:spcBef>
+              <a:buFont typeface="Arial" panose="020B0604020202020204" pitchFamily="34" charset="0"/>
+              <a:buChar char="•"/>
+              <a:defRPr sz="1600" kern="1200">
+                <a:solidFill>
+                  <a:schemeClr val="tx1"/>
+                </a:solidFill>
+                <a:latin typeface="+mn-lt"/>
+                <a:ea typeface="+mn-ea"/>
+                <a:cs typeface="+mn-cs"/>
+              </a:defRPr>
+            </a:lvl6pPr>
+            <a:lvl7pPr marL="2971800" indent="-228600" algn="l" defTabSz="914400" rtl="0" eaLnBrk="1" latinLnBrk="0" hangingPunct="1">
+              <a:lnSpc>
+                <a:spcPct val="90000"/>
+              </a:lnSpc>
+              <a:spcBef>
+                <a:spcPts val="500"/>
+              </a:spcBef>
+              <a:buFont typeface="Arial" panose="020B0604020202020204" pitchFamily="34" charset="0"/>
+              <a:buChar char="•"/>
+              <a:defRPr sz="1600" kern="1200">
+                <a:solidFill>
+                  <a:schemeClr val="tx1"/>
+                </a:solidFill>
+                <a:latin typeface="+mn-lt"/>
+                <a:ea typeface="+mn-ea"/>
+                <a:cs typeface="+mn-cs"/>
+              </a:defRPr>
+            </a:lvl7pPr>
+            <a:lvl8pPr marL="3429000" indent="-228600" algn="l" defTabSz="914400" rtl="0" eaLnBrk="1" latinLnBrk="0" hangingPunct="1">
+              <a:lnSpc>
+                <a:spcPct val="90000"/>
+              </a:lnSpc>
+              <a:spcBef>
+                <a:spcPts val="500"/>
+              </a:spcBef>
+              <a:buFont typeface="Arial" panose="020B0604020202020204" pitchFamily="34" charset="0"/>
+              <a:buChar char="•"/>
+              <a:defRPr sz="1600" kern="1200">
+                <a:solidFill>
+                  <a:schemeClr val="tx1"/>
+                </a:solidFill>
+                <a:latin typeface="+mn-lt"/>
+                <a:ea typeface="+mn-ea"/>
+                <a:cs typeface="+mn-cs"/>
+              </a:defRPr>
+            </a:lvl8pPr>
+            <a:lvl9pPr marL="3886200" indent="-228600" algn="l" defTabSz="914400" rtl="0" eaLnBrk="1" latinLnBrk="0" hangingPunct="1">
+              <a:lnSpc>
+                <a:spcPct val="90000"/>
+              </a:lnSpc>
+              <a:spcBef>
+                <a:spcPts val="500"/>
+              </a:spcBef>
+              <a:buFont typeface="Arial" panose="020B0604020202020204" pitchFamily="34" charset="0"/>
+              <a:buChar char="•"/>
+              <a:defRPr sz="1600" kern="1200">
+                <a:solidFill>
+                  <a:schemeClr val="tx1"/>
+                </a:solidFill>
+                <a:latin typeface="+mn-lt"/>
+                <a:ea typeface="+mn-ea"/>
+                <a:cs typeface="+mn-cs"/>
+              </a:defRPr>
+            </a:lvl9pPr>
+          </a:lstStyle>
+          <a:p>
+            <a:pPr marL="0" indent="0" algn="ctr">
+              <a:buNone/>
+            </a:pPr>
+            <a:r>
+              <a:rPr lang="pl-PL" sz="3600" b="1" dirty="0" err="1" smtClean="0"/>
+              <a:t>Aggregates</a:t>
+            </a:r>
+            <a:endParaRPr lang="pl-PL" sz="3600" b="1" dirty="0" smtClean="0"/>
+          </a:p>
+          <a:p>
+            <a:pPr marL="0" indent="0" algn="ctr">
+              <a:buNone/>
+            </a:pPr>
+            <a:r>
+              <a:rPr lang="pl-PL" sz="3600" b="1" dirty="0" err="1" smtClean="0"/>
+              <a:t>Entities</a:t>
+            </a:r>
+            <a:endParaRPr lang="pl-PL" sz="3600" b="1" dirty="0" smtClean="0"/>
+          </a:p>
+          <a:p>
+            <a:pPr marL="0" indent="0" algn="ctr">
+              <a:buNone/>
+            </a:pPr>
+            <a:r>
+              <a:rPr lang="pl-PL" sz="3600" b="1" dirty="0" smtClean="0"/>
+              <a:t>Value Objects</a:t>
+            </a:r>
+            <a:endParaRPr lang="pl-PL" sz="3600" b="1" dirty="0"/>
+          </a:p>
+        </p:txBody>
+      </p:sp>
+    </p:spTree>
+    <p:extLst>
+      <p:ext uri="{BB962C8B-B14F-4D97-AF65-F5344CB8AC3E}">
+        <p14:creationId xmlns:p14="http://schemas.microsoft.com/office/powerpoint/2010/main" val="2210177878"/>
+      </p:ext>
+    </p:extLst>
+  </p:cSld>
+  <p:clrMapOvr>
+    <a:masterClrMapping/>
+  </p:clrMapOvr>
+  <p:timing>
+    <p:tnLst>
+      <p:par>
+        <p:cTn id="1" dur="indefinite" restart="never" nodeType="tmRoot"/>
+      </p:par>
+    </p:tnLst>
+  </p:timing>
+</p:sld>
+</file>
+
+<file path=ppt/slides/slide42.xml><?xml version="1.0" encoding="utf-8"?>
+<p:sld xmlns:a="http://schemas.openxmlformats.org/drawingml/2006/main" xmlns:r="http://schemas.openxmlformats.org/officeDocument/2006/relationships" xmlns:p="http://schemas.openxmlformats.org/presentationml/2006/main">
+  <p:cSld>
+    <p:spTree>
+      <p:nvGrpSpPr>
+        <p:cNvPr id="1" name=""/>
+        <p:cNvGrpSpPr/>
+        <p:nvPr/>
+      </p:nvGrpSpPr>
+      <p:grpSpPr>
+        <a:xfrm>
+          <a:off x="0" y="0"/>
+          <a:ext cx="0" cy="0"/>
+          <a:chOff x="0" y="0"/>
+          <a:chExt cx="0" cy="0"/>
+        </a:xfrm>
+      </p:grpSpPr>
+      <p:sp>
+        <p:nvSpPr>
+          <p:cNvPr id="2" name="Title 1"/>
+          <p:cNvSpPr>
+            <a:spLocks noGrp="1"/>
+          </p:cNvSpPr>
+          <p:nvPr>
+            <p:ph type="title"/>
+          </p:nvPr>
+        </p:nvSpPr>
+        <p:spPr/>
+        <p:txBody>
+          <a:bodyPr>
+            <a:normAutofit/>
+          </a:bodyPr>
+          <a:lstStyle/>
+          <a:p>
+            <a:r>
+              <a:rPr lang="pl-PL" dirty="0" err="1" smtClean="0"/>
+              <a:t>Domain</a:t>
+            </a:r>
+            <a:r>
+              <a:rPr lang="pl-PL" dirty="0" smtClean="0"/>
+              <a:t> </a:t>
+            </a:r>
+            <a:r>
+              <a:rPr lang="pl-PL" dirty="0" err="1"/>
+              <a:t>Driven</a:t>
+            </a:r>
+            <a:r>
+              <a:rPr lang="pl-PL" dirty="0"/>
+              <a:t> Development na ratunek.</a:t>
+            </a:r>
+          </a:p>
+        </p:txBody>
+      </p:sp>
+      <p:sp>
+        <p:nvSpPr>
+          <p:cNvPr id="5" name="Content Placeholder 2"/>
+          <p:cNvSpPr txBox="1">
+            <a:spLocks/>
+          </p:cNvSpPr>
+          <p:nvPr/>
+        </p:nvSpPr>
+        <p:spPr>
+          <a:xfrm>
+            <a:off x="685800" y="3454400"/>
+            <a:ext cx="10820400" cy="2764285"/>
+          </a:xfrm>
+          <a:prstGeom prst="rect">
+            <a:avLst/>
+          </a:prstGeom>
+        </p:spPr>
+        <p:txBody>
+          <a:bodyPr vert="horz" lIns="91440" tIns="45720" rIns="91440" bIns="45720" rtlCol="0">
+            <a:normAutofit/>
+          </a:bodyPr>
+          <a:lstStyle>
+            <a:lvl1pPr marL="228600" indent="-228600" algn="l" defTabSz="914400" rtl="0" eaLnBrk="1" latinLnBrk="0" hangingPunct="1">
+              <a:lnSpc>
+                <a:spcPct val="90000"/>
+              </a:lnSpc>
+              <a:spcBef>
+                <a:spcPts val="1000"/>
+              </a:spcBef>
+              <a:buFont typeface="Arial" panose="020B0604020202020204" pitchFamily="34" charset="0"/>
+              <a:buChar char="•"/>
+              <a:defRPr sz="2200" kern="1200">
+                <a:solidFill>
+                  <a:schemeClr val="tx1"/>
+                </a:solidFill>
+                <a:latin typeface="+mn-lt"/>
+                <a:ea typeface="+mn-ea"/>
+                <a:cs typeface="+mn-cs"/>
+              </a:defRPr>
+            </a:lvl1pPr>
+            <a:lvl2pPr marL="685800" indent="-228600" algn="l" defTabSz="914400" rtl="0" eaLnBrk="1" latinLnBrk="0" hangingPunct="1">
+              <a:lnSpc>
+                <a:spcPct val="90000"/>
+              </a:lnSpc>
+              <a:spcBef>
+                <a:spcPts val="500"/>
+              </a:spcBef>
+              <a:buFont typeface="Arial" panose="020B0604020202020204" pitchFamily="34" charset="0"/>
+              <a:buChar char="•"/>
+              <a:defRPr sz="2000" kern="1200">
+                <a:solidFill>
+                  <a:schemeClr val="tx1"/>
+                </a:solidFill>
+                <a:latin typeface="+mn-lt"/>
+                <a:ea typeface="+mn-ea"/>
+                <a:cs typeface="+mn-cs"/>
+              </a:defRPr>
+            </a:lvl2pPr>
+            <a:lvl3pPr marL="1143000" indent="-228600" algn="l" defTabSz="914400" rtl="0" eaLnBrk="1" latinLnBrk="0" hangingPunct="1">
+              <a:lnSpc>
+                <a:spcPct val="90000"/>
+              </a:lnSpc>
+              <a:spcBef>
+                <a:spcPts val="500"/>
+              </a:spcBef>
+              <a:buFont typeface="Arial" panose="020B0604020202020204" pitchFamily="34" charset="0"/>
+              <a:buChar char="•"/>
+              <a:defRPr sz="1800" kern="1200">
+                <a:solidFill>
+                  <a:schemeClr val="tx1"/>
+                </a:solidFill>
+                <a:latin typeface="+mn-lt"/>
+                <a:ea typeface="+mn-ea"/>
+                <a:cs typeface="+mn-cs"/>
+              </a:defRPr>
+            </a:lvl3pPr>
+            <a:lvl4pPr marL="1600200" indent="-228600" algn="l" defTabSz="914400" rtl="0" eaLnBrk="1" latinLnBrk="0" hangingPunct="1">
+              <a:lnSpc>
+                <a:spcPct val="90000"/>
+              </a:lnSpc>
+              <a:spcBef>
+                <a:spcPts val="500"/>
+              </a:spcBef>
+              <a:buFont typeface="Arial" panose="020B0604020202020204" pitchFamily="34" charset="0"/>
+              <a:buChar char="•"/>
+              <a:defRPr sz="1600" kern="1200">
+                <a:solidFill>
+                  <a:schemeClr val="tx1"/>
+                </a:solidFill>
+                <a:latin typeface="+mn-lt"/>
+                <a:ea typeface="+mn-ea"/>
+                <a:cs typeface="+mn-cs"/>
+              </a:defRPr>
+            </a:lvl4pPr>
+            <a:lvl5pPr marL="2057400" indent="-228600" algn="l" defTabSz="914400" rtl="0" eaLnBrk="1" latinLnBrk="0" hangingPunct="1">
+              <a:lnSpc>
+                <a:spcPct val="90000"/>
+              </a:lnSpc>
+              <a:spcBef>
+                <a:spcPts val="500"/>
+              </a:spcBef>
+              <a:buFont typeface="Arial" panose="020B0604020202020204" pitchFamily="34" charset="0"/>
+              <a:buChar char="•"/>
+              <a:defRPr sz="1600" kern="1200">
+                <a:solidFill>
+                  <a:schemeClr val="tx1"/>
+                </a:solidFill>
+                <a:latin typeface="+mn-lt"/>
+                <a:ea typeface="+mn-ea"/>
+                <a:cs typeface="+mn-cs"/>
+              </a:defRPr>
+            </a:lvl5pPr>
+            <a:lvl6pPr marL="2514600" indent="-228600" algn="l" defTabSz="914400" rtl="0" eaLnBrk="1" latinLnBrk="0" hangingPunct="1">
+              <a:lnSpc>
+                <a:spcPct val="90000"/>
+              </a:lnSpc>
+              <a:spcBef>
+                <a:spcPts val="500"/>
+              </a:spcBef>
+              <a:buFont typeface="Arial" panose="020B0604020202020204" pitchFamily="34" charset="0"/>
+              <a:buChar char="•"/>
+              <a:defRPr sz="1600" kern="1200">
+                <a:solidFill>
+                  <a:schemeClr val="tx1"/>
+                </a:solidFill>
+                <a:latin typeface="+mn-lt"/>
+                <a:ea typeface="+mn-ea"/>
+                <a:cs typeface="+mn-cs"/>
+              </a:defRPr>
+            </a:lvl6pPr>
+            <a:lvl7pPr marL="2971800" indent="-228600" algn="l" defTabSz="914400" rtl="0" eaLnBrk="1" latinLnBrk="0" hangingPunct="1">
+              <a:lnSpc>
+                <a:spcPct val="90000"/>
+              </a:lnSpc>
+              <a:spcBef>
+                <a:spcPts val="500"/>
+              </a:spcBef>
+              <a:buFont typeface="Arial" panose="020B0604020202020204" pitchFamily="34" charset="0"/>
+              <a:buChar char="•"/>
+              <a:defRPr sz="1600" kern="1200">
+                <a:solidFill>
+                  <a:schemeClr val="tx1"/>
+                </a:solidFill>
+                <a:latin typeface="+mn-lt"/>
+                <a:ea typeface="+mn-ea"/>
+                <a:cs typeface="+mn-cs"/>
+              </a:defRPr>
+            </a:lvl7pPr>
+            <a:lvl8pPr marL="3429000" indent="-228600" algn="l" defTabSz="914400" rtl="0" eaLnBrk="1" latinLnBrk="0" hangingPunct="1">
+              <a:lnSpc>
+                <a:spcPct val="90000"/>
+              </a:lnSpc>
+              <a:spcBef>
+                <a:spcPts val="500"/>
+              </a:spcBef>
+              <a:buFont typeface="Arial" panose="020B0604020202020204" pitchFamily="34" charset="0"/>
+              <a:buChar char="•"/>
+              <a:defRPr sz="1600" kern="1200">
+                <a:solidFill>
+                  <a:schemeClr val="tx1"/>
+                </a:solidFill>
+                <a:latin typeface="+mn-lt"/>
+                <a:ea typeface="+mn-ea"/>
+                <a:cs typeface="+mn-cs"/>
+              </a:defRPr>
+            </a:lvl8pPr>
+            <a:lvl9pPr marL="3886200" indent="-228600" algn="l" defTabSz="914400" rtl="0" eaLnBrk="1" latinLnBrk="0" hangingPunct="1">
+              <a:lnSpc>
+                <a:spcPct val="90000"/>
+              </a:lnSpc>
+              <a:spcBef>
+                <a:spcPts val="500"/>
+              </a:spcBef>
+              <a:buFont typeface="Arial" panose="020B0604020202020204" pitchFamily="34" charset="0"/>
+              <a:buChar char="•"/>
+              <a:defRPr sz="1600" kern="1200">
+                <a:solidFill>
+                  <a:schemeClr val="tx1"/>
+                </a:solidFill>
+                <a:latin typeface="+mn-lt"/>
+                <a:ea typeface="+mn-ea"/>
+                <a:cs typeface="+mn-cs"/>
+              </a:defRPr>
+            </a:lvl9pPr>
+          </a:lstStyle>
+          <a:p>
+            <a:pPr marL="0" indent="0" algn="ctr">
+              <a:buNone/>
+            </a:pPr>
+            <a:r>
+              <a:rPr lang="pl-PL" sz="3600" b="1" dirty="0" smtClean="0"/>
+              <a:t>User Interface</a:t>
+            </a:r>
+          </a:p>
+          <a:p>
+            <a:pPr marL="0" indent="0" algn="ctr">
+              <a:buNone/>
+            </a:pPr>
+            <a:r>
+              <a:rPr lang="pl-PL" sz="3600" b="1" dirty="0" smtClean="0"/>
+              <a:t>Application </a:t>
+            </a:r>
+            <a:r>
+              <a:rPr lang="pl-PL" sz="3600" b="1" dirty="0" err="1" smtClean="0"/>
+              <a:t>Layer</a:t>
+            </a:r>
+            <a:endParaRPr lang="pl-PL" sz="3600" b="1" dirty="0" smtClean="0"/>
+          </a:p>
+          <a:p>
+            <a:pPr marL="0" indent="0" algn="ctr">
+              <a:buNone/>
+            </a:pPr>
+            <a:r>
+              <a:rPr lang="pl-PL" sz="3600" b="1" dirty="0" err="1" smtClean="0"/>
+              <a:t>Domain</a:t>
+            </a:r>
+            <a:endParaRPr lang="pl-PL" sz="3600" b="1" dirty="0" smtClean="0"/>
+          </a:p>
+          <a:p>
+            <a:pPr marL="0" indent="0" algn="ctr">
+              <a:buNone/>
+            </a:pPr>
+            <a:r>
+              <a:rPr lang="pl-PL" sz="3600" b="1" dirty="0" err="1" smtClean="0"/>
+              <a:t>Infrastructure</a:t>
+            </a:r>
+            <a:endParaRPr lang="pl-PL" sz="3600" b="1" dirty="0"/>
+          </a:p>
+        </p:txBody>
+      </p:sp>
+    </p:spTree>
+    <p:extLst>
+      <p:ext uri="{BB962C8B-B14F-4D97-AF65-F5344CB8AC3E}">
+        <p14:creationId xmlns:p14="http://schemas.microsoft.com/office/powerpoint/2010/main" val="842398511"/>
+      </p:ext>
+    </p:extLst>
+  </p:cSld>
+  <p:clrMapOvr>
+    <a:masterClrMapping/>
+  </p:clrMapOvr>
+  <p:timing>
+    <p:tnLst>
+      <p:par>
+        <p:cTn id="1" dur="indefinite" restart="never" nodeType="tmRoot"/>
+      </p:par>
+    </p:tnLst>
+  </p:timing>
+</p:sld>
+</file>
+
+<file path=ppt/slides/slide43.xml><?xml version="1.0" encoding="utf-8"?>
+<p:sld xmlns:a="http://schemas.openxmlformats.org/drawingml/2006/main" xmlns:r="http://schemas.openxmlformats.org/officeDocument/2006/relationships" xmlns:p="http://schemas.openxmlformats.org/presentationml/2006/main">
+  <p:cSld>
+    <p:spTree>
+      <p:nvGrpSpPr>
+        <p:cNvPr id="1" name=""/>
+        <p:cNvGrpSpPr/>
+        <p:nvPr/>
+      </p:nvGrpSpPr>
+      <p:grpSpPr>
+        <a:xfrm>
+          <a:off x="0" y="0"/>
+          <a:ext cx="0" cy="0"/>
+          <a:chOff x="0" y="0"/>
+          <a:chExt cx="0" cy="0"/>
+        </a:xfrm>
+      </p:grpSpPr>
+      <p:sp>
+        <p:nvSpPr>
+          <p:cNvPr id="27" name="Rectangle 26"/>
+          <p:cNvSpPr/>
+          <p:nvPr/>
+        </p:nvSpPr>
+        <p:spPr>
+          <a:xfrm>
+            <a:off x="9014522" y="2492888"/>
+            <a:ext cx="3083721" cy="4005089"/>
+          </a:xfrm>
+          <a:prstGeom prst="rect">
+            <a:avLst/>
+          </a:prstGeom>
+        </p:spPr>
+        <p:style>
+          <a:lnRef idx="0">
+            <a:schemeClr val="dk1"/>
+          </a:lnRef>
+          <a:fillRef idx="3">
+            <a:schemeClr val="dk1"/>
+          </a:fillRef>
+          <a:effectRef idx="3">
+            <a:schemeClr val="dk1"/>
+          </a:effectRef>
+          <a:fontRef idx="minor">
+            <a:schemeClr val="lt1"/>
+          </a:fontRef>
+        </p:style>
+        <p:txBody>
+          <a:bodyPr rtlCol="0" anchor="ctr"/>
+          <a:lstStyle/>
+          <a:p>
+            <a:pPr algn="ctr"/>
+            <a:endParaRPr lang="pl-PL" dirty="0"/>
+          </a:p>
+        </p:txBody>
+      </p:sp>
+      <p:sp>
+        <p:nvSpPr>
+          <p:cNvPr id="26" name="Rectangle 25"/>
+          <p:cNvSpPr/>
+          <p:nvPr/>
+        </p:nvSpPr>
+        <p:spPr>
+          <a:xfrm>
+            <a:off x="5663291" y="2492888"/>
+            <a:ext cx="3155466" cy="2565335"/>
+          </a:xfrm>
+          <a:prstGeom prst="rect">
+            <a:avLst/>
+          </a:prstGeom>
+        </p:spPr>
+        <p:style>
+          <a:lnRef idx="0">
+            <a:schemeClr val="dk1"/>
+          </a:lnRef>
+          <a:fillRef idx="3">
+            <a:schemeClr val="dk1"/>
+          </a:fillRef>
+          <a:effectRef idx="3">
+            <a:schemeClr val="dk1"/>
+          </a:effectRef>
+          <a:fontRef idx="minor">
+            <a:schemeClr val="lt1"/>
+          </a:fontRef>
+        </p:style>
+        <p:txBody>
+          <a:bodyPr rtlCol="0" anchor="ctr"/>
+          <a:lstStyle/>
+          <a:p>
+            <a:pPr algn="ctr"/>
+            <a:endParaRPr lang="pl-PL"/>
+          </a:p>
+        </p:txBody>
+      </p:sp>
+      <p:sp>
+        <p:nvSpPr>
+          <p:cNvPr id="25" name="Rectangle 24"/>
+          <p:cNvSpPr/>
+          <p:nvPr/>
+        </p:nvSpPr>
+        <p:spPr>
+          <a:xfrm>
+            <a:off x="2523544" y="2492888"/>
+            <a:ext cx="2740521" cy="2565335"/>
+          </a:xfrm>
+          <a:prstGeom prst="rect">
+            <a:avLst/>
+          </a:prstGeom>
+        </p:spPr>
+        <p:style>
+          <a:lnRef idx="0">
+            <a:schemeClr val="dk1"/>
+          </a:lnRef>
+          <a:fillRef idx="3">
+            <a:schemeClr val="dk1"/>
+          </a:fillRef>
+          <a:effectRef idx="3">
+            <a:schemeClr val="dk1"/>
+          </a:effectRef>
+          <a:fontRef idx="minor">
+            <a:schemeClr val="lt1"/>
+          </a:fontRef>
+        </p:style>
+        <p:txBody>
+          <a:bodyPr rtlCol="0" anchor="ctr"/>
+          <a:lstStyle/>
+          <a:p>
+            <a:pPr algn="ctr"/>
+            <a:endParaRPr lang="pl-PL"/>
+          </a:p>
+        </p:txBody>
+      </p:sp>
+      <p:sp>
+        <p:nvSpPr>
+          <p:cNvPr id="4" name="Rectangle 3"/>
+          <p:cNvSpPr/>
+          <p:nvPr/>
+        </p:nvSpPr>
+        <p:spPr>
+          <a:xfrm>
+            <a:off x="186714" y="2492887"/>
+            <a:ext cx="2080442" cy="2565335"/>
+          </a:xfrm>
+          <a:prstGeom prst="rect">
+            <a:avLst/>
+          </a:prstGeom>
+        </p:spPr>
+        <p:style>
+          <a:lnRef idx="0">
+            <a:schemeClr val="dk1"/>
+          </a:lnRef>
+          <a:fillRef idx="3">
+            <a:schemeClr val="dk1"/>
+          </a:fillRef>
+          <a:effectRef idx="3">
+            <a:schemeClr val="dk1"/>
+          </a:effectRef>
+          <a:fontRef idx="minor">
+            <a:schemeClr val="lt1"/>
+          </a:fontRef>
+        </p:style>
+        <p:txBody>
+          <a:bodyPr rtlCol="0" anchor="ctr"/>
+          <a:lstStyle/>
+          <a:p>
+            <a:pPr algn="ctr"/>
+            <a:endParaRPr lang="pl-PL"/>
+          </a:p>
+        </p:txBody>
+      </p:sp>
+      <p:sp>
+        <p:nvSpPr>
+          <p:cNvPr id="2" name="Title 1"/>
+          <p:cNvSpPr>
+            <a:spLocks noGrp="1"/>
+          </p:cNvSpPr>
+          <p:nvPr>
+            <p:ph type="title"/>
+          </p:nvPr>
+        </p:nvSpPr>
+        <p:spPr/>
+        <p:txBody>
+          <a:bodyPr>
+            <a:normAutofit/>
+          </a:bodyPr>
+          <a:lstStyle/>
+          <a:p>
+            <a:r>
+              <a:rPr lang="pl-PL" dirty="0" err="1"/>
+              <a:t>Domain</a:t>
+            </a:r>
+            <a:r>
+              <a:rPr lang="pl-PL" dirty="0"/>
+              <a:t> </a:t>
+            </a:r>
+            <a:r>
+              <a:rPr lang="pl-PL" dirty="0" err="1"/>
+              <a:t>Driven</a:t>
+            </a:r>
+            <a:r>
+              <a:rPr lang="pl-PL" dirty="0"/>
+              <a:t> Development na ratunek.</a:t>
+            </a:r>
+          </a:p>
+        </p:txBody>
+      </p:sp>
+      <p:sp>
+        <p:nvSpPr>
+          <p:cNvPr id="5" name="Cloud Callout 4"/>
+          <p:cNvSpPr/>
+          <p:nvPr/>
+        </p:nvSpPr>
+        <p:spPr>
+          <a:xfrm>
+            <a:off x="2801854" y="3121371"/>
+            <a:ext cx="1994080" cy="1336034"/>
+          </a:xfrm>
+          <a:prstGeom prst="cloudCallout">
+            <a:avLst/>
+          </a:prstGeom>
+        </p:spPr>
+        <p:style>
+          <a:lnRef idx="2">
+            <a:schemeClr val="accent1">
+              <a:shade val="50000"/>
+            </a:schemeClr>
+          </a:lnRef>
+          <a:fillRef idx="1">
+            <a:schemeClr val="accent1"/>
+          </a:fillRef>
+          <a:effectRef idx="0">
+            <a:schemeClr val="accent1"/>
+          </a:effectRef>
+          <a:fontRef idx="minor">
+            <a:schemeClr val="lt1"/>
+          </a:fontRef>
+        </p:style>
+        <p:txBody>
+          <a:bodyPr rtlCol="0" anchor="ctr"/>
+          <a:lstStyle/>
+          <a:p>
+            <a:pPr algn="ctr"/>
+            <a:r>
+              <a:rPr lang="pl-PL" dirty="0" smtClean="0"/>
+              <a:t>Controller</a:t>
+            </a:r>
+            <a:endParaRPr lang="pl-PL" dirty="0"/>
+          </a:p>
+        </p:txBody>
+      </p:sp>
+      <p:sp>
+        <p:nvSpPr>
+          <p:cNvPr id="6" name="Smiley Face 5"/>
+          <p:cNvSpPr/>
+          <p:nvPr/>
+        </p:nvSpPr>
+        <p:spPr>
+          <a:xfrm>
+            <a:off x="685800" y="3292222"/>
+            <a:ext cx="914400" cy="914400"/>
+          </a:xfrm>
+          <a:prstGeom prst="smileyFace">
+            <a:avLst/>
+          </a:prstGeom>
+        </p:spPr>
+        <p:style>
+          <a:lnRef idx="2">
+            <a:schemeClr val="accent1">
+              <a:shade val="50000"/>
+            </a:schemeClr>
+          </a:lnRef>
+          <a:fillRef idx="1">
+            <a:schemeClr val="accent1"/>
+          </a:fillRef>
+          <a:effectRef idx="0">
+            <a:schemeClr val="accent1"/>
+          </a:effectRef>
+          <a:fontRef idx="minor">
+            <a:schemeClr val="lt1"/>
+          </a:fontRef>
+        </p:style>
+        <p:txBody>
+          <a:bodyPr rtlCol="0" anchor="ctr"/>
+          <a:lstStyle/>
+          <a:p>
+            <a:pPr algn="ctr"/>
+            <a:endParaRPr lang="pl-PL" dirty="0"/>
+          </a:p>
+        </p:txBody>
+      </p:sp>
+      <p:sp>
+        <p:nvSpPr>
+          <p:cNvPr id="7" name="Cube 6"/>
+          <p:cNvSpPr/>
+          <p:nvPr/>
+        </p:nvSpPr>
+        <p:spPr>
+          <a:xfrm>
+            <a:off x="6036264" y="3121371"/>
+            <a:ext cx="1786936" cy="1409263"/>
+          </a:xfrm>
+          <a:prstGeom prst="cube">
+            <a:avLst/>
+          </a:prstGeom>
+        </p:spPr>
+        <p:style>
+          <a:lnRef idx="2">
+            <a:schemeClr val="accent1">
+              <a:shade val="50000"/>
+            </a:schemeClr>
+          </a:lnRef>
+          <a:fillRef idx="1">
+            <a:schemeClr val="accent1"/>
+          </a:fillRef>
+          <a:effectRef idx="0">
+            <a:schemeClr val="accent1"/>
+          </a:effectRef>
+          <a:fontRef idx="minor">
+            <a:schemeClr val="lt1"/>
+          </a:fontRef>
+        </p:style>
+        <p:txBody>
+          <a:bodyPr rtlCol="0" anchor="ctr"/>
+          <a:lstStyle/>
+          <a:p>
+            <a:pPr algn="ctr"/>
+            <a:r>
+              <a:rPr lang="pl-PL" dirty="0" err="1" smtClean="0"/>
+              <a:t>Command</a:t>
+            </a:r>
+            <a:r>
+              <a:rPr lang="pl-PL" dirty="0" smtClean="0"/>
+              <a:t> handler</a:t>
+            </a:r>
+          </a:p>
+          <a:p>
+            <a:pPr algn="ctr"/>
+            <a:endParaRPr lang="pl-PL" dirty="0"/>
+          </a:p>
+        </p:txBody>
+      </p:sp>
+      <p:sp>
+        <p:nvSpPr>
+          <p:cNvPr id="8" name="Can 7"/>
+          <p:cNvSpPr/>
+          <p:nvPr/>
+        </p:nvSpPr>
+        <p:spPr>
+          <a:xfrm>
+            <a:off x="10124047" y="3123734"/>
+            <a:ext cx="914400" cy="1216152"/>
+          </a:xfrm>
+          <a:prstGeom prst="can">
+            <a:avLst/>
+          </a:prstGeom>
+        </p:spPr>
+        <p:style>
+          <a:lnRef idx="2">
+            <a:schemeClr val="accent1">
+              <a:shade val="50000"/>
+            </a:schemeClr>
+          </a:lnRef>
+          <a:fillRef idx="1">
+            <a:schemeClr val="accent1"/>
+          </a:fillRef>
+          <a:effectRef idx="0">
+            <a:schemeClr val="accent1"/>
+          </a:effectRef>
+          <a:fontRef idx="minor">
+            <a:schemeClr val="lt1"/>
+          </a:fontRef>
+        </p:style>
+        <p:txBody>
+          <a:bodyPr rtlCol="0" anchor="ctr"/>
+          <a:lstStyle/>
+          <a:p>
+            <a:pPr algn="ctr"/>
+            <a:r>
+              <a:rPr lang="pl-PL" dirty="0" smtClean="0"/>
+              <a:t>DB</a:t>
+            </a:r>
+          </a:p>
+        </p:txBody>
+      </p:sp>
+      <p:sp>
+        <p:nvSpPr>
+          <p:cNvPr id="9" name="Right Arrow 8"/>
+          <p:cNvSpPr/>
+          <p:nvPr/>
+        </p:nvSpPr>
+        <p:spPr>
+          <a:xfrm>
+            <a:off x="1823446" y="3537521"/>
+            <a:ext cx="978408" cy="484632"/>
+          </a:xfrm>
+          <a:prstGeom prst="rightArrow">
+            <a:avLst/>
+          </a:prstGeom>
+        </p:spPr>
+        <p:style>
+          <a:lnRef idx="2">
+            <a:schemeClr val="accent1">
+              <a:shade val="50000"/>
+            </a:schemeClr>
+          </a:lnRef>
+          <a:fillRef idx="1">
+            <a:schemeClr val="accent1"/>
+          </a:fillRef>
+          <a:effectRef idx="0">
+            <a:schemeClr val="accent1"/>
+          </a:effectRef>
+          <a:fontRef idx="minor">
+            <a:schemeClr val="lt1"/>
+          </a:fontRef>
+        </p:style>
+        <p:txBody>
+          <a:bodyPr rtlCol="0" anchor="ctr"/>
+          <a:lstStyle/>
+          <a:p>
+            <a:pPr algn="ctr"/>
+            <a:endParaRPr lang="pl-PL" dirty="0"/>
+          </a:p>
+        </p:txBody>
+      </p:sp>
+      <p:sp>
+        <p:nvSpPr>
+          <p:cNvPr id="10" name="Right Arrow 9"/>
+          <p:cNvSpPr/>
+          <p:nvPr/>
+        </p:nvSpPr>
+        <p:spPr>
+          <a:xfrm>
+            <a:off x="4823301" y="3507106"/>
+            <a:ext cx="978408" cy="484632"/>
+          </a:xfrm>
+          <a:prstGeom prst="rightArrow">
+            <a:avLst/>
+          </a:prstGeom>
+        </p:spPr>
+        <p:style>
+          <a:lnRef idx="2">
+            <a:schemeClr val="accent1">
+              <a:shade val="50000"/>
+            </a:schemeClr>
+          </a:lnRef>
+          <a:fillRef idx="1">
+            <a:schemeClr val="accent1"/>
+          </a:fillRef>
+          <a:effectRef idx="0">
+            <a:schemeClr val="accent1"/>
+          </a:effectRef>
+          <a:fontRef idx="minor">
+            <a:schemeClr val="lt1"/>
+          </a:fontRef>
+        </p:style>
+        <p:txBody>
+          <a:bodyPr rtlCol="0" anchor="ctr"/>
+          <a:lstStyle/>
+          <a:p>
+            <a:pPr algn="ctr"/>
+            <a:endParaRPr lang="pl-PL" dirty="0"/>
+          </a:p>
+        </p:txBody>
+      </p:sp>
+      <p:sp>
+        <p:nvSpPr>
+          <p:cNvPr id="14" name="Cube 13"/>
+          <p:cNvSpPr/>
+          <p:nvPr/>
+        </p:nvSpPr>
+        <p:spPr>
+          <a:xfrm>
+            <a:off x="9123993" y="4606057"/>
+            <a:ext cx="1409263" cy="1409263"/>
+          </a:xfrm>
+          <a:prstGeom prst="cube">
+            <a:avLst/>
+          </a:prstGeom>
+        </p:spPr>
+        <p:style>
+          <a:lnRef idx="2">
+            <a:schemeClr val="accent1">
+              <a:shade val="50000"/>
+            </a:schemeClr>
+          </a:lnRef>
+          <a:fillRef idx="1">
+            <a:schemeClr val="accent1"/>
+          </a:fillRef>
+          <a:effectRef idx="0">
+            <a:schemeClr val="accent1"/>
+          </a:effectRef>
+          <a:fontRef idx="minor">
+            <a:schemeClr val="lt1"/>
+          </a:fontRef>
+        </p:style>
+        <p:txBody>
+          <a:bodyPr rtlCol="0" anchor="ctr"/>
+          <a:lstStyle/>
+          <a:p>
+            <a:pPr algn="ctr"/>
+            <a:r>
+              <a:rPr lang="pl-PL" sz="1200" dirty="0" smtClean="0"/>
+              <a:t>ORM</a:t>
+            </a:r>
+          </a:p>
+          <a:p>
+            <a:pPr algn="ctr"/>
+            <a:endParaRPr lang="pl-PL" sz="1200" dirty="0"/>
+          </a:p>
+        </p:txBody>
+      </p:sp>
+      <p:sp>
+        <p:nvSpPr>
+          <p:cNvPr id="13" name="TextBox 12"/>
+          <p:cNvSpPr txBox="1"/>
+          <p:nvPr/>
+        </p:nvSpPr>
+        <p:spPr>
+          <a:xfrm>
+            <a:off x="2895600" y="2626870"/>
+            <a:ext cx="1734770" cy="369332"/>
+          </a:xfrm>
+          <a:prstGeom prst="rect">
+            <a:avLst/>
+          </a:prstGeom>
+          <a:noFill/>
+        </p:spPr>
+        <p:txBody>
+          <a:bodyPr wrap="none" rtlCol="0">
+            <a:spAutoFit/>
+          </a:bodyPr>
+          <a:lstStyle/>
+          <a:p>
+            <a:r>
+              <a:rPr lang="pl-PL" dirty="0" err="1" smtClean="0">
+                <a:solidFill>
+                  <a:schemeClr val="bg1"/>
+                </a:solidFill>
+              </a:rPr>
+              <a:t>UserController</a:t>
+            </a:r>
+            <a:endParaRPr lang="pl-PL" dirty="0">
+              <a:solidFill>
+                <a:schemeClr val="bg1"/>
+              </a:solidFill>
+            </a:endParaRPr>
+          </a:p>
+        </p:txBody>
+      </p:sp>
+      <p:sp>
+        <p:nvSpPr>
+          <p:cNvPr id="15" name="TextBox 14"/>
+          <p:cNvSpPr txBox="1"/>
+          <p:nvPr/>
+        </p:nvSpPr>
+        <p:spPr>
+          <a:xfrm>
+            <a:off x="5618203" y="2637540"/>
+            <a:ext cx="3241593" cy="369332"/>
+          </a:xfrm>
+          <a:prstGeom prst="rect">
+            <a:avLst/>
+          </a:prstGeom>
+          <a:noFill/>
+        </p:spPr>
+        <p:txBody>
+          <a:bodyPr wrap="none" rtlCol="0">
+            <a:spAutoFit/>
+          </a:bodyPr>
+          <a:lstStyle/>
+          <a:p>
+            <a:r>
+              <a:rPr lang="pl-PL" dirty="0" err="1" smtClean="0">
+                <a:solidFill>
+                  <a:schemeClr val="bg1"/>
+                </a:solidFill>
+              </a:rPr>
+              <a:t>AddUserCommandHandler</a:t>
+            </a:r>
+            <a:endParaRPr lang="pl-PL" dirty="0" smtClean="0">
+              <a:solidFill>
+                <a:schemeClr val="bg1"/>
+              </a:solidFill>
+            </a:endParaRPr>
+          </a:p>
+        </p:txBody>
+      </p:sp>
+      <p:sp>
+        <p:nvSpPr>
+          <p:cNvPr id="17" name="TextBox 16"/>
+          <p:cNvSpPr txBox="1"/>
+          <p:nvPr/>
+        </p:nvSpPr>
+        <p:spPr>
+          <a:xfrm>
+            <a:off x="9318616" y="6128645"/>
+            <a:ext cx="1382110" cy="369332"/>
+          </a:xfrm>
+          <a:prstGeom prst="rect">
+            <a:avLst/>
+          </a:prstGeom>
+          <a:noFill/>
+        </p:spPr>
+        <p:txBody>
+          <a:bodyPr wrap="none" rtlCol="0">
+            <a:spAutoFit/>
+          </a:bodyPr>
+          <a:lstStyle/>
+          <a:p>
+            <a:r>
+              <a:rPr lang="pl-PL" dirty="0" smtClean="0">
+                <a:solidFill>
+                  <a:schemeClr val="bg1"/>
+                </a:solidFill>
+              </a:rPr>
+              <a:t>User </a:t>
+            </a:r>
+            <a:r>
+              <a:rPr lang="pl-PL" dirty="0" err="1" smtClean="0">
+                <a:solidFill>
+                  <a:schemeClr val="bg1"/>
+                </a:solidFill>
+              </a:rPr>
+              <a:t>DbSet</a:t>
+            </a:r>
+            <a:endParaRPr lang="pl-PL" dirty="0" smtClean="0">
+              <a:solidFill>
+                <a:schemeClr val="bg1"/>
+              </a:solidFill>
+            </a:endParaRPr>
+          </a:p>
+        </p:txBody>
+      </p:sp>
+      <p:sp>
+        <p:nvSpPr>
+          <p:cNvPr id="18" name="TextBox 17"/>
+          <p:cNvSpPr txBox="1"/>
+          <p:nvPr/>
+        </p:nvSpPr>
+        <p:spPr>
+          <a:xfrm>
+            <a:off x="9618499" y="2531136"/>
+            <a:ext cx="1317990" cy="369332"/>
+          </a:xfrm>
+          <a:prstGeom prst="rect">
+            <a:avLst/>
+          </a:prstGeom>
+          <a:noFill/>
+        </p:spPr>
+        <p:txBody>
+          <a:bodyPr wrap="none" rtlCol="0">
+            <a:spAutoFit/>
+          </a:bodyPr>
+          <a:lstStyle/>
+          <a:p>
+            <a:r>
+              <a:rPr lang="pl-PL" dirty="0" smtClean="0">
+                <a:solidFill>
+                  <a:schemeClr val="bg1"/>
+                </a:solidFill>
+              </a:rPr>
+              <a:t>User </a:t>
+            </a:r>
+            <a:r>
+              <a:rPr lang="pl-PL" dirty="0" err="1" smtClean="0">
+                <a:solidFill>
+                  <a:schemeClr val="bg1"/>
+                </a:solidFill>
+              </a:rPr>
+              <a:t>Table</a:t>
+            </a:r>
+            <a:endParaRPr lang="pl-PL" dirty="0" smtClean="0">
+              <a:solidFill>
+                <a:schemeClr val="bg1"/>
+              </a:solidFill>
+            </a:endParaRPr>
+          </a:p>
+        </p:txBody>
+      </p:sp>
+      <p:sp>
+        <p:nvSpPr>
+          <p:cNvPr id="19" name="Down Arrow 18"/>
+          <p:cNvSpPr/>
+          <p:nvPr/>
+        </p:nvSpPr>
+        <p:spPr>
+          <a:xfrm rot="18900000">
+            <a:off x="8471170" y="4493823"/>
+            <a:ext cx="419968" cy="783060"/>
+          </a:xfrm>
+          <a:prstGeom prst="downArrow">
+            <a:avLst/>
+          </a:prstGeom>
+        </p:spPr>
+        <p:style>
+          <a:lnRef idx="2">
+            <a:schemeClr val="accent6">
+              <a:shade val="50000"/>
+            </a:schemeClr>
+          </a:lnRef>
+          <a:fillRef idx="1">
+            <a:schemeClr val="accent6"/>
+          </a:fillRef>
+          <a:effectRef idx="0">
+            <a:schemeClr val="accent6"/>
+          </a:effectRef>
+          <a:fontRef idx="minor">
+            <a:schemeClr val="lt1"/>
+          </a:fontRef>
+        </p:style>
+        <p:txBody>
+          <a:bodyPr rtlCol="0" anchor="ctr"/>
+          <a:lstStyle/>
+          <a:p>
+            <a:pPr algn="ctr"/>
+            <a:endParaRPr lang="pl-PL"/>
+          </a:p>
+        </p:txBody>
+      </p:sp>
+      <p:sp>
+        <p:nvSpPr>
+          <p:cNvPr id="21" name="Down Arrow 20"/>
+          <p:cNvSpPr/>
+          <p:nvPr/>
+        </p:nvSpPr>
+        <p:spPr>
+          <a:xfrm rot="14277274">
+            <a:off x="10242975" y="4133465"/>
+            <a:ext cx="419968" cy="783060"/>
+          </a:xfrm>
+          <a:prstGeom prst="downArrow">
+            <a:avLst/>
+          </a:prstGeom>
+        </p:spPr>
+        <p:style>
+          <a:lnRef idx="2">
+            <a:schemeClr val="accent6">
+              <a:shade val="50000"/>
+            </a:schemeClr>
+          </a:lnRef>
+          <a:fillRef idx="1">
+            <a:schemeClr val="accent6"/>
+          </a:fillRef>
+          <a:effectRef idx="0">
+            <a:schemeClr val="accent6"/>
+          </a:effectRef>
+          <a:fontRef idx="minor">
+            <a:schemeClr val="lt1"/>
+          </a:fontRef>
+        </p:style>
+        <p:txBody>
+          <a:bodyPr rtlCol="0" anchor="ctr"/>
+          <a:lstStyle/>
+          <a:p>
+            <a:pPr algn="ctr"/>
+            <a:endParaRPr lang="pl-PL"/>
+          </a:p>
+        </p:txBody>
+      </p:sp>
+      <p:sp>
+        <p:nvSpPr>
+          <p:cNvPr id="3" name="Rectangle 2"/>
+          <p:cNvSpPr/>
+          <p:nvPr/>
+        </p:nvSpPr>
+        <p:spPr>
+          <a:xfrm>
+            <a:off x="3390900" y="4252205"/>
+            <a:ext cx="2449599" cy="570098"/>
+          </a:xfrm>
+          <a:prstGeom prst="rect">
+            <a:avLst/>
+          </a:prstGeom>
+        </p:spPr>
+        <p:style>
+          <a:lnRef idx="1">
+            <a:schemeClr val="accent5"/>
+          </a:lnRef>
+          <a:fillRef idx="2">
+            <a:schemeClr val="accent5"/>
+          </a:fillRef>
+          <a:effectRef idx="1">
+            <a:schemeClr val="accent5"/>
+          </a:effectRef>
+          <a:fontRef idx="minor">
+            <a:schemeClr val="dk1"/>
+          </a:fontRef>
+        </p:style>
+        <p:txBody>
+          <a:bodyPr rtlCol="0" anchor="ctr"/>
+          <a:lstStyle/>
+          <a:p>
+            <a:pPr algn="ctr"/>
+            <a:r>
+              <a:rPr lang="pl-PL" dirty="0" err="1" smtClean="0"/>
+              <a:t>AddUserCommand</a:t>
+            </a:r>
+            <a:endParaRPr lang="pl-PL" dirty="0"/>
+          </a:p>
+        </p:txBody>
+      </p:sp>
+      <p:sp>
+        <p:nvSpPr>
+          <p:cNvPr id="22" name="Rectangle 21"/>
+          <p:cNvSpPr/>
+          <p:nvPr/>
+        </p:nvSpPr>
+        <p:spPr>
+          <a:xfrm>
+            <a:off x="7310174" y="3131769"/>
+            <a:ext cx="2518451" cy="570098"/>
+          </a:xfrm>
+          <a:prstGeom prst="rect">
+            <a:avLst/>
+          </a:prstGeom>
+        </p:spPr>
+        <p:style>
+          <a:lnRef idx="1">
+            <a:schemeClr val="accent5"/>
+          </a:lnRef>
+          <a:fillRef idx="2">
+            <a:schemeClr val="accent5"/>
+          </a:fillRef>
+          <a:effectRef idx="1">
+            <a:schemeClr val="accent5"/>
+          </a:effectRef>
+          <a:fontRef idx="minor">
+            <a:schemeClr val="dk1"/>
+          </a:fontRef>
+        </p:style>
+        <p:txBody>
+          <a:bodyPr rtlCol="0" anchor="ctr"/>
+          <a:lstStyle/>
+          <a:p>
+            <a:pPr algn="ctr"/>
+            <a:r>
+              <a:rPr lang="pl-PL" dirty="0" err="1" smtClean="0"/>
+              <a:t>UserWriteModel</a:t>
+            </a:r>
+            <a:endParaRPr lang="pl-PL" dirty="0"/>
+          </a:p>
+        </p:txBody>
+      </p:sp>
+      <p:sp>
+        <p:nvSpPr>
+          <p:cNvPr id="20" name="Rectangle 19"/>
+          <p:cNvSpPr/>
+          <p:nvPr/>
+        </p:nvSpPr>
+        <p:spPr>
+          <a:xfrm>
+            <a:off x="7365619" y="3807974"/>
+            <a:ext cx="2518451" cy="570098"/>
+          </a:xfrm>
+          <a:prstGeom prst="rect">
+            <a:avLst/>
+          </a:prstGeom>
+        </p:spPr>
+        <p:style>
+          <a:lnRef idx="1">
+            <a:schemeClr val="accent5"/>
+          </a:lnRef>
+          <a:fillRef idx="2">
+            <a:schemeClr val="accent5"/>
+          </a:fillRef>
+          <a:effectRef idx="1">
+            <a:schemeClr val="accent5"/>
+          </a:effectRef>
+          <a:fontRef idx="minor">
+            <a:schemeClr val="dk1"/>
+          </a:fontRef>
+        </p:style>
+        <p:txBody>
+          <a:bodyPr rtlCol="0" anchor="ctr"/>
+          <a:lstStyle/>
+          <a:p>
+            <a:pPr algn="ctr"/>
+            <a:r>
+              <a:rPr lang="pl-PL" dirty="0" err="1" smtClean="0"/>
+              <a:t>AccountWriteModel</a:t>
+            </a:r>
+            <a:endParaRPr lang="pl-PL" dirty="0"/>
+          </a:p>
+        </p:txBody>
+      </p:sp>
+      <p:sp>
+        <p:nvSpPr>
+          <p:cNvPr id="23" name="Can 22"/>
+          <p:cNvSpPr/>
+          <p:nvPr/>
+        </p:nvSpPr>
+        <p:spPr>
+          <a:xfrm>
+            <a:off x="10896246" y="3279281"/>
+            <a:ext cx="914400" cy="1216152"/>
+          </a:xfrm>
+          <a:prstGeom prst="can">
+            <a:avLst/>
+          </a:prstGeom>
+        </p:spPr>
+        <p:style>
+          <a:lnRef idx="2">
+            <a:schemeClr val="accent1">
+              <a:shade val="50000"/>
+            </a:schemeClr>
+          </a:lnRef>
+          <a:fillRef idx="1">
+            <a:schemeClr val="accent1"/>
+          </a:fillRef>
+          <a:effectRef idx="0">
+            <a:schemeClr val="accent1"/>
+          </a:effectRef>
+          <a:fontRef idx="minor">
+            <a:schemeClr val="lt1"/>
+          </a:fontRef>
+        </p:style>
+        <p:txBody>
+          <a:bodyPr rtlCol="0" anchor="ctr"/>
+          <a:lstStyle/>
+          <a:p>
+            <a:pPr algn="ctr"/>
+            <a:r>
+              <a:rPr lang="pl-PL" dirty="0" smtClean="0"/>
+              <a:t>DB</a:t>
+            </a:r>
+          </a:p>
+        </p:txBody>
+      </p:sp>
+      <p:sp>
+        <p:nvSpPr>
+          <p:cNvPr id="24" name="TextBox 23"/>
+          <p:cNvSpPr txBox="1"/>
+          <p:nvPr/>
+        </p:nvSpPr>
+        <p:spPr>
+          <a:xfrm>
+            <a:off x="10304167" y="2805983"/>
+            <a:ext cx="1838965" cy="369332"/>
+          </a:xfrm>
+          <a:prstGeom prst="rect">
+            <a:avLst/>
+          </a:prstGeom>
+          <a:noFill/>
+        </p:spPr>
+        <p:txBody>
+          <a:bodyPr wrap="none" rtlCol="0">
+            <a:spAutoFit/>
+          </a:bodyPr>
+          <a:lstStyle/>
+          <a:p>
+            <a:r>
+              <a:rPr lang="pl-PL" dirty="0" err="1" smtClean="0">
+                <a:solidFill>
+                  <a:schemeClr val="bg1"/>
+                </a:solidFill>
+              </a:rPr>
+              <a:t>Account</a:t>
+            </a:r>
+            <a:r>
+              <a:rPr lang="pl-PL" dirty="0" smtClean="0">
+                <a:solidFill>
+                  <a:schemeClr val="bg1"/>
+                </a:solidFill>
+              </a:rPr>
+              <a:t> </a:t>
+            </a:r>
+            <a:r>
+              <a:rPr lang="pl-PL" dirty="0" err="1" smtClean="0">
+                <a:solidFill>
+                  <a:schemeClr val="bg1"/>
+                </a:solidFill>
+              </a:rPr>
+              <a:t>Table</a:t>
+            </a:r>
+            <a:endParaRPr lang="pl-PL" dirty="0" smtClean="0">
+              <a:solidFill>
+                <a:schemeClr val="bg1"/>
+              </a:solidFill>
+            </a:endParaRPr>
+          </a:p>
+        </p:txBody>
+      </p:sp>
+      <p:sp>
+        <p:nvSpPr>
+          <p:cNvPr id="12" name="TextBox 11"/>
+          <p:cNvSpPr txBox="1"/>
+          <p:nvPr/>
+        </p:nvSpPr>
+        <p:spPr>
+          <a:xfrm>
+            <a:off x="279400" y="2057401"/>
+            <a:ext cx="1723549" cy="369332"/>
+          </a:xfrm>
+          <a:prstGeom prst="rect">
+            <a:avLst/>
+          </a:prstGeom>
+          <a:noFill/>
+        </p:spPr>
+        <p:txBody>
+          <a:bodyPr wrap="none" rtlCol="0">
+            <a:spAutoFit/>
+          </a:bodyPr>
+          <a:lstStyle/>
+          <a:p>
+            <a:r>
+              <a:rPr lang="pl-PL" b="1" dirty="0" smtClean="0"/>
+              <a:t>User Interface</a:t>
+            </a:r>
+            <a:endParaRPr lang="pl-PL" b="1" dirty="0"/>
+          </a:p>
+        </p:txBody>
+      </p:sp>
+      <p:sp>
+        <p:nvSpPr>
+          <p:cNvPr id="29" name="TextBox 28"/>
+          <p:cNvSpPr txBox="1"/>
+          <p:nvPr/>
+        </p:nvSpPr>
+        <p:spPr>
+          <a:xfrm>
+            <a:off x="2895600" y="2019882"/>
+            <a:ext cx="2111475" cy="369332"/>
+          </a:xfrm>
+          <a:prstGeom prst="rect">
+            <a:avLst/>
+          </a:prstGeom>
+          <a:noFill/>
+        </p:spPr>
+        <p:txBody>
+          <a:bodyPr wrap="none" rtlCol="0">
+            <a:spAutoFit/>
+          </a:bodyPr>
+          <a:lstStyle/>
+          <a:p>
+            <a:r>
+              <a:rPr lang="pl-PL" b="1" dirty="0" smtClean="0"/>
+              <a:t>Application </a:t>
+            </a:r>
+            <a:r>
+              <a:rPr lang="pl-PL" b="1" dirty="0" err="1" smtClean="0"/>
+              <a:t>layer</a:t>
+            </a:r>
+            <a:endParaRPr lang="pl-PL" b="1" dirty="0"/>
+          </a:p>
+        </p:txBody>
+      </p:sp>
+      <p:sp>
+        <p:nvSpPr>
+          <p:cNvPr id="30" name="TextBox 29"/>
+          <p:cNvSpPr txBox="1"/>
+          <p:nvPr/>
+        </p:nvSpPr>
+        <p:spPr>
+          <a:xfrm>
+            <a:off x="6671587" y="1997632"/>
+            <a:ext cx="1056700" cy="369332"/>
+          </a:xfrm>
+          <a:prstGeom prst="rect">
+            <a:avLst/>
+          </a:prstGeom>
+          <a:noFill/>
+        </p:spPr>
+        <p:txBody>
+          <a:bodyPr wrap="none" rtlCol="0">
+            <a:spAutoFit/>
+          </a:bodyPr>
+          <a:lstStyle/>
+          <a:p>
+            <a:r>
+              <a:rPr lang="pl-PL" b="1" dirty="0" err="1" smtClean="0"/>
+              <a:t>Domain</a:t>
+            </a:r>
+            <a:endParaRPr lang="pl-PL" b="1" dirty="0"/>
+          </a:p>
+        </p:txBody>
+      </p:sp>
+      <p:sp>
+        <p:nvSpPr>
+          <p:cNvPr id="31" name="TextBox 30"/>
+          <p:cNvSpPr txBox="1"/>
+          <p:nvPr/>
+        </p:nvSpPr>
+        <p:spPr>
+          <a:xfrm>
+            <a:off x="10028032" y="2011923"/>
+            <a:ext cx="1633781" cy="369332"/>
+          </a:xfrm>
+          <a:prstGeom prst="rect">
+            <a:avLst/>
+          </a:prstGeom>
+          <a:noFill/>
+        </p:spPr>
+        <p:txBody>
+          <a:bodyPr wrap="none" rtlCol="0">
+            <a:spAutoFit/>
+          </a:bodyPr>
+          <a:lstStyle/>
+          <a:p>
+            <a:r>
+              <a:rPr lang="pl-PL" b="1" dirty="0" err="1" smtClean="0"/>
+              <a:t>Infrastructure</a:t>
+            </a:r>
+            <a:endParaRPr lang="pl-PL" b="1" dirty="0"/>
+          </a:p>
+        </p:txBody>
+      </p:sp>
+    </p:spTree>
+    <p:extLst>
+      <p:ext uri="{BB962C8B-B14F-4D97-AF65-F5344CB8AC3E}">
+        <p14:creationId xmlns:p14="http://schemas.microsoft.com/office/powerpoint/2010/main" val="3480992442"/>
       </p:ext>
     </p:extLst>
   </p:cSld>

--- a/Slides.pptx
+++ b/Slides.pptx
@@ -48,6 +48,11 @@
     <p:sldId id="305" r:id="rId42"/>
     <p:sldId id="306" r:id="rId43"/>
     <p:sldId id="307" r:id="rId44"/>
+    <p:sldId id="308" r:id="rId45"/>
+    <p:sldId id="310" r:id="rId46"/>
+    <p:sldId id="309" r:id="rId47"/>
+    <p:sldId id="311" r:id="rId48"/>
+    <p:sldId id="312" r:id="rId49"/>
   </p:sldIdLst>
   <p:sldSz cx="12192000" cy="6858000"/>
   <p:notesSz cx="6858000" cy="9144000"/>
@@ -11880,7 +11885,7 @@
             </a:r>
             <a:r>
               <a:rPr lang="pl-PL" dirty="0" smtClean="0"/>
-              <a:t> nie taki straszny</a:t>
+              <a:t> nie taki straszny.</a:t>
             </a:r>
           </a:p>
           <a:p>
@@ -11897,7 +11902,7 @@
             </a:r>
             <a:r>
               <a:rPr lang="pl-PL" dirty="0" smtClean="0"/>
-              <a:t> = Teoria w praktyce</a:t>
+              <a:t> = Teoria w praktyce.</a:t>
             </a:r>
           </a:p>
           <a:p>
@@ -11906,7 +11911,7 @@
             </a:pPr>
             <a:r>
               <a:rPr lang="pl-PL" dirty="0" smtClean="0"/>
-              <a:t>Podsumowanie</a:t>
+              <a:t>Podsumowanie.</a:t>
             </a:r>
           </a:p>
           <a:p>
@@ -17807,6 +17812,717 @@
     <p:extLst>
       <p:ext uri="{BB962C8B-B14F-4D97-AF65-F5344CB8AC3E}">
         <p14:creationId xmlns:p14="http://schemas.microsoft.com/office/powerpoint/2010/main" val="3480992442"/>
+      </p:ext>
+    </p:extLst>
+  </p:cSld>
+  <p:clrMapOvr>
+    <a:masterClrMapping/>
+  </p:clrMapOvr>
+  <p:timing>
+    <p:tnLst>
+      <p:par>
+        <p:cTn id="1" dur="indefinite" restart="never" nodeType="tmRoot"/>
+      </p:par>
+    </p:tnLst>
+  </p:timing>
+</p:sld>
+</file>
+
+<file path=ppt/slides/slide44.xml><?xml version="1.0" encoding="utf-8"?>
+<p:sld xmlns:a="http://schemas.openxmlformats.org/drawingml/2006/main" xmlns:r="http://schemas.openxmlformats.org/officeDocument/2006/relationships" xmlns:p="http://schemas.openxmlformats.org/presentationml/2006/main">
+  <p:cSld>
+    <p:spTree>
+      <p:nvGrpSpPr>
+        <p:cNvPr id="1" name=""/>
+        <p:cNvGrpSpPr/>
+        <p:nvPr/>
+      </p:nvGrpSpPr>
+      <p:grpSpPr>
+        <a:xfrm>
+          <a:off x="0" y="0"/>
+          <a:ext cx="0" cy="0"/>
+          <a:chOff x="0" y="0"/>
+          <a:chExt cx="0" cy="0"/>
+        </a:xfrm>
+      </p:grpSpPr>
+      <p:sp>
+        <p:nvSpPr>
+          <p:cNvPr id="2" name="Title 1"/>
+          <p:cNvSpPr>
+            <a:spLocks noGrp="1"/>
+          </p:cNvSpPr>
+          <p:nvPr>
+            <p:ph type="title"/>
+          </p:nvPr>
+        </p:nvSpPr>
+        <p:spPr/>
+        <p:txBody>
+          <a:bodyPr/>
+          <a:lstStyle/>
+          <a:p>
+            <a:r>
+              <a:rPr lang="pl-PL" dirty="0" smtClean="0"/>
+              <a:t>Magia Event </a:t>
+            </a:r>
+            <a:r>
+              <a:rPr lang="pl-PL" dirty="0" err="1" smtClean="0"/>
+              <a:t>sourcingu</a:t>
+            </a:r>
+            <a:endParaRPr lang="pl-PL" dirty="0"/>
+          </a:p>
+        </p:txBody>
+      </p:sp>
+      <p:sp>
+        <p:nvSpPr>
+          <p:cNvPr id="5" name="TextBox 4"/>
+          <p:cNvSpPr txBox="1"/>
+          <p:nvPr/>
+        </p:nvSpPr>
+        <p:spPr>
+          <a:xfrm>
+            <a:off x="4930076" y="6334077"/>
+            <a:ext cx="6240811" cy="307777"/>
+          </a:xfrm>
+          <a:prstGeom prst="rect">
+            <a:avLst/>
+          </a:prstGeom>
+          <a:noFill/>
+        </p:spPr>
+        <p:txBody>
+          <a:bodyPr wrap="none" rtlCol="0">
+            <a:spAutoFit/>
+          </a:bodyPr>
+          <a:lstStyle/>
+          <a:p>
+            <a:r>
+              <a:rPr lang="pl-PL" sz="1400" dirty="0"/>
+              <a:t>Źródło: https://gist.github.com/OlegIlyenko/a5a9ab1b000ba0b5b1ad</a:t>
+            </a:r>
+          </a:p>
+        </p:txBody>
+      </p:sp>
+      <p:pic>
+        <p:nvPicPr>
+          <p:cNvPr id="8" name="Picture 7"/>
+          <p:cNvPicPr>
+            <a:picLocks noChangeAspect="1"/>
+          </p:cNvPicPr>
+          <p:nvPr/>
+        </p:nvPicPr>
+        <p:blipFill>
+          <a:blip r:embed="rId2"/>
+          <a:stretch>
+            <a:fillRect/>
+          </a:stretch>
+        </p:blipFill>
+        <p:spPr>
+          <a:xfrm>
+            <a:off x="2647950" y="1981201"/>
+            <a:ext cx="6830128" cy="3886330"/>
+          </a:xfrm>
+          <a:prstGeom prst="rect">
+            <a:avLst/>
+          </a:prstGeom>
+        </p:spPr>
+      </p:pic>
+    </p:spTree>
+    <p:extLst>
+      <p:ext uri="{BB962C8B-B14F-4D97-AF65-F5344CB8AC3E}">
+        <p14:creationId xmlns:p14="http://schemas.microsoft.com/office/powerpoint/2010/main" val="3356831367"/>
+      </p:ext>
+    </p:extLst>
+  </p:cSld>
+  <p:clrMapOvr>
+    <a:masterClrMapping/>
+  </p:clrMapOvr>
+  <p:timing>
+    <p:tnLst>
+      <p:par>
+        <p:cTn id="1" dur="indefinite" restart="never" nodeType="tmRoot"/>
+      </p:par>
+    </p:tnLst>
+  </p:timing>
+</p:sld>
+</file>
+
+<file path=ppt/slides/slide45.xml><?xml version="1.0" encoding="utf-8"?>
+<p:sld xmlns:a="http://schemas.openxmlformats.org/drawingml/2006/main" xmlns:r="http://schemas.openxmlformats.org/officeDocument/2006/relationships" xmlns:p="http://schemas.openxmlformats.org/presentationml/2006/main">
+  <p:cSld>
+    <p:spTree>
+      <p:nvGrpSpPr>
+        <p:cNvPr id="1" name=""/>
+        <p:cNvGrpSpPr/>
+        <p:nvPr/>
+      </p:nvGrpSpPr>
+      <p:grpSpPr>
+        <a:xfrm>
+          <a:off x="0" y="0"/>
+          <a:ext cx="0" cy="0"/>
+          <a:chOff x="0" y="0"/>
+          <a:chExt cx="0" cy="0"/>
+        </a:xfrm>
+      </p:grpSpPr>
+      <p:pic>
+        <p:nvPicPr>
+          <p:cNvPr id="4" name="Picture 3"/>
+          <p:cNvPicPr>
+            <a:picLocks noChangeAspect="1"/>
+          </p:cNvPicPr>
+          <p:nvPr/>
+        </p:nvPicPr>
+        <p:blipFill>
+          <a:blip r:embed="rId2">
+            <a:extLst>
+              <a:ext uri="{28A0092B-C50C-407E-A947-70E740481C1C}">
+                <a14:useLocalDpi xmlns:a14="http://schemas.microsoft.com/office/drawing/2010/main" val="0"/>
+              </a:ext>
+            </a:extLst>
+          </a:blip>
+          <a:stretch>
+            <a:fillRect/>
+          </a:stretch>
+        </p:blipFill>
+        <p:spPr>
+          <a:xfrm>
+            <a:off x="1139569" y="1352550"/>
+            <a:ext cx="6960751" cy="5289303"/>
+          </a:xfrm>
+          <a:prstGeom prst="rect">
+            <a:avLst/>
+          </a:prstGeom>
+        </p:spPr>
+      </p:pic>
+      <p:sp>
+        <p:nvSpPr>
+          <p:cNvPr id="2" name="Title 1"/>
+          <p:cNvSpPr>
+            <a:spLocks noGrp="1"/>
+          </p:cNvSpPr>
+          <p:nvPr>
+            <p:ph type="title"/>
+          </p:nvPr>
+        </p:nvSpPr>
+        <p:spPr/>
+        <p:txBody>
+          <a:bodyPr/>
+          <a:lstStyle/>
+          <a:p>
+            <a:r>
+              <a:rPr lang="pl-PL" dirty="0" smtClean="0"/>
+              <a:t>Magia Event </a:t>
+            </a:r>
+            <a:r>
+              <a:rPr lang="pl-PL" dirty="0" err="1" smtClean="0"/>
+              <a:t>sourcingu</a:t>
+            </a:r>
+            <a:endParaRPr lang="pl-PL" dirty="0"/>
+          </a:p>
+        </p:txBody>
+      </p:sp>
+      <p:sp>
+        <p:nvSpPr>
+          <p:cNvPr id="5" name="TextBox 4"/>
+          <p:cNvSpPr txBox="1"/>
+          <p:nvPr/>
+        </p:nvSpPr>
+        <p:spPr>
+          <a:xfrm>
+            <a:off x="4930076" y="6334077"/>
+            <a:ext cx="5569153" cy="307777"/>
+          </a:xfrm>
+          <a:prstGeom prst="rect">
+            <a:avLst/>
+          </a:prstGeom>
+          <a:noFill/>
+        </p:spPr>
+        <p:txBody>
+          <a:bodyPr wrap="none" rtlCol="0">
+            <a:spAutoFit/>
+          </a:bodyPr>
+          <a:lstStyle/>
+          <a:p>
+            <a:r>
+              <a:rPr lang="pl-PL" sz="1400" dirty="0"/>
+              <a:t>Źródło: https://msdn.microsoft.com/en-us/library/jj591559.aspx</a:t>
+            </a:r>
+          </a:p>
+        </p:txBody>
+      </p:sp>
+    </p:spTree>
+    <p:extLst>
+      <p:ext uri="{BB962C8B-B14F-4D97-AF65-F5344CB8AC3E}">
+        <p14:creationId xmlns:p14="http://schemas.microsoft.com/office/powerpoint/2010/main" val="1329539335"/>
+      </p:ext>
+    </p:extLst>
+  </p:cSld>
+  <p:clrMapOvr>
+    <a:masterClrMapping/>
+  </p:clrMapOvr>
+  <p:timing>
+    <p:tnLst>
+      <p:par>
+        <p:cTn id="1" dur="indefinite" restart="never" nodeType="tmRoot"/>
+      </p:par>
+    </p:tnLst>
+  </p:timing>
+</p:sld>
+</file>
+
+<file path=ppt/slides/slide46.xml><?xml version="1.0" encoding="utf-8"?>
+<p:sld xmlns:a="http://schemas.openxmlformats.org/drawingml/2006/main" xmlns:r="http://schemas.openxmlformats.org/officeDocument/2006/relationships" xmlns:p="http://schemas.openxmlformats.org/presentationml/2006/main">
+  <p:cSld>
+    <p:spTree>
+      <p:nvGrpSpPr>
+        <p:cNvPr id="1" name=""/>
+        <p:cNvGrpSpPr/>
+        <p:nvPr/>
+      </p:nvGrpSpPr>
+      <p:grpSpPr>
+        <a:xfrm>
+          <a:off x="0" y="0"/>
+          <a:ext cx="0" cy="0"/>
+          <a:chOff x="0" y="0"/>
+          <a:chExt cx="0" cy="0"/>
+        </a:xfrm>
+      </p:grpSpPr>
+      <p:sp>
+        <p:nvSpPr>
+          <p:cNvPr id="2" name="Title 1"/>
+          <p:cNvSpPr>
+            <a:spLocks noGrp="1"/>
+          </p:cNvSpPr>
+          <p:nvPr>
+            <p:ph type="title"/>
+          </p:nvPr>
+        </p:nvSpPr>
+        <p:spPr/>
+        <p:txBody>
+          <a:bodyPr/>
+          <a:lstStyle/>
+          <a:p>
+            <a:r>
+              <a:rPr lang="pl-PL" dirty="0" smtClean="0"/>
+              <a:t>Magia Event </a:t>
+            </a:r>
+            <a:r>
+              <a:rPr lang="pl-PL" dirty="0" err="1" smtClean="0"/>
+              <a:t>sourcingu</a:t>
+            </a:r>
+            <a:endParaRPr lang="pl-PL" dirty="0"/>
+          </a:p>
+        </p:txBody>
+      </p:sp>
+      <p:pic>
+        <p:nvPicPr>
+          <p:cNvPr id="4" name="Content Placeholder 3"/>
+          <p:cNvPicPr>
+            <a:picLocks noGrp="1" noChangeAspect="1"/>
+          </p:cNvPicPr>
+          <p:nvPr>
+            <p:ph idx="1"/>
+          </p:nvPr>
+        </p:nvPicPr>
+        <p:blipFill>
+          <a:blip r:embed="rId2">
+            <a:extLst>
+              <a:ext uri="{28A0092B-C50C-407E-A947-70E740481C1C}">
+                <a14:useLocalDpi xmlns:a14="http://schemas.microsoft.com/office/drawing/2010/main" val="0"/>
+              </a:ext>
+            </a:extLst>
+          </a:blip>
+          <a:stretch>
+            <a:fillRect/>
+          </a:stretch>
+        </p:blipFill>
+        <p:spPr>
+          <a:xfrm>
+            <a:off x="2736649" y="2193925"/>
+            <a:ext cx="6718701" cy="4024313"/>
+          </a:xfrm>
+        </p:spPr>
+      </p:pic>
+      <p:sp>
+        <p:nvSpPr>
+          <p:cNvPr id="5" name="TextBox 4"/>
+          <p:cNvSpPr txBox="1"/>
+          <p:nvPr/>
+        </p:nvSpPr>
+        <p:spPr>
+          <a:xfrm>
+            <a:off x="4930076" y="6334077"/>
+            <a:ext cx="6037230" cy="307777"/>
+          </a:xfrm>
+          <a:prstGeom prst="rect">
+            <a:avLst/>
+          </a:prstGeom>
+          <a:noFill/>
+        </p:spPr>
+        <p:txBody>
+          <a:bodyPr wrap="none" rtlCol="0">
+            <a:spAutoFit/>
+          </a:bodyPr>
+          <a:lstStyle/>
+          <a:p>
+            <a:r>
+              <a:rPr lang="pl-PL" sz="1400" dirty="0"/>
+              <a:t>Źródło: http://mikhail.io/2016/11/event-sourcing-and-io-complexity/</a:t>
+            </a:r>
+          </a:p>
+        </p:txBody>
+      </p:sp>
+    </p:spTree>
+    <p:extLst>
+      <p:ext uri="{BB962C8B-B14F-4D97-AF65-F5344CB8AC3E}">
+        <p14:creationId xmlns:p14="http://schemas.microsoft.com/office/powerpoint/2010/main" val="2988326816"/>
+      </p:ext>
+    </p:extLst>
+  </p:cSld>
+  <p:clrMapOvr>
+    <a:masterClrMapping/>
+  </p:clrMapOvr>
+  <p:timing>
+    <p:tnLst>
+      <p:par>
+        <p:cTn id="1" dur="indefinite" restart="never" nodeType="tmRoot"/>
+      </p:par>
+    </p:tnLst>
+  </p:timing>
+</p:sld>
+</file>
+
+<file path=ppt/slides/slide47.xml><?xml version="1.0" encoding="utf-8"?>
+<p:sld xmlns:a="http://schemas.openxmlformats.org/drawingml/2006/main" xmlns:r="http://schemas.openxmlformats.org/officeDocument/2006/relationships" xmlns:p="http://schemas.openxmlformats.org/presentationml/2006/main">
+  <p:cSld>
+    <p:spTree>
+      <p:nvGrpSpPr>
+        <p:cNvPr id="1" name=""/>
+        <p:cNvGrpSpPr/>
+        <p:nvPr/>
+      </p:nvGrpSpPr>
+      <p:grpSpPr>
+        <a:xfrm>
+          <a:off x="0" y="0"/>
+          <a:ext cx="0" cy="0"/>
+          <a:chOff x="0" y="0"/>
+          <a:chExt cx="0" cy="0"/>
+        </a:xfrm>
+      </p:grpSpPr>
+      <p:sp>
+        <p:nvSpPr>
+          <p:cNvPr id="2" name="Title 1"/>
+          <p:cNvSpPr>
+            <a:spLocks noGrp="1"/>
+          </p:cNvSpPr>
+          <p:nvPr>
+            <p:ph type="title"/>
+          </p:nvPr>
+        </p:nvSpPr>
+        <p:spPr/>
+        <p:txBody>
+          <a:bodyPr/>
+          <a:lstStyle/>
+          <a:p>
+            <a:r>
+              <a:rPr lang="pl-PL" dirty="0"/>
+              <a:t>Magia Event </a:t>
+            </a:r>
+            <a:r>
+              <a:rPr lang="pl-PL" dirty="0" err="1"/>
+              <a:t>sourcingu</a:t>
+            </a:r>
+            <a:endParaRPr lang="pl-PL" dirty="0"/>
+          </a:p>
+        </p:txBody>
+      </p:sp>
+      <p:sp>
+        <p:nvSpPr>
+          <p:cNvPr id="3" name="Content Placeholder 2"/>
+          <p:cNvSpPr>
+            <a:spLocks noGrp="1"/>
+          </p:cNvSpPr>
+          <p:nvPr>
+            <p:ph idx="1"/>
+          </p:nvPr>
+        </p:nvSpPr>
+        <p:spPr/>
+        <p:txBody>
+          <a:bodyPr/>
+          <a:lstStyle/>
+          <a:p>
+            <a:pPr marL="0" indent="0">
+              <a:buNone/>
+            </a:pPr>
+            <a:r>
+              <a:rPr lang="pl-PL" sz="2400" b="1" dirty="0" smtClean="0"/>
+              <a:t>Zalety event </a:t>
+            </a:r>
+            <a:r>
+              <a:rPr lang="pl-PL" sz="2400" b="1" dirty="0" err="1" smtClean="0"/>
+              <a:t>sourcingu</a:t>
+            </a:r>
+            <a:r>
+              <a:rPr lang="pl-PL" sz="2400" b="1" dirty="0" smtClean="0"/>
+              <a:t>:</a:t>
+            </a:r>
+          </a:p>
+          <a:p>
+            <a:pPr marL="0" indent="0">
+              <a:buNone/>
+            </a:pPr>
+            <a:endParaRPr lang="pl-PL" dirty="0" smtClean="0"/>
+          </a:p>
+          <a:p>
+            <a:pPr>
+              <a:buFontTx/>
+              <a:buChar char="-"/>
+            </a:pPr>
+            <a:r>
+              <a:rPr lang="pl-PL" dirty="0" smtClean="0"/>
+              <a:t>Kod pokrywa się z faktyczną logiką biznesową</a:t>
+            </a:r>
+          </a:p>
+          <a:p>
+            <a:pPr>
+              <a:buFontTx/>
+              <a:buChar char="-"/>
+            </a:pPr>
+            <a:r>
+              <a:rPr lang="pl-PL" dirty="0" smtClean="0"/>
+              <a:t>Elastyczność</a:t>
+            </a:r>
+          </a:p>
+          <a:p>
+            <a:pPr>
+              <a:buFontTx/>
+              <a:buChar char="-"/>
+            </a:pPr>
+            <a:r>
+              <a:rPr lang="pl-PL" dirty="0" smtClean="0"/>
+              <a:t>Skalowalność</a:t>
+            </a:r>
+          </a:p>
+          <a:p>
+            <a:pPr>
+              <a:buFontTx/>
+              <a:buChar char="-"/>
+            </a:pPr>
+            <a:r>
+              <a:rPr lang="pl-PL" dirty="0" smtClean="0"/>
+              <a:t>Pełna historia zmian</a:t>
+            </a:r>
+          </a:p>
+          <a:p>
+            <a:pPr>
+              <a:buFontTx/>
+              <a:buChar char="-"/>
+            </a:pPr>
+            <a:r>
+              <a:rPr lang="pl-PL" dirty="0" smtClean="0"/>
+              <a:t>Integracja z innymi systemami</a:t>
+            </a:r>
+          </a:p>
+          <a:p>
+            <a:pPr>
+              <a:buFontTx/>
+              <a:buChar char="-"/>
+            </a:pPr>
+            <a:r>
+              <a:rPr lang="pl-PL" dirty="0" smtClean="0"/>
+              <a:t>Łatwość w modyfikacji oraz poprawie błędów</a:t>
+            </a:r>
+          </a:p>
+          <a:p>
+            <a:pPr>
+              <a:buFontTx/>
+              <a:buChar char="-"/>
+            </a:pPr>
+            <a:r>
+              <a:rPr lang="pl-PL" dirty="0" smtClean="0"/>
+              <a:t>Ułatwia procesowanie danych w systemach big data, </a:t>
+            </a:r>
+            <a:r>
+              <a:rPr lang="pl-PL" dirty="0" err="1" smtClean="0"/>
+              <a:t>mikroserwisach</a:t>
+            </a:r>
+            <a:r>
+              <a:rPr lang="pl-PL" dirty="0" smtClean="0"/>
+              <a:t> itd.</a:t>
+            </a:r>
+          </a:p>
+          <a:p>
+            <a:pPr>
+              <a:buFontTx/>
+              <a:buChar char="-"/>
+            </a:pPr>
+            <a:endParaRPr lang="pl-PL" dirty="0" smtClean="0"/>
+          </a:p>
+          <a:p>
+            <a:pPr>
+              <a:buFontTx/>
+              <a:buChar char="-"/>
+            </a:pPr>
+            <a:endParaRPr lang="pl-PL" dirty="0"/>
+          </a:p>
+        </p:txBody>
+      </p:sp>
+    </p:spTree>
+    <p:extLst>
+      <p:ext uri="{BB962C8B-B14F-4D97-AF65-F5344CB8AC3E}">
+        <p14:creationId xmlns:p14="http://schemas.microsoft.com/office/powerpoint/2010/main" val="1279301441"/>
+      </p:ext>
+    </p:extLst>
+  </p:cSld>
+  <p:clrMapOvr>
+    <a:masterClrMapping/>
+  </p:clrMapOvr>
+  <p:timing>
+    <p:tnLst>
+      <p:par>
+        <p:cTn id="1" dur="indefinite" restart="never" nodeType="tmRoot"/>
+      </p:par>
+    </p:tnLst>
+  </p:timing>
+</p:sld>
+</file>
+
+<file path=ppt/slides/slide48.xml><?xml version="1.0" encoding="utf-8"?>
+<p:sld xmlns:a="http://schemas.openxmlformats.org/drawingml/2006/main" xmlns:r="http://schemas.openxmlformats.org/officeDocument/2006/relationships" xmlns:p="http://schemas.openxmlformats.org/presentationml/2006/main">
+  <p:cSld>
+    <p:spTree>
+      <p:nvGrpSpPr>
+        <p:cNvPr id="1" name=""/>
+        <p:cNvGrpSpPr/>
+        <p:nvPr/>
+      </p:nvGrpSpPr>
+      <p:grpSpPr>
+        <a:xfrm>
+          <a:off x="0" y="0"/>
+          <a:ext cx="0" cy="0"/>
+          <a:chOff x="0" y="0"/>
+          <a:chExt cx="0" cy="0"/>
+        </a:xfrm>
+      </p:grpSpPr>
+      <p:sp>
+        <p:nvSpPr>
+          <p:cNvPr id="2" name="Title 1"/>
+          <p:cNvSpPr>
+            <a:spLocks noGrp="1"/>
+          </p:cNvSpPr>
+          <p:nvPr>
+            <p:ph type="title"/>
+          </p:nvPr>
+        </p:nvSpPr>
+        <p:spPr/>
+        <p:txBody>
+          <a:bodyPr/>
+          <a:lstStyle/>
+          <a:p>
+            <a:r>
+              <a:rPr lang="pl-PL" dirty="0"/>
+              <a:t>Magia Event </a:t>
+            </a:r>
+            <a:r>
+              <a:rPr lang="pl-PL" dirty="0" err="1"/>
+              <a:t>sourcingu</a:t>
+            </a:r>
+            <a:endParaRPr lang="pl-PL" dirty="0"/>
+          </a:p>
+        </p:txBody>
+      </p:sp>
+      <p:sp>
+        <p:nvSpPr>
+          <p:cNvPr id="3" name="Content Placeholder 2"/>
+          <p:cNvSpPr>
+            <a:spLocks noGrp="1"/>
+          </p:cNvSpPr>
+          <p:nvPr>
+            <p:ph idx="1"/>
+          </p:nvPr>
+        </p:nvSpPr>
+        <p:spPr/>
+        <p:txBody>
+          <a:bodyPr/>
+          <a:lstStyle/>
+          <a:p>
+            <a:pPr marL="0" indent="0">
+              <a:buNone/>
+            </a:pPr>
+            <a:r>
+              <a:rPr lang="pl-PL" sz="2400" b="1" dirty="0" smtClean="0"/>
+              <a:t>Wady event </a:t>
+            </a:r>
+            <a:r>
+              <a:rPr lang="pl-PL" sz="2400" b="1" dirty="0" err="1" smtClean="0"/>
+              <a:t>sourcingu</a:t>
+            </a:r>
+            <a:r>
+              <a:rPr lang="pl-PL" sz="2400" b="1" dirty="0" smtClean="0"/>
+              <a:t>:</a:t>
+            </a:r>
+          </a:p>
+          <a:p>
+            <a:pPr marL="0" indent="0">
+              <a:buNone/>
+            </a:pPr>
+            <a:endParaRPr lang="pl-PL" dirty="0" smtClean="0"/>
+          </a:p>
+          <a:p>
+            <a:pPr>
+              <a:buFontTx/>
+              <a:buChar char="-"/>
+            </a:pPr>
+            <a:r>
+              <a:rPr lang="pl-PL" dirty="0" err="1" smtClean="0"/>
+              <a:t>Eventual</a:t>
+            </a:r>
+            <a:r>
+              <a:rPr lang="pl-PL" dirty="0" smtClean="0"/>
+              <a:t> </a:t>
+            </a:r>
+            <a:r>
+              <a:rPr lang="pl-PL" dirty="0" err="1" smtClean="0"/>
+              <a:t>consistency</a:t>
+            </a:r>
+            <a:endParaRPr lang="pl-PL" dirty="0" smtClean="0"/>
+          </a:p>
+          <a:p>
+            <a:pPr>
+              <a:buFontTx/>
+              <a:buChar char="-"/>
+            </a:pPr>
+            <a:r>
+              <a:rPr lang="pl-PL" dirty="0" smtClean="0"/>
+              <a:t>Performance</a:t>
+            </a:r>
+          </a:p>
+          <a:p>
+            <a:pPr>
+              <a:buFontTx/>
+              <a:buChar char="-"/>
+            </a:pPr>
+            <a:r>
+              <a:rPr lang="pl-PL" dirty="0" smtClean="0"/>
+              <a:t>Trudniejsze generowanie widoków </a:t>
+            </a:r>
+            <a:r>
+              <a:rPr lang="pl-PL" smtClean="0"/>
+              <a:t>do odczytu</a:t>
+            </a:r>
+            <a:endParaRPr lang="pl-PL" dirty="0" smtClean="0"/>
+          </a:p>
+          <a:p>
+            <a:pPr>
+              <a:buFontTx/>
+              <a:buChar char="-"/>
+            </a:pPr>
+            <a:endParaRPr lang="pl-PL" dirty="0"/>
+          </a:p>
+        </p:txBody>
+      </p:sp>
+    </p:spTree>
+    <p:extLst>
+      <p:ext uri="{BB962C8B-B14F-4D97-AF65-F5344CB8AC3E}">
+        <p14:creationId xmlns:p14="http://schemas.microsoft.com/office/powerpoint/2010/main" val="2997181480"/>
       </p:ext>
     </p:extLst>
   </p:cSld>

--- a/Slides.pptx
+++ b/Slides.pptx
@@ -32,27 +32,31 @@
     <p:sldId id="285" r:id="rId26"/>
     <p:sldId id="288" r:id="rId27"/>
     <p:sldId id="289" r:id="rId28"/>
-    <p:sldId id="290" r:id="rId29"/>
-    <p:sldId id="291" r:id="rId30"/>
-    <p:sldId id="292" r:id="rId31"/>
-    <p:sldId id="293" r:id="rId32"/>
-    <p:sldId id="294" r:id="rId33"/>
-    <p:sldId id="295" r:id="rId34"/>
-    <p:sldId id="297" r:id="rId35"/>
-    <p:sldId id="296" r:id="rId36"/>
-    <p:sldId id="299" r:id="rId37"/>
-    <p:sldId id="301" r:id="rId38"/>
-    <p:sldId id="302" r:id="rId39"/>
-    <p:sldId id="303" r:id="rId40"/>
-    <p:sldId id="304" r:id="rId41"/>
-    <p:sldId id="305" r:id="rId42"/>
-    <p:sldId id="306" r:id="rId43"/>
-    <p:sldId id="307" r:id="rId44"/>
-    <p:sldId id="308" r:id="rId45"/>
-    <p:sldId id="310" r:id="rId46"/>
-    <p:sldId id="309" r:id="rId47"/>
-    <p:sldId id="311" r:id="rId48"/>
-    <p:sldId id="312" r:id="rId49"/>
+    <p:sldId id="291" r:id="rId29"/>
+    <p:sldId id="292" r:id="rId30"/>
+    <p:sldId id="293" r:id="rId31"/>
+    <p:sldId id="294" r:id="rId32"/>
+    <p:sldId id="295" r:id="rId33"/>
+    <p:sldId id="297" r:id="rId34"/>
+    <p:sldId id="296" r:id="rId35"/>
+    <p:sldId id="299" r:id="rId36"/>
+    <p:sldId id="301" r:id="rId37"/>
+    <p:sldId id="302" r:id="rId38"/>
+    <p:sldId id="303" r:id="rId39"/>
+    <p:sldId id="304" r:id="rId40"/>
+    <p:sldId id="305" r:id="rId41"/>
+    <p:sldId id="306" r:id="rId42"/>
+    <p:sldId id="307" r:id="rId43"/>
+    <p:sldId id="308" r:id="rId44"/>
+    <p:sldId id="310" r:id="rId45"/>
+    <p:sldId id="309" r:id="rId46"/>
+    <p:sldId id="311" r:id="rId47"/>
+    <p:sldId id="312" r:id="rId48"/>
+    <p:sldId id="313" r:id="rId49"/>
+    <p:sldId id="314" r:id="rId50"/>
+    <p:sldId id="315" r:id="rId51"/>
+    <p:sldId id="316" r:id="rId52"/>
+    <p:sldId id="317" r:id="rId53"/>
   </p:sldIdLst>
   <p:sldSz cx="12192000" cy="6858000"/>
   <p:notesSz cx="6858000" cy="9144000"/>
@@ -11561,61 +11565,60 @@
           </a:p>
         </p:txBody>
       </p:sp>
-      <p:sp>
-        <p:nvSpPr>
-          <p:cNvPr id="3" name="Content Placeholder 2"/>
-          <p:cNvSpPr>
-            <a:spLocks noGrp="1"/>
-          </p:cNvSpPr>
+      <p:pic>
+        <p:nvPicPr>
+          <p:cNvPr id="5" name="Content Placeholder 4"/>
+          <p:cNvPicPr>
+            <a:picLocks noGrp="1" noChangeAspect="1"/>
+          </p:cNvPicPr>
           <p:nvPr>
             <p:ph idx="1"/>
           </p:nvPr>
-        </p:nvSpPr>
-        <p:spPr/>
-        <p:txBody>
-          <a:bodyPr>
-            <a:normAutofit/>
+        </p:nvPicPr>
+        <p:blipFill>
+          <a:blip r:embed="rId2">
+            <a:extLst>
+              <a:ext uri="{28A0092B-C50C-407E-A947-70E740481C1C}">
+                <a14:useLocalDpi xmlns:a14="http://schemas.microsoft.com/office/drawing/2010/main" val="0"/>
+              </a:ext>
+            </a:extLst>
+          </a:blip>
+          <a:stretch>
+            <a:fillRect/>
+          </a:stretch>
+        </p:blipFill>
+        <p:spPr>
+          <a:xfrm>
+            <a:off x="1612900" y="1595445"/>
+            <a:ext cx="6991478" cy="5092694"/>
+          </a:xfrm>
+        </p:spPr>
+      </p:pic>
+      <p:sp>
+        <p:nvSpPr>
+          <p:cNvPr id="6" name="TextBox 5"/>
+          <p:cNvSpPr txBox="1"/>
+          <p:nvPr/>
+        </p:nvSpPr>
+        <p:spPr>
+          <a:xfrm>
+            <a:off x="7061200" y="6349585"/>
+            <a:ext cx="5003293" cy="338554"/>
+          </a:xfrm>
+          <a:prstGeom prst="rect">
+            <a:avLst/>
+          </a:prstGeom>
+          <a:noFill/>
+        </p:spPr>
+        <p:txBody>
+          <a:bodyPr wrap="none" rtlCol="0">
+            <a:spAutoFit/>
           </a:bodyPr>
           <a:lstStyle/>
           <a:p>
-            <a:pPr marL="0" indent="0">
-              <a:buNone/>
-            </a:pPr>
-            <a:r>
-              <a:rPr lang="pl-PL" sz="3600" b="1" dirty="0" smtClean="0"/>
-              <a:t>Query</a:t>
-            </a:r>
-          </a:p>
-          <a:p>
-            <a:pPr marL="0" indent="0">
-              <a:buNone/>
-            </a:pPr>
-            <a:endParaRPr lang="pl-PL" sz="3600" b="1" dirty="0" smtClean="0"/>
-          </a:p>
-          <a:p>
-            <a:pPr marL="0" indent="0">
-              <a:buNone/>
-            </a:pPr>
-            <a:r>
-              <a:rPr lang="pl-PL" sz="3600" b="1" i="1" dirty="0" smtClean="0"/>
-              <a:t>„</a:t>
-            </a:r>
-            <a:r>
-              <a:rPr lang="en-US" sz="3600" i="1" dirty="0"/>
-              <a:t>Return a result and do not change the observable state of the system (are free of side effects).</a:t>
-            </a:r>
-            <a:r>
-              <a:rPr lang="pl-PL" sz="3600" i="1" dirty="0" smtClean="0"/>
-              <a:t>”</a:t>
-            </a:r>
-          </a:p>
-          <a:p>
-            <a:pPr marL="0" indent="0" algn="r">
-              <a:buNone/>
-            </a:pPr>
-            <a:r>
-              <a:rPr lang="pl-PL" sz="3600" dirty="0" smtClean="0"/>
-              <a:t>Martin Fowler</a:t>
+            <a:r>
+              <a:rPr lang="pl-PL" sz="1600" dirty="0"/>
+              <a:t>Źródło: https://martinfowler.com/bliki/CQRS.html</a:t>
             </a:r>
           </a:p>
         </p:txBody>
@@ -11623,7 +11626,7 @@
     </p:spTree>
     <p:extLst>
       <p:ext uri="{BB962C8B-B14F-4D97-AF65-F5344CB8AC3E}">
-        <p14:creationId xmlns:p14="http://schemas.microsoft.com/office/powerpoint/2010/main" val="3841927331"/>
+        <p14:creationId xmlns:p14="http://schemas.microsoft.com/office/powerpoint/2010/main" val="2221524749"/>
       </p:ext>
     </p:extLst>
   </p:cSld>
@@ -11669,7 +11672,9 @@
         </p:nvSpPr>
         <p:spPr/>
         <p:txBody>
-          <a:bodyPr/>
+          <a:bodyPr>
+            <a:normAutofit/>
+          </a:bodyPr>
           <a:lstStyle/>
           <a:p>
             <a:r>
@@ -11679,45 +11684,365 @@
           </a:p>
         </p:txBody>
       </p:sp>
-      <p:pic>
-        <p:nvPicPr>
-          <p:cNvPr id="5" name="Content Placeholder 4"/>
-          <p:cNvPicPr>
-            <a:picLocks noGrp="1" noChangeAspect="1"/>
-          </p:cNvPicPr>
-          <p:nvPr>
-            <p:ph idx="1"/>
-          </p:nvPr>
-        </p:nvPicPr>
-        <p:blipFill>
-          <a:blip r:embed="rId2">
-            <a:extLst>
-              <a:ext uri="{28A0092B-C50C-407E-A947-70E740481C1C}">
-                <a14:useLocalDpi xmlns:a14="http://schemas.microsoft.com/office/drawing/2010/main" val="0"/>
-              </a:ext>
-            </a:extLst>
-          </a:blip>
-          <a:stretch>
-            <a:fillRect/>
-          </a:stretch>
-        </p:blipFill>
-        <p:spPr>
-          <a:xfrm>
-            <a:off x="1612900" y="1595445"/>
-            <a:ext cx="6991478" cy="5092694"/>
-          </a:xfrm>
-        </p:spPr>
-      </p:pic>
-      <p:sp>
-        <p:nvSpPr>
-          <p:cNvPr id="6" name="TextBox 5"/>
+      <p:sp>
+        <p:nvSpPr>
+          <p:cNvPr id="5" name="Cloud Callout 4"/>
+          <p:cNvSpPr/>
+          <p:nvPr/>
+        </p:nvSpPr>
+        <p:spPr>
+          <a:xfrm>
+            <a:off x="2801854" y="3121371"/>
+            <a:ext cx="1994080" cy="1336034"/>
+          </a:xfrm>
+          <a:prstGeom prst="cloudCallout">
+            <a:avLst/>
+          </a:prstGeom>
+        </p:spPr>
+        <p:style>
+          <a:lnRef idx="2">
+            <a:schemeClr val="accent1">
+              <a:shade val="50000"/>
+            </a:schemeClr>
+          </a:lnRef>
+          <a:fillRef idx="1">
+            <a:schemeClr val="accent1"/>
+          </a:fillRef>
+          <a:effectRef idx="0">
+            <a:schemeClr val="accent1"/>
+          </a:effectRef>
+          <a:fontRef idx="minor">
+            <a:schemeClr val="lt1"/>
+          </a:fontRef>
+        </p:style>
+        <p:txBody>
+          <a:bodyPr rtlCol="0" anchor="ctr"/>
+          <a:lstStyle/>
+          <a:p>
+            <a:pPr algn="ctr"/>
+            <a:r>
+              <a:rPr lang="pl-PL" dirty="0" smtClean="0"/>
+              <a:t>Controller</a:t>
+            </a:r>
+            <a:endParaRPr lang="pl-PL" dirty="0"/>
+          </a:p>
+        </p:txBody>
+      </p:sp>
+      <p:sp>
+        <p:nvSpPr>
+          <p:cNvPr id="6" name="Smiley Face 5"/>
+          <p:cNvSpPr/>
+          <p:nvPr/>
+        </p:nvSpPr>
+        <p:spPr>
+          <a:xfrm>
+            <a:off x="685800" y="3292222"/>
+            <a:ext cx="914400" cy="914400"/>
+          </a:xfrm>
+          <a:prstGeom prst="smileyFace">
+            <a:avLst/>
+          </a:prstGeom>
+        </p:spPr>
+        <p:style>
+          <a:lnRef idx="2">
+            <a:schemeClr val="accent1">
+              <a:shade val="50000"/>
+            </a:schemeClr>
+          </a:lnRef>
+          <a:fillRef idx="1">
+            <a:schemeClr val="accent1"/>
+          </a:fillRef>
+          <a:effectRef idx="0">
+            <a:schemeClr val="accent1"/>
+          </a:effectRef>
+          <a:fontRef idx="minor">
+            <a:schemeClr val="lt1"/>
+          </a:fontRef>
+        </p:style>
+        <p:txBody>
+          <a:bodyPr rtlCol="0" anchor="ctr"/>
+          <a:lstStyle/>
+          <a:p>
+            <a:pPr algn="ctr"/>
+            <a:endParaRPr lang="pl-PL" dirty="0"/>
+          </a:p>
+        </p:txBody>
+      </p:sp>
+      <p:sp>
+        <p:nvSpPr>
+          <p:cNvPr id="7" name="Cube 6"/>
+          <p:cNvSpPr/>
+          <p:nvPr/>
+        </p:nvSpPr>
+        <p:spPr>
+          <a:xfrm>
+            <a:off x="6036264" y="3121371"/>
+            <a:ext cx="1409263" cy="1409263"/>
+          </a:xfrm>
+          <a:prstGeom prst="cube">
+            <a:avLst/>
+          </a:prstGeom>
+        </p:spPr>
+        <p:style>
+          <a:lnRef idx="2">
+            <a:schemeClr val="accent1">
+              <a:shade val="50000"/>
+            </a:schemeClr>
+          </a:lnRef>
+          <a:fillRef idx="1">
+            <a:schemeClr val="accent1"/>
+          </a:fillRef>
+          <a:effectRef idx="0">
+            <a:schemeClr val="accent1"/>
+          </a:effectRef>
+          <a:fontRef idx="minor">
+            <a:schemeClr val="lt1"/>
+          </a:fontRef>
+        </p:style>
+        <p:txBody>
+          <a:bodyPr rtlCol="0" anchor="ctr"/>
+          <a:lstStyle/>
+          <a:p>
+            <a:pPr algn="ctr"/>
+            <a:r>
+              <a:rPr lang="pl-PL" dirty="0" smtClean="0"/>
+              <a:t>Service</a:t>
+            </a:r>
+          </a:p>
+          <a:p>
+            <a:pPr algn="ctr"/>
+            <a:endParaRPr lang="pl-PL" dirty="0"/>
+          </a:p>
+        </p:txBody>
+      </p:sp>
+      <p:sp>
+        <p:nvSpPr>
+          <p:cNvPr id="8" name="Can 7"/>
+          <p:cNvSpPr/>
+          <p:nvPr/>
+        </p:nvSpPr>
+        <p:spPr>
+          <a:xfrm>
+            <a:off x="9222347" y="3241253"/>
+            <a:ext cx="914400" cy="1216152"/>
+          </a:xfrm>
+          <a:prstGeom prst="can">
+            <a:avLst/>
+          </a:prstGeom>
+        </p:spPr>
+        <p:style>
+          <a:lnRef idx="2">
+            <a:schemeClr val="accent1">
+              <a:shade val="50000"/>
+            </a:schemeClr>
+          </a:lnRef>
+          <a:fillRef idx="1">
+            <a:schemeClr val="accent1"/>
+          </a:fillRef>
+          <a:effectRef idx="0">
+            <a:schemeClr val="accent1"/>
+          </a:effectRef>
+          <a:fontRef idx="minor">
+            <a:schemeClr val="lt1"/>
+          </a:fontRef>
+        </p:style>
+        <p:txBody>
+          <a:bodyPr rtlCol="0" anchor="ctr"/>
+          <a:lstStyle/>
+          <a:p>
+            <a:pPr algn="ctr"/>
+            <a:r>
+              <a:rPr lang="pl-PL" dirty="0" smtClean="0"/>
+              <a:t>DB</a:t>
+            </a:r>
+          </a:p>
+        </p:txBody>
+      </p:sp>
+      <p:sp>
+        <p:nvSpPr>
+          <p:cNvPr id="9" name="Right Arrow 8"/>
+          <p:cNvSpPr/>
+          <p:nvPr/>
+        </p:nvSpPr>
+        <p:spPr>
+          <a:xfrm>
+            <a:off x="1823446" y="3537521"/>
+            <a:ext cx="978408" cy="484632"/>
+          </a:xfrm>
+          <a:prstGeom prst="rightArrow">
+            <a:avLst/>
+          </a:prstGeom>
+        </p:spPr>
+        <p:style>
+          <a:lnRef idx="2">
+            <a:schemeClr val="accent1">
+              <a:shade val="50000"/>
+            </a:schemeClr>
+          </a:lnRef>
+          <a:fillRef idx="1">
+            <a:schemeClr val="accent1"/>
+          </a:fillRef>
+          <a:effectRef idx="0">
+            <a:schemeClr val="accent1"/>
+          </a:effectRef>
+          <a:fontRef idx="minor">
+            <a:schemeClr val="lt1"/>
+          </a:fontRef>
+        </p:style>
+        <p:txBody>
+          <a:bodyPr rtlCol="0" anchor="ctr"/>
+          <a:lstStyle/>
+          <a:p>
+            <a:pPr algn="ctr"/>
+            <a:endParaRPr lang="pl-PL" dirty="0"/>
+          </a:p>
+        </p:txBody>
+      </p:sp>
+      <p:sp>
+        <p:nvSpPr>
+          <p:cNvPr id="10" name="Right Arrow 9"/>
+          <p:cNvSpPr/>
+          <p:nvPr/>
+        </p:nvSpPr>
+        <p:spPr>
+          <a:xfrm>
+            <a:off x="4823301" y="3507106"/>
+            <a:ext cx="978408" cy="484632"/>
+          </a:xfrm>
+          <a:prstGeom prst="rightArrow">
+            <a:avLst/>
+          </a:prstGeom>
+        </p:spPr>
+        <p:style>
+          <a:lnRef idx="2">
+            <a:schemeClr val="accent1">
+              <a:shade val="50000"/>
+            </a:schemeClr>
+          </a:lnRef>
+          <a:fillRef idx="1">
+            <a:schemeClr val="accent1"/>
+          </a:fillRef>
+          <a:effectRef idx="0">
+            <a:schemeClr val="accent1"/>
+          </a:effectRef>
+          <a:fontRef idx="minor">
+            <a:schemeClr val="lt1"/>
+          </a:fontRef>
+        </p:style>
+        <p:txBody>
+          <a:bodyPr rtlCol="0" anchor="ctr"/>
+          <a:lstStyle/>
+          <a:p>
+            <a:pPr algn="ctr"/>
+            <a:endParaRPr lang="pl-PL" dirty="0"/>
+          </a:p>
+        </p:txBody>
+      </p:sp>
+      <p:sp>
+        <p:nvSpPr>
+          <p:cNvPr id="12" name="Cube 11"/>
+          <p:cNvSpPr/>
+          <p:nvPr/>
+        </p:nvSpPr>
+        <p:spPr>
+          <a:xfrm>
+            <a:off x="5292956" y="4304336"/>
+            <a:ext cx="1409263" cy="1409263"/>
+          </a:xfrm>
+          <a:prstGeom prst="cube">
+            <a:avLst/>
+          </a:prstGeom>
+        </p:spPr>
+        <p:style>
+          <a:lnRef idx="2">
+            <a:schemeClr val="accent1">
+              <a:shade val="50000"/>
+            </a:schemeClr>
+          </a:lnRef>
+          <a:fillRef idx="1">
+            <a:schemeClr val="accent1"/>
+          </a:fillRef>
+          <a:effectRef idx="0">
+            <a:schemeClr val="accent1"/>
+          </a:effectRef>
+          <a:fontRef idx="minor">
+            <a:schemeClr val="lt1"/>
+          </a:fontRef>
+        </p:style>
+        <p:txBody>
+          <a:bodyPr rtlCol="0" anchor="ctr"/>
+          <a:lstStyle/>
+          <a:p>
+            <a:pPr algn="ctr"/>
+            <a:r>
+              <a:rPr lang="pl-PL" sz="1200" dirty="0" err="1" smtClean="0"/>
+              <a:t>Repository</a:t>
+            </a:r>
+            <a:endParaRPr lang="pl-PL" sz="1200" dirty="0" smtClean="0"/>
+          </a:p>
+          <a:p>
+            <a:pPr algn="ctr"/>
+            <a:endParaRPr lang="pl-PL" sz="1200" dirty="0"/>
+          </a:p>
+        </p:txBody>
+      </p:sp>
+      <p:sp>
+        <p:nvSpPr>
+          <p:cNvPr id="14" name="Cube 13"/>
+          <p:cNvSpPr/>
+          <p:nvPr/>
+        </p:nvSpPr>
+        <p:spPr>
+          <a:xfrm>
+            <a:off x="6587013" y="4304335"/>
+            <a:ext cx="1409263" cy="1409263"/>
+          </a:xfrm>
+          <a:prstGeom prst="cube">
+            <a:avLst/>
+          </a:prstGeom>
+        </p:spPr>
+        <p:style>
+          <a:lnRef idx="2">
+            <a:schemeClr val="accent1">
+              <a:shade val="50000"/>
+            </a:schemeClr>
+          </a:lnRef>
+          <a:fillRef idx="1">
+            <a:schemeClr val="accent1"/>
+          </a:fillRef>
+          <a:effectRef idx="0">
+            <a:schemeClr val="accent1"/>
+          </a:effectRef>
+          <a:fontRef idx="minor">
+            <a:schemeClr val="lt1"/>
+          </a:fontRef>
+        </p:style>
+        <p:txBody>
+          <a:bodyPr rtlCol="0" anchor="ctr"/>
+          <a:lstStyle/>
+          <a:p>
+            <a:pPr algn="ctr"/>
+            <a:r>
+              <a:rPr lang="pl-PL" sz="1200" dirty="0" smtClean="0"/>
+              <a:t>ORM</a:t>
+            </a:r>
+          </a:p>
+          <a:p>
+            <a:pPr algn="ctr"/>
+            <a:endParaRPr lang="pl-PL" sz="1200" dirty="0"/>
+          </a:p>
+        </p:txBody>
+      </p:sp>
+      <p:sp>
+        <p:nvSpPr>
+          <p:cNvPr id="13" name="TextBox 12"/>
           <p:cNvSpPr txBox="1"/>
           <p:nvPr/>
         </p:nvSpPr>
         <p:spPr>
           <a:xfrm>
-            <a:off x="7061200" y="6349585"/>
-            <a:ext cx="5003293" cy="338554"/>
+            <a:off x="2895600" y="2626870"/>
+            <a:ext cx="2255746" cy="369332"/>
           </a:xfrm>
           <a:prstGeom prst="rect">
             <a:avLst/>
@@ -11731,16 +12056,399 @@
           <a:lstStyle/>
           <a:p>
             <a:r>
-              <a:rPr lang="pl-PL" sz="1600" dirty="0"/>
-              <a:t>Źródło: https://martinfowler.com/bliki/CQRS.html</a:t>
-            </a:r>
+              <a:rPr lang="pl-PL" dirty="0" err="1" smtClean="0"/>
+              <a:t>AccountController</a:t>
+            </a:r>
+            <a:endParaRPr lang="pl-PL" dirty="0"/>
+          </a:p>
+        </p:txBody>
+      </p:sp>
+      <p:sp>
+        <p:nvSpPr>
+          <p:cNvPr id="15" name="TextBox 14"/>
+          <p:cNvSpPr txBox="1"/>
+          <p:nvPr/>
+        </p:nvSpPr>
+        <p:spPr>
+          <a:xfrm>
+            <a:off x="6162687" y="2626870"/>
+            <a:ext cx="1975221" cy="369332"/>
+          </a:xfrm>
+          <a:prstGeom prst="rect">
+            <a:avLst/>
+          </a:prstGeom>
+          <a:noFill/>
+        </p:spPr>
+        <p:txBody>
+          <a:bodyPr wrap="none" rtlCol="0">
+            <a:spAutoFit/>
+          </a:bodyPr>
+          <a:lstStyle/>
+          <a:p>
+            <a:r>
+              <a:rPr lang="pl-PL" dirty="0" err="1" smtClean="0"/>
+              <a:t>AccountService</a:t>
+            </a:r>
+            <a:endParaRPr lang="pl-PL" dirty="0" smtClean="0"/>
+          </a:p>
+        </p:txBody>
+      </p:sp>
+      <p:sp>
+        <p:nvSpPr>
+          <p:cNvPr id="16" name="TextBox 15"/>
+          <p:cNvSpPr txBox="1"/>
+          <p:nvPr/>
+        </p:nvSpPr>
+        <p:spPr>
+          <a:xfrm>
+            <a:off x="4265544" y="5841530"/>
+            <a:ext cx="2321469" cy="369332"/>
+          </a:xfrm>
+          <a:prstGeom prst="rect">
+            <a:avLst/>
+          </a:prstGeom>
+          <a:noFill/>
+        </p:spPr>
+        <p:txBody>
+          <a:bodyPr wrap="none" rtlCol="0">
+            <a:spAutoFit/>
+          </a:bodyPr>
+          <a:lstStyle/>
+          <a:p>
+            <a:r>
+              <a:rPr lang="pl-PL" dirty="0" err="1" smtClean="0"/>
+              <a:t>AccountRepository</a:t>
+            </a:r>
+            <a:endParaRPr lang="pl-PL" dirty="0" smtClean="0"/>
+          </a:p>
+        </p:txBody>
+      </p:sp>
+      <p:sp>
+        <p:nvSpPr>
+          <p:cNvPr id="17" name="TextBox 16"/>
+          <p:cNvSpPr txBox="1"/>
+          <p:nvPr/>
+        </p:nvSpPr>
+        <p:spPr>
+          <a:xfrm>
+            <a:off x="6702219" y="5817839"/>
+            <a:ext cx="1903085" cy="369332"/>
+          </a:xfrm>
+          <a:prstGeom prst="rect">
+            <a:avLst/>
+          </a:prstGeom>
+          <a:noFill/>
+        </p:spPr>
+        <p:txBody>
+          <a:bodyPr wrap="none" rtlCol="0">
+            <a:spAutoFit/>
+          </a:bodyPr>
+          <a:lstStyle/>
+          <a:p>
+            <a:r>
+              <a:rPr lang="pl-PL" dirty="0" err="1" smtClean="0"/>
+              <a:t>Account</a:t>
+            </a:r>
+            <a:r>
+              <a:rPr lang="pl-PL" dirty="0" smtClean="0"/>
+              <a:t> </a:t>
+            </a:r>
+            <a:r>
+              <a:rPr lang="pl-PL" dirty="0" err="1" smtClean="0"/>
+              <a:t>DbSet</a:t>
+            </a:r>
+            <a:endParaRPr lang="pl-PL" dirty="0" smtClean="0"/>
+          </a:p>
+        </p:txBody>
+      </p:sp>
+      <p:sp>
+        <p:nvSpPr>
+          <p:cNvPr id="18" name="TextBox 17"/>
+          <p:cNvSpPr txBox="1"/>
+          <p:nvPr/>
+        </p:nvSpPr>
+        <p:spPr>
+          <a:xfrm>
+            <a:off x="9112675" y="2637540"/>
+            <a:ext cx="1838965" cy="369332"/>
+          </a:xfrm>
+          <a:prstGeom prst="rect">
+            <a:avLst/>
+          </a:prstGeom>
+          <a:noFill/>
+        </p:spPr>
+        <p:txBody>
+          <a:bodyPr wrap="none" rtlCol="0">
+            <a:spAutoFit/>
+          </a:bodyPr>
+          <a:lstStyle/>
+          <a:p>
+            <a:r>
+              <a:rPr lang="pl-PL" dirty="0" err="1" smtClean="0"/>
+              <a:t>Account</a:t>
+            </a:r>
+            <a:r>
+              <a:rPr lang="pl-PL" dirty="0" smtClean="0"/>
+              <a:t> </a:t>
+            </a:r>
+            <a:r>
+              <a:rPr lang="pl-PL" dirty="0" err="1" smtClean="0"/>
+              <a:t>Table</a:t>
+            </a:r>
+            <a:endParaRPr lang="pl-PL" dirty="0" smtClean="0"/>
+          </a:p>
+        </p:txBody>
+      </p:sp>
+      <p:sp>
+        <p:nvSpPr>
+          <p:cNvPr id="19" name="Down Arrow 18"/>
+          <p:cNvSpPr/>
+          <p:nvPr/>
+        </p:nvSpPr>
+        <p:spPr>
+          <a:xfrm>
+            <a:off x="5918534" y="4060172"/>
+            <a:ext cx="419968" cy="783060"/>
+          </a:xfrm>
+          <a:prstGeom prst="downArrow">
+            <a:avLst/>
+          </a:prstGeom>
+        </p:spPr>
+        <p:style>
+          <a:lnRef idx="2">
+            <a:schemeClr val="accent6">
+              <a:shade val="50000"/>
+            </a:schemeClr>
+          </a:lnRef>
+          <a:fillRef idx="1">
+            <a:schemeClr val="accent6"/>
+          </a:fillRef>
+          <a:effectRef idx="0">
+            <a:schemeClr val="accent6"/>
+          </a:effectRef>
+          <a:fontRef idx="minor">
+            <a:schemeClr val="lt1"/>
+          </a:fontRef>
+        </p:style>
+        <p:txBody>
+          <a:bodyPr rtlCol="0" anchor="ctr"/>
+          <a:lstStyle/>
+          <a:p>
+            <a:pPr algn="ctr"/>
+            <a:endParaRPr lang="pl-PL"/>
+          </a:p>
+        </p:txBody>
+      </p:sp>
+      <p:sp>
+        <p:nvSpPr>
+          <p:cNvPr id="20" name="Down Arrow 19"/>
+          <p:cNvSpPr/>
+          <p:nvPr/>
+        </p:nvSpPr>
+        <p:spPr>
+          <a:xfrm rot="16200000">
+            <a:off x="6377029" y="5112084"/>
+            <a:ext cx="419968" cy="783060"/>
+          </a:xfrm>
+          <a:prstGeom prst="downArrow">
+            <a:avLst/>
+          </a:prstGeom>
+        </p:spPr>
+        <p:style>
+          <a:lnRef idx="2">
+            <a:schemeClr val="accent6">
+              <a:shade val="50000"/>
+            </a:schemeClr>
+          </a:lnRef>
+          <a:fillRef idx="1">
+            <a:schemeClr val="accent6"/>
+          </a:fillRef>
+          <a:effectRef idx="0">
+            <a:schemeClr val="accent6"/>
+          </a:effectRef>
+          <a:fontRef idx="minor">
+            <a:schemeClr val="lt1"/>
+          </a:fontRef>
+        </p:style>
+        <p:txBody>
+          <a:bodyPr rtlCol="0" anchor="ctr"/>
+          <a:lstStyle/>
+          <a:p>
+            <a:pPr algn="ctr"/>
+            <a:endParaRPr lang="pl-PL"/>
+          </a:p>
+        </p:txBody>
+      </p:sp>
+      <p:sp>
+        <p:nvSpPr>
+          <p:cNvPr id="21" name="Down Arrow 20"/>
+          <p:cNvSpPr/>
+          <p:nvPr/>
+        </p:nvSpPr>
+        <p:spPr>
+          <a:xfrm rot="14277274">
+            <a:off x="8399327" y="4200824"/>
+            <a:ext cx="419968" cy="783060"/>
+          </a:xfrm>
+          <a:prstGeom prst="downArrow">
+            <a:avLst/>
+          </a:prstGeom>
+        </p:spPr>
+        <p:style>
+          <a:lnRef idx="2">
+            <a:schemeClr val="accent6">
+              <a:shade val="50000"/>
+            </a:schemeClr>
+          </a:lnRef>
+          <a:fillRef idx="1">
+            <a:schemeClr val="accent6"/>
+          </a:fillRef>
+          <a:effectRef idx="0">
+            <a:schemeClr val="accent6"/>
+          </a:effectRef>
+          <a:fontRef idx="minor">
+            <a:schemeClr val="lt1"/>
+          </a:fontRef>
+        </p:style>
+        <p:txBody>
+          <a:bodyPr rtlCol="0" anchor="ctr"/>
+          <a:lstStyle/>
+          <a:p>
+            <a:pPr algn="ctr"/>
+            <a:endParaRPr lang="pl-PL"/>
+          </a:p>
+        </p:txBody>
+      </p:sp>
+      <p:sp>
+        <p:nvSpPr>
+          <p:cNvPr id="3" name="Rectangle 2"/>
+          <p:cNvSpPr/>
+          <p:nvPr/>
+        </p:nvSpPr>
+        <p:spPr>
+          <a:xfrm>
+            <a:off x="4141714" y="4252205"/>
+            <a:ext cx="1698785" cy="570098"/>
+          </a:xfrm>
+          <a:prstGeom prst="rect">
+            <a:avLst/>
+          </a:prstGeom>
+        </p:spPr>
+        <p:style>
+          <a:lnRef idx="1">
+            <a:schemeClr val="accent5"/>
+          </a:lnRef>
+          <a:fillRef idx="2">
+            <a:schemeClr val="accent5"/>
+          </a:fillRef>
+          <a:effectRef idx="1">
+            <a:schemeClr val="accent5"/>
+          </a:effectRef>
+          <a:fontRef idx="minor">
+            <a:schemeClr val="dk1"/>
+          </a:fontRef>
+        </p:style>
+        <p:txBody>
+          <a:bodyPr rtlCol="0" anchor="ctr"/>
+          <a:lstStyle/>
+          <a:p>
+            <a:pPr algn="ctr"/>
+            <a:r>
+              <a:rPr lang="pl-PL" dirty="0" err="1" smtClean="0"/>
+              <a:t>AccountDTO</a:t>
+            </a:r>
+            <a:endParaRPr lang="pl-PL" dirty="0"/>
+          </a:p>
+        </p:txBody>
+      </p:sp>
+      <p:sp>
+        <p:nvSpPr>
+          <p:cNvPr id="22" name="Rectangle 21"/>
+          <p:cNvSpPr/>
+          <p:nvPr/>
+        </p:nvSpPr>
+        <p:spPr>
+          <a:xfrm>
+            <a:off x="7197049" y="5195621"/>
+            <a:ext cx="1915625" cy="570098"/>
+          </a:xfrm>
+          <a:prstGeom prst="rect">
+            <a:avLst/>
+          </a:prstGeom>
+        </p:spPr>
+        <p:style>
+          <a:lnRef idx="1">
+            <a:schemeClr val="accent5"/>
+          </a:lnRef>
+          <a:fillRef idx="2">
+            <a:schemeClr val="accent5"/>
+          </a:fillRef>
+          <a:effectRef idx="1">
+            <a:schemeClr val="accent5"/>
+          </a:effectRef>
+          <a:fontRef idx="minor">
+            <a:schemeClr val="dk1"/>
+          </a:fontRef>
+        </p:style>
+        <p:txBody>
+          <a:bodyPr rtlCol="0" anchor="ctr"/>
+          <a:lstStyle/>
+          <a:p>
+            <a:pPr algn="ctr"/>
+            <a:r>
+              <a:rPr lang="pl-PL" dirty="0" err="1" smtClean="0"/>
+              <a:t>AccountEntity</a:t>
+            </a:r>
+            <a:endParaRPr lang="pl-PL" dirty="0"/>
+          </a:p>
+        </p:txBody>
+      </p:sp>
+      <p:sp>
+        <p:nvSpPr>
+          <p:cNvPr id="23" name="Rectangle 22"/>
+          <p:cNvSpPr/>
+          <p:nvPr/>
+        </p:nvSpPr>
+        <p:spPr>
+          <a:xfrm>
+            <a:off x="4823301" y="5266399"/>
+            <a:ext cx="1308100" cy="570098"/>
+          </a:xfrm>
+          <a:prstGeom prst="rect">
+            <a:avLst/>
+          </a:prstGeom>
+        </p:spPr>
+        <p:style>
+          <a:lnRef idx="0">
+            <a:schemeClr val="accent3"/>
+          </a:lnRef>
+          <a:fillRef idx="3">
+            <a:schemeClr val="accent3"/>
+          </a:fillRef>
+          <a:effectRef idx="3">
+            <a:schemeClr val="accent3"/>
+          </a:effectRef>
+          <a:fontRef idx="minor">
+            <a:schemeClr val="lt1"/>
+          </a:fontRef>
+        </p:style>
+        <p:txBody>
+          <a:bodyPr rtlCol="0" anchor="ctr"/>
+          <a:lstStyle/>
+          <a:p>
+            <a:pPr algn="ctr"/>
+            <a:r>
+              <a:rPr lang="pl-PL" dirty="0" err="1" smtClean="0"/>
+              <a:t>Mapping</a:t>
+            </a:r>
+            <a:endParaRPr lang="pl-PL" dirty="0"/>
           </a:p>
         </p:txBody>
       </p:sp>
     </p:spTree>
     <p:extLst>
       <p:ext uri="{BB962C8B-B14F-4D97-AF65-F5344CB8AC3E}">
-        <p14:creationId xmlns:p14="http://schemas.microsoft.com/office/powerpoint/2010/main" val="2221524749"/>
+        <p14:creationId xmlns:p14="http://schemas.microsoft.com/office/powerpoint/2010/main" val="3814079234"/>
       </p:ext>
     </p:extLst>
   </p:cSld>
@@ -12076,7 +12784,7 @@
         <p:spPr>
           <a:xfrm>
             <a:off x="6036264" y="3121371"/>
-            <a:ext cx="1409263" cy="1409263"/>
+            <a:ext cx="1786936" cy="1409263"/>
           </a:xfrm>
           <a:prstGeom prst="cube">
             <a:avLst/>
@@ -12104,8 +12812,12 @@
           <a:p>
             <a:pPr algn="ctr"/>
             <a:r>
+              <a:rPr lang="pl-PL" dirty="0" err="1" smtClean="0"/>
+              <a:t>Command</a:t>
+            </a:r>
+            <a:r>
               <a:rPr lang="pl-PL" dirty="0" smtClean="0"/>
-              <a:t>Service</a:t>
+              <a:t> handler</a:t>
             </a:r>
           </a:p>
           <a:p>
@@ -12239,13 +12951,13 @@
       </p:sp>
       <p:sp>
         <p:nvSpPr>
-          <p:cNvPr id="12" name="Cube 11"/>
+          <p:cNvPr id="14" name="Cube 13"/>
           <p:cNvSpPr/>
           <p:nvPr/>
         </p:nvSpPr>
         <p:spPr>
           <a:xfrm>
-            <a:off x="5292956" y="4304336"/>
+            <a:off x="6587013" y="4304335"/>
             <a:ext cx="1409263" cy="1409263"/>
           </a:xfrm>
           <a:prstGeom prst="cube">
@@ -12274,54 +12986,6 @@
           <a:p>
             <a:pPr algn="ctr"/>
             <a:r>
-              <a:rPr lang="pl-PL" sz="1200" dirty="0" err="1" smtClean="0"/>
-              <a:t>Repository</a:t>
-            </a:r>
-            <a:endParaRPr lang="pl-PL" sz="1200" dirty="0" smtClean="0"/>
-          </a:p>
-          <a:p>
-            <a:pPr algn="ctr"/>
-            <a:endParaRPr lang="pl-PL" sz="1200" dirty="0"/>
-          </a:p>
-        </p:txBody>
-      </p:sp>
-      <p:sp>
-        <p:nvSpPr>
-          <p:cNvPr id="14" name="Cube 13"/>
-          <p:cNvSpPr/>
-          <p:nvPr/>
-        </p:nvSpPr>
-        <p:spPr>
-          <a:xfrm>
-            <a:off x="6587013" y="4304335"/>
-            <a:ext cx="1409263" cy="1409263"/>
-          </a:xfrm>
-          <a:prstGeom prst="cube">
-            <a:avLst/>
-          </a:prstGeom>
-        </p:spPr>
-        <p:style>
-          <a:lnRef idx="2">
-            <a:schemeClr val="accent1">
-              <a:shade val="50000"/>
-            </a:schemeClr>
-          </a:lnRef>
-          <a:fillRef idx="1">
-            <a:schemeClr val="accent1"/>
-          </a:fillRef>
-          <a:effectRef idx="0">
-            <a:schemeClr val="accent1"/>
-          </a:effectRef>
-          <a:fontRef idx="minor">
-            <a:schemeClr val="lt1"/>
-          </a:fontRef>
-        </p:style>
-        <p:txBody>
-          <a:bodyPr rtlCol="0" anchor="ctr"/>
-          <a:lstStyle/>
-          <a:p>
-            <a:pPr algn="ctr"/>
-            <a:r>
               <a:rPr lang="pl-PL" sz="1200" dirty="0" smtClean="0"/>
               <a:t>ORM</a:t>
             </a:r>
@@ -12341,7 +13005,7 @@
         <p:spPr>
           <a:xfrm>
             <a:off x="2895600" y="2626870"/>
-            <a:ext cx="2255746" cy="369332"/>
+            <a:ext cx="1734770" cy="369332"/>
           </a:xfrm>
           <a:prstGeom prst="rect">
             <a:avLst/>
@@ -12356,7 +13020,7 @@
           <a:p>
             <a:r>
               <a:rPr lang="pl-PL" dirty="0" err="1" smtClean="0"/>
-              <a:t>AccountController</a:t>
+              <a:t>UserController</a:t>
             </a:r>
             <a:endParaRPr lang="pl-PL" dirty="0"/>
           </a:p>
@@ -12370,8 +13034,8 @@
         </p:nvSpPr>
         <p:spPr>
           <a:xfrm>
-            <a:off x="6162687" y="2626870"/>
-            <a:ext cx="1975221" cy="369332"/>
+            <a:off x="5580103" y="2637540"/>
+            <a:ext cx="3241593" cy="369332"/>
           </a:xfrm>
           <a:prstGeom prst="rect">
             <a:avLst/>
@@ -12386,7 +13050,7 @@
           <a:p>
             <a:r>
               <a:rPr lang="pl-PL" dirty="0" err="1" smtClean="0"/>
-              <a:t>AccountService</a:t>
+              <a:t>AddUserCommandHandler</a:t>
             </a:r>
             <a:endParaRPr lang="pl-PL" dirty="0" smtClean="0"/>
           </a:p>
@@ -12394,14 +13058,14 @@
       </p:sp>
       <p:sp>
         <p:nvSpPr>
-          <p:cNvPr id="16" name="TextBox 15"/>
+          <p:cNvPr id="17" name="TextBox 16"/>
           <p:cNvSpPr txBox="1"/>
           <p:nvPr/>
         </p:nvSpPr>
         <p:spPr>
           <a:xfrm>
-            <a:off x="4265544" y="5841530"/>
-            <a:ext cx="2321469" cy="369332"/>
+            <a:off x="6702219" y="5817839"/>
+            <a:ext cx="1382110" cy="369332"/>
           </a:xfrm>
           <a:prstGeom prst="rect">
             <a:avLst/>
@@ -12415,8 +13079,12 @@
           <a:lstStyle/>
           <a:p>
             <a:r>
+              <a:rPr lang="pl-PL" dirty="0" smtClean="0"/>
+              <a:t>User </a:t>
+            </a:r>
+            <a:r>
               <a:rPr lang="pl-PL" dirty="0" err="1" smtClean="0"/>
-              <a:t>AccountRepository</a:t>
+              <a:t>DbSet</a:t>
             </a:r>
             <a:endParaRPr lang="pl-PL" dirty="0" smtClean="0"/>
           </a:p>
@@ -12424,14 +13092,14 @@
       </p:sp>
       <p:sp>
         <p:nvSpPr>
-          <p:cNvPr id="17" name="TextBox 16"/>
+          <p:cNvPr id="18" name="TextBox 17"/>
           <p:cNvSpPr txBox="1"/>
           <p:nvPr/>
         </p:nvSpPr>
         <p:spPr>
           <a:xfrm>
-            <a:off x="6702219" y="5817839"/>
-            <a:ext cx="1903085" cy="369332"/>
+            <a:off x="9112675" y="2637540"/>
+            <a:ext cx="1317990" cy="369332"/>
           </a:xfrm>
           <a:prstGeom prst="rect">
             <a:avLst/>
@@ -12445,50 +13113,8 @@
           <a:lstStyle/>
           <a:p>
             <a:r>
-              <a:rPr lang="pl-PL" dirty="0" err="1" smtClean="0"/>
-              <a:t>Account</a:t>
-            </a:r>
-            <a:r>
               <a:rPr lang="pl-PL" dirty="0" smtClean="0"/>
-              <a:t> </a:t>
-            </a:r>
-            <a:r>
-              <a:rPr lang="pl-PL" dirty="0" err="1" smtClean="0"/>
-              <a:t>DbSet</a:t>
-            </a:r>
-            <a:endParaRPr lang="pl-PL" dirty="0" smtClean="0"/>
-          </a:p>
-        </p:txBody>
-      </p:sp>
-      <p:sp>
-        <p:nvSpPr>
-          <p:cNvPr id="18" name="TextBox 17"/>
-          <p:cNvSpPr txBox="1"/>
-          <p:nvPr/>
-        </p:nvSpPr>
-        <p:spPr>
-          <a:xfrm>
-            <a:off x="9112675" y="2637540"/>
-            <a:ext cx="1838965" cy="369332"/>
-          </a:xfrm>
-          <a:prstGeom prst="rect">
-            <a:avLst/>
-          </a:prstGeom>
-          <a:noFill/>
-        </p:spPr>
-        <p:txBody>
-          <a:bodyPr wrap="none" rtlCol="0">
-            <a:spAutoFit/>
-          </a:bodyPr>
-          <a:lstStyle/>
-          <a:p>
-            <a:r>
-              <a:rPr lang="pl-PL" dirty="0" err="1" smtClean="0"/>
-              <a:t>Account</a:t>
-            </a:r>
-            <a:r>
-              <a:rPr lang="pl-PL" dirty="0" smtClean="0"/>
-              <a:t> </a:t>
+              <a:t>User </a:t>
             </a:r>
             <a:r>
               <a:rPr lang="pl-PL" dirty="0" err="1" smtClean="0"/>
@@ -12506,7 +13132,7 @@
         </p:nvSpPr>
         <p:spPr>
           <a:xfrm>
-            <a:off x="5918534" y="4060172"/>
+            <a:off x="6870845" y="4123579"/>
             <a:ext cx="419968" cy="783060"/>
           </a:xfrm>
           <a:prstGeom prst="downArrow">
@@ -12540,13 +13166,13 @@
       </p:sp>
       <p:sp>
         <p:nvSpPr>
-          <p:cNvPr id="20" name="Down Arrow 19"/>
+          <p:cNvPr id="21" name="Down Arrow 20"/>
           <p:cNvSpPr/>
           <p:nvPr/>
         </p:nvSpPr>
         <p:spPr>
-          <a:xfrm rot="16200000">
-            <a:off x="6377029" y="5112084"/>
+          <a:xfrm rot="14277274">
+            <a:off x="8399327" y="4200824"/>
             <a:ext cx="419968" cy="783060"/>
           </a:xfrm>
           <a:prstGeom prst="downArrow">
@@ -12580,54 +13206,14 @@
       </p:sp>
       <p:sp>
         <p:nvSpPr>
-          <p:cNvPr id="21" name="Down Arrow 20"/>
-          <p:cNvSpPr/>
-          <p:nvPr/>
-        </p:nvSpPr>
-        <p:spPr>
-          <a:xfrm rot="14277274">
-            <a:off x="8399327" y="4200824"/>
-            <a:ext cx="419968" cy="783060"/>
-          </a:xfrm>
-          <a:prstGeom prst="downArrow">
-            <a:avLst/>
-          </a:prstGeom>
-        </p:spPr>
-        <p:style>
-          <a:lnRef idx="2">
-            <a:schemeClr val="accent6">
-              <a:shade val="50000"/>
-            </a:schemeClr>
-          </a:lnRef>
-          <a:fillRef idx="1">
-            <a:schemeClr val="accent6"/>
-          </a:fillRef>
-          <a:effectRef idx="0">
-            <a:schemeClr val="accent6"/>
-          </a:effectRef>
-          <a:fontRef idx="minor">
-            <a:schemeClr val="lt1"/>
-          </a:fontRef>
-        </p:style>
-        <p:txBody>
-          <a:bodyPr rtlCol="0" anchor="ctr"/>
-          <a:lstStyle/>
-          <a:p>
-            <a:pPr algn="ctr"/>
-            <a:endParaRPr lang="pl-PL"/>
-          </a:p>
-        </p:txBody>
-      </p:sp>
-      <p:sp>
-        <p:nvSpPr>
           <p:cNvPr id="3" name="Rectangle 2"/>
           <p:cNvSpPr/>
           <p:nvPr/>
         </p:nvSpPr>
         <p:spPr>
           <a:xfrm>
-            <a:off x="4141714" y="4252205"/>
-            <a:ext cx="1698785" cy="570098"/>
+            <a:off x="3390900" y="4252205"/>
+            <a:ext cx="2449599" cy="570098"/>
           </a:xfrm>
           <a:prstGeom prst="rect">
             <a:avLst/>
@@ -12654,7 +13240,7 @@
             <a:pPr algn="ctr"/>
             <a:r>
               <a:rPr lang="pl-PL" dirty="0" err="1" smtClean="0"/>
-              <a:t>AccountDTO</a:t>
+              <a:t>AddUserCommand</a:t>
             </a:r>
             <a:endParaRPr lang="pl-PL" dirty="0"/>
           </a:p>
@@ -12668,8 +13254,8 @@
         </p:nvSpPr>
         <p:spPr>
           <a:xfrm>
-            <a:off x="7197049" y="5195621"/>
-            <a:ext cx="1915625" cy="570098"/>
+            <a:off x="7483564" y="5309555"/>
+            <a:ext cx="2518451" cy="570098"/>
           </a:xfrm>
           <a:prstGeom prst="rect">
             <a:avLst/>
@@ -12696,49 +13282,7 @@
             <a:pPr algn="ctr"/>
             <a:r>
               <a:rPr lang="pl-PL" dirty="0" err="1" smtClean="0"/>
-              <a:t>AccountEntity</a:t>
-            </a:r>
-            <a:endParaRPr lang="pl-PL" dirty="0"/>
-          </a:p>
-        </p:txBody>
-      </p:sp>
-      <p:sp>
-        <p:nvSpPr>
-          <p:cNvPr id="23" name="Rectangle 22"/>
-          <p:cNvSpPr/>
-          <p:nvPr/>
-        </p:nvSpPr>
-        <p:spPr>
-          <a:xfrm>
-            <a:off x="4823301" y="5266399"/>
-            <a:ext cx="1308100" cy="570098"/>
-          </a:xfrm>
-          <a:prstGeom prst="rect">
-            <a:avLst/>
-          </a:prstGeom>
-        </p:spPr>
-        <p:style>
-          <a:lnRef idx="0">
-            <a:schemeClr val="accent3"/>
-          </a:lnRef>
-          <a:fillRef idx="3">
-            <a:schemeClr val="accent3"/>
-          </a:fillRef>
-          <a:effectRef idx="3">
-            <a:schemeClr val="accent3"/>
-          </a:effectRef>
-          <a:fontRef idx="minor">
-            <a:schemeClr val="lt1"/>
-          </a:fontRef>
-        </p:style>
-        <p:txBody>
-          <a:bodyPr rtlCol="0" anchor="ctr"/>
-          <a:lstStyle/>
-          <a:p>
-            <a:pPr algn="ctr"/>
-            <a:r>
-              <a:rPr lang="pl-PL" dirty="0" err="1" smtClean="0"/>
-              <a:t>Mapping</a:t>
+              <a:t>UserWriteModel</a:t>
             </a:r>
             <a:endParaRPr lang="pl-PL" dirty="0"/>
           </a:p>
@@ -12747,7 +13291,7 @@
     </p:spTree>
     <p:extLst>
       <p:ext uri="{BB962C8B-B14F-4D97-AF65-F5344CB8AC3E}">
-        <p14:creationId xmlns:p14="http://schemas.microsoft.com/office/powerpoint/2010/main" val="3814079234"/>
+        <p14:creationId xmlns:p14="http://schemas.microsoft.com/office/powerpoint/2010/main" val="2802739804"/>
       </p:ext>
     </p:extLst>
   </p:cSld>
@@ -12781,622 +13325,146 @@
           <a:chExt cx="0" cy="0"/>
         </a:xfrm>
       </p:grpSpPr>
-      <p:sp>
-        <p:nvSpPr>
-          <p:cNvPr id="2" name="Title 1"/>
-          <p:cNvSpPr>
-            <a:spLocks noGrp="1"/>
+      <p:pic>
+        <p:nvPicPr>
+          <p:cNvPr id="4" name="Picture 3"/>
+          <p:cNvPicPr>
+            <a:picLocks noChangeAspect="1"/>
+          </p:cNvPicPr>
+          <p:nvPr/>
+        </p:nvPicPr>
+        <p:blipFill>
+          <a:blip r:embed="rId2"/>
+          <a:stretch>
+            <a:fillRect/>
+          </a:stretch>
+        </p:blipFill>
+        <p:spPr>
+          <a:xfrm>
+            <a:off x="3167276" y="3519558"/>
+            <a:ext cx="6809348" cy="2455565"/>
+          </a:xfrm>
+          <a:prstGeom prst="rect">
+            <a:avLst/>
+          </a:prstGeom>
+        </p:spPr>
+      </p:pic>
+      <p:pic>
+        <p:nvPicPr>
+          <p:cNvPr id="24" name="Picture 23"/>
+          <p:cNvPicPr>
+            <a:picLocks noChangeAspect="1"/>
+          </p:cNvPicPr>
+          <p:nvPr/>
+        </p:nvPicPr>
+        <p:blipFill>
+          <a:blip r:embed="rId3"/>
+          <a:stretch>
+            <a:fillRect/>
+          </a:stretch>
+        </p:blipFill>
+        <p:spPr>
+          <a:xfrm>
+            <a:off x="1943100" y="2460078"/>
+            <a:ext cx="7112000" cy="2454369"/>
+          </a:xfrm>
+          <a:prstGeom prst="rect">
+            <a:avLst/>
+          </a:prstGeom>
+        </p:spPr>
+      </p:pic>
+      <p:pic>
+        <p:nvPicPr>
+          <p:cNvPr id="6" name="Picture 5"/>
+          <p:cNvPicPr>
+            <a:picLocks noChangeAspect="1"/>
+          </p:cNvPicPr>
+          <p:nvPr/>
+        </p:nvPicPr>
+        <p:blipFill>
+          <a:blip r:embed="rId4"/>
+          <a:stretch>
+            <a:fillRect/>
+          </a:stretch>
+        </p:blipFill>
+        <p:spPr>
+          <a:xfrm>
+            <a:off x="2962417" y="3826963"/>
+            <a:ext cx="1019317" cy="1019317"/>
+          </a:xfrm>
+          <a:prstGeom prst="rect">
+            <a:avLst/>
+          </a:prstGeom>
+        </p:spPr>
+      </p:pic>
+      <p:pic>
+        <p:nvPicPr>
+          <p:cNvPr id="8" name="Picture 7"/>
+          <p:cNvPicPr>
+            <a:picLocks noChangeAspect="1"/>
+          </p:cNvPicPr>
+          <p:nvPr/>
+        </p:nvPicPr>
+        <p:blipFill>
+          <a:blip r:embed="rId4"/>
+          <a:stretch>
+            <a:fillRect/>
+          </a:stretch>
+        </p:blipFill>
+        <p:spPr>
+          <a:xfrm>
+            <a:off x="1852541" y="2763218"/>
+            <a:ext cx="1019317" cy="1019317"/>
+          </a:xfrm>
+          <a:prstGeom prst="rect">
+            <a:avLst/>
+          </a:prstGeom>
+        </p:spPr>
+      </p:pic>
+      <p:sp>
+        <p:nvSpPr>
+          <p:cNvPr id="9" name="Title 1"/>
+          <p:cNvSpPr txBox="1">
+            <a:spLocks/>
           </p:cNvSpPr>
-          <p:nvPr>
-            <p:ph type="title"/>
-          </p:nvPr>
-        </p:nvSpPr>
-        <p:spPr/>
-        <p:txBody>
-          <a:bodyPr>
+          <p:nvPr/>
+        </p:nvSpPr>
+        <p:spPr>
+          <a:xfrm>
+            <a:off x="3048000" y="916773"/>
+            <a:ext cx="8610600" cy="1293028"/>
+          </a:xfrm>
+          <a:prstGeom prst="rect">
+            <a:avLst/>
+          </a:prstGeom>
+        </p:spPr>
+        <p:txBody>
+          <a:bodyPr vert="horz" lIns="91440" tIns="45720" rIns="91440" bIns="45720" rtlCol="0" anchor="ctr">
             <a:normAutofit/>
           </a:bodyPr>
-          <a:lstStyle/>
-          <a:p>
-            <a:r>
-              <a:rPr lang="pl-PL" dirty="0"/>
+          <a:lstStyle>
+            <a:lvl1pPr algn="r" defTabSz="914400" rtl="0" eaLnBrk="1" latinLnBrk="0" hangingPunct="1">
+              <a:lnSpc>
+                <a:spcPct val="90000"/>
+              </a:lnSpc>
+              <a:spcBef>
+                <a:spcPct val="0"/>
+              </a:spcBef>
+              <a:buNone/>
+              <a:defRPr sz="4000" kern="1200" cap="all" baseline="0">
+                <a:solidFill>
+                  <a:schemeClr val="tx1"/>
+                </a:solidFill>
+                <a:latin typeface="+mj-lt"/>
+                <a:ea typeface="+mj-ea"/>
+                <a:cs typeface="+mj-cs"/>
+              </a:defRPr>
+            </a:lvl1pPr>
+          </a:lstStyle>
+          <a:p>
+            <a:r>
+              <a:rPr lang="pl-PL" dirty="0" smtClean="0"/>
               <a:t>Czemu CQRS to krok wstecz i dwa do przodu</a:t>
-            </a:r>
-          </a:p>
-        </p:txBody>
-      </p:sp>
-      <p:sp>
-        <p:nvSpPr>
-          <p:cNvPr id="5" name="Cloud Callout 4"/>
-          <p:cNvSpPr/>
-          <p:nvPr/>
-        </p:nvSpPr>
-        <p:spPr>
-          <a:xfrm>
-            <a:off x="2801854" y="3121371"/>
-            <a:ext cx="1994080" cy="1336034"/>
-          </a:xfrm>
-          <a:prstGeom prst="cloudCallout">
-            <a:avLst/>
-          </a:prstGeom>
-        </p:spPr>
-        <p:style>
-          <a:lnRef idx="2">
-            <a:schemeClr val="accent1">
-              <a:shade val="50000"/>
-            </a:schemeClr>
-          </a:lnRef>
-          <a:fillRef idx="1">
-            <a:schemeClr val="accent1"/>
-          </a:fillRef>
-          <a:effectRef idx="0">
-            <a:schemeClr val="accent1"/>
-          </a:effectRef>
-          <a:fontRef idx="minor">
-            <a:schemeClr val="lt1"/>
-          </a:fontRef>
-        </p:style>
-        <p:txBody>
-          <a:bodyPr rtlCol="0" anchor="ctr"/>
-          <a:lstStyle/>
-          <a:p>
-            <a:pPr algn="ctr"/>
-            <a:r>
-              <a:rPr lang="pl-PL" dirty="0" smtClean="0"/>
-              <a:t>Controller</a:t>
-            </a:r>
-            <a:endParaRPr lang="pl-PL" dirty="0"/>
-          </a:p>
-        </p:txBody>
-      </p:sp>
-      <p:sp>
-        <p:nvSpPr>
-          <p:cNvPr id="6" name="Smiley Face 5"/>
-          <p:cNvSpPr/>
-          <p:nvPr/>
-        </p:nvSpPr>
-        <p:spPr>
-          <a:xfrm>
-            <a:off x="685800" y="3292222"/>
-            <a:ext cx="914400" cy="914400"/>
-          </a:xfrm>
-          <a:prstGeom prst="smileyFace">
-            <a:avLst/>
-          </a:prstGeom>
-        </p:spPr>
-        <p:style>
-          <a:lnRef idx="2">
-            <a:schemeClr val="accent1">
-              <a:shade val="50000"/>
-            </a:schemeClr>
-          </a:lnRef>
-          <a:fillRef idx="1">
-            <a:schemeClr val="accent1"/>
-          </a:fillRef>
-          <a:effectRef idx="0">
-            <a:schemeClr val="accent1"/>
-          </a:effectRef>
-          <a:fontRef idx="minor">
-            <a:schemeClr val="lt1"/>
-          </a:fontRef>
-        </p:style>
-        <p:txBody>
-          <a:bodyPr rtlCol="0" anchor="ctr"/>
-          <a:lstStyle/>
-          <a:p>
-            <a:pPr algn="ctr"/>
-            <a:endParaRPr lang="pl-PL" dirty="0"/>
-          </a:p>
-        </p:txBody>
-      </p:sp>
-      <p:sp>
-        <p:nvSpPr>
-          <p:cNvPr id="7" name="Cube 6"/>
-          <p:cNvSpPr/>
-          <p:nvPr/>
-        </p:nvSpPr>
-        <p:spPr>
-          <a:xfrm>
-            <a:off x="6036264" y="3121371"/>
-            <a:ext cx="1786936" cy="1409263"/>
-          </a:xfrm>
-          <a:prstGeom prst="cube">
-            <a:avLst/>
-          </a:prstGeom>
-        </p:spPr>
-        <p:style>
-          <a:lnRef idx="2">
-            <a:schemeClr val="accent1">
-              <a:shade val="50000"/>
-            </a:schemeClr>
-          </a:lnRef>
-          <a:fillRef idx="1">
-            <a:schemeClr val="accent1"/>
-          </a:fillRef>
-          <a:effectRef idx="0">
-            <a:schemeClr val="accent1"/>
-          </a:effectRef>
-          <a:fontRef idx="minor">
-            <a:schemeClr val="lt1"/>
-          </a:fontRef>
-        </p:style>
-        <p:txBody>
-          <a:bodyPr rtlCol="0" anchor="ctr"/>
-          <a:lstStyle/>
-          <a:p>
-            <a:pPr algn="ctr"/>
-            <a:r>
-              <a:rPr lang="pl-PL" dirty="0" err="1" smtClean="0"/>
-              <a:t>Command</a:t>
-            </a:r>
-            <a:r>
-              <a:rPr lang="pl-PL" dirty="0" smtClean="0"/>
-              <a:t> handler</a:t>
-            </a:r>
-          </a:p>
-          <a:p>
-            <a:pPr algn="ctr"/>
-            <a:endParaRPr lang="pl-PL" dirty="0"/>
-          </a:p>
-        </p:txBody>
-      </p:sp>
-      <p:sp>
-        <p:nvSpPr>
-          <p:cNvPr id="8" name="Can 7"/>
-          <p:cNvSpPr/>
-          <p:nvPr/>
-        </p:nvSpPr>
-        <p:spPr>
-          <a:xfrm>
-            <a:off x="9222347" y="3241253"/>
-            <a:ext cx="914400" cy="1216152"/>
-          </a:xfrm>
-          <a:prstGeom prst="can">
-            <a:avLst/>
-          </a:prstGeom>
-        </p:spPr>
-        <p:style>
-          <a:lnRef idx="2">
-            <a:schemeClr val="accent1">
-              <a:shade val="50000"/>
-            </a:schemeClr>
-          </a:lnRef>
-          <a:fillRef idx="1">
-            <a:schemeClr val="accent1"/>
-          </a:fillRef>
-          <a:effectRef idx="0">
-            <a:schemeClr val="accent1"/>
-          </a:effectRef>
-          <a:fontRef idx="minor">
-            <a:schemeClr val="lt1"/>
-          </a:fontRef>
-        </p:style>
-        <p:txBody>
-          <a:bodyPr rtlCol="0" anchor="ctr"/>
-          <a:lstStyle/>
-          <a:p>
-            <a:pPr algn="ctr"/>
-            <a:r>
-              <a:rPr lang="pl-PL" dirty="0" smtClean="0"/>
-              <a:t>DB</a:t>
-            </a:r>
-          </a:p>
-        </p:txBody>
-      </p:sp>
-      <p:sp>
-        <p:nvSpPr>
-          <p:cNvPr id="9" name="Right Arrow 8"/>
-          <p:cNvSpPr/>
-          <p:nvPr/>
-        </p:nvSpPr>
-        <p:spPr>
-          <a:xfrm>
-            <a:off x="1823446" y="3537521"/>
-            <a:ext cx="978408" cy="484632"/>
-          </a:xfrm>
-          <a:prstGeom prst="rightArrow">
-            <a:avLst/>
-          </a:prstGeom>
-        </p:spPr>
-        <p:style>
-          <a:lnRef idx="2">
-            <a:schemeClr val="accent1">
-              <a:shade val="50000"/>
-            </a:schemeClr>
-          </a:lnRef>
-          <a:fillRef idx="1">
-            <a:schemeClr val="accent1"/>
-          </a:fillRef>
-          <a:effectRef idx="0">
-            <a:schemeClr val="accent1"/>
-          </a:effectRef>
-          <a:fontRef idx="minor">
-            <a:schemeClr val="lt1"/>
-          </a:fontRef>
-        </p:style>
-        <p:txBody>
-          <a:bodyPr rtlCol="0" anchor="ctr"/>
-          <a:lstStyle/>
-          <a:p>
-            <a:pPr algn="ctr"/>
-            <a:endParaRPr lang="pl-PL" dirty="0"/>
-          </a:p>
-        </p:txBody>
-      </p:sp>
-      <p:sp>
-        <p:nvSpPr>
-          <p:cNvPr id="10" name="Right Arrow 9"/>
-          <p:cNvSpPr/>
-          <p:nvPr/>
-        </p:nvSpPr>
-        <p:spPr>
-          <a:xfrm>
-            <a:off x="4823301" y="3507106"/>
-            <a:ext cx="978408" cy="484632"/>
-          </a:xfrm>
-          <a:prstGeom prst="rightArrow">
-            <a:avLst/>
-          </a:prstGeom>
-        </p:spPr>
-        <p:style>
-          <a:lnRef idx="2">
-            <a:schemeClr val="accent1">
-              <a:shade val="50000"/>
-            </a:schemeClr>
-          </a:lnRef>
-          <a:fillRef idx="1">
-            <a:schemeClr val="accent1"/>
-          </a:fillRef>
-          <a:effectRef idx="0">
-            <a:schemeClr val="accent1"/>
-          </a:effectRef>
-          <a:fontRef idx="minor">
-            <a:schemeClr val="lt1"/>
-          </a:fontRef>
-        </p:style>
-        <p:txBody>
-          <a:bodyPr rtlCol="0" anchor="ctr"/>
-          <a:lstStyle/>
-          <a:p>
-            <a:pPr algn="ctr"/>
-            <a:endParaRPr lang="pl-PL" dirty="0"/>
-          </a:p>
-        </p:txBody>
-      </p:sp>
-      <p:sp>
-        <p:nvSpPr>
-          <p:cNvPr id="14" name="Cube 13"/>
-          <p:cNvSpPr/>
-          <p:nvPr/>
-        </p:nvSpPr>
-        <p:spPr>
-          <a:xfrm>
-            <a:off x="6587013" y="4304335"/>
-            <a:ext cx="1409263" cy="1409263"/>
-          </a:xfrm>
-          <a:prstGeom prst="cube">
-            <a:avLst/>
-          </a:prstGeom>
-        </p:spPr>
-        <p:style>
-          <a:lnRef idx="2">
-            <a:schemeClr val="accent1">
-              <a:shade val="50000"/>
-            </a:schemeClr>
-          </a:lnRef>
-          <a:fillRef idx="1">
-            <a:schemeClr val="accent1"/>
-          </a:fillRef>
-          <a:effectRef idx="0">
-            <a:schemeClr val="accent1"/>
-          </a:effectRef>
-          <a:fontRef idx="minor">
-            <a:schemeClr val="lt1"/>
-          </a:fontRef>
-        </p:style>
-        <p:txBody>
-          <a:bodyPr rtlCol="0" anchor="ctr"/>
-          <a:lstStyle/>
-          <a:p>
-            <a:pPr algn="ctr"/>
-            <a:r>
-              <a:rPr lang="pl-PL" sz="1200" dirty="0" smtClean="0"/>
-              <a:t>ORM</a:t>
-            </a:r>
-          </a:p>
-          <a:p>
-            <a:pPr algn="ctr"/>
-            <a:endParaRPr lang="pl-PL" sz="1200" dirty="0"/>
-          </a:p>
-        </p:txBody>
-      </p:sp>
-      <p:sp>
-        <p:nvSpPr>
-          <p:cNvPr id="13" name="TextBox 12"/>
-          <p:cNvSpPr txBox="1"/>
-          <p:nvPr/>
-        </p:nvSpPr>
-        <p:spPr>
-          <a:xfrm>
-            <a:off x="2895600" y="2626870"/>
-            <a:ext cx="1734770" cy="369332"/>
-          </a:xfrm>
-          <a:prstGeom prst="rect">
-            <a:avLst/>
-          </a:prstGeom>
-          <a:noFill/>
-        </p:spPr>
-        <p:txBody>
-          <a:bodyPr wrap="none" rtlCol="0">
-            <a:spAutoFit/>
-          </a:bodyPr>
-          <a:lstStyle/>
-          <a:p>
-            <a:r>
-              <a:rPr lang="pl-PL" dirty="0" err="1" smtClean="0"/>
-              <a:t>UserController</a:t>
-            </a:r>
-            <a:endParaRPr lang="pl-PL" dirty="0"/>
-          </a:p>
-        </p:txBody>
-      </p:sp>
-      <p:sp>
-        <p:nvSpPr>
-          <p:cNvPr id="15" name="TextBox 14"/>
-          <p:cNvSpPr txBox="1"/>
-          <p:nvPr/>
-        </p:nvSpPr>
-        <p:spPr>
-          <a:xfrm>
-            <a:off x="5580103" y="2637540"/>
-            <a:ext cx="3241593" cy="369332"/>
-          </a:xfrm>
-          <a:prstGeom prst="rect">
-            <a:avLst/>
-          </a:prstGeom>
-          <a:noFill/>
-        </p:spPr>
-        <p:txBody>
-          <a:bodyPr wrap="none" rtlCol="0">
-            <a:spAutoFit/>
-          </a:bodyPr>
-          <a:lstStyle/>
-          <a:p>
-            <a:r>
-              <a:rPr lang="pl-PL" dirty="0" err="1" smtClean="0"/>
-              <a:t>AddUserCommandHandler</a:t>
-            </a:r>
-            <a:endParaRPr lang="pl-PL" dirty="0" smtClean="0"/>
-          </a:p>
-        </p:txBody>
-      </p:sp>
-      <p:sp>
-        <p:nvSpPr>
-          <p:cNvPr id="17" name="TextBox 16"/>
-          <p:cNvSpPr txBox="1"/>
-          <p:nvPr/>
-        </p:nvSpPr>
-        <p:spPr>
-          <a:xfrm>
-            <a:off x="6702219" y="5817839"/>
-            <a:ext cx="1382110" cy="369332"/>
-          </a:xfrm>
-          <a:prstGeom prst="rect">
-            <a:avLst/>
-          </a:prstGeom>
-          <a:noFill/>
-        </p:spPr>
-        <p:txBody>
-          <a:bodyPr wrap="none" rtlCol="0">
-            <a:spAutoFit/>
-          </a:bodyPr>
-          <a:lstStyle/>
-          <a:p>
-            <a:r>
-              <a:rPr lang="pl-PL" dirty="0" smtClean="0"/>
-              <a:t>User </a:t>
-            </a:r>
-            <a:r>
-              <a:rPr lang="pl-PL" dirty="0" err="1" smtClean="0"/>
-              <a:t>DbSet</a:t>
-            </a:r>
-            <a:endParaRPr lang="pl-PL" dirty="0" smtClean="0"/>
-          </a:p>
-        </p:txBody>
-      </p:sp>
-      <p:sp>
-        <p:nvSpPr>
-          <p:cNvPr id="18" name="TextBox 17"/>
-          <p:cNvSpPr txBox="1"/>
-          <p:nvPr/>
-        </p:nvSpPr>
-        <p:spPr>
-          <a:xfrm>
-            <a:off x="9112675" y="2637540"/>
-            <a:ext cx="1317990" cy="369332"/>
-          </a:xfrm>
-          <a:prstGeom prst="rect">
-            <a:avLst/>
-          </a:prstGeom>
-          <a:noFill/>
-        </p:spPr>
-        <p:txBody>
-          <a:bodyPr wrap="none" rtlCol="0">
-            <a:spAutoFit/>
-          </a:bodyPr>
-          <a:lstStyle/>
-          <a:p>
-            <a:r>
-              <a:rPr lang="pl-PL" dirty="0" smtClean="0"/>
-              <a:t>User </a:t>
-            </a:r>
-            <a:r>
-              <a:rPr lang="pl-PL" dirty="0" err="1" smtClean="0"/>
-              <a:t>Table</a:t>
-            </a:r>
-            <a:endParaRPr lang="pl-PL" dirty="0" smtClean="0"/>
-          </a:p>
-        </p:txBody>
-      </p:sp>
-      <p:sp>
-        <p:nvSpPr>
-          <p:cNvPr id="19" name="Down Arrow 18"/>
-          <p:cNvSpPr/>
-          <p:nvPr/>
-        </p:nvSpPr>
-        <p:spPr>
-          <a:xfrm>
-            <a:off x="6870845" y="4123579"/>
-            <a:ext cx="419968" cy="783060"/>
-          </a:xfrm>
-          <a:prstGeom prst="downArrow">
-            <a:avLst/>
-          </a:prstGeom>
-        </p:spPr>
-        <p:style>
-          <a:lnRef idx="2">
-            <a:schemeClr val="accent6">
-              <a:shade val="50000"/>
-            </a:schemeClr>
-          </a:lnRef>
-          <a:fillRef idx="1">
-            <a:schemeClr val="accent6"/>
-          </a:fillRef>
-          <a:effectRef idx="0">
-            <a:schemeClr val="accent6"/>
-          </a:effectRef>
-          <a:fontRef idx="minor">
-            <a:schemeClr val="lt1"/>
-          </a:fontRef>
-        </p:style>
-        <p:txBody>
-          <a:bodyPr rtlCol="0" anchor="ctr"/>
-          <a:lstStyle/>
-          <a:p>
-            <a:pPr algn="ctr"/>
-            <a:endParaRPr lang="pl-PL"/>
-          </a:p>
-        </p:txBody>
-      </p:sp>
-      <p:sp>
-        <p:nvSpPr>
-          <p:cNvPr id="21" name="Down Arrow 20"/>
-          <p:cNvSpPr/>
-          <p:nvPr/>
-        </p:nvSpPr>
-        <p:spPr>
-          <a:xfrm rot="14277274">
-            <a:off x="8399327" y="4200824"/>
-            <a:ext cx="419968" cy="783060"/>
-          </a:xfrm>
-          <a:prstGeom prst="downArrow">
-            <a:avLst/>
-          </a:prstGeom>
-        </p:spPr>
-        <p:style>
-          <a:lnRef idx="2">
-            <a:schemeClr val="accent6">
-              <a:shade val="50000"/>
-            </a:schemeClr>
-          </a:lnRef>
-          <a:fillRef idx="1">
-            <a:schemeClr val="accent6"/>
-          </a:fillRef>
-          <a:effectRef idx="0">
-            <a:schemeClr val="accent6"/>
-          </a:effectRef>
-          <a:fontRef idx="minor">
-            <a:schemeClr val="lt1"/>
-          </a:fontRef>
-        </p:style>
-        <p:txBody>
-          <a:bodyPr rtlCol="0" anchor="ctr"/>
-          <a:lstStyle/>
-          <a:p>
-            <a:pPr algn="ctr"/>
-            <a:endParaRPr lang="pl-PL"/>
-          </a:p>
-        </p:txBody>
-      </p:sp>
-      <p:sp>
-        <p:nvSpPr>
-          <p:cNvPr id="3" name="Rectangle 2"/>
-          <p:cNvSpPr/>
-          <p:nvPr/>
-        </p:nvSpPr>
-        <p:spPr>
-          <a:xfrm>
-            <a:off x="3390900" y="4252205"/>
-            <a:ext cx="2449599" cy="570098"/>
-          </a:xfrm>
-          <a:prstGeom prst="rect">
-            <a:avLst/>
-          </a:prstGeom>
-        </p:spPr>
-        <p:style>
-          <a:lnRef idx="1">
-            <a:schemeClr val="accent5"/>
-          </a:lnRef>
-          <a:fillRef idx="2">
-            <a:schemeClr val="accent5"/>
-          </a:fillRef>
-          <a:effectRef idx="1">
-            <a:schemeClr val="accent5"/>
-          </a:effectRef>
-          <a:fontRef idx="minor">
-            <a:schemeClr val="dk1"/>
-          </a:fontRef>
-        </p:style>
-        <p:txBody>
-          <a:bodyPr rtlCol="0" anchor="ctr"/>
-          <a:lstStyle/>
-          <a:p>
-            <a:pPr algn="ctr"/>
-            <a:r>
-              <a:rPr lang="pl-PL" dirty="0" err="1" smtClean="0"/>
-              <a:t>AddUserCommand</a:t>
-            </a:r>
-            <a:endParaRPr lang="pl-PL" dirty="0"/>
-          </a:p>
-        </p:txBody>
-      </p:sp>
-      <p:sp>
-        <p:nvSpPr>
-          <p:cNvPr id="22" name="Rectangle 21"/>
-          <p:cNvSpPr/>
-          <p:nvPr/>
-        </p:nvSpPr>
-        <p:spPr>
-          <a:xfrm>
-            <a:off x="7483564" y="5309555"/>
-            <a:ext cx="2518451" cy="570098"/>
-          </a:xfrm>
-          <a:prstGeom prst="rect">
-            <a:avLst/>
-          </a:prstGeom>
-        </p:spPr>
-        <p:style>
-          <a:lnRef idx="1">
-            <a:schemeClr val="accent5"/>
-          </a:lnRef>
-          <a:fillRef idx="2">
-            <a:schemeClr val="accent5"/>
-          </a:fillRef>
-          <a:effectRef idx="1">
-            <a:schemeClr val="accent5"/>
-          </a:effectRef>
-          <a:fontRef idx="minor">
-            <a:schemeClr val="dk1"/>
-          </a:fontRef>
-        </p:style>
-        <p:txBody>
-          <a:bodyPr rtlCol="0" anchor="ctr"/>
-          <a:lstStyle/>
-          <a:p>
-            <a:pPr algn="ctr"/>
-            <a:r>
-              <a:rPr lang="pl-PL" dirty="0" err="1" smtClean="0"/>
-              <a:t>UserWriteModel</a:t>
             </a:r>
             <a:endParaRPr lang="pl-PL" dirty="0"/>
           </a:p>
@@ -13405,7 +13473,7 @@
     </p:spTree>
     <p:extLst>
       <p:ext uri="{BB962C8B-B14F-4D97-AF65-F5344CB8AC3E}">
-        <p14:creationId xmlns:p14="http://schemas.microsoft.com/office/powerpoint/2010/main" val="2802739804"/>
+        <p14:creationId xmlns:p14="http://schemas.microsoft.com/office/powerpoint/2010/main" val="2294334307"/>
       </p:ext>
     </p:extLst>
   </p:cSld>
@@ -13439,155 +13507,754 @@
           <a:chExt cx="0" cy="0"/>
         </a:xfrm>
       </p:grpSpPr>
-      <p:pic>
-        <p:nvPicPr>
-          <p:cNvPr id="4" name="Picture 3"/>
-          <p:cNvPicPr>
-            <a:picLocks noChangeAspect="1"/>
-          </p:cNvPicPr>
-          <p:nvPr/>
-        </p:nvPicPr>
-        <p:blipFill>
-          <a:blip r:embed="rId2"/>
-          <a:stretch>
-            <a:fillRect/>
-          </a:stretch>
-        </p:blipFill>
-        <p:spPr>
-          <a:xfrm>
-            <a:off x="3167276" y="3519558"/>
-            <a:ext cx="6809348" cy="2455565"/>
-          </a:xfrm>
-          <a:prstGeom prst="rect">
-            <a:avLst/>
-          </a:prstGeom>
-        </p:spPr>
-      </p:pic>
-      <p:pic>
-        <p:nvPicPr>
-          <p:cNvPr id="24" name="Picture 23"/>
-          <p:cNvPicPr>
-            <a:picLocks noChangeAspect="1"/>
-          </p:cNvPicPr>
-          <p:nvPr/>
-        </p:nvPicPr>
-        <p:blipFill>
-          <a:blip r:embed="rId3"/>
-          <a:stretch>
-            <a:fillRect/>
-          </a:stretch>
-        </p:blipFill>
-        <p:spPr>
-          <a:xfrm>
-            <a:off x="1943100" y="2460078"/>
-            <a:ext cx="7112000" cy="2454369"/>
-          </a:xfrm>
-          <a:prstGeom prst="rect">
-            <a:avLst/>
-          </a:prstGeom>
-        </p:spPr>
-      </p:pic>
-      <p:pic>
-        <p:nvPicPr>
-          <p:cNvPr id="6" name="Picture 5"/>
-          <p:cNvPicPr>
-            <a:picLocks noChangeAspect="1"/>
-          </p:cNvPicPr>
-          <p:nvPr/>
-        </p:nvPicPr>
-        <p:blipFill>
-          <a:blip r:embed="rId4"/>
-          <a:stretch>
-            <a:fillRect/>
-          </a:stretch>
-        </p:blipFill>
-        <p:spPr>
-          <a:xfrm>
-            <a:off x="2962417" y="3826963"/>
-            <a:ext cx="1019317" cy="1019317"/>
-          </a:xfrm>
-          <a:prstGeom prst="rect">
-            <a:avLst/>
-          </a:prstGeom>
-        </p:spPr>
-      </p:pic>
-      <p:pic>
-        <p:nvPicPr>
-          <p:cNvPr id="8" name="Picture 7"/>
-          <p:cNvPicPr>
-            <a:picLocks noChangeAspect="1"/>
-          </p:cNvPicPr>
-          <p:nvPr/>
-        </p:nvPicPr>
-        <p:blipFill>
-          <a:blip r:embed="rId4"/>
-          <a:stretch>
-            <a:fillRect/>
-          </a:stretch>
-        </p:blipFill>
-        <p:spPr>
-          <a:xfrm>
-            <a:off x="1852541" y="2763218"/>
-            <a:ext cx="1019317" cy="1019317"/>
-          </a:xfrm>
-          <a:prstGeom prst="rect">
-            <a:avLst/>
-          </a:prstGeom>
-        </p:spPr>
-      </p:pic>
-      <p:sp>
-        <p:nvSpPr>
-          <p:cNvPr id="9" name="Title 1"/>
-          <p:cNvSpPr txBox="1">
-            <a:spLocks/>
+      <p:sp>
+        <p:nvSpPr>
+          <p:cNvPr id="2" name="Title 1"/>
+          <p:cNvSpPr>
+            <a:spLocks noGrp="1"/>
           </p:cNvSpPr>
-          <p:nvPr/>
-        </p:nvSpPr>
-        <p:spPr>
-          <a:xfrm>
-            <a:off x="3048000" y="916773"/>
-            <a:ext cx="8610600" cy="1293028"/>
-          </a:xfrm>
-          <a:prstGeom prst="rect">
-            <a:avLst/>
-          </a:prstGeom>
-        </p:spPr>
-        <p:txBody>
-          <a:bodyPr vert="horz" lIns="91440" tIns="45720" rIns="91440" bIns="45720" rtlCol="0" anchor="ctr">
+          <p:nvPr>
+            <p:ph type="title"/>
+          </p:nvPr>
+        </p:nvSpPr>
+        <p:spPr/>
+        <p:txBody>
+          <a:bodyPr>
             <a:normAutofit/>
           </a:bodyPr>
-          <a:lstStyle>
-            <a:lvl1pPr algn="r" defTabSz="914400" rtl="0" eaLnBrk="1" latinLnBrk="0" hangingPunct="1">
-              <a:lnSpc>
-                <a:spcPct val="90000"/>
-              </a:lnSpc>
-              <a:spcBef>
-                <a:spcPct val="0"/>
-              </a:spcBef>
-              <a:buNone/>
-              <a:defRPr sz="4000" kern="1200" cap="all" baseline="0">
-                <a:solidFill>
-                  <a:schemeClr val="tx1"/>
-                </a:solidFill>
-                <a:latin typeface="+mj-lt"/>
-                <a:ea typeface="+mj-ea"/>
-                <a:cs typeface="+mj-cs"/>
-              </a:defRPr>
-            </a:lvl1pPr>
-          </a:lstStyle>
-          <a:p>
+          <a:lstStyle/>
+          <a:p>
+            <a:r>
+              <a:rPr lang="pl-PL" dirty="0"/>
+              <a:t>Czemu CQRS to krok wstecz i dwa do przodu</a:t>
+            </a:r>
+          </a:p>
+        </p:txBody>
+      </p:sp>
+      <p:sp>
+        <p:nvSpPr>
+          <p:cNvPr id="5" name="Cloud Callout 4"/>
+          <p:cNvSpPr/>
+          <p:nvPr/>
+        </p:nvSpPr>
+        <p:spPr>
+          <a:xfrm>
+            <a:off x="2801854" y="3121371"/>
+            <a:ext cx="1994080" cy="1336034"/>
+          </a:xfrm>
+          <a:prstGeom prst="cloudCallout">
+            <a:avLst/>
+          </a:prstGeom>
+        </p:spPr>
+        <p:style>
+          <a:lnRef idx="2">
+            <a:schemeClr val="accent1">
+              <a:shade val="50000"/>
+            </a:schemeClr>
+          </a:lnRef>
+          <a:fillRef idx="1">
+            <a:schemeClr val="accent1"/>
+          </a:fillRef>
+          <a:effectRef idx="0">
+            <a:schemeClr val="accent1"/>
+          </a:effectRef>
+          <a:fontRef idx="minor">
+            <a:schemeClr val="lt1"/>
+          </a:fontRef>
+        </p:style>
+        <p:txBody>
+          <a:bodyPr rtlCol="0" anchor="ctr"/>
+          <a:lstStyle/>
+          <a:p>
+            <a:pPr algn="ctr"/>
             <a:r>
               <a:rPr lang="pl-PL" dirty="0" smtClean="0"/>
-              <a:t>Czemu CQRS to krok wstecz i dwa do przodu</a:t>
+              <a:t>Controller</a:t>
             </a:r>
             <a:endParaRPr lang="pl-PL" dirty="0"/>
+          </a:p>
+        </p:txBody>
+      </p:sp>
+      <p:sp>
+        <p:nvSpPr>
+          <p:cNvPr id="6" name="Smiley Face 5"/>
+          <p:cNvSpPr/>
+          <p:nvPr/>
+        </p:nvSpPr>
+        <p:spPr>
+          <a:xfrm>
+            <a:off x="685800" y="3292222"/>
+            <a:ext cx="914400" cy="914400"/>
+          </a:xfrm>
+          <a:prstGeom prst="smileyFace">
+            <a:avLst/>
+          </a:prstGeom>
+        </p:spPr>
+        <p:style>
+          <a:lnRef idx="2">
+            <a:schemeClr val="accent1">
+              <a:shade val="50000"/>
+            </a:schemeClr>
+          </a:lnRef>
+          <a:fillRef idx="1">
+            <a:schemeClr val="accent1"/>
+          </a:fillRef>
+          <a:effectRef idx="0">
+            <a:schemeClr val="accent1"/>
+          </a:effectRef>
+          <a:fontRef idx="minor">
+            <a:schemeClr val="lt1"/>
+          </a:fontRef>
+        </p:style>
+        <p:txBody>
+          <a:bodyPr rtlCol="0" anchor="ctr"/>
+          <a:lstStyle/>
+          <a:p>
+            <a:pPr algn="ctr"/>
+            <a:endParaRPr lang="pl-PL" dirty="0"/>
+          </a:p>
+        </p:txBody>
+      </p:sp>
+      <p:sp>
+        <p:nvSpPr>
+          <p:cNvPr id="7" name="Cube 6"/>
+          <p:cNvSpPr/>
+          <p:nvPr/>
+        </p:nvSpPr>
+        <p:spPr>
+          <a:xfrm>
+            <a:off x="6036264" y="3121371"/>
+            <a:ext cx="1786936" cy="1409263"/>
+          </a:xfrm>
+          <a:prstGeom prst="cube">
+            <a:avLst/>
+          </a:prstGeom>
+        </p:spPr>
+        <p:style>
+          <a:lnRef idx="2">
+            <a:schemeClr val="accent1">
+              <a:shade val="50000"/>
+            </a:schemeClr>
+          </a:lnRef>
+          <a:fillRef idx="1">
+            <a:schemeClr val="accent1"/>
+          </a:fillRef>
+          <a:effectRef idx="0">
+            <a:schemeClr val="accent1"/>
+          </a:effectRef>
+          <a:fontRef idx="minor">
+            <a:schemeClr val="lt1"/>
+          </a:fontRef>
+        </p:style>
+        <p:txBody>
+          <a:bodyPr rtlCol="0" anchor="ctr"/>
+          <a:lstStyle/>
+          <a:p>
+            <a:pPr algn="ctr"/>
+            <a:r>
+              <a:rPr lang="pl-PL" dirty="0" err="1" smtClean="0"/>
+              <a:t>Command</a:t>
+            </a:r>
+            <a:r>
+              <a:rPr lang="pl-PL" dirty="0" smtClean="0"/>
+              <a:t> handler</a:t>
+            </a:r>
+          </a:p>
+          <a:p>
+            <a:pPr algn="ctr"/>
+            <a:endParaRPr lang="pl-PL" dirty="0"/>
+          </a:p>
+        </p:txBody>
+      </p:sp>
+      <p:sp>
+        <p:nvSpPr>
+          <p:cNvPr id="8" name="Can 7"/>
+          <p:cNvSpPr/>
+          <p:nvPr/>
+        </p:nvSpPr>
+        <p:spPr>
+          <a:xfrm>
+            <a:off x="9222347" y="3241253"/>
+            <a:ext cx="914400" cy="1216152"/>
+          </a:xfrm>
+          <a:prstGeom prst="can">
+            <a:avLst/>
+          </a:prstGeom>
+        </p:spPr>
+        <p:style>
+          <a:lnRef idx="2">
+            <a:schemeClr val="accent1">
+              <a:shade val="50000"/>
+            </a:schemeClr>
+          </a:lnRef>
+          <a:fillRef idx="1">
+            <a:schemeClr val="accent1"/>
+          </a:fillRef>
+          <a:effectRef idx="0">
+            <a:schemeClr val="accent1"/>
+          </a:effectRef>
+          <a:fontRef idx="minor">
+            <a:schemeClr val="lt1"/>
+          </a:fontRef>
+        </p:style>
+        <p:txBody>
+          <a:bodyPr rtlCol="0" anchor="ctr"/>
+          <a:lstStyle/>
+          <a:p>
+            <a:pPr algn="ctr"/>
+            <a:r>
+              <a:rPr lang="pl-PL" dirty="0" smtClean="0"/>
+              <a:t>DB</a:t>
+            </a:r>
+          </a:p>
+        </p:txBody>
+      </p:sp>
+      <p:sp>
+        <p:nvSpPr>
+          <p:cNvPr id="9" name="Right Arrow 8"/>
+          <p:cNvSpPr/>
+          <p:nvPr/>
+        </p:nvSpPr>
+        <p:spPr>
+          <a:xfrm>
+            <a:off x="1823446" y="3537521"/>
+            <a:ext cx="978408" cy="484632"/>
+          </a:xfrm>
+          <a:prstGeom prst="rightArrow">
+            <a:avLst/>
+          </a:prstGeom>
+        </p:spPr>
+        <p:style>
+          <a:lnRef idx="2">
+            <a:schemeClr val="accent1">
+              <a:shade val="50000"/>
+            </a:schemeClr>
+          </a:lnRef>
+          <a:fillRef idx="1">
+            <a:schemeClr val="accent1"/>
+          </a:fillRef>
+          <a:effectRef idx="0">
+            <a:schemeClr val="accent1"/>
+          </a:effectRef>
+          <a:fontRef idx="minor">
+            <a:schemeClr val="lt1"/>
+          </a:fontRef>
+        </p:style>
+        <p:txBody>
+          <a:bodyPr rtlCol="0" anchor="ctr"/>
+          <a:lstStyle/>
+          <a:p>
+            <a:pPr algn="ctr"/>
+            <a:endParaRPr lang="pl-PL" dirty="0"/>
+          </a:p>
+        </p:txBody>
+      </p:sp>
+      <p:sp>
+        <p:nvSpPr>
+          <p:cNvPr id="10" name="Right Arrow 9"/>
+          <p:cNvSpPr/>
+          <p:nvPr/>
+        </p:nvSpPr>
+        <p:spPr>
+          <a:xfrm>
+            <a:off x="4823301" y="3507106"/>
+            <a:ext cx="978408" cy="484632"/>
+          </a:xfrm>
+          <a:prstGeom prst="rightArrow">
+            <a:avLst/>
+          </a:prstGeom>
+        </p:spPr>
+        <p:style>
+          <a:lnRef idx="2">
+            <a:schemeClr val="accent1">
+              <a:shade val="50000"/>
+            </a:schemeClr>
+          </a:lnRef>
+          <a:fillRef idx="1">
+            <a:schemeClr val="accent1"/>
+          </a:fillRef>
+          <a:effectRef idx="0">
+            <a:schemeClr val="accent1"/>
+          </a:effectRef>
+          <a:fontRef idx="minor">
+            <a:schemeClr val="lt1"/>
+          </a:fontRef>
+        </p:style>
+        <p:txBody>
+          <a:bodyPr rtlCol="0" anchor="ctr"/>
+          <a:lstStyle/>
+          <a:p>
+            <a:pPr algn="ctr"/>
+            <a:endParaRPr lang="pl-PL" dirty="0"/>
+          </a:p>
+        </p:txBody>
+      </p:sp>
+      <p:sp>
+        <p:nvSpPr>
+          <p:cNvPr id="14" name="Cube 13"/>
+          <p:cNvSpPr/>
+          <p:nvPr/>
+        </p:nvSpPr>
+        <p:spPr>
+          <a:xfrm>
+            <a:off x="6587013" y="4304335"/>
+            <a:ext cx="1409263" cy="1409263"/>
+          </a:xfrm>
+          <a:prstGeom prst="cube">
+            <a:avLst/>
+          </a:prstGeom>
+        </p:spPr>
+        <p:style>
+          <a:lnRef idx="2">
+            <a:schemeClr val="accent1">
+              <a:shade val="50000"/>
+            </a:schemeClr>
+          </a:lnRef>
+          <a:fillRef idx="1">
+            <a:schemeClr val="accent1"/>
+          </a:fillRef>
+          <a:effectRef idx="0">
+            <a:schemeClr val="accent1"/>
+          </a:effectRef>
+          <a:fontRef idx="minor">
+            <a:schemeClr val="lt1"/>
+          </a:fontRef>
+        </p:style>
+        <p:txBody>
+          <a:bodyPr rtlCol="0" anchor="ctr"/>
+          <a:lstStyle/>
+          <a:p>
+            <a:pPr algn="ctr"/>
+            <a:r>
+              <a:rPr lang="pl-PL" sz="1200" dirty="0" smtClean="0"/>
+              <a:t>ORM</a:t>
+            </a:r>
+          </a:p>
+          <a:p>
+            <a:pPr algn="ctr"/>
+            <a:endParaRPr lang="pl-PL" sz="1200" dirty="0"/>
+          </a:p>
+        </p:txBody>
+      </p:sp>
+      <p:sp>
+        <p:nvSpPr>
+          <p:cNvPr id="13" name="TextBox 12"/>
+          <p:cNvSpPr txBox="1"/>
+          <p:nvPr/>
+        </p:nvSpPr>
+        <p:spPr>
+          <a:xfrm>
+            <a:off x="2895600" y="2626870"/>
+            <a:ext cx="1734770" cy="369332"/>
+          </a:xfrm>
+          <a:prstGeom prst="rect">
+            <a:avLst/>
+          </a:prstGeom>
+          <a:noFill/>
+        </p:spPr>
+        <p:txBody>
+          <a:bodyPr wrap="none" rtlCol="0">
+            <a:spAutoFit/>
+          </a:bodyPr>
+          <a:lstStyle/>
+          <a:p>
+            <a:r>
+              <a:rPr lang="pl-PL" dirty="0" err="1" smtClean="0"/>
+              <a:t>UserController</a:t>
+            </a:r>
+            <a:endParaRPr lang="pl-PL" dirty="0"/>
+          </a:p>
+        </p:txBody>
+      </p:sp>
+      <p:sp>
+        <p:nvSpPr>
+          <p:cNvPr id="15" name="TextBox 14"/>
+          <p:cNvSpPr txBox="1"/>
+          <p:nvPr/>
+        </p:nvSpPr>
+        <p:spPr>
+          <a:xfrm>
+            <a:off x="5580103" y="2637540"/>
+            <a:ext cx="3241593" cy="369332"/>
+          </a:xfrm>
+          <a:prstGeom prst="rect">
+            <a:avLst/>
+          </a:prstGeom>
+          <a:noFill/>
+        </p:spPr>
+        <p:txBody>
+          <a:bodyPr wrap="none" rtlCol="0">
+            <a:spAutoFit/>
+          </a:bodyPr>
+          <a:lstStyle/>
+          <a:p>
+            <a:r>
+              <a:rPr lang="pl-PL" dirty="0" err="1" smtClean="0"/>
+              <a:t>AddUserCommandHandler</a:t>
+            </a:r>
+            <a:endParaRPr lang="pl-PL" dirty="0" smtClean="0"/>
+          </a:p>
+        </p:txBody>
+      </p:sp>
+      <p:sp>
+        <p:nvSpPr>
+          <p:cNvPr id="17" name="TextBox 16"/>
+          <p:cNvSpPr txBox="1"/>
+          <p:nvPr/>
+        </p:nvSpPr>
+        <p:spPr>
+          <a:xfrm>
+            <a:off x="6466489" y="5830654"/>
+            <a:ext cx="1382110" cy="369332"/>
+          </a:xfrm>
+          <a:prstGeom prst="rect">
+            <a:avLst/>
+          </a:prstGeom>
+          <a:noFill/>
+        </p:spPr>
+        <p:txBody>
+          <a:bodyPr wrap="none" rtlCol="0">
+            <a:spAutoFit/>
+          </a:bodyPr>
+          <a:lstStyle/>
+          <a:p>
+            <a:r>
+              <a:rPr lang="pl-PL" dirty="0" smtClean="0"/>
+              <a:t>User </a:t>
+            </a:r>
+            <a:r>
+              <a:rPr lang="pl-PL" dirty="0" err="1" smtClean="0"/>
+              <a:t>DbSet</a:t>
+            </a:r>
+            <a:endParaRPr lang="pl-PL" dirty="0" smtClean="0"/>
+          </a:p>
+        </p:txBody>
+      </p:sp>
+      <p:sp>
+        <p:nvSpPr>
+          <p:cNvPr id="18" name="TextBox 17"/>
+          <p:cNvSpPr txBox="1"/>
+          <p:nvPr/>
+        </p:nvSpPr>
+        <p:spPr>
+          <a:xfrm>
+            <a:off x="8952552" y="2686812"/>
+            <a:ext cx="1317990" cy="369332"/>
+          </a:xfrm>
+          <a:prstGeom prst="rect">
+            <a:avLst/>
+          </a:prstGeom>
+          <a:noFill/>
+        </p:spPr>
+        <p:txBody>
+          <a:bodyPr wrap="none" rtlCol="0">
+            <a:spAutoFit/>
+          </a:bodyPr>
+          <a:lstStyle/>
+          <a:p>
+            <a:r>
+              <a:rPr lang="pl-PL" dirty="0" smtClean="0"/>
+              <a:t>User </a:t>
+            </a:r>
+            <a:r>
+              <a:rPr lang="pl-PL" dirty="0" err="1" smtClean="0"/>
+              <a:t>Table</a:t>
+            </a:r>
+            <a:endParaRPr lang="pl-PL" dirty="0" smtClean="0"/>
+          </a:p>
+        </p:txBody>
+      </p:sp>
+      <p:sp>
+        <p:nvSpPr>
+          <p:cNvPr id="19" name="Down Arrow 18"/>
+          <p:cNvSpPr/>
+          <p:nvPr/>
+        </p:nvSpPr>
+        <p:spPr>
+          <a:xfrm>
+            <a:off x="6870845" y="4123579"/>
+            <a:ext cx="419968" cy="783060"/>
+          </a:xfrm>
+          <a:prstGeom prst="downArrow">
+            <a:avLst/>
+          </a:prstGeom>
+        </p:spPr>
+        <p:style>
+          <a:lnRef idx="2">
+            <a:schemeClr val="accent6">
+              <a:shade val="50000"/>
+            </a:schemeClr>
+          </a:lnRef>
+          <a:fillRef idx="1">
+            <a:schemeClr val="accent6"/>
+          </a:fillRef>
+          <a:effectRef idx="0">
+            <a:schemeClr val="accent6"/>
+          </a:effectRef>
+          <a:fontRef idx="minor">
+            <a:schemeClr val="lt1"/>
+          </a:fontRef>
+        </p:style>
+        <p:txBody>
+          <a:bodyPr rtlCol="0" anchor="ctr"/>
+          <a:lstStyle/>
+          <a:p>
+            <a:pPr algn="ctr"/>
+            <a:endParaRPr lang="pl-PL"/>
+          </a:p>
+        </p:txBody>
+      </p:sp>
+      <p:sp>
+        <p:nvSpPr>
+          <p:cNvPr id="21" name="Down Arrow 20"/>
+          <p:cNvSpPr/>
+          <p:nvPr/>
+        </p:nvSpPr>
+        <p:spPr>
+          <a:xfrm rot="14277274">
+            <a:off x="8399327" y="4200824"/>
+            <a:ext cx="419968" cy="783060"/>
+          </a:xfrm>
+          <a:prstGeom prst="downArrow">
+            <a:avLst/>
+          </a:prstGeom>
+        </p:spPr>
+        <p:style>
+          <a:lnRef idx="2">
+            <a:schemeClr val="accent6">
+              <a:shade val="50000"/>
+            </a:schemeClr>
+          </a:lnRef>
+          <a:fillRef idx="1">
+            <a:schemeClr val="accent6"/>
+          </a:fillRef>
+          <a:effectRef idx="0">
+            <a:schemeClr val="accent6"/>
+          </a:effectRef>
+          <a:fontRef idx="minor">
+            <a:schemeClr val="lt1"/>
+          </a:fontRef>
+        </p:style>
+        <p:txBody>
+          <a:bodyPr rtlCol="0" anchor="ctr"/>
+          <a:lstStyle/>
+          <a:p>
+            <a:pPr algn="ctr"/>
+            <a:endParaRPr lang="pl-PL"/>
+          </a:p>
+        </p:txBody>
+      </p:sp>
+      <p:sp>
+        <p:nvSpPr>
+          <p:cNvPr id="3" name="Rectangle 2"/>
+          <p:cNvSpPr/>
+          <p:nvPr/>
+        </p:nvSpPr>
+        <p:spPr>
+          <a:xfrm>
+            <a:off x="3390900" y="4252205"/>
+            <a:ext cx="2449599" cy="570098"/>
+          </a:xfrm>
+          <a:prstGeom prst="rect">
+            <a:avLst/>
+          </a:prstGeom>
+        </p:spPr>
+        <p:style>
+          <a:lnRef idx="1">
+            <a:schemeClr val="accent5"/>
+          </a:lnRef>
+          <a:fillRef idx="2">
+            <a:schemeClr val="accent5"/>
+          </a:fillRef>
+          <a:effectRef idx="1">
+            <a:schemeClr val="accent5"/>
+          </a:effectRef>
+          <a:fontRef idx="minor">
+            <a:schemeClr val="dk1"/>
+          </a:fontRef>
+        </p:style>
+        <p:txBody>
+          <a:bodyPr rtlCol="0" anchor="ctr"/>
+          <a:lstStyle/>
+          <a:p>
+            <a:pPr algn="ctr"/>
+            <a:r>
+              <a:rPr lang="pl-PL" dirty="0" err="1" smtClean="0"/>
+              <a:t>AddUserCommand</a:t>
+            </a:r>
+            <a:endParaRPr lang="pl-PL" dirty="0"/>
+          </a:p>
+        </p:txBody>
+      </p:sp>
+      <p:sp>
+        <p:nvSpPr>
+          <p:cNvPr id="22" name="Rectangle 21"/>
+          <p:cNvSpPr/>
+          <p:nvPr/>
+        </p:nvSpPr>
+        <p:spPr>
+          <a:xfrm>
+            <a:off x="7531821" y="4868368"/>
+            <a:ext cx="2518451" cy="570098"/>
+          </a:xfrm>
+          <a:prstGeom prst="rect">
+            <a:avLst/>
+          </a:prstGeom>
+        </p:spPr>
+        <p:style>
+          <a:lnRef idx="1">
+            <a:schemeClr val="accent5"/>
+          </a:lnRef>
+          <a:fillRef idx="2">
+            <a:schemeClr val="accent5"/>
+          </a:fillRef>
+          <a:effectRef idx="1">
+            <a:schemeClr val="accent5"/>
+          </a:effectRef>
+          <a:fontRef idx="minor">
+            <a:schemeClr val="dk1"/>
+          </a:fontRef>
+        </p:style>
+        <p:txBody>
+          <a:bodyPr rtlCol="0" anchor="ctr"/>
+          <a:lstStyle/>
+          <a:p>
+            <a:pPr algn="ctr"/>
+            <a:r>
+              <a:rPr lang="pl-PL" dirty="0" err="1" smtClean="0"/>
+              <a:t>UserWriteModel</a:t>
+            </a:r>
+            <a:endParaRPr lang="pl-PL" dirty="0"/>
+          </a:p>
+        </p:txBody>
+      </p:sp>
+      <p:sp>
+        <p:nvSpPr>
+          <p:cNvPr id="20" name="Rectangle 19"/>
+          <p:cNvSpPr/>
+          <p:nvPr/>
+        </p:nvSpPr>
+        <p:spPr>
+          <a:xfrm>
+            <a:off x="7912214" y="5354781"/>
+            <a:ext cx="2518451" cy="570098"/>
+          </a:xfrm>
+          <a:prstGeom prst="rect">
+            <a:avLst/>
+          </a:prstGeom>
+        </p:spPr>
+        <p:style>
+          <a:lnRef idx="1">
+            <a:schemeClr val="accent5"/>
+          </a:lnRef>
+          <a:fillRef idx="2">
+            <a:schemeClr val="accent5"/>
+          </a:fillRef>
+          <a:effectRef idx="1">
+            <a:schemeClr val="accent5"/>
+          </a:effectRef>
+          <a:fontRef idx="minor">
+            <a:schemeClr val="dk1"/>
+          </a:fontRef>
+        </p:style>
+        <p:txBody>
+          <a:bodyPr rtlCol="0" anchor="ctr"/>
+          <a:lstStyle/>
+          <a:p>
+            <a:pPr algn="ctr"/>
+            <a:r>
+              <a:rPr lang="pl-PL" dirty="0" err="1" smtClean="0"/>
+              <a:t>AccountWriteModel</a:t>
+            </a:r>
+            <a:endParaRPr lang="pl-PL" dirty="0"/>
+          </a:p>
+        </p:txBody>
+      </p:sp>
+      <p:sp>
+        <p:nvSpPr>
+          <p:cNvPr id="23" name="Can 22"/>
+          <p:cNvSpPr/>
+          <p:nvPr/>
+        </p:nvSpPr>
+        <p:spPr>
+          <a:xfrm>
+            <a:off x="9994546" y="3396800"/>
+            <a:ext cx="914400" cy="1216152"/>
+          </a:xfrm>
+          <a:prstGeom prst="can">
+            <a:avLst/>
+          </a:prstGeom>
+        </p:spPr>
+        <p:style>
+          <a:lnRef idx="2">
+            <a:schemeClr val="accent1">
+              <a:shade val="50000"/>
+            </a:schemeClr>
+          </a:lnRef>
+          <a:fillRef idx="1">
+            <a:schemeClr val="accent1"/>
+          </a:fillRef>
+          <a:effectRef idx="0">
+            <a:schemeClr val="accent1"/>
+          </a:effectRef>
+          <a:fontRef idx="minor">
+            <a:schemeClr val="lt1"/>
+          </a:fontRef>
+        </p:style>
+        <p:txBody>
+          <a:bodyPr rtlCol="0" anchor="ctr"/>
+          <a:lstStyle/>
+          <a:p>
+            <a:pPr algn="ctr"/>
+            <a:r>
+              <a:rPr lang="pl-PL" dirty="0" smtClean="0"/>
+              <a:t>DB</a:t>
+            </a:r>
+          </a:p>
+        </p:txBody>
+      </p:sp>
+      <p:sp>
+        <p:nvSpPr>
+          <p:cNvPr id="24" name="TextBox 23"/>
+          <p:cNvSpPr txBox="1"/>
+          <p:nvPr/>
+        </p:nvSpPr>
+        <p:spPr>
+          <a:xfrm>
+            <a:off x="10270542" y="2945402"/>
+            <a:ext cx="1838965" cy="369332"/>
+          </a:xfrm>
+          <a:prstGeom prst="rect">
+            <a:avLst/>
+          </a:prstGeom>
+          <a:noFill/>
+        </p:spPr>
+        <p:txBody>
+          <a:bodyPr wrap="none" rtlCol="0">
+            <a:spAutoFit/>
+          </a:bodyPr>
+          <a:lstStyle/>
+          <a:p>
+            <a:r>
+              <a:rPr lang="pl-PL" dirty="0" err="1" smtClean="0"/>
+              <a:t>Account</a:t>
+            </a:r>
+            <a:r>
+              <a:rPr lang="pl-PL" dirty="0" smtClean="0"/>
+              <a:t> </a:t>
+            </a:r>
+            <a:r>
+              <a:rPr lang="pl-PL" dirty="0" err="1" smtClean="0"/>
+              <a:t>Table</a:t>
+            </a:r>
+            <a:endParaRPr lang="pl-PL" dirty="0" smtClean="0"/>
           </a:p>
         </p:txBody>
       </p:sp>
     </p:spTree>
     <p:extLst>
       <p:ext uri="{BB962C8B-B14F-4D97-AF65-F5344CB8AC3E}">
-        <p14:creationId xmlns:p14="http://schemas.microsoft.com/office/powerpoint/2010/main" val="2294334307"/>
+        <p14:creationId xmlns:p14="http://schemas.microsoft.com/office/powerpoint/2010/main" val="2831635632"/>
       </p:ext>
     </p:extLst>
   </p:cSld>
@@ -13645,321 +14312,46 @@
           </a:p>
         </p:txBody>
       </p:sp>
-      <p:sp>
-        <p:nvSpPr>
-          <p:cNvPr id="5" name="Cloud Callout 4"/>
-          <p:cNvSpPr/>
+      <p:pic>
+        <p:nvPicPr>
+          <p:cNvPr id="4" name="Picture 3"/>
+          <p:cNvPicPr>
+            <a:picLocks noChangeAspect="1"/>
+          </p:cNvPicPr>
           <p:nvPr/>
-        </p:nvSpPr>
-        <p:spPr>
-          <a:xfrm>
-            <a:off x="2801854" y="3121371"/>
-            <a:ext cx="1994080" cy="1336034"/>
-          </a:xfrm>
-          <a:prstGeom prst="cloudCallout">
-            <a:avLst/>
-          </a:prstGeom>
-        </p:spPr>
-        <p:style>
-          <a:lnRef idx="2">
-            <a:schemeClr val="accent1">
-              <a:shade val="50000"/>
-            </a:schemeClr>
-          </a:lnRef>
-          <a:fillRef idx="1">
-            <a:schemeClr val="accent1"/>
-          </a:fillRef>
-          <a:effectRef idx="0">
-            <a:schemeClr val="accent1"/>
-          </a:effectRef>
-          <a:fontRef idx="minor">
-            <a:schemeClr val="lt1"/>
-          </a:fontRef>
-        </p:style>
-        <p:txBody>
-          <a:bodyPr rtlCol="0" anchor="ctr"/>
-          <a:lstStyle/>
-          <a:p>
-            <a:pPr algn="ctr"/>
-            <a:r>
-              <a:rPr lang="pl-PL" dirty="0" smtClean="0"/>
-              <a:t>Controller</a:t>
-            </a:r>
-            <a:endParaRPr lang="pl-PL" dirty="0"/>
-          </a:p>
-        </p:txBody>
-      </p:sp>
-      <p:sp>
-        <p:nvSpPr>
-          <p:cNvPr id="6" name="Smiley Face 5"/>
-          <p:cNvSpPr/>
-          <p:nvPr/>
-        </p:nvSpPr>
-        <p:spPr>
-          <a:xfrm>
-            <a:off x="685800" y="3292222"/>
-            <a:ext cx="914400" cy="914400"/>
-          </a:xfrm>
-          <a:prstGeom prst="smileyFace">
-            <a:avLst/>
-          </a:prstGeom>
-        </p:spPr>
-        <p:style>
-          <a:lnRef idx="2">
-            <a:schemeClr val="accent1">
-              <a:shade val="50000"/>
-            </a:schemeClr>
-          </a:lnRef>
-          <a:fillRef idx="1">
-            <a:schemeClr val="accent1"/>
-          </a:fillRef>
-          <a:effectRef idx="0">
-            <a:schemeClr val="accent1"/>
-          </a:effectRef>
-          <a:fontRef idx="minor">
-            <a:schemeClr val="lt1"/>
-          </a:fontRef>
-        </p:style>
-        <p:txBody>
-          <a:bodyPr rtlCol="0" anchor="ctr"/>
-          <a:lstStyle/>
-          <a:p>
-            <a:pPr algn="ctr"/>
-            <a:endParaRPr lang="pl-PL" dirty="0"/>
-          </a:p>
-        </p:txBody>
-      </p:sp>
-      <p:sp>
-        <p:nvSpPr>
-          <p:cNvPr id="7" name="Cube 6"/>
-          <p:cNvSpPr/>
-          <p:nvPr/>
-        </p:nvSpPr>
-        <p:spPr>
-          <a:xfrm>
-            <a:off x="6036264" y="3121371"/>
-            <a:ext cx="1786936" cy="1409263"/>
-          </a:xfrm>
-          <a:prstGeom prst="cube">
-            <a:avLst/>
-          </a:prstGeom>
-        </p:spPr>
-        <p:style>
-          <a:lnRef idx="2">
-            <a:schemeClr val="accent1">
-              <a:shade val="50000"/>
-            </a:schemeClr>
-          </a:lnRef>
-          <a:fillRef idx="1">
-            <a:schemeClr val="accent1"/>
-          </a:fillRef>
-          <a:effectRef idx="0">
-            <a:schemeClr val="accent1"/>
-          </a:effectRef>
-          <a:fontRef idx="minor">
-            <a:schemeClr val="lt1"/>
-          </a:fontRef>
-        </p:style>
-        <p:txBody>
-          <a:bodyPr rtlCol="0" anchor="ctr"/>
-          <a:lstStyle/>
-          <a:p>
-            <a:pPr algn="ctr"/>
-            <a:r>
-              <a:rPr lang="pl-PL" dirty="0" err="1" smtClean="0"/>
-              <a:t>Command</a:t>
-            </a:r>
-            <a:r>
-              <a:rPr lang="pl-PL" dirty="0" smtClean="0"/>
-              <a:t> handler</a:t>
-            </a:r>
-          </a:p>
-          <a:p>
-            <a:pPr algn="ctr"/>
-            <a:endParaRPr lang="pl-PL" dirty="0"/>
-          </a:p>
-        </p:txBody>
-      </p:sp>
-      <p:sp>
-        <p:nvSpPr>
-          <p:cNvPr id="8" name="Can 7"/>
-          <p:cNvSpPr/>
-          <p:nvPr/>
-        </p:nvSpPr>
-        <p:spPr>
-          <a:xfrm>
-            <a:off x="9222347" y="3241253"/>
-            <a:ext cx="914400" cy="1216152"/>
-          </a:xfrm>
-          <a:prstGeom prst="can">
-            <a:avLst/>
-          </a:prstGeom>
-        </p:spPr>
-        <p:style>
-          <a:lnRef idx="2">
-            <a:schemeClr val="accent1">
-              <a:shade val="50000"/>
-            </a:schemeClr>
-          </a:lnRef>
-          <a:fillRef idx="1">
-            <a:schemeClr val="accent1"/>
-          </a:fillRef>
-          <a:effectRef idx="0">
-            <a:schemeClr val="accent1"/>
-          </a:effectRef>
-          <a:fontRef idx="minor">
-            <a:schemeClr val="lt1"/>
-          </a:fontRef>
-        </p:style>
-        <p:txBody>
-          <a:bodyPr rtlCol="0" anchor="ctr"/>
-          <a:lstStyle/>
-          <a:p>
-            <a:pPr algn="ctr"/>
-            <a:r>
-              <a:rPr lang="pl-PL" dirty="0" smtClean="0"/>
-              <a:t>DB</a:t>
-            </a:r>
-          </a:p>
-        </p:txBody>
-      </p:sp>
-      <p:sp>
-        <p:nvSpPr>
-          <p:cNvPr id="9" name="Right Arrow 8"/>
-          <p:cNvSpPr/>
-          <p:nvPr/>
-        </p:nvSpPr>
-        <p:spPr>
-          <a:xfrm>
-            <a:off x="1823446" y="3537521"/>
-            <a:ext cx="978408" cy="484632"/>
-          </a:xfrm>
-          <a:prstGeom prst="rightArrow">
-            <a:avLst/>
-          </a:prstGeom>
-        </p:spPr>
-        <p:style>
-          <a:lnRef idx="2">
-            <a:schemeClr val="accent1">
-              <a:shade val="50000"/>
-            </a:schemeClr>
-          </a:lnRef>
-          <a:fillRef idx="1">
-            <a:schemeClr val="accent1"/>
-          </a:fillRef>
-          <a:effectRef idx="0">
-            <a:schemeClr val="accent1"/>
-          </a:effectRef>
-          <a:fontRef idx="minor">
-            <a:schemeClr val="lt1"/>
-          </a:fontRef>
-        </p:style>
-        <p:txBody>
-          <a:bodyPr rtlCol="0" anchor="ctr"/>
-          <a:lstStyle/>
-          <a:p>
-            <a:pPr algn="ctr"/>
-            <a:endParaRPr lang="pl-PL" dirty="0"/>
-          </a:p>
-        </p:txBody>
-      </p:sp>
-      <p:sp>
-        <p:nvSpPr>
-          <p:cNvPr id="10" name="Right Arrow 9"/>
-          <p:cNvSpPr/>
-          <p:nvPr/>
-        </p:nvSpPr>
-        <p:spPr>
-          <a:xfrm>
-            <a:off x="4823301" y="3507106"/>
-            <a:ext cx="978408" cy="484632"/>
-          </a:xfrm>
-          <a:prstGeom prst="rightArrow">
-            <a:avLst/>
-          </a:prstGeom>
-        </p:spPr>
-        <p:style>
-          <a:lnRef idx="2">
-            <a:schemeClr val="accent1">
-              <a:shade val="50000"/>
-            </a:schemeClr>
-          </a:lnRef>
-          <a:fillRef idx="1">
-            <a:schemeClr val="accent1"/>
-          </a:fillRef>
-          <a:effectRef idx="0">
-            <a:schemeClr val="accent1"/>
-          </a:effectRef>
-          <a:fontRef idx="minor">
-            <a:schemeClr val="lt1"/>
-          </a:fontRef>
-        </p:style>
-        <p:txBody>
-          <a:bodyPr rtlCol="0" anchor="ctr"/>
-          <a:lstStyle/>
-          <a:p>
-            <a:pPr algn="ctr"/>
-            <a:endParaRPr lang="pl-PL" dirty="0"/>
-          </a:p>
-        </p:txBody>
-      </p:sp>
-      <p:sp>
-        <p:nvSpPr>
-          <p:cNvPr id="14" name="Cube 13"/>
-          <p:cNvSpPr/>
-          <p:nvPr/>
-        </p:nvSpPr>
-        <p:spPr>
-          <a:xfrm>
-            <a:off x="6587013" y="4304335"/>
-            <a:ext cx="1409263" cy="1409263"/>
-          </a:xfrm>
-          <a:prstGeom prst="cube">
-            <a:avLst/>
-          </a:prstGeom>
-        </p:spPr>
-        <p:style>
-          <a:lnRef idx="2">
-            <a:schemeClr val="accent1">
-              <a:shade val="50000"/>
-            </a:schemeClr>
-          </a:lnRef>
-          <a:fillRef idx="1">
-            <a:schemeClr val="accent1"/>
-          </a:fillRef>
-          <a:effectRef idx="0">
-            <a:schemeClr val="accent1"/>
-          </a:effectRef>
-          <a:fontRef idx="minor">
-            <a:schemeClr val="lt1"/>
-          </a:fontRef>
-        </p:style>
-        <p:txBody>
-          <a:bodyPr rtlCol="0" anchor="ctr"/>
-          <a:lstStyle/>
-          <a:p>
-            <a:pPr algn="ctr"/>
-            <a:r>
-              <a:rPr lang="pl-PL" sz="1200" dirty="0" smtClean="0"/>
-              <a:t>ORM</a:t>
-            </a:r>
-          </a:p>
-          <a:p>
-            <a:pPr algn="ctr"/>
-            <a:endParaRPr lang="pl-PL" sz="1200" dirty="0"/>
-          </a:p>
-        </p:txBody>
-      </p:sp>
-      <p:sp>
-        <p:nvSpPr>
-          <p:cNvPr id="13" name="TextBox 12"/>
+        </p:nvPicPr>
+        <p:blipFill>
+          <a:blip r:embed="rId2">
+            <a:extLst>
+              <a:ext uri="{28A0092B-C50C-407E-A947-70E740481C1C}">
+                <a14:useLocalDpi xmlns:a14="http://schemas.microsoft.com/office/drawing/2010/main" val="0"/>
+              </a:ext>
+            </a:extLst>
+          </a:blip>
+          <a:stretch>
+            <a:fillRect/>
+          </a:stretch>
+        </p:blipFill>
+        <p:spPr>
+          <a:xfrm>
+            <a:off x="2641600" y="2338740"/>
+            <a:ext cx="5842000" cy="4146197"/>
+          </a:xfrm>
+          <a:prstGeom prst="rect">
+            <a:avLst/>
+          </a:prstGeom>
+        </p:spPr>
+      </p:pic>
+      <p:sp>
+        <p:nvSpPr>
+          <p:cNvPr id="11" name="TextBox 10"/>
           <p:cNvSpPr txBox="1"/>
           <p:nvPr/>
         </p:nvSpPr>
         <p:spPr>
           <a:xfrm>
-            <a:off x="2895600" y="2626870"/>
-            <a:ext cx="1734770" cy="369332"/>
+            <a:off x="584200" y="1674851"/>
+            <a:ext cx="3602268" cy="523220"/>
           </a:xfrm>
           <a:prstGeom prst="rect">
             <a:avLst/>
@@ -13973,402 +14365,17 @@
           <a:lstStyle/>
           <a:p>
             <a:r>
-              <a:rPr lang="pl-PL" dirty="0" err="1" smtClean="0"/>
-              <a:t>UserController</a:t>
-            </a:r>
-            <a:endParaRPr lang="pl-PL" dirty="0"/>
-          </a:p>
-        </p:txBody>
-      </p:sp>
-      <p:sp>
-        <p:nvSpPr>
-          <p:cNvPr id="15" name="TextBox 14"/>
-          <p:cNvSpPr txBox="1"/>
-          <p:nvPr/>
-        </p:nvSpPr>
-        <p:spPr>
-          <a:xfrm>
-            <a:off x="5580103" y="2637540"/>
-            <a:ext cx="3241593" cy="369332"/>
-          </a:xfrm>
-          <a:prstGeom prst="rect">
-            <a:avLst/>
-          </a:prstGeom>
-          <a:noFill/>
-        </p:spPr>
-        <p:txBody>
-          <a:bodyPr wrap="none" rtlCol="0">
-            <a:spAutoFit/>
-          </a:bodyPr>
-          <a:lstStyle/>
-          <a:p>
-            <a:r>
-              <a:rPr lang="pl-PL" dirty="0" err="1" smtClean="0"/>
-              <a:t>AddUserCommandHandler</a:t>
-            </a:r>
-            <a:endParaRPr lang="pl-PL" dirty="0" smtClean="0"/>
-          </a:p>
-        </p:txBody>
-      </p:sp>
-      <p:sp>
-        <p:nvSpPr>
-          <p:cNvPr id="17" name="TextBox 16"/>
-          <p:cNvSpPr txBox="1"/>
-          <p:nvPr/>
-        </p:nvSpPr>
-        <p:spPr>
-          <a:xfrm>
-            <a:off x="6466489" y="5830654"/>
-            <a:ext cx="1382110" cy="369332"/>
-          </a:xfrm>
-          <a:prstGeom prst="rect">
-            <a:avLst/>
-          </a:prstGeom>
-          <a:noFill/>
-        </p:spPr>
-        <p:txBody>
-          <a:bodyPr wrap="none" rtlCol="0">
-            <a:spAutoFit/>
-          </a:bodyPr>
-          <a:lstStyle/>
-          <a:p>
-            <a:r>
-              <a:rPr lang="pl-PL" dirty="0" smtClean="0"/>
-              <a:t>User </a:t>
-            </a:r>
-            <a:r>
-              <a:rPr lang="pl-PL" dirty="0" err="1" smtClean="0"/>
-              <a:t>DbSet</a:t>
-            </a:r>
-            <a:endParaRPr lang="pl-PL" dirty="0" smtClean="0"/>
-          </a:p>
-        </p:txBody>
-      </p:sp>
-      <p:sp>
-        <p:nvSpPr>
-          <p:cNvPr id="18" name="TextBox 17"/>
-          <p:cNvSpPr txBox="1"/>
-          <p:nvPr/>
-        </p:nvSpPr>
-        <p:spPr>
-          <a:xfrm>
-            <a:off x="8952552" y="2686812"/>
-            <a:ext cx="1317990" cy="369332"/>
-          </a:xfrm>
-          <a:prstGeom prst="rect">
-            <a:avLst/>
-          </a:prstGeom>
-          <a:noFill/>
-        </p:spPr>
-        <p:txBody>
-          <a:bodyPr wrap="none" rtlCol="0">
-            <a:spAutoFit/>
-          </a:bodyPr>
-          <a:lstStyle/>
-          <a:p>
-            <a:r>
-              <a:rPr lang="pl-PL" dirty="0" smtClean="0"/>
-              <a:t>User </a:t>
-            </a:r>
-            <a:r>
-              <a:rPr lang="pl-PL" dirty="0" err="1" smtClean="0"/>
-              <a:t>Table</a:t>
-            </a:r>
-            <a:endParaRPr lang="pl-PL" dirty="0" smtClean="0"/>
-          </a:p>
-        </p:txBody>
-      </p:sp>
-      <p:sp>
-        <p:nvSpPr>
-          <p:cNvPr id="19" name="Down Arrow 18"/>
-          <p:cNvSpPr/>
-          <p:nvPr/>
-        </p:nvSpPr>
-        <p:spPr>
-          <a:xfrm>
-            <a:off x="6870845" y="4123579"/>
-            <a:ext cx="419968" cy="783060"/>
-          </a:xfrm>
-          <a:prstGeom prst="downArrow">
-            <a:avLst/>
-          </a:prstGeom>
-        </p:spPr>
-        <p:style>
-          <a:lnRef idx="2">
-            <a:schemeClr val="accent6">
-              <a:shade val="50000"/>
-            </a:schemeClr>
-          </a:lnRef>
-          <a:fillRef idx="1">
-            <a:schemeClr val="accent6"/>
-          </a:fillRef>
-          <a:effectRef idx="0">
-            <a:schemeClr val="accent6"/>
-          </a:effectRef>
-          <a:fontRef idx="minor">
-            <a:schemeClr val="lt1"/>
-          </a:fontRef>
-        </p:style>
-        <p:txBody>
-          <a:bodyPr rtlCol="0" anchor="ctr"/>
-          <a:lstStyle/>
-          <a:p>
-            <a:pPr algn="ctr"/>
-            <a:endParaRPr lang="pl-PL"/>
-          </a:p>
-        </p:txBody>
-      </p:sp>
-      <p:sp>
-        <p:nvSpPr>
-          <p:cNvPr id="21" name="Down Arrow 20"/>
-          <p:cNvSpPr/>
-          <p:nvPr/>
-        </p:nvSpPr>
-        <p:spPr>
-          <a:xfrm rot="14277274">
-            <a:off x="8399327" y="4200824"/>
-            <a:ext cx="419968" cy="783060"/>
-          </a:xfrm>
-          <a:prstGeom prst="downArrow">
-            <a:avLst/>
-          </a:prstGeom>
-        </p:spPr>
-        <p:style>
-          <a:lnRef idx="2">
-            <a:schemeClr val="accent6">
-              <a:shade val="50000"/>
-            </a:schemeClr>
-          </a:lnRef>
-          <a:fillRef idx="1">
-            <a:schemeClr val="accent6"/>
-          </a:fillRef>
-          <a:effectRef idx="0">
-            <a:schemeClr val="accent6"/>
-          </a:effectRef>
-          <a:fontRef idx="minor">
-            <a:schemeClr val="lt1"/>
-          </a:fontRef>
-        </p:style>
-        <p:txBody>
-          <a:bodyPr rtlCol="0" anchor="ctr"/>
-          <a:lstStyle/>
-          <a:p>
-            <a:pPr algn="ctr"/>
-            <a:endParaRPr lang="pl-PL"/>
-          </a:p>
-        </p:txBody>
-      </p:sp>
-      <p:sp>
-        <p:nvSpPr>
-          <p:cNvPr id="3" name="Rectangle 2"/>
-          <p:cNvSpPr/>
-          <p:nvPr/>
-        </p:nvSpPr>
-        <p:spPr>
-          <a:xfrm>
-            <a:off x="3390900" y="4252205"/>
-            <a:ext cx="2449599" cy="570098"/>
-          </a:xfrm>
-          <a:prstGeom prst="rect">
-            <a:avLst/>
-          </a:prstGeom>
-        </p:spPr>
-        <p:style>
-          <a:lnRef idx="1">
-            <a:schemeClr val="accent5"/>
-          </a:lnRef>
-          <a:fillRef idx="2">
-            <a:schemeClr val="accent5"/>
-          </a:fillRef>
-          <a:effectRef idx="1">
-            <a:schemeClr val="accent5"/>
-          </a:effectRef>
-          <a:fontRef idx="minor">
-            <a:schemeClr val="dk1"/>
-          </a:fontRef>
-        </p:style>
-        <p:txBody>
-          <a:bodyPr rtlCol="0" anchor="ctr"/>
-          <a:lstStyle/>
-          <a:p>
-            <a:pPr algn="ctr"/>
-            <a:r>
-              <a:rPr lang="pl-PL" dirty="0" err="1" smtClean="0"/>
-              <a:t>AddUserCommand</a:t>
-            </a:r>
-            <a:endParaRPr lang="pl-PL" dirty="0"/>
-          </a:p>
-        </p:txBody>
-      </p:sp>
-      <p:sp>
-        <p:nvSpPr>
-          <p:cNvPr id="22" name="Rectangle 21"/>
-          <p:cNvSpPr/>
-          <p:nvPr/>
-        </p:nvSpPr>
-        <p:spPr>
-          <a:xfrm>
-            <a:off x="7531821" y="4868368"/>
-            <a:ext cx="2518451" cy="570098"/>
-          </a:xfrm>
-          <a:prstGeom prst="rect">
-            <a:avLst/>
-          </a:prstGeom>
-        </p:spPr>
-        <p:style>
-          <a:lnRef idx="1">
-            <a:schemeClr val="accent5"/>
-          </a:lnRef>
-          <a:fillRef idx="2">
-            <a:schemeClr val="accent5"/>
-          </a:fillRef>
-          <a:effectRef idx="1">
-            <a:schemeClr val="accent5"/>
-          </a:effectRef>
-          <a:fontRef idx="minor">
-            <a:schemeClr val="dk1"/>
-          </a:fontRef>
-        </p:style>
-        <p:txBody>
-          <a:bodyPr rtlCol="0" anchor="ctr"/>
-          <a:lstStyle/>
-          <a:p>
-            <a:pPr algn="ctr"/>
-            <a:r>
-              <a:rPr lang="pl-PL" dirty="0" err="1" smtClean="0"/>
-              <a:t>UserWriteModel</a:t>
-            </a:r>
-            <a:endParaRPr lang="pl-PL" dirty="0"/>
-          </a:p>
-        </p:txBody>
-      </p:sp>
-      <p:sp>
-        <p:nvSpPr>
-          <p:cNvPr id="20" name="Rectangle 19"/>
-          <p:cNvSpPr/>
-          <p:nvPr/>
-        </p:nvSpPr>
-        <p:spPr>
-          <a:xfrm>
-            <a:off x="7912214" y="5354781"/>
-            <a:ext cx="2518451" cy="570098"/>
-          </a:xfrm>
-          <a:prstGeom prst="rect">
-            <a:avLst/>
-          </a:prstGeom>
-        </p:spPr>
-        <p:style>
-          <a:lnRef idx="1">
-            <a:schemeClr val="accent5"/>
-          </a:lnRef>
-          <a:fillRef idx="2">
-            <a:schemeClr val="accent5"/>
-          </a:fillRef>
-          <a:effectRef idx="1">
-            <a:schemeClr val="accent5"/>
-          </a:effectRef>
-          <a:fontRef idx="minor">
-            <a:schemeClr val="dk1"/>
-          </a:fontRef>
-        </p:style>
-        <p:txBody>
-          <a:bodyPr rtlCol="0" anchor="ctr"/>
-          <a:lstStyle/>
-          <a:p>
-            <a:pPr algn="ctr"/>
-            <a:r>
-              <a:rPr lang="pl-PL" dirty="0" err="1" smtClean="0"/>
-              <a:t>AccountWriteModel</a:t>
-            </a:r>
-            <a:endParaRPr lang="pl-PL" dirty="0"/>
-          </a:p>
-        </p:txBody>
-      </p:sp>
-      <p:sp>
-        <p:nvSpPr>
-          <p:cNvPr id="23" name="Can 22"/>
-          <p:cNvSpPr/>
-          <p:nvPr/>
-        </p:nvSpPr>
-        <p:spPr>
-          <a:xfrm>
-            <a:off x="9994546" y="3396800"/>
-            <a:ext cx="914400" cy="1216152"/>
-          </a:xfrm>
-          <a:prstGeom prst="can">
-            <a:avLst/>
-          </a:prstGeom>
-        </p:spPr>
-        <p:style>
-          <a:lnRef idx="2">
-            <a:schemeClr val="accent1">
-              <a:shade val="50000"/>
-            </a:schemeClr>
-          </a:lnRef>
-          <a:fillRef idx="1">
-            <a:schemeClr val="accent1"/>
-          </a:fillRef>
-          <a:effectRef idx="0">
-            <a:schemeClr val="accent1"/>
-          </a:effectRef>
-          <a:fontRef idx="minor">
-            <a:schemeClr val="lt1"/>
-          </a:fontRef>
-        </p:style>
-        <p:txBody>
-          <a:bodyPr rtlCol="0" anchor="ctr"/>
-          <a:lstStyle/>
-          <a:p>
-            <a:pPr algn="ctr"/>
-            <a:r>
-              <a:rPr lang="pl-PL" dirty="0" smtClean="0"/>
-              <a:t>DB</a:t>
-            </a:r>
-          </a:p>
-        </p:txBody>
-      </p:sp>
-      <p:sp>
-        <p:nvSpPr>
-          <p:cNvPr id="24" name="TextBox 23"/>
-          <p:cNvSpPr txBox="1"/>
-          <p:nvPr/>
-        </p:nvSpPr>
-        <p:spPr>
-          <a:xfrm>
-            <a:off x="10270542" y="2945402"/>
-            <a:ext cx="1838965" cy="369332"/>
-          </a:xfrm>
-          <a:prstGeom prst="rect">
-            <a:avLst/>
-          </a:prstGeom>
-          <a:noFill/>
-        </p:spPr>
-        <p:txBody>
-          <a:bodyPr wrap="none" rtlCol="0">
-            <a:spAutoFit/>
-          </a:bodyPr>
-          <a:lstStyle/>
-          <a:p>
-            <a:r>
-              <a:rPr lang="pl-PL" dirty="0" err="1" smtClean="0"/>
-              <a:t>Account</a:t>
-            </a:r>
-            <a:r>
-              <a:rPr lang="pl-PL" dirty="0" smtClean="0"/>
-              <a:t> </a:t>
-            </a:r>
-            <a:r>
-              <a:rPr lang="pl-PL" dirty="0" err="1" smtClean="0"/>
-              <a:t>Table</a:t>
-            </a:r>
-            <a:endParaRPr lang="pl-PL" dirty="0" smtClean="0"/>
+              <a:rPr lang="pl-PL" sz="2800" dirty="0" smtClean="0"/>
+              <a:t>Moja pierwsza myśl:</a:t>
+            </a:r>
+            <a:endParaRPr lang="pl-PL" sz="2800" dirty="0"/>
           </a:p>
         </p:txBody>
       </p:sp>
     </p:spTree>
     <p:extLst>
       <p:ext uri="{BB962C8B-B14F-4D97-AF65-F5344CB8AC3E}">
-        <p14:creationId xmlns:p14="http://schemas.microsoft.com/office/powerpoint/2010/main" val="2831635632"/>
+        <p14:creationId xmlns:p14="http://schemas.microsoft.com/office/powerpoint/2010/main" val="1335189111"/>
       </p:ext>
     </p:extLst>
   </p:cSld>
@@ -14426,70 +14433,98 @@
           </a:p>
         </p:txBody>
       </p:sp>
-      <p:pic>
-        <p:nvPicPr>
-          <p:cNvPr id="4" name="Picture 3"/>
-          <p:cNvPicPr>
-            <a:picLocks noChangeAspect="1"/>
-          </p:cNvPicPr>
-          <p:nvPr/>
-        </p:nvPicPr>
-        <p:blipFill>
-          <a:blip r:embed="rId2">
-            <a:extLst>
-              <a:ext uri="{28A0092B-C50C-407E-A947-70E740481C1C}">
-                <a14:useLocalDpi xmlns:a14="http://schemas.microsoft.com/office/drawing/2010/main" val="0"/>
-              </a:ext>
-            </a:extLst>
-          </a:blip>
-          <a:stretch>
-            <a:fillRect/>
-          </a:stretch>
-        </p:blipFill>
-        <p:spPr>
-          <a:xfrm>
-            <a:off x="2641600" y="2338740"/>
-            <a:ext cx="5842000" cy="4146197"/>
-          </a:xfrm>
-          <a:prstGeom prst="rect">
-            <a:avLst/>
-          </a:prstGeom>
-        </p:spPr>
-      </p:pic>
-      <p:sp>
-        <p:nvSpPr>
-          <p:cNvPr id="11" name="TextBox 10"/>
-          <p:cNvSpPr txBox="1"/>
-          <p:nvPr/>
-        </p:nvSpPr>
-        <p:spPr>
-          <a:xfrm>
-            <a:off x="584200" y="1674851"/>
-            <a:ext cx="3602268" cy="523220"/>
-          </a:xfrm>
-          <a:prstGeom prst="rect">
-            <a:avLst/>
-          </a:prstGeom>
-          <a:noFill/>
-        </p:spPr>
-        <p:txBody>
-          <a:bodyPr wrap="none" rtlCol="0">
-            <a:spAutoFit/>
+      <p:sp>
+        <p:nvSpPr>
+          <p:cNvPr id="25" name="Content Placeholder 2"/>
+          <p:cNvSpPr>
+            <a:spLocks noGrp="1"/>
+          </p:cNvSpPr>
+          <p:nvPr>
+            <p:ph idx="1"/>
+          </p:nvPr>
+        </p:nvSpPr>
+        <p:spPr>
+          <a:xfrm>
+            <a:off x="685800" y="2194560"/>
+            <a:ext cx="10820400" cy="4024125"/>
+          </a:xfrm>
+        </p:spPr>
+        <p:txBody>
+          <a:bodyPr>
+            <a:normAutofit/>
           </a:bodyPr>
           <a:lstStyle/>
           <a:p>
-            <a:r>
-              <a:rPr lang="pl-PL" sz="2800" dirty="0" smtClean="0"/>
-              <a:t>Moja pierwsza myśl:</a:t>
-            </a:r>
-            <a:endParaRPr lang="pl-PL" sz="2800" dirty="0"/>
+            <a:pPr marL="0" indent="0">
+              <a:buNone/>
+            </a:pPr>
+            <a:r>
+              <a:rPr lang="pl-PL" sz="3600" b="1" dirty="0" smtClean="0"/>
+              <a:t>To krok wstecz bo:</a:t>
+            </a:r>
+          </a:p>
+          <a:p>
+            <a:pPr marL="457200" indent="-457200">
+              <a:buAutoNum type="arabicPeriod"/>
+            </a:pPr>
+            <a:endParaRPr lang="pl-PL" sz="2000" dirty="0" smtClean="0"/>
+          </a:p>
+          <a:p>
+            <a:pPr marL="457200" indent="-457200">
+              <a:buAutoNum type="arabicPeriod"/>
+            </a:pPr>
+            <a:r>
+              <a:rPr lang="pl-PL" sz="2000" dirty="0" smtClean="0"/>
+              <a:t>Upychamy kod w jedno miejsce.</a:t>
+            </a:r>
+          </a:p>
+          <a:p>
+            <a:pPr marL="457200" indent="-457200">
+              <a:buAutoNum type="arabicPeriod"/>
+            </a:pPr>
+            <a:r>
+              <a:rPr lang="pl-PL" sz="2000" dirty="0" smtClean="0"/>
+              <a:t>Ryzykujemy, że w złych rękach powstanie spaghetti </a:t>
+            </a:r>
+            <a:r>
+              <a:rPr lang="pl-PL" sz="2000" dirty="0" err="1" smtClean="0"/>
+              <a:t>code</a:t>
+            </a:r>
+            <a:r>
+              <a:rPr lang="pl-PL" sz="2000" dirty="0" smtClean="0"/>
+              <a:t>.</a:t>
+            </a:r>
+          </a:p>
+          <a:p>
+            <a:pPr marL="457200" indent="-457200">
+              <a:buAutoNum type="arabicPeriod"/>
+            </a:pPr>
+            <a:r>
+              <a:rPr lang="pl-PL" sz="2000" dirty="0" smtClean="0"/>
+              <a:t>Powielanie kodu pomiędzy metodami.</a:t>
+            </a:r>
+          </a:p>
+          <a:p>
+            <a:pPr marL="457200" indent="-457200">
+              <a:buAutoNum type="arabicPeriod"/>
+            </a:pPr>
+            <a:r>
+              <a:rPr lang="pl-PL" sz="2000" dirty="0" smtClean="0"/>
+              <a:t>Brak ścisłego podziału odpowiedzialności.</a:t>
+            </a:r>
+          </a:p>
+          <a:p>
+            <a:pPr marL="457200" indent="-457200">
+              <a:buAutoNum type="arabicPeriod"/>
+            </a:pPr>
+            <a:endParaRPr lang="pl-PL" sz="2000" dirty="0"/>
           </a:p>
         </p:txBody>
       </p:sp>
     </p:spTree>
     <p:extLst>
       <p:ext uri="{BB962C8B-B14F-4D97-AF65-F5344CB8AC3E}">
-        <p14:creationId xmlns:p14="http://schemas.microsoft.com/office/powerpoint/2010/main" val="1335189111"/>
+        <p14:creationId xmlns:p14="http://schemas.microsoft.com/office/powerpoint/2010/main" val="133623970"/>
       </p:ext>
     </p:extLst>
   </p:cSld>
@@ -14574,7 +14609,7 @@
             </a:pPr>
             <a:r>
               <a:rPr lang="pl-PL" sz="3600" b="1" dirty="0" smtClean="0"/>
-              <a:t>To krok wstecz bo:</a:t>
+              <a:t>To dwa kroki do przodu bo:</a:t>
             </a:r>
           </a:p>
           <a:p>
@@ -14589,7 +14624,7 @@
             </a:pPr>
             <a:r>
               <a:rPr lang="pl-PL" sz="2000" dirty="0" smtClean="0"/>
-              <a:t>Upychamy kod w jedno miejsce.</a:t>
+              <a:t>Kod odpowiedzialny za jedną operację biznesową jest w jednym miejscu.</a:t>
             </a:r>
           </a:p>
           <a:p>
@@ -14598,15 +14633,7 @@
             </a:pPr>
             <a:r>
               <a:rPr lang="pl-PL" sz="2000" dirty="0" smtClean="0"/>
-              <a:t>Ryzykujemy, że w złych rękach powstanie spaghetti </a:t>
-            </a:r>
-            <a:r>
-              <a:rPr lang="pl-PL" sz="2000" dirty="0" err="1" smtClean="0"/>
-              <a:t>code</a:t>
-            </a:r>
-            <a:r>
-              <a:rPr lang="pl-PL" sz="2000" dirty="0" smtClean="0"/>
-              <a:t>.</a:t>
+              <a:t>Zmuszamy do myślenia przy programowaniu i zrozumienia logiki biznesowej.</a:t>
             </a:r>
           </a:p>
           <a:p>
@@ -14615,7 +14642,7 @@
             </a:pPr>
             <a:r>
               <a:rPr lang="pl-PL" sz="2000" dirty="0" smtClean="0"/>
-              <a:t>Powielanie kodu pomiędzy metodami.</a:t>
+              <a:t>Zmniejszamy ryzyko kopiuj wklej.</a:t>
             </a:r>
           </a:p>
           <a:p>
@@ -14624,7 +14651,34 @@
             </a:pPr>
             <a:r>
               <a:rPr lang="pl-PL" sz="2000" dirty="0" smtClean="0"/>
-              <a:t>Brak ścisłego podziału odpowiedzialności.</a:t>
+              <a:t>Jest ścisły podział odpowiedzialności.</a:t>
+            </a:r>
+          </a:p>
+          <a:p>
+            <a:pPr marL="457200" indent="-457200">
+              <a:buAutoNum type="arabicPeriod"/>
+            </a:pPr>
+            <a:r>
+              <a:rPr lang="pl-PL" sz="2000" dirty="0" smtClean="0"/>
+              <a:t>Skupiamy się na jednej rzeczy na raz:</a:t>
+            </a:r>
+          </a:p>
+          <a:p>
+            <a:pPr marL="0" indent="0">
+              <a:buNone/>
+            </a:pPr>
+            <a:r>
+              <a:rPr lang="pl-PL" sz="2000" dirty="0" smtClean="0"/>
+              <a:t>- Oprogramowując zapis nie skupiamy się na tym jak my potem to odczytamy</a:t>
+            </a:r>
+          </a:p>
+          <a:p>
+            <a:pPr marL="0" indent="0">
+              <a:buNone/>
+            </a:pPr>
+            <a:r>
+              <a:rPr lang="pl-PL" sz="2000" dirty="0" smtClean="0"/>
+              <a:t>- Analogicznie odczyt oprogramowujemy na podstawie dostępnego modelu zapisu</a:t>
             </a:r>
           </a:p>
           <a:p>
@@ -14638,7 +14692,7 @@
     </p:spTree>
     <p:extLst>
       <p:ext uri="{BB962C8B-B14F-4D97-AF65-F5344CB8AC3E}">
-        <p14:creationId xmlns:p14="http://schemas.microsoft.com/office/powerpoint/2010/main" val="133623970"/>
+        <p14:creationId xmlns:p14="http://schemas.microsoft.com/office/powerpoint/2010/main" val="1447067687"/>
       </p:ext>
     </p:extLst>
   </p:cSld>
@@ -14708,8 +14762,8 @@
         </p:nvSpPr>
         <p:spPr>
           <a:xfrm>
-            <a:off x="685800" y="2194560"/>
-            <a:ext cx="10820400" cy="4024125"/>
+            <a:off x="685800" y="3454400"/>
+            <a:ext cx="10820400" cy="2764285"/>
           </a:xfrm>
         </p:spPr>
         <p:txBody>
@@ -14718,87 +14772,13 @@
           </a:bodyPr>
           <a:lstStyle/>
           <a:p>
-            <a:pPr marL="0" indent="0">
+            <a:pPr marL="0" indent="0" algn="ctr">
               <a:buNone/>
             </a:pPr>
             <a:r>
               <a:rPr lang="pl-PL" sz="3600" b="1" dirty="0" smtClean="0"/>
-              <a:t>To dwa kroki do przodu bo:</a:t>
-            </a:r>
-          </a:p>
-          <a:p>
-            <a:pPr marL="457200" indent="-457200">
-              <a:buAutoNum type="arabicPeriod"/>
-            </a:pPr>
-            <a:endParaRPr lang="pl-PL" sz="2000" dirty="0" smtClean="0"/>
-          </a:p>
-          <a:p>
-            <a:pPr marL="457200" indent="-457200">
-              <a:buAutoNum type="arabicPeriod"/>
-            </a:pPr>
-            <a:r>
-              <a:rPr lang="pl-PL" sz="2000" dirty="0" smtClean="0"/>
-              <a:t>Kod odpowiedzialny za jedną operację biznesową jest w jednym miejscu.</a:t>
-            </a:r>
-          </a:p>
-          <a:p>
-            <a:pPr marL="457200" indent="-457200">
-              <a:buAutoNum type="arabicPeriod"/>
-            </a:pPr>
-            <a:r>
-              <a:rPr lang="pl-PL" sz="2000" dirty="0" smtClean="0"/>
-              <a:t>Zmuszamy do myślenia przy programowaniu i zrozumienia logiki biznesowej.</a:t>
-            </a:r>
-          </a:p>
-          <a:p>
-            <a:pPr marL="457200" indent="-457200">
-              <a:buAutoNum type="arabicPeriod"/>
-            </a:pPr>
-            <a:r>
-              <a:rPr lang="pl-PL" sz="2000" dirty="0" smtClean="0"/>
-              <a:t>Zmniejszamy ryzyko kopiuj wklej.</a:t>
-            </a:r>
-          </a:p>
-          <a:p>
-            <a:pPr marL="457200" indent="-457200">
-              <a:buAutoNum type="arabicPeriod"/>
-            </a:pPr>
-            <a:r>
-              <a:rPr lang="pl-PL" sz="2000" dirty="0" smtClean="0"/>
-              <a:t>Jest ścisły podział odpowiedzialności.</a:t>
-            </a:r>
-          </a:p>
-          <a:p>
-            <a:pPr marL="457200" indent="-457200">
-              <a:buAutoNum type="arabicPeriod"/>
-            </a:pPr>
-            <a:r>
-              <a:rPr lang="pl-PL" sz="2000" dirty="0" smtClean="0"/>
-              <a:t>Skupiamy się na jednej rzeczy na raz:</a:t>
-            </a:r>
-          </a:p>
-          <a:p>
-            <a:pPr marL="0" indent="0">
-              <a:buNone/>
-            </a:pPr>
-            <a:r>
-              <a:rPr lang="pl-PL" sz="2000" dirty="0" smtClean="0"/>
-              <a:t>- Oprogramowując zapis nie skupiamy się na tym jak my potem to odczytamy</a:t>
-            </a:r>
-          </a:p>
-          <a:p>
-            <a:pPr marL="0" indent="0">
-              <a:buNone/>
-            </a:pPr>
-            <a:r>
-              <a:rPr lang="pl-PL" sz="2000" dirty="0" smtClean="0"/>
-              <a:t>- Analogicznie odczyt oprogramowujemy na podstawie dostępnego modelu zapisu</a:t>
-            </a:r>
-          </a:p>
-          <a:p>
-            <a:pPr marL="457200" indent="-457200">
-              <a:buAutoNum type="arabicPeriod"/>
-            </a:pPr>
+              <a:t>PRZYKŁAD</a:t>
+            </a:r>
             <a:endParaRPr lang="pl-PL" sz="2000" dirty="0"/>
           </a:p>
         </p:txBody>
@@ -14806,7 +14786,7 @@
     </p:spTree>
     <p:extLst>
       <p:ext uri="{BB962C8B-B14F-4D97-AF65-F5344CB8AC3E}">
-        <p14:creationId xmlns:p14="http://schemas.microsoft.com/office/powerpoint/2010/main" val="1447067687"/>
+        <p14:creationId xmlns:p14="http://schemas.microsoft.com/office/powerpoint/2010/main" val="326620839"/>
       </p:ext>
     </p:extLst>
   </p:cSld>
@@ -14858,49 +14838,57 @@
           <a:lstStyle/>
           <a:p>
             <a:r>
+              <a:rPr lang="pl-PL" dirty="0" err="1" smtClean="0"/>
+              <a:t>Domain</a:t>
+            </a:r>
+            <a:r>
+              <a:rPr lang="pl-PL" dirty="0" smtClean="0"/>
+              <a:t> </a:t>
+            </a:r>
+            <a:r>
+              <a:rPr lang="pl-PL" dirty="0" err="1"/>
+              <a:t>Driven</a:t>
+            </a:r>
+            <a:r>
               <a:rPr lang="pl-PL" dirty="0"/>
-              <a:t>Czemu CQRS to krok wstecz i dwa do przodu</a:t>
-            </a:r>
-          </a:p>
-        </p:txBody>
-      </p:sp>
-      <p:sp>
-        <p:nvSpPr>
-          <p:cNvPr id="25" name="Content Placeholder 2"/>
-          <p:cNvSpPr>
-            <a:spLocks noGrp="1"/>
-          </p:cNvSpPr>
+              <a:t> Development na ratunek.</a:t>
+            </a:r>
+          </a:p>
+        </p:txBody>
+      </p:sp>
+      <p:pic>
+        <p:nvPicPr>
+          <p:cNvPr id="3" name="Content Placeholder 2"/>
+          <p:cNvPicPr>
+            <a:picLocks noGrp="1" noChangeAspect="1"/>
+          </p:cNvPicPr>
           <p:nvPr>
             <p:ph idx="1"/>
           </p:nvPr>
-        </p:nvSpPr>
-        <p:spPr>
-          <a:xfrm>
-            <a:off x="685800" y="3454400"/>
-            <a:ext cx="10820400" cy="2764285"/>
-          </a:xfrm>
-        </p:spPr>
-        <p:txBody>
-          <a:bodyPr>
-            <a:normAutofit/>
-          </a:bodyPr>
-          <a:lstStyle/>
-          <a:p>
-            <a:pPr marL="0" indent="0" algn="ctr">
-              <a:buNone/>
-            </a:pPr>
-            <a:r>
-              <a:rPr lang="pl-PL" sz="3600" b="1" dirty="0" smtClean="0"/>
-              <a:t>PRZYKŁAD</a:t>
-            </a:r>
-            <a:endParaRPr lang="pl-PL" sz="2000" dirty="0"/>
-          </a:p>
-        </p:txBody>
-      </p:sp>
+        </p:nvPicPr>
+        <p:blipFill>
+          <a:blip r:embed="rId2">
+            <a:extLst>
+              <a:ext uri="{28A0092B-C50C-407E-A947-70E740481C1C}">
+                <a14:useLocalDpi xmlns:a14="http://schemas.microsoft.com/office/drawing/2010/main" val="0"/>
+              </a:ext>
+            </a:extLst>
+          </a:blip>
+          <a:stretch>
+            <a:fillRect/>
+          </a:stretch>
+        </p:blipFill>
+        <p:spPr>
+          <a:xfrm>
+            <a:off x="4465403" y="2193925"/>
+            <a:ext cx="3261193" cy="4024313"/>
+          </a:xfrm>
+        </p:spPr>
+      </p:pic>
     </p:spTree>
     <p:extLst>
       <p:ext uri="{BB962C8B-B14F-4D97-AF65-F5344CB8AC3E}">
-        <p14:creationId xmlns:p14="http://schemas.microsoft.com/office/powerpoint/2010/main" val="326620839"/>
+        <p14:creationId xmlns:p14="http://schemas.microsoft.com/office/powerpoint/2010/main" val="3034597085"/>
       </p:ext>
     </p:extLst>
   </p:cSld>
@@ -14970,15 +14958,218 @@
           </a:p>
         </p:txBody>
       </p:sp>
+      <p:sp>
+        <p:nvSpPr>
+          <p:cNvPr id="5" name="Content Placeholder 2"/>
+          <p:cNvSpPr txBox="1">
+            <a:spLocks/>
+          </p:cNvSpPr>
+          <p:nvPr/>
+        </p:nvSpPr>
+        <p:spPr>
+          <a:xfrm>
+            <a:off x="685800" y="3454400"/>
+            <a:ext cx="10820400" cy="2764285"/>
+          </a:xfrm>
+          <a:prstGeom prst="rect">
+            <a:avLst/>
+          </a:prstGeom>
+        </p:spPr>
+        <p:txBody>
+          <a:bodyPr vert="horz" lIns="91440" tIns="45720" rIns="91440" bIns="45720" rtlCol="0">
+            <a:normAutofit/>
+          </a:bodyPr>
+          <a:lstStyle>
+            <a:lvl1pPr marL="228600" indent="-228600" algn="l" defTabSz="914400" rtl="0" eaLnBrk="1" latinLnBrk="0" hangingPunct="1">
+              <a:lnSpc>
+                <a:spcPct val="90000"/>
+              </a:lnSpc>
+              <a:spcBef>
+                <a:spcPts val="1000"/>
+              </a:spcBef>
+              <a:buFont typeface="Arial" panose="020B0604020202020204" pitchFamily="34" charset="0"/>
+              <a:buChar char="•"/>
+              <a:defRPr sz="2200" kern="1200">
+                <a:solidFill>
+                  <a:schemeClr val="tx1"/>
+                </a:solidFill>
+                <a:latin typeface="+mn-lt"/>
+                <a:ea typeface="+mn-ea"/>
+                <a:cs typeface="+mn-cs"/>
+              </a:defRPr>
+            </a:lvl1pPr>
+            <a:lvl2pPr marL="685800" indent="-228600" algn="l" defTabSz="914400" rtl="0" eaLnBrk="1" latinLnBrk="0" hangingPunct="1">
+              <a:lnSpc>
+                <a:spcPct val="90000"/>
+              </a:lnSpc>
+              <a:spcBef>
+                <a:spcPts val="500"/>
+              </a:spcBef>
+              <a:buFont typeface="Arial" panose="020B0604020202020204" pitchFamily="34" charset="0"/>
+              <a:buChar char="•"/>
+              <a:defRPr sz="2000" kern="1200">
+                <a:solidFill>
+                  <a:schemeClr val="tx1"/>
+                </a:solidFill>
+                <a:latin typeface="+mn-lt"/>
+                <a:ea typeface="+mn-ea"/>
+                <a:cs typeface="+mn-cs"/>
+              </a:defRPr>
+            </a:lvl2pPr>
+            <a:lvl3pPr marL="1143000" indent="-228600" algn="l" defTabSz="914400" rtl="0" eaLnBrk="1" latinLnBrk="0" hangingPunct="1">
+              <a:lnSpc>
+                <a:spcPct val="90000"/>
+              </a:lnSpc>
+              <a:spcBef>
+                <a:spcPts val="500"/>
+              </a:spcBef>
+              <a:buFont typeface="Arial" panose="020B0604020202020204" pitchFamily="34" charset="0"/>
+              <a:buChar char="•"/>
+              <a:defRPr sz="1800" kern="1200">
+                <a:solidFill>
+                  <a:schemeClr val="tx1"/>
+                </a:solidFill>
+                <a:latin typeface="+mn-lt"/>
+                <a:ea typeface="+mn-ea"/>
+                <a:cs typeface="+mn-cs"/>
+              </a:defRPr>
+            </a:lvl3pPr>
+            <a:lvl4pPr marL="1600200" indent="-228600" algn="l" defTabSz="914400" rtl="0" eaLnBrk="1" latinLnBrk="0" hangingPunct="1">
+              <a:lnSpc>
+                <a:spcPct val="90000"/>
+              </a:lnSpc>
+              <a:spcBef>
+                <a:spcPts val="500"/>
+              </a:spcBef>
+              <a:buFont typeface="Arial" panose="020B0604020202020204" pitchFamily="34" charset="0"/>
+              <a:buChar char="•"/>
+              <a:defRPr sz="1600" kern="1200">
+                <a:solidFill>
+                  <a:schemeClr val="tx1"/>
+                </a:solidFill>
+                <a:latin typeface="+mn-lt"/>
+                <a:ea typeface="+mn-ea"/>
+                <a:cs typeface="+mn-cs"/>
+              </a:defRPr>
+            </a:lvl4pPr>
+            <a:lvl5pPr marL="2057400" indent="-228600" algn="l" defTabSz="914400" rtl="0" eaLnBrk="1" latinLnBrk="0" hangingPunct="1">
+              <a:lnSpc>
+                <a:spcPct val="90000"/>
+              </a:lnSpc>
+              <a:spcBef>
+                <a:spcPts val="500"/>
+              </a:spcBef>
+              <a:buFont typeface="Arial" panose="020B0604020202020204" pitchFamily="34" charset="0"/>
+              <a:buChar char="•"/>
+              <a:defRPr sz="1600" kern="1200">
+                <a:solidFill>
+                  <a:schemeClr val="tx1"/>
+                </a:solidFill>
+                <a:latin typeface="+mn-lt"/>
+                <a:ea typeface="+mn-ea"/>
+                <a:cs typeface="+mn-cs"/>
+              </a:defRPr>
+            </a:lvl5pPr>
+            <a:lvl6pPr marL="2514600" indent="-228600" algn="l" defTabSz="914400" rtl="0" eaLnBrk="1" latinLnBrk="0" hangingPunct="1">
+              <a:lnSpc>
+                <a:spcPct val="90000"/>
+              </a:lnSpc>
+              <a:spcBef>
+                <a:spcPts val="500"/>
+              </a:spcBef>
+              <a:buFont typeface="Arial" panose="020B0604020202020204" pitchFamily="34" charset="0"/>
+              <a:buChar char="•"/>
+              <a:defRPr sz="1600" kern="1200">
+                <a:solidFill>
+                  <a:schemeClr val="tx1"/>
+                </a:solidFill>
+                <a:latin typeface="+mn-lt"/>
+                <a:ea typeface="+mn-ea"/>
+                <a:cs typeface="+mn-cs"/>
+              </a:defRPr>
+            </a:lvl6pPr>
+            <a:lvl7pPr marL="2971800" indent="-228600" algn="l" defTabSz="914400" rtl="0" eaLnBrk="1" latinLnBrk="0" hangingPunct="1">
+              <a:lnSpc>
+                <a:spcPct val="90000"/>
+              </a:lnSpc>
+              <a:spcBef>
+                <a:spcPts val="500"/>
+              </a:spcBef>
+              <a:buFont typeface="Arial" panose="020B0604020202020204" pitchFamily="34" charset="0"/>
+              <a:buChar char="•"/>
+              <a:defRPr sz="1600" kern="1200">
+                <a:solidFill>
+                  <a:schemeClr val="tx1"/>
+                </a:solidFill>
+                <a:latin typeface="+mn-lt"/>
+                <a:ea typeface="+mn-ea"/>
+                <a:cs typeface="+mn-cs"/>
+              </a:defRPr>
+            </a:lvl7pPr>
+            <a:lvl8pPr marL="3429000" indent="-228600" algn="l" defTabSz="914400" rtl="0" eaLnBrk="1" latinLnBrk="0" hangingPunct="1">
+              <a:lnSpc>
+                <a:spcPct val="90000"/>
+              </a:lnSpc>
+              <a:spcBef>
+                <a:spcPts val="500"/>
+              </a:spcBef>
+              <a:buFont typeface="Arial" panose="020B0604020202020204" pitchFamily="34" charset="0"/>
+              <a:buChar char="•"/>
+              <a:defRPr sz="1600" kern="1200">
+                <a:solidFill>
+                  <a:schemeClr val="tx1"/>
+                </a:solidFill>
+                <a:latin typeface="+mn-lt"/>
+                <a:ea typeface="+mn-ea"/>
+                <a:cs typeface="+mn-cs"/>
+              </a:defRPr>
+            </a:lvl8pPr>
+            <a:lvl9pPr marL="3886200" indent="-228600" algn="l" defTabSz="914400" rtl="0" eaLnBrk="1" latinLnBrk="0" hangingPunct="1">
+              <a:lnSpc>
+                <a:spcPct val="90000"/>
+              </a:lnSpc>
+              <a:spcBef>
+                <a:spcPts val="500"/>
+              </a:spcBef>
+              <a:buFont typeface="Arial" panose="020B0604020202020204" pitchFamily="34" charset="0"/>
+              <a:buChar char="•"/>
+              <a:defRPr sz="1600" kern="1200">
+                <a:solidFill>
+                  <a:schemeClr val="tx1"/>
+                </a:solidFill>
+                <a:latin typeface="+mn-lt"/>
+                <a:ea typeface="+mn-ea"/>
+                <a:cs typeface="+mn-cs"/>
+              </a:defRPr>
+            </a:lvl9pPr>
+          </a:lstStyle>
+          <a:p>
+            <a:pPr marL="0" indent="0">
+              <a:buNone/>
+            </a:pPr>
+            <a:r>
+              <a:rPr lang="pl-PL" sz="3600" b="1" dirty="0" err="1"/>
+              <a:t>Ubiquitous</a:t>
+            </a:r>
+            <a:r>
+              <a:rPr lang="pl-PL" sz="3600" b="1" dirty="0"/>
+              <a:t> </a:t>
+            </a:r>
+            <a:r>
+              <a:rPr lang="pl-PL" sz="3600" b="1" dirty="0" smtClean="0"/>
+              <a:t>Language</a:t>
+            </a:r>
+            <a:endParaRPr lang="pl-PL" sz="3600" b="1" dirty="0"/>
+          </a:p>
+        </p:txBody>
+      </p:sp>
       <p:pic>
         <p:nvPicPr>
-          <p:cNvPr id="3" name="Content Placeholder 2"/>
+          <p:cNvPr id="6" name="Picture 5"/>
           <p:cNvPicPr>
-            <a:picLocks noGrp="1" noChangeAspect="1"/>
+            <a:picLocks noChangeAspect="1"/>
           </p:cNvPicPr>
-          <p:nvPr>
-            <p:ph idx="1"/>
-          </p:nvPr>
+          <p:nvPr/>
         </p:nvPicPr>
         <p:blipFill>
           <a:blip r:embed="rId2">
@@ -14994,15 +15185,47 @@
         </p:blipFill>
         <p:spPr>
           <a:xfrm>
-            <a:off x="4465403" y="2193925"/>
-            <a:ext cx="3261193" cy="4024313"/>
-          </a:xfrm>
+            <a:off x="6489700" y="2446785"/>
+            <a:ext cx="4772025" cy="3771900"/>
+          </a:xfrm>
+          <a:prstGeom prst="rect">
+            <a:avLst/>
+          </a:prstGeom>
         </p:spPr>
       </p:pic>
+      <p:sp>
+        <p:nvSpPr>
+          <p:cNvPr id="7" name="TextBox 6"/>
+          <p:cNvSpPr txBox="1"/>
+          <p:nvPr/>
+        </p:nvSpPr>
+        <p:spPr>
+          <a:xfrm>
+            <a:off x="4930076" y="6334077"/>
+            <a:ext cx="7261924" cy="307777"/>
+          </a:xfrm>
+          <a:prstGeom prst="rect">
+            <a:avLst/>
+          </a:prstGeom>
+          <a:noFill/>
+        </p:spPr>
+        <p:txBody>
+          <a:bodyPr wrap="none" rtlCol="0">
+            <a:spAutoFit/>
+          </a:bodyPr>
+          <a:lstStyle/>
+          <a:p>
+            <a:r>
+              <a:rPr lang="pl-PL" sz="1400" dirty="0"/>
+              <a:t>Źródło: http://www.userdrivendev.com/p/user-language-inside-source-code.html</a:t>
+            </a:r>
+          </a:p>
+        </p:txBody>
+      </p:sp>
     </p:spTree>
     <p:extLst>
       <p:ext uri="{BB962C8B-B14F-4D97-AF65-F5344CB8AC3E}">
-        <p14:creationId xmlns:p14="http://schemas.microsoft.com/office/powerpoint/2010/main" val="3034597085"/>
+        <p14:creationId xmlns:p14="http://schemas.microsoft.com/office/powerpoint/2010/main" val="1071243195"/>
       </p:ext>
     </p:extLst>
   </p:cSld>
@@ -15262,16 +15485,16 @@
               <a:buNone/>
             </a:pPr>
             <a:r>
-              <a:rPr lang="pl-PL" sz="3600" b="1" dirty="0" err="1"/>
-              <a:t>Ubiquitous</a:t>
-            </a:r>
-            <a:r>
-              <a:rPr lang="pl-PL" sz="3600" b="1" dirty="0"/>
+              <a:rPr lang="pl-PL" sz="3600" b="1" dirty="0" err="1" smtClean="0"/>
+              <a:t>Bounded</a:t>
+            </a:r>
+            <a:r>
+              <a:rPr lang="pl-PL" sz="3600" b="1" dirty="0" smtClean="0"/>
               <a:t> </a:t>
             </a:r>
             <a:r>
-              <a:rPr lang="pl-PL" sz="3600" b="1" dirty="0" smtClean="0"/>
-              <a:t>Language</a:t>
+              <a:rPr lang="pl-PL" sz="3600" b="1" dirty="0" err="1" smtClean="0"/>
+              <a:t>Contexts</a:t>
             </a:r>
             <a:endParaRPr lang="pl-PL" sz="3600" b="1" dirty="0"/>
           </a:p>
@@ -15279,7 +15502,7 @@
       </p:sp>
       <p:pic>
         <p:nvPicPr>
-          <p:cNvPr id="6" name="Picture 5"/>
+          <p:cNvPr id="3" name="Picture 2"/>
           <p:cNvPicPr>
             <a:picLocks noChangeAspect="1"/>
           </p:cNvPicPr>
@@ -15299,8 +15522,8 @@
         </p:blipFill>
         <p:spPr>
           <a:xfrm>
-            <a:off x="6489700" y="2446785"/>
-            <a:ext cx="4772025" cy="3771900"/>
+            <a:off x="5365750" y="2751585"/>
+            <a:ext cx="5981700" cy="3467100"/>
           </a:xfrm>
           <a:prstGeom prst="rect">
             <a:avLst/>
@@ -15309,14 +15532,14 @@
       </p:pic>
       <p:sp>
         <p:nvSpPr>
-          <p:cNvPr id="7" name="TextBox 6"/>
+          <p:cNvPr id="6" name="TextBox 5"/>
           <p:cNvSpPr txBox="1"/>
           <p:nvPr/>
         </p:nvSpPr>
         <p:spPr>
           <a:xfrm>
             <a:off x="4930076" y="6334077"/>
-            <a:ext cx="7261924" cy="307777"/>
+            <a:ext cx="5516254" cy="307777"/>
           </a:xfrm>
           <a:prstGeom prst="rect">
             <a:avLst/>
@@ -15331,7 +15554,7 @@
           <a:p>
             <a:r>
               <a:rPr lang="pl-PL" sz="1400" dirty="0"/>
-              <a:t>Źródło: http://www.userdrivendev.com/p/user-language-inside-source-code.html</a:t>
+              <a:t>Źródło: https://www.infoq.com/articles/ddd-contextmapping</a:t>
             </a:r>
           </a:p>
         </p:txBody>
@@ -15339,7 +15562,7 @@
     </p:spTree>
     <p:extLst>
       <p:ext uri="{BB962C8B-B14F-4D97-AF65-F5344CB8AC3E}">
-        <p14:creationId xmlns:p14="http://schemas.microsoft.com/office/powerpoint/2010/main" val="1071243195"/>
+        <p14:creationId xmlns:p14="http://schemas.microsoft.com/office/powerpoint/2010/main" val="808058853"/>
       </p:ext>
     </p:extLst>
   </p:cSld>
@@ -16012,88 +16235,41 @@
             </a:lvl9pPr>
           </a:lstStyle>
           <a:p>
-            <a:pPr marL="0" indent="0">
+            <a:pPr marL="0" indent="0" algn="ctr">
               <a:buNone/>
             </a:pPr>
             <a:r>
               <a:rPr lang="pl-PL" sz="3600" b="1" dirty="0" err="1" smtClean="0"/>
-              <a:t>Bounded</a:t>
-            </a:r>
+              <a:t>Aggregates</a:t>
+            </a:r>
+            <a:endParaRPr lang="pl-PL" sz="3600" b="1" dirty="0" smtClean="0"/>
+          </a:p>
+          <a:p>
+            <a:pPr marL="0" indent="0" algn="ctr">
+              <a:buNone/>
+            </a:pPr>
+            <a:r>
+              <a:rPr lang="pl-PL" sz="3600" b="1" dirty="0" err="1" smtClean="0"/>
+              <a:t>Entities</a:t>
+            </a:r>
+            <a:endParaRPr lang="pl-PL" sz="3600" b="1" dirty="0" smtClean="0"/>
+          </a:p>
+          <a:p>
+            <a:pPr marL="0" indent="0" algn="ctr">
+              <a:buNone/>
+            </a:pPr>
             <a:r>
               <a:rPr lang="pl-PL" sz="3600" b="1" dirty="0" smtClean="0"/>
-              <a:t> </a:t>
-            </a:r>
-            <a:r>
-              <a:rPr lang="pl-PL" sz="3600" b="1" dirty="0" err="1" smtClean="0"/>
-              <a:t>Contexts</a:t>
+              <a:t>Value Objects</a:t>
             </a:r>
             <a:endParaRPr lang="pl-PL" sz="3600" b="1" dirty="0"/>
-          </a:p>
-        </p:txBody>
-      </p:sp>
-      <p:pic>
-        <p:nvPicPr>
-          <p:cNvPr id="3" name="Picture 2"/>
-          <p:cNvPicPr>
-            <a:picLocks noChangeAspect="1"/>
-          </p:cNvPicPr>
-          <p:nvPr/>
-        </p:nvPicPr>
-        <p:blipFill>
-          <a:blip r:embed="rId2">
-            <a:extLst>
-              <a:ext uri="{28A0092B-C50C-407E-A947-70E740481C1C}">
-                <a14:useLocalDpi xmlns:a14="http://schemas.microsoft.com/office/drawing/2010/main" val="0"/>
-              </a:ext>
-            </a:extLst>
-          </a:blip>
-          <a:stretch>
-            <a:fillRect/>
-          </a:stretch>
-        </p:blipFill>
-        <p:spPr>
-          <a:xfrm>
-            <a:off x="5365750" y="2751585"/>
-            <a:ext cx="5981700" cy="3467100"/>
-          </a:xfrm>
-          <a:prstGeom prst="rect">
-            <a:avLst/>
-          </a:prstGeom>
-        </p:spPr>
-      </p:pic>
-      <p:sp>
-        <p:nvSpPr>
-          <p:cNvPr id="6" name="TextBox 5"/>
-          <p:cNvSpPr txBox="1"/>
-          <p:nvPr/>
-        </p:nvSpPr>
-        <p:spPr>
-          <a:xfrm>
-            <a:off x="4930076" y="6334077"/>
-            <a:ext cx="5516254" cy="307777"/>
-          </a:xfrm>
-          <a:prstGeom prst="rect">
-            <a:avLst/>
-          </a:prstGeom>
-          <a:noFill/>
-        </p:spPr>
-        <p:txBody>
-          <a:bodyPr wrap="none" rtlCol="0">
-            <a:spAutoFit/>
-          </a:bodyPr>
-          <a:lstStyle/>
-          <a:p>
-            <a:r>
-              <a:rPr lang="pl-PL" sz="1400" dirty="0"/>
-              <a:t>Źródło: https://www.infoq.com/articles/ddd-contextmapping</a:t>
-            </a:r>
           </a:p>
         </p:txBody>
       </p:sp>
     </p:spTree>
     <p:extLst>
       <p:ext uri="{BB962C8B-B14F-4D97-AF65-F5344CB8AC3E}">
-        <p14:creationId xmlns:p14="http://schemas.microsoft.com/office/powerpoint/2010/main" val="808058853"/>
+        <p14:creationId xmlns:p14="http://schemas.microsoft.com/office/powerpoint/2010/main" val="2210177878"/>
       </p:ext>
     </p:extLst>
   </p:cSld>
@@ -16353,8 +16529,21 @@
               <a:buNone/>
             </a:pPr>
             <a:r>
+              <a:rPr lang="pl-PL" sz="3600" b="1" dirty="0" smtClean="0"/>
+              <a:t>User Interface</a:t>
+            </a:r>
+          </a:p>
+          <a:p>
+            <a:pPr marL="0" indent="0" algn="ctr">
+              <a:buNone/>
+            </a:pPr>
+            <a:r>
+              <a:rPr lang="pl-PL" sz="3600" b="1" dirty="0" smtClean="0"/>
+              <a:t>Application </a:t>
+            </a:r>
+            <a:r>
               <a:rPr lang="pl-PL" sz="3600" b="1" dirty="0" err="1" smtClean="0"/>
-              <a:t>Aggregates</a:t>
+              <a:t>Layer</a:t>
             </a:r>
             <a:endParaRPr lang="pl-PL" sz="3600" b="1" dirty="0" smtClean="0"/>
           </a:p>
@@ -16364,7 +16553,7 @@
             </a:pPr>
             <a:r>
               <a:rPr lang="pl-PL" sz="3600" b="1" dirty="0" err="1" smtClean="0"/>
-              <a:t>Entities</a:t>
+              <a:t>Domain</a:t>
             </a:r>
             <a:endParaRPr lang="pl-PL" sz="3600" b="1" dirty="0" smtClean="0"/>
           </a:p>
@@ -16373,8 +16562,8 @@
               <a:buNone/>
             </a:pPr>
             <a:r>
-              <a:rPr lang="pl-PL" sz="3600" b="1" dirty="0" smtClean="0"/>
-              <a:t>Value Objects</a:t>
+              <a:rPr lang="pl-PL" sz="3600" b="1" dirty="0" err="1" smtClean="0"/>
+              <a:t>Infrastructure</a:t>
             </a:r>
             <a:endParaRPr lang="pl-PL" sz="3600" b="1" dirty="0"/>
           </a:p>
@@ -16383,7 +16572,7 @@
     </p:spTree>
     <p:extLst>
       <p:ext uri="{BB962C8B-B14F-4D97-AF65-F5344CB8AC3E}">
-        <p14:creationId xmlns:p14="http://schemas.microsoft.com/office/powerpoint/2010/main" val="2210177878"/>
+        <p14:creationId xmlns:p14="http://schemas.microsoft.com/office/powerpoint/2010/main" val="842398511"/>
       </p:ext>
     </p:extLst>
   </p:cSld>
@@ -16419,6 +16608,158 @@
       </p:grpSpPr>
       <p:sp>
         <p:nvSpPr>
+          <p:cNvPr id="27" name="Rectangle 26"/>
+          <p:cNvSpPr/>
+          <p:nvPr/>
+        </p:nvSpPr>
+        <p:spPr>
+          <a:xfrm>
+            <a:off x="9014522" y="2492888"/>
+            <a:ext cx="3083721" cy="4005089"/>
+          </a:xfrm>
+          <a:prstGeom prst="rect">
+            <a:avLst/>
+          </a:prstGeom>
+        </p:spPr>
+        <p:style>
+          <a:lnRef idx="0">
+            <a:schemeClr val="dk1"/>
+          </a:lnRef>
+          <a:fillRef idx="3">
+            <a:schemeClr val="dk1"/>
+          </a:fillRef>
+          <a:effectRef idx="3">
+            <a:schemeClr val="dk1"/>
+          </a:effectRef>
+          <a:fontRef idx="minor">
+            <a:schemeClr val="lt1"/>
+          </a:fontRef>
+        </p:style>
+        <p:txBody>
+          <a:bodyPr rtlCol="0" anchor="ctr"/>
+          <a:lstStyle/>
+          <a:p>
+            <a:pPr algn="ctr"/>
+            <a:endParaRPr lang="pl-PL" dirty="0"/>
+          </a:p>
+        </p:txBody>
+      </p:sp>
+      <p:sp>
+        <p:nvSpPr>
+          <p:cNvPr id="26" name="Rectangle 25"/>
+          <p:cNvSpPr/>
+          <p:nvPr/>
+        </p:nvSpPr>
+        <p:spPr>
+          <a:xfrm>
+            <a:off x="5663291" y="2492888"/>
+            <a:ext cx="3155466" cy="2565335"/>
+          </a:xfrm>
+          <a:prstGeom prst="rect">
+            <a:avLst/>
+          </a:prstGeom>
+        </p:spPr>
+        <p:style>
+          <a:lnRef idx="0">
+            <a:schemeClr val="dk1"/>
+          </a:lnRef>
+          <a:fillRef idx="3">
+            <a:schemeClr val="dk1"/>
+          </a:fillRef>
+          <a:effectRef idx="3">
+            <a:schemeClr val="dk1"/>
+          </a:effectRef>
+          <a:fontRef idx="minor">
+            <a:schemeClr val="lt1"/>
+          </a:fontRef>
+        </p:style>
+        <p:txBody>
+          <a:bodyPr rtlCol="0" anchor="ctr"/>
+          <a:lstStyle/>
+          <a:p>
+            <a:pPr algn="ctr"/>
+            <a:endParaRPr lang="pl-PL"/>
+          </a:p>
+        </p:txBody>
+      </p:sp>
+      <p:sp>
+        <p:nvSpPr>
+          <p:cNvPr id="25" name="Rectangle 24"/>
+          <p:cNvSpPr/>
+          <p:nvPr/>
+        </p:nvSpPr>
+        <p:spPr>
+          <a:xfrm>
+            <a:off x="2523544" y="2492888"/>
+            <a:ext cx="2740521" cy="2565335"/>
+          </a:xfrm>
+          <a:prstGeom prst="rect">
+            <a:avLst/>
+          </a:prstGeom>
+        </p:spPr>
+        <p:style>
+          <a:lnRef idx="0">
+            <a:schemeClr val="dk1"/>
+          </a:lnRef>
+          <a:fillRef idx="3">
+            <a:schemeClr val="dk1"/>
+          </a:fillRef>
+          <a:effectRef idx="3">
+            <a:schemeClr val="dk1"/>
+          </a:effectRef>
+          <a:fontRef idx="minor">
+            <a:schemeClr val="lt1"/>
+          </a:fontRef>
+        </p:style>
+        <p:txBody>
+          <a:bodyPr rtlCol="0" anchor="ctr"/>
+          <a:lstStyle/>
+          <a:p>
+            <a:pPr algn="ctr"/>
+            <a:endParaRPr lang="pl-PL"/>
+          </a:p>
+        </p:txBody>
+      </p:sp>
+      <p:sp>
+        <p:nvSpPr>
+          <p:cNvPr id="4" name="Rectangle 3"/>
+          <p:cNvSpPr/>
+          <p:nvPr/>
+        </p:nvSpPr>
+        <p:spPr>
+          <a:xfrm>
+            <a:off x="186714" y="2492887"/>
+            <a:ext cx="2080442" cy="2565335"/>
+          </a:xfrm>
+          <a:prstGeom prst="rect">
+            <a:avLst/>
+          </a:prstGeom>
+        </p:spPr>
+        <p:style>
+          <a:lnRef idx="0">
+            <a:schemeClr val="dk1"/>
+          </a:lnRef>
+          <a:fillRef idx="3">
+            <a:schemeClr val="dk1"/>
+          </a:fillRef>
+          <a:effectRef idx="3">
+            <a:schemeClr val="dk1"/>
+          </a:effectRef>
+          <a:fontRef idx="minor">
+            <a:schemeClr val="lt1"/>
+          </a:fontRef>
+        </p:style>
+        <p:txBody>
+          <a:bodyPr rtlCol="0" anchor="ctr"/>
+          <a:lstStyle/>
+          <a:p>
+            <a:pPr algn="ctr"/>
+            <a:endParaRPr lang="pl-PL"/>
+          </a:p>
+        </p:txBody>
+      </p:sp>
+      <p:sp>
+        <p:nvSpPr>
           <p:cNvPr id="2" name="Title 1"/>
           <p:cNvSpPr>
             <a:spLocks noGrp="1"/>
@@ -16435,11 +16776,11 @@
           <a:lstStyle/>
           <a:p>
             <a:r>
-              <a:rPr lang="pl-PL" dirty="0" err="1" smtClean="0"/>
+              <a:rPr lang="pl-PL" dirty="0" err="1"/>
               <a:t>Domain</a:t>
             </a:r>
             <a:r>
-              <a:rPr lang="pl-PL" dirty="0" smtClean="0"/>
+              <a:rPr lang="pl-PL" dirty="0"/>
               <a:t> </a:t>
             </a:r>
             <a:r>
@@ -16455,238 +16796,908 @@
       </p:sp>
       <p:sp>
         <p:nvSpPr>
-          <p:cNvPr id="5" name="Content Placeholder 2"/>
-          <p:cNvSpPr txBox="1">
-            <a:spLocks/>
-          </p:cNvSpPr>
+          <p:cNvPr id="5" name="Cloud Callout 4"/>
+          <p:cNvSpPr/>
           <p:nvPr/>
         </p:nvSpPr>
         <p:spPr>
           <a:xfrm>
-            <a:off x="685800" y="3454400"/>
-            <a:ext cx="10820400" cy="2764285"/>
+            <a:off x="2801854" y="3121371"/>
+            <a:ext cx="1994080" cy="1336034"/>
+          </a:xfrm>
+          <a:prstGeom prst="cloudCallout">
+            <a:avLst/>
+          </a:prstGeom>
+        </p:spPr>
+        <p:style>
+          <a:lnRef idx="2">
+            <a:schemeClr val="accent1">
+              <a:shade val="50000"/>
+            </a:schemeClr>
+          </a:lnRef>
+          <a:fillRef idx="1">
+            <a:schemeClr val="accent1"/>
+          </a:fillRef>
+          <a:effectRef idx="0">
+            <a:schemeClr val="accent1"/>
+          </a:effectRef>
+          <a:fontRef idx="minor">
+            <a:schemeClr val="lt1"/>
+          </a:fontRef>
+        </p:style>
+        <p:txBody>
+          <a:bodyPr rtlCol="0" anchor="ctr"/>
+          <a:lstStyle/>
+          <a:p>
+            <a:pPr algn="ctr"/>
+            <a:r>
+              <a:rPr lang="pl-PL" dirty="0" smtClean="0"/>
+              <a:t>Controller</a:t>
+            </a:r>
+            <a:endParaRPr lang="pl-PL" dirty="0"/>
+          </a:p>
+        </p:txBody>
+      </p:sp>
+      <p:sp>
+        <p:nvSpPr>
+          <p:cNvPr id="6" name="Smiley Face 5"/>
+          <p:cNvSpPr/>
+          <p:nvPr/>
+        </p:nvSpPr>
+        <p:spPr>
+          <a:xfrm>
+            <a:off x="685800" y="3292222"/>
+            <a:ext cx="914400" cy="914400"/>
+          </a:xfrm>
+          <a:prstGeom prst="smileyFace">
+            <a:avLst/>
+          </a:prstGeom>
+        </p:spPr>
+        <p:style>
+          <a:lnRef idx="2">
+            <a:schemeClr val="accent1">
+              <a:shade val="50000"/>
+            </a:schemeClr>
+          </a:lnRef>
+          <a:fillRef idx="1">
+            <a:schemeClr val="accent1"/>
+          </a:fillRef>
+          <a:effectRef idx="0">
+            <a:schemeClr val="accent1"/>
+          </a:effectRef>
+          <a:fontRef idx="minor">
+            <a:schemeClr val="lt1"/>
+          </a:fontRef>
+        </p:style>
+        <p:txBody>
+          <a:bodyPr rtlCol="0" anchor="ctr"/>
+          <a:lstStyle/>
+          <a:p>
+            <a:pPr algn="ctr"/>
+            <a:endParaRPr lang="pl-PL" dirty="0"/>
+          </a:p>
+        </p:txBody>
+      </p:sp>
+      <p:sp>
+        <p:nvSpPr>
+          <p:cNvPr id="7" name="Cube 6"/>
+          <p:cNvSpPr/>
+          <p:nvPr/>
+        </p:nvSpPr>
+        <p:spPr>
+          <a:xfrm>
+            <a:off x="6036264" y="3121371"/>
+            <a:ext cx="1786936" cy="1409263"/>
+          </a:xfrm>
+          <a:prstGeom prst="cube">
+            <a:avLst/>
+          </a:prstGeom>
+        </p:spPr>
+        <p:style>
+          <a:lnRef idx="2">
+            <a:schemeClr val="accent1">
+              <a:shade val="50000"/>
+            </a:schemeClr>
+          </a:lnRef>
+          <a:fillRef idx="1">
+            <a:schemeClr val="accent1"/>
+          </a:fillRef>
+          <a:effectRef idx="0">
+            <a:schemeClr val="accent1"/>
+          </a:effectRef>
+          <a:fontRef idx="minor">
+            <a:schemeClr val="lt1"/>
+          </a:fontRef>
+        </p:style>
+        <p:txBody>
+          <a:bodyPr rtlCol="0" anchor="ctr"/>
+          <a:lstStyle/>
+          <a:p>
+            <a:pPr algn="ctr"/>
+            <a:r>
+              <a:rPr lang="pl-PL" dirty="0" err="1" smtClean="0"/>
+              <a:t>Command</a:t>
+            </a:r>
+            <a:r>
+              <a:rPr lang="pl-PL" dirty="0" smtClean="0"/>
+              <a:t> handler</a:t>
+            </a:r>
+          </a:p>
+          <a:p>
+            <a:pPr algn="ctr"/>
+            <a:endParaRPr lang="pl-PL" dirty="0"/>
+          </a:p>
+        </p:txBody>
+      </p:sp>
+      <p:sp>
+        <p:nvSpPr>
+          <p:cNvPr id="8" name="Can 7"/>
+          <p:cNvSpPr/>
+          <p:nvPr/>
+        </p:nvSpPr>
+        <p:spPr>
+          <a:xfrm>
+            <a:off x="10124047" y="3123734"/>
+            <a:ext cx="914400" cy="1216152"/>
+          </a:xfrm>
+          <a:prstGeom prst="can">
+            <a:avLst/>
+          </a:prstGeom>
+        </p:spPr>
+        <p:style>
+          <a:lnRef idx="2">
+            <a:schemeClr val="accent1">
+              <a:shade val="50000"/>
+            </a:schemeClr>
+          </a:lnRef>
+          <a:fillRef idx="1">
+            <a:schemeClr val="accent1"/>
+          </a:fillRef>
+          <a:effectRef idx="0">
+            <a:schemeClr val="accent1"/>
+          </a:effectRef>
+          <a:fontRef idx="minor">
+            <a:schemeClr val="lt1"/>
+          </a:fontRef>
+        </p:style>
+        <p:txBody>
+          <a:bodyPr rtlCol="0" anchor="ctr"/>
+          <a:lstStyle/>
+          <a:p>
+            <a:pPr algn="ctr"/>
+            <a:r>
+              <a:rPr lang="pl-PL" dirty="0" smtClean="0"/>
+              <a:t>DB</a:t>
+            </a:r>
+          </a:p>
+        </p:txBody>
+      </p:sp>
+      <p:sp>
+        <p:nvSpPr>
+          <p:cNvPr id="9" name="Right Arrow 8"/>
+          <p:cNvSpPr/>
+          <p:nvPr/>
+        </p:nvSpPr>
+        <p:spPr>
+          <a:xfrm>
+            <a:off x="1823446" y="3537521"/>
+            <a:ext cx="978408" cy="484632"/>
+          </a:xfrm>
+          <a:prstGeom prst="rightArrow">
+            <a:avLst/>
+          </a:prstGeom>
+        </p:spPr>
+        <p:style>
+          <a:lnRef idx="2">
+            <a:schemeClr val="accent1">
+              <a:shade val="50000"/>
+            </a:schemeClr>
+          </a:lnRef>
+          <a:fillRef idx="1">
+            <a:schemeClr val="accent1"/>
+          </a:fillRef>
+          <a:effectRef idx="0">
+            <a:schemeClr val="accent1"/>
+          </a:effectRef>
+          <a:fontRef idx="minor">
+            <a:schemeClr val="lt1"/>
+          </a:fontRef>
+        </p:style>
+        <p:txBody>
+          <a:bodyPr rtlCol="0" anchor="ctr"/>
+          <a:lstStyle/>
+          <a:p>
+            <a:pPr algn="ctr"/>
+            <a:endParaRPr lang="pl-PL" dirty="0"/>
+          </a:p>
+        </p:txBody>
+      </p:sp>
+      <p:sp>
+        <p:nvSpPr>
+          <p:cNvPr id="10" name="Right Arrow 9"/>
+          <p:cNvSpPr/>
+          <p:nvPr/>
+        </p:nvSpPr>
+        <p:spPr>
+          <a:xfrm>
+            <a:off x="4823301" y="3507106"/>
+            <a:ext cx="978408" cy="484632"/>
+          </a:xfrm>
+          <a:prstGeom prst="rightArrow">
+            <a:avLst/>
+          </a:prstGeom>
+        </p:spPr>
+        <p:style>
+          <a:lnRef idx="2">
+            <a:schemeClr val="accent1">
+              <a:shade val="50000"/>
+            </a:schemeClr>
+          </a:lnRef>
+          <a:fillRef idx="1">
+            <a:schemeClr val="accent1"/>
+          </a:fillRef>
+          <a:effectRef idx="0">
+            <a:schemeClr val="accent1"/>
+          </a:effectRef>
+          <a:fontRef idx="minor">
+            <a:schemeClr val="lt1"/>
+          </a:fontRef>
+        </p:style>
+        <p:txBody>
+          <a:bodyPr rtlCol="0" anchor="ctr"/>
+          <a:lstStyle/>
+          <a:p>
+            <a:pPr algn="ctr"/>
+            <a:endParaRPr lang="pl-PL" dirty="0"/>
+          </a:p>
+        </p:txBody>
+      </p:sp>
+      <p:sp>
+        <p:nvSpPr>
+          <p:cNvPr id="14" name="Cube 13"/>
+          <p:cNvSpPr/>
+          <p:nvPr/>
+        </p:nvSpPr>
+        <p:spPr>
+          <a:xfrm>
+            <a:off x="9123993" y="4606057"/>
+            <a:ext cx="1409263" cy="1409263"/>
+          </a:xfrm>
+          <a:prstGeom prst="cube">
+            <a:avLst/>
+          </a:prstGeom>
+        </p:spPr>
+        <p:style>
+          <a:lnRef idx="2">
+            <a:schemeClr val="accent1">
+              <a:shade val="50000"/>
+            </a:schemeClr>
+          </a:lnRef>
+          <a:fillRef idx="1">
+            <a:schemeClr val="accent1"/>
+          </a:fillRef>
+          <a:effectRef idx="0">
+            <a:schemeClr val="accent1"/>
+          </a:effectRef>
+          <a:fontRef idx="minor">
+            <a:schemeClr val="lt1"/>
+          </a:fontRef>
+        </p:style>
+        <p:txBody>
+          <a:bodyPr rtlCol="0" anchor="ctr"/>
+          <a:lstStyle/>
+          <a:p>
+            <a:pPr algn="ctr"/>
+            <a:r>
+              <a:rPr lang="pl-PL" sz="1200" dirty="0" smtClean="0"/>
+              <a:t>ORM</a:t>
+            </a:r>
+          </a:p>
+          <a:p>
+            <a:pPr algn="ctr"/>
+            <a:endParaRPr lang="pl-PL" sz="1200" dirty="0"/>
+          </a:p>
+        </p:txBody>
+      </p:sp>
+      <p:sp>
+        <p:nvSpPr>
+          <p:cNvPr id="13" name="TextBox 12"/>
+          <p:cNvSpPr txBox="1"/>
+          <p:nvPr/>
+        </p:nvSpPr>
+        <p:spPr>
+          <a:xfrm>
+            <a:off x="2895600" y="2626870"/>
+            <a:ext cx="1734770" cy="369332"/>
           </a:xfrm>
           <a:prstGeom prst="rect">
             <a:avLst/>
           </a:prstGeom>
-        </p:spPr>
-        <p:txBody>
-          <a:bodyPr vert="horz" lIns="91440" tIns="45720" rIns="91440" bIns="45720" rtlCol="0">
-            <a:normAutofit/>
+          <a:noFill/>
+        </p:spPr>
+        <p:txBody>
+          <a:bodyPr wrap="none" rtlCol="0">
+            <a:spAutoFit/>
           </a:bodyPr>
-          <a:lstStyle>
-            <a:lvl1pPr marL="228600" indent="-228600" algn="l" defTabSz="914400" rtl="0" eaLnBrk="1" latinLnBrk="0" hangingPunct="1">
-              <a:lnSpc>
-                <a:spcPct val="90000"/>
-              </a:lnSpc>
-              <a:spcBef>
-                <a:spcPts val="1000"/>
-              </a:spcBef>
-              <a:buFont typeface="Arial" panose="020B0604020202020204" pitchFamily="34" charset="0"/>
-              <a:buChar char="•"/>
-              <a:defRPr sz="2200" kern="1200">
-                <a:solidFill>
-                  <a:schemeClr val="tx1"/>
-                </a:solidFill>
-                <a:latin typeface="+mn-lt"/>
-                <a:ea typeface="+mn-ea"/>
-                <a:cs typeface="+mn-cs"/>
-              </a:defRPr>
-            </a:lvl1pPr>
-            <a:lvl2pPr marL="685800" indent="-228600" algn="l" defTabSz="914400" rtl="0" eaLnBrk="1" latinLnBrk="0" hangingPunct="1">
-              <a:lnSpc>
-                <a:spcPct val="90000"/>
-              </a:lnSpc>
-              <a:spcBef>
-                <a:spcPts val="500"/>
-              </a:spcBef>
-              <a:buFont typeface="Arial" panose="020B0604020202020204" pitchFamily="34" charset="0"/>
-              <a:buChar char="•"/>
-              <a:defRPr sz="2000" kern="1200">
-                <a:solidFill>
-                  <a:schemeClr val="tx1"/>
-                </a:solidFill>
-                <a:latin typeface="+mn-lt"/>
-                <a:ea typeface="+mn-ea"/>
-                <a:cs typeface="+mn-cs"/>
-              </a:defRPr>
-            </a:lvl2pPr>
-            <a:lvl3pPr marL="1143000" indent="-228600" algn="l" defTabSz="914400" rtl="0" eaLnBrk="1" latinLnBrk="0" hangingPunct="1">
-              <a:lnSpc>
-                <a:spcPct val="90000"/>
-              </a:lnSpc>
-              <a:spcBef>
-                <a:spcPts val="500"/>
-              </a:spcBef>
-              <a:buFont typeface="Arial" panose="020B0604020202020204" pitchFamily="34" charset="0"/>
-              <a:buChar char="•"/>
-              <a:defRPr sz="1800" kern="1200">
-                <a:solidFill>
-                  <a:schemeClr val="tx1"/>
-                </a:solidFill>
-                <a:latin typeface="+mn-lt"/>
-                <a:ea typeface="+mn-ea"/>
-                <a:cs typeface="+mn-cs"/>
-              </a:defRPr>
-            </a:lvl3pPr>
-            <a:lvl4pPr marL="1600200" indent="-228600" algn="l" defTabSz="914400" rtl="0" eaLnBrk="1" latinLnBrk="0" hangingPunct="1">
-              <a:lnSpc>
-                <a:spcPct val="90000"/>
-              </a:lnSpc>
-              <a:spcBef>
-                <a:spcPts val="500"/>
-              </a:spcBef>
-              <a:buFont typeface="Arial" panose="020B0604020202020204" pitchFamily="34" charset="0"/>
-              <a:buChar char="•"/>
-              <a:defRPr sz="1600" kern="1200">
-                <a:solidFill>
-                  <a:schemeClr val="tx1"/>
-                </a:solidFill>
-                <a:latin typeface="+mn-lt"/>
-                <a:ea typeface="+mn-ea"/>
-                <a:cs typeface="+mn-cs"/>
-              </a:defRPr>
-            </a:lvl4pPr>
-            <a:lvl5pPr marL="2057400" indent="-228600" algn="l" defTabSz="914400" rtl="0" eaLnBrk="1" latinLnBrk="0" hangingPunct="1">
-              <a:lnSpc>
-                <a:spcPct val="90000"/>
-              </a:lnSpc>
-              <a:spcBef>
-                <a:spcPts val="500"/>
-              </a:spcBef>
-              <a:buFont typeface="Arial" panose="020B0604020202020204" pitchFamily="34" charset="0"/>
-              <a:buChar char="•"/>
-              <a:defRPr sz="1600" kern="1200">
-                <a:solidFill>
-                  <a:schemeClr val="tx1"/>
-                </a:solidFill>
-                <a:latin typeface="+mn-lt"/>
-                <a:ea typeface="+mn-ea"/>
-                <a:cs typeface="+mn-cs"/>
-              </a:defRPr>
-            </a:lvl5pPr>
-            <a:lvl6pPr marL="2514600" indent="-228600" algn="l" defTabSz="914400" rtl="0" eaLnBrk="1" latinLnBrk="0" hangingPunct="1">
-              <a:lnSpc>
-                <a:spcPct val="90000"/>
-              </a:lnSpc>
-              <a:spcBef>
-                <a:spcPts val="500"/>
-              </a:spcBef>
-              <a:buFont typeface="Arial" panose="020B0604020202020204" pitchFamily="34" charset="0"/>
-              <a:buChar char="•"/>
-              <a:defRPr sz="1600" kern="1200">
-                <a:solidFill>
-                  <a:schemeClr val="tx1"/>
-                </a:solidFill>
-                <a:latin typeface="+mn-lt"/>
-                <a:ea typeface="+mn-ea"/>
-                <a:cs typeface="+mn-cs"/>
-              </a:defRPr>
-            </a:lvl6pPr>
-            <a:lvl7pPr marL="2971800" indent="-228600" algn="l" defTabSz="914400" rtl="0" eaLnBrk="1" latinLnBrk="0" hangingPunct="1">
-              <a:lnSpc>
-                <a:spcPct val="90000"/>
-              </a:lnSpc>
-              <a:spcBef>
-                <a:spcPts val="500"/>
-              </a:spcBef>
-              <a:buFont typeface="Arial" panose="020B0604020202020204" pitchFamily="34" charset="0"/>
-              <a:buChar char="•"/>
-              <a:defRPr sz="1600" kern="1200">
-                <a:solidFill>
-                  <a:schemeClr val="tx1"/>
-                </a:solidFill>
-                <a:latin typeface="+mn-lt"/>
-                <a:ea typeface="+mn-ea"/>
-                <a:cs typeface="+mn-cs"/>
-              </a:defRPr>
-            </a:lvl7pPr>
-            <a:lvl8pPr marL="3429000" indent="-228600" algn="l" defTabSz="914400" rtl="0" eaLnBrk="1" latinLnBrk="0" hangingPunct="1">
-              <a:lnSpc>
-                <a:spcPct val="90000"/>
-              </a:lnSpc>
-              <a:spcBef>
-                <a:spcPts val="500"/>
-              </a:spcBef>
-              <a:buFont typeface="Arial" panose="020B0604020202020204" pitchFamily="34" charset="0"/>
-              <a:buChar char="•"/>
-              <a:defRPr sz="1600" kern="1200">
-                <a:solidFill>
-                  <a:schemeClr val="tx1"/>
-                </a:solidFill>
-                <a:latin typeface="+mn-lt"/>
-                <a:ea typeface="+mn-ea"/>
-                <a:cs typeface="+mn-cs"/>
-              </a:defRPr>
-            </a:lvl8pPr>
-            <a:lvl9pPr marL="3886200" indent="-228600" algn="l" defTabSz="914400" rtl="0" eaLnBrk="1" latinLnBrk="0" hangingPunct="1">
-              <a:lnSpc>
-                <a:spcPct val="90000"/>
-              </a:lnSpc>
-              <a:spcBef>
-                <a:spcPts val="500"/>
-              </a:spcBef>
-              <a:buFont typeface="Arial" panose="020B0604020202020204" pitchFamily="34" charset="0"/>
-              <a:buChar char="•"/>
-              <a:defRPr sz="1600" kern="1200">
-                <a:solidFill>
-                  <a:schemeClr val="tx1"/>
-                </a:solidFill>
-                <a:latin typeface="+mn-lt"/>
-                <a:ea typeface="+mn-ea"/>
-                <a:cs typeface="+mn-cs"/>
-              </a:defRPr>
-            </a:lvl9pPr>
-          </a:lstStyle>
-          <a:p>
-            <a:pPr marL="0" indent="0" algn="ctr">
-              <a:buNone/>
-            </a:pPr>
-            <a:r>
-              <a:rPr lang="pl-PL" sz="3600" b="1" dirty="0" smtClean="0"/>
+          <a:lstStyle/>
+          <a:p>
+            <a:r>
+              <a:rPr lang="pl-PL" dirty="0" err="1" smtClean="0">
+                <a:solidFill>
+                  <a:schemeClr val="bg1"/>
+                </a:solidFill>
+              </a:rPr>
+              <a:t>UserController</a:t>
+            </a:r>
+            <a:endParaRPr lang="pl-PL" dirty="0">
+              <a:solidFill>
+                <a:schemeClr val="bg1"/>
+              </a:solidFill>
+            </a:endParaRPr>
+          </a:p>
+        </p:txBody>
+      </p:sp>
+      <p:sp>
+        <p:nvSpPr>
+          <p:cNvPr id="15" name="TextBox 14"/>
+          <p:cNvSpPr txBox="1"/>
+          <p:nvPr/>
+        </p:nvSpPr>
+        <p:spPr>
+          <a:xfrm>
+            <a:off x="5618203" y="2637540"/>
+            <a:ext cx="3241593" cy="369332"/>
+          </a:xfrm>
+          <a:prstGeom prst="rect">
+            <a:avLst/>
+          </a:prstGeom>
+          <a:noFill/>
+        </p:spPr>
+        <p:txBody>
+          <a:bodyPr wrap="none" rtlCol="0">
+            <a:spAutoFit/>
+          </a:bodyPr>
+          <a:lstStyle/>
+          <a:p>
+            <a:r>
+              <a:rPr lang="pl-PL" dirty="0" err="1" smtClean="0">
+                <a:solidFill>
+                  <a:schemeClr val="bg1"/>
+                </a:solidFill>
+              </a:rPr>
+              <a:t>AddUserCommandHandler</a:t>
+            </a:r>
+            <a:endParaRPr lang="pl-PL" dirty="0" smtClean="0">
+              <a:solidFill>
+                <a:schemeClr val="bg1"/>
+              </a:solidFill>
+            </a:endParaRPr>
+          </a:p>
+        </p:txBody>
+      </p:sp>
+      <p:sp>
+        <p:nvSpPr>
+          <p:cNvPr id="17" name="TextBox 16"/>
+          <p:cNvSpPr txBox="1"/>
+          <p:nvPr/>
+        </p:nvSpPr>
+        <p:spPr>
+          <a:xfrm>
+            <a:off x="9318616" y="6128645"/>
+            <a:ext cx="1382110" cy="369332"/>
+          </a:xfrm>
+          <a:prstGeom prst="rect">
+            <a:avLst/>
+          </a:prstGeom>
+          <a:noFill/>
+        </p:spPr>
+        <p:txBody>
+          <a:bodyPr wrap="none" rtlCol="0">
+            <a:spAutoFit/>
+          </a:bodyPr>
+          <a:lstStyle/>
+          <a:p>
+            <a:r>
+              <a:rPr lang="pl-PL" dirty="0" smtClean="0">
+                <a:solidFill>
+                  <a:schemeClr val="bg1"/>
+                </a:solidFill>
+              </a:rPr>
+              <a:t>User </a:t>
+            </a:r>
+            <a:r>
+              <a:rPr lang="pl-PL" dirty="0" err="1" smtClean="0">
+                <a:solidFill>
+                  <a:schemeClr val="bg1"/>
+                </a:solidFill>
+              </a:rPr>
+              <a:t>DbSet</a:t>
+            </a:r>
+            <a:endParaRPr lang="pl-PL" dirty="0" smtClean="0">
+              <a:solidFill>
+                <a:schemeClr val="bg1"/>
+              </a:solidFill>
+            </a:endParaRPr>
+          </a:p>
+        </p:txBody>
+      </p:sp>
+      <p:sp>
+        <p:nvSpPr>
+          <p:cNvPr id="18" name="TextBox 17"/>
+          <p:cNvSpPr txBox="1"/>
+          <p:nvPr/>
+        </p:nvSpPr>
+        <p:spPr>
+          <a:xfrm>
+            <a:off x="9618499" y="2531136"/>
+            <a:ext cx="1317990" cy="369332"/>
+          </a:xfrm>
+          <a:prstGeom prst="rect">
+            <a:avLst/>
+          </a:prstGeom>
+          <a:noFill/>
+        </p:spPr>
+        <p:txBody>
+          <a:bodyPr wrap="none" rtlCol="0">
+            <a:spAutoFit/>
+          </a:bodyPr>
+          <a:lstStyle/>
+          <a:p>
+            <a:r>
+              <a:rPr lang="pl-PL" dirty="0" smtClean="0">
+                <a:solidFill>
+                  <a:schemeClr val="bg1"/>
+                </a:solidFill>
+              </a:rPr>
+              <a:t>User </a:t>
+            </a:r>
+            <a:r>
+              <a:rPr lang="pl-PL" dirty="0" err="1" smtClean="0">
+                <a:solidFill>
+                  <a:schemeClr val="bg1"/>
+                </a:solidFill>
+              </a:rPr>
+              <a:t>Table</a:t>
+            </a:r>
+            <a:endParaRPr lang="pl-PL" dirty="0" smtClean="0">
+              <a:solidFill>
+                <a:schemeClr val="bg1"/>
+              </a:solidFill>
+            </a:endParaRPr>
+          </a:p>
+        </p:txBody>
+      </p:sp>
+      <p:sp>
+        <p:nvSpPr>
+          <p:cNvPr id="19" name="Down Arrow 18"/>
+          <p:cNvSpPr/>
+          <p:nvPr/>
+        </p:nvSpPr>
+        <p:spPr>
+          <a:xfrm rot="18900000">
+            <a:off x="8471170" y="4493823"/>
+            <a:ext cx="419968" cy="783060"/>
+          </a:xfrm>
+          <a:prstGeom prst="downArrow">
+            <a:avLst/>
+          </a:prstGeom>
+        </p:spPr>
+        <p:style>
+          <a:lnRef idx="2">
+            <a:schemeClr val="accent6">
+              <a:shade val="50000"/>
+            </a:schemeClr>
+          </a:lnRef>
+          <a:fillRef idx="1">
+            <a:schemeClr val="accent6"/>
+          </a:fillRef>
+          <a:effectRef idx="0">
+            <a:schemeClr val="accent6"/>
+          </a:effectRef>
+          <a:fontRef idx="minor">
+            <a:schemeClr val="lt1"/>
+          </a:fontRef>
+        </p:style>
+        <p:txBody>
+          <a:bodyPr rtlCol="0" anchor="ctr"/>
+          <a:lstStyle/>
+          <a:p>
+            <a:pPr algn="ctr"/>
+            <a:endParaRPr lang="pl-PL"/>
+          </a:p>
+        </p:txBody>
+      </p:sp>
+      <p:sp>
+        <p:nvSpPr>
+          <p:cNvPr id="21" name="Down Arrow 20"/>
+          <p:cNvSpPr/>
+          <p:nvPr/>
+        </p:nvSpPr>
+        <p:spPr>
+          <a:xfrm rot="14277274">
+            <a:off x="10242975" y="4133465"/>
+            <a:ext cx="419968" cy="783060"/>
+          </a:xfrm>
+          <a:prstGeom prst="downArrow">
+            <a:avLst/>
+          </a:prstGeom>
+        </p:spPr>
+        <p:style>
+          <a:lnRef idx="2">
+            <a:schemeClr val="accent6">
+              <a:shade val="50000"/>
+            </a:schemeClr>
+          </a:lnRef>
+          <a:fillRef idx="1">
+            <a:schemeClr val="accent6"/>
+          </a:fillRef>
+          <a:effectRef idx="0">
+            <a:schemeClr val="accent6"/>
+          </a:effectRef>
+          <a:fontRef idx="minor">
+            <a:schemeClr val="lt1"/>
+          </a:fontRef>
+        </p:style>
+        <p:txBody>
+          <a:bodyPr rtlCol="0" anchor="ctr"/>
+          <a:lstStyle/>
+          <a:p>
+            <a:pPr algn="ctr"/>
+            <a:endParaRPr lang="pl-PL"/>
+          </a:p>
+        </p:txBody>
+      </p:sp>
+      <p:sp>
+        <p:nvSpPr>
+          <p:cNvPr id="3" name="Rectangle 2"/>
+          <p:cNvSpPr/>
+          <p:nvPr/>
+        </p:nvSpPr>
+        <p:spPr>
+          <a:xfrm>
+            <a:off x="3390900" y="4252205"/>
+            <a:ext cx="2449599" cy="570098"/>
+          </a:xfrm>
+          <a:prstGeom prst="rect">
+            <a:avLst/>
+          </a:prstGeom>
+        </p:spPr>
+        <p:style>
+          <a:lnRef idx="1">
+            <a:schemeClr val="accent5"/>
+          </a:lnRef>
+          <a:fillRef idx="2">
+            <a:schemeClr val="accent5"/>
+          </a:fillRef>
+          <a:effectRef idx="1">
+            <a:schemeClr val="accent5"/>
+          </a:effectRef>
+          <a:fontRef idx="minor">
+            <a:schemeClr val="dk1"/>
+          </a:fontRef>
+        </p:style>
+        <p:txBody>
+          <a:bodyPr rtlCol="0" anchor="ctr"/>
+          <a:lstStyle/>
+          <a:p>
+            <a:pPr algn="ctr"/>
+            <a:r>
+              <a:rPr lang="pl-PL" dirty="0" err="1" smtClean="0"/>
+              <a:t>AddUserCommand</a:t>
+            </a:r>
+            <a:endParaRPr lang="pl-PL" dirty="0"/>
+          </a:p>
+        </p:txBody>
+      </p:sp>
+      <p:sp>
+        <p:nvSpPr>
+          <p:cNvPr id="22" name="Rectangle 21"/>
+          <p:cNvSpPr/>
+          <p:nvPr/>
+        </p:nvSpPr>
+        <p:spPr>
+          <a:xfrm>
+            <a:off x="7310174" y="3131769"/>
+            <a:ext cx="2518451" cy="570098"/>
+          </a:xfrm>
+          <a:prstGeom prst="rect">
+            <a:avLst/>
+          </a:prstGeom>
+        </p:spPr>
+        <p:style>
+          <a:lnRef idx="1">
+            <a:schemeClr val="accent5"/>
+          </a:lnRef>
+          <a:fillRef idx="2">
+            <a:schemeClr val="accent5"/>
+          </a:fillRef>
+          <a:effectRef idx="1">
+            <a:schemeClr val="accent5"/>
+          </a:effectRef>
+          <a:fontRef idx="minor">
+            <a:schemeClr val="dk1"/>
+          </a:fontRef>
+        </p:style>
+        <p:txBody>
+          <a:bodyPr rtlCol="0" anchor="ctr"/>
+          <a:lstStyle/>
+          <a:p>
+            <a:pPr algn="ctr"/>
+            <a:r>
+              <a:rPr lang="pl-PL" dirty="0" err="1" smtClean="0"/>
+              <a:t>UserWriteModel</a:t>
+            </a:r>
+            <a:endParaRPr lang="pl-PL" dirty="0"/>
+          </a:p>
+        </p:txBody>
+      </p:sp>
+      <p:sp>
+        <p:nvSpPr>
+          <p:cNvPr id="20" name="Rectangle 19"/>
+          <p:cNvSpPr/>
+          <p:nvPr/>
+        </p:nvSpPr>
+        <p:spPr>
+          <a:xfrm>
+            <a:off x="7365619" y="3807974"/>
+            <a:ext cx="2518451" cy="570098"/>
+          </a:xfrm>
+          <a:prstGeom prst="rect">
+            <a:avLst/>
+          </a:prstGeom>
+        </p:spPr>
+        <p:style>
+          <a:lnRef idx="1">
+            <a:schemeClr val="accent5"/>
+          </a:lnRef>
+          <a:fillRef idx="2">
+            <a:schemeClr val="accent5"/>
+          </a:fillRef>
+          <a:effectRef idx="1">
+            <a:schemeClr val="accent5"/>
+          </a:effectRef>
+          <a:fontRef idx="minor">
+            <a:schemeClr val="dk1"/>
+          </a:fontRef>
+        </p:style>
+        <p:txBody>
+          <a:bodyPr rtlCol="0" anchor="ctr"/>
+          <a:lstStyle/>
+          <a:p>
+            <a:pPr algn="ctr"/>
+            <a:r>
+              <a:rPr lang="pl-PL" dirty="0" err="1" smtClean="0"/>
+              <a:t>AccountWriteModel</a:t>
+            </a:r>
+            <a:endParaRPr lang="pl-PL" dirty="0"/>
+          </a:p>
+        </p:txBody>
+      </p:sp>
+      <p:sp>
+        <p:nvSpPr>
+          <p:cNvPr id="23" name="Can 22"/>
+          <p:cNvSpPr/>
+          <p:nvPr/>
+        </p:nvSpPr>
+        <p:spPr>
+          <a:xfrm>
+            <a:off x="10896246" y="3279281"/>
+            <a:ext cx="914400" cy="1216152"/>
+          </a:xfrm>
+          <a:prstGeom prst="can">
+            <a:avLst/>
+          </a:prstGeom>
+        </p:spPr>
+        <p:style>
+          <a:lnRef idx="2">
+            <a:schemeClr val="accent1">
+              <a:shade val="50000"/>
+            </a:schemeClr>
+          </a:lnRef>
+          <a:fillRef idx="1">
+            <a:schemeClr val="accent1"/>
+          </a:fillRef>
+          <a:effectRef idx="0">
+            <a:schemeClr val="accent1"/>
+          </a:effectRef>
+          <a:fontRef idx="minor">
+            <a:schemeClr val="lt1"/>
+          </a:fontRef>
+        </p:style>
+        <p:txBody>
+          <a:bodyPr rtlCol="0" anchor="ctr"/>
+          <a:lstStyle/>
+          <a:p>
+            <a:pPr algn="ctr"/>
+            <a:r>
+              <a:rPr lang="pl-PL" dirty="0" smtClean="0"/>
+              <a:t>DB</a:t>
+            </a:r>
+          </a:p>
+        </p:txBody>
+      </p:sp>
+      <p:sp>
+        <p:nvSpPr>
+          <p:cNvPr id="24" name="TextBox 23"/>
+          <p:cNvSpPr txBox="1"/>
+          <p:nvPr/>
+        </p:nvSpPr>
+        <p:spPr>
+          <a:xfrm>
+            <a:off x="10304167" y="2805983"/>
+            <a:ext cx="1838965" cy="369332"/>
+          </a:xfrm>
+          <a:prstGeom prst="rect">
+            <a:avLst/>
+          </a:prstGeom>
+          <a:noFill/>
+        </p:spPr>
+        <p:txBody>
+          <a:bodyPr wrap="none" rtlCol="0">
+            <a:spAutoFit/>
+          </a:bodyPr>
+          <a:lstStyle/>
+          <a:p>
+            <a:r>
+              <a:rPr lang="pl-PL" dirty="0" err="1" smtClean="0">
+                <a:solidFill>
+                  <a:schemeClr val="bg1"/>
+                </a:solidFill>
+              </a:rPr>
+              <a:t>Account</a:t>
+            </a:r>
+            <a:r>
+              <a:rPr lang="pl-PL" dirty="0" smtClean="0">
+                <a:solidFill>
+                  <a:schemeClr val="bg1"/>
+                </a:solidFill>
+              </a:rPr>
+              <a:t> </a:t>
+            </a:r>
+            <a:r>
+              <a:rPr lang="pl-PL" dirty="0" err="1" smtClean="0">
+                <a:solidFill>
+                  <a:schemeClr val="bg1"/>
+                </a:solidFill>
+              </a:rPr>
+              <a:t>Table</a:t>
+            </a:r>
+            <a:endParaRPr lang="pl-PL" dirty="0" smtClean="0">
+              <a:solidFill>
+                <a:schemeClr val="bg1"/>
+              </a:solidFill>
+            </a:endParaRPr>
+          </a:p>
+        </p:txBody>
+      </p:sp>
+      <p:sp>
+        <p:nvSpPr>
+          <p:cNvPr id="12" name="TextBox 11"/>
+          <p:cNvSpPr txBox="1"/>
+          <p:nvPr/>
+        </p:nvSpPr>
+        <p:spPr>
+          <a:xfrm>
+            <a:off x="279400" y="2057401"/>
+            <a:ext cx="1723549" cy="369332"/>
+          </a:xfrm>
+          <a:prstGeom prst="rect">
+            <a:avLst/>
+          </a:prstGeom>
+          <a:noFill/>
+        </p:spPr>
+        <p:txBody>
+          <a:bodyPr wrap="none" rtlCol="0">
+            <a:spAutoFit/>
+          </a:bodyPr>
+          <a:lstStyle/>
+          <a:p>
+            <a:r>
+              <a:rPr lang="pl-PL" b="1" dirty="0" smtClean="0"/>
               <a:t>User Interface</a:t>
             </a:r>
-          </a:p>
-          <a:p>
-            <a:pPr marL="0" indent="0" algn="ctr">
-              <a:buNone/>
-            </a:pPr>
-            <a:r>
-              <a:rPr lang="pl-PL" sz="3600" b="1" dirty="0" smtClean="0"/>
+            <a:endParaRPr lang="pl-PL" b="1" dirty="0"/>
+          </a:p>
+        </p:txBody>
+      </p:sp>
+      <p:sp>
+        <p:nvSpPr>
+          <p:cNvPr id="29" name="TextBox 28"/>
+          <p:cNvSpPr txBox="1"/>
+          <p:nvPr/>
+        </p:nvSpPr>
+        <p:spPr>
+          <a:xfrm>
+            <a:off x="2895600" y="2019882"/>
+            <a:ext cx="2111475" cy="369332"/>
+          </a:xfrm>
+          <a:prstGeom prst="rect">
+            <a:avLst/>
+          </a:prstGeom>
+          <a:noFill/>
+        </p:spPr>
+        <p:txBody>
+          <a:bodyPr wrap="none" rtlCol="0">
+            <a:spAutoFit/>
+          </a:bodyPr>
+          <a:lstStyle/>
+          <a:p>
+            <a:r>
+              <a:rPr lang="pl-PL" b="1" dirty="0" smtClean="0"/>
               <a:t>Application </a:t>
             </a:r>
             <a:r>
-              <a:rPr lang="pl-PL" sz="3600" b="1" dirty="0" err="1" smtClean="0"/>
-              <a:t>Layer</a:t>
-            </a:r>
-            <a:endParaRPr lang="pl-PL" sz="3600" b="1" dirty="0" smtClean="0"/>
-          </a:p>
-          <a:p>
-            <a:pPr marL="0" indent="0" algn="ctr">
-              <a:buNone/>
-            </a:pPr>
-            <a:r>
-              <a:rPr lang="pl-PL" sz="3600" b="1" dirty="0" err="1" smtClean="0"/>
+              <a:rPr lang="pl-PL" b="1" dirty="0" err="1" smtClean="0"/>
+              <a:t>layer</a:t>
+            </a:r>
+            <a:endParaRPr lang="pl-PL" b="1" dirty="0"/>
+          </a:p>
+        </p:txBody>
+      </p:sp>
+      <p:sp>
+        <p:nvSpPr>
+          <p:cNvPr id="30" name="TextBox 29"/>
+          <p:cNvSpPr txBox="1"/>
+          <p:nvPr/>
+        </p:nvSpPr>
+        <p:spPr>
+          <a:xfrm>
+            <a:off x="6671587" y="1997632"/>
+            <a:ext cx="1056700" cy="369332"/>
+          </a:xfrm>
+          <a:prstGeom prst="rect">
+            <a:avLst/>
+          </a:prstGeom>
+          <a:noFill/>
+        </p:spPr>
+        <p:txBody>
+          <a:bodyPr wrap="none" rtlCol="0">
+            <a:spAutoFit/>
+          </a:bodyPr>
+          <a:lstStyle/>
+          <a:p>
+            <a:r>
+              <a:rPr lang="pl-PL" b="1" dirty="0" err="1" smtClean="0"/>
               <a:t>Domain</a:t>
             </a:r>
-            <a:endParaRPr lang="pl-PL" sz="3600" b="1" dirty="0" smtClean="0"/>
-          </a:p>
-          <a:p>
-            <a:pPr marL="0" indent="0" algn="ctr">
-              <a:buNone/>
-            </a:pPr>
-            <a:r>
-              <a:rPr lang="pl-PL" sz="3600" b="1" dirty="0" err="1" smtClean="0"/>
+            <a:endParaRPr lang="pl-PL" b="1" dirty="0"/>
+          </a:p>
+        </p:txBody>
+      </p:sp>
+      <p:sp>
+        <p:nvSpPr>
+          <p:cNvPr id="31" name="TextBox 30"/>
+          <p:cNvSpPr txBox="1"/>
+          <p:nvPr/>
+        </p:nvSpPr>
+        <p:spPr>
+          <a:xfrm>
+            <a:off x="10028032" y="2011923"/>
+            <a:ext cx="1633781" cy="369332"/>
+          </a:xfrm>
+          <a:prstGeom prst="rect">
+            <a:avLst/>
+          </a:prstGeom>
+          <a:noFill/>
+        </p:spPr>
+        <p:txBody>
+          <a:bodyPr wrap="none" rtlCol="0">
+            <a:spAutoFit/>
+          </a:bodyPr>
+          <a:lstStyle/>
+          <a:p>
+            <a:r>
+              <a:rPr lang="pl-PL" b="1" dirty="0" err="1" smtClean="0"/>
               <a:t>Infrastructure</a:t>
             </a:r>
-            <a:endParaRPr lang="pl-PL" sz="3600" b="1" dirty="0"/>
+            <a:endParaRPr lang="pl-PL" b="1" dirty="0"/>
           </a:p>
         </p:txBody>
       </p:sp>
     </p:spTree>
     <p:extLst>
       <p:ext uri="{BB962C8B-B14F-4D97-AF65-F5344CB8AC3E}">
-        <p14:creationId xmlns:p14="http://schemas.microsoft.com/office/powerpoint/2010/main" val="842398511"/>
+        <p14:creationId xmlns:p14="http://schemas.microsoft.com/office/powerpoint/2010/main" val="3480992442"/>
       </p:ext>
     </p:extLst>
   </p:cSld>
@@ -16722,1131 +17733,6 @@
       </p:grpSpPr>
       <p:sp>
         <p:nvSpPr>
-          <p:cNvPr id="27" name="Rectangle 26"/>
-          <p:cNvSpPr/>
-          <p:nvPr/>
-        </p:nvSpPr>
-        <p:spPr>
-          <a:xfrm>
-            <a:off x="9014522" y="2492888"/>
-            <a:ext cx="3083721" cy="4005089"/>
-          </a:xfrm>
-          <a:prstGeom prst="rect">
-            <a:avLst/>
-          </a:prstGeom>
-        </p:spPr>
-        <p:style>
-          <a:lnRef idx="0">
-            <a:schemeClr val="dk1"/>
-          </a:lnRef>
-          <a:fillRef idx="3">
-            <a:schemeClr val="dk1"/>
-          </a:fillRef>
-          <a:effectRef idx="3">
-            <a:schemeClr val="dk1"/>
-          </a:effectRef>
-          <a:fontRef idx="minor">
-            <a:schemeClr val="lt1"/>
-          </a:fontRef>
-        </p:style>
-        <p:txBody>
-          <a:bodyPr rtlCol="0" anchor="ctr"/>
-          <a:lstStyle/>
-          <a:p>
-            <a:pPr algn="ctr"/>
-            <a:endParaRPr lang="pl-PL" dirty="0"/>
-          </a:p>
-        </p:txBody>
-      </p:sp>
-      <p:sp>
-        <p:nvSpPr>
-          <p:cNvPr id="26" name="Rectangle 25"/>
-          <p:cNvSpPr/>
-          <p:nvPr/>
-        </p:nvSpPr>
-        <p:spPr>
-          <a:xfrm>
-            <a:off x="5663291" y="2492888"/>
-            <a:ext cx="3155466" cy="2565335"/>
-          </a:xfrm>
-          <a:prstGeom prst="rect">
-            <a:avLst/>
-          </a:prstGeom>
-        </p:spPr>
-        <p:style>
-          <a:lnRef idx="0">
-            <a:schemeClr val="dk1"/>
-          </a:lnRef>
-          <a:fillRef idx="3">
-            <a:schemeClr val="dk1"/>
-          </a:fillRef>
-          <a:effectRef idx="3">
-            <a:schemeClr val="dk1"/>
-          </a:effectRef>
-          <a:fontRef idx="minor">
-            <a:schemeClr val="lt1"/>
-          </a:fontRef>
-        </p:style>
-        <p:txBody>
-          <a:bodyPr rtlCol="0" anchor="ctr"/>
-          <a:lstStyle/>
-          <a:p>
-            <a:pPr algn="ctr"/>
-            <a:endParaRPr lang="pl-PL"/>
-          </a:p>
-        </p:txBody>
-      </p:sp>
-      <p:sp>
-        <p:nvSpPr>
-          <p:cNvPr id="25" name="Rectangle 24"/>
-          <p:cNvSpPr/>
-          <p:nvPr/>
-        </p:nvSpPr>
-        <p:spPr>
-          <a:xfrm>
-            <a:off x="2523544" y="2492888"/>
-            <a:ext cx="2740521" cy="2565335"/>
-          </a:xfrm>
-          <a:prstGeom prst="rect">
-            <a:avLst/>
-          </a:prstGeom>
-        </p:spPr>
-        <p:style>
-          <a:lnRef idx="0">
-            <a:schemeClr val="dk1"/>
-          </a:lnRef>
-          <a:fillRef idx="3">
-            <a:schemeClr val="dk1"/>
-          </a:fillRef>
-          <a:effectRef idx="3">
-            <a:schemeClr val="dk1"/>
-          </a:effectRef>
-          <a:fontRef idx="minor">
-            <a:schemeClr val="lt1"/>
-          </a:fontRef>
-        </p:style>
-        <p:txBody>
-          <a:bodyPr rtlCol="0" anchor="ctr"/>
-          <a:lstStyle/>
-          <a:p>
-            <a:pPr algn="ctr"/>
-            <a:endParaRPr lang="pl-PL"/>
-          </a:p>
-        </p:txBody>
-      </p:sp>
-      <p:sp>
-        <p:nvSpPr>
-          <p:cNvPr id="4" name="Rectangle 3"/>
-          <p:cNvSpPr/>
-          <p:nvPr/>
-        </p:nvSpPr>
-        <p:spPr>
-          <a:xfrm>
-            <a:off x="186714" y="2492887"/>
-            <a:ext cx="2080442" cy="2565335"/>
-          </a:xfrm>
-          <a:prstGeom prst="rect">
-            <a:avLst/>
-          </a:prstGeom>
-        </p:spPr>
-        <p:style>
-          <a:lnRef idx="0">
-            <a:schemeClr val="dk1"/>
-          </a:lnRef>
-          <a:fillRef idx="3">
-            <a:schemeClr val="dk1"/>
-          </a:fillRef>
-          <a:effectRef idx="3">
-            <a:schemeClr val="dk1"/>
-          </a:effectRef>
-          <a:fontRef idx="minor">
-            <a:schemeClr val="lt1"/>
-          </a:fontRef>
-        </p:style>
-        <p:txBody>
-          <a:bodyPr rtlCol="0" anchor="ctr"/>
-          <a:lstStyle/>
-          <a:p>
-            <a:pPr algn="ctr"/>
-            <a:endParaRPr lang="pl-PL"/>
-          </a:p>
-        </p:txBody>
-      </p:sp>
-      <p:sp>
-        <p:nvSpPr>
-          <p:cNvPr id="2" name="Title 1"/>
-          <p:cNvSpPr>
-            <a:spLocks noGrp="1"/>
-          </p:cNvSpPr>
-          <p:nvPr>
-            <p:ph type="title"/>
-          </p:nvPr>
-        </p:nvSpPr>
-        <p:spPr/>
-        <p:txBody>
-          <a:bodyPr>
-            <a:normAutofit/>
-          </a:bodyPr>
-          <a:lstStyle/>
-          <a:p>
-            <a:r>
-              <a:rPr lang="pl-PL" dirty="0" err="1"/>
-              <a:t>Domain</a:t>
-            </a:r>
-            <a:r>
-              <a:rPr lang="pl-PL" dirty="0"/>
-              <a:t> </a:t>
-            </a:r>
-            <a:r>
-              <a:rPr lang="pl-PL" dirty="0" err="1"/>
-              <a:t>Driven</a:t>
-            </a:r>
-            <a:r>
-              <a:rPr lang="pl-PL" dirty="0"/>
-              <a:t> Development na ratunek.</a:t>
-            </a:r>
-          </a:p>
-        </p:txBody>
-      </p:sp>
-      <p:sp>
-        <p:nvSpPr>
-          <p:cNvPr id="5" name="Cloud Callout 4"/>
-          <p:cNvSpPr/>
-          <p:nvPr/>
-        </p:nvSpPr>
-        <p:spPr>
-          <a:xfrm>
-            <a:off x="2801854" y="3121371"/>
-            <a:ext cx="1994080" cy="1336034"/>
-          </a:xfrm>
-          <a:prstGeom prst="cloudCallout">
-            <a:avLst/>
-          </a:prstGeom>
-        </p:spPr>
-        <p:style>
-          <a:lnRef idx="2">
-            <a:schemeClr val="accent1">
-              <a:shade val="50000"/>
-            </a:schemeClr>
-          </a:lnRef>
-          <a:fillRef idx="1">
-            <a:schemeClr val="accent1"/>
-          </a:fillRef>
-          <a:effectRef idx="0">
-            <a:schemeClr val="accent1"/>
-          </a:effectRef>
-          <a:fontRef idx="minor">
-            <a:schemeClr val="lt1"/>
-          </a:fontRef>
-        </p:style>
-        <p:txBody>
-          <a:bodyPr rtlCol="0" anchor="ctr"/>
-          <a:lstStyle/>
-          <a:p>
-            <a:pPr algn="ctr"/>
-            <a:r>
-              <a:rPr lang="pl-PL" dirty="0" smtClean="0"/>
-              <a:t>Controller</a:t>
-            </a:r>
-            <a:endParaRPr lang="pl-PL" dirty="0"/>
-          </a:p>
-        </p:txBody>
-      </p:sp>
-      <p:sp>
-        <p:nvSpPr>
-          <p:cNvPr id="6" name="Smiley Face 5"/>
-          <p:cNvSpPr/>
-          <p:nvPr/>
-        </p:nvSpPr>
-        <p:spPr>
-          <a:xfrm>
-            <a:off x="685800" y="3292222"/>
-            <a:ext cx="914400" cy="914400"/>
-          </a:xfrm>
-          <a:prstGeom prst="smileyFace">
-            <a:avLst/>
-          </a:prstGeom>
-        </p:spPr>
-        <p:style>
-          <a:lnRef idx="2">
-            <a:schemeClr val="accent1">
-              <a:shade val="50000"/>
-            </a:schemeClr>
-          </a:lnRef>
-          <a:fillRef idx="1">
-            <a:schemeClr val="accent1"/>
-          </a:fillRef>
-          <a:effectRef idx="0">
-            <a:schemeClr val="accent1"/>
-          </a:effectRef>
-          <a:fontRef idx="minor">
-            <a:schemeClr val="lt1"/>
-          </a:fontRef>
-        </p:style>
-        <p:txBody>
-          <a:bodyPr rtlCol="0" anchor="ctr"/>
-          <a:lstStyle/>
-          <a:p>
-            <a:pPr algn="ctr"/>
-            <a:endParaRPr lang="pl-PL" dirty="0"/>
-          </a:p>
-        </p:txBody>
-      </p:sp>
-      <p:sp>
-        <p:nvSpPr>
-          <p:cNvPr id="7" name="Cube 6"/>
-          <p:cNvSpPr/>
-          <p:nvPr/>
-        </p:nvSpPr>
-        <p:spPr>
-          <a:xfrm>
-            <a:off x="6036264" y="3121371"/>
-            <a:ext cx="1786936" cy="1409263"/>
-          </a:xfrm>
-          <a:prstGeom prst="cube">
-            <a:avLst/>
-          </a:prstGeom>
-        </p:spPr>
-        <p:style>
-          <a:lnRef idx="2">
-            <a:schemeClr val="accent1">
-              <a:shade val="50000"/>
-            </a:schemeClr>
-          </a:lnRef>
-          <a:fillRef idx="1">
-            <a:schemeClr val="accent1"/>
-          </a:fillRef>
-          <a:effectRef idx="0">
-            <a:schemeClr val="accent1"/>
-          </a:effectRef>
-          <a:fontRef idx="minor">
-            <a:schemeClr val="lt1"/>
-          </a:fontRef>
-        </p:style>
-        <p:txBody>
-          <a:bodyPr rtlCol="0" anchor="ctr"/>
-          <a:lstStyle/>
-          <a:p>
-            <a:pPr algn="ctr"/>
-            <a:r>
-              <a:rPr lang="pl-PL" dirty="0" err="1" smtClean="0"/>
-              <a:t>Command</a:t>
-            </a:r>
-            <a:r>
-              <a:rPr lang="pl-PL" dirty="0" smtClean="0"/>
-              <a:t> handler</a:t>
-            </a:r>
-          </a:p>
-          <a:p>
-            <a:pPr algn="ctr"/>
-            <a:endParaRPr lang="pl-PL" dirty="0"/>
-          </a:p>
-        </p:txBody>
-      </p:sp>
-      <p:sp>
-        <p:nvSpPr>
-          <p:cNvPr id="8" name="Can 7"/>
-          <p:cNvSpPr/>
-          <p:nvPr/>
-        </p:nvSpPr>
-        <p:spPr>
-          <a:xfrm>
-            <a:off x="10124047" y="3123734"/>
-            <a:ext cx="914400" cy="1216152"/>
-          </a:xfrm>
-          <a:prstGeom prst="can">
-            <a:avLst/>
-          </a:prstGeom>
-        </p:spPr>
-        <p:style>
-          <a:lnRef idx="2">
-            <a:schemeClr val="accent1">
-              <a:shade val="50000"/>
-            </a:schemeClr>
-          </a:lnRef>
-          <a:fillRef idx="1">
-            <a:schemeClr val="accent1"/>
-          </a:fillRef>
-          <a:effectRef idx="0">
-            <a:schemeClr val="accent1"/>
-          </a:effectRef>
-          <a:fontRef idx="minor">
-            <a:schemeClr val="lt1"/>
-          </a:fontRef>
-        </p:style>
-        <p:txBody>
-          <a:bodyPr rtlCol="0" anchor="ctr"/>
-          <a:lstStyle/>
-          <a:p>
-            <a:pPr algn="ctr"/>
-            <a:r>
-              <a:rPr lang="pl-PL" dirty="0" smtClean="0"/>
-              <a:t>DB</a:t>
-            </a:r>
-          </a:p>
-        </p:txBody>
-      </p:sp>
-      <p:sp>
-        <p:nvSpPr>
-          <p:cNvPr id="9" name="Right Arrow 8"/>
-          <p:cNvSpPr/>
-          <p:nvPr/>
-        </p:nvSpPr>
-        <p:spPr>
-          <a:xfrm>
-            <a:off x="1823446" y="3537521"/>
-            <a:ext cx="978408" cy="484632"/>
-          </a:xfrm>
-          <a:prstGeom prst="rightArrow">
-            <a:avLst/>
-          </a:prstGeom>
-        </p:spPr>
-        <p:style>
-          <a:lnRef idx="2">
-            <a:schemeClr val="accent1">
-              <a:shade val="50000"/>
-            </a:schemeClr>
-          </a:lnRef>
-          <a:fillRef idx="1">
-            <a:schemeClr val="accent1"/>
-          </a:fillRef>
-          <a:effectRef idx="0">
-            <a:schemeClr val="accent1"/>
-          </a:effectRef>
-          <a:fontRef idx="minor">
-            <a:schemeClr val="lt1"/>
-          </a:fontRef>
-        </p:style>
-        <p:txBody>
-          <a:bodyPr rtlCol="0" anchor="ctr"/>
-          <a:lstStyle/>
-          <a:p>
-            <a:pPr algn="ctr"/>
-            <a:endParaRPr lang="pl-PL" dirty="0"/>
-          </a:p>
-        </p:txBody>
-      </p:sp>
-      <p:sp>
-        <p:nvSpPr>
-          <p:cNvPr id="10" name="Right Arrow 9"/>
-          <p:cNvSpPr/>
-          <p:nvPr/>
-        </p:nvSpPr>
-        <p:spPr>
-          <a:xfrm>
-            <a:off x="4823301" y="3507106"/>
-            <a:ext cx="978408" cy="484632"/>
-          </a:xfrm>
-          <a:prstGeom prst="rightArrow">
-            <a:avLst/>
-          </a:prstGeom>
-        </p:spPr>
-        <p:style>
-          <a:lnRef idx="2">
-            <a:schemeClr val="accent1">
-              <a:shade val="50000"/>
-            </a:schemeClr>
-          </a:lnRef>
-          <a:fillRef idx="1">
-            <a:schemeClr val="accent1"/>
-          </a:fillRef>
-          <a:effectRef idx="0">
-            <a:schemeClr val="accent1"/>
-          </a:effectRef>
-          <a:fontRef idx="minor">
-            <a:schemeClr val="lt1"/>
-          </a:fontRef>
-        </p:style>
-        <p:txBody>
-          <a:bodyPr rtlCol="0" anchor="ctr"/>
-          <a:lstStyle/>
-          <a:p>
-            <a:pPr algn="ctr"/>
-            <a:endParaRPr lang="pl-PL" dirty="0"/>
-          </a:p>
-        </p:txBody>
-      </p:sp>
-      <p:sp>
-        <p:nvSpPr>
-          <p:cNvPr id="14" name="Cube 13"/>
-          <p:cNvSpPr/>
-          <p:nvPr/>
-        </p:nvSpPr>
-        <p:spPr>
-          <a:xfrm>
-            <a:off x="9123993" y="4606057"/>
-            <a:ext cx="1409263" cy="1409263"/>
-          </a:xfrm>
-          <a:prstGeom prst="cube">
-            <a:avLst/>
-          </a:prstGeom>
-        </p:spPr>
-        <p:style>
-          <a:lnRef idx="2">
-            <a:schemeClr val="accent1">
-              <a:shade val="50000"/>
-            </a:schemeClr>
-          </a:lnRef>
-          <a:fillRef idx="1">
-            <a:schemeClr val="accent1"/>
-          </a:fillRef>
-          <a:effectRef idx="0">
-            <a:schemeClr val="accent1"/>
-          </a:effectRef>
-          <a:fontRef idx="minor">
-            <a:schemeClr val="lt1"/>
-          </a:fontRef>
-        </p:style>
-        <p:txBody>
-          <a:bodyPr rtlCol="0" anchor="ctr"/>
-          <a:lstStyle/>
-          <a:p>
-            <a:pPr algn="ctr"/>
-            <a:r>
-              <a:rPr lang="pl-PL" sz="1200" dirty="0" smtClean="0"/>
-              <a:t>ORM</a:t>
-            </a:r>
-          </a:p>
-          <a:p>
-            <a:pPr algn="ctr"/>
-            <a:endParaRPr lang="pl-PL" sz="1200" dirty="0"/>
-          </a:p>
-        </p:txBody>
-      </p:sp>
-      <p:sp>
-        <p:nvSpPr>
-          <p:cNvPr id="13" name="TextBox 12"/>
-          <p:cNvSpPr txBox="1"/>
-          <p:nvPr/>
-        </p:nvSpPr>
-        <p:spPr>
-          <a:xfrm>
-            <a:off x="2895600" y="2626870"/>
-            <a:ext cx="1734770" cy="369332"/>
-          </a:xfrm>
-          <a:prstGeom prst="rect">
-            <a:avLst/>
-          </a:prstGeom>
-          <a:noFill/>
-        </p:spPr>
-        <p:txBody>
-          <a:bodyPr wrap="none" rtlCol="0">
-            <a:spAutoFit/>
-          </a:bodyPr>
-          <a:lstStyle/>
-          <a:p>
-            <a:r>
-              <a:rPr lang="pl-PL" dirty="0" err="1" smtClean="0">
-                <a:solidFill>
-                  <a:schemeClr val="bg1"/>
-                </a:solidFill>
-              </a:rPr>
-              <a:t>UserController</a:t>
-            </a:r>
-            <a:endParaRPr lang="pl-PL" dirty="0">
-              <a:solidFill>
-                <a:schemeClr val="bg1"/>
-              </a:solidFill>
-            </a:endParaRPr>
-          </a:p>
-        </p:txBody>
-      </p:sp>
-      <p:sp>
-        <p:nvSpPr>
-          <p:cNvPr id="15" name="TextBox 14"/>
-          <p:cNvSpPr txBox="1"/>
-          <p:nvPr/>
-        </p:nvSpPr>
-        <p:spPr>
-          <a:xfrm>
-            <a:off x="5618203" y="2637540"/>
-            <a:ext cx="3241593" cy="369332"/>
-          </a:xfrm>
-          <a:prstGeom prst="rect">
-            <a:avLst/>
-          </a:prstGeom>
-          <a:noFill/>
-        </p:spPr>
-        <p:txBody>
-          <a:bodyPr wrap="none" rtlCol="0">
-            <a:spAutoFit/>
-          </a:bodyPr>
-          <a:lstStyle/>
-          <a:p>
-            <a:r>
-              <a:rPr lang="pl-PL" dirty="0" err="1" smtClean="0">
-                <a:solidFill>
-                  <a:schemeClr val="bg1"/>
-                </a:solidFill>
-              </a:rPr>
-              <a:t>AddUserCommandHandler</a:t>
-            </a:r>
-            <a:endParaRPr lang="pl-PL" dirty="0" smtClean="0">
-              <a:solidFill>
-                <a:schemeClr val="bg1"/>
-              </a:solidFill>
-            </a:endParaRPr>
-          </a:p>
-        </p:txBody>
-      </p:sp>
-      <p:sp>
-        <p:nvSpPr>
-          <p:cNvPr id="17" name="TextBox 16"/>
-          <p:cNvSpPr txBox="1"/>
-          <p:nvPr/>
-        </p:nvSpPr>
-        <p:spPr>
-          <a:xfrm>
-            <a:off x="9318616" y="6128645"/>
-            <a:ext cx="1382110" cy="369332"/>
-          </a:xfrm>
-          <a:prstGeom prst="rect">
-            <a:avLst/>
-          </a:prstGeom>
-          <a:noFill/>
-        </p:spPr>
-        <p:txBody>
-          <a:bodyPr wrap="none" rtlCol="0">
-            <a:spAutoFit/>
-          </a:bodyPr>
-          <a:lstStyle/>
-          <a:p>
-            <a:r>
-              <a:rPr lang="pl-PL" dirty="0" smtClean="0">
-                <a:solidFill>
-                  <a:schemeClr val="bg1"/>
-                </a:solidFill>
-              </a:rPr>
-              <a:t>User </a:t>
-            </a:r>
-            <a:r>
-              <a:rPr lang="pl-PL" dirty="0" err="1" smtClean="0">
-                <a:solidFill>
-                  <a:schemeClr val="bg1"/>
-                </a:solidFill>
-              </a:rPr>
-              <a:t>DbSet</a:t>
-            </a:r>
-            <a:endParaRPr lang="pl-PL" dirty="0" smtClean="0">
-              <a:solidFill>
-                <a:schemeClr val="bg1"/>
-              </a:solidFill>
-            </a:endParaRPr>
-          </a:p>
-        </p:txBody>
-      </p:sp>
-      <p:sp>
-        <p:nvSpPr>
-          <p:cNvPr id="18" name="TextBox 17"/>
-          <p:cNvSpPr txBox="1"/>
-          <p:nvPr/>
-        </p:nvSpPr>
-        <p:spPr>
-          <a:xfrm>
-            <a:off x="9618499" y="2531136"/>
-            <a:ext cx="1317990" cy="369332"/>
-          </a:xfrm>
-          <a:prstGeom prst="rect">
-            <a:avLst/>
-          </a:prstGeom>
-          <a:noFill/>
-        </p:spPr>
-        <p:txBody>
-          <a:bodyPr wrap="none" rtlCol="0">
-            <a:spAutoFit/>
-          </a:bodyPr>
-          <a:lstStyle/>
-          <a:p>
-            <a:r>
-              <a:rPr lang="pl-PL" dirty="0" smtClean="0">
-                <a:solidFill>
-                  <a:schemeClr val="bg1"/>
-                </a:solidFill>
-              </a:rPr>
-              <a:t>User </a:t>
-            </a:r>
-            <a:r>
-              <a:rPr lang="pl-PL" dirty="0" err="1" smtClean="0">
-                <a:solidFill>
-                  <a:schemeClr val="bg1"/>
-                </a:solidFill>
-              </a:rPr>
-              <a:t>Table</a:t>
-            </a:r>
-            <a:endParaRPr lang="pl-PL" dirty="0" smtClean="0">
-              <a:solidFill>
-                <a:schemeClr val="bg1"/>
-              </a:solidFill>
-            </a:endParaRPr>
-          </a:p>
-        </p:txBody>
-      </p:sp>
-      <p:sp>
-        <p:nvSpPr>
-          <p:cNvPr id="19" name="Down Arrow 18"/>
-          <p:cNvSpPr/>
-          <p:nvPr/>
-        </p:nvSpPr>
-        <p:spPr>
-          <a:xfrm rot="18900000">
-            <a:off x="8471170" y="4493823"/>
-            <a:ext cx="419968" cy="783060"/>
-          </a:xfrm>
-          <a:prstGeom prst="downArrow">
-            <a:avLst/>
-          </a:prstGeom>
-        </p:spPr>
-        <p:style>
-          <a:lnRef idx="2">
-            <a:schemeClr val="accent6">
-              <a:shade val="50000"/>
-            </a:schemeClr>
-          </a:lnRef>
-          <a:fillRef idx="1">
-            <a:schemeClr val="accent6"/>
-          </a:fillRef>
-          <a:effectRef idx="0">
-            <a:schemeClr val="accent6"/>
-          </a:effectRef>
-          <a:fontRef idx="minor">
-            <a:schemeClr val="lt1"/>
-          </a:fontRef>
-        </p:style>
-        <p:txBody>
-          <a:bodyPr rtlCol="0" anchor="ctr"/>
-          <a:lstStyle/>
-          <a:p>
-            <a:pPr algn="ctr"/>
-            <a:endParaRPr lang="pl-PL"/>
-          </a:p>
-        </p:txBody>
-      </p:sp>
-      <p:sp>
-        <p:nvSpPr>
-          <p:cNvPr id="21" name="Down Arrow 20"/>
-          <p:cNvSpPr/>
-          <p:nvPr/>
-        </p:nvSpPr>
-        <p:spPr>
-          <a:xfrm rot="14277274">
-            <a:off x="10242975" y="4133465"/>
-            <a:ext cx="419968" cy="783060"/>
-          </a:xfrm>
-          <a:prstGeom prst="downArrow">
-            <a:avLst/>
-          </a:prstGeom>
-        </p:spPr>
-        <p:style>
-          <a:lnRef idx="2">
-            <a:schemeClr val="accent6">
-              <a:shade val="50000"/>
-            </a:schemeClr>
-          </a:lnRef>
-          <a:fillRef idx="1">
-            <a:schemeClr val="accent6"/>
-          </a:fillRef>
-          <a:effectRef idx="0">
-            <a:schemeClr val="accent6"/>
-          </a:effectRef>
-          <a:fontRef idx="minor">
-            <a:schemeClr val="lt1"/>
-          </a:fontRef>
-        </p:style>
-        <p:txBody>
-          <a:bodyPr rtlCol="0" anchor="ctr"/>
-          <a:lstStyle/>
-          <a:p>
-            <a:pPr algn="ctr"/>
-            <a:endParaRPr lang="pl-PL"/>
-          </a:p>
-        </p:txBody>
-      </p:sp>
-      <p:sp>
-        <p:nvSpPr>
-          <p:cNvPr id="3" name="Rectangle 2"/>
-          <p:cNvSpPr/>
-          <p:nvPr/>
-        </p:nvSpPr>
-        <p:spPr>
-          <a:xfrm>
-            <a:off x="3390900" y="4252205"/>
-            <a:ext cx="2449599" cy="570098"/>
-          </a:xfrm>
-          <a:prstGeom prst="rect">
-            <a:avLst/>
-          </a:prstGeom>
-        </p:spPr>
-        <p:style>
-          <a:lnRef idx="1">
-            <a:schemeClr val="accent5"/>
-          </a:lnRef>
-          <a:fillRef idx="2">
-            <a:schemeClr val="accent5"/>
-          </a:fillRef>
-          <a:effectRef idx="1">
-            <a:schemeClr val="accent5"/>
-          </a:effectRef>
-          <a:fontRef idx="minor">
-            <a:schemeClr val="dk1"/>
-          </a:fontRef>
-        </p:style>
-        <p:txBody>
-          <a:bodyPr rtlCol="0" anchor="ctr"/>
-          <a:lstStyle/>
-          <a:p>
-            <a:pPr algn="ctr"/>
-            <a:r>
-              <a:rPr lang="pl-PL" dirty="0" err="1" smtClean="0"/>
-              <a:t>AddUserCommand</a:t>
-            </a:r>
-            <a:endParaRPr lang="pl-PL" dirty="0"/>
-          </a:p>
-        </p:txBody>
-      </p:sp>
-      <p:sp>
-        <p:nvSpPr>
-          <p:cNvPr id="22" name="Rectangle 21"/>
-          <p:cNvSpPr/>
-          <p:nvPr/>
-        </p:nvSpPr>
-        <p:spPr>
-          <a:xfrm>
-            <a:off x="7310174" y="3131769"/>
-            <a:ext cx="2518451" cy="570098"/>
-          </a:xfrm>
-          <a:prstGeom prst="rect">
-            <a:avLst/>
-          </a:prstGeom>
-        </p:spPr>
-        <p:style>
-          <a:lnRef idx="1">
-            <a:schemeClr val="accent5"/>
-          </a:lnRef>
-          <a:fillRef idx="2">
-            <a:schemeClr val="accent5"/>
-          </a:fillRef>
-          <a:effectRef idx="1">
-            <a:schemeClr val="accent5"/>
-          </a:effectRef>
-          <a:fontRef idx="minor">
-            <a:schemeClr val="dk1"/>
-          </a:fontRef>
-        </p:style>
-        <p:txBody>
-          <a:bodyPr rtlCol="0" anchor="ctr"/>
-          <a:lstStyle/>
-          <a:p>
-            <a:pPr algn="ctr"/>
-            <a:r>
-              <a:rPr lang="pl-PL" dirty="0" err="1" smtClean="0"/>
-              <a:t>UserWriteModel</a:t>
-            </a:r>
-            <a:endParaRPr lang="pl-PL" dirty="0"/>
-          </a:p>
-        </p:txBody>
-      </p:sp>
-      <p:sp>
-        <p:nvSpPr>
-          <p:cNvPr id="20" name="Rectangle 19"/>
-          <p:cNvSpPr/>
-          <p:nvPr/>
-        </p:nvSpPr>
-        <p:spPr>
-          <a:xfrm>
-            <a:off x="7365619" y="3807974"/>
-            <a:ext cx="2518451" cy="570098"/>
-          </a:xfrm>
-          <a:prstGeom prst="rect">
-            <a:avLst/>
-          </a:prstGeom>
-        </p:spPr>
-        <p:style>
-          <a:lnRef idx="1">
-            <a:schemeClr val="accent5"/>
-          </a:lnRef>
-          <a:fillRef idx="2">
-            <a:schemeClr val="accent5"/>
-          </a:fillRef>
-          <a:effectRef idx="1">
-            <a:schemeClr val="accent5"/>
-          </a:effectRef>
-          <a:fontRef idx="minor">
-            <a:schemeClr val="dk1"/>
-          </a:fontRef>
-        </p:style>
-        <p:txBody>
-          <a:bodyPr rtlCol="0" anchor="ctr"/>
-          <a:lstStyle/>
-          <a:p>
-            <a:pPr algn="ctr"/>
-            <a:r>
-              <a:rPr lang="pl-PL" dirty="0" err="1" smtClean="0"/>
-              <a:t>AccountWriteModel</a:t>
-            </a:r>
-            <a:endParaRPr lang="pl-PL" dirty="0"/>
-          </a:p>
-        </p:txBody>
-      </p:sp>
-      <p:sp>
-        <p:nvSpPr>
-          <p:cNvPr id="23" name="Can 22"/>
-          <p:cNvSpPr/>
-          <p:nvPr/>
-        </p:nvSpPr>
-        <p:spPr>
-          <a:xfrm>
-            <a:off x="10896246" y="3279281"/>
-            <a:ext cx="914400" cy="1216152"/>
-          </a:xfrm>
-          <a:prstGeom prst="can">
-            <a:avLst/>
-          </a:prstGeom>
-        </p:spPr>
-        <p:style>
-          <a:lnRef idx="2">
-            <a:schemeClr val="accent1">
-              <a:shade val="50000"/>
-            </a:schemeClr>
-          </a:lnRef>
-          <a:fillRef idx="1">
-            <a:schemeClr val="accent1"/>
-          </a:fillRef>
-          <a:effectRef idx="0">
-            <a:schemeClr val="accent1"/>
-          </a:effectRef>
-          <a:fontRef idx="minor">
-            <a:schemeClr val="lt1"/>
-          </a:fontRef>
-        </p:style>
-        <p:txBody>
-          <a:bodyPr rtlCol="0" anchor="ctr"/>
-          <a:lstStyle/>
-          <a:p>
-            <a:pPr algn="ctr"/>
-            <a:r>
-              <a:rPr lang="pl-PL" dirty="0" smtClean="0"/>
-              <a:t>DB</a:t>
-            </a:r>
-          </a:p>
-        </p:txBody>
-      </p:sp>
-      <p:sp>
-        <p:nvSpPr>
-          <p:cNvPr id="24" name="TextBox 23"/>
-          <p:cNvSpPr txBox="1"/>
-          <p:nvPr/>
-        </p:nvSpPr>
-        <p:spPr>
-          <a:xfrm>
-            <a:off x="10304167" y="2805983"/>
-            <a:ext cx="1838965" cy="369332"/>
-          </a:xfrm>
-          <a:prstGeom prst="rect">
-            <a:avLst/>
-          </a:prstGeom>
-          <a:noFill/>
-        </p:spPr>
-        <p:txBody>
-          <a:bodyPr wrap="none" rtlCol="0">
-            <a:spAutoFit/>
-          </a:bodyPr>
-          <a:lstStyle/>
-          <a:p>
-            <a:r>
-              <a:rPr lang="pl-PL" dirty="0" err="1" smtClean="0">
-                <a:solidFill>
-                  <a:schemeClr val="bg1"/>
-                </a:solidFill>
-              </a:rPr>
-              <a:t>Account</a:t>
-            </a:r>
-            <a:r>
-              <a:rPr lang="pl-PL" dirty="0" smtClean="0">
-                <a:solidFill>
-                  <a:schemeClr val="bg1"/>
-                </a:solidFill>
-              </a:rPr>
-              <a:t> </a:t>
-            </a:r>
-            <a:r>
-              <a:rPr lang="pl-PL" dirty="0" err="1" smtClean="0">
-                <a:solidFill>
-                  <a:schemeClr val="bg1"/>
-                </a:solidFill>
-              </a:rPr>
-              <a:t>Table</a:t>
-            </a:r>
-            <a:endParaRPr lang="pl-PL" dirty="0" smtClean="0">
-              <a:solidFill>
-                <a:schemeClr val="bg1"/>
-              </a:solidFill>
-            </a:endParaRPr>
-          </a:p>
-        </p:txBody>
-      </p:sp>
-      <p:sp>
-        <p:nvSpPr>
-          <p:cNvPr id="12" name="TextBox 11"/>
-          <p:cNvSpPr txBox="1"/>
-          <p:nvPr/>
-        </p:nvSpPr>
-        <p:spPr>
-          <a:xfrm>
-            <a:off x="279400" y="2057401"/>
-            <a:ext cx="1723549" cy="369332"/>
-          </a:xfrm>
-          <a:prstGeom prst="rect">
-            <a:avLst/>
-          </a:prstGeom>
-          <a:noFill/>
-        </p:spPr>
-        <p:txBody>
-          <a:bodyPr wrap="none" rtlCol="0">
-            <a:spAutoFit/>
-          </a:bodyPr>
-          <a:lstStyle/>
-          <a:p>
-            <a:r>
-              <a:rPr lang="pl-PL" b="1" dirty="0" smtClean="0"/>
-              <a:t>User Interface</a:t>
-            </a:r>
-            <a:endParaRPr lang="pl-PL" b="1" dirty="0"/>
-          </a:p>
-        </p:txBody>
-      </p:sp>
-      <p:sp>
-        <p:nvSpPr>
-          <p:cNvPr id="29" name="TextBox 28"/>
-          <p:cNvSpPr txBox="1"/>
-          <p:nvPr/>
-        </p:nvSpPr>
-        <p:spPr>
-          <a:xfrm>
-            <a:off x="2895600" y="2019882"/>
-            <a:ext cx="2111475" cy="369332"/>
-          </a:xfrm>
-          <a:prstGeom prst="rect">
-            <a:avLst/>
-          </a:prstGeom>
-          <a:noFill/>
-        </p:spPr>
-        <p:txBody>
-          <a:bodyPr wrap="none" rtlCol="0">
-            <a:spAutoFit/>
-          </a:bodyPr>
-          <a:lstStyle/>
-          <a:p>
-            <a:r>
-              <a:rPr lang="pl-PL" b="1" dirty="0" smtClean="0"/>
-              <a:t>Application </a:t>
-            </a:r>
-            <a:r>
-              <a:rPr lang="pl-PL" b="1" dirty="0" err="1" smtClean="0"/>
-              <a:t>layer</a:t>
-            </a:r>
-            <a:endParaRPr lang="pl-PL" b="1" dirty="0"/>
-          </a:p>
-        </p:txBody>
-      </p:sp>
-      <p:sp>
-        <p:nvSpPr>
-          <p:cNvPr id="30" name="TextBox 29"/>
-          <p:cNvSpPr txBox="1"/>
-          <p:nvPr/>
-        </p:nvSpPr>
-        <p:spPr>
-          <a:xfrm>
-            <a:off x="6671587" y="1997632"/>
-            <a:ext cx="1056700" cy="369332"/>
-          </a:xfrm>
-          <a:prstGeom prst="rect">
-            <a:avLst/>
-          </a:prstGeom>
-          <a:noFill/>
-        </p:spPr>
-        <p:txBody>
-          <a:bodyPr wrap="none" rtlCol="0">
-            <a:spAutoFit/>
-          </a:bodyPr>
-          <a:lstStyle/>
-          <a:p>
-            <a:r>
-              <a:rPr lang="pl-PL" b="1" dirty="0" err="1" smtClean="0"/>
-              <a:t>Domain</a:t>
-            </a:r>
-            <a:endParaRPr lang="pl-PL" b="1" dirty="0"/>
-          </a:p>
-        </p:txBody>
-      </p:sp>
-      <p:sp>
-        <p:nvSpPr>
-          <p:cNvPr id="31" name="TextBox 30"/>
-          <p:cNvSpPr txBox="1"/>
-          <p:nvPr/>
-        </p:nvSpPr>
-        <p:spPr>
-          <a:xfrm>
-            <a:off x="10028032" y="2011923"/>
-            <a:ext cx="1633781" cy="369332"/>
-          </a:xfrm>
-          <a:prstGeom prst="rect">
-            <a:avLst/>
-          </a:prstGeom>
-          <a:noFill/>
-        </p:spPr>
-        <p:txBody>
-          <a:bodyPr wrap="none" rtlCol="0">
-            <a:spAutoFit/>
-          </a:bodyPr>
-          <a:lstStyle/>
-          <a:p>
-            <a:r>
-              <a:rPr lang="pl-PL" b="1" dirty="0" err="1" smtClean="0"/>
-              <a:t>Infrastructure</a:t>
-            </a:r>
-            <a:endParaRPr lang="pl-PL" b="1" dirty="0"/>
-          </a:p>
-        </p:txBody>
-      </p:sp>
-    </p:spTree>
-    <p:extLst>
-      <p:ext uri="{BB962C8B-B14F-4D97-AF65-F5344CB8AC3E}">
-        <p14:creationId xmlns:p14="http://schemas.microsoft.com/office/powerpoint/2010/main" val="3480992442"/>
-      </p:ext>
-    </p:extLst>
-  </p:cSld>
-  <p:clrMapOvr>
-    <a:masterClrMapping/>
-  </p:clrMapOvr>
-  <p:timing>
-    <p:tnLst>
-      <p:par>
-        <p:cTn id="1" dur="indefinite" restart="never" nodeType="tmRoot"/>
-      </p:par>
-    </p:tnLst>
-  </p:timing>
-</p:sld>
-</file>
-
-<file path=ppt/slides/slide44.xml><?xml version="1.0" encoding="utf-8"?>
-<p:sld xmlns:a="http://schemas.openxmlformats.org/drawingml/2006/main" xmlns:r="http://schemas.openxmlformats.org/officeDocument/2006/relationships" xmlns:p="http://schemas.openxmlformats.org/presentationml/2006/main">
-  <p:cSld>
-    <p:spTree>
-      <p:nvGrpSpPr>
-        <p:cNvPr id="1" name=""/>
-        <p:cNvGrpSpPr/>
-        <p:nvPr/>
-      </p:nvGrpSpPr>
-      <p:grpSpPr>
-        <a:xfrm>
-          <a:off x="0" y="0"/>
-          <a:ext cx="0" cy="0"/>
-          <a:chOff x="0" y="0"/>
-          <a:chExt cx="0" cy="0"/>
-        </a:xfrm>
-      </p:grpSpPr>
-      <p:sp>
-        <p:nvSpPr>
           <p:cNvPr id="2" name="Title 1"/>
           <p:cNvSpPr>
             <a:spLocks noGrp="1"/>
@@ -17945,7 +17831,7 @@
 </p:sld>
 </file>
 
-<file path=ppt/slides/slide45.xml><?xml version="1.0" encoding="utf-8"?>
+<file path=ppt/slides/slide44.xml><?xml version="1.0" encoding="utf-8"?>
 <p:sld xmlns:a="http://schemas.openxmlformats.org/drawingml/2006/main" xmlns:r="http://schemas.openxmlformats.org/officeDocument/2006/relationships" xmlns:p="http://schemas.openxmlformats.org/presentationml/2006/main">
   <p:cSld>
     <p:spTree>
@@ -18068,7 +17954,7 @@
 </p:sld>
 </file>
 
-<file path=ppt/slides/slide46.xml><?xml version="1.0" encoding="utf-8"?>
+<file path=ppt/slides/slide45.xml><?xml version="1.0" encoding="utf-8"?>
 <p:sld xmlns:a="http://schemas.openxmlformats.org/drawingml/2006/main" xmlns:r="http://schemas.openxmlformats.org/officeDocument/2006/relationships" xmlns:p="http://schemas.openxmlformats.org/presentationml/2006/main">
   <p:cSld>
     <p:spTree>
@@ -18174,6 +18060,201 @@
     <p:extLst>
       <p:ext uri="{BB962C8B-B14F-4D97-AF65-F5344CB8AC3E}">
         <p14:creationId xmlns:p14="http://schemas.microsoft.com/office/powerpoint/2010/main" val="2988326816"/>
+      </p:ext>
+    </p:extLst>
+  </p:cSld>
+  <p:clrMapOvr>
+    <a:masterClrMapping/>
+  </p:clrMapOvr>
+  <p:timing>
+    <p:tnLst>
+      <p:par>
+        <p:cTn id="1" dur="indefinite" restart="never" nodeType="tmRoot"/>
+      </p:par>
+    </p:tnLst>
+  </p:timing>
+</p:sld>
+</file>
+
+<file path=ppt/slides/slide46.xml><?xml version="1.0" encoding="utf-8"?>
+<p:sld xmlns:a="http://schemas.openxmlformats.org/drawingml/2006/main" xmlns:r="http://schemas.openxmlformats.org/officeDocument/2006/relationships" xmlns:p="http://schemas.openxmlformats.org/presentationml/2006/main">
+  <p:cSld>
+    <p:spTree>
+      <p:nvGrpSpPr>
+        <p:cNvPr id="1" name=""/>
+        <p:cNvGrpSpPr/>
+        <p:nvPr/>
+      </p:nvGrpSpPr>
+      <p:grpSpPr>
+        <a:xfrm>
+          <a:off x="0" y="0"/>
+          <a:ext cx="0" cy="0"/>
+          <a:chOff x="0" y="0"/>
+          <a:chExt cx="0" cy="0"/>
+        </a:xfrm>
+      </p:grpSpPr>
+      <p:sp>
+        <p:nvSpPr>
+          <p:cNvPr id="2" name="Title 1"/>
+          <p:cNvSpPr>
+            <a:spLocks noGrp="1"/>
+          </p:cNvSpPr>
+          <p:nvPr>
+            <p:ph type="title"/>
+          </p:nvPr>
+        </p:nvSpPr>
+        <p:spPr/>
+        <p:txBody>
+          <a:bodyPr/>
+          <a:lstStyle/>
+          <a:p>
+            <a:r>
+              <a:rPr lang="pl-PL" dirty="0"/>
+              <a:t>Magia Event </a:t>
+            </a:r>
+            <a:r>
+              <a:rPr lang="pl-PL" dirty="0" err="1"/>
+              <a:t>sourcingu</a:t>
+            </a:r>
+            <a:endParaRPr lang="pl-PL" dirty="0"/>
+          </a:p>
+        </p:txBody>
+      </p:sp>
+      <p:sp>
+        <p:nvSpPr>
+          <p:cNvPr id="3" name="Content Placeholder 2"/>
+          <p:cNvSpPr>
+            <a:spLocks noGrp="1"/>
+          </p:cNvSpPr>
+          <p:nvPr>
+            <p:ph idx="1"/>
+          </p:nvPr>
+        </p:nvSpPr>
+        <p:spPr/>
+        <p:txBody>
+          <a:bodyPr/>
+          <a:lstStyle/>
+          <a:p>
+            <a:pPr marL="0" indent="0">
+              <a:buNone/>
+            </a:pPr>
+            <a:r>
+              <a:rPr lang="pl-PL" sz="2400" b="1" dirty="0" smtClean="0"/>
+              <a:t>Zalety event </a:t>
+            </a:r>
+            <a:r>
+              <a:rPr lang="pl-PL" sz="2400" b="1" dirty="0" err="1" smtClean="0"/>
+              <a:t>sourcingu</a:t>
+            </a:r>
+            <a:r>
+              <a:rPr lang="pl-PL" sz="2400" b="1" dirty="0" smtClean="0"/>
+              <a:t>:</a:t>
+            </a:r>
+          </a:p>
+          <a:p>
+            <a:pPr marL="0" indent="0">
+              <a:buNone/>
+            </a:pPr>
+            <a:endParaRPr lang="pl-PL" dirty="0" smtClean="0"/>
+          </a:p>
+          <a:p>
+            <a:pPr>
+              <a:buFontTx/>
+              <a:buChar char="-"/>
+            </a:pPr>
+            <a:r>
+              <a:rPr lang="pl-PL" dirty="0" smtClean="0"/>
+              <a:t>Kod pokrywa się z faktyczną logiką biznesową</a:t>
+            </a:r>
+          </a:p>
+          <a:p>
+            <a:pPr>
+              <a:buFontTx/>
+              <a:buChar char="-"/>
+            </a:pPr>
+            <a:r>
+              <a:rPr lang="pl-PL" dirty="0" smtClean="0"/>
+              <a:t>Elastyczność</a:t>
+            </a:r>
+          </a:p>
+          <a:p>
+            <a:pPr>
+              <a:buFontTx/>
+              <a:buChar char="-"/>
+            </a:pPr>
+            <a:r>
+              <a:rPr lang="pl-PL" dirty="0" smtClean="0"/>
+              <a:t>Skalowalność</a:t>
+            </a:r>
+          </a:p>
+          <a:p>
+            <a:pPr>
+              <a:buFontTx/>
+              <a:buChar char="-"/>
+            </a:pPr>
+            <a:r>
+              <a:rPr lang="pl-PL" dirty="0" smtClean="0"/>
+              <a:t>Pełna historia zmian</a:t>
+            </a:r>
+          </a:p>
+          <a:p>
+            <a:pPr>
+              <a:buFontTx/>
+              <a:buChar char="-"/>
+            </a:pPr>
+            <a:r>
+              <a:rPr lang="pl-PL" dirty="0" smtClean="0"/>
+              <a:t>Integracja z innymi systemami</a:t>
+            </a:r>
+          </a:p>
+          <a:p>
+            <a:pPr>
+              <a:buFontTx/>
+              <a:buChar char="-"/>
+            </a:pPr>
+            <a:r>
+              <a:rPr lang="pl-PL" dirty="0" smtClean="0"/>
+              <a:t>Łatwość w modyfikacji oraz poprawie błędów</a:t>
+            </a:r>
+          </a:p>
+          <a:p>
+            <a:pPr>
+              <a:buFontTx/>
+              <a:buChar char="-"/>
+            </a:pPr>
+            <a:r>
+              <a:rPr lang="pl-PL" dirty="0" smtClean="0"/>
+              <a:t>Ułatwia procesowanie danych w systemach big data, </a:t>
+            </a:r>
+            <a:r>
+              <a:rPr lang="pl-PL" dirty="0" err="1" smtClean="0"/>
+              <a:t>mikroserwisach</a:t>
+            </a:r>
+            <a:r>
+              <a:rPr lang="pl-PL" dirty="0" smtClean="0"/>
+              <a:t> itd.</a:t>
+            </a:r>
+          </a:p>
+          <a:p>
+            <a:pPr>
+              <a:buFontTx/>
+              <a:buChar char="-"/>
+            </a:pPr>
+            <a:endParaRPr lang="pl-PL" dirty="0" smtClean="0"/>
+          </a:p>
+          <a:p>
+            <a:pPr>
+              <a:buFontTx/>
+              <a:buChar char="-"/>
+            </a:pPr>
+            <a:endParaRPr lang="pl-PL" dirty="0"/>
+          </a:p>
+        </p:txBody>
+      </p:sp>
+    </p:spTree>
+    <p:extLst>
+      <p:ext uri="{BB962C8B-B14F-4D97-AF65-F5344CB8AC3E}">
+        <p14:creationId xmlns:p14="http://schemas.microsoft.com/office/powerpoint/2010/main" val="1279301441"/>
       </p:ext>
     </p:extLst>
   </p:cSld>
@@ -18254,7 +18335,7 @@
             </a:pPr>
             <a:r>
               <a:rPr lang="pl-PL" sz="2400" b="1" dirty="0" smtClean="0"/>
-              <a:t>Zalety event </a:t>
+              <a:t>Wady event </a:t>
             </a:r>
             <a:r>
               <a:rPr lang="pl-PL" sz="2400" b="1" dirty="0" err="1" smtClean="0"/>
@@ -18277,9 +18358,18 @@
               <a:buChar char="-"/>
             </a:pPr>
             <a:r>
+              <a:rPr lang="pl-PL" dirty="0" err="1" smtClean="0"/>
+              <a:t>Eventual</a:t>
+            </a:r>
+            <a:r>
               <a:rPr lang="pl-PL" dirty="0" smtClean="0"/>
-              <a:t>Kod pokrywa się z faktyczną logiką biznesową</a:t>
-            </a:r>
+              <a:t> </a:t>
+            </a:r>
+            <a:r>
+              <a:rPr lang="pl-PL" dirty="0" err="1" smtClean="0"/>
+              <a:t>consistency</a:t>
+            </a:r>
+            <a:endParaRPr lang="pl-PL" dirty="0" smtClean="0"/>
           </a:p>
           <a:p>
             <a:pPr>
@@ -18288,7 +18378,7 @@
             </a:pPr>
             <a:r>
               <a:rPr lang="pl-PL" dirty="0" smtClean="0"/>
-              <a:t>Elastyczność</a:t>
+              <a:t>Performance</a:t>
             </a:r>
           </a:p>
           <a:p>
@@ -18298,63 +18388,8 @@
             </a:pPr>
             <a:r>
               <a:rPr lang="pl-PL" dirty="0" smtClean="0"/>
-              <a:t>Skalowalność</a:t>
-            </a:r>
-          </a:p>
-          <a:p>
-            <a:pPr>
-              <a:buFontTx/>
-              <a:buChar char="-"/>
-            </a:pPr>
-            <a:r>
-              <a:rPr lang="pl-PL" dirty="0" smtClean="0"/>
-              <a:t>Pełna historia zmian</a:t>
-            </a:r>
-          </a:p>
-          <a:p>
-            <a:pPr>
-              <a:buFontTx/>
-              <a:buChar char="-"/>
-            </a:pPr>
-            <a:r>
-              <a:rPr lang="pl-PL" dirty="0" smtClean="0"/>
-              <a:t>Integracja z innymi systemami</a:t>
-            </a:r>
-          </a:p>
-          <a:p>
-            <a:pPr>
-              <a:buFontTx/>
-              <a:buChar char="-"/>
-            </a:pPr>
-            <a:r>
-              <a:rPr lang="pl-PL" dirty="0" smtClean="0"/>
-              <a:t>Łatwość w modyfikacji oraz poprawie błędów</a:t>
-            </a:r>
-          </a:p>
-          <a:p>
-            <a:pPr>
-              <a:buFontTx/>
-              <a:buChar char="-"/>
-            </a:pPr>
-            <a:r>
-              <a:rPr lang="pl-PL" dirty="0" smtClean="0"/>
-              <a:t>Ułatwia procesowanie danych w systemach big data, </a:t>
-            </a:r>
-            <a:r>
-              <a:rPr lang="pl-PL" dirty="0" err="1" smtClean="0"/>
-              <a:t>mikroserwisach</a:t>
-            </a:r>
-            <a:r>
-              <a:rPr lang="pl-PL" dirty="0" smtClean="0"/>
-              <a:t> itd.</a:t>
-            </a:r>
-          </a:p>
-          <a:p>
-            <a:pPr>
-              <a:buFontTx/>
-              <a:buChar char="-"/>
-            </a:pPr>
-            <a:endParaRPr lang="pl-PL" dirty="0" smtClean="0"/>
+              <a:t>Trudniejsze generowanie widoków do odczytu</a:t>
+            </a:r>
           </a:p>
           <a:p>
             <a:pPr>
@@ -18368,7 +18403,7 @@
     </p:spTree>
     <p:extLst>
       <p:ext uri="{BB962C8B-B14F-4D97-AF65-F5344CB8AC3E}">
-        <p14:creationId xmlns:p14="http://schemas.microsoft.com/office/powerpoint/2010/main" val="1279301441"/>
+        <p14:creationId xmlns:p14="http://schemas.microsoft.com/office/powerpoint/2010/main" val="2997181480"/>
       </p:ext>
     </p:extLst>
   </p:cSld>
@@ -18418,25 +18453,99 @@
           <a:lstStyle/>
           <a:p>
             <a:r>
+              <a:rPr lang="pl-PL" dirty="0" err="1"/>
+              <a:t>dotNet</a:t>
+            </a:r>
+            <a:r>
               <a:rPr lang="pl-PL" dirty="0"/>
-              <a:t>Magia Event </a:t>
+              <a:t> </a:t>
             </a:r>
             <a:r>
               <a:rPr lang="pl-PL" dirty="0" err="1"/>
-              <a:t>sourcingu</a:t>
-            </a:r>
-            <a:endParaRPr lang="pl-PL" dirty="0"/>
-          </a:p>
-        </p:txBody>
-      </p:sp>
-      <p:sp>
-        <p:nvSpPr>
-          <p:cNvPr id="3" name="Content Placeholder 2"/>
+              <a:t>Core</a:t>
+            </a:r>
+            <a:r>
+              <a:rPr lang="pl-PL" dirty="0"/>
+              <a:t> nie taki straszny</a:t>
+            </a:r>
+          </a:p>
+        </p:txBody>
+      </p:sp>
+      <p:pic>
+        <p:nvPicPr>
+          <p:cNvPr id="4" name="Picture 3"/>
+          <p:cNvPicPr>
+            <a:picLocks noChangeAspect="1"/>
+          </p:cNvPicPr>
+          <p:nvPr/>
+        </p:nvPicPr>
+        <p:blipFill>
+          <a:blip r:embed="rId2">
+            <a:extLst>
+              <a:ext uri="{28A0092B-C50C-407E-A947-70E740481C1C}">
+                <a14:useLocalDpi xmlns:a14="http://schemas.microsoft.com/office/drawing/2010/main" val="0"/>
+              </a:ext>
+            </a:extLst>
+          </a:blip>
+          <a:stretch>
+            <a:fillRect/>
+          </a:stretch>
+        </p:blipFill>
+        <p:spPr>
+          <a:xfrm>
+            <a:off x="2021985" y="1877061"/>
+            <a:ext cx="8221349" cy="4584578"/>
+          </a:xfrm>
+          <a:prstGeom prst="rect">
+            <a:avLst/>
+          </a:prstGeom>
+        </p:spPr>
+      </p:pic>
+    </p:spTree>
+    <p:extLst>
+      <p:ext uri="{BB962C8B-B14F-4D97-AF65-F5344CB8AC3E}">
+        <p14:creationId xmlns:p14="http://schemas.microsoft.com/office/powerpoint/2010/main" val="3844358273"/>
+      </p:ext>
+    </p:extLst>
+  </p:cSld>
+  <p:clrMapOvr>
+    <a:masterClrMapping/>
+  </p:clrMapOvr>
+  <p:timing>
+    <p:tnLst>
+      <p:par>
+        <p:cTn id="1" dur="indefinite" restart="never" nodeType="tmRoot"/>
+      </p:par>
+    </p:tnLst>
+  </p:timing>
+</p:sld>
+</file>
+
+<file path=ppt/slides/slide49.xml><?xml version="1.0" encoding="utf-8"?>
+<p:sld xmlns:a="http://schemas.openxmlformats.org/drawingml/2006/main" xmlns:r="http://schemas.openxmlformats.org/officeDocument/2006/relationships" xmlns:p="http://schemas.openxmlformats.org/presentationml/2006/main">
+  <p:cSld>
+    <p:spTree>
+      <p:nvGrpSpPr>
+        <p:cNvPr id="1" name=""/>
+        <p:cNvGrpSpPr/>
+        <p:nvPr/>
+      </p:nvGrpSpPr>
+      <p:grpSpPr>
+        <a:xfrm>
+          <a:off x="0" y="0"/>
+          <a:ext cx="0" cy="0"/>
+          <a:chOff x="0" y="0"/>
+          <a:chExt cx="0" cy="0"/>
+        </a:xfrm>
+      </p:grpSpPr>
+      <p:sp>
+        <p:nvSpPr>
+          <p:cNvPr id="2" name="Title 1"/>
           <p:cNvSpPr>
             <a:spLocks noGrp="1"/>
           </p:cNvSpPr>
           <p:nvPr>
-            <p:ph idx="1"/>
+            <p:ph type="title"/>
           </p:nvPr>
         </p:nvSpPr>
         <p:spPr/>
@@ -18444,85 +18553,89 @@
           <a:bodyPr/>
           <a:lstStyle/>
           <a:p>
-            <a:pPr marL="0" indent="0">
-              <a:buNone/>
-            </a:pPr>
-            <a:r>
-              <a:rPr lang="pl-PL" sz="2400" b="1" dirty="0" smtClean="0"/>
-              <a:t>Wady event </a:t>
-            </a:r>
-            <a:r>
-              <a:rPr lang="pl-PL" sz="2400" b="1" dirty="0" err="1" smtClean="0"/>
-              <a:t>sourcingu</a:t>
-            </a:r>
-            <a:r>
-              <a:rPr lang="pl-PL" sz="2400" b="1" dirty="0" smtClean="0"/>
-              <a:t>:</a:t>
-            </a:r>
-          </a:p>
-          <a:p>
-            <a:pPr marL="0" indent="0">
-              <a:buNone/>
-            </a:pPr>
-            <a:endParaRPr lang="pl-PL" dirty="0" smtClean="0"/>
-          </a:p>
-          <a:p>
-            <a:pPr>
-              <a:buFontTx/>
-              <a:buChar char="-"/>
-            </a:pPr>
-            <a:r>
-              <a:rPr lang="pl-PL" dirty="0" err="1" smtClean="0"/>
-              <a:t>Eventual</a:t>
-            </a:r>
-            <a:r>
-              <a:rPr lang="pl-PL" dirty="0" smtClean="0"/>
+            <a:r>
+              <a:rPr lang="pl-PL" dirty="0" err="1"/>
+              <a:t>dotNet</a:t>
+            </a:r>
+            <a:r>
+              <a:rPr lang="pl-PL" dirty="0"/>
               <a:t> </a:t>
             </a:r>
             <a:r>
-              <a:rPr lang="pl-PL" dirty="0" err="1" smtClean="0"/>
-              <a:t>consistency</a:t>
-            </a:r>
-            <a:endParaRPr lang="pl-PL" dirty="0" smtClean="0"/>
-          </a:p>
-          <a:p>
-            <a:pPr>
-              <a:buFontTx/>
-              <a:buChar char="-"/>
-            </a:pPr>
-            <a:r>
-              <a:rPr lang="pl-PL" dirty="0" smtClean="0"/>
-              <a:t>Performance</a:t>
-            </a:r>
-          </a:p>
-          <a:p>
-            <a:pPr>
-              <a:buFontTx/>
-              <a:buChar char="-"/>
-            </a:pPr>
-            <a:r>
-              <a:rPr lang="pl-PL" dirty="0" smtClean="0"/>
-              <a:t>Trudniejsze generowanie widoków </a:t>
-            </a:r>
-            <a:r>
-              <a:rPr lang="pl-PL" smtClean="0"/>
-              <a:t>do odczytu</a:t>
-            </a:r>
-            <a:endParaRPr lang="pl-PL" dirty="0" smtClean="0"/>
-          </a:p>
-          <a:p>
-            <a:pPr>
-              <a:buFontTx/>
-              <a:buChar char="-"/>
-            </a:pPr>
-            <a:endParaRPr lang="pl-PL" dirty="0"/>
-          </a:p>
-        </p:txBody>
-      </p:sp>
+              <a:rPr lang="pl-PL" dirty="0" err="1"/>
+              <a:t>Core</a:t>
+            </a:r>
+            <a:r>
+              <a:rPr lang="pl-PL" dirty="0"/>
+              <a:t> nie taki straszny</a:t>
+            </a:r>
+          </a:p>
+        </p:txBody>
+      </p:sp>
+      <p:pic>
+        <p:nvPicPr>
+          <p:cNvPr id="4" name="Picture 3"/>
+          <p:cNvPicPr>
+            <a:picLocks noChangeAspect="1"/>
+          </p:cNvPicPr>
+          <p:nvPr/>
+        </p:nvPicPr>
+        <p:blipFill>
+          <a:blip r:embed="rId2">
+            <a:extLst>
+              <a:ext uri="{28A0092B-C50C-407E-A947-70E740481C1C}">
+                <a14:useLocalDpi xmlns:a14="http://schemas.microsoft.com/office/drawing/2010/main" val="0"/>
+              </a:ext>
+            </a:extLst>
+          </a:blip>
+          <a:stretch>
+            <a:fillRect/>
+          </a:stretch>
+        </p:blipFill>
+        <p:spPr>
+          <a:xfrm>
+            <a:off x="2021985" y="1877061"/>
+            <a:ext cx="8221349" cy="4584578"/>
+          </a:xfrm>
+          <a:prstGeom prst="rect">
+            <a:avLst/>
+          </a:prstGeom>
+        </p:spPr>
+      </p:pic>
+      <p:pic>
+        <p:nvPicPr>
+          <p:cNvPr id="3" name="Picture 2"/>
+          <p:cNvPicPr>
+            <a:picLocks noChangeAspect="1"/>
+          </p:cNvPicPr>
+          <p:nvPr/>
+        </p:nvPicPr>
+        <p:blipFill>
+          <a:blip r:embed="rId3">
+            <a:extLst>
+              <a:ext uri="{28A0092B-C50C-407E-A947-70E740481C1C}">
+                <a14:useLocalDpi xmlns:a14="http://schemas.microsoft.com/office/drawing/2010/main" val="0"/>
+              </a:ext>
+            </a:extLst>
+          </a:blip>
+          <a:stretch>
+            <a:fillRect/>
+          </a:stretch>
+        </p:blipFill>
+        <p:spPr>
+          <a:xfrm>
+            <a:off x="2021985" y="1877061"/>
+            <a:ext cx="8342428" cy="4584578"/>
+          </a:xfrm>
+          <a:prstGeom prst="rect">
+            <a:avLst/>
+          </a:prstGeom>
+        </p:spPr>
+      </p:pic>
     </p:spTree>
     <p:extLst>
       <p:ext uri="{BB962C8B-B14F-4D97-AF65-F5344CB8AC3E}">
-        <p14:creationId xmlns:p14="http://schemas.microsoft.com/office/powerpoint/2010/main" val="2997181480"/>
+        <p14:creationId xmlns:p14="http://schemas.microsoft.com/office/powerpoint/2010/main" val="4131225832"/>
       </p:ext>
     </p:extLst>
   </p:cSld>
@@ -19035,6 +19148,411 @@
     <p:extLst>
       <p:ext uri="{BB962C8B-B14F-4D97-AF65-F5344CB8AC3E}">
         <p14:creationId xmlns:p14="http://schemas.microsoft.com/office/powerpoint/2010/main" val="1999620456"/>
+      </p:ext>
+    </p:extLst>
+  </p:cSld>
+  <p:clrMapOvr>
+    <a:masterClrMapping/>
+  </p:clrMapOvr>
+  <p:timing>
+    <p:tnLst>
+      <p:par>
+        <p:cTn id="1" dur="indefinite" restart="never" nodeType="tmRoot"/>
+      </p:par>
+    </p:tnLst>
+  </p:timing>
+</p:sld>
+</file>
+
+<file path=ppt/slides/slide50.xml><?xml version="1.0" encoding="utf-8"?>
+<p:sld xmlns:a="http://schemas.openxmlformats.org/drawingml/2006/main" xmlns:r="http://schemas.openxmlformats.org/officeDocument/2006/relationships" xmlns:p="http://schemas.openxmlformats.org/presentationml/2006/main">
+  <p:cSld>
+    <p:spTree>
+      <p:nvGrpSpPr>
+        <p:cNvPr id="1" name=""/>
+        <p:cNvGrpSpPr/>
+        <p:nvPr/>
+      </p:nvGrpSpPr>
+      <p:grpSpPr>
+        <a:xfrm>
+          <a:off x="0" y="0"/>
+          <a:ext cx="0" cy="0"/>
+          <a:chOff x="0" y="0"/>
+          <a:chExt cx="0" cy="0"/>
+        </a:xfrm>
+      </p:grpSpPr>
+      <p:sp>
+        <p:nvSpPr>
+          <p:cNvPr id="2" name="Title 1"/>
+          <p:cNvSpPr>
+            <a:spLocks noGrp="1"/>
+          </p:cNvSpPr>
+          <p:nvPr>
+            <p:ph type="title"/>
+          </p:nvPr>
+        </p:nvSpPr>
+        <p:spPr/>
+        <p:txBody>
+          <a:bodyPr>
+            <a:normAutofit/>
+          </a:bodyPr>
+          <a:lstStyle/>
+          <a:p>
+            <a:r>
+              <a:rPr lang="pl-PL" dirty="0"/>
+              <a:t>Marten + </a:t>
+            </a:r>
+            <a:r>
+              <a:rPr lang="pl-PL" dirty="0" err="1"/>
+              <a:t>MediatR</a:t>
+            </a:r>
+            <a:r>
+              <a:rPr lang="pl-PL" dirty="0"/>
+              <a:t> = Teoria w praktyce.</a:t>
+            </a:r>
+          </a:p>
+        </p:txBody>
+      </p:sp>
+      <p:sp>
+        <p:nvSpPr>
+          <p:cNvPr id="25" name="Content Placeholder 2"/>
+          <p:cNvSpPr>
+            <a:spLocks noGrp="1"/>
+          </p:cNvSpPr>
+          <p:nvPr>
+            <p:ph idx="1"/>
+          </p:nvPr>
+        </p:nvSpPr>
+        <p:spPr>
+          <a:xfrm>
+            <a:off x="685800" y="3454400"/>
+            <a:ext cx="10820400" cy="2764285"/>
+          </a:xfrm>
+        </p:spPr>
+        <p:txBody>
+          <a:bodyPr>
+            <a:normAutofit/>
+          </a:bodyPr>
+          <a:lstStyle/>
+          <a:p>
+            <a:pPr marL="0" indent="0" algn="ctr">
+              <a:buNone/>
+            </a:pPr>
+            <a:r>
+              <a:rPr lang="pl-PL" sz="3600" b="1" dirty="0" smtClean="0"/>
+              <a:t>PRZYKŁAD</a:t>
+            </a:r>
+            <a:endParaRPr lang="pl-PL" sz="2000" dirty="0"/>
+          </a:p>
+        </p:txBody>
+      </p:sp>
+    </p:spTree>
+    <p:extLst>
+      <p:ext uri="{BB962C8B-B14F-4D97-AF65-F5344CB8AC3E}">
+        <p14:creationId xmlns:p14="http://schemas.microsoft.com/office/powerpoint/2010/main" val="2412377428"/>
+      </p:ext>
+    </p:extLst>
+  </p:cSld>
+  <p:clrMapOvr>
+    <a:masterClrMapping/>
+  </p:clrMapOvr>
+  <p:timing>
+    <p:tnLst>
+      <p:par>
+        <p:cTn id="1" dur="indefinite" restart="never" nodeType="tmRoot"/>
+      </p:par>
+    </p:tnLst>
+  </p:timing>
+</p:sld>
+</file>
+
+<file path=ppt/slides/slide51.xml><?xml version="1.0" encoding="utf-8"?>
+<p:sld xmlns:a="http://schemas.openxmlformats.org/drawingml/2006/main" xmlns:r="http://schemas.openxmlformats.org/officeDocument/2006/relationships" xmlns:p="http://schemas.openxmlformats.org/presentationml/2006/main">
+  <p:cSld>
+    <p:spTree>
+      <p:nvGrpSpPr>
+        <p:cNvPr id="1" name=""/>
+        <p:cNvGrpSpPr/>
+        <p:nvPr/>
+      </p:nvGrpSpPr>
+      <p:grpSpPr>
+        <a:xfrm>
+          <a:off x="0" y="0"/>
+          <a:ext cx="0" cy="0"/>
+          <a:chOff x="0" y="0"/>
+          <a:chExt cx="0" cy="0"/>
+        </a:xfrm>
+      </p:grpSpPr>
+      <p:sp>
+        <p:nvSpPr>
+          <p:cNvPr id="2" name="Title 1"/>
+          <p:cNvSpPr>
+            <a:spLocks noGrp="1"/>
+          </p:cNvSpPr>
+          <p:nvPr>
+            <p:ph type="title"/>
+          </p:nvPr>
+        </p:nvSpPr>
+        <p:spPr/>
+        <p:txBody>
+          <a:bodyPr/>
+          <a:lstStyle/>
+          <a:p>
+            <a:r>
+              <a:rPr lang="pl-PL" dirty="0" smtClean="0"/>
+              <a:t>Podsumowanie</a:t>
+            </a:r>
+            <a:endParaRPr lang="pl-PL" dirty="0"/>
+          </a:p>
+        </p:txBody>
+      </p:sp>
+      <p:sp>
+        <p:nvSpPr>
+          <p:cNvPr id="3" name="Content Placeholder 2"/>
+          <p:cNvSpPr>
+            <a:spLocks noGrp="1"/>
+          </p:cNvSpPr>
+          <p:nvPr>
+            <p:ph idx="1"/>
+          </p:nvPr>
+        </p:nvSpPr>
+        <p:spPr/>
+        <p:txBody>
+          <a:bodyPr/>
+          <a:lstStyle/>
+          <a:p>
+            <a:endParaRPr lang="pl-PL" dirty="0"/>
+          </a:p>
+        </p:txBody>
+      </p:sp>
+    </p:spTree>
+    <p:extLst>
+      <p:ext uri="{BB962C8B-B14F-4D97-AF65-F5344CB8AC3E}">
+        <p14:creationId xmlns:p14="http://schemas.microsoft.com/office/powerpoint/2010/main" val="3995095530"/>
+      </p:ext>
+    </p:extLst>
+  </p:cSld>
+  <p:clrMapOvr>
+    <a:masterClrMapping/>
+  </p:clrMapOvr>
+  <p:timing>
+    <p:tnLst>
+      <p:par>
+        <p:cTn id="1" dur="indefinite" restart="never" nodeType="tmRoot"/>
+      </p:par>
+    </p:tnLst>
+  </p:timing>
+</p:sld>
+</file>
+
+<file path=ppt/slides/slide52.xml><?xml version="1.0" encoding="utf-8"?>
+<p:sld xmlns:a="http://schemas.openxmlformats.org/drawingml/2006/main" xmlns:r="http://schemas.openxmlformats.org/officeDocument/2006/relationships" xmlns:p="http://schemas.openxmlformats.org/presentationml/2006/main">
+  <p:cSld>
+    <p:spTree>
+      <p:nvGrpSpPr>
+        <p:cNvPr id="1" name=""/>
+        <p:cNvGrpSpPr/>
+        <p:nvPr/>
+      </p:nvGrpSpPr>
+      <p:grpSpPr>
+        <a:xfrm>
+          <a:off x="0" y="0"/>
+          <a:ext cx="0" cy="0"/>
+          <a:chOff x="0" y="0"/>
+          <a:chExt cx="0" cy="0"/>
+        </a:xfrm>
+      </p:grpSpPr>
+      <p:sp>
+        <p:nvSpPr>
+          <p:cNvPr id="2" name="Title 1"/>
+          <p:cNvSpPr>
+            <a:spLocks noGrp="1"/>
+          </p:cNvSpPr>
+          <p:nvPr>
+            <p:ph type="title"/>
+          </p:nvPr>
+        </p:nvSpPr>
+        <p:spPr/>
+        <p:txBody>
+          <a:bodyPr/>
+          <a:lstStyle/>
+          <a:p>
+            <a:endParaRPr lang="pl-PL"/>
+          </a:p>
+        </p:txBody>
+      </p:sp>
+      <p:sp>
+        <p:nvSpPr>
+          <p:cNvPr id="3" name="Content Placeholder 2"/>
+          <p:cNvSpPr>
+            <a:spLocks noGrp="1"/>
+          </p:cNvSpPr>
+          <p:nvPr>
+            <p:ph idx="1"/>
+          </p:nvPr>
+        </p:nvSpPr>
+        <p:spPr/>
+        <p:txBody>
+          <a:bodyPr/>
+          <a:lstStyle/>
+          <a:p>
+            <a:pPr marL="0" indent="0" algn="ctr">
+              <a:buNone/>
+            </a:pPr>
+            <a:r>
+              <a:rPr lang="pl-PL" sz="4000" b="1" dirty="0" smtClean="0"/>
+              <a:t>Dziękuję za uwagę </a:t>
+            </a:r>
+            <a:r>
+              <a:rPr lang="pl-PL" sz="4000" b="1" dirty="0" smtClean="0">
+                <a:sym typeface="Wingdings" panose="05000000000000000000" pitchFamily="2" charset="2"/>
+              </a:rPr>
+              <a:t></a:t>
+            </a:r>
+          </a:p>
+          <a:p>
+            <a:pPr marL="0" indent="0" algn="ctr">
+              <a:buNone/>
+            </a:pPr>
+            <a:endParaRPr lang="pl-PL" dirty="0">
+              <a:sym typeface="Wingdings" panose="05000000000000000000" pitchFamily="2" charset="2"/>
+            </a:endParaRPr>
+          </a:p>
+          <a:p>
+            <a:pPr marL="0" indent="0" algn="ctr">
+              <a:buNone/>
+            </a:pPr>
+            <a:r>
+              <a:rPr lang="pl-PL" dirty="0">
+                <a:sym typeface="Wingdings" panose="05000000000000000000" pitchFamily="2" charset="2"/>
+              </a:rPr>
+              <a:t>Więcej </a:t>
+            </a:r>
+            <a:r>
+              <a:rPr lang="pl-PL" dirty="0" smtClean="0">
+                <a:sym typeface="Wingdings" panose="05000000000000000000" pitchFamily="2" charset="2"/>
+              </a:rPr>
+              <a:t>przykładów na</a:t>
+            </a:r>
+            <a:r>
+              <a:rPr lang="pl-PL" dirty="0">
+                <a:sym typeface="Wingdings" panose="05000000000000000000" pitchFamily="2" charset="2"/>
+              </a:rPr>
+              <a:t>: </a:t>
+            </a:r>
+            <a:r>
+              <a:rPr lang="pl-PL" dirty="0">
+                <a:sym typeface="Wingdings" panose="05000000000000000000" pitchFamily="2" charset="2"/>
+                <a:hlinkClick r:id="rId2"/>
+              </a:rPr>
+              <a:t>https://</a:t>
+            </a:r>
+            <a:r>
+              <a:rPr lang="pl-PL" dirty="0" smtClean="0">
+                <a:sym typeface="Wingdings" panose="05000000000000000000" pitchFamily="2" charset="2"/>
+                <a:hlinkClick r:id="rId2"/>
+              </a:rPr>
+              <a:t>github.com/oskardudycz/EventSourcing.NetCore</a:t>
+            </a:r>
+            <a:endParaRPr lang="pl-PL" dirty="0" smtClean="0">
+              <a:sym typeface="Wingdings" panose="05000000000000000000" pitchFamily="2" charset="2"/>
+            </a:endParaRPr>
+          </a:p>
+          <a:p>
+            <a:pPr marL="0" indent="0" algn="ctr">
+              <a:buNone/>
+            </a:pPr>
+            <a:endParaRPr lang="pl-PL" dirty="0">
+              <a:sym typeface="Wingdings" panose="05000000000000000000" pitchFamily="2" charset="2"/>
+            </a:endParaRPr>
+          </a:p>
+          <a:p>
+            <a:pPr marL="0" indent="0" algn="ctr">
+              <a:buNone/>
+            </a:pPr>
+            <a:r>
+              <a:rPr lang="pl-PL" dirty="0" smtClean="0">
+                <a:sym typeface="Wingdings" panose="05000000000000000000" pitchFamily="2" charset="2"/>
+              </a:rPr>
+              <a:t>Chętnych do zabawy z Event </a:t>
+            </a:r>
+            <a:r>
+              <a:rPr lang="pl-PL" dirty="0" err="1" smtClean="0">
+                <a:sym typeface="Wingdings" panose="05000000000000000000" pitchFamily="2" charset="2"/>
+              </a:rPr>
+              <a:t>Sourcing</a:t>
+            </a:r>
+            <a:r>
+              <a:rPr lang="pl-PL" dirty="0" smtClean="0">
+                <a:sym typeface="Wingdings" panose="05000000000000000000" pitchFamily="2" charset="2"/>
+              </a:rPr>
+              <a:t>, .NET </a:t>
+            </a:r>
+            <a:r>
+              <a:rPr lang="pl-PL" dirty="0" err="1" smtClean="0">
+                <a:sym typeface="Wingdings" panose="05000000000000000000" pitchFamily="2" charset="2"/>
+              </a:rPr>
+              <a:t>Core</a:t>
+            </a:r>
+            <a:r>
+              <a:rPr lang="pl-PL" dirty="0" smtClean="0">
+                <a:sym typeface="Wingdings" panose="05000000000000000000" pitchFamily="2" charset="2"/>
+              </a:rPr>
+              <a:t>, DDD i innych zapraszam do kontrybucji we </a:t>
+            </a:r>
+            <a:r>
+              <a:rPr lang="pl-PL" dirty="0" err="1" smtClean="0">
+                <a:sym typeface="Wingdings" panose="05000000000000000000" pitchFamily="2" charset="2"/>
+              </a:rPr>
+              <a:t>frameworku</a:t>
+            </a:r>
+            <a:r>
+              <a:rPr lang="pl-PL" dirty="0" smtClean="0">
+                <a:sym typeface="Wingdings" panose="05000000000000000000" pitchFamily="2" charset="2"/>
+              </a:rPr>
+              <a:t>:</a:t>
+            </a:r>
+          </a:p>
+          <a:p>
+            <a:pPr marL="0" indent="0" algn="ctr">
+              <a:buNone/>
+            </a:pPr>
+            <a:r>
+              <a:rPr lang="pl-PL" dirty="0" smtClean="0">
+                <a:sym typeface="Wingdings" panose="05000000000000000000" pitchFamily="2" charset="2"/>
+              </a:rPr>
+              <a:t> </a:t>
+            </a:r>
+            <a:r>
+              <a:rPr lang="pl-PL" dirty="0">
+                <a:sym typeface="Wingdings" panose="05000000000000000000" pitchFamily="2" charset="2"/>
+                <a:hlinkClick r:id="rId3"/>
+              </a:rPr>
+              <a:t>https://</a:t>
+            </a:r>
+            <a:r>
+              <a:rPr lang="pl-PL" dirty="0" smtClean="0">
+                <a:sym typeface="Wingdings" panose="05000000000000000000" pitchFamily="2" charset="2"/>
+                <a:hlinkClick r:id="rId3"/>
+              </a:rPr>
+              <a:t>github.com/oskardudycz/GoldenEye</a:t>
+            </a:r>
+            <a:endParaRPr lang="pl-PL" dirty="0" smtClean="0">
+              <a:sym typeface="Wingdings" panose="05000000000000000000" pitchFamily="2" charset="2"/>
+            </a:endParaRPr>
+          </a:p>
+          <a:p>
+            <a:pPr marL="0" indent="0" algn="ctr">
+              <a:buNone/>
+            </a:pPr>
+            <a:endParaRPr lang="pl-PL" dirty="0"/>
+          </a:p>
+        </p:txBody>
+      </p:sp>
+    </p:spTree>
+    <p:extLst>
+      <p:ext uri="{BB962C8B-B14F-4D97-AF65-F5344CB8AC3E}">
+        <p14:creationId xmlns:p14="http://schemas.microsoft.com/office/powerpoint/2010/main" val="39367281"/>
       </p:ext>
     </p:extLst>
   </p:cSld>

--- a/Slides.pptx
+++ b/Slides.pptx
@@ -7093,1788 +7093,30 @@
           </a:p>
         </p:txBody>
       </p:sp>
-      <p:sp>
-        <p:nvSpPr>
-          <p:cNvPr id="6" name="Rectangle 5"/>
-          <p:cNvSpPr/>
-          <p:nvPr/>
-        </p:nvSpPr>
-        <p:spPr>
-          <a:xfrm>
-            <a:off x="1778000" y="2057401"/>
-            <a:ext cx="7670800" cy="4616648"/>
+      <p:pic>
+        <p:nvPicPr>
+          <p:cNvPr id="8" name="Picture 7"/>
+          <p:cNvPicPr>
+            <a:picLocks noChangeAspect="1"/>
+          </p:cNvPicPr>
+          <p:nvPr/>
+        </p:nvPicPr>
+        <p:blipFill>
+          <a:blip r:embed="rId2"/>
+          <a:stretch>
+            <a:fillRect/>
+          </a:stretch>
+        </p:blipFill>
+        <p:spPr>
+          <a:xfrm>
+            <a:off x="1700012" y="1841679"/>
+            <a:ext cx="5086879" cy="4770746"/>
           </a:xfrm>
           <a:prstGeom prst="rect">
             <a:avLst/>
           </a:prstGeom>
         </p:spPr>
-        <p:txBody>
-          <a:bodyPr wrap="square">
-            <a:spAutoFit/>
-          </a:bodyPr>
-          <a:lstStyle/>
-          <a:p>
-            <a:r>
-              <a:rPr lang="pl-PL" sz="1400" b="1" dirty="0">
-                <a:solidFill>
-                  <a:srgbClr val="0000FF"/>
-                </a:solidFill>
-                <a:highlight>
-                  <a:srgbClr val="FFFFFF"/>
-                </a:highlight>
-              </a:rPr>
-              <a:t>public</a:t>
-            </a:r>
-            <a:r>
-              <a:rPr lang="pl-PL" sz="1400" dirty="0">
-                <a:solidFill>
-                  <a:srgbClr val="000000"/>
-                </a:solidFill>
-                <a:highlight>
-                  <a:srgbClr val="FFFFFF"/>
-                </a:highlight>
-              </a:rPr>
-              <a:t> </a:t>
-            </a:r>
-            <a:r>
-              <a:rPr lang="pl-PL" sz="1400" b="1" dirty="0" err="1">
-                <a:solidFill>
-                  <a:srgbClr val="0000FF"/>
-                </a:solidFill>
-                <a:highlight>
-                  <a:srgbClr val="FFFFFF"/>
-                </a:highlight>
-              </a:rPr>
-              <a:t>abstract</a:t>
-            </a:r>
-            <a:r>
-              <a:rPr lang="pl-PL" sz="1400" dirty="0">
-                <a:solidFill>
-                  <a:srgbClr val="000000"/>
-                </a:solidFill>
-                <a:highlight>
-                  <a:srgbClr val="FFFFFF"/>
-                </a:highlight>
-              </a:rPr>
-              <a:t> </a:t>
-            </a:r>
-            <a:r>
-              <a:rPr lang="pl-PL" sz="1400" dirty="0" err="1">
-                <a:solidFill>
-                  <a:srgbClr val="8000FF"/>
-                </a:solidFill>
-                <a:highlight>
-                  <a:srgbClr val="FFFFFF"/>
-                </a:highlight>
-              </a:rPr>
-              <a:t>class</a:t>
-            </a:r>
-            <a:r>
-              <a:rPr lang="pl-PL" sz="1400" dirty="0">
-                <a:solidFill>
-                  <a:srgbClr val="000000"/>
-                </a:solidFill>
-                <a:highlight>
-                  <a:srgbClr val="FFFFFF"/>
-                </a:highlight>
-              </a:rPr>
-              <a:t> </a:t>
-            </a:r>
-            <a:r>
-              <a:rPr lang="pl-PL" sz="1400" dirty="0" err="1">
-                <a:solidFill>
-                  <a:srgbClr val="000000"/>
-                </a:solidFill>
-                <a:highlight>
-                  <a:srgbClr val="FFFFFF"/>
-                </a:highlight>
-              </a:rPr>
-              <a:t>RepositoryBase</a:t>
-            </a:r>
-            <a:r>
-              <a:rPr lang="pl-PL" sz="1400" b="1" dirty="0">
-                <a:solidFill>
-                  <a:srgbClr val="000080"/>
-                </a:solidFill>
-                <a:highlight>
-                  <a:srgbClr val="FFFFFF"/>
-                </a:highlight>
-              </a:rPr>
-              <a:t>&lt;</a:t>
-            </a:r>
-            <a:r>
-              <a:rPr lang="pl-PL" sz="1400" dirty="0" err="1">
-                <a:solidFill>
-                  <a:srgbClr val="000000"/>
-                </a:solidFill>
-                <a:highlight>
-                  <a:srgbClr val="FFFFFF"/>
-                </a:highlight>
-              </a:rPr>
-              <a:t>TEntity</a:t>
-            </a:r>
-            <a:r>
-              <a:rPr lang="pl-PL" sz="1400" b="1" dirty="0">
-                <a:solidFill>
-                  <a:srgbClr val="000080"/>
-                </a:solidFill>
-                <a:highlight>
-                  <a:srgbClr val="FFFFFF"/>
-                </a:highlight>
-              </a:rPr>
-              <a:t>&gt;</a:t>
-            </a:r>
-            <a:r>
-              <a:rPr lang="pl-PL" sz="1400" dirty="0">
-                <a:solidFill>
-                  <a:srgbClr val="000000"/>
-                </a:solidFill>
-                <a:highlight>
-                  <a:srgbClr val="FFFFFF"/>
-                </a:highlight>
-              </a:rPr>
-              <a:t> </a:t>
-            </a:r>
-          </a:p>
-          <a:p>
-            <a:r>
-              <a:rPr lang="pl-PL" sz="1400" b="1" dirty="0">
-                <a:solidFill>
-                  <a:srgbClr val="000080"/>
-                </a:solidFill>
-                <a:highlight>
-                  <a:srgbClr val="FFFFFF"/>
-                </a:highlight>
-              </a:rPr>
-              <a:t>{</a:t>
-            </a:r>
-            <a:endParaRPr lang="pl-PL" sz="1400" dirty="0">
-              <a:solidFill>
-                <a:srgbClr val="000000"/>
-              </a:solidFill>
-              <a:highlight>
-                <a:srgbClr val="FFFFFF"/>
-              </a:highlight>
-            </a:endParaRPr>
-          </a:p>
-          <a:p>
-            <a:r>
-              <a:rPr lang="pl-PL" sz="1400" dirty="0">
-                <a:solidFill>
-                  <a:srgbClr val="000000"/>
-                </a:solidFill>
-                <a:highlight>
-                  <a:srgbClr val="FFFFFF"/>
-                </a:highlight>
-              </a:rPr>
-              <a:t>    </a:t>
-            </a:r>
-            <a:r>
-              <a:rPr lang="pl-PL" sz="1400" b="1" dirty="0" err="1">
-                <a:solidFill>
-                  <a:srgbClr val="0000FF"/>
-                </a:solidFill>
-                <a:highlight>
-                  <a:srgbClr val="FFFFFF"/>
-                </a:highlight>
-              </a:rPr>
-              <a:t>protected</a:t>
-            </a:r>
-            <a:r>
-              <a:rPr lang="pl-PL" sz="1400" dirty="0">
-                <a:solidFill>
-                  <a:srgbClr val="000000"/>
-                </a:solidFill>
-                <a:highlight>
-                  <a:srgbClr val="FFFFFF"/>
-                </a:highlight>
-              </a:rPr>
-              <a:t> </a:t>
-            </a:r>
-            <a:r>
-              <a:rPr lang="pl-PL" sz="1400" b="1" dirty="0" err="1">
-                <a:solidFill>
-                  <a:srgbClr val="0000FF"/>
-                </a:solidFill>
-                <a:highlight>
-                  <a:srgbClr val="FFFFFF"/>
-                </a:highlight>
-              </a:rPr>
-              <a:t>readonly</a:t>
-            </a:r>
-            <a:r>
-              <a:rPr lang="pl-PL" sz="1400" dirty="0">
-                <a:solidFill>
-                  <a:srgbClr val="000000"/>
-                </a:solidFill>
-                <a:highlight>
-                  <a:srgbClr val="FFFFFF"/>
-                </a:highlight>
-              </a:rPr>
-              <a:t> </a:t>
-            </a:r>
-            <a:r>
-              <a:rPr lang="pl-PL" sz="1400" dirty="0" err="1">
-                <a:solidFill>
-                  <a:srgbClr val="000000"/>
-                </a:solidFill>
-                <a:highlight>
-                  <a:srgbClr val="FFFFFF"/>
-                </a:highlight>
-              </a:rPr>
-              <a:t>IDbSet</a:t>
-            </a:r>
-            <a:r>
-              <a:rPr lang="pl-PL" sz="1400" b="1" dirty="0">
-                <a:solidFill>
-                  <a:srgbClr val="000080"/>
-                </a:solidFill>
-                <a:highlight>
-                  <a:srgbClr val="FFFFFF"/>
-                </a:highlight>
-              </a:rPr>
-              <a:t>&lt;</a:t>
-            </a:r>
-            <a:r>
-              <a:rPr lang="pl-PL" sz="1400" dirty="0" err="1">
-                <a:solidFill>
-                  <a:srgbClr val="000000"/>
-                </a:solidFill>
-                <a:highlight>
-                  <a:srgbClr val="FFFFFF"/>
-                </a:highlight>
-              </a:rPr>
-              <a:t>TEntity</a:t>
-            </a:r>
-            <a:r>
-              <a:rPr lang="pl-PL" sz="1400" b="1" dirty="0">
-                <a:solidFill>
-                  <a:srgbClr val="000080"/>
-                </a:solidFill>
-                <a:highlight>
-                  <a:srgbClr val="FFFFFF"/>
-                </a:highlight>
-              </a:rPr>
-              <a:t>&gt;</a:t>
-            </a:r>
-            <a:r>
-              <a:rPr lang="pl-PL" sz="1400" dirty="0">
-                <a:solidFill>
-                  <a:srgbClr val="000000"/>
-                </a:solidFill>
-                <a:highlight>
-                  <a:srgbClr val="FFFFFF"/>
-                </a:highlight>
-              </a:rPr>
-              <a:t> </a:t>
-            </a:r>
-            <a:r>
-              <a:rPr lang="pl-PL" sz="1400" dirty="0" err="1">
-                <a:solidFill>
-                  <a:srgbClr val="000000"/>
-                </a:solidFill>
-                <a:highlight>
-                  <a:srgbClr val="FFFFFF"/>
-                </a:highlight>
-              </a:rPr>
-              <a:t>DbSet</a:t>
-            </a:r>
-            <a:r>
-              <a:rPr lang="pl-PL" sz="1400" b="1" dirty="0">
-                <a:solidFill>
-                  <a:srgbClr val="000080"/>
-                </a:solidFill>
-                <a:highlight>
-                  <a:srgbClr val="FFFFFF"/>
-                </a:highlight>
-              </a:rPr>
-              <a:t>;</a:t>
-            </a:r>
-            <a:endParaRPr lang="pl-PL" sz="1400" dirty="0">
-              <a:solidFill>
-                <a:srgbClr val="000000"/>
-              </a:solidFill>
-              <a:highlight>
-                <a:srgbClr val="FFFFFF"/>
-              </a:highlight>
-            </a:endParaRPr>
-          </a:p>
-          <a:p>
-            <a:r>
-              <a:rPr lang="pl-PL" sz="1400" dirty="0">
-                <a:solidFill>
-                  <a:srgbClr val="000000"/>
-                </a:solidFill>
-                <a:highlight>
-                  <a:srgbClr val="FFFFFF"/>
-                </a:highlight>
-              </a:rPr>
-              <a:t>        </a:t>
-            </a:r>
-          </a:p>
-          <a:p>
-            <a:r>
-              <a:rPr lang="pl-PL" sz="1400" dirty="0">
-                <a:solidFill>
-                  <a:srgbClr val="000000"/>
-                </a:solidFill>
-                <a:highlight>
-                  <a:srgbClr val="FFFFFF"/>
-                </a:highlight>
-              </a:rPr>
-              <a:t>    </a:t>
-            </a:r>
-            <a:r>
-              <a:rPr lang="pl-PL" sz="1400" b="1" dirty="0">
-                <a:solidFill>
-                  <a:srgbClr val="0000FF"/>
-                </a:solidFill>
-                <a:highlight>
-                  <a:srgbClr val="FFFFFF"/>
-                </a:highlight>
-              </a:rPr>
-              <a:t>public</a:t>
-            </a:r>
-            <a:r>
-              <a:rPr lang="pl-PL" sz="1400" dirty="0">
-                <a:solidFill>
-                  <a:srgbClr val="000000"/>
-                </a:solidFill>
-                <a:highlight>
-                  <a:srgbClr val="FFFFFF"/>
-                </a:highlight>
-              </a:rPr>
-              <a:t> </a:t>
-            </a:r>
-            <a:r>
-              <a:rPr lang="pl-PL" sz="1400" b="1" dirty="0" err="1">
-                <a:solidFill>
-                  <a:srgbClr val="0000FF"/>
-                </a:solidFill>
-                <a:highlight>
-                  <a:srgbClr val="FFFFFF"/>
-                </a:highlight>
-              </a:rPr>
-              <a:t>virtual</a:t>
-            </a:r>
-            <a:r>
-              <a:rPr lang="pl-PL" sz="1400" dirty="0">
-                <a:solidFill>
-                  <a:srgbClr val="000000"/>
-                </a:solidFill>
-                <a:highlight>
-                  <a:srgbClr val="FFFFFF"/>
-                </a:highlight>
-              </a:rPr>
-              <a:t> </a:t>
-            </a:r>
-            <a:r>
-              <a:rPr lang="pl-PL" sz="1400" dirty="0" err="1">
-                <a:solidFill>
-                  <a:srgbClr val="000000"/>
-                </a:solidFill>
-                <a:highlight>
-                  <a:srgbClr val="FFFFFF"/>
-                </a:highlight>
-              </a:rPr>
-              <a:t>TEntity</a:t>
-            </a:r>
-            <a:r>
-              <a:rPr lang="pl-PL" sz="1400" dirty="0">
-                <a:solidFill>
-                  <a:srgbClr val="000000"/>
-                </a:solidFill>
-                <a:highlight>
-                  <a:srgbClr val="FFFFFF"/>
-                </a:highlight>
-              </a:rPr>
-              <a:t> </a:t>
-            </a:r>
-            <a:r>
-              <a:rPr lang="pl-PL" sz="1400" dirty="0" err="1">
-                <a:solidFill>
-                  <a:srgbClr val="000000"/>
-                </a:solidFill>
-                <a:highlight>
-                  <a:srgbClr val="FFFFFF"/>
-                </a:highlight>
-              </a:rPr>
-              <a:t>Add</a:t>
-            </a:r>
-            <a:r>
-              <a:rPr lang="pl-PL" sz="1400" b="1" dirty="0">
-                <a:solidFill>
-                  <a:srgbClr val="000080"/>
-                </a:solidFill>
-                <a:highlight>
-                  <a:srgbClr val="FFFFFF"/>
-                </a:highlight>
-              </a:rPr>
-              <a:t>(</a:t>
-            </a:r>
-            <a:r>
-              <a:rPr lang="pl-PL" sz="1400" dirty="0" err="1">
-                <a:solidFill>
-                  <a:srgbClr val="000000"/>
-                </a:solidFill>
-                <a:highlight>
-                  <a:srgbClr val="FFFFFF"/>
-                </a:highlight>
-              </a:rPr>
-              <a:t>TEntity</a:t>
-            </a:r>
-            <a:r>
-              <a:rPr lang="pl-PL" sz="1400" dirty="0">
-                <a:solidFill>
-                  <a:srgbClr val="000000"/>
-                </a:solidFill>
-                <a:highlight>
-                  <a:srgbClr val="FFFFFF"/>
-                </a:highlight>
-              </a:rPr>
-              <a:t> </a:t>
-            </a:r>
-            <a:r>
-              <a:rPr lang="pl-PL" sz="1400" dirty="0" err="1">
-                <a:solidFill>
-                  <a:srgbClr val="000000"/>
-                </a:solidFill>
-                <a:highlight>
-                  <a:srgbClr val="FFFFFF"/>
-                </a:highlight>
-              </a:rPr>
-              <a:t>entity</a:t>
-            </a:r>
-            <a:r>
-              <a:rPr lang="pl-PL" sz="1400" b="1" dirty="0">
-                <a:solidFill>
-                  <a:srgbClr val="000080"/>
-                </a:solidFill>
-                <a:highlight>
-                  <a:srgbClr val="FFFFFF"/>
-                </a:highlight>
-              </a:rPr>
-              <a:t>)</a:t>
-            </a:r>
-            <a:endParaRPr lang="pl-PL" sz="1400" dirty="0">
-              <a:solidFill>
-                <a:srgbClr val="000000"/>
-              </a:solidFill>
-              <a:highlight>
-                <a:srgbClr val="FFFFFF"/>
-              </a:highlight>
-            </a:endParaRPr>
-          </a:p>
-          <a:p>
-            <a:r>
-              <a:rPr lang="pl-PL" sz="1400" dirty="0">
-                <a:solidFill>
-                  <a:srgbClr val="000000"/>
-                </a:solidFill>
-                <a:highlight>
-                  <a:srgbClr val="FFFFFF"/>
-                </a:highlight>
-              </a:rPr>
-              <a:t>    </a:t>
-            </a:r>
-            <a:r>
-              <a:rPr lang="pl-PL" sz="1400" b="1" dirty="0">
-                <a:solidFill>
-                  <a:srgbClr val="000080"/>
-                </a:solidFill>
-                <a:highlight>
-                  <a:srgbClr val="FFFFFF"/>
-                </a:highlight>
-              </a:rPr>
-              <a:t>{</a:t>
-            </a:r>
-            <a:endParaRPr lang="pl-PL" sz="1400" dirty="0">
-              <a:solidFill>
-                <a:srgbClr val="000000"/>
-              </a:solidFill>
-              <a:highlight>
-                <a:srgbClr val="FFFFFF"/>
-              </a:highlight>
-            </a:endParaRPr>
-          </a:p>
-          <a:p>
-            <a:r>
-              <a:rPr lang="pl-PL" sz="1400" dirty="0">
-                <a:solidFill>
-                  <a:srgbClr val="000000"/>
-                </a:solidFill>
-                <a:highlight>
-                  <a:srgbClr val="FFFFFF"/>
-                </a:highlight>
-              </a:rPr>
-              <a:t>	</a:t>
-            </a:r>
-            <a:r>
-              <a:rPr lang="pl-PL" sz="1400" dirty="0" err="1" smtClean="0">
-                <a:solidFill>
-                  <a:srgbClr val="000000"/>
-                </a:solidFill>
-                <a:highlight>
-                  <a:srgbClr val="FFFFFF"/>
-                </a:highlight>
-              </a:rPr>
-              <a:t>var</a:t>
-            </a:r>
-            <a:r>
-              <a:rPr lang="pl-PL" sz="1400" dirty="0" smtClean="0">
-                <a:solidFill>
-                  <a:srgbClr val="000000"/>
-                </a:solidFill>
-                <a:highlight>
-                  <a:srgbClr val="FFFFFF"/>
-                </a:highlight>
-              </a:rPr>
-              <a:t> </a:t>
-            </a:r>
-            <a:r>
-              <a:rPr lang="pl-PL" sz="1400" dirty="0" err="1">
-                <a:solidFill>
-                  <a:srgbClr val="000000"/>
-                </a:solidFill>
-                <a:highlight>
-                  <a:srgbClr val="FFFFFF"/>
-                </a:highlight>
-              </a:rPr>
-              <a:t>result</a:t>
-            </a:r>
-            <a:r>
-              <a:rPr lang="pl-PL" sz="1400" dirty="0">
-                <a:solidFill>
-                  <a:srgbClr val="000000"/>
-                </a:solidFill>
-                <a:highlight>
-                  <a:srgbClr val="FFFFFF"/>
-                </a:highlight>
-              </a:rPr>
-              <a:t> </a:t>
-            </a:r>
-            <a:r>
-              <a:rPr lang="pl-PL" sz="1400" b="1" dirty="0">
-                <a:solidFill>
-                  <a:srgbClr val="000080"/>
-                </a:solidFill>
-                <a:highlight>
-                  <a:srgbClr val="FFFFFF"/>
-                </a:highlight>
-              </a:rPr>
-              <a:t>=</a:t>
-            </a:r>
-            <a:r>
-              <a:rPr lang="pl-PL" sz="1400" dirty="0">
-                <a:solidFill>
-                  <a:srgbClr val="000000"/>
-                </a:solidFill>
-                <a:highlight>
-                  <a:srgbClr val="FFFFFF"/>
-                </a:highlight>
-              </a:rPr>
-              <a:t> </a:t>
-            </a:r>
-            <a:r>
-              <a:rPr lang="pl-PL" sz="1400" dirty="0" err="1">
-                <a:solidFill>
-                  <a:srgbClr val="000000"/>
-                </a:solidFill>
-                <a:highlight>
-                  <a:srgbClr val="FFFFFF"/>
-                </a:highlight>
-              </a:rPr>
-              <a:t>DbSet</a:t>
-            </a:r>
-            <a:r>
-              <a:rPr lang="pl-PL" sz="1400" b="1" dirty="0" err="1">
-                <a:solidFill>
-                  <a:srgbClr val="000080"/>
-                </a:solidFill>
-                <a:highlight>
-                  <a:srgbClr val="FFFFFF"/>
-                </a:highlight>
-              </a:rPr>
-              <a:t>.</a:t>
-            </a:r>
-            <a:r>
-              <a:rPr lang="pl-PL" sz="1400" dirty="0" err="1">
-                <a:solidFill>
-                  <a:srgbClr val="000000"/>
-                </a:solidFill>
-                <a:highlight>
-                  <a:srgbClr val="FFFFFF"/>
-                </a:highlight>
-              </a:rPr>
-              <a:t>Add</a:t>
-            </a:r>
-            <a:r>
-              <a:rPr lang="pl-PL" sz="1400" b="1" dirty="0">
-                <a:solidFill>
-                  <a:srgbClr val="000080"/>
-                </a:solidFill>
-                <a:highlight>
-                  <a:srgbClr val="FFFFFF"/>
-                </a:highlight>
-              </a:rPr>
-              <a:t>(</a:t>
-            </a:r>
-            <a:r>
-              <a:rPr lang="pl-PL" sz="1400" dirty="0" err="1">
-                <a:solidFill>
-                  <a:srgbClr val="000000"/>
-                </a:solidFill>
-                <a:highlight>
-                  <a:srgbClr val="FFFFFF"/>
-                </a:highlight>
-              </a:rPr>
-              <a:t>entity</a:t>
-            </a:r>
-            <a:r>
-              <a:rPr lang="pl-PL" sz="1400" b="1" dirty="0">
-                <a:solidFill>
-                  <a:srgbClr val="000080"/>
-                </a:solidFill>
-                <a:highlight>
-                  <a:srgbClr val="FFFFFF"/>
-                </a:highlight>
-              </a:rPr>
-              <a:t>);</a:t>
-            </a:r>
-            <a:endParaRPr lang="pl-PL" sz="1400" dirty="0">
-              <a:solidFill>
-                <a:srgbClr val="000000"/>
-              </a:solidFill>
-              <a:highlight>
-                <a:srgbClr val="FFFFFF"/>
-              </a:highlight>
-            </a:endParaRPr>
-          </a:p>
-          <a:p>
-            <a:r>
-              <a:rPr lang="pl-PL" sz="1400" dirty="0">
-                <a:solidFill>
-                  <a:srgbClr val="000000"/>
-                </a:solidFill>
-                <a:highlight>
-                  <a:srgbClr val="FFFFFF"/>
-                </a:highlight>
-              </a:rPr>
-              <a:t>	</a:t>
-            </a:r>
-            <a:r>
-              <a:rPr lang="pl-PL" sz="1400" dirty="0" err="1" smtClean="0">
-                <a:solidFill>
-                  <a:srgbClr val="000000"/>
-                </a:solidFill>
-                <a:highlight>
-                  <a:srgbClr val="FFFFFF"/>
-                </a:highlight>
-              </a:rPr>
-              <a:t>SaveChanges</a:t>
-            </a:r>
-            <a:r>
-              <a:rPr lang="pl-PL" sz="1400" b="1" dirty="0">
-                <a:solidFill>
-                  <a:srgbClr val="000080"/>
-                </a:solidFill>
-                <a:highlight>
-                  <a:srgbClr val="FFFFFF"/>
-                </a:highlight>
-              </a:rPr>
-              <a:t>();</a:t>
-            </a:r>
-            <a:endParaRPr lang="pl-PL" sz="1400" dirty="0">
-              <a:solidFill>
-                <a:srgbClr val="000000"/>
-              </a:solidFill>
-              <a:highlight>
-                <a:srgbClr val="FFFFFF"/>
-              </a:highlight>
-            </a:endParaRPr>
-          </a:p>
-          <a:p>
-            <a:r>
-              <a:rPr lang="pl-PL" sz="1400" dirty="0">
-                <a:solidFill>
-                  <a:srgbClr val="000000"/>
-                </a:solidFill>
-                <a:highlight>
-                  <a:srgbClr val="FFFFFF"/>
-                </a:highlight>
-              </a:rPr>
-              <a:t>	</a:t>
-            </a:r>
-            <a:r>
-              <a:rPr lang="pl-PL" sz="1400" b="1" dirty="0" smtClean="0">
-                <a:solidFill>
-                  <a:srgbClr val="0000FF"/>
-                </a:solidFill>
-                <a:highlight>
-                  <a:srgbClr val="FFFFFF"/>
-                </a:highlight>
-              </a:rPr>
-              <a:t>return</a:t>
-            </a:r>
-            <a:r>
-              <a:rPr lang="pl-PL" sz="1400" dirty="0" smtClean="0">
-                <a:solidFill>
-                  <a:srgbClr val="000000"/>
-                </a:solidFill>
-                <a:highlight>
-                  <a:srgbClr val="FFFFFF"/>
-                </a:highlight>
-              </a:rPr>
-              <a:t> </a:t>
-            </a:r>
-            <a:r>
-              <a:rPr lang="pl-PL" sz="1400" dirty="0" err="1">
-                <a:solidFill>
-                  <a:srgbClr val="000000"/>
-                </a:solidFill>
-                <a:highlight>
-                  <a:srgbClr val="FFFFFF"/>
-                </a:highlight>
-              </a:rPr>
-              <a:t>result</a:t>
-            </a:r>
-            <a:r>
-              <a:rPr lang="pl-PL" sz="1400" b="1" dirty="0">
-                <a:solidFill>
-                  <a:srgbClr val="000080"/>
-                </a:solidFill>
-                <a:highlight>
-                  <a:srgbClr val="FFFFFF"/>
-                </a:highlight>
-              </a:rPr>
-              <a:t>;</a:t>
-            </a:r>
-            <a:endParaRPr lang="pl-PL" sz="1400" dirty="0">
-              <a:solidFill>
-                <a:srgbClr val="000000"/>
-              </a:solidFill>
-              <a:highlight>
-                <a:srgbClr val="FFFFFF"/>
-              </a:highlight>
-            </a:endParaRPr>
-          </a:p>
-          <a:p>
-            <a:r>
-              <a:rPr lang="pl-PL" sz="1400" dirty="0" smtClean="0">
-                <a:solidFill>
-                  <a:srgbClr val="000000"/>
-                </a:solidFill>
-                <a:highlight>
-                  <a:srgbClr val="FFFFFF"/>
-                </a:highlight>
-              </a:rPr>
-              <a:t>    </a:t>
-            </a:r>
-            <a:r>
-              <a:rPr lang="pl-PL" sz="1400" b="1" dirty="0" smtClean="0">
-                <a:solidFill>
-                  <a:srgbClr val="000080"/>
-                </a:solidFill>
-                <a:highlight>
-                  <a:srgbClr val="FFFFFF"/>
-                </a:highlight>
-              </a:rPr>
-              <a:t>}</a:t>
-            </a:r>
-            <a:endParaRPr lang="pl-PL" sz="1400" dirty="0">
-              <a:solidFill>
-                <a:srgbClr val="000000"/>
-              </a:solidFill>
-              <a:highlight>
-                <a:srgbClr val="FFFFFF"/>
-              </a:highlight>
-            </a:endParaRPr>
-          </a:p>
-          <a:p>
-            <a:r>
-              <a:rPr lang="pl-PL" sz="1400" b="1" dirty="0" smtClean="0">
-                <a:solidFill>
-                  <a:srgbClr val="0000FF"/>
-                </a:solidFill>
-                <a:highlight>
-                  <a:srgbClr val="FFFFFF"/>
-                </a:highlight>
-              </a:rPr>
-              <a:t>    public</a:t>
-            </a:r>
-            <a:r>
-              <a:rPr lang="pl-PL" sz="1400" dirty="0" smtClean="0">
-                <a:solidFill>
-                  <a:srgbClr val="000000"/>
-                </a:solidFill>
-                <a:highlight>
-                  <a:srgbClr val="FFFFFF"/>
-                </a:highlight>
-              </a:rPr>
-              <a:t> </a:t>
-            </a:r>
-            <a:r>
-              <a:rPr lang="pl-PL" sz="1400" b="1" dirty="0" err="1">
-                <a:solidFill>
-                  <a:srgbClr val="0000FF"/>
-                </a:solidFill>
-                <a:highlight>
-                  <a:srgbClr val="FFFFFF"/>
-                </a:highlight>
-              </a:rPr>
-              <a:t>virtual</a:t>
-            </a:r>
-            <a:r>
-              <a:rPr lang="pl-PL" sz="1400" dirty="0">
-                <a:solidFill>
-                  <a:srgbClr val="000000"/>
-                </a:solidFill>
-                <a:highlight>
-                  <a:srgbClr val="FFFFFF"/>
-                </a:highlight>
-              </a:rPr>
-              <a:t> </a:t>
-            </a:r>
-            <a:r>
-              <a:rPr lang="pl-PL" sz="1400" dirty="0" err="1">
-                <a:solidFill>
-                  <a:srgbClr val="000000"/>
-                </a:solidFill>
-                <a:highlight>
-                  <a:srgbClr val="FFFFFF"/>
-                </a:highlight>
-              </a:rPr>
-              <a:t>TEntity</a:t>
-            </a:r>
-            <a:r>
-              <a:rPr lang="pl-PL" sz="1400" dirty="0">
-                <a:solidFill>
-                  <a:srgbClr val="000000"/>
-                </a:solidFill>
-                <a:highlight>
-                  <a:srgbClr val="FFFFFF"/>
-                </a:highlight>
-              </a:rPr>
-              <a:t> Update</a:t>
-            </a:r>
-            <a:r>
-              <a:rPr lang="pl-PL" sz="1400" b="1" dirty="0">
-                <a:solidFill>
-                  <a:srgbClr val="000080"/>
-                </a:solidFill>
-                <a:highlight>
-                  <a:srgbClr val="FFFFFF"/>
-                </a:highlight>
-              </a:rPr>
-              <a:t>(</a:t>
-            </a:r>
-            <a:r>
-              <a:rPr lang="pl-PL" sz="1400" dirty="0" err="1">
-                <a:solidFill>
-                  <a:srgbClr val="000000"/>
-                </a:solidFill>
-                <a:highlight>
-                  <a:srgbClr val="FFFFFF"/>
-                </a:highlight>
-              </a:rPr>
-              <a:t>TEntity</a:t>
-            </a:r>
-            <a:r>
-              <a:rPr lang="pl-PL" sz="1400" dirty="0">
-                <a:solidFill>
-                  <a:srgbClr val="000000"/>
-                </a:solidFill>
-                <a:highlight>
-                  <a:srgbClr val="FFFFFF"/>
-                </a:highlight>
-              </a:rPr>
-              <a:t> </a:t>
-            </a:r>
-            <a:r>
-              <a:rPr lang="pl-PL" sz="1400" dirty="0" err="1">
-                <a:solidFill>
-                  <a:srgbClr val="000000"/>
-                </a:solidFill>
-                <a:highlight>
-                  <a:srgbClr val="FFFFFF"/>
-                </a:highlight>
-              </a:rPr>
-              <a:t>entity</a:t>
-            </a:r>
-            <a:r>
-              <a:rPr lang="pl-PL" sz="1400" b="1" dirty="0">
-                <a:solidFill>
-                  <a:srgbClr val="000080"/>
-                </a:solidFill>
-                <a:highlight>
-                  <a:srgbClr val="FFFFFF"/>
-                </a:highlight>
-              </a:rPr>
-              <a:t>)</a:t>
-            </a:r>
-            <a:endParaRPr lang="pl-PL" sz="1400" dirty="0">
-              <a:solidFill>
-                <a:srgbClr val="000000"/>
-              </a:solidFill>
-              <a:highlight>
-                <a:srgbClr val="FFFFFF"/>
-              </a:highlight>
-            </a:endParaRPr>
-          </a:p>
-          <a:p>
-            <a:r>
-              <a:rPr lang="pl-PL" sz="1400" dirty="0">
-                <a:solidFill>
-                  <a:srgbClr val="000000"/>
-                </a:solidFill>
-                <a:highlight>
-                  <a:srgbClr val="FFFFFF"/>
-                </a:highlight>
-              </a:rPr>
-              <a:t>    </a:t>
-            </a:r>
-            <a:r>
-              <a:rPr lang="pl-PL" sz="1400" b="1" dirty="0">
-                <a:solidFill>
-                  <a:srgbClr val="000080"/>
-                </a:solidFill>
-                <a:highlight>
-                  <a:srgbClr val="FFFFFF"/>
-                </a:highlight>
-              </a:rPr>
-              <a:t>{</a:t>
-            </a:r>
-            <a:endParaRPr lang="pl-PL" sz="1400" dirty="0">
-              <a:solidFill>
-                <a:srgbClr val="000000"/>
-              </a:solidFill>
-              <a:highlight>
-                <a:srgbClr val="FFFFFF"/>
-              </a:highlight>
-            </a:endParaRPr>
-          </a:p>
-          <a:p>
-            <a:r>
-              <a:rPr lang="pl-PL" sz="1400" dirty="0">
-                <a:solidFill>
-                  <a:srgbClr val="000000"/>
-                </a:solidFill>
-                <a:highlight>
-                  <a:srgbClr val="FFFFFF"/>
-                </a:highlight>
-              </a:rPr>
-              <a:t>        </a:t>
-            </a:r>
-            <a:r>
-              <a:rPr lang="pl-PL" sz="1400" dirty="0" smtClean="0">
-                <a:solidFill>
-                  <a:srgbClr val="000000"/>
-                </a:solidFill>
-                <a:highlight>
-                  <a:srgbClr val="FFFFFF"/>
-                </a:highlight>
-              </a:rPr>
-              <a:t>  </a:t>
-            </a:r>
-            <a:r>
-              <a:rPr lang="pl-PL" sz="1400" dirty="0" err="1" smtClean="0">
-                <a:solidFill>
-                  <a:srgbClr val="000000"/>
-                </a:solidFill>
-                <a:highlight>
-                  <a:srgbClr val="FFFFFF"/>
-                </a:highlight>
-              </a:rPr>
-              <a:t>var</a:t>
-            </a:r>
-            <a:r>
-              <a:rPr lang="pl-PL" sz="1400" dirty="0" smtClean="0">
-                <a:solidFill>
-                  <a:srgbClr val="000000"/>
-                </a:solidFill>
-                <a:highlight>
-                  <a:srgbClr val="FFFFFF"/>
-                </a:highlight>
-              </a:rPr>
-              <a:t> </a:t>
-            </a:r>
-            <a:r>
-              <a:rPr lang="pl-PL" sz="1400" dirty="0" err="1">
-                <a:solidFill>
-                  <a:srgbClr val="000000"/>
-                </a:solidFill>
-                <a:highlight>
-                  <a:srgbClr val="FFFFFF"/>
-                </a:highlight>
-              </a:rPr>
-              <a:t>oldEntity</a:t>
-            </a:r>
-            <a:r>
-              <a:rPr lang="pl-PL" sz="1400" dirty="0">
-                <a:solidFill>
-                  <a:srgbClr val="000000"/>
-                </a:solidFill>
-                <a:highlight>
-                  <a:srgbClr val="FFFFFF"/>
-                </a:highlight>
-              </a:rPr>
-              <a:t> </a:t>
-            </a:r>
-            <a:r>
-              <a:rPr lang="pl-PL" sz="1400" b="1" dirty="0">
-                <a:solidFill>
-                  <a:srgbClr val="000080"/>
-                </a:solidFill>
-                <a:highlight>
-                  <a:srgbClr val="FFFFFF"/>
-                </a:highlight>
-              </a:rPr>
-              <a:t>=</a:t>
-            </a:r>
-            <a:r>
-              <a:rPr lang="pl-PL" sz="1400" dirty="0">
-                <a:solidFill>
-                  <a:srgbClr val="000000"/>
-                </a:solidFill>
-                <a:highlight>
-                  <a:srgbClr val="FFFFFF"/>
-                </a:highlight>
-              </a:rPr>
-              <a:t> </a:t>
-            </a:r>
-            <a:r>
-              <a:rPr lang="pl-PL" sz="1400" dirty="0" err="1">
-                <a:solidFill>
-                  <a:srgbClr val="000000"/>
-                </a:solidFill>
-                <a:highlight>
-                  <a:srgbClr val="FFFFFF"/>
-                </a:highlight>
-              </a:rPr>
-              <a:t>Context</a:t>
-            </a:r>
-            <a:r>
-              <a:rPr lang="pl-PL" sz="1400" b="1" dirty="0" err="1">
-                <a:solidFill>
-                  <a:srgbClr val="000080"/>
-                </a:solidFill>
-                <a:highlight>
-                  <a:srgbClr val="FFFFFF"/>
-                </a:highlight>
-              </a:rPr>
-              <a:t>.</a:t>
-            </a:r>
-            <a:r>
-              <a:rPr lang="pl-PL" sz="1400" dirty="0" err="1">
-                <a:solidFill>
-                  <a:srgbClr val="000000"/>
-                </a:solidFill>
-                <a:highlight>
-                  <a:srgbClr val="FFFFFF"/>
-                </a:highlight>
-              </a:rPr>
-              <a:t>Entry</a:t>
-            </a:r>
-            <a:r>
-              <a:rPr lang="pl-PL" sz="1400" b="1" dirty="0">
-                <a:solidFill>
-                  <a:srgbClr val="000080"/>
-                </a:solidFill>
-                <a:highlight>
-                  <a:srgbClr val="FFFFFF"/>
-                </a:highlight>
-              </a:rPr>
-              <a:t>(</a:t>
-            </a:r>
-            <a:r>
-              <a:rPr lang="pl-PL" sz="1400" dirty="0" err="1">
-                <a:solidFill>
-                  <a:srgbClr val="000000"/>
-                </a:solidFill>
-                <a:highlight>
-                  <a:srgbClr val="FFFFFF"/>
-                </a:highlight>
-              </a:rPr>
-              <a:t>entity</a:t>
-            </a:r>
-            <a:r>
-              <a:rPr lang="pl-PL" sz="1400" b="1" dirty="0">
-                <a:solidFill>
-                  <a:srgbClr val="000080"/>
-                </a:solidFill>
-                <a:highlight>
-                  <a:srgbClr val="FFFFFF"/>
-                </a:highlight>
-              </a:rPr>
-              <a:t>);</a:t>
-            </a:r>
-            <a:endParaRPr lang="pl-PL" sz="1400" dirty="0">
-              <a:solidFill>
-                <a:srgbClr val="000000"/>
-              </a:solidFill>
-              <a:highlight>
-                <a:srgbClr val="FFFFFF"/>
-              </a:highlight>
-            </a:endParaRPr>
-          </a:p>
-          <a:p>
-            <a:r>
-              <a:rPr lang="pl-PL" sz="1400" dirty="0">
-                <a:solidFill>
-                  <a:srgbClr val="000000"/>
-                </a:solidFill>
-                <a:highlight>
-                  <a:srgbClr val="FFFFFF"/>
-                </a:highlight>
-              </a:rPr>
-              <a:t>        </a:t>
-            </a:r>
-            <a:r>
-              <a:rPr lang="pl-PL" sz="1400" dirty="0" smtClean="0">
-                <a:solidFill>
-                  <a:srgbClr val="000000"/>
-                </a:solidFill>
-                <a:highlight>
-                  <a:srgbClr val="FFFFFF"/>
-                </a:highlight>
-              </a:rPr>
-              <a:t>  </a:t>
-            </a:r>
-            <a:r>
-              <a:rPr lang="pl-PL" sz="1400" b="1" dirty="0" err="1" smtClean="0">
-                <a:solidFill>
-                  <a:srgbClr val="0000FF"/>
-                </a:solidFill>
-                <a:highlight>
-                  <a:srgbClr val="FFFFFF"/>
-                </a:highlight>
-              </a:rPr>
-              <a:t>if</a:t>
-            </a:r>
-            <a:r>
-              <a:rPr lang="pl-PL" sz="1400" dirty="0" smtClean="0">
-                <a:solidFill>
-                  <a:srgbClr val="000000"/>
-                </a:solidFill>
-                <a:highlight>
-                  <a:srgbClr val="FFFFFF"/>
-                </a:highlight>
-              </a:rPr>
-              <a:t> </a:t>
-            </a:r>
-            <a:r>
-              <a:rPr lang="pl-PL" sz="1400" b="1" dirty="0">
-                <a:solidFill>
-                  <a:srgbClr val="000080"/>
-                </a:solidFill>
-                <a:highlight>
-                  <a:srgbClr val="FFFFFF"/>
-                </a:highlight>
-              </a:rPr>
-              <a:t>(</a:t>
-            </a:r>
-            <a:r>
-              <a:rPr lang="pl-PL" sz="1400" dirty="0" err="1">
-                <a:solidFill>
-                  <a:srgbClr val="000000"/>
-                </a:solidFill>
-                <a:highlight>
-                  <a:srgbClr val="FFFFFF"/>
-                </a:highlight>
-              </a:rPr>
-              <a:t>oldEntity</a:t>
-            </a:r>
-            <a:r>
-              <a:rPr lang="pl-PL" sz="1400" b="1" dirty="0" err="1">
-                <a:solidFill>
-                  <a:srgbClr val="000080"/>
-                </a:solidFill>
-                <a:highlight>
-                  <a:srgbClr val="FFFFFF"/>
-                </a:highlight>
-              </a:rPr>
-              <a:t>.</a:t>
-            </a:r>
-            <a:r>
-              <a:rPr lang="pl-PL" sz="1400" dirty="0" err="1">
-                <a:solidFill>
-                  <a:srgbClr val="000000"/>
-                </a:solidFill>
-                <a:highlight>
-                  <a:srgbClr val="FFFFFF"/>
-                </a:highlight>
-              </a:rPr>
-              <a:t>State</a:t>
-            </a:r>
-            <a:r>
-              <a:rPr lang="pl-PL" sz="1400" dirty="0">
-                <a:solidFill>
-                  <a:srgbClr val="000000"/>
-                </a:solidFill>
-                <a:highlight>
-                  <a:srgbClr val="FFFFFF"/>
-                </a:highlight>
-              </a:rPr>
-              <a:t> </a:t>
-            </a:r>
-            <a:r>
-              <a:rPr lang="pl-PL" sz="1400" b="1" dirty="0">
-                <a:solidFill>
-                  <a:srgbClr val="000080"/>
-                </a:solidFill>
-                <a:highlight>
-                  <a:srgbClr val="FFFFFF"/>
-                </a:highlight>
-              </a:rPr>
-              <a:t>!=</a:t>
-            </a:r>
-            <a:r>
-              <a:rPr lang="pl-PL" sz="1400" dirty="0">
-                <a:solidFill>
-                  <a:srgbClr val="000000"/>
-                </a:solidFill>
-                <a:highlight>
-                  <a:srgbClr val="FFFFFF"/>
-                </a:highlight>
-              </a:rPr>
-              <a:t> </a:t>
-            </a:r>
-            <a:r>
-              <a:rPr lang="pl-PL" sz="1400" dirty="0" err="1">
-                <a:solidFill>
-                  <a:srgbClr val="000000"/>
-                </a:solidFill>
-                <a:highlight>
-                  <a:srgbClr val="FFFFFF"/>
-                </a:highlight>
-              </a:rPr>
-              <a:t>EntityState</a:t>
-            </a:r>
-            <a:r>
-              <a:rPr lang="pl-PL" sz="1400" b="1" dirty="0" err="1">
-                <a:solidFill>
-                  <a:srgbClr val="000080"/>
-                </a:solidFill>
-                <a:highlight>
-                  <a:srgbClr val="FFFFFF"/>
-                </a:highlight>
-              </a:rPr>
-              <a:t>.</a:t>
-            </a:r>
-            <a:r>
-              <a:rPr lang="pl-PL" sz="1400" dirty="0" err="1">
-                <a:solidFill>
-                  <a:srgbClr val="000000"/>
-                </a:solidFill>
-                <a:highlight>
-                  <a:srgbClr val="FFFFFF"/>
-                </a:highlight>
-              </a:rPr>
-              <a:t>Detached</a:t>
-            </a:r>
-            <a:r>
-              <a:rPr lang="pl-PL" sz="1400" b="1" dirty="0">
-                <a:solidFill>
-                  <a:srgbClr val="000080"/>
-                </a:solidFill>
-                <a:highlight>
-                  <a:srgbClr val="FFFFFF"/>
-                </a:highlight>
-              </a:rPr>
-              <a:t>)</a:t>
-            </a:r>
-            <a:endParaRPr lang="pl-PL" sz="1400" dirty="0">
-              <a:solidFill>
-                <a:srgbClr val="000000"/>
-              </a:solidFill>
-              <a:highlight>
-                <a:srgbClr val="FFFFFF"/>
-              </a:highlight>
-            </a:endParaRPr>
-          </a:p>
-          <a:p>
-            <a:r>
-              <a:rPr lang="pl-PL" sz="1400" dirty="0">
-                <a:solidFill>
-                  <a:srgbClr val="000000"/>
-                </a:solidFill>
-                <a:highlight>
-                  <a:srgbClr val="FFFFFF"/>
-                </a:highlight>
-              </a:rPr>
-              <a:t>          </a:t>
-            </a:r>
-            <a:r>
-              <a:rPr lang="pl-PL" sz="1400" dirty="0" smtClean="0">
-                <a:solidFill>
-                  <a:srgbClr val="000000"/>
-                </a:solidFill>
-                <a:highlight>
-                  <a:srgbClr val="FFFFFF"/>
-                </a:highlight>
-              </a:rPr>
-              <a:t>    </a:t>
-            </a:r>
-            <a:r>
-              <a:rPr lang="pl-PL" sz="1400" b="1" dirty="0">
-                <a:solidFill>
-                  <a:srgbClr val="0000FF"/>
-                </a:solidFill>
-                <a:highlight>
-                  <a:srgbClr val="FFFFFF"/>
-                </a:highlight>
-              </a:rPr>
-              <a:t>return</a:t>
-            </a:r>
-            <a:r>
-              <a:rPr lang="pl-PL" sz="1400" dirty="0">
-                <a:solidFill>
-                  <a:srgbClr val="000000"/>
-                </a:solidFill>
-                <a:highlight>
-                  <a:srgbClr val="FFFFFF"/>
-                </a:highlight>
-              </a:rPr>
-              <a:t> </a:t>
-            </a:r>
-            <a:r>
-              <a:rPr lang="pl-PL" sz="1400" dirty="0" err="1">
-                <a:solidFill>
-                  <a:srgbClr val="000000"/>
-                </a:solidFill>
-                <a:highlight>
-                  <a:srgbClr val="FFFFFF"/>
-                </a:highlight>
-              </a:rPr>
-              <a:t>oldEntity</a:t>
-            </a:r>
-            <a:r>
-              <a:rPr lang="pl-PL" sz="1400" b="1" dirty="0" err="1">
-                <a:solidFill>
-                  <a:srgbClr val="000080"/>
-                </a:solidFill>
-                <a:highlight>
-                  <a:srgbClr val="FFFFFF"/>
-                </a:highlight>
-              </a:rPr>
-              <a:t>.</a:t>
-            </a:r>
-            <a:r>
-              <a:rPr lang="pl-PL" sz="1400" dirty="0" err="1">
-                <a:solidFill>
-                  <a:srgbClr val="000000"/>
-                </a:solidFill>
-                <a:highlight>
-                  <a:srgbClr val="FFFFFF"/>
-                </a:highlight>
-              </a:rPr>
-              <a:t>Entity</a:t>
-            </a:r>
-            <a:r>
-              <a:rPr lang="pl-PL" sz="1400" b="1" dirty="0">
-                <a:solidFill>
-                  <a:srgbClr val="000080"/>
-                </a:solidFill>
-                <a:highlight>
-                  <a:srgbClr val="FFFFFF"/>
-                </a:highlight>
-              </a:rPr>
-              <a:t>;</a:t>
-            </a:r>
-            <a:endParaRPr lang="pl-PL" sz="1400" dirty="0">
-              <a:solidFill>
-                <a:srgbClr val="000000"/>
-              </a:solidFill>
-              <a:highlight>
-                <a:srgbClr val="FFFFFF"/>
-              </a:highlight>
-            </a:endParaRPr>
-          </a:p>
-          <a:p>
-            <a:r>
-              <a:rPr lang="pl-PL" sz="1400" dirty="0">
-                <a:solidFill>
-                  <a:srgbClr val="000000"/>
-                </a:solidFill>
-                <a:highlight>
-                  <a:srgbClr val="FFFFFF"/>
-                </a:highlight>
-              </a:rPr>
-              <a:t>        </a:t>
-            </a:r>
-            <a:r>
-              <a:rPr lang="pl-PL" sz="1400" dirty="0" smtClean="0">
-                <a:solidFill>
-                  <a:srgbClr val="000000"/>
-                </a:solidFill>
-                <a:highlight>
-                  <a:srgbClr val="FFFFFF"/>
-                </a:highlight>
-              </a:rPr>
-              <a:t>  </a:t>
-            </a:r>
-            <a:r>
-              <a:rPr lang="pl-PL" sz="1400" dirty="0" err="1" smtClean="0">
-                <a:solidFill>
-                  <a:srgbClr val="000000"/>
-                </a:solidFill>
-                <a:highlight>
-                  <a:srgbClr val="FFFFFF"/>
-                </a:highlight>
-              </a:rPr>
-              <a:t>oldEntity</a:t>
-            </a:r>
-            <a:r>
-              <a:rPr lang="pl-PL" sz="1400" b="1" dirty="0" err="1" smtClean="0">
-                <a:solidFill>
-                  <a:srgbClr val="000080"/>
-                </a:solidFill>
-                <a:highlight>
-                  <a:srgbClr val="FFFFFF"/>
-                </a:highlight>
-              </a:rPr>
-              <a:t>.</a:t>
-            </a:r>
-            <a:r>
-              <a:rPr lang="pl-PL" sz="1400" dirty="0" err="1" smtClean="0">
-                <a:solidFill>
-                  <a:srgbClr val="000000"/>
-                </a:solidFill>
-                <a:highlight>
-                  <a:srgbClr val="FFFFFF"/>
-                </a:highlight>
-              </a:rPr>
-              <a:t>State</a:t>
-            </a:r>
-            <a:r>
-              <a:rPr lang="pl-PL" sz="1400" dirty="0" smtClean="0">
-                <a:solidFill>
-                  <a:srgbClr val="000000"/>
-                </a:solidFill>
-                <a:highlight>
-                  <a:srgbClr val="FFFFFF"/>
-                </a:highlight>
-              </a:rPr>
-              <a:t> </a:t>
-            </a:r>
-            <a:r>
-              <a:rPr lang="pl-PL" sz="1400" b="1" dirty="0">
-                <a:solidFill>
-                  <a:srgbClr val="000080"/>
-                </a:solidFill>
-                <a:highlight>
-                  <a:srgbClr val="FFFFFF"/>
-                </a:highlight>
-              </a:rPr>
-              <a:t>=</a:t>
-            </a:r>
-            <a:r>
-              <a:rPr lang="pl-PL" sz="1400" dirty="0">
-                <a:solidFill>
-                  <a:srgbClr val="000000"/>
-                </a:solidFill>
-                <a:highlight>
-                  <a:srgbClr val="FFFFFF"/>
-                </a:highlight>
-              </a:rPr>
-              <a:t> </a:t>
-            </a:r>
-            <a:r>
-              <a:rPr lang="pl-PL" sz="1400" dirty="0" err="1">
-                <a:solidFill>
-                  <a:srgbClr val="000000"/>
-                </a:solidFill>
-                <a:highlight>
-                  <a:srgbClr val="FFFFFF"/>
-                </a:highlight>
-              </a:rPr>
-              <a:t>EntityState</a:t>
-            </a:r>
-            <a:r>
-              <a:rPr lang="pl-PL" sz="1400" b="1" dirty="0" err="1">
-                <a:solidFill>
-                  <a:srgbClr val="000080"/>
-                </a:solidFill>
-                <a:highlight>
-                  <a:srgbClr val="FFFFFF"/>
-                </a:highlight>
-              </a:rPr>
-              <a:t>.</a:t>
-            </a:r>
-            <a:r>
-              <a:rPr lang="pl-PL" sz="1400" dirty="0" err="1">
-                <a:solidFill>
-                  <a:srgbClr val="000000"/>
-                </a:solidFill>
-                <a:highlight>
-                  <a:srgbClr val="FFFFFF"/>
-                </a:highlight>
-              </a:rPr>
-              <a:t>Modified</a:t>
-            </a:r>
-            <a:r>
-              <a:rPr lang="pl-PL" sz="1400" b="1" dirty="0">
-                <a:solidFill>
-                  <a:srgbClr val="000080"/>
-                </a:solidFill>
-                <a:highlight>
-                  <a:srgbClr val="FFFFFF"/>
-                </a:highlight>
-              </a:rPr>
-              <a:t>;</a:t>
-            </a:r>
-            <a:endParaRPr lang="pl-PL" sz="1400" dirty="0">
-              <a:solidFill>
-                <a:srgbClr val="000000"/>
-              </a:solidFill>
-              <a:highlight>
-                <a:srgbClr val="FFFFFF"/>
-              </a:highlight>
-            </a:endParaRPr>
-          </a:p>
-          <a:p>
-            <a:r>
-              <a:rPr lang="pl-PL" sz="1400" dirty="0">
-                <a:solidFill>
-                  <a:srgbClr val="000000"/>
-                </a:solidFill>
-                <a:highlight>
-                  <a:srgbClr val="FFFFFF"/>
-                </a:highlight>
-              </a:rPr>
-              <a:t>        </a:t>
-            </a:r>
-            <a:r>
-              <a:rPr lang="pl-PL" sz="1400" dirty="0" smtClean="0">
-                <a:solidFill>
-                  <a:srgbClr val="000000"/>
-                </a:solidFill>
-                <a:highlight>
-                  <a:srgbClr val="FFFFFF"/>
-                </a:highlight>
-              </a:rPr>
-              <a:t>  </a:t>
-            </a:r>
-            <a:r>
-              <a:rPr lang="pl-PL" sz="1400" dirty="0" err="1" smtClean="0">
-                <a:solidFill>
-                  <a:srgbClr val="000000"/>
-                </a:solidFill>
-                <a:highlight>
-                  <a:srgbClr val="FFFFFF"/>
-                </a:highlight>
-              </a:rPr>
-              <a:t>SaveChanges</a:t>
-            </a:r>
-            <a:r>
-              <a:rPr lang="pl-PL" sz="1400" b="1" dirty="0">
-                <a:solidFill>
-                  <a:srgbClr val="000080"/>
-                </a:solidFill>
-                <a:highlight>
-                  <a:srgbClr val="FFFFFF"/>
-                </a:highlight>
-              </a:rPr>
-              <a:t>();</a:t>
-            </a:r>
-            <a:endParaRPr lang="pl-PL" sz="1400" dirty="0">
-              <a:solidFill>
-                <a:srgbClr val="000000"/>
-              </a:solidFill>
-              <a:highlight>
-                <a:srgbClr val="FFFFFF"/>
-              </a:highlight>
-            </a:endParaRPr>
-          </a:p>
-          <a:p>
-            <a:r>
-              <a:rPr lang="pl-PL" sz="1400" dirty="0">
-                <a:solidFill>
-                  <a:srgbClr val="000000"/>
-                </a:solidFill>
-                <a:highlight>
-                  <a:srgbClr val="FFFFFF"/>
-                </a:highlight>
-              </a:rPr>
-              <a:t>        </a:t>
-            </a:r>
-            <a:r>
-              <a:rPr lang="pl-PL" sz="1400" dirty="0" smtClean="0">
-                <a:solidFill>
-                  <a:srgbClr val="000000"/>
-                </a:solidFill>
-                <a:highlight>
-                  <a:srgbClr val="FFFFFF"/>
-                </a:highlight>
-              </a:rPr>
-              <a:t>  </a:t>
-            </a:r>
-            <a:r>
-              <a:rPr lang="pl-PL" sz="1400" b="1" dirty="0" smtClean="0">
-                <a:solidFill>
-                  <a:srgbClr val="0000FF"/>
-                </a:solidFill>
-                <a:highlight>
-                  <a:srgbClr val="FFFFFF"/>
-                </a:highlight>
-              </a:rPr>
-              <a:t>return</a:t>
-            </a:r>
-            <a:r>
-              <a:rPr lang="pl-PL" sz="1400" dirty="0" smtClean="0">
-                <a:solidFill>
-                  <a:srgbClr val="000000"/>
-                </a:solidFill>
-                <a:highlight>
-                  <a:srgbClr val="FFFFFF"/>
-                </a:highlight>
-              </a:rPr>
-              <a:t> </a:t>
-            </a:r>
-            <a:r>
-              <a:rPr lang="pl-PL" sz="1400" dirty="0" err="1">
-                <a:solidFill>
-                  <a:srgbClr val="000000"/>
-                </a:solidFill>
-                <a:highlight>
-                  <a:srgbClr val="FFFFFF"/>
-                </a:highlight>
-              </a:rPr>
-              <a:t>DbSet</a:t>
-            </a:r>
-            <a:r>
-              <a:rPr lang="pl-PL" sz="1400" b="1" dirty="0" err="1">
-                <a:solidFill>
-                  <a:srgbClr val="000080"/>
-                </a:solidFill>
-                <a:highlight>
-                  <a:srgbClr val="FFFFFF"/>
-                </a:highlight>
-              </a:rPr>
-              <a:t>.</a:t>
-            </a:r>
-            <a:r>
-              <a:rPr lang="pl-PL" sz="1400" dirty="0" err="1">
-                <a:solidFill>
-                  <a:srgbClr val="000000"/>
-                </a:solidFill>
-                <a:highlight>
-                  <a:srgbClr val="FFFFFF"/>
-                </a:highlight>
-              </a:rPr>
-              <a:t>Attach</a:t>
-            </a:r>
-            <a:r>
-              <a:rPr lang="pl-PL" sz="1400" b="1" dirty="0">
-                <a:solidFill>
-                  <a:srgbClr val="000080"/>
-                </a:solidFill>
-                <a:highlight>
-                  <a:srgbClr val="FFFFFF"/>
-                </a:highlight>
-              </a:rPr>
-              <a:t>(</a:t>
-            </a:r>
-            <a:r>
-              <a:rPr lang="pl-PL" sz="1400" dirty="0" err="1">
-                <a:solidFill>
-                  <a:srgbClr val="000000"/>
-                </a:solidFill>
-                <a:highlight>
-                  <a:srgbClr val="FFFFFF"/>
-                </a:highlight>
-              </a:rPr>
-              <a:t>entity</a:t>
-            </a:r>
-            <a:r>
-              <a:rPr lang="pl-PL" sz="1400" b="1" dirty="0">
-                <a:solidFill>
-                  <a:srgbClr val="000080"/>
-                </a:solidFill>
-                <a:highlight>
-                  <a:srgbClr val="FFFFFF"/>
-                </a:highlight>
-              </a:rPr>
-              <a:t>);</a:t>
-            </a:r>
-            <a:endParaRPr lang="pl-PL" sz="1400" dirty="0">
-              <a:solidFill>
-                <a:srgbClr val="000000"/>
-              </a:solidFill>
-              <a:highlight>
-                <a:srgbClr val="FFFFFF"/>
-              </a:highlight>
-            </a:endParaRPr>
-          </a:p>
-          <a:p>
-            <a:r>
-              <a:rPr lang="pl-PL" sz="1400" b="1" dirty="0" smtClean="0">
-                <a:solidFill>
-                  <a:srgbClr val="000080"/>
-                </a:solidFill>
-                <a:highlight>
-                  <a:srgbClr val="FFFFFF"/>
-                </a:highlight>
-              </a:rPr>
-              <a:t>    }</a:t>
-            </a:r>
-            <a:endParaRPr lang="pl-PL" sz="1400" dirty="0">
-              <a:solidFill>
-                <a:srgbClr val="000000"/>
-              </a:solidFill>
-              <a:highlight>
-                <a:srgbClr val="FFFFFF"/>
-              </a:highlight>
-            </a:endParaRPr>
-          </a:p>
-          <a:p>
-            <a:r>
-              <a:rPr lang="pl-PL" sz="1400" dirty="0" smtClean="0">
-                <a:solidFill>
-                  <a:srgbClr val="000000"/>
-                </a:solidFill>
-                <a:highlight>
-                  <a:srgbClr val="FFFFFF"/>
-                </a:highlight>
-              </a:rPr>
-              <a:t>   </a:t>
-            </a:r>
-            <a:r>
-              <a:rPr lang="pl-PL" sz="1400" b="1" dirty="0" smtClean="0">
-                <a:solidFill>
-                  <a:srgbClr val="000080"/>
-                </a:solidFill>
-                <a:highlight>
-                  <a:srgbClr val="FFFFFF"/>
-                </a:highlight>
-              </a:rPr>
-              <a:t>(...)</a:t>
-            </a:r>
-            <a:endParaRPr lang="pl-PL" sz="1400" dirty="0">
-              <a:solidFill>
-                <a:srgbClr val="000000"/>
-              </a:solidFill>
-              <a:highlight>
-                <a:srgbClr val="FFFFFF"/>
-              </a:highlight>
-            </a:endParaRPr>
-          </a:p>
-          <a:p>
-            <a:r>
-              <a:rPr lang="pl-PL" sz="1400" b="1" dirty="0">
-                <a:solidFill>
-                  <a:srgbClr val="000080"/>
-                </a:solidFill>
-                <a:highlight>
-                  <a:srgbClr val="FFFFFF"/>
-                </a:highlight>
-              </a:rPr>
-              <a:t>}</a:t>
-            </a:r>
-            <a:endParaRPr lang="pl-PL" sz="1400" dirty="0"/>
-          </a:p>
-        </p:txBody>
-      </p:sp>
+      </p:pic>
     </p:spTree>
     <p:extLst>
       <p:ext uri="{BB962C8B-B14F-4D97-AF65-F5344CB8AC3E}">
